--- a/220510.pptx
+++ b/220510.pptx
@@ -6,6 +6,8 @@
   </p:sldMasterIdLst>
   <p:sldIdLst>
     <p:sldId id="256" r:id="rId2"/>
+    <p:sldId id="257" r:id="rId3"/>
+    <p:sldId id="258" r:id="rId4"/>
   </p:sldIdLst>
   <p:sldSz cx="12192000" cy="6858000"/>
   <p:notesSz cx="6858000" cy="9144000"/>
@@ -104,6 +106,11 @@
       </a:defRPr>
     </a:lvl9pPr>
   </p:defaultTextStyle>
+  <p:extLst>
+    <p:ext uri="{EFAFB233-063F-42B5-8137-9DF3F51BA10A}">
+      <p15:sldGuideLst xmlns:p15="http://schemas.microsoft.com/office/powerpoint/2012/main"/>
+    </p:ext>
+  </p:extLst>
 </p:presentation>
 </file>
 
@@ -4651,6 +4658,3734 @@
     <p:extLst>
       <p:ext uri="{BB962C8B-B14F-4D97-AF65-F5344CB8AC3E}">
         <p14:creationId xmlns:p14="http://schemas.microsoft.com/office/powerpoint/2010/main" val="1555594197"/>
+      </p:ext>
+    </p:extLst>
+  </p:cSld>
+  <p:clrMapOvr>
+    <a:masterClrMapping/>
+  </p:clrMapOvr>
+</p:sld>
+</file>
+
+<file path=ppt/slides/slide2.xml><?xml version="1.0" encoding="utf-8"?>
+<p:sld xmlns:a="http://schemas.openxmlformats.org/drawingml/2006/main" xmlns:r="http://schemas.openxmlformats.org/officeDocument/2006/relationships" xmlns:p="http://schemas.openxmlformats.org/presentationml/2006/main">
+  <p:cSld>
+    <p:spTree>
+      <p:nvGrpSpPr>
+        <p:cNvPr id="1" name=""/>
+        <p:cNvGrpSpPr/>
+        <p:nvPr/>
+      </p:nvGrpSpPr>
+      <p:grpSpPr>
+        <a:xfrm>
+          <a:off x="0" y="0"/>
+          <a:ext cx="0" cy="0"/>
+          <a:chOff x="0" y="0"/>
+          <a:chExt cx="0" cy="0"/>
+        </a:xfrm>
+      </p:grpSpPr>
+      <p:sp>
+        <p:nvSpPr>
+          <p:cNvPr id="4" name="직사각형 3">
+            <a:extLst>
+              <a:ext uri="{FF2B5EF4-FFF2-40B4-BE49-F238E27FC236}">
+                <a16:creationId xmlns:a16="http://schemas.microsoft.com/office/drawing/2014/main" id="{5238548B-BBA0-4FEA-0B83-8447CA670C66}"/>
+              </a:ext>
+            </a:extLst>
+          </p:cNvPr>
+          <p:cNvSpPr/>
+          <p:nvPr/>
+        </p:nvSpPr>
+        <p:spPr>
+          <a:xfrm>
+            <a:off x="983411" y="586596"/>
+            <a:ext cx="1078302" cy="491706"/>
+          </a:xfrm>
+          <a:prstGeom prst="rect">
+            <a:avLst/>
+          </a:prstGeom>
+          <a:solidFill>
+            <a:srgbClr val="FFFF00"/>
+          </a:solidFill>
+        </p:spPr>
+        <p:style>
+          <a:lnRef idx="2">
+            <a:schemeClr val="accent1">
+              <a:shade val="50000"/>
+            </a:schemeClr>
+          </a:lnRef>
+          <a:fillRef idx="1">
+            <a:schemeClr val="accent1"/>
+          </a:fillRef>
+          <a:effectRef idx="0">
+            <a:schemeClr val="accent1"/>
+          </a:effectRef>
+          <a:fontRef idx="minor">
+            <a:schemeClr val="lt1"/>
+          </a:fontRef>
+        </p:style>
+        <p:txBody>
+          <a:bodyPr rtlCol="0" anchor="ctr"/>
+          <a:lstStyle/>
+          <a:p>
+            <a:pPr algn="ctr"/>
+            <a:r>
+              <a:rPr kumimoji="1" lang="en-US" altLang="ko-Kore-KR" sz="1400" dirty="0" err="1">
+                <a:solidFill>
+                  <a:schemeClr val="tx1"/>
+                </a:solidFill>
+              </a:rPr>
+              <a:t>a.out</a:t>
+            </a:r>
+            <a:endParaRPr kumimoji="1" lang="ko-Kore-KR" altLang="en-US" sz="1400" dirty="0">
+              <a:solidFill>
+                <a:schemeClr val="tx1"/>
+              </a:solidFill>
+            </a:endParaRPr>
+          </a:p>
+        </p:txBody>
+      </p:sp>
+      <p:sp>
+        <p:nvSpPr>
+          <p:cNvPr id="5" name="직사각형 4">
+            <a:extLst>
+              <a:ext uri="{FF2B5EF4-FFF2-40B4-BE49-F238E27FC236}">
+                <a16:creationId xmlns:a16="http://schemas.microsoft.com/office/drawing/2014/main" id="{096FBA98-D4FA-2F2C-D969-47E6B071D6DA}"/>
+              </a:ext>
+            </a:extLst>
+          </p:cNvPr>
+          <p:cNvSpPr/>
+          <p:nvPr/>
+        </p:nvSpPr>
+        <p:spPr>
+          <a:xfrm>
+            <a:off x="4396597" y="669984"/>
+            <a:ext cx="1078302" cy="491706"/>
+          </a:xfrm>
+          <a:prstGeom prst="rect">
+            <a:avLst/>
+          </a:prstGeom>
+          <a:solidFill>
+            <a:srgbClr val="FFFF00"/>
+          </a:solidFill>
+        </p:spPr>
+        <p:style>
+          <a:lnRef idx="2">
+            <a:schemeClr val="accent1">
+              <a:shade val="50000"/>
+            </a:schemeClr>
+          </a:lnRef>
+          <a:fillRef idx="1">
+            <a:schemeClr val="accent1"/>
+          </a:fillRef>
+          <a:effectRef idx="0">
+            <a:schemeClr val="accent1"/>
+          </a:effectRef>
+          <a:fontRef idx="minor">
+            <a:schemeClr val="lt1"/>
+          </a:fontRef>
+        </p:style>
+        <p:txBody>
+          <a:bodyPr rtlCol="0" anchor="ctr"/>
+          <a:lstStyle/>
+          <a:p>
+            <a:pPr algn="ctr"/>
+            <a:r>
+              <a:rPr kumimoji="1" lang="en-US" altLang="ko-Kore-KR" sz="1400" dirty="0">
+                <a:solidFill>
+                  <a:schemeClr val="tx1"/>
+                </a:solidFill>
+              </a:rPr>
+              <a:t>files</a:t>
+            </a:r>
+            <a:endParaRPr kumimoji="1" lang="ko-Kore-KR" altLang="en-US" sz="1400" dirty="0">
+              <a:solidFill>
+                <a:schemeClr val="tx1"/>
+              </a:solidFill>
+            </a:endParaRPr>
+          </a:p>
+        </p:txBody>
+      </p:sp>
+      <p:sp>
+        <p:nvSpPr>
+          <p:cNvPr id="7" name="직사각형 6">
+            <a:extLst>
+              <a:ext uri="{FF2B5EF4-FFF2-40B4-BE49-F238E27FC236}">
+                <a16:creationId xmlns:a16="http://schemas.microsoft.com/office/drawing/2014/main" id="{A356BE56-0176-6000-5F22-4C1D8E8BF7C7}"/>
+              </a:ext>
+            </a:extLst>
+          </p:cNvPr>
+          <p:cNvSpPr/>
+          <p:nvPr/>
+        </p:nvSpPr>
+        <p:spPr>
+          <a:xfrm>
+            <a:off x="4325936" y="300652"/>
+            <a:ext cx="1219629" cy="369332"/>
+          </a:xfrm>
+          <a:prstGeom prst="rect">
+            <a:avLst/>
+          </a:prstGeom>
+        </p:spPr>
+        <p:txBody>
+          <a:bodyPr wrap="none">
+            <a:spAutoFit/>
+          </a:bodyPr>
+          <a:lstStyle/>
+          <a:p>
+            <a:pPr algn="ctr"/>
+            <a:r>
+              <a:rPr kumimoji="1" lang="en-US" altLang="ko-Kore-KR" dirty="0" err="1"/>
+              <a:t>task_struct</a:t>
+            </a:r>
+            <a:endParaRPr kumimoji="1" lang="ko-Kore-KR" altLang="en-US" dirty="0"/>
+          </a:p>
+        </p:txBody>
+      </p:sp>
+      <p:sp>
+        <p:nvSpPr>
+          <p:cNvPr id="8" name="직사각형 7">
+            <a:extLst>
+              <a:ext uri="{FF2B5EF4-FFF2-40B4-BE49-F238E27FC236}">
+                <a16:creationId xmlns:a16="http://schemas.microsoft.com/office/drawing/2014/main" id="{1969F8FE-5B14-8321-77B8-543B80F26318}"/>
+              </a:ext>
+            </a:extLst>
+          </p:cNvPr>
+          <p:cNvSpPr/>
+          <p:nvPr/>
+        </p:nvSpPr>
+        <p:spPr>
+          <a:xfrm>
+            <a:off x="6627963" y="1719532"/>
+            <a:ext cx="186905" cy="491706"/>
+          </a:xfrm>
+          <a:prstGeom prst="rect">
+            <a:avLst/>
+          </a:prstGeom>
+          <a:solidFill>
+            <a:srgbClr val="FFC000"/>
+          </a:solidFill>
+        </p:spPr>
+        <p:style>
+          <a:lnRef idx="2">
+            <a:schemeClr val="accent1">
+              <a:shade val="50000"/>
+            </a:schemeClr>
+          </a:lnRef>
+          <a:fillRef idx="1">
+            <a:schemeClr val="accent1"/>
+          </a:fillRef>
+          <a:effectRef idx="0">
+            <a:schemeClr val="accent1"/>
+          </a:effectRef>
+          <a:fontRef idx="minor">
+            <a:schemeClr val="lt1"/>
+          </a:fontRef>
+        </p:style>
+        <p:txBody>
+          <a:bodyPr rtlCol="0" anchor="ctr"/>
+          <a:lstStyle/>
+          <a:p>
+            <a:pPr algn="ctr"/>
+            <a:endParaRPr kumimoji="1" lang="ko-Kore-KR" altLang="en-US" sz="1400" dirty="0">
+              <a:solidFill>
+                <a:schemeClr val="tx1"/>
+              </a:solidFill>
+            </a:endParaRPr>
+          </a:p>
+        </p:txBody>
+      </p:sp>
+      <p:sp>
+        <p:nvSpPr>
+          <p:cNvPr id="9" name="직사각형 8">
+            <a:extLst>
+              <a:ext uri="{FF2B5EF4-FFF2-40B4-BE49-F238E27FC236}">
+                <a16:creationId xmlns:a16="http://schemas.microsoft.com/office/drawing/2014/main" id="{236BE4E4-1C9D-72BB-6ABB-23283155EB79}"/>
+              </a:ext>
+            </a:extLst>
+          </p:cNvPr>
+          <p:cNvSpPr/>
+          <p:nvPr/>
+        </p:nvSpPr>
+        <p:spPr>
+          <a:xfrm>
+            <a:off x="6814868" y="1719532"/>
+            <a:ext cx="186905" cy="491706"/>
+          </a:xfrm>
+          <a:prstGeom prst="rect">
+            <a:avLst/>
+          </a:prstGeom>
+          <a:solidFill>
+            <a:srgbClr val="FFC000"/>
+          </a:solidFill>
+        </p:spPr>
+        <p:style>
+          <a:lnRef idx="2">
+            <a:schemeClr val="accent1">
+              <a:shade val="50000"/>
+            </a:schemeClr>
+          </a:lnRef>
+          <a:fillRef idx="1">
+            <a:schemeClr val="accent1"/>
+          </a:fillRef>
+          <a:effectRef idx="0">
+            <a:schemeClr val="accent1"/>
+          </a:effectRef>
+          <a:fontRef idx="minor">
+            <a:schemeClr val="lt1"/>
+          </a:fontRef>
+        </p:style>
+        <p:txBody>
+          <a:bodyPr rtlCol="0" anchor="ctr"/>
+          <a:lstStyle/>
+          <a:p>
+            <a:pPr algn="ctr"/>
+            <a:endParaRPr kumimoji="1" lang="ko-Kore-KR" altLang="en-US" sz="1400" dirty="0">
+              <a:solidFill>
+                <a:schemeClr val="tx1"/>
+              </a:solidFill>
+            </a:endParaRPr>
+          </a:p>
+        </p:txBody>
+      </p:sp>
+      <p:sp>
+        <p:nvSpPr>
+          <p:cNvPr id="10" name="직사각형 9">
+            <a:extLst>
+              <a:ext uri="{FF2B5EF4-FFF2-40B4-BE49-F238E27FC236}">
+                <a16:creationId xmlns:a16="http://schemas.microsoft.com/office/drawing/2014/main" id="{27485186-23C0-7C35-C255-97F076FAE531}"/>
+              </a:ext>
+            </a:extLst>
+          </p:cNvPr>
+          <p:cNvSpPr/>
+          <p:nvPr/>
+        </p:nvSpPr>
+        <p:spPr>
+          <a:xfrm>
+            <a:off x="7001773" y="1719532"/>
+            <a:ext cx="186905" cy="491706"/>
+          </a:xfrm>
+          <a:prstGeom prst="rect">
+            <a:avLst/>
+          </a:prstGeom>
+          <a:solidFill>
+            <a:srgbClr val="FFC000"/>
+          </a:solidFill>
+        </p:spPr>
+        <p:style>
+          <a:lnRef idx="2">
+            <a:schemeClr val="accent1">
+              <a:shade val="50000"/>
+            </a:schemeClr>
+          </a:lnRef>
+          <a:fillRef idx="1">
+            <a:schemeClr val="accent1"/>
+          </a:fillRef>
+          <a:effectRef idx="0">
+            <a:schemeClr val="accent1"/>
+          </a:effectRef>
+          <a:fontRef idx="minor">
+            <a:schemeClr val="lt1"/>
+          </a:fontRef>
+        </p:style>
+        <p:txBody>
+          <a:bodyPr rtlCol="0" anchor="ctr"/>
+          <a:lstStyle/>
+          <a:p>
+            <a:pPr algn="ctr"/>
+            <a:endParaRPr kumimoji="1" lang="ko-Kore-KR" altLang="en-US" sz="1400" dirty="0">
+              <a:solidFill>
+                <a:schemeClr val="tx1"/>
+              </a:solidFill>
+            </a:endParaRPr>
+          </a:p>
+        </p:txBody>
+      </p:sp>
+      <p:sp>
+        <p:nvSpPr>
+          <p:cNvPr id="11" name="직사각형 10">
+            <a:extLst>
+              <a:ext uri="{FF2B5EF4-FFF2-40B4-BE49-F238E27FC236}">
+                <a16:creationId xmlns:a16="http://schemas.microsoft.com/office/drawing/2014/main" id="{0963E289-4F2A-4BBD-38AE-5E2A1674922D}"/>
+              </a:ext>
+            </a:extLst>
+          </p:cNvPr>
+          <p:cNvSpPr/>
+          <p:nvPr/>
+        </p:nvSpPr>
+        <p:spPr>
+          <a:xfrm>
+            <a:off x="7188678" y="1719532"/>
+            <a:ext cx="186905" cy="491706"/>
+          </a:xfrm>
+          <a:prstGeom prst="rect">
+            <a:avLst/>
+          </a:prstGeom>
+          <a:solidFill>
+            <a:srgbClr val="FFFF00"/>
+          </a:solidFill>
+        </p:spPr>
+        <p:style>
+          <a:lnRef idx="2">
+            <a:schemeClr val="accent1">
+              <a:shade val="50000"/>
+            </a:schemeClr>
+          </a:lnRef>
+          <a:fillRef idx="1">
+            <a:schemeClr val="accent1"/>
+          </a:fillRef>
+          <a:effectRef idx="0">
+            <a:schemeClr val="accent1"/>
+          </a:effectRef>
+          <a:fontRef idx="minor">
+            <a:schemeClr val="lt1"/>
+          </a:fontRef>
+        </p:style>
+        <p:txBody>
+          <a:bodyPr rtlCol="0" anchor="ctr"/>
+          <a:lstStyle/>
+          <a:p>
+            <a:pPr algn="ctr"/>
+            <a:endParaRPr kumimoji="1" lang="ko-Kore-KR" altLang="en-US" sz="1400" dirty="0">
+              <a:solidFill>
+                <a:schemeClr val="tx1"/>
+              </a:solidFill>
+            </a:endParaRPr>
+          </a:p>
+        </p:txBody>
+      </p:sp>
+      <p:sp>
+        <p:nvSpPr>
+          <p:cNvPr id="12" name="직사각형 11">
+            <a:extLst>
+              <a:ext uri="{FF2B5EF4-FFF2-40B4-BE49-F238E27FC236}">
+                <a16:creationId xmlns:a16="http://schemas.microsoft.com/office/drawing/2014/main" id="{ED90F27E-8750-9CB9-182C-EFC9BDC0FC5E}"/>
+              </a:ext>
+            </a:extLst>
+          </p:cNvPr>
+          <p:cNvSpPr/>
+          <p:nvPr/>
+        </p:nvSpPr>
+        <p:spPr>
+          <a:xfrm>
+            <a:off x="7375583" y="1719532"/>
+            <a:ext cx="186905" cy="491706"/>
+          </a:xfrm>
+          <a:prstGeom prst="rect">
+            <a:avLst/>
+          </a:prstGeom>
+          <a:solidFill>
+            <a:srgbClr val="FFFF00"/>
+          </a:solidFill>
+        </p:spPr>
+        <p:style>
+          <a:lnRef idx="2">
+            <a:schemeClr val="accent1">
+              <a:shade val="50000"/>
+            </a:schemeClr>
+          </a:lnRef>
+          <a:fillRef idx="1">
+            <a:schemeClr val="accent1"/>
+          </a:fillRef>
+          <a:effectRef idx="0">
+            <a:schemeClr val="accent1"/>
+          </a:effectRef>
+          <a:fontRef idx="minor">
+            <a:schemeClr val="lt1"/>
+          </a:fontRef>
+        </p:style>
+        <p:txBody>
+          <a:bodyPr rtlCol="0" anchor="ctr"/>
+          <a:lstStyle/>
+          <a:p>
+            <a:pPr algn="ctr"/>
+            <a:endParaRPr kumimoji="1" lang="ko-Kore-KR" altLang="en-US" sz="1400" dirty="0">
+              <a:solidFill>
+                <a:schemeClr val="tx1"/>
+              </a:solidFill>
+            </a:endParaRPr>
+          </a:p>
+        </p:txBody>
+      </p:sp>
+      <p:sp>
+        <p:nvSpPr>
+          <p:cNvPr id="13" name="직사각형 12">
+            <a:extLst>
+              <a:ext uri="{FF2B5EF4-FFF2-40B4-BE49-F238E27FC236}">
+                <a16:creationId xmlns:a16="http://schemas.microsoft.com/office/drawing/2014/main" id="{417763C6-7B0A-601F-59A0-ED038DD0F02E}"/>
+              </a:ext>
+            </a:extLst>
+          </p:cNvPr>
+          <p:cNvSpPr/>
+          <p:nvPr/>
+        </p:nvSpPr>
+        <p:spPr>
+          <a:xfrm>
+            <a:off x="7562488" y="1719532"/>
+            <a:ext cx="186905" cy="491706"/>
+          </a:xfrm>
+          <a:prstGeom prst="rect">
+            <a:avLst/>
+          </a:prstGeom>
+          <a:solidFill>
+            <a:srgbClr val="FFFF00"/>
+          </a:solidFill>
+        </p:spPr>
+        <p:style>
+          <a:lnRef idx="2">
+            <a:schemeClr val="accent1">
+              <a:shade val="50000"/>
+            </a:schemeClr>
+          </a:lnRef>
+          <a:fillRef idx="1">
+            <a:schemeClr val="accent1"/>
+          </a:fillRef>
+          <a:effectRef idx="0">
+            <a:schemeClr val="accent1"/>
+          </a:effectRef>
+          <a:fontRef idx="minor">
+            <a:schemeClr val="lt1"/>
+          </a:fontRef>
+        </p:style>
+        <p:txBody>
+          <a:bodyPr rtlCol="0" anchor="ctr"/>
+          <a:lstStyle/>
+          <a:p>
+            <a:pPr algn="ctr"/>
+            <a:endParaRPr kumimoji="1" lang="ko-Kore-KR" altLang="en-US" sz="1400" dirty="0">
+              <a:solidFill>
+                <a:schemeClr val="tx1"/>
+              </a:solidFill>
+            </a:endParaRPr>
+          </a:p>
+        </p:txBody>
+      </p:sp>
+      <p:sp>
+        <p:nvSpPr>
+          <p:cNvPr id="14" name="직사각형 13">
+            <a:extLst>
+              <a:ext uri="{FF2B5EF4-FFF2-40B4-BE49-F238E27FC236}">
+                <a16:creationId xmlns:a16="http://schemas.microsoft.com/office/drawing/2014/main" id="{D339FACE-66A8-3AE8-B5A0-7FC7B14E2678}"/>
+              </a:ext>
+            </a:extLst>
+          </p:cNvPr>
+          <p:cNvSpPr/>
+          <p:nvPr/>
+        </p:nvSpPr>
+        <p:spPr>
+          <a:xfrm>
+            <a:off x="7749393" y="1719532"/>
+            <a:ext cx="186905" cy="491706"/>
+          </a:xfrm>
+          <a:prstGeom prst="rect">
+            <a:avLst/>
+          </a:prstGeom>
+          <a:solidFill>
+            <a:srgbClr val="FFFF00"/>
+          </a:solidFill>
+        </p:spPr>
+        <p:style>
+          <a:lnRef idx="2">
+            <a:schemeClr val="accent1">
+              <a:shade val="50000"/>
+            </a:schemeClr>
+          </a:lnRef>
+          <a:fillRef idx="1">
+            <a:schemeClr val="accent1"/>
+          </a:fillRef>
+          <a:effectRef idx="0">
+            <a:schemeClr val="accent1"/>
+          </a:effectRef>
+          <a:fontRef idx="minor">
+            <a:schemeClr val="lt1"/>
+          </a:fontRef>
+        </p:style>
+        <p:txBody>
+          <a:bodyPr rtlCol="0" anchor="ctr"/>
+          <a:lstStyle/>
+          <a:p>
+            <a:pPr algn="ctr"/>
+            <a:endParaRPr kumimoji="1" lang="ko-Kore-KR" altLang="en-US" sz="1400" dirty="0">
+              <a:solidFill>
+                <a:schemeClr val="tx1"/>
+              </a:solidFill>
+            </a:endParaRPr>
+          </a:p>
+        </p:txBody>
+      </p:sp>
+      <p:sp>
+        <p:nvSpPr>
+          <p:cNvPr id="15" name="직사각형 14">
+            <a:extLst>
+              <a:ext uri="{FF2B5EF4-FFF2-40B4-BE49-F238E27FC236}">
+                <a16:creationId xmlns:a16="http://schemas.microsoft.com/office/drawing/2014/main" id="{2B261CB4-E8F7-6B01-B109-828E1C87A5C0}"/>
+              </a:ext>
+            </a:extLst>
+          </p:cNvPr>
+          <p:cNvSpPr/>
+          <p:nvPr/>
+        </p:nvSpPr>
+        <p:spPr>
+          <a:xfrm>
+            <a:off x="7936298" y="1719532"/>
+            <a:ext cx="186905" cy="491706"/>
+          </a:xfrm>
+          <a:prstGeom prst="rect">
+            <a:avLst/>
+          </a:prstGeom>
+          <a:solidFill>
+            <a:srgbClr val="FFFF00"/>
+          </a:solidFill>
+        </p:spPr>
+        <p:style>
+          <a:lnRef idx="2">
+            <a:schemeClr val="accent1">
+              <a:shade val="50000"/>
+            </a:schemeClr>
+          </a:lnRef>
+          <a:fillRef idx="1">
+            <a:schemeClr val="accent1"/>
+          </a:fillRef>
+          <a:effectRef idx="0">
+            <a:schemeClr val="accent1"/>
+          </a:effectRef>
+          <a:fontRef idx="minor">
+            <a:schemeClr val="lt1"/>
+          </a:fontRef>
+        </p:style>
+        <p:txBody>
+          <a:bodyPr rtlCol="0" anchor="ctr"/>
+          <a:lstStyle/>
+          <a:p>
+            <a:pPr algn="ctr"/>
+            <a:endParaRPr kumimoji="1" lang="ko-Kore-KR" altLang="en-US" sz="1400" dirty="0">
+              <a:solidFill>
+                <a:schemeClr val="tx1"/>
+              </a:solidFill>
+            </a:endParaRPr>
+          </a:p>
+        </p:txBody>
+      </p:sp>
+      <p:sp>
+        <p:nvSpPr>
+          <p:cNvPr id="16" name="직사각형 15">
+            <a:extLst>
+              <a:ext uri="{FF2B5EF4-FFF2-40B4-BE49-F238E27FC236}">
+                <a16:creationId xmlns:a16="http://schemas.microsoft.com/office/drawing/2014/main" id="{D0B30FB5-1E20-6776-DE16-B1BE006D0B45}"/>
+              </a:ext>
+            </a:extLst>
+          </p:cNvPr>
+          <p:cNvSpPr/>
+          <p:nvPr/>
+        </p:nvSpPr>
+        <p:spPr>
+          <a:xfrm>
+            <a:off x="8123203" y="1719532"/>
+            <a:ext cx="186905" cy="491706"/>
+          </a:xfrm>
+          <a:prstGeom prst="rect">
+            <a:avLst/>
+          </a:prstGeom>
+          <a:solidFill>
+            <a:srgbClr val="FFFF00"/>
+          </a:solidFill>
+        </p:spPr>
+        <p:style>
+          <a:lnRef idx="2">
+            <a:schemeClr val="accent1">
+              <a:shade val="50000"/>
+            </a:schemeClr>
+          </a:lnRef>
+          <a:fillRef idx="1">
+            <a:schemeClr val="accent1"/>
+          </a:fillRef>
+          <a:effectRef idx="0">
+            <a:schemeClr val="accent1"/>
+          </a:effectRef>
+          <a:fontRef idx="minor">
+            <a:schemeClr val="lt1"/>
+          </a:fontRef>
+        </p:style>
+        <p:txBody>
+          <a:bodyPr rtlCol="0" anchor="ctr"/>
+          <a:lstStyle/>
+          <a:p>
+            <a:pPr algn="ctr"/>
+            <a:endParaRPr kumimoji="1" lang="ko-Kore-KR" altLang="en-US" sz="1400" dirty="0">
+              <a:solidFill>
+                <a:schemeClr val="tx1"/>
+              </a:solidFill>
+            </a:endParaRPr>
+          </a:p>
+        </p:txBody>
+      </p:sp>
+      <p:sp>
+        <p:nvSpPr>
+          <p:cNvPr id="17" name="직사각형 16">
+            <a:extLst>
+              <a:ext uri="{FF2B5EF4-FFF2-40B4-BE49-F238E27FC236}">
+                <a16:creationId xmlns:a16="http://schemas.microsoft.com/office/drawing/2014/main" id="{418BB6DF-3CB4-2FCE-3016-4C2B16B5AFEE}"/>
+              </a:ext>
+            </a:extLst>
+          </p:cNvPr>
+          <p:cNvSpPr/>
+          <p:nvPr/>
+        </p:nvSpPr>
+        <p:spPr>
+          <a:xfrm>
+            <a:off x="8310108" y="1719532"/>
+            <a:ext cx="186905" cy="491706"/>
+          </a:xfrm>
+          <a:prstGeom prst="rect">
+            <a:avLst/>
+          </a:prstGeom>
+          <a:solidFill>
+            <a:srgbClr val="FFFF00"/>
+          </a:solidFill>
+        </p:spPr>
+        <p:style>
+          <a:lnRef idx="2">
+            <a:schemeClr val="accent1">
+              <a:shade val="50000"/>
+            </a:schemeClr>
+          </a:lnRef>
+          <a:fillRef idx="1">
+            <a:schemeClr val="accent1"/>
+          </a:fillRef>
+          <a:effectRef idx="0">
+            <a:schemeClr val="accent1"/>
+          </a:effectRef>
+          <a:fontRef idx="minor">
+            <a:schemeClr val="lt1"/>
+          </a:fontRef>
+        </p:style>
+        <p:txBody>
+          <a:bodyPr rtlCol="0" anchor="ctr"/>
+          <a:lstStyle/>
+          <a:p>
+            <a:pPr algn="ctr"/>
+            <a:endParaRPr kumimoji="1" lang="ko-Kore-KR" altLang="en-US" sz="1400" dirty="0">
+              <a:solidFill>
+                <a:schemeClr val="tx1"/>
+              </a:solidFill>
+            </a:endParaRPr>
+          </a:p>
+        </p:txBody>
+      </p:sp>
+      <p:sp>
+        <p:nvSpPr>
+          <p:cNvPr id="18" name="직사각형 17">
+            <a:extLst>
+              <a:ext uri="{FF2B5EF4-FFF2-40B4-BE49-F238E27FC236}">
+                <a16:creationId xmlns:a16="http://schemas.microsoft.com/office/drawing/2014/main" id="{ED0A26EC-3B23-766A-130E-DDFD0281D4EA}"/>
+              </a:ext>
+            </a:extLst>
+          </p:cNvPr>
+          <p:cNvSpPr/>
+          <p:nvPr/>
+        </p:nvSpPr>
+        <p:spPr>
+          <a:xfrm>
+            <a:off x="8497013" y="1719532"/>
+            <a:ext cx="186905" cy="491706"/>
+          </a:xfrm>
+          <a:prstGeom prst="rect">
+            <a:avLst/>
+          </a:prstGeom>
+          <a:solidFill>
+            <a:srgbClr val="FFFF00"/>
+          </a:solidFill>
+        </p:spPr>
+        <p:style>
+          <a:lnRef idx="2">
+            <a:schemeClr val="accent1">
+              <a:shade val="50000"/>
+            </a:schemeClr>
+          </a:lnRef>
+          <a:fillRef idx="1">
+            <a:schemeClr val="accent1"/>
+          </a:fillRef>
+          <a:effectRef idx="0">
+            <a:schemeClr val="accent1"/>
+          </a:effectRef>
+          <a:fontRef idx="minor">
+            <a:schemeClr val="lt1"/>
+          </a:fontRef>
+        </p:style>
+        <p:txBody>
+          <a:bodyPr rtlCol="0" anchor="ctr"/>
+          <a:lstStyle/>
+          <a:p>
+            <a:pPr algn="ctr"/>
+            <a:endParaRPr kumimoji="1" lang="ko-Kore-KR" altLang="en-US" sz="1400" dirty="0">
+              <a:solidFill>
+                <a:schemeClr val="tx1"/>
+              </a:solidFill>
+            </a:endParaRPr>
+          </a:p>
+        </p:txBody>
+      </p:sp>
+      <p:sp>
+        <p:nvSpPr>
+          <p:cNvPr id="19" name="직사각형 18">
+            <a:extLst>
+              <a:ext uri="{FF2B5EF4-FFF2-40B4-BE49-F238E27FC236}">
+                <a16:creationId xmlns:a16="http://schemas.microsoft.com/office/drawing/2014/main" id="{48C7B27D-1889-E9EC-107F-47F3A077E38D}"/>
+              </a:ext>
+            </a:extLst>
+          </p:cNvPr>
+          <p:cNvSpPr/>
+          <p:nvPr/>
+        </p:nvSpPr>
+        <p:spPr>
+          <a:xfrm>
+            <a:off x="8683918" y="1719532"/>
+            <a:ext cx="186905" cy="491706"/>
+          </a:xfrm>
+          <a:prstGeom prst="rect">
+            <a:avLst/>
+          </a:prstGeom>
+          <a:solidFill>
+            <a:srgbClr val="FFFF00"/>
+          </a:solidFill>
+        </p:spPr>
+        <p:style>
+          <a:lnRef idx="2">
+            <a:schemeClr val="accent1">
+              <a:shade val="50000"/>
+            </a:schemeClr>
+          </a:lnRef>
+          <a:fillRef idx="1">
+            <a:schemeClr val="accent1"/>
+          </a:fillRef>
+          <a:effectRef idx="0">
+            <a:schemeClr val="accent1"/>
+          </a:effectRef>
+          <a:fontRef idx="minor">
+            <a:schemeClr val="lt1"/>
+          </a:fontRef>
+        </p:style>
+        <p:txBody>
+          <a:bodyPr rtlCol="0" anchor="ctr"/>
+          <a:lstStyle/>
+          <a:p>
+            <a:pPr algn="ctr"/>
+            <a:endParaRPr kumimoji="1" lang="ko-Kore-KR" altLang="en-US" sz="1400" dirty="0">
+              <a:solidFill>
+                <a:schemeClr val="tx1"/>
+              </a:solidFill>
+            </a:endParaRPr>
+          </a:p>
+        </p:txBody>
+      </p:sp>
+      <p:sp>
+        <p:nvSpPr>
+          <p:cNvPr id="20" name="직사각형 19">
+            <a:extLst>
+              <a:ext uri="{FF2B5EF4-FFF2-40B4-BE49-F238E27FC236}">
+                <a16:creationId xmlns:a16="http://schemas.microsoft.com/office/drawing/2014/main" id="{E3579CC6-8CFC-5F32-8AAC-99E55FFD7E31}"/>
+              </a:ext>
+            </a:extLst>
+          </p:cNvPr>
+          <p:cNvSpPr/>
+          <p:nvPr/>
+        </p:nvSpPr>
+        <p:spPr>
+          <a:xfrm>
+            <a:off x="8870823" y="1719532"/>
+            <a:ext cx="186905" cy="491706"/>
+          </a:xfrm>
+          <a:prstGeom prst="rect">
+            <a:avLst/>
+          </a:prstGeom>
+          <a:solidFill>
+            <a:srgbClr val="FFFF00"/>
+          </a:solidFill>
+        </p:spPr>
+        <p:style>
+          <a:lnRef idx="2">
+            <a:schemeClr val="accent1">
+              <a:shade val="50000"/>
+            </a:schemeClr>
+          </a:lnRef>
+          <a:fillRef idx="1">
+            <a:schemeClr val="accent1"/>
+          </a:fillRef>
+          <a:effectRef idx="0">
+            <a:schemeClr val="accent1"/>
+          </a:effectRef>
+          <a:fontRef idx="minor">
+            <a:schemeClr val="lt1"/>
+          </a:fontRef>
+        </p:style>
+        <p:txBody>
+          <a:bodyPr rtlCol="0" anchor="ctr"/>
+          <a:lstStyle/>
+          <a:p>
+            <a:pPr algn="ctr"/>
+            <a:endParaRPr kumimoji="1" lang="ko-Kore-KR" altLang="en-US" sz="1400" dirty="0">
+              <a:solidFill>
+                <a:schemeClr val="tx1"/>
+              </a:solidFill>
+            </a:endParaRPr>
+          </a:p>
+        </p:txBody>
+      </p:sp>
+      <p:sp>
+        <p:nvSpPr>
+          <p:cNvPr id="21" name="직사각형 20">
+            <a:extLst>
+              <a:ext uri="{FF2B5EF4-FFF2-40B4-BE49-F238E27FC236}">
+                <a16:creationId xmlns:a16="http://schemas.microsoft.com/office/drawing/2014/main" id="{82190D25-5F24-80B4-8C6B-970B9613155E}"/>
+              </a:ext>
+            </a:extLst>
+          </p:cNvPr>
+          <p:cNvSpPr/>
+          <p:nvPr/>
+        </p:nvSpPr>
+        <p:spPr>
+          <a:xfrm>
+            <a:off x="9057728" y="1719532"/>
+            <a:ext cx="186905" cy="491706"/>
+          </a:xfrm>
+          <a:prstGeom prst="rect">
+            <a:avLst/>
+          </a:prstGeom>
+          <a:solidFill>
+            <a:srgbClr val="FFFF00"/>
+          </a:solidFill>
+        </p:spPr>
+        <p:style>
+          <a:lnRef idx="2">
+            <a:schemeClr val="accent1">
+              <a:shade val="50000"/>
+            </a:schemeClr>
+          </a:lnRef>
+          <a:fillRef idx="1">
+            <a:schemeClr val="accent1"/>
+          </a:fillRef>
+          <a:effectRef idx="0">
+            <a:schemeClr val="accent1"/>
+          </a:effectRef>
+          <a:fontRef idx="minor">
+            <a:schemeClr val="lt1"/>
+          </a:fontRef>
+        </p:style>
+        <p:txBody>
+          <a:bodyPr rtlCol="0" anchor="ctr"/>
+          <a:lstStyle/>
+          <a:p>
+            <a:pPr algn="ctr"/>
+            <a:endParaRPr kumimoji="1" lang="ko-Kore-KR" altLang="en-US" sz="1400" dirty="0">
+              <a:solidFill>
+                <a:schemeClr val="tx1"/>
+              </a:solidFill>
+            </a:endParaRPr>
+          </a:p>
+        </p:txBody>
+      </p:sp>
+      <p:sp>
+        <p:nvSpPr>
+          <p:cNvPr id="22" name="직사각형 21">
+            <a:extLst>
+              <a:ext uri="{FF2B5EF4-FFF2-40B4-BE49-F238E27FC236}">
+                <a16:creationId xmlns:a16="http://schemas.microsoft.com/office/drawing/2014/main" id="{BEF48940-EB35-3B01-1862-2D2CE5B80BD1}"/>
+              </a:ext>
+            </a:extLst>
+          </p:cNvPr>
+          <p:cNvSpPr/>
+          <p:nvPr/>
+        </p:nvSpPr>
+        <p:spPr>
+          <a:xfrm>
+            <a:off x="9244633" y="1719532"/>
+            <a:ext cx="186905" cy="491706"/>
+          </a:xfrm>
+          <a:prstGeom prst="rect">
+            <a:avLst/>
+          </a:prstGeom>
+          <a:solidFill>
+            <a:srgbClr val="FFFF00"/>
+          </a:solidFill>
+        </p:spPr>
+        <p:style>
+          <a:lnRef idx="2">
+            <a:schemeClr val="accent1">
+              <a:shade val="50000"/>
+            </a:schemeClr>
+          </a:lnRef>
+          <a:fillRef idx="1">
+            <a:schemeClr val="accent1"/>
+          </a:fillRef>
+          <a:effectRef idx="0">
+            <a:schemeClr val="accent1"/>
+          </a:effectRef>
+          <a:fontRef idx="minor">
+            <a:schemeClr val="lt1"/>
+          </a:fontRef>
+        </p:style>
+        <p:txBody>
+          <a:bodyPr rtlCol="0" anchor="ctr"/>
+          <a:lstStyle/>
+          <a:p>
+            <a:pPr algn="ctr"/>
+            <a:endParaRPr kumimoji="1" lang="ko-Kore-KR" altLang="en-US" sz="1400" dirty="0">
+              <a:solidFill>
+                <a:schemeClr val="tx1"/>
+              </a:solidFill>
+            </a:endParaRPr>
+          </a:p>
+        </p:txBody>
+      </p:sp>
+      <p:sp>
+        <p:nvSpPr>
+          <p:cNvPr id="23" name="직사각형 22">
+            <a:extLst>
+              <a:ext uri="{FF2B5EF4-FFF2-40B4-BE49-F238E27FC236}">
+                <a16:creationId xmlns:a16="http://schemas.microsoft.com/office/drawing/2014/main" id="{DE7AF22C-BAFA-A6A2-F352-69FF32D004D0}"/>
+              </a:ext>
+            </a:extLst>
+          </p:cNvPr>
+          <p:cNvSpPr/>
+          <p:nvPr/>
+        </p:nvSpPr>
+        <p:spPr>
+          <a:xfrm>
+            <a:off x="9431538" y="1719532"/>
+            <a:ext cx="186905" cy="491706"/>
+          </a:xfrm>
+          <a:prstGeom prst="rect">
+            <a:avLst/>
+          </a:prstGeom>
+          <a:solidFill>
+            <a:srgbClr val="FFFF00"/>
+          </a:solidFill>
+        </p:spPr>
+        <p:style>
+          <a:lnRef idx="2">
+            <a:schemeClr val="accent1">
+              <a:shade val="50000"/>
+            </a:schemeClr>
+          </a:lnRef>
+          <a:fillRef idx="1">
+            <a:schemeClr val="accent1"/>
+          </a:fillRef>
+          <a:effectRef idx="0">
+            <a:schemeClr val="accent1"/>
+          </a:effectRef>
+          <a:fontRef idx="minor">
+            <a:schemeClr val="lt1"/>
+          </a:fontRef>
+        </p:style>
+        <p:txBody>
+          <a:bodyPr rtlCol="0" anchor="ctr"/>
+          <a:lstStyle/>
+          <a:p>
+            <a:pPr algn="ctr"/>
+            <a:endParaRPr kumimoji="1" lang="ko-Kore-KR" altLang="en-US" sz="1400" dirty="0">
+              <a:solidFill>
+                <a:schemeClr val="tx1"/>
+              </a:solidFill>
+            </a:endParaRPr>
+          </a:p>
+        </p:txBody>
+      </p:sp>
+      <p:cxnSp>
+        <p:nvCxnSpPr>
+          <p:cNvPr id="25" name="구부러진 연결선[U] 24">
+            <a:extLst>
+              <a:ext uri="{FF2B5EF4-FFF2-40B4-BE49-F238E27FC236}">
+                <a16:creationId xmlns:a16="http://schemas.microsoft.com/office/drawing/2014/main" id="{4223A89B-6EB5-2BE7-EC01-A040C4625372}"/>
+              </a:ext>
+            </a:extLst>
+          </p:cNvPr>
+          <p:cNvCxnSpPr>
+            <a:stCxn id="5" idx="3"/>
+            <a:endCxn id="8" idx="1"/>
+          </p:cNvCxnSpPr>
+          <p:nvPr/>
+        </p:nvCxnSpPr>
+        <p:spPr>
+          <a:xfrm>
+            <a:off x="5474899" y="915837"/>
+            <a:ext cx="1153064" cy="1049548"/>
+          </a:xfrm>
+          <a:prstGeom prst="curvedConnector3">
+            <a:avLst/>
+          </a:prstGeom>
+          <a:ln>
+            <a:tailEnd type="triangle"/>
+          </a:ln>
+        </p:spPr>
+        <p:style>
+          <a:lnRef idx="1">
+            <a:schemeClr val="dk1"/>
+          </a:lnRef>
+          <a:fillRef idx="0">
+            <a:schemeClr val="dk1"/>
+          </a:fillRef>
+          <a:effectRef idx="0">
+            <a:schemeClr val="dk1"/>
+          </a:effectRef>
+          <a:fontRef idx="minor">
+            <a:schemeClr val="tx1"/>
+          </a:fontRef>
+        </p:style>
+      </p:cxnSp>
+      <p:sp>
+        <p:nvSpPr>
+          <p:cNvPr id="26" name="직사각형 25">
+            <a:extLst>
+              <a:ext uri="{FF2B5EF4-FFF2-40B4-BE49-F238E27FC236}">
+                <a16:creationId xmlns:a16="http://schemas.microsoft.com/office/drawing/2014/main" id="{84097FA6-7334-0895-0DF3-6315190F9655}"/>
+              </a:ext>
+            </a:extLst>
+          </p:cNvPr>
+          <p:cNvSpPr/>
+          <p:nvPr/>
+        </p:nvSpPr>
+        <p:spPr>
+          <a:xfrm>
+            <a:off x="5511059" y="3709358"/>
+            <a:ext cx="768971" cy="491706"/>
+          </a:xfrm>
+          <a:prstGeom prst="rect">
+            <a:avLst/>
+          </a:prstGeom>
+          <a:solidFill>
+            <a:srgbClr val="FFC000"/>
+          </a:solidFill>
+        </p:spPr>
+        <p:style>
+          <a:lnRef idx="2">
+            <a:schemeClr val="accent1">
+              <a:shade val="50000"/>
+            </a:schemeClr>
+          </a:lnRef>
+          <a:fillRef idx="1">
+            <a:schemeClr val="accent1"/>
+          </a:fillRef>
+          <a:effectRef idx="0">
+            <a:schemeClr val="accent1"/>
+          </a:effectRef>
+          <a:fontRef idx="minor">
+            <a:schemeClr val="lt1"/>
+          </a:fontRef>
+        </p:style>
+        <p:txBody>
+          <a:bodyPr rtlCol="0" anchor="ctr"/>
+          <a:lstStyle/>
+          <a:p>
+            <a:pPr algn="ctr"/>
+            <a:r>
+              <a:rPr kumimoji="1" lang="ko-KR" altLang="en-US" sz="1400" dirty="0">
+                <a:solidFill>
+                  <a:schemeClr val="tx1"/>
+                </a:solidFill>
+              </a:rPr>
+              <a:t>키보드</a:t>
+            </a:r>
+            <a:endParaRPr kumimoji="1" lang="ko-Kore-KR" altLang="en-US" sz="1400" dirty="0">
+              <a:solidFill>
+                <a:schemeClr val="tx1"/>
+              </a:solidFill>
+            </a:endParaRPr>
+          </a:p>
+        </p:txBody>
+      </p:sp>
+      <p:sp>
+        <p:nvSpPr>
+          <p:cNvPr id="27" name="직사각형 26">
+            <a:extLst>
+              <a:ext uri="{FF2B5EF4-FFF2-40B4-BE49-F238E27FC236}">
+                <a16:creationId xmlns:a16="http://schemas.microsoft.com/office/drawing/2014/main" id="{0288339A-871C-4FA0-BA35-05E3AAD725BB}"/>
+              </a:ext>
+            </a:extLst>
+          </p:cNvPr>
+          <p:cNvSpPr/>
+          <p:nvPr/>
+        </p:nvSpPr>
+        <p:spPr>
+          <a:xfrm>
+            <a:off x="6471465" y="3697856"/>
+            <a:ext cx="768971" cy="491706"/>
+          </a:xfrm>
+          <a:prstGeom prst="rect">
+            <a:avLst/>
+          </a:prstGeom>
+          <a:solidFill>
+            <a:srgbClr val="FFC000"/>
+          </a:solidFill>
+        </p:spPr>
+        <p:style>
+          <a:lnRef idx="2">
+            <a:schemeClr val="accent1">
+              <a:shade val="50000"/>
+            </a:schemeClr>
+          </a:lnRef>
+          <a:fillRef idx="1">
+            <a:schemeClr val="accent1"/>
+          </a:fillRef>
+          <a:effectRef idx="0">
+            <a:schemeClr val="accent1"/>
+          </a:effectRef>
+          <a:fontRef idx="minor">
+            <a:schemeClr val="lt1"/>
+          </a:fontRef>
+        </p:style>
+        <p:txBody>
+          <a:bodyPr rtlCol="0" anchor="ctr"/>
+          <a:lstStyle/>
+          <a:p>
+            <a:pPr algn="ctr"/>
+            <a:r>
+              <a:rPr kumimoji="1" lang="ko-KR" altLang="en-US" sz="1400" dirty="0">
+                <a:solidFill>
+                  <a:schemeClr val="tx1"/>
+                </a:solidFill>
+              </a:rPr>
+              <a:t>모니터</a:t>
+            </a:r>
+            <a:endParaRPr kumimoji="1" lang="ko-Kore-KR" altLang="en-US" sz="1400" dirty="0">
+              <a:solidFill>
+                <a:schemeClr val="tx1"/>
+              </a:solidFill>
+            </a:endParaRPr>
+          </a:p>
+        </p:txBody>
+      </p:sp>
+      <p:cxnSp>
+        <p:nvCxnSpPr>
+          <p:cNvPr id="28" name="구부러진 연결선[U] 27">
+            <a:extLst>
+              <a:ext uri="{FF2B5EF4-FFF2-40B4-BE49-F238E27FC236}">
+                <a16:creationId xmlns:a16="http://schemas.microsoft.com/office/drawing/2014/main" id="{EB0A16D2-289C-B057-65DE-DCF9D3A7EA0D}"/>
+              </a:ext>
+            </a:extLst>
+          </p:cNvPr>
+          <p:cNvCxnSpPr>
+            <a:cxnSpLocks/>
+            <a:stCxn id="8" idx="2"/>
+            <a:endCxn id="26" idx="0"/>
+          </p:cNvCxnSpPr>
+          <p:nvPr/>
+        </p:nvCxnSpPr>
+        <p:spPr>
+          <a:xfrm rot="5400000">
+            <a:off x="5559421" y="2547363"/>
+            <a:ext cx="1498120" cy="825871"/>
+          </a:xfrm>
+          <a:prstGeom prst="curvedConnector3">
+            <a:avLst>
+              <a:gd name="adj1" fmla="val 50000"/>
+            </a:avLst>
+          </a:prstGeom>
+          <a:ln>
+            <a:tailEnd type="triangle"/>
+          </a:ln>
+        </p:spPr>
+        <p:style>
+          <a:lnRef idx="1">
+            <a:schemeClr val="dk1"/>
+          </a:lnRef>
+          <a:fillRef idx="0">
+            <a:schemeClr val="dk1"/>
+          </a:fillRef>
+          <a:effectRef idx="0">
+            <a:schemeClr val="dk1"/>
+          </a:effectRef>
+          <a:fontRef idx="minor">
+            <a:schemeClr val="tx1"/>
+          </a:fontRef>
+        </p:style>
+      </p:cxnSp>
+      <p:cxnSp>
+        <p:nvCxnSpPr>
+          <p:cNvPr id="31" name="구부러진 연결선[U] 30">
+            <a:extLst>
+              <a:ext uri="{FF2B5EF4-FFF2-40B4-BE49-F238E27FC236}">
+                <a16:creationId xmlns:a16="http://schemas.microsoft.com/office/drawing/2014/main" id="{9B57F5CF-63D7-49E2-7F4D-9CF706BA5236}"/>
+              </a:ext>
+            </a:extLst>
+          </p:cNvPr>
+          <p:cNvCxnSpPr>
+            <a:cxnSpLocks/>
+            <a:stCxn id="9" idx="2"/>
+            <a:endCxn id="27" idx="0"/>
+          </p:cNvCxnSpPr>
+          <p:nvPr/>
+        </p:nvCxnSpPr>
+        <p:spPr>
+          <a:xfrm rot="5400000">
+            <a:off x="6138827" y="2928362"/>
+            <a:ext cx="1486618" cy="52370"/>
+          </a:xfrm>
+          <a:prstGeom prst="curvedConnector3">
+            <a:avLst>
+              <a:gd name="adj1" fmla="val 50000"/>
+            </a:avLst>
+          </a:prstGeom>
+          <a:ln>
+            <a:tailEnd type="triangle"/>
+          </a:ln>
+        </p:spPr>
+        <p:style>
+          <a:lnRef idx="1">
+            <a:schemeClr val="dk1"/>
+          </a:lnRef>
+          <a:fillRef idx="0">
+            <a:schemeClr val="dk1"/>
+          </a:fillRef>
+          <a:effectRef idx="0">
+            <a:schemeClr val="dk1"/>
+          </a:effectRef>
+          <a:fontRef idx="minor">
+            <a:schemeClr val="tx1"/>
+          </a:fontRef>
+        </p:style>
+      </p:cxnSp>
+      <p:cxnSp>
+        <p:nvCxnSpPr>
+          <p:cNvPr id="34" name="구부러진 연결선[U] 33">
+            <a:extLst>
+              <a:ext uri="{FF2B5EF4-FFF2-40B4-BE49-F238E27FC236}">
+                <a16:creationId xmlns:a16="http://schemas.microsoft.com/office/drawing/2014/main" id="{B2ED5815-E98D-0249-2E82-878E39A6D826}"/>
+              </a:ext>
+            </a:extLst>
+          </p:cNvPr>
+          <p:cNvCxnSpPr>
+            <a:cxnSpLocks/>
+            <a:stCxn id="10" idx="2"/>
+            <a:endCxn id="27" idx="0"/>
+          </p:cNvCxnSpPr>
+          <p:nvPr/>
+        </p:nvCxnSpPr>
+        <p:spPr>
+          <a:xfrm rot="5400000">
+            <a:off x="6232280" y="2834910"/>
+            <a:ext cx="1486618" cy="239275"/>
+          </a:xfrm>
+          <a:prstGeom prst="curvedConnector3">
+            <a:avLst>
+              <a:gd name="adj1" fmla="val 59865"/>
+            </a:avLst>
+          </a:prstGeom>
+          <a:ln>
+            <a:tailEnd type="triangle"/>
+          </a:ln>
+        </p:spPr>
+        <p:style>
+          <a:lnRef idx="1">
+            <a:schemeClr val="dk1"/>
+          </a:lnRef>
+          <a:fillRef idx="0">
+            <a:schemeClr val="dk1"/>
+          </a:fillRef>
+          <a:effectRef idx="0">
+            <a:schemeClr val="dk1"/>
+          </a:effectRef>
+          <a:fontRef idx="minor">
+            <a:schemeClr val="tx1"/>
+          </a:fontRef>
+        </p:style>
+      </p:cxnSp>
+      <p:sp>
+        <p:nvSpPr>
+          <p:cNvPr id="29" name="직사각형 28">
+            <a:extLst>
+              <a:ext uri="{FF2B5EF4-FFF2-40B4-BE49-F238E27FC236}">
+                <a16:creationId xmlns:a16="http://schemas.microsoft.com/office/drawing/2014/main" id="{CAE315B6-4FE5-E8B3-977F-5D40592C1C5F}"/>
+              </a:ext>
+            </a:extLst>
+          </p:cNvPr>
+          <p:cNvSpPr/>
+          <p:nvPr/>
+        </p:nvSpPr>
+        <p:spPr>
+          <a:xfrm>
+            <a:off x="2034406" y="1299713"/>
+            <a:ext cx="1078302" cy="491706"/>
+          </a:xfrm>
+          <a:prstGeom prst="rect">
+            <a:avLst/>
+          </a:prstGeom>
+          <a:solidFill>
+            <a:srgbClr val="FFFF00"/>
+          </a:solidFill>
+        </p:spPr>
+        <p:style>
+          <a:lnRef idx="2">
+            <a:schemeClr val="accent1">
+              <a:shade val="50000"/>
+            </a:schemeClr>
+          </a:lnRef>
+          <a:fillRef idx="1">
+            <a:schemeClr val="accent1"/>
+          </a:fillRef>
+          <a:effectRef idx="0">
+            <a:schemeClr val="accent1"/>
+          </a:effectRef>
+          <a:fontRef idx="minor">
+            <a:schemeClr val="lt1"/>
+          </a:fontRef>
+        </p:style>
+        <p:txBody>
+          <a:bodyPr rtlCol="0" anchor="ctr"/>
+          <a:lstStyle/>
+          <a:p>
+            <a:pPr algn="ctr"/>
+            <a:r>
+              <a:rPr kumimoji="1" lang="en-US" altLang="ko-Kore-KR" sz="1400" dirty="0">
+                <a:solidFill>
+                  <a:schemeClr val="tx1"/>
+                </a:solidFill>
+              </a:rPr>
+              <a:t>hello</a:t>
+            </a:r>
+            <a:endParaRPr kumimoji="1" lang="ko-Kore-KR" altLang="en-US" sz="1400" dirty="0">
+              <a:solidFill>
+                <a:schemeClr val="tx1"/>
+              </a:solidFill>
+            </a:endParaRPr>
+          </a:p>
+        </p:txBody>
+      </p:sp>
+      <p:sp>
+        <p:nvSpPr>
+          <p:cNvPr id="2" name="직사각형 1">
+            <a:extLst>
+              <a:ext uri="{FF2B5EF4-FFF2-40B4-BE49-F238E27FC236}">
+                <a16:creationId xmlns:a16="http://schemas.microsoft.com/office/drawing/2014/main" id="{5E10F04B-34F7-BB5F-5996-AFC1D74D5174}"/>
+              </a:ext>
+            </a:extLst>
+          </p:cNvPr>
+          <p:cNvSpPr/>
+          <p:nvPr/>
+        </p:nvSpPr>
+        <p:spPr>
+          <a:xfrm>
+            <a:off x="608322" y="2026572"/>
+            <a:ext cx="4458272" cy="369332"/>
+          </a:xfrm>
+          <a:prstGeom prst="rect">
+            <a:avLst/>
+          </a:prstGeom>
+        </p:spPr>
+        <p:txBody>
+          <a:bodyPr wrap="none">
+            <a:spAutoFit/>
+          </a:bodyPr>
+          <a:lstStyle/>
+          <a:p>
+            <a:r>
+              <a:rPr lang="en" altLang="ko-Kore-KR" dirty="0">
+                <a:solidFill>
+                  <a:srgbClr val="267F99"/>
+                </a:solidFill>
+                <a:latin typeface="DM Mono" panose="020B0509040201040103" pitchFamily="49" charset="0"/>
+              </a:rPr>
+              <a:t>FILE</a:t>
+            </a:r>
+            <a:r>
+              <a:rPr lang="en" altLang="ko-Kore-KR" dirty="0">
+                <a:solidFill>
+                  <a:srgbClr val="000000"/>
+                </a:solidFill>
+                <a:latin typeface="DM Mono" panose="020B0509040201040103" pitchFamily="49" charset="0"/>
+              </a:rPr>
+              <a:t>* </a:t>
+            </a:r>
+            <a:r>
+              <a:rPr lang="en" altLang="ko-Kore-KR" dirty="0" err="1">
+                <a:solidFill>
+                  <a:srgbClr val="001080"/>
+                </a:solidFill>
+                <a:latin typeface="DM Mono" panose="020B0509040201040103" pitchFamily="49" charset="0"/>
+              </a:rPr>
+              <a:t>fp</a:t>
+            </a:r>
+            <a:r>
+              <a:rPr lang="en" altLang="ko-Kore-KR" dirty="0">
+                <a:solidFill>
+                  <a:srgbClr val="000000"/>
+                </a:solidFill>
+                <a:latin typeface="DM Mono" panose="020B0509040201040103" pitchFamily="49" charset="0"/>
+              </a:rPr>
+              <a:t> = </a:t>
+            </a:r>
+            <a:r>
+              <a:rPr lang="en" altLang="ko-Kore-KR" dirty="0" err="1">
+                <a:solidFill>
+                  <a:srgbClr val="795E26"/>
+                </a:solidFill>
+                <a:latin typeface="DM Mono" panose="020B0509040201040103" pitchFamily="49" charset="0"/>
+              </a:rPr>
+              <a:t>fopen</a:t>
+            </a:r>
+            <a:r>
+              <a:rPr lang="en" altLang="ko-Kore-KR" dirty="0">
+                <a:solidFill>
+                  <a:srgbClr val="000000"/>
+                </a:solidFill>
+                <a:latin typeface="DM Mono" panose="020B0509040201040103" pitchFamily="49" charset="0"/>
+              </a:rPr>
+              <a:t>(</a:t>
+            </a:r>
+            <a:r>
+              <a:rPr lang="en" altLang="ko-Kore-KR" dirty="0">
+                <a:solidFill>
+                  <a:srgbClr val="A31515"/>
+                </a:solidFill>
+                <a:latin typeface="DM Mono" panose="020B0509040201040103" pitchFamily="49" charset="0"/>
+              </a:rPr>
+              <a:t>"</a:t>
+            </a:r>
+            <a:r>
+              <a:rPr lang="en" altLang="ko-Kore-KR" dirty="0" err="1">
+                <a:solidFill>
+                  <a:srgbClr val="A31515"/>
+                </a:solidFill>
+                <a:latin typeface="DM Mono" panose="020B0509040201040103" pitchFamily="49" charset="0"/>
+              </a:rPr>
+              <a:t>a.txt</a:t>
+            </a:r>
+            <a:r>
+              <a:rPr lang="en" altLang="ko-Kore-KR" dirty="0">
+                <a:solidFill>
+                  <a:srgbClr val="A31515"/>
+                </a:solidFill>
+                <a:latin typeface="DM Mono" panose="020B0509040201040103" pitchFamily="49" charset="0"/>
+              </a:rPr>
+              <a:t>"</a:t>
+            </a:r>
+            <a:r>
+              <a:rPr lang="en" altLang="ko-Kore-KR" dirty="0">
+                <a:solidFill>
+                  <a:srgbClr val="000000"/>
+                </a:solidFill>
+                <a:latin typeface="DM Mono" panose="020B0509040201040103" pitchFamily="49" charset="0"/>
+              </a:rPr>
+              <a:t>, </a:t>
+            </a:r>
+            <a:r>
+              <a:rPr lang="en" altLang="ko-Kore-KR" dirty="0">
+                <a:solidFill>
+                  <a:srgbClr val="A31515"/>
+                </a:solidFill>
+                <a:latin typeface="DM Mono" panose="020B0509040201040103" pitchFamily="49" charset="0"/>
+              </a:rPr>
+              <a:t>"w"</a:t>
+            </a:r>
+            <a:r>
+              <a:rPr lang="en" altLang="ko-Kore-KR" dirty="0">
+                <a:solidFill>
+                  <a:srgbClr val="000000"/>
+                </a:solidFill>
+                <a:latin typeface="DM Mono" panose="020B0509040201040103" pitchFamily="49" charset="0"/>
+              </a:rPr>
+              <a:t>);</a:t>
+            </a:r>
+            <a:endParaRPr lang="en" altLang="ko-Kore-KR" b="0" dirty="0">
+              <a:solidFill>
+                <a:srgbClr val="000000"/>
+              </a:solidFill>
+              <a:effectLst/>
+              <a:latin typeface="DM Mono" panose="020B0509040201040103" pitchFamily="49" charset="0"/>
+            </a:endParaRPr>
+          </a:p>
+        </p:txBody>
+      </p:sp>
+      <p:sp>
+        <p:nvSpPr>
+          <p:cNvPr id="30" name="직사각형 29">
+            <a:extLst>
+              <a:ext uri="{FF2B5EF4-FFF2-40B4-BE49-F238E27FC236}">
+                <a16:creationId xmlns:a16="http://schemas.microsoft.com/office/drawing/2014/main" id="{E7A5F10E-4943-D384-587D-6E9040E89321}"/>
+              </a:ext>
+            </a:extLst>
+          </p:cNvPr>
+          <p:cNvSpPr/>
+          <p:nvPr/>
+        </p:nvSpPr>
+        <p:spPr>
+          <a:xfrm>
+            <a:off x="7842845" y="3709358"/>
+            <a:ext cx="768971" cy="491706"/>
+          </a:xfrm>
+          <a:prstGeom prst="rect">
+            <a:avLst/>
+          </a:prstGeom>
+          <a:solidFill>
+            <a:srgbClr val="FFC000"/>
+          </a:solidFill>
+        </p:spPr>
+        <p:style>
+          <a:lnRef idx="2">
+            <a:schemeClr val="accent1">
+              <a:shade val="50000"/>
+            </a:schemeClr>
+          </a:lnRef>
+          <a:fillRef idx="1">
+            <a:schemeClr val="accent1"/>
+          </a:fillRef>
+          <a:effectRef idx="0">
+            <a:schemeClr val="accent1"/>
+          </a:effectRef>
+          <a:fontRef idx="minor">
+            <a:schemeClr val="lt1"/>
+          </a:fontRef>
+        </p:style>
+        <p:txBody>
+          <a:bodyPr rtlCol="0" anchor="ctr"/>
+          <a:lstStyle/>
+          <a:p>
+            <a:pPr algn="ctr"/>
+            <a:r>
+              <a:rPr kumimoji="1" lang="en-US" altLang="ko-KR" sz="1400" dirty="0" err="1">
+                <a:solidFill>
+                  <a:schemeClr val="tx1"/>
+                </a:solidFill>
+              </a:rPr>
+              <a:t>a.txt</a:t>
+            </a:r>
+            <a:endParaRPr kumimoji="1" lang="ko-Kore-KR" altLang="en-US" sz="1400" dirty="0">
+              <a:solidFill>
+                <a:schemeClr val="tx1"/>
+              </a:solidFill>
+            </a:endParaRPr>
+          </a:p>
+        </p:txBody>
+      </p:sp>
+      <p:cxnSp>
+        <p:nvCxnSpPr>
+          <p:cNvPr id="32" name="구부러진 연결선[U] 31">
+            <a:extLst>
+              <a:ext uri="{FF2B5EF4-FFF2-40B4-BE49-F238E27FC236}">
+                <a16:creationId xmlns:a16="http://schemas.microsoft.com/office/drawing/2014/main" id="{A7E03713-4CF8-8FED-B449-7D37C23292E6}"/>
+              </a:ext>
+            </a:extLst>
+          </p:cNvPr>
+          <p:cNvCxnSpPr>
+            <a:cxnSpLocks/>
+            <a:stCxn id="11" idx="2"/>
+            <a:endCxn id="30" idx="0"/>
+          </p:cNvCxnSpPr>
+          <p:nvPr/>
+        </p:nvCxnSpPr>
+        <p:spPr>
+          <a:xfrm rot="16200000" flipH="1">
+            <a:off x="7005671" y="2487698"/>
+            <a:ext cx="1498120" cy="945200"/>
+          </a:xfrm>
+          <a:prstGeom prst="curvedConnector3">
+            <a:avLst>
+              <a:gd name="adj1" fmla="val 50000"/>
+            </a:avLst>
+          </a:prstGeom>
+          <a:ln>
+            <a:tailEnd type="triangle"/>
+          </a:ln>
+        </p:spPr>
+        <p:style>
+          <a:lnRef idx="1">
+            <a:schemeClr val="dk1"/>
+          </a:lnRef>
+          <a:fillRef idx="0">
+            <a:schemeClr val="dk1"/>
+          </a:fillRef>
+          <a:effectRef idx="0">
+            <a:schemeClr val="dk1"/>
+          </a:effectRef>
+          <a:fontRef idx="minor">
+            <a:schemeClr val="tx1"/>
+          </a:fontRef>
+        </p:style>
+      </p:cxnSp>
+    </p:spTree>
+    <p:extLst>
+      <p:ext uri="{BB962C8B-B14F-4D97-AF65-F5344CB8AC3E}">
+        <p14:creationId xmlns:p14="http://schemas.microsoft.com/office/powerpoint/2010/main" val="4011916045"/>
+      </p:ext>
+    </p:extLst>
+  </p:cSld>
+  <p:clrMapOvr>
+    <a:masterClrMapping/>
+  </p:clrMapOvr>
+</p:sld>
+</file>
+
+<file path=ppt/slides/slide3.xml><?xml version="1.0" encoding="utf-8"?>
+<p:sld xmlns:a="http://schemas.openxmlformats.org/drawingml/2006/main" xmlns:r="http://schemas.openxmlformats.org/officeDocument/2006/relationships" xmlns:p="http://schemas.openxmlformats.org/presentationml/2006/main">
+  <p:cSld>
+    <p:spTree>
+      <p:nvGrpSpPr>
+        <p:cNvPr id="1" name=""/>
+        <p:cNvGrpSpPr/>
+        <p:nvPr/>
+      </p:nvGrpSpPr>
+      <p:grpSpPr>
+        <a:xfrm>
+          <a:off x="0" y="0"/>
+          <a:ext cx="0" cy="0"/>
+          <a:chOff x="0" y="0"/>
+          <a:chExt cx="0" cy="0"/>
+        </a:xfrm>
+      </p:grpSpPr>
+      <p:sp>
+        <p:nvSpPr>
+          <p:cNvPr id="3" name="직사각형 2">
+            <a:extLst>
+              <a:ext uri="{FF2B5EF4-FFF2-40B4-BE49-F238E27FC236}">
+                <a16:creationId xmlns:a16="http://schemas.microsoft.com/office/drawing/2014/main" id="{4846B080-262A-678B-1063-E7956F3227A2}"/>
+              </a:ext>
+            </a:extLst>
+          </p:cNvPr>
+          <p:cNvSpPr/>
+          <p:nvPr/>
+        </p:nvSpPr>
+        <p:spPr>
+          <a:xfrm>
+            <a:off x="334990" y="2028826"/>
+            <a:ext cx="4510176" cy="1200329"/>
+          </a:xfrm>
+          <a:prstGeom prst="rect">
+            <a:avLst/>
+          </a:prstGeom>
+        </p:spPr>
+        <p:txBody>
+          <a:bodyPr wrap="square">
+            <a:spAutoFit/>
+          </a:bodyPr>
+          <a:lstStyle/>
+          <a:p>
+            <a:r>
+              <a:rPr lang="en" altLang="ko-Kore-KR" dirty="0">
+                <a:solidFill>
+                  <a:srgbClr val="0000FF"/>
+                </a:solidFill>
+                <a:latin typeface="DM Mono" panose="020B0509040201040103" pitchFamily="49" charset="0"/>
+              </a:rPr>
+              <a:t>int</a:t>
+            </a:r>
+            <a:r>
+              <a:rPr lang="en" altLang="ko-Kore-KR" dirty="0">
+                <a:solidFill>
+                  <a:srgbClr val="000000"/>
+                </a:solidFill>
+                <a:latin typeface="DM Mono" panose="020B0509040201040103" pitchFamily="49" charset="0"/>
+              </a:rPr>
+              <a:t> </a:t>
+            </a:r>
+            <a:r>
+              <a:rPr lang="en" altLang="ko-Kore-KR" dirty="0">
+                <a:solidFill>
+                  <a:srgbClr val="001080"/>
+                </a:solidFill>
+                <a:latin typeface="DM Mono" panose="020B0509040201040103" pitchFamily="49" charset="0"/>
+              </a:rPr>
+              <a:t>n</a:t>
+            </a:r>
+            <a:r>
+              <a:rPr lang="en" altLang="ko-Kore-KR" dirty="0">
+                <a:solidFill>
+                  <a:srgbClr val="000000"/>
+                </a:solidFill>
+                <a:latin typeface="DM Mono" panose="020B0509040201040103" pitchFamily="49" charset="0"/>
+              </a:rPr>
+              <a:t> = </a:t>
+            </a:r>
+            <a:r>
+              <a:rPr lang="en" altLang="ko-Kore-KR" dirty="0">
+                <a:solidFill>
+                  <a:srgbClr val="098658"/>
+                </a:solidFill>
+                <a:latin typeface="DM Mono" panose="020B0509040201040103" pitchFamily="49" charset="0"/>
+              </a:rPr>
+              <a:t>0x12345678</a:t>
+            </a:r>
+            <a:r>
+              <a:rPr lang="en" altLang="ko-Kore-KR" dirty="0">
+                <a:solidFill>
+                  <a:srgbClr val="000000"/>
+                </a:solidFill>
+                <a:latin typeface="DM Mono" panose="020B0509040201040103" pitchFamily="49" charset="0"/>
+              </a:rPr>
+              <a:t>;</a:t>
+            </a:r>
+          </a:p>
+          <a:p>
+            <a:br>
+              <a:rPr lang="en" altLang="ko-Kore-KR" dirty="0">
+                <a:solidFill>
+                  <a:srgbClr val="000000"/>
+                </a:solidFill>
+                <a:latin typeface="DM Mono" panose="020B0509040201040103" pitchFamily="49" charset="0"/>
+              </a:rPr>
+            </a:br>
+            <a:r>
+              <a:rPr lang="en" altLang="ko-Kore-KR" dirty="0">
+                <a:solidFill>
+                  <a:srgbClr val="0000FF"/>
+                </a:solidFill>
+                <a:latin typeface="DM Mono" panose="020B0509040201040103" pitchFamily="49" charset="0"/>
+              </a:rPr>
+              <a:t>int</a:t>
+            </a:r>
+            <a:r>
+              <a:rPr lang="en" altLang="ko-Kore-KR" dirty="0">
+                <a:solidFill>
+                  <a:srgbClr val="000000"/>
+                </a:solidFill>
+                <a:latin typeface="DM Mono" panose="020B0509040201040103" pitchFamily="49" charset="0"/>
+              </a:rPr>
+              <a:t>* </a:t>
+            </a:r>
+            <a:r>
+              <a:rPr lang="en" altLang="ko-Kore-KR" dirty="0">
+                <a:solidFill>
+                  <a:srgbClr val="001080"/>
+                </a:solidFill>
+                <a:latin typeface="DM Mono" panose="020B0509040201040103" pitchFamily="49" charset="0"/>
+              </a:rPr>
+              <a:t>p1</a:t>
+            </a:r>
+            <a:r>
+              <a:rPr lang="en" altLang="ko-Kore-KR" dirty="0">
+                <a:solidFill>
+                  <a:srgbClr val="000000"/>
+                </a:solidFill>
+                <a:latin typeface="DM Mono" panose="020B0509040201040103" pitchFamily="49" charset="0"/>
+              </a:rPr>
+              <a:t> = &amp;</a:t>
+            </a:r>
+            <a:r>
+              <a:rPr lang="en" altLang="ko-Kore-KR" dirty="0">
+                <a:solidFill>
+                  <a:srgbClr val="001080"/>
+                </a:solidFill>
+                <a:latin typeface="DM Mono" panose="020B0509040201040103" pitchFamily="49" charset="0"/>
+              </a:rPr>
+              <a:t>n</a:t>
+            </a:r>
+            <a:r>
+              <a:rPr lang="en" altLang="ko-Kore-KR" dirty="0">
+                <a:solidFill>
+                  <a:srgbClr val="000000"/>
+                </a:solidFill>
+                <a:latin typeface="DM Mono" panose="020B0509040201040103" pitchFamily="49" charset="0"/>
+              </a:rPr>
+              <a:t>;</a:t>
+            </a:r>
+          </a:p>
+          <a:p>
+            <a:r>
+              <a:rPr lang="en" altLang="ko-Kore-KR" dirty="0">
+                <a:solidFill>
+                  <a:srgbClr val="0000FF"/>
+                </a:solidFill>
+                <a:latin typeface="DM Mono" panose="020B0509040201040103" pitchFamily="49" charset="0"/>
+              </a:rPr>
+              <a:t>char</a:t>
+            </a:r>
+            <a:r>
+              <a:rPr lang="en" altLang="ko-Kore-KR" dirty="0">
+                <a:solidFill>
+                  <a:srgbClr val="000000"/>
+                </a:solidFill>
+                <a:latin typeface="DM Mono" panose="020B0509040201040103" pitchFamily="49" charset="0"/>
+              </a:rPr>
+              <a:t>* </a:t>
+            </a:r>
+            <a:r>
+              <a:rPr lang="en" altLang="ko-Kore-KR" dirty="0">
+                <a:solidFill>
+                  <a:srgbClr val="001080"/>
+                </a:solidFill>
+                <a:latin typeface="DM Mono" panose="020B0509040201040103" pitchFamily="49" charset="0"/>
+              </a:rPr>
+              <a:t>p2</a:t>
+            </a:r>
+            <a:r>
+              <a:rPr lang="en" altLang="ko-Kore-KR" dirty="0">
+                <a:solidFill>
+                  <a:srgbClr val="000000"/>
+                </a:solidFill>
+                <a:latin typeface="DM Mono" panose="020B0509040201040103" pitchFamily="49" charset="0"/>
+              </a:rPr>
+              <a:t> = (</a:t>
+            </a:r>
+            <a:r>
+              <a:rPr lang="en" altLang="ko-Kore-KR" dirty="0">
+                <a:solidFill>
+                  <a:srgbClr val="0000FF"/>
+                </a:solidFill>
+                <a:latin typeface="DM Mono" panose="020B0509040201040103" pitchFamily="49" charset="0"/>
+              </a:rPr>
+              <a:t>char</a:t>
+            </a:r>
+            <a:r>
+              <a:rPr lang="en" altLang="ko-Kore-KR" dirty="0">
+                <a:solidFill>
+                  <a:srgbClr val="000000"/>
+                </a:solidFill>
+                <a:latin typeface="DM Mono" panose="020B0509040201040103" pitchFamily="49" charset="0"/>
+              </a:rPr>
+              <a:t>*)&amp;</a:t>
+            </a:r>
+            <a:r>
+              <a:rPr lang="en" altLang="ko-Kore-KR" dirty="0">
+                <a:solidFill>
+                  <a:srgbClr val="001080"/>
+                </a:solidFill>
+                <a:latin typeface="DM Mono" panose="020B0509040201040103" pitchFamily="49" charset="0"/>
+              </a:rPr>
+              <a:t>n</a:t>
+            </a:r>
+            <a:r>
+              <a:rPr lang="en" altLang="ko-Kore-KR" dirty="0">
+                <a:solidFill>
+                  <a:srgbClr val="000000"/>
+                </a:solidFill>
+                <a:latin typeface="DM Mono" panose="020B0509040201040103" pitchFamily="49" charset="0"/>
+              </a:rPr>
+              <a:t>;</a:t>
+            </a:r>
+            <a:endParaRPr lang="en" altLang="ko-Kore-KR" b="0" dirty="0">
+              <a:solidFill>
+                <a:srgbClr val="000000"/>
+              </a:solidFill>
+              <a:effectLst/>
+              <a:latin typeface="DM Mono" panose="020B0509040201040103" pitchFamily="49" charset="0"/>
+            </a:endParaRPr>
+          </a:p>
+        </p:txBody>
+      </p:sp>
+      <p:sp>
+        <p:nvSpPr>
+          <p:cNvPr id="33" name="직사각형 32">
+            <a:extLst>
+              <a:ext uri="{FF2B5EF4-FFF2-40B4-BE49-F238E27FC236}">
+                <a16:creationId xmlns:a16="http://schemas.microsoft.com/office/drawing/2014/main" id="{95D25BA3-DDA6-BE55-B9B3-1B0F1C0945A6}"/>
+              </a:ext>
+            </a:extLst>
+          </p:cNvPr>
+          <p:cNvSpPr/>
+          <p:nvPr/>
+        </p:nvSpPr>
+        <p:spPr>
+          <a:xfrm>
+            <a:off x="4583493" y="1331342"/>
+            <a:ext cx="540598" cy="764875"/>
+          </a:xfrm>
+          <a:prstGeom prst="rect">
+            <a:avLst/>
+          </a:prstGeom>
+          <a:solidFill>
+            <a:srgbClr val="FFFF00"/>
+          </a:solidFill>
+        </p:spPr>
+        <p:style>
+          <a:lnRef idx="2">
+            <a:schemeClr val="accent1">
+              <a:shade val="50000"/>
+            </a:schemeClr>
+          </a:lnRef>
+          <a:fillRef idx="1">
+            <a:schemeClr val="accent1"/>
+          </a:fillRef>
+          <a:effectRef idx="0">
+            <a:schemeClr val="accent1"/>
+          </a:effectRef>
+          <a:fontRef idx="minor">
+            <a:schemeClr val="lt1"/>
+          </a:fontRef>
+        </p:style>
+        <p:txBody>
+          <a:bodyPr rtlCol="0" anchor="ctr"/>
+          <a:lstStyle/>
+          <a:p>
+            <a:pPr algn="ctr"/>
+            <a:r>
+              <a:rPr kumimoji="1" lang="en-US" altLang="ko-KR" sz="1400" dirty="0">
+                <a:solidFill>
+                  <a:schemeClr val="tx1"/>
+                </a:solidFill>
+              </a:rPr>
+              <a:t>0x12</a:t>
+            </a:r>
+            <a:endParaRPr kumimoji="1" lang="ko-Kore-KR" altLang="en-US" sz="1400" dirty="0">
+              <a:solidFill>
+                <a:schemeClr val="tx1"/>
+              </a:solidFill>
+            </a:endParaRPr>
+          </a:p>
+        </p:txBody>
+      </p:sp>
+      <p:sp>
+        <p:nvSpPr>
+          <p:cNvPr id="35" name="직사각형 34">
+            <a:extLst>
+              <a:ext uri="{FF2B5EF4-FFF2-40B4-BE49-F238E27FC236}">
+                <a16:creationId xmlns:a16="http://schemas.microsoft.com/office/drawing/2014/main" id="{8FF20018-F217-319F-33B8-615A04A7D32C}"/>
+              </a:ext>
+            </a:extLst>
+          </p:cNvPr>
+          <p:cNvSpPr/>
+          <p:nvPr/>
+        </p:nvSpPr>
+        <p:spPr>
+          <a:xfrm>
+            <a:off x="5124091" y="1331342"/>
+            <a:ext cx="540598" cy="764875"/>
+          </a:xfrm>
+          <a:prstGeom prst="rect">
+            <a:avLst/>
+          </a:prstGeom>
+          <a:solidFill>
+            <a:srgbClr val="FFFF00"/>
+          </a:solidFill>
+        </p:spPr>
+        <p:style>
+          <a:lnRef idx="2">
+            <a:schemeClr val="accent1">
+              <a:shade val="50000"/>
+            </a:schemeClr>
+          </a:lnRef>
+          <a:fillRef idx="1">
+            <a:schemeClr val="accent1"/>
+          </a:fillRef>
+          <a:effectRef idx="0">
+            <a:schemeClr val="accent1"/>
+          </a:effectRef>
+          <a:fontRef idx="minor">
+            <a:schemeClr val="lt1"/>
+          </a:fontRef>
+        </p:style>
+        <p:txBody>
+          <a:bodyPr rtlCol="0" anchor="ctr"/>
+          <a:lstStyle/>
+          <a:p>
+            <a:pPr algn="ctr"/>
+            <a:r>
+              <a:rPr kumimoji="1" lang="en-US" altLang="ko-Kore-KR" sz="1400" dirty="0">
+                <a:solidFill>
+                  <a:schemeClr val="tx1"/>
+                </a:solidFill>
+              </a:rPr>
+              <a:t>0x34</a:t>
+            </a:r>
+            <a:endParaRPr kumimoji="1" lang="ko-Kore-KR" altLang="en-US" sz="1400" dirty="0">
+              <a:solidFill>
+                <a:schemeClr val="tx1"/>
+              </a:solidFill>
+            </a:endParaRPr>
+          </a:p>
+        </p:txBody>
+      </p:sp>
+      <p:sp>
+        <p:nvSpPr>
+          <p:cNvPr id="36" name="직사각형 35">
+            <a:extLst>
+              <a:ext uri="{FF2B5EF4-FFF2-40B4-BE49-F238E27FC236}">
+                <a16:creationId xmlns:a16="http://schemas.microsoft.com/office/drawing/2014/main" id="{2C8A308D-98BB-1505-F646-3170B1731110}"/>
+              </a:ext>
+            </a:extLst>
+          </p:cNvPr>
+          <p:cNvSpPr/>
+          <p:nvPr/>
+        </p:nvSpPr>
+        <p:spPr>
+          <a:xfrm>
+            <a:off x="5664689" y="1331342"/>
+            <a:ext cx="540598" cy="764875"/>
+          </a:xfrm>
+          <a:prstGeom prst="rect">
+            <a:avLst/>
+          </a:prstGeom>
+          <a:solidFill>
+            <a:srgbClr val="FFFF00"/>
+          </a:solidFill>
+        </p:spPr>
+        <p:style>
+          <a:lnRef idx="2">
+            <a:schemeClr val="accent1">
+              <a:shade val="50000"/>
+            </a:schemeClr>
+          </a:lnRef>
+          <a:fillRef idx="1">
+            <a:schemeClr val="accent1"/>
+          </a:fillRef>
+          <a:effectRef idx="0">
+            <a:schemeClr val="accent1"/>
+          </a:effectRef>
+          <a:fontRef idx="minor">
+            <a:schemeClr val="lt1"/>
+          </a:fontRef>
+        </p:style>
+        <p:txBody>
+          <a:bodyPr rtlCol="0" anchor="ctr"/>
+          <a:lstStyle/>
+          <a:p>
+            <a:pPr algn="ctr"/>
+            <a:r>
+              <a:rPr kumimoji="1" lang="en-US" altLang="ko-Kore-KR" sz="1400" dirty="0">
+                <a:solidFill>
+                  <a:schemeClr val="tx1"/>
+                </a:solidFill>
+              </a:rPr>
+              <a:t>0x56</a:t>
+            </a:r>
+            <a:endParaRPr kumimoji="1" lang="ko-Kore-KR" altLang="en-US" sz="1400" dirty="0">
+              <a:solidFill>
+                <a:schemeClr val="tx1"/>
+              </a:solidFill>
+            </a:endParaRPr>
+          </a:p>
+        </p:txBody>
+      </p:sp>
+      <p:sp>
+        <p:nvSpPr>
+          <p:cNvPr id="37" name="직사각형 36">
+            <a:extLst>
+              <a:ext uri="{FF2B5EF4-FFF2-40B4-BE49-F238E27FC236}">
+                <a16:creationId xmlns:a16="http://schemas.microsoft.com/office/drawing/2014/main" id="{086CF791-E75B-1924-094F-B9E208803A61}"/>
+              </a:ext>
+            </a:extLst>
+          </p:cNvPr>
+          <p:cNvSpPr/>
+          <p:nvPr/>
+        </p:nvSpPr>
+        <p:spPr>
+          <a:xfrm>
+            <a:off x="6205287" y="1331342"/>
+            <a:ext cx="540598" cy="764875"/>
+          </a:xfrm>
+          <a:prstGeom prst="rect">
+            <a:avLst/>
+          </a:prstGeom>
+          <a:solidFill>
+            <a:srgbClr val="FFFF00"/>
+          </a:solidFill>
+        </p:spPr>
+        <p:style>
+          <a:lnRef idx="2">
+            <a:schemeClr val="accent1">
+              <a:shade val="50000"/>
+            </a:schemeClr>
+          </a:lnRef>
+          <a:fillRef idx="1">
+            <a:schemeClr val="accent1"/>
+          </a:fillRef>
+          <a:effectRef idx="0">
+            <a:schemeClr val="accent1"/>
+          </a:effectRef>
+          <a:fontRef idx="minor">
+            <a:schemeClr val="lt1"/>
+          </a:fontRef>
+        </p:style>
+        <p:txBody>
+          <a:bodyPr rtlCol="0" anchor="ctr"/>
+          <a:lstStyle/>
+          <a:p>
+            <a:pPr algn="ctr"/>
+            <a:r>
+              <a:rPr kumimoji="1" lang="en-US" altLang="ko-Kore-KR" sz="1400" dirty="0">
+                <a:solidFill>
+                  <a:schemeClr val="tx1"/>
+                </a:solidFill>
+              </a:rPr>
+              <a:t>0x78</a:t>
+            </a:r>
+            <a:endParaRPr kumimoji="1" lang="ko-Kore-KR" altLang="en-US" sz="1400" dirty="0">
+              <a:solidFill>
+                <a:schemeClr val="tx1"/>
+              </a:solidFill>
+            </a:endParaRPr>
+          </a:p>
+        </p:txBody>
+      </p:sp>
+      <p:sp>
+        <p:nvSpPr>
+          <p:cNvPr id="38" name="직사각형 37">
+            <a:extLst>
+              <a:ext uri="{FF2B5EF4-FFF2-40B4-BE49-F238E27FC236}">
+                <a16:creationId xmlns:a16="http://schemas.microsoft.com/office/drawing/2014/main" id="{D084A146-D8FD-BD96-140A-CC48771B8EB3}"/>
+              </a:ext>
+            </a:extLst>
+          </p:cNvPr>
+          <p:cNvSpPr/>
+          <p:nvPr/>
+        </p:nvSpPr>
+        <p:spPr>
+          <a:xfrm>
+            <a:off x="3554074" y="3544201"/>
+            <a:ext cx="540598" cy="764875"/>
+          </a:xfrm>
+          <a:prstGeom prst="rect">
+            <a:avLst/>
+          </a:prstGeom>
+          <a:solidFill>
+            <a:srgbClr val="FFFF00"/>
+          </a:solidFill>
+        </p:spPr>
+        <p:style>
+          <a:lnRef idx="2">
+            <a:schemeClr val="accent1">
+              <a:shade val="50000"/>
+            </a:schemeClr>
+          </a:lnRef>
+          <a:fillRef idx="1">
+            <a:schemeClr val="accent1"/>
+          </a:fillRef>
+          <a:effectRef idx="0">
+            <a:schemeClr val="accent1"/>
+          </a:effectRef>
+          <a:fontRef idx="minor">
+            <a:schemeClr val="lt1"/>
+          </a:fontRef>
+        </p:style>
+        <p:txBody>
+          <a:bodyPr rtlCol="0" anchor="ctr"/>
+          <a:lstStyle/>
+          <a:p>
+            <a:pPr algn="ctr"/>
+            <a:endParaRPr kumimoji="1" lang="ko-Kore-KR" altLang="en-US" sz="1400" dirty="0">
+              <a:solidFill>
+                <a:schemeClr val="tx1"/>
+              </a:solidFill>
+            </a:endParaRPr>
+          </a:p>
+        </p:txBody>
+      </p:sp>
+      <p:sp>
+        <p:nvSpPr>
+          <p:cNvPr id="24" name="직사각형 23">
+            <a:extLst>
+              <a:ext uri="{FF2B5EF4-FFF2-40B4-BE49-F238E27FC236}">
+                <a16:creationId xmlns:a16="http://schemas.microsoft.com/office/drawing/2014/main" id="{024C45A4-B162-8F9A-6BB0-18A5703B07B1}"/>
+              </a:ext>
+            </a:extLst>
+          </p:cNvPr>
+          <p:cNvSpPr/>
+          <p:nvPr/>
+        </p:nvSpPr>
+        <p:spPr>
+          <a:xfrm>
+            <a:off x="3565360" y="3229155"/>
+            <a:ext cx="423514" cy="369332"/>
+          </a:xfrm>
+          <a:prstGeom prst="rect">
+            <a:avLst/>
+          </a:prstGeom>
+        </p:spPr>
+        <p:txBody>
+          <a:bodyPr wrap="none">
+            <a:spAutoFit/>
+          </a:bodyPr>
+          <a:lstStyle/>
+          <a:p>
+            <a:pPr algn="ctr"/>
+            <a:r>
+              <a:rPr kumimoji="1" lang="en-US" altLang="ko-KR" dirty="0"/>
+              <a:t>p1</a:t>
+            </a:r>
+            <a:endParaRPr kumimoji="1" lang="ko-Kore-KR" altLang="en-US" dirty="0"/>
+          </a:p>
+        </p:txBody>
+      </p:sp>
+      <p:cxnSp>
+        <p:nvCxnSpPr>
+          <p:cNvPr id="40" name="구부러진 연결선[U] 39">
+            <a:extLst>
+              <a:ext uri="{FF2B5EF4-FFF2-40B4-BE49-F238E27FC236}">
+                <a16:creationId xmlns:a16="http://schemas.microsoft.com/office/drawing/2014/main" id="{4C27CF1F-6CFE-EE5E-EDE3-DEAA3BD36C9A}"/>
+              </a:ext>
+            </a:extLst>
+          </p:cNvPr>
+          <p:cNvCxnSpPr>
+            <a:stCxn id="38" idx="3"/>
+            <a:endCxn id="33" idx="1"/>
+          </p:cNvCxnSpPr>
+          <p:nvPr/>
+        </p:nvCxnSpPr>
+        <p:spPr>
+          <a:xfrm flipV="1">
+            <a:off x="4094672" y="1713780"/>
+            <a:ext cx="488821" cy="2212859"/>
+          </a:xfrm>
+          <a:prstGeom prst="curvedConnector3">
+            <a:avLst/>
+          </a:prstGeom>
+          <a:ln>
+            <a:tailEnd type="triangle"/>
+          </a:ln>
+        </p:spPr>
+        <p:style>
+          <a:lnRef idx="1">
+            <a:schemeClr val="accent1"/>
+          </a:lnRef>
+          <a:fillRef idx="0">
+            <a:schemeClr val="accent1"/>
+          </a:fillRef>
+          <a:effectRef idx="0">
+            <a:schemeClr val="accent1"/>
+          </a:effectRef>
+          <a:fontRef idx="minor">
+            <a:schemeClr val="tx1"/>
+          </a:fontRef>
+        </p:style>
+      </p:cxnSp>
+      <p:sp>
+        <p:nvSpPr>
+          <p:cNvPr id="41" name="직사각형 40">
+            <a:extLst>
+              <a:ext uri="{FF2B5EF4-FFF2-40B4-BE49-F238E27FC236}">
+                <a16:creationId xmlns:a16="http://schemas.microsoft.com/office/drawing/2014/main" id="{67B8B89F-C308-4B53-03EB-61C2C0171618}"/>
+              </a:ext>
+            </a:extLst>
+          </p:cNvPr>
+          <p:cNvSpPr/>
+          <p:nvPr/>
+        </p:nvSpPr>
+        <p:spPr>
+          <a:xfrm>
+            <a:off x="3448276" y="493158"/>
+            <a:ext cx="540598" cy="764875"/>
+          </a:xfrm>
+          <a:prstGeom prst="rect">
+            <a:avLst/>
+          </a:prstGeom>
+          <a:solidFill>
+            <a:srgbClr val="FFFF00"/>
+          </a:solidFill>
+        </p:spPr>
+        <p:style>
+          <a:lnRef idx="2">
+            <a:schemeClr val="accent1">
+              <a:shade val="50000"/>
+            </a:schemeClr>
+          </a:lnRef>
+          <a:fillRef idx="1">
+            <a:schemeClr val="accent1"/>
+          </a:fillRef>
+          <a:effectRef idx="0">
+            <a:schemeClr val="accent1"/>
+          </a:effectRef>
+          <a:fontRef idx="minor">
+            <a:schemeClr val="lt1"/>
+          </a:fontRef>
+        </p:style>
+        <p:txBody>
+          <a:bodyPr rtlCol="0" anchor="ctr"/>
+          <a:lstStyle/>
+          <a:p>
+            <a:pPr algn="ctr"/>
+            <a:endParaRPr kumimoji="1" lang="ko-Kore-KR" altLang="en-US" sz="1400" dirty="0">
+              <a:solidFill>
+                <a:schemeClr val="tx1"/>
+              </a:solidFill>
+            </a:endParaRPr>
+          </a:p>
+        </p:txBody>
+      </p:sp>
+      <p:sp>
+        <p:nvSpPr>
+          <p:cNvPr id="42" name="직사각형 41">
+            <a:extLst>
+              <a:ext uri="{FF2B5EF4-FFF2-40B4-BE49-F238E27FC236}">
+                <a16:creationId xmlns:a16="http://schemas.microsoft.com/office/drawing/2014/main" id="{2AD9E3A0-1175-B1EF-B74D-D01A8860E8C2}"/>
+              </a:ext>
+            </a:extLst>
+          </p:cNvPr>
+          <p:cNvSpPr/>
+          <p:nvPr/>
+        </p:nvSpPr>
+        <p:spPr>
+          <a:xfrm>
+            <a:off x="3466119" y="175069"/>
+            <a:ext cx="423514" cy="369332"/>
+          </a:xfrm>
+          <a:prstGeom prst="rect">
+            <a:avLst/>
+          </a:prstGeom>
+        </p:spPr>
+        <p:txBody>
+          <a:bodyPr wrap="none">
+            <a:spAutoFit/>
+          </a:bodyPr>
+          <a:lstStyle/>
+          <a:p>
+            <a:pPr algn="ctr"/>
+            <a:r>
+              <a:rPr kumimoji="1" lang="en-US" altLang="ko-KR" dirty="0"/>
+              <a:t>p2</a:t>
+            </a:r>
+            <a:endParaRPr kumimoji="1" lang="ko-Kore-KR" altLang="en-US" dirty="0"/>
+          </a:p>
+        </p:txBody>
+      </p:sp>
+      <p:cxnSp>
+        <p:nvCxnSpPr>
+          <p:cNvPr id="44" name="구부러진 연결선[U] 43">
+            <a:extLst>
+              <a:ext uri="{FF2B5EF4-FFF2-40B4-BE49-F238E27FC236}">
+                <a16:creationId xmlns:a16="http://schemas.microsoft.com/office/drawing/2014/main" id="{4C9FC460-6590-C23D-DE5B-B3E2619C3169}"/>
+              </a:ext>
+            </a:extLst>
+          </p:cNvPr>
+          <p:cNvCxnSpPr>
+            <a:cxnSpLocks/>
+            <a:stCxn id="41" idx="3"/>
+            <a:endCxn id="33" idx="1"/>
+          </p:cNvCxnSpPr>
+          <p:nvPr/>
+        </p:nvCxnSpPr>
+        <p:spPr>
+          <a:xfrm>
+            <a:off x="3988874" y="875596"/>
+            <a:ext cx="594619" cy="838184"/>
+          </a:xfrm>
+          <a:prstGeom prst="curvedConnector3">
+            <a:avLst>
+              <a:gd name="adj1" fmla="val 50000"/>
+            </a:avLst>
+          </a:prstGeom>
+          <a:ln>
+            <a:tailEnd type="triangle"/>
+          </a:ln>
+        </p:spPr>
+        <p:style>
+          <a:lnRef idx="1">
+            <a:schemeClr val="accent1"/>
+          </a:lnRef>
+          <a:fillRef idx="0">
+            <a:schemeClr val="accent1"/>
+          </a:fillRef>
+          <a:effectRef idx="0">
+            <a:schemeClr val="accent1"/>
+          </a:effectRef>
+          <a:fontRef idx="minor">
+            <a:schemeClr val="tx1"/>
+          </a:fontRef>
+        </p:style>
+      </p:cxnSp>
+      <p:sp>
+        <p:nvSpPr>
+          <p:cNvPr id="48" name="직사각형 47">
+            <a:extLst>
+              <a:ext uri="{FF2B5EF4-FFF2-40B4-BE49-F238E27FC236}">
+                <a16:creationId xmlns:a16="http://schemas.microsoft.com/office/drawing/2014/main" id="{70354874-A7D7-9B1F-AB1C-6AF0696FED82}"/>
+              </a:ext>
+            </a:extLst>
+          </p:cNvPr>
+          <p:cNvSpPr/>
+          <p:nvPr/>
+        </p:nvSpPr>
+        <p:spPr>
+          <a:xfrm>
+            <a:off x="7959330" y="1222104"/>
+            <a:ext cx="2866822" cy="369332"/>
+          </a:xfrm>
+          <a:prstGeom prst="rect">
+            <a:avLst/>
+          </a:prstGeom>
+        </p:spPr>
+        <p:txBody>
+          <a:bodyPr wrap="square">
+            <a:spAutoFit/>
+          </a:bodyPr>
+          <a:lstStyle/>
+          <a:p>
+            <a:r>
+              <a:rPr lang="en" altLang="ko-Kore-KR" dirty="0">
+                <a:solidFill>
+                  <a:srgbClr val="000000"/>
+                </a:solidFill>
+                <a:latin typeface="DM Mono" panose="020B0509040201040103" pitchFamily="49" charset="0"/>
+              </a:rPr>
+              <a:t>*</a:t>
+            </a:r>
+            <a:r>
+              <a:rPr lang="en" altLang="ko-Kore-KR" dirty="0">
+                <a:solidFill>
+                  <a:srgbClr val="001080"/>
+                </a:solidFill>
+                <a:latin typeface="DM Mono" panose="020B0509040201040103" pitchFamily="49" charset="0"/>
+              </a:rPr>
+              <a:t>p1</a:t>
+            </a:r>
+            <a:r>
+              <a:rPr lang="en" altLang="ko-Kore-KR" dirty="0">
+                <a:solidFill>
+                  <a:srgbClr val="000000"/>
+                </a:solidFill>
+                <a:latin typeface="DM Mono" panose="020B0509040201040103" pitchFamily="49" charset="0"/>
+              </a:rPr>
+              <a:t> = </a:t>
+            </a:r>
+            <a:r>
+              <a:rPr lang="en" altLang="ko-Kore-KR" dirty="0">
+                <a:solidFill>
+                  <a:srgbClr val="098658"/>
+                </a:solidFill>
+                <a:latin typeface="DM Mono" panose="020B0509040201040103" pitchFamily="49" charset="0"/>
+              </a:rPr>
+              <a:t>100</a:t>
+            </a:r>
+            <a:r>
+              <a:rPr lang="en" altLang="ko-Kore-KR" dirty="0">
+                <a:solidFill>
+                  <a:srgbClr val="000000"/>
+                </a:solidFill>
+                <a:latin typeface="DM Mono" panose="020B0509040201040103" pitchFamily="49" charset="0"/>
+              </a:rPr>
+              <a:t>;</a:t>
+            </a:r>
+          </a:p>
+        </p:txBody>
+      </p:sp>
+      <p:sp>
+        <p:nvSpPr>
+          <p:cNvPr id="49" name="직사각형 48">
+            <a:extLst>
+              <a:ext uri="{FF2B5EF4-FFF2-40B4-BE49-F238E27FC236}">
+                <a16:creationId xmlns:a16="http://schemas.microsoft.com/office/drawing/2014/main" id="{77536731-6997-630C-6C7F-15DED24E2B30}"/>
+              </a:ext>
+            </a:extLst>
+          </p:cNvPr>
+          <p:cNvSpPr/>
+          <p:nvPr/>
+        </p:nvSpPr>
+        <p:spPr>
+          <a:xfrm>
+            <a:off x="8353302" y="1802920"/>
+            <a:ext cx="540598" cy="764875"/>
+          </a:xfrm>
+          <a:prstGeom prst="rect">
+            <a:avLst/>
+          </a:prstGeom>
+          <a:solidFill>
+            <a:schemeClr val="accent2"/>
+          </a:solidFill>
+        </p:spPr>
+        <p:style>
+          <a:lnRef idx="2">
+            <a:schemeClr val="accent1">
+              <a:shade val="50000"/>
+            </a:schemeClr>
+          </a:lnRef>
+          <a:fillRef idx="1">
+            <a:schemeClr val="accent1"/>
+          </a:fillRef>
+          <a:effectRef idx="0">
+            <a:schemeClr val="accent1"/>
+          </a:effectRef>
+          <a:fontRef idx="minor">
+            <a:schemeClr val="lt1"/>
+          </a:fontRef>
+        </p:style>
+        <p:txBody>
+          <a:bodyPr rtlCol="0" anchor="ctr"/>
+          <a:lstStyle/>
+          <a:p>
+            <a:pPr algn="ctr"/>
+            <a:r>
+              <a:rPr kumimoji="1" lang="en-US" altLang="ko-KR" sz="1400" dirty="0">
+                <a:solidFill>
+                  <a:schemeClr val="tx1"/>
+                </a:solidFill>
+              </a:rPr>
+              <a:t>0x12</a:t>
+            </a:r>
+            <a:endParaRPr kumimoji="1" lang="ko-Kore-KR" altLang="en-US" sz="1400" dirty="0">
+              <a:solidFill>
+                <a:schemeClr val="tx1"/>
+              </a:solidFill>
+            </a:endParaRPr>
+          </a:p>
+        </p:txBody>
+      </p:sp>
+      <p:sp>
+        <p:nvSpPr>
+          <p:cNvPr id="50" name="직사각형 49">
+            <a:extLst>
+              <a:ext uri="{FF2B5EF4-FFF2-40B4-BE49-F238E27FC236}">
+                <a16:creationId xmlns:a16="http://schemas.microsoft.com/office/drawing/2014/main" id="{7C93B88D-9812-5701-CD4D-285D6F0A3B7F}"/>
+              </a:ext>
+            </a:extLst>
+          </p:cNvPr>
+          <p:cNvSpPr/>
+          <p:nvPr/>
+        </p:nvSpPr>
+        <p:spPr>
+          <a:xfrm>
+            <a:off x="8893900" y="1802920"/>
+            <a:ext cx="540598" cy="764875"/>
+          </a:xfrm>
+          <a:prstGeom prst="rect">
+            <a:avLst/>
+          </a:prstGeom>
+          <a:solidFill>
+            <a:schemeClr val="accent2"/>
+          </a:solidFill>
+        </p:spPr>
+        <p:style>
+          <a:lnRef idx="2">
+            <a:schemeClr val="accent1">
+              <a:shade val="50000"/>
+            </a:schemeClr>
+          </a:lnRef>
+          <a:fillRef idx="1">
+            <a:schemeClr val="accent1"/>
+          </a:fillRef>
+          <a:effectRef idx="0">
+            <a:schemeClr val="accent1"/>
+          </a:effectRef>
+          <a:fontRef idx="minor">
+            <a:schemeClr val="lt1"/>
+          </a:fontRef>
+        </p:style>
+        <p:txBody>
+          <a:bodyPr rtlCol="0" anchor="ctr"/>
+          <a:lstStyle/>
+          <a:p>
+            <a:pPr algn="ctr"/>
+            <a:r>
+              <a:rPr kumimoji="1" lang="en-US" altLang="ko-Kore-KR" sz="1400" dirty="0">
+                <a:solidFill>
+                  <a:schemeClr val="tx1"/>
+                </a:solidFill>
+              </a:rPr>
+              <a:t>0x34</a:t>
+            </a:r>
+            <a:endParaRPr kumimoji="1" lang="ko-Kore-KR" altLang="en-US" sz="1400" dirty="0">
+              <a:solidFill>
+                <a:schemeClr val="tx1"/>
+              </a:solidFill>
+            </a:endParaRPr>
+          </a:p>
+        </p:txBody>
+      </p:sp>
+      <p:sp>
+        <p:nvSpPr>
+          <p:cNvPr id="51" name="직사각형 50">
+            <a:extLst>
+              <a:ext uri="{FF2B5EF4-FFF2-40B4-BE49-F238E27FC236}">
+                <a16:creationId xmlns:a16="http://schemas.microsoft.com/office/drawing/2014/main" id="{B6E32C8E-2A36-E270-FE43-77A3CE1EE7D8}"/>
+              </a:ext>
+            </a:extLst>
+          </p:cNvPr>
+          <p:cNvSpPr/>
+          <p:nvPr/>
+        </p:nvSpPr>
+        <p:spPr>
+          <a:xfrm>
+            <a:off x="9434498" y="1802920"/>
+            <a:ext cx="540598" cy="764875"/>
+          </a:xfrm>
+          <a:prstGeom prst="rect">
+            <a:avLst/>
+          </a:prstGeom>
+          <a:solidFill>
+            <a:schemeClr val="accent2"/>
+          </a:solidFill>
+        </p:spPr>
+        <p:style>
+          <a:lnRef idx="2">
+            <a:schemeClr val="accent1">
+              <a:shade val="50000"/>
+            </a:schemeClr>
+          </a:lnRef>
+          <a:fillRef idx="1">
+            <a:schemeClr val="accent1"/>
+          </a:fillRef>
+          <a:effectRef idx="0">
+            <a:schemeClr val="accent1"/>
+          </a:effectRef>
+          <a:fontRef idx="minor">
+            <a:schemeClr val="lt1"/>
+          </a:fontRef>
+        </p:style>
+        <p:txBody>
+          <a:bodyPr rtlCol="0" anchor="ctr"/>
+          <a:lstStyle/>
+          <a:p>
+            <a:pPr algn="ctr"/>
+            <a:r>
+              <a:rPr kumimoji="1" lang="en-US" altLang="ko-Kore-KR" sz="1400" dirty="0">
+                <a:solidFill>
+                  <a:schemeClr val="tx1"/>
+                </a:solidFill>
+              </a:rPr>
+              <a:t>0x56</a:t>
+            </a:r>
+            <a:endParaRPr kumimoji="1" lang="ko-Kore-KR" altLang="en-US" sz="1400" dirty="0">
+              <a:solidFill>
+                <a:schemeClr val="tx1"/>
+              </a:solidFill>
+            </a:endParaRPr>
+          </a:p>
+        </p:txBody>
+      </p:sp>
+      <p:sp>
+        <p:nvSpPr>
+          <p:cNvPr id="52" name="직사각형 51">
+            <a:extLst>
+              <a:ext uri="{FF2B5EF4-FFF2-40B4-BE49-F238E27FC236}">
+                <a16:creationId xmlns:a16="http://schemas.microsoft.com/office/drawing/2014/main" id="{40FD69CA-FBBF-3C22-A61D-654A463B51D8}"/>
+              </a:ext>
+            </a:extLst>
+          </p:cNvPr>
+          <p:cNvSpPr/>
+          <p:nvPr/>
+        </p:nvSpPr>
+        <p:spPr>
+          <a:xfrm>
+            <a:off x="9975096" y="1802920"/>
+            <a:ext cx="540598" cy="764875"/>
+          </a:xfrm>
+          <a:prstGeom prst="rect">
+            <a:avLst/>
+          </a:prstGeom>
+          <a:solidFill>
+            <a:schemeClr val="accent2"/>
+          </a:solidFill>
+        </p:spPr>
+        <p:style>
+          <a:lnRef idx="2">
+            <a:schemeClr val="accent1">
+              <a:shade val="50000"/>
+            </a:schemeClr>
+          </a:lnRef>
+          <a:fillRef idx="1">
+            <a:schemeClr val="accent1"/>
+          </a:fillRef>
+          <a:effectRef idx="0">
+            <a:schemeClr val="accent1"/>
+          </a:effectRef>
+          <a:fontRef idx="minor">
+            <a:schemeClr val="lt1"/>
+          </a:fontRef>
+        </p:style>
+        <p:txBody>
+          <a:bodyPr rtlCol="0" anchor="ctr"/>
+          <a:lstStyle/>
+          <a:p>
+            <a:pPr algn="ctr"/>
+            <a:r>
+              <a:rPr kumimoji="1" lang="en-US" altLang="ko-Kore-KR" sz="1400" dirty="0">
+                <a:solidFill>
+                  <a:schemeClr val="tx1"/>
+                </a:solidFill>
+              </a:rPr>
+              <a:t>0x78</a:t>
+            </a:r>
+            <a:endParaRPr kumimoji="1" lang="ko-Kore-KR" altLang="en-US" sz="1400" dirty="0">
+              <a:solidFill>
+                <a:schemeClr val="tx1"/>
+              </a:solidFill>
+            </a:endParaRPr>
+          </a:p>
+        </p:txBody>
+      </p:sp>
+      <p:sp>
+        <p:nvSpPr>
+          <p:cNvPr id="53" name="직사각형 52">
+            <a:extLst>
+              <a:ext uri="{FF2B5EF4-FFF2-40B4-BE49-F238E27FC236}">
+                <a16:creationId xmlns:a16="http://schemas.microsoft.com/office/drawing/2014/main" id="{0B9694BC-944B-BE24-A3B2-B7C26C1CAAB9}"/>
+              </a:ext>
+            </a:extLst>
+          </p:cNvPr>
+          <p:cNvSpPr/>
+          <p:nvPr/>
+        </p:nvSpPr>
+        <p:spPr>
+          <a:xfrm>
+            <a:off x="7226711" y="2567795"/>
+            <a:ext cx="540598" cy="764875"/>
+          </a:xfrm>
+          <a:prstGeom prst="rect">
+            <a:avLst/>
+          </a:prstGeom>
+          <a:solidFill>
+            <a:srgbClr val="FFFF00"/>
+          </a:solidFill>
+        </p:spPr>
+        <p:style>
+          <a:lnRef idx="2">
+            <a:schemeClr val="accent1">
+              <a:shade val="50000"/>
+            </a:schemeClr>
+          </a:lnRef>
+          <a:fillRef idx="1">
+            <a:schemeClr val="accent1"/>
+          </a:fillRef>
+          <a:effectRef idx="0">
+            <a:schemeClr val="accent1"/>
+          </a:effectRef>
+          <a:fontRef idx="minor">
+            <a:schemeClr val="lt1"/>
+          </a:fontRef>
+        </p:style>
+        <p:txBody>
+          <a:bodyPr rtlCol="0" anchor="ctr"/>
+          <a:lstStyle/>
+          <a:p>
+            <a:pPr algn="ctr"/>
+            <a:endParaRPr kumimoji="1" lang="ko-Kore-KR" altLang="en-US" sz="1400" dirty="0">
+              <a:solidFill>
+                <a:schemeClr val="tx1"/>
+              </a:solidFill>
+            </a:endParaRPr>
+          </a:p>
+        </p:txBody>
+      </p:sp>
+      <p:sp>
+        <p:nvSpPr>
+          <p:cNvPr id="54" name="직사각형 53">
+            <a:extLst>
+              <a:ext uri="{FF2B5EF4-FFF2-40B4-BE49-F238E27FC236}">
+                <a16:creationId xmlns:a16="http://schemas.microsoft.com/office/drawing/2014/main" id="{5CAB882B-4D8E-0E35-D82D-4399FAB28D19}"/>
+              </a:ext>
+            </a:extLst>
+          </p:cNvPr>
+          <p:cNvSpPr/>
+          <p:nvPr/>
+        </p:nvSpPr>
+        <p:spPr>
+          <a:xfrm>
+            <a:off x="7276627" y="2198463"/>
+            <a:ext cx="423514" cy="369332"/>
+          </a:xfrm>
+          <a:prstGeom prst="rect">
+            <a:avLst/>
+          </a:prstGeom>
+        </p:spPr>
+        <p:txBody>
+          <a:bodyPr wrap="none">
+            <a:spAutoFit/>
+          </a:bodyPr>
+          <a:lstStyle/>
+          <a:p>
+            <a:pPr algn="ctr"/>
+            <a:r>
+              <a:rPr kumimoji="1" lang="en-US" altLang="ko-KR" dirty="0"/>
+              <a:t>p1</a:t>
+            </a:r>
+            <a:endParaRPr kumimoji="1" lang="ko-Kore-KR" altLang="en-US" dirty="0"/>
+          </a:p>
+        </p:txBody>
+      </p:sp>
+      <p:cxnSp>
+        <p:nvCxnSpPr>
+          <p:cNvPr id="55" name="구부러진 연결선[U] 54">
+            <a:extLst>
+              <a:ext uri="{FF2B5EF4-FFF2-40B4-BE49-F238E27FC236}">
+                <a16:creationId xmlns:a16="http://schemas.microsoft.com/office/drawing/2014/main" id="{A0867628-75F7-BDF9-8093-4281BB91EA7E}"/>
+              </a:ext>
+            </a:extLst>
+          </p:cNvPr>
+          <p:cNvCxnSpPr>
+            <a:stCxn id="53" idx="3"/>
+            <a:endCxn id="49" idx="1"/>
+          </p:cNvCxnSpPr>
+          <p:nvPr/>
+        </p:nvCxnSpPr>
+        <p:spPr>
+          <a:xfrm flipV="1">
+            <a:off x="7767309" y="2185358"/>
+            <a:ext cx="585993" cy="764875"/>
+          </a:xfrm>
+          <a:prstGeom prst="curvedConnector3">
+            <a:avLst/>
+          </a:prstGeom>
+          <a:ln>
+            <a:tailEnd type="triangle"/>
+          </a:ln>
+        </p:spPr>
+        <p:style>
+          <a:lnRef idx="1">
+            <a:schemeClr val="accent1"/>
+          </a:lnRef>
+          <a:fillRef idx="0">
+            <a:schemeClr val="accent1"/>
+          </a:fillRef>
+          <a:effectRef idx="0">
+            <a:schemeClr val="accent1"/>
+          </a:effectRef>
+          <a:fontRef idx="minor">
+            <a:schemeClr val="tx1"/>
+          </a:fontRef>
+        </p:style>
+      </p:cxnSp>
+      <p:sp>
+        <p:nvSpPr>
+          <p:cNvPr id="57" name="직사각형 56">
+            <a:extLst>
+              <a:ext uri="{FF2B5EF4-FFF2-40B4-BE49-F238E27FC236}">
+                <a16:creationId xmlns:a16="http://schemas.microsoft.com/office/drawing/2014/main" id="{C9E52A93-5E60-47E6-FDB6-F14F7D23C432}"/>
+              </a:ext>
+            </a:extLst>
+          </p:cNvPr>
+          <p:cNvSpPr/>
+          <p:nvPr/>
+        </p:nvSpPr>
+        <p:spPr>
+          <a:xfrm>
+            <a:off x="8403218" y="3715107"/>
+            <a:ext cx="540598" cy="764875"/>
+          </a:xfrm>
+          <a:prstGeom prst="rect">
+            <a:avLst/>
+          </a:prstGeom>
+          <a:solidFill>
+            <a:schemeClr val="accent2"/>
+          </a:solidFill>
+        </p:spPr>
+        <p:style>
+          <a:lnRef idx="2">
+            <a:schemeClr val="accent1">
+              <a:shade val="50000"/>
+            </a:schemeClr>
+          </a:lnRef>
+          <a:fillRef idx="1">
+            <a:schemeClr val="accent1"/>
+          </a:fillRef>
+          <a:effectRef idx="0">
+            <a:schemeClr val="accent1"/>
+          </a:effectRef>
+          <a:fontRef idx="minor">
+            <a:schemeClr val="lt1"/>
+          </a:fontRef>
+        </p:style>
+        <p:txBody>
+          <a:bodyPr rtlCol="0" anchor="ctr"/>
+          <a:lstStyle/>
+          <a:p>
+            <a:pPr algn="ctr"/>
+            <a:r>
+              <a:rPr kumimoji="1" lang="en-US" altLang="ko-KR" sz="1400" dirty="0">
+                <a:solidFill>
+                  <a:schemeClr val="tx1"/>
+                </a:solidFill>
+              </a:rPr>
+              <a:t>0x12</a:t>
+            </a:r>
+            <a:endParaRPr kumimoji="1" lang="ko-Kore-KR" altLang="en-US" sz="1400" dirty="0">
+              <a:solidFill>
+                <a:schemeClr val="tx1"/>
+              </a:solidFill>
+            </a:endParaRPr>
+          </a:p>
+        </p:txBody>
+      </p:sp>
+      <p:sp>
+        <p:nvSpPr>
+          <p:cNvPr id="58" name="직사각형 57">
+            <a:extLst>
+              <a:ext uri="{FF2B5EF4-FFF2-40B4-BE49-F238E27FC236}">
+                <a16:creationId xmlns:a16="http://schemas.microsoft.com/office/drawing/2014/main" id="{E3EB6325-D820-5224-27CD-F2A187ADD8EE}"/>
+              </a:ext>
+            </a:extLst>
+          </p:cNvPr>
+          <p:cNvSpPr/>
+          <p:nvPr/>
+        </p:nvSpPr>
+        <p:spPr>
+          <a:xfrm>
+            <a:off x="8943816" y="3715107"/>
+            <a:ext cx="540598" cy="764875"/>
+          </a:xfrm>
+          <a:prstGeom prst="rect">
+            <a:avLst/>
+          </a:prstGeom>
+          <a:solidFill>
+            <a:srgbClr val="FFFF00"/>
+          </a:solidFill>
+        </p:spPr>
+        <p:style>
+          <a:lnRef idx="2">
+            <a:schemeClr val="accent1">
+              <a:shade val="50000"/>
+            </a:schemeClr>
+          </a:lnRef>
+          <a:fillRef idx="1">
+            <a:schemeClr val="accent1"/>
+          </a:fillRef>
+          <a:effectRef idx="0">
+            <a:schemeClr val="accent1"/>
+          </a:effectRef>
+          <a:fontRef idx="minor">
+            <a:schemeClr val="lt1"/>
+          </a:fontRef>
+        </p:style>
+        <p:txBody>
+          <a:bodyPr rtlCol="0" anchor="ctr"/>
+          <a:lstStyle/>
+          <a:p>
+            <a:pPr algn="ctr"/>
+            <a:r>
+              <a:rPr kumimoji="1" lang="en-US" altLang="ko-Kore-KR" sz="1400" dirty="0">
+                <a:solidFill>
+                  <a:schemeClr val="tx1"/>
+                </a:solidFill>
+              </a:rPr>
+              <a:t>0x34</a:t>
+            </a:r>
+            <a:endParaRPr kumimoji="1" lang="ko-Kore-KR" altLang="en-US" sz="1400" dirty="0">
+              <a:solidFill>
+                <a:schemeClr val="tx1"/>
+              </a:solidFill>
+            </a:endParaRPr>
+          </a:p>
+        </p:txBody>
+      </p:sp>
+      <p:sp>
+        <p:nvSpPr>
+          <p:cNvPr id="59" name="직사각형 58">
+            <a:extLst>
+              <a:ext uri="{FF2B5EF4-FFF2-40B4-BE49-F238E27FC236}">
+                <a16:creationId xmlns:a16="http://schemas.microsoft.com/office/drawing/2014/main" id="{2DD3BBCF-D361-3860-CBD4-F47A00DFBFBE}"/>
+              </a:ext>
+            </a:extLst>
+          </p:cNvPr>
+          <p:cNvSpPr/>
+          <p:nvPr/>
+        </p:nvSpPr>
+        <p:spPr>
+          <a:xfrm>
+            <a:off x="9484414" y="3715107"/>
+            <a:ext cx="540598" cy="764875"/>
+          </a:xfrm>
+          <a:prstGeom prst="rect">
+            <a:avLst/>
+          </a:prstGeom>
+          <a:solidFill>
+            <a:srgbClr val="FFFF00"/>
+          </a:solidFill>
+        </p:spPr>
+        <p:style>
+          <a:lnRef idx="2">
+            <a:schemeClr val="accent1">
+              <a:shade val="50000"/>
+            </a:schemeClr>
+          </a:lnRef>
+          <a:fillRef idx="1">
+            <a:schemeClr val="accent1"/>
+          </a:fillRef>
+          <a:effectRef idx="0">
+            <a:schemeClr val="accent1"/>
+          </a:effectRef>
+          <a:fontRef idx="minor">
+            <a:schemeClr val="lt1"/>
+          </a:fontRef>
+        </p:style>
+        <p:txBody>
+          <a:bodyPr rtlCol="0" anchor="ctr"/>
+          <a:lstStyle/>
+          <a:p>
+            <a:pPr algn="ctr"/>
+            <a:r>
+              <a:rPr kumimoji="1" lang="en-US" altLang="ko-Kore-KR" sz="1400" dirty="0">
+                <a:solidFill>
+                  <a:schemeClr val="tx1"/>
+                </a:solidFill>
+              </a:rPr>
+              <a:t>0x56</a:t>
+            </a:r>
+            <a:endParaRPr kumimoji="1" lang="ko-Kore-KR" altLang="en-US" sz="1400" dirty="0">
+              <a:solidFill>
+                <a:schemeClr val="tx1"/>
+              </a:solidFill>
+            </a:endParaRPr>
+          </a:p>
+        </p:txBody>
+      </p:sp>
+      <p:sp>
+        <p:nvSpPr>
+          <p:cNvPr id="60" name="직사각형 59">
+            <a:extLst>
+              <a:ext uri="{FF2B5EF4-FFF2-40B4-BE49-F238E27FC236}">
+                <a16:creationId xmlns:a16="http://schemas.microsoft.com/office/drawing/2014/main" id="{DFAA3AFB-2C6D-4EEE-B613-2E2259848AD9}"/>
+              </a:ext>
+            </a:extLst>
+          </p:cNvPr>
+          <p:cNvSpPr/>
+          <p:nvPr/>
+        </p:nvSpPr>
+        <p:spPr>
+          <a:xfrm>
+            <a:off x="10025012" y="3715107"/>
+            <a:ext cx="540598" cy="764875"/>
+          </a:xfrm>
+          <a:prstGeom prst="rect">
+            <a:avLst/>
+          </a:prstGeom>
+          <a:solidFill>
+            <a:srgbClr val="FFFF00"/>
+          </a:solidFill>
+        </p:spPr>
+        <p:style>
+          <a:lnRef idx="2">
+            <a:schemeClr val="accent1">
+              <a:shade val="50000"/>
+            </a:schemeClr>
+          </a:lnRef>
+          <a:fillRef idx="1">
+            <a:schemeClr val="accent1"/>
+          </a:fillRef>
+          <a:effectRef idx="0">
+            <a:schemeClr val="accent1"/>
+          </a:effectRef>
+          <a:fontRef idx="minor">
+            <a:schemeClr val="lt1"/>
+          </a:fontRef>
+        </p:style>
+        <p:txBody>
+          <a:bodyPr rtlCol="0" anchor="ctr"/>
+          <a:lstStyle/>
+          <a:p>
+            <a:pPr algn="ctr"/>
+            <a:r>
+              <a:rPr kumimoji="1" lang="en-US" altLang="ko-Kore-KR" sz="1400" dirty="0">
+                <a:solidFill>
+                  <a:schemeClr val="tx1"/>
+                </a:solidFill>
+              </a:rPr>
+              <a:t>0x78</a:t>
+            </a:r>
+            <a:endParaRPr kumimoji="1" lang="ko-Kore-KR" altLang="en-US" sz="1400" dirty="0">
+              <a:solidFill>
+                <a:schemeClr val="tx1"/>
+              </a:solidFill>
+            </a:endParaRPr>
+          </a:p>
+        </p:txBody>
+      </p:sp>
+      <p:sp>
+        <p:nvSpPr>
+          <p:cNvPr id="61" name="직사각형 60">
+            <a:extLst>
+              <a:ext uri="{FF2B5EF4-FFF2-40B4-BE49-F238E27FC236}">
+                <a16:creationId xmlns:a16="http://schemas.microsoft.com/office/drawing/2014/main" id="{4EA5DE11-26EC-B530-B2BE-B7736955F994}"/>
+              </a:ext>
+            </a:extLst>
+          </p:cNvPr>
+          <p:cNvSpPr/>
+          <p:nvPr/>
+        </p:nvSpPr>
+        <p:spPr>
+          <a:xfrm>
+            <a:off x="7276627" y="4479982"/>
+            <a:ext cx="540598" cy="764875"/>
+          </a:xfrm>
+          <a:prstGeom prst="rect">
+            <a:avLst/>
+          </a:prstGeom>
+          <a:solidFill>
+            <a:srgbClr val="FFFF00"/>
+          </a:solidFill>
+        </p:spPr>
+        <p:style>
+          <a:lnRef idx="2">
+            <a:schemeClr val="accent1">
+              <a:shade val="50000"/>
+            </a:schemeClr>
+          </a:lnRef>
+          <a:fillRef idx="1">
+            <a:schemeClr val="accent1"/>
+          </a:fillRef>
+          <a:effectRef idx="0">
+            <a:schemeClr val="accent1"/>
+          </a:effectRef>
+          <a:fontRef idx="minor">
+            <a:schemeClr val="lt1"/>
+          </a:fontRef>
+        </p:style>
+        <p:txBody>
+          <a:bodyPr rtlCol="0" anchor="ctr"/>
+          <a:lstStyle/>
+          <a:p>
+            <a:pPr algn="ctr"/>
+            <a:endParaRPr kumimoji="1" lang="ko-Kore-KR" altLang="en-US" sz="1400" dirty="0">
+              <a:solidFill>
+                <a:schemeClr val="tx1"/>
+              </a:solidFill>
+            </a:endParaRPr>
+          </a:p>
+        </p:txBody>
+      </p:sp>
+      <p:sp>
+        <p:nvSpPr>
+          <p:cNvPr id="62" name="직사각형 61">
+            <a:extLst>
+              <a:ext uri="{FF2B5EF4-FFF2-40B4-BE49-F238E27FC236}">
+                <a16:creationId xmlns:a16="http://schemas.microsoft.com/office/drawing/2014/main" id="{279D94B4-C82C-862F-1A80-326A0E3C51EC}"/>
+              </a:ext>
+            </a:extLst>
+          </p:cNvPr>
+          <p:cNvSpPr/>
+          <p:nvPr/>
+        </p:nvSpPr>
+        <p:spPr>
+          <a:xfrm>
+            <a:off x="7326543" y="4110650"/>
+            <a:ext cx="423514" cy="369332"/>
+          </a:xfrm>
+          <a:prstGeom prst="rect">
+            <a:avLst/>
+          </a:prstGeom>
+        </p:spPr>
+        <p:txBody>
+          <a:bodyPr wrap="none">
+            <a:spAutoFit/>
+          </a:bodyPr>
+          <a:lstStyle/>
+          <a:p>
+            <a:pPr algn="ctr"/>
+            <a:r>
+              <a:rPr kumimoji="1" lang="en-US" altLang="ko-KR" dirty="0"/>
+              <a:t>p2</a:t>
+            </a:r>
+            <a:endParaRPr kumimoji="1" lang="ko-Kore-KR" altLang="en-US" dirty="0"/>
+          </a:p>
+        </p:txBody>
+      </p:sp>
+      <p:cxnSp>
+        <p:nvCxnSpPr>
+          <p:cNvPr id="63" name="구부러진 연결선[U] 62">
+            <a:extLst>
+              <a:ext uri="{FF2B5EF4-FFF2-40B4-BE49-F238E27FC236}">
+                <a16:creationId xmlns:a16="http://schemas.microsoft.com/office/drawing/2014/main" id="{9AC3B3DC-8AA8-CEB1-63D8-0B87D902722C}"/>
+              </a:ext>
+            </a:extLst>
+          </p:cNvPr>
+          <p:cNvCxnSpPr>
+            <a:stCxn id="61" idx="3"/>
+            <a:endCxn id="57" idx="1"/>
+          </p:cNvCxnSpPr>
+          <p:nvPr/>
+        </p:nvCxnSpPr>
+        <p:spPr>
+          <a:xfrm flipV="1">
+            <a:off x="7817225" y="4097545"/>
+            <a:ext cx="585993" cy="764875"/>
+          </a:xfrm>
+          <a:prstGeom prst="curvedConnector3">
+            <a:avLst/>
+          </a:prstGeom>
+          <a:ln>
+            <a:tailEnd type="triangle"/>
+          </a:ln>
+        </p:spPr>
+        <p:style>
+          <a:lnRef idx="1">
+            <a:schemeClr val="accent1"/>
+          </a:lnRef>
+          <a:fillRef idx="0">
+            <a:schemeClr val="accent1"/>
+          </a:fillRef>
+          <a:effectRef idx="0">
+            <a:schemeClr val="accent1"/>
+          </a:effectRef>
+          <a:fontRef idx="minor">
+            <a:schemeClr val="tx1"/>
+          </a:fontRef>
+        </p:style>
+      </p:cxnSp>
+      <p:sp>
+        <p:nvSpPr>
+          <p:cNvPr id="64" name="직사각형 63">
+            <a:extLst>
+              <a:ext uri="{FF2B5EF4-FFF2-40B4-BE49-F238E27FC236}">
+                <a16:creationId xmlns:a16="http://schemas.microsoft.com/office/drawing/2014/main" id="{5E9574A3-90D3-981C-BCC1-07D1EBC2B0D7}"/>
+              </a:ext>
+            </a:extLst>
+          </p:cNvPr>
+          <p:cNvSpPr/>
+          <p:nvPr/>
+        </p:nvSpPr>
+        <p:spPr>
+          <a:xfrm>
+            <a:off x="557994" y="3801373"/>
+            <a:ext cx="540598" cy="764875"/>
+          </a:xfrm>
+          <a:prstGeom prst="rect">
+            <a:avLst/>
+          </a:prstGeom>
+          <a:solidFill>
+            <a:srgbClr val="FFFF00"/>
+          </a:solidFill>
+        </p:spPr>
+        <p:style>
+          <a:lnRef idx="2">
+            <a:schemeClr val="accent1">
+              <a:shade val="50000"/>
+            </a:schemeClr>
+          </a:lnRef>
+          <a:fillRef idx="1">
+            <a:schemeClr val="accent1"/>
+          </a:fillRef>
+          <a:effectRef idx="0">
+            <a:schemeClr val="accent1"/>
+          </a:effectRef>
+          <a:fontRef idx="minor">
+            <a:schemeClr val="lt1"/>
+          </a:fontRef>
+        </p:style>
+        <p:txBody>
+          <a:bodyPr rtlCol="0" anchor="ctr"/>
+          <a:lstStyle/>
+          <a:p>
+            <a:pPr algn="ctr"/>
+            <a:r>
+              <a:rPr kumimoji="1" lang="en-US" altLang="ko-KR" sz="1400" dirty="0">
+                <a:solidFill>
+                  <a:schemeClr val="tx1"/>
+                </a:solidFill>
+              </a:rPr>
+              <a:t>0x12</a:t>
+            </a:r>
+            <a:endParaRPr kumimoji="1" lang="ko-Kore-KR" altLang="en-US" sz="1400" dirty="0">
+              <a:solidFill>
+                <a:schemeClr val="tx1"/>
+              </a:solidFill>
+            </a:endParaRPr>
+          </a:p>
+        </p:txBody>
+      </p:sp>
+      <p:sp>
+        <p:nvSpPr>
+          <p:cNvPr id="65" name="직사각형 64">
+            <a:extLst>
+              <a:ext uri="{FF2B5EF4-FFF2-40B4-BE49-F238E27FC236}">
+                <a16:creationId xmlns:a16="http://schemas.microsoft.com/office/drawing/2014/main" id="{ECE21F4C-18A2-906E-DF5A-E98006825D51}"/>
+              </a:ext>
+            </a:extLst>
+          </p:cNvPr>
+          <p:cNvSpPr/>
+          <p:nvPr/>
+        </p:nvSpPr>
+        <p:spPr>
+          <a:xfrm>
+            <a:off x="1098592" y="3801373"/>
+            <a:ext cx="540598" cy="764875"/>
+          </a:xfrm>
+          <a:prstGeom prst="rect">
+            <a:avLst/>
+          </a:prstGeom>
+          <a:solidFill>
+            <a:srgbClr val="FFFF00"/>
+          </a:solidFill>
+        </p:spPr>
+        <p:style>
+          <a:lnRef idx="2">
+            <a:schemeClr val="accent1">
+              <a:shade val="50000"/>
+            </a:schemeClr>
+          </a:lnRef>
+          <a:fillRef idx="1">
+            <a:schemeClr val="accent1"/>
+          </a:fillRef>
+          <a:effectRef idx="0">
+            <a:schemeClr val="accent1"/>
+          </a:effectRef>
+          <a:fontRef idx="minor">
+            <a:schemeClr val="lt1"/>
+          </a:fontRef>
+        </p:style>
+        <p:txBody>
+          <a:bodyPr rtlCol="0" anchor="ctr"/>
+          <a:lstStyle/>
+          <a:p>
+            <a:pPr algn="ctr"/>
+            <a:r>
+              <a:rPr kumimoji="1" lang="en-US" altLang="ko-Kore-KR" sz="1400" dirty="0">
+                <a:solidFill>
+                  <a:schemeClr val="tx1"/>
+                </a:solidFill>
+              </a:rPr>
+              <a:t>0x34</a:t>
+            </a:r>
+            <a:endParaRPr kumimoji="1" lang="ko-Kore-KR" altLang="en-US" sz="1400" dirty="0">
+              <a:solidFill>
+                <a:schemeClr val="tx1"/>
+              </a:solidFill>
+            </a:endParaRPr>
+          </a:p>
+        </p:txBody>
+      </p:sp>
+      <p:sp>
+        <p:nvSpPr>
+          <p:cNvPr id="66" name="직사각형 65">
+            <a:extLst>
+              <a:ext uri="{FF2B5EF4-FFF2-40B4-BE49-F238E27FC236}">
+                <a16:creationId xmlns:a16="http://schemas.microsoft.com/office/drawing/2014/main" id="{75714994-AD0A-D85E-9F8B-E403BB638F7C}"/>
+              </a:ext>
+            </a:extLst>
+          </p:cNvPr>
+          <p:cNvSpPr/>
+          <p:nvPr/>
+        </p:nvSpPr>
+        <p:spPr>
+          <a:xfrm>
+            <a:off x="1639190" y="3801373"/>
+            <a:ext cx="540598" cy="764875"/>
+          </a:xfrm>
+          <a:prstGeom prst="rect">
+            <a:avLst/>
+          </a:prstGeom>
+          <a:solidFill>
+            <a:srgbClr val="FFFF00"/>
+          </a:solidFill>
+        </p:spPr>
+        <p:style>
+          <a:lnRef idx="2">
+            <a:schemeClr val="accent1">
+              <a:shade val="50000"/>
+            </a:schemeClr>
+          </a:lnRef>
+          <a:fillRef idx="1">
+            <a:schemeClr val="accent1"/>
+          </a:fillRef>
+          <a:effectRef idx="0">
+            <a:schemeClr val="accent1"/>
+          </a:effectRef>
+          <a:fontRef idx="minor">
+            <a:schemeClr val="lt1"/>
+          </a:fontRef>
+        </p:style>
+        <p:txBody>
+          <a:bodyPr rtlCol="0" anchor="ctr"/>
+          <a:lstStyle/>
+          <a:p>
+            <a:pPr algn="ctr"/>
+            <a:r>
+              <a:rPr kumimoji="1" lang="en-US" altLang="ko-Kore-KR" sz="1400" dirty="0">
+                <a:solidFill>
+                  <a:schemeClr val="tx1"/>
+                </a:solidFill>
+              </a:rPr>
+              <a:t>0x56</a:t>
+            </a:r>
+            <a:endParaRPr kumimoji="1" lang="ko-Kore-KR" altLang="en-US" sz="1400" dirty="0">
+              <a:solidFill>
+                <a:schemeClr val="tx1"/>
+              </a:solidFill>
+            </a:endParaRPr>
+          </a:p>
+        </p:txBody>
+      </p:sp>
+      <p:sp>
+        <p:nvSpPr>
+          <p:cNvPr id="67" name="직사각형 66">
+            <a:extLst>
+              <a:ext uri="{FF2B5EF4-FFF2-40B4-BE49-F238E27FC236}">
+                <a16:creationId xmlns:a16="http://schemas.microsoft.com/office/drawing/2014/main" id="{DC67EDD5-E84E-CCBD-B07C-38BC0BC068F3}"/>
+              </a:ext>
+            </a:extLst>
+          </p:cNvPr>
+          <p:cNvSpPr/>
+          <p:nvPr/>
+        </p:nvSpPr>
+        <p:spPr>
+          <a:xfrm>
+            <a:off x="2179788" y="3801373"/>
+            <a:ext cx="540598" cy="764875"/>
+          </a:xfrm>
+          <a:prstGeom prst="rect">
+            <a:avLst/>
+          </a:prstGeom>
+          <a:solidFill>
+            <a:srgbClr val="FFFF00"/>
+          </a:solidFill>
+        </p:spPr>
+        <p:style>
+          <a:lnRef idx="2">
+            <a:schemeClr val="accent1">
+              <a:shade val="50000"/>
+            </a:schemeClr>
+          </a:lnRef>
+          <a:fillRef idx="1">
+            <a:schemeClr val="accent1"/>
+          </a:fillRef>
+          <a:effectRef idx="0">
+            <a:schemeClr val="accent1"/>
+          </a:effectRef>
+          <a:fontRef idx="minor">
+            <a:schemeClr val="lt1"/>
+          </a:fontRef>
+        </p:style>
+        <p:txBody>
+          <a:bodyPr rtlCol="0" anchor="ctr"/>
+          <a:lstStyle/>
+          <a:p>
+            <a:pPr algn="ctr"/>
+            <a:r>
+              <a:rPr kumimoji="1" lang="en-US" altLang="ko-Kore-KR" sz="1400" dirty="0">
+                <a:solidFill>
+                  <a:schemeClr val="tx1"/>
+                </a:solidFill>
+              </a:rPr>
+              <a:t>0x78</a:t>
+            </a:r>
+            <a:endParaRPr kumimoji="1" lang="ko-Kore-KR" altLang="en-US" sz="1400" dirty="0">
+              <a:solidFill>
+                <a:schemeClr val="tx1"/>
+              </a:solidFill>
+            </a:endParaRPr>
+          </a:p>
+        </p:txBody>
+      </p:sp>
+      <p:sp>
+        <p:nvSpPr>
+          <p:cNvPr id="68" name="직사각형 67">
+            <a:extLst>
+              <a:ext uri="{FF2B5EF4-FFF2-40B4-BE49-F238E27FC236}">
+                <a16:creationId xmlns:a16="http://schemas.microsoft.com/office/drawing/2014/main" id="{400646FF-4DAF-C12B-7BA3-D6ACCE4F33C1}"/>
+              </a:ext>
+            </a:extLst>
+          </p:cNvPr>
+          <p:cNvSpPr/>
+          <p:nvPr/>
+        </p:nvSpPr>
+        <p:spPr>
+          <a:xfrm>
+            <a:off x="557994" y="4756028"/>
+            <a:ext cx="540598" cy="764875"/>
+          </a:xfrm>
+          <a:prstGeom prst="rect">
+            <a:avLst/>
+          </a:prstGeom>
+          <a:solidFill>
+            <a:srgbClr val="FFFF00"/>
+          </a:solidFill>
+        </p:spPr>
+        <p:style>
+          <a:lnRef idx="2">
+            <a:schemeClr val="accent1">
+              <a:shade val="50000"/>
+            </a:schemeClr>
+          </a:lnRef>
+          <a:fillRef idx="1">
+            <a:schemeClr val="accent1"/>
+          </a:fillRef>
+          <a:effectRef idx="0">
+            <a:schemeClr val="accent1"/>
+          </a:effectRef>
+          <a:fontRef idx="minor">
+            <a:schemeClr val="lt1"/>
+          </a:fontRef>
+        </p:style>
+        <p:txBody>
+          <a:bodyPr rtlCol="0" anchor="ctr"/>
+          <a:lstStyle/>
+          <a:p>
+            <a:pPr algn="ctr"/>
+            <a:r>
+              <a:rPr kumimoji="1" lang="en-US" altLang="ko-KR" sz="1400" dirty="0">
+                <a:solidFill>
+                  <a:schemeClr val="tx1"/>
+                </a:solidFill>
+              </a:rPr>
+              <a:t>0x78</a:t>
+            </a:r>
+            <a:endParaRPr kumimoji="1" lang="ko-Kore-KR" altLang="en-US" sz="1400" dirty="0">
+              <a:solidFill>
+                <a:schemeClr val="tx1"/>
+              </a:solidFill>
+            </a:endParaRPr>
+          </a:p>
+        </p:txBody>
+      </p:sp>
+      <p:sp>
+        <p:nvSpPr>
+          <p:cNvPr id="69" name="직사각형 68">
+            <a:extLst>
+              <a:ext uri="{FF2B5EF4-FFF2-40B4-BE49-F238E27FC236}">
+                <a16:creationId xmlns:a16="http://schemas.microsoft.com/office/drawing/2014/main" id="{CEB4FBDA-AB84-2894-C47C-27030DCE9F9F}"/>
+              </a:ext>
+            </a:extLst>
+          </p:cNvPr>
+          <p:cNvSpPr/>
+          <p:nvPr/>
+        </p:nvSpPr>
+        <p:spPr>
+          <a:xfrm>
+            <a:off x="1098592" y="4756028"/>
+            <a:ext cx="540598" cy="764875"/>
+          </a:xfrm>
+          <a:prstGeom prst="rect">
+            <a:avLst/>
+          </a:prstGeom>
+          <a:solidFill>
+            <a:srgbClr val="FFFF00"/>
+          </a:solidFill>
+        </p:spPr>
+        <p:style>
+          <a:lnRef idx="2">
+            <a:schemeClr val="accent1">
+              <a:shade val="50000"/>
+            </a:schemeClr>
+          </a:lnRef>
+          <a:fillRef idx="1">
+            <a:schemeClr val="accent1"/>
+          </a:fillRef>
+          <a:effectRef idx="0">
+            <a:schemeClr val="accent1"/>
+          </a:effectRef>
+          <a:fontRef idx="minor">
+            <a:schemeClr val="lt1"/>
+          </a:fontRef>
+        </p:style>
+        <p:txBody>
+          <a:bodyPr rtlCol="0" anchor="ctr"/>
+          <a:lstStyle/>
+          <a:p>
+            <a:pPr algn="ctr"/>
+            <a:r>
+              <a:rPr kumimoji="1" lang="en-US" altLang="ko-Kore-KR" sz="1400" dirty="0">
+                <a:solidFill>
+                  <a:schemeClr val="tx1"/>
+                </a:solidFill>
+              </a:rPr>
+              <a:t>0x56</a:t>
+            </a:r>
+            <a:endParaRPr kumimoji="1" lang="ko-Kore-KR" altLang="en-US" sz="1400" dirty="0">
+              <a:solidFill>
+                <a:schemeClr val="tx1"/>
+              </a:solidFill>
+            </a:endParaRPr>
+          </a:p>
+        </p:txBody>
+      </p:sp>
+      <p:sp>
+        <p:nvSpPr>
+          <p:cNvPr id="70" name="직사각형 69">
+            <a:extLst>
+              <a:ext uri="{FF2B5EF4-FFF2-40B4-BE49-F238E27FC236}">
+                <a16:creationId xmlns:a16="http://schemas.microsoft.com/office/drawing/2014/main" id="{D804E9DA-4F4F-C5FC-84B2-D4F87B8959AA}"/>
+              </a:ext>
+            </a:extLst>
+          </p:cNvPr>
+          <p:cNvSpPr/>
+          <p:nvPr/>
+        </p:nvSpPr>
+        <p:spPr>
+          <a:xfrm>
+            <a:off x="1639190" y="4756028"/>
+            <a:ext cx="540598" cy="764875"/>
+          </a:xfrm>
+          <a:prstGeom prst="rect">
+            <a:avLst/>
+          </a:prstGeom>
+          <a:solidFill>
+            <a:srgbClr val="FFFF00"/>
+          </a:solidFill>
+        </p:spPr>
+        <p:style>
+          <a:lnRef idx="2">
+            <a:schemeClr val="accent1">
+              <a:shade val="50000"/>
+            </a:schemeClr>
+          </a:lnRef>
+          <a:fillRef idx="1">
+            <a:schemeClr val="accent1"/>
+          </a:fillRef>
+          <a:effectRef idx="0">
+            <a:schemeClr val="accent1"/>
+          </a:effectRef>
+          <a:fontRef idx="minor">
+            <a:schemeClr val="lt1"/>
+          </a:fontRef>
+        </p:style>
+        <p:txBody>
+          <a:bodyPr rtlCol="0" anchor="ctr"/>
+          <a:lstStyle/>
+          <a:p>
+            <a:pPr algn="ctr"/>
+            <a:r>
+              <a:rPr kumimoji="1" lang="en-US" altLang="ko-Kore-KR" sz="1400" dirty="0">
+                <a:solidFill>
+                  <a:schemeClr val="tx1"/>
+                </a:solidFill>
+              </a:rPr>
+              <a:t>0x34</a:t>
+            </a:r>
+            <a:endParaRPr kumimoji="1" lang="ko-Kore-KR" altLang="en-US" sz="1400" dirty="0">
+              <a:solidFill>
+                <a:schemeClr val="tx1"/>
+              </a:solidFill>
+            </a:endParaRPr>
+          </a:p>
+        </p:txBody>
+      </p:sp>
+      <p:sp>
+        <p:nvSpPr>
+          <p:cNvPr id="71" name="직사각형 70">
+            <a:extLst>
+              <a:ext uri="{FF2B5EF4-FFF2-40B4-BE49-F238E27FC236}">
+                <a16:creationId xmlns:a16="http://schemas.microsoft.com/office/drawing/2014/main" id="{92A14244-B2A1-CB0E-3713-F892A0BFA38C}"/>
+              </a:ext>
+            </a:extLst>
+          </p:cNvPr>
+          <p:cNvSpPr/>
+          <p:nvPr/>
+        </p:nvSpPr>
+        <p:spPr>
+          <a:xfrm>
+            <a:off x="2179788" y="4756028"/>
+            <a:ext cx="540598" cy="764875"/>
+          </a:xfrm>
+          <a:prstGeom prst="rect">
+            <a:avLst/>
+          </a:prstGeom>
+          <a:solidFill>
+            <a:srgbClr val="FFFF00"/>
+          </a:solidFill>
+        </p:spPr>
+        <p:style>
+          <a:lnRef idx="2">
+            <a:schemeClr val="accent1">
+              <a:shade val="50000"/>
+            </a:schemeClr>
+          </a:lnRef>
+          <a:fillRef idx="1">
+            <a:schemeClr val="accent1"/>
+          </a:fillRef>
+          <a:effectRef idx="0">
+            <a:schemeClr val="accent1"/>
+          </a:effectRef>
+          <a:fontRef idx="minor">
+            <a:schemeClr val="lt1"/>
+          </a:fontRef>
+        </p:style>
+        <p:txBody>
+          <a:bodyPr rtlCol="0" anchor="ctr"/>
+          <a:lstStyle/>
+          <a:p>
+            <a:pPr algn="ctr"/>
+            <a:r>
+              <a:rPr kumimoji="1" lang="en-US" altLang="ko-Kore-KR" sz="1400" dirty="0">
+                <a:solidFill>
+                  <a:schemeClr val="tx1"/>
+                </a:solidFill>
+              </a:rPr>
+              <a:t>0x12</a:t>
+            </a:r>
+            <a:endParaRPr kumimoji="1" lang="ko-Kore-KR" altLang="en-US" sz="1400" dirty="0">
+              <a:solidFill>
+                <a:schemeClr val="tx1"/>
+              </a:solidFill>
+            </a:endParaRPr>
+          </a:p>
+        </p:txBody>
+      </p:sp>
+    </p:spTree>
+    <p:extLst>
+      <p:ext uri="{BB962C8B-B14F-4D97-AF65-F5344CB8AC3E}">
+        <p14:creationId xmlns:p14="http://schemas.microsoft.com/office/powerpoint/2010/main" val="170695207"/>
       </p:ext>
     </p:extLst>
   </p:cSld>

--- a/220510.pptx
+++ b/220510.pptx
@@ -8,6 +8,7 @@
     <p:sldId id="256" r:id="rId2"/>
     <p:sldId id="257" r:id="rId3"/>
     <p:sldId id="258" r:id="rId4"/>
+    <p:sldId id="259" r:id="rId5"/>
   </p:sldIdLst>
   <p:sldSz cx="12192000" cy="6858000"/>
   <p:notesSz cx="6858000" cy="9144000"/>
@@ -263,7 +264,7 @@
           <a:p>
             <a:fld id="{D800E883-703A-7245-8005-2080AE388950}" type="datetimeFigureOut">
               <a:rPr kumimoji="1" lang="ko-Kore-KR" altLang="en-US" smtClean="0"/>
-              <a:t>2022. 5. 10.</a:t>
+              <a:t>2022. 5. 11.</a:t>
             </a:fld>
             <a:endParaRPr kumimoji="1" lang="ko-Kore-KR" altLang="en-US"/>
           </a:p>
@@ -463,7 +464,7 @@
           <a:p>
             <a:fld id="{D800E883-703A-7245-8005-2080AE388950}" type="datetimeFigureOut">
               <a:rPr kumimoji="1" lang="ko-Kore-KR" altLang="en-US" smtClean="0"/>
-              <a:t>2022. 5. 10.</a:t>
+              <a:t>2022. 5. 11.</a:t>
             </a:fld>
             <a:endParaRPr kumimoji="1" lang="ko-Kore-KR" altLang="en-US"/>
           </a:p>
@@ -673,7 +674,7 @@
           <a:p>
             <a:fld id="{D800E883-703A-7245-8005-2080AE388950}" type="datetimeFigureOut">
               <a:rPr kumimoji="1" lang="ko-Kore-KR" altLang="en-US" smtClean="0"/>
-              <a:t>2022. 5. 10.</a:t>
+              <a:t>2022. 5. 11.</a:t>
             </a:fld>
             <a:endParaRPr kumimoji="1" lang="ko-Kore-KR" altLang="en-US"/>
           </a:p>
@@ -873,7 +874,7 @@
           <a:p>
             <a:fld id="{D800E883-703A-7245-8005-2080AE388950}" type="datetimeFigureOut">
               <a:rPr kumimoji="1" lang="ko-Kore-KR" altLang="en-US" smtClean="0"/>
-              <a:t>2022. 5. 10.</a:t>
+              <a:t>2022. 5. 11.</a:t>
             </a:fld>
             <a:endParaRPr kumimoji="1" lang="ko-Kore-KR" altLang="en-US"/>
           </a:p>
@@ -1149,7 +1150,7 @@
           <a:p>
             <a:fld id="{D800E883-703A-7245-8005-2080AE388950}" type="datetimeFigureOut">
               <a:rPr kumimoji="1" lang="ko-Kore-KR" altLang="en-US" smtClean="0"/>
-              <a:t>2022. 5. 10.</a:t>
+              <a:t>2022. 5. 11.</a:t>
             </a:fld>
             <a:endParaRPr kumimoji="1" lang="ko-Kore-KR" altLang="en-US"/>
           </a:p>
@@ -1417,7 +1418,7 @@
           <a:p>
             <a:fld id="{D800E883-703A-7245-8005-2080AE388950}" type="datetimeFigureOut">
               <a:rPr kumimoji="1" lang="ko-Kore-KR" altLang="en-US" smtClean="0"/>
-              <a:t>2022. 5. 10.</a:t>
+              <a:t>2022. 5. 11.</a:t>
             </a:fld>
             <a:endParaRPr kumimoji="1" lang="ko-Kore-KR" altLang="en-US"/>
           </a:p>
@@ -1832,7 +1833,7 @@
           <a:p>
             <a:fld id="{D800E883-703A-7245-8005-2080AE388950}" type="datetimeFigureOut">
               <a:rPr kumimoji="1" lang="ko-Kore-KR" altLang="en-US" smtClean="0"/>
-              <a:t>2022. 5. 10.</a:t>
+              <a:t>2022. 5. 11.</a:t>
             </a:fld>
             <a:endParaRPr kumimoji="1" lang="ko-Kore-KR" altLang="en-US"/>
           </a:p>
@@ -1974,7 +1975,7 @@
           <a:p>
             <a:fld id="{D800E883-703A-7245-8005-2080AE388950}" type="datetimeFigureOut">
               <a:rPr kumimoji="1" lang="ko-Kore-KR" altLang="en-US" smtClean="0"/>
-              <a:t>2022. 5. 10.</a:t>
+              <a:t>2022. 5. 11.</a:t>
             </a:fld>
             <a:endParaRPr kumimoji="1" lang="ko-Kore-KR" altLang="en-US"/>
           </a:p>
@@ -2087,7 +2088,7 @@
           <a:p>
             <a:fld id="{D800E883-703A-7245-8005-2080AE388950}" type="datetimeFigureOut">
               <a:rPr kumimoji="1" lang="ko-Kore-KR" altLang="en-US" smtClean="0"/>
-              <a:t>2022. 5. 10.</a:t>
+              <a:t>2022. 5. 11.</a:t>
             </a:fld>
             <a:endParaRPr kumimoji="1" lang="ko-Kore-KR" altLang="en-US"/>
           </a:p>
@@ -2400,7 +2401,7 @@
           <a:p>
             <a:fld id="{D800E883-703A-7245-8005-2080AE388950}" type="datetimeFigureOut">
               <a:rPr kumimoji="1" lang="ko-Kore-KR" altLang="en-US" smtClean="0"/>
-              <a:t>2022. 5. 10.</a:t>
+              <a:t>2022. 5. 11.</a:t>
             </a:fld>
             <a:endParaRPr kumimoji="1" lang="ko-Kore-KR" altLang="en-US"/>
           </a:p>
@@ -2689,7 +2690,7 @@
           <a:p>
             <a:fld id="{D800E883-703A-7245-8005-2080AE388950}" type="datetimeFigureOut">
               <a:rPr kumimoji="1" lang="ko-Kore-KR" altLang="en-US" smtClean="0"/>
-              <a:t>2022. 5. 10.</a:t>
+              <a:t>2022. 5. 11.</a:t>
             </a:fld>
             <a:endParaRPr kumimoji="1" lang="ko-Kore-KR" altLang="en-US"/>
           </a:p>
@@ -2932,7 +2933,7 @@
           <a:p>
             <a:fld id="{D800E883-703A-7245-8005-2080AE388950}" type="datetimeFigureOut">
               <a:rPr kumimoji="1" lang="ko-Kore-KR" altLang="en-US" smtClean="0"/>
-              <a:t>2022. 5. 10.</a:t>
+              <a:t>2022. 5. 11.</a:t>
             </a:fld>
             <a:endParaRPr kumimoji="1" lang="ko-Kore-KR" altLang="en-US"/>
           </a:p>
@@ -8386,6 +8387,1165 @@
     <p:extLst>
       <p:ext uri="{BB962C8B-B14F-4D97-AF65-F5344CB8AC3E}">
         <p14:creationId xmlns:p14="http://schemas.microsoft.com/office/powerpoint/2010/main" val="170695207"/>
+      </p:ext>
+    </p:extLst>
+  </p:cSld>
+  <p:clrMapOvr>
+    <a:masterClrMapping/>
+  </p:clrMapOvr>
+</p:sld>
+</file>
+
+<file path=ppt/slides/slide4.xml><?xml version="1.0" encoding="utf-8"?>
+<p:sld xmlns:a="http://schemas.openxmlformats.org/drawingml/2006/main" xmlns:r="http://schemas.openxmlformats.org/officeDocument/2006/relationships" xmlns:p="http://schemas.openxmlformats.org/presentationml/2006/main">
+  <p:cSld>
+    <p:spTree>
+      <p:nvGrpSpPr>
+        <p:cNvPr id="1" name=""/>
+        <p:cNvGrpSpPr/>
+        <p:nvPr/>
+      </p:nvGrpSpPr>
+      <p:grpSpPr>
+        <a:xfrm>
+          <a:off x="0" y="0"/>
+          <a:ext cx="0" cy="0"/>
+          <a:chOff x="0" y="0"/>
+          <a:chExt cx="0" cy="0"/>
+        </a:xfrm>
+      </p:grpSpPr>
+      <p:sp>
+        <p:nvSpPr>
+          <p:cNvPr id="39" name="직사각형 38">
+            <a:extLst>
+              <a:ext uri="{FF2B5EF4-FFF2-40B4-BE49-F238E27FC236}">
+                <a16:creationId xmlns:a16="http://schemas.microsoft.com/office/drawing/2014/main" id="{919AC170-03E0-7092-6050-BAEF42DC3DE5}"/>
+              </a:ext>
+            </a:extLst>
+          </p:cNvPr>
+          <p:cNvSpPr/>
+          <p:nvPr/>
+        </p:nvSpPr>
+        <p:spPr>
+          <a:xfrm>
+            <a:off x="8116836" y="583075"/>
+            <a:ext cx="1747599" cy="764875"/>
+          </a:xfrm>
+          <a:prstGeom prst="rect">
+            <a:avLst/>
+          </a:prstGeom>
+          <a:solidFill>
+            <a:srgbClr val="FFFF00"/>
+          </a:solidFill>
+        </p:spPr>
+        <p:style>
+          <a:lnRef idx="2">
+            <a:schemeClr val="accent1">
+              <a:shade val="50000"/>
+            </a:schemeClr>
+          </a:lnRef>
+          <a:fillRef idx="1">
+            <a:schemeClr val="accent1"/>
+          </a:fillRef>
+          <a:effectRef idx="0">
+            <a:schemeClr val="accent1"/>
+          </a:effectRef>
+          <a:fontRef idx="minor">
+            <a:schemeClr val="lt1"/>
+          </a:fontRef>
+        </p:style>
+        <p:txBody>
+          <a:bodyPr rtlCol="0" anchor="ctr"/>
+          <a:lstStyle/>
+          <a:p>
+            <a:pPr algn="ctr"/>
+            <a:r>
+              <a:rPr kumimoji="1" lang="en-US" altLang="ko-Kore-KR" sz="1400" dirty="0">
+                <a:solidFill>
+                  <a:schemeClr val="tx1"/>
+                </a:solidFill>
+              </a:rPr>
+              <a:t>TEXT - </a:t>
+            </a:r>
+            <a:r>
+              <a:rPr kumimoji="1" lang="ko-KR" altLang="en-US" sz="1400" dirty="0">
+                <a:solidFill>
+                  <a:schemeClr val="tx1"/>
+                </a:solidFill>
+              </a:rPr>
+              <a:t>코드</a:t>
+            </a:r>
+            <a:endParaRPr kumimoji="1" lang="ko-Kore-KR" altLang="en-US" sz="1400" dirty="0">
+              <a:solidFill>
+                <a:schemeClr val="tx1"/>
+              </a:solidFill>
+            </a:endParaRPr>
+          </a:p>
+        </p:txBody>
+      </p:sp>
+      <p:sp>
+        <p:nvSpPr>
+          <p:cNvPr id="4" name="직사각형 3">
+            <a:extLst>
+              <a:ext uri="{FF2B5EF4-FFF2-40B4-BE49-F238E27FC236}">
+                <a16:creationId xmlns:a16="http://schemas.microsoft.com/office/drawing/2014/main" id="{DBB8AE33-2803-792F-63CB-0DA2273F8B97}"/>
+              </a:ext>
+            </a:extLst>
+          </p:cNvPr>
+          <p:cNvSpPr/>
+          <p:nvPr/>
+        </p:nvSpPr>
+        <p:spPr>
+          <a:xfrm>
+            <a:off x="349055" y="392858"/>
+            <a:ext cx="6096000" cy="3139321"/>
+          </a:xfrm>
+          <a:prstGeom prst="rect">
+            <a:avLst/>
+          </a:prstGeom>
+        </p:spPr>
+        <p:txBody>
+          <a:bodyPr>
+            <a:spAutoFit/>
+          </a:bodyPr>
+          <a:lstStyle/>
+          <a:p>
+            <a:r>
+              <a:rPr lang="en" altLang="ko-Kore-KR" dirty="0">
+                <a:solidFill>
+                  <a:srgbClr val="0000FF"/>
+                </a:solidFill>
+                <a:latin typeface="DM Mono" panose="020B0509040201040103" pitchFamily="49" charset="0"/>
+              </a:rPr>
+              <a:t>int</a:t>
+            </a:r>
+            <a:r>
+              <a:rPr lang="en" altLang="ko-Kore-KR" dirty="0">
+                <a:solidFill>
+                  <a:srgbClr val="000000"/>
+                </a:solidFill>
+                <a:latin typeface="DM Mono" panose="020B0509040201040103" pitchFamily="49" charset="0"/>
+              </a:rPr>
+              <a:t> </a:t>
+            </a:r>
+            <a:r>
+              <a:rPr lang="en" altLang="ko-Kore-KR" dirty="0">
+                <a:solidFill>
+                  <a:srgbClr val="001080"/>
+                </a:solidFill>
+                <a:latin typeface="DM Mono" panose="020B0509040201040103" pitchFamily="49" charset="0"/>
+              </a:rPr>
+              <a:t>g1</a:t>
+            </a:r>
+            <a:r>
+              <a:rPr lang="en" altLang="ko-Kore-KR" dirty="0">
+                <a:solidFill>
+                  <a:srgbClr val="000000"/>
+                </a:solidFill>
+                <a:latin typeface="DM Mono" panose="020B0509040201040103" pitchFamily="49" charset="0"/>
+              </a:rPr>
+              <a:t>; </a:t>
+            </a:r>
+            <a:r>
+              <a:rPr lang="en" altLang="ko-Kore-KR" dirty="0">
+                <a:solidFill>
+                  <a:srgbClr val="008000"/>
+                </a:solidFill>
+                <a:latin typeface="DM Mono" panose="020B0509040201040103" pitchFamily="49" charset="0"/>
+              </a:rPr>
+              <a:t>// </a:t>
+            </a:r>
+            <a:r>
+              <a:rPr lang="ko-KR" altLang="en-US" dirty="0">
+                <a:solidFill>
+                  <a:srgbClr val="008000"/>
+                </a:solidFill>
+                <a:latin typeface="DM Mono" panose="020B0509040201040103" pitchFamily="49" charset="0"/>
+              </a:rPr>
+              <a:t>전역 변수</a:t>
+            </a:r>
+            <a:endParaRPr lang="ko-KR" altLang="en-US" dirty="0">
+              <a:solidFill>
+                <a:srgbClr val="000000"/>
+              </a:solidFill>
+              <a:latin typeface="DM Mono" panose="020B0509040201040103" pitchFamily="49" charset="0"/>
+            </a:endParaRPr>
+          </a:p>
+          <a:p>
+            <a:r>
+              <a:rPr lang="en" altLang="ko-Kore-KR" dirty="0">
+                <a:solidFill>
+                  <a:srgbClr val="0000FF"/>
+                </a:solidFill>
+                <a:latin typeface="DM Mono" panose="020B0509040201040103" pitchFamily="49" charset="0"/>
+              </a:rPr>
+              <a:t>static</a:t>
+            </a:r>
+            <a:r>
+              <a:rPr lang="en" altLang="ko-Kore-KR" dirty="0">
+                <a:solidFill>
+                  <a:srgbClr val="000000"/>
+                </a:solidFill>
+                <a:latin typeface="DM Mono" panose="020B0509040201040103" pitchFamily="49" charset="0"/>
+              </a:rPr>
+              <a:t> </a:t>
+            </a:r>
+            <a:r>
+              <a:rPr lang="en" altLang="ko-Kore-KR" dirty="0">
+                <a:solidFill>
+                  <a:srgbClr val="0000FF"/>
+                </a:solidFill>
+                <a:latin typeface="DM Mono" panose="020B0509040201040103" pitchFamily="49" charset="0"/>
+              </a:rPr>
+              <a:t>int</a:t>
+            </a:r>
+            <a:r>
+              <a:rPr lang="en" altLang="ko-Kore-KR" dirty="0">
+                <a:solidFill>
+                  <a:srgbClr val="000000"/>
+                </a:solidFill>
+                <a:latin typeface="DM Mono" panose="020B0509040201040103" pitchFamily="49" charset="0"/>
+              </a:rPr>
+              <a:t> </a:t>
+            </a:r>
+            <a:r>
+              <a:rPr lang="en" altLang="ko-Kore-KR" dirty="0">
+                <a:solidFill>
+                  <a:srgbClr val="001080"/>
+                </a:solidFill>
+                <a:latin typeface="DM Mono" panose="020B0509040201040103" pitchFamily="49" charset="0"/>
+              </a:rPr>
+              <a:t>g2</a:t>
+            </a:r>
+            <a:r>
+              <a:rPr lang="en" altLang="ko-Kore-KR" dirty="0">
+                <a:solidFill>
+                  <a:srgbClr val="000000"/>
+                </a:solidFill>
+                <a:latin typeface="DM Mono" panose="020B0509040201040103" pitchFamily="49" charset="0"/>
+              </a:rPr>
+              <a:t>;</a:t>
+            </a:r>
+          </a:p>
+          <a:p>
+            <a:br>
+              <a:rPr lang="en" altLang="ko-Kore-KR" dirty="0">
+                <a:solidFill>
+                  <a:srgbClr val="000000"/>
+                </a:solidFill>
+                <a:latin typeface="DM Mono" panose="020B0509040201040103" pitchFamily="49" charset="0"/>
+              </a:rPr>
+            </a:br>
+            <a:br>
+              <a:rPr lang="en" altLang="ko-Kore-KR" dirty="0">
+                <a:solidFill>
+                  <a:srgbClr val="000000"/>
+                </a:solidFill>
+                <a:latin typeface="DM Mono" panose="020B0509040201040103" pitchFamily="49" charset="0"/>
+              </a:rPr>
+            </a:br>
+            <a:r>
+              <a:rPr lang="en" altLang="ko-Kore-KR" dirty="0">
+                <a:solidFill>
+                  <a:srgbClr val="0000FF"/>
+                </a:solidFill>
+                <a:latin typeface="DM Mono" panose="020B0509040201040103" pitchFamily="49" charset="0"/>
+              </a:rPr>
+              <a:t>int</a:t>
+            </a:r>
+            <a:r>
+              <a:rPr lang="en" altLang="ko-Kore-KR" dirty="0">
+                <a:solidFill>
+                  <a:srgbClr val="000000"/>
+                </a:solidFill>
+                <a:latin typeface="DM Mono" panose="020B0509040201040103" pitchFamily="49" charset="0"/>
+              </a:rPr>
+              <a:t> </a:t>
+            </a:r>
+            <a:r>
+              <a:rPr lang="en" altLang="ko-Kore-KR" dirty="0">
+                <a:solidFill>
+                  <a:srgbClr val="795E26"/>
+                </a:solidFill>
+                <a:latin typeface="DM Mono" panose="020B0509040201040103" pitchFamily="49" charset="0"/>
+              </a:rPr>
+              <a:t>main</a:t>
+            </a:r>
+            <a:r>
+              <a:rPr lang="en" altLang="ko-Kore-KR" dirty="0">
+                <a:solidFill>
+                  <a:srgbClr val="000000"/>
+                </a:solidFill>
+                <a:latin typeface="DM Mono" panose="020B0509040201040103" pitchFamily="49" charset="0"/>
+              </a:rPr>
+              <a:t>()</a:t>
+            </a:r>
+          </a:p>
+          <a:p>
+            <a:r>
+              <a:rPr lang="en" altLang="ko-Kore-KR" dirty="0">
+                <a:solidFill>
+                  <a:srgbClr val="000000"/>
+                </a:solidFill>
+                <a:latin typeface="DM Mono" panose="020B0509040201040103" pitchFamily="49" charset="0"/>
+              </a:rPr>
+              <a:t>{</a:t>
+            </a:r>
+          </a:p>
+          <a:p>
+            <a:r>
+              <a:rPr lang="en" altLang="ko-Kore-KR" dirty="0">
+                <a:solidFill>
+                  <a:srgbClr val="0000FF"/>
+                </a:solidFill>
+                <a:latin typeface="DM Mono" panose="020B0509040201040103" pitchFamily="49" charset="0"/>
+              </a:rPr>
+              <a:t>  int</a:t>
+            </a:r>
+            <a:r>
+              <a:rPr lang="en" altLang="ko-Kore-KR" dirty="0">
+                <a:solidFill>
+                  <a:srgbClr val="000000"/>
+                </a:solidFill>
+                <a:latin typeface="DM Mono" panose="020B0509040201040103" pitchFamily="49" charset="0"/>
+              </a:rPr>
+              <a:t> </a:t>
+            </a:r>
+            <a:r>
+              <a:rPr lang="en" altLang="ko-Kore-KR" dirty="0">
+                <a:solidFill>
+                  <a:srgbClr val="001080"/>
+                </a:solidFill>
+                <a:latin typeface="DM Mono" panose="020B0509040201040103" pitchFamily="49" charset="0"/>
+              </a:rPr>
+              <a:t>a</a:t>
+            </a:r>
+            <a:r>
+              <a:rPr lang="en" altLang="ko-Kore-KR" dirty="0">
+                <a:solidFill>
+                  <a:srgbClr val="000000"/>
+                </a:solidFill>
+                <a:latin typeface="DM Mono" panose="020B0509040201040103" pitchFamily="49" charset="0"/>
+              </a:rPr>
+              <a:t>; </a:t>
+            </a:r>
+            <a:r>
+              <a:rPr lang="en" altLang="ko-Kore-KR" dirty="0">
+                <a:solidFill>
+                  <a:srgbClr val="008000"/>
+                </a:solidFill>
+                <a:latin typeface="DM Mono" panose="020B0509040201040103" pitchFamily="49" charset="0"/>
+              </a:rPr>
+              <a:t>// </a:t>
+            </a:r>
+            <a:r>
+              <a:rPr lang="ko-KR" altLang="en-US" dirty="0">
+                <a:solidFill>
+                  <a:srgbClr val="008000"/>
+                </a:solidFill>
+                <a:latin typeface="DM Mono" panose="020B0509040201040103" pitchFamily="49" charset="0"/>
+              </a:rPr>
+              <a:t>지역 변수</a:t>
+            </a:r>
+            <a:endParaRPr lang="ko-KR" altLang="en-US" dirty="0">
+              <a:solidFill>
+                <a:srgbClr val="000000"/>
+              </a:solidFill>
+              <a:latin typeface="DM Mono" panose="020B0509040201040103" pitchFamily="49" charset="0"/>
+            </a:endParaRPr>
+          </a:p>
+          <a:p>
+            <a:r>
+              <a:rPr lang="en" altLang="ko-Kore-KR" dirty="0">
+                <a:solidFill>
+                  <a:srgbClr val="0000FF"/>
+                </a:solidFill>
+                <a:latin typeface="DM Mono" panose="020B0509040201040103" pitchFamily="49" charset="0"/>
+              </a:rPr>
+              <a:t>  static</a:t>
+            </a:r>
+            <a:r>
+              <a:rPr lang="en" altLang="ko-Kore-KR" dirty="0">
+                <a:solidFill>
+                  <a:srgbClr val="000000"/>
+                </a:solidFill>
+                <a:latin typeface="DM Mono" panose="020B0509040201040103" pitchFamily="49" charset="0"/>
+              </a:rPr>
+              <a:t> </a:t>
+            </a:r>
+            <a:r>
+              <a:rPr lang="en" altLang="ko-Kore-KR" dirty="0">
+                <a:solidFill>
+                  <a:srgbClr val="0000FF"/>
+                </a:solidFill>
+                <a:latin typeface="DM Mono" panose="020B0509040201040103" pitchFamily="49" charset="0"/>
+              </a:rPr>
+              <a:t>int</a:t>
+            </a:r>
+            <a:r>
+              <a:rPr lang="en" altLang="ko-Kore-KR" dirty="0">
+                <a:solidFill>
+                  <a:srgbClr val="000000"/>
+                </a:solidFill>
+                <a:latin typeface="DM Mono" panose="020B0509040201040103" pitchFamily="49" charset="0"/>
+              </a:rPr>
+              <a:t> </a:t>
+            </a:r>
+            <a:r>
+              <a:rPr lang="en" altLang="ko-Kore-KR" dirty="0">
+                <a:solidFill>
+                  <a:srgbClr val="001080"/>
+                </a:solidFill>
+                <a:latin typeface="DM Mono" panose="020B0509040201040103" pitchFamily="49" charset="0"/>
+              </a:rPr>
+              <a:t>b</a:t>
+            </a:r>
+            <a:r>
+              <a:rPr lang="en" altLang="ko-Kore-KR" dirty="0">
+                <a:solidFill>
+                  <a:srgbClr val="000000"/>
+                </a:solidFill>
+                <a:latin typeface="DM Mono" panose="020B0509040201040103" pitchFamily="49" charset="0"/>
+              </a:rPr>
+              <a:t>; </a:t>
+            </a:r>
+            <a:r>
+              <a:rPr lang="en" altLang="ko-Kore-KR" dirty="0">
+                <a:solidFill>
+                  <a:srgbClr val="008000"/>
+                </a:solidFill>
+                <a:latin typeface="DM Mono" panose="020B0509040201040103" pitchFamily="49" charset="0"/>
+              </a:rPr>
+              <a:t>// </a:t>
+            </a:r>
+            <a:r>
+              <a:rPr lang="ko-KR" altLang="en-US" dirty="0">
+                <a:solidFill>
+                  <a:srgbClr val="008000"/>
+                </a:solidFill>
+                <a:latin typeface="DM Mono" panose="020B0509040201040103" pitchFamily="49" charset="0"/>
+              </a:rPr>
+              <a:t>정적 지역 변수</a:t>
+            </a:r>
+            <a:r>
+              <a:rPr lang="en-US" altLang="ko-KR" dirty="0">
+                <a:solidFill>
+                  <a:srgbClr val="008000"/>
+                </a:solidFill>
+                <a:latin typeface="DM Mono" panose="020B0509040201040103" pitchFamily="49" charset="0"/>
+              </a:rPr>
+              <a:t>, </a:t>
+            </a:r>
+            <a:r>
+              <a:rPr lang="ko-KR" altLang="en-US" dirty="0">
+                <a:solidFill>
+                  <a:srgbClr val="008000"/>
+                </a:solidFill>
+                <a:latin typeface="DM Mono" panose="020B0509040201040103" pitchFamily="49" charset="0"/>
+              </a:rPr>
+              <a:t>내부 정적 변수</a:t>
+            </a:r>
+            <a:br>
+              <a:rPr lang="en" altLang="ko-Kore-KR" dirty="0">
+                <a:solidFill>
+                  <a:srgbClr val="000000"/>
+                </a:solidFill>
+                <a:latin typeface="DM Mono" panose="020B0509040201040103" pitchFamily="49" charset="0"/>
+              </a:rPr>
+            </a:br>
+            <a:r>
+              <a:rPr lang="en" altLang="ko-Kore-KR" dirty="0">
+                <a:solidFill>
+                  <a:srgbClr val="000000"/>
+                </a:solidFill>
+                <a:latin typeface="DM Mono" panose="020B0509040201040103" pitchFamily="49" charset="0"/>
+              </a:rPr>
+              <a:t>  </a:t>
+            </a:r>
+            <a:r>
+              <a:rPr lang="en" altLang="ko-Kore-KR" dirty="0">
+                <a:solidFill>
+                  <a:srgbClr val="AF00DB"/>
+                </a:solidFill>
+                <a:latin typeface="DM Mono" panose="020B0509040201040103" pitchFamily="49" charset="0"/>
+              </a:rPr>
+              <a:t>return</a:t>
+            </a:r>
+            <a:r>
+              <a:rPr lang="en" altLang="ko-Kore-KR" dirty="0">
+                <a:solidFill>
+                  <a:srgbClr val="000000"/>
+                </a:solidFill>
+                <a:latin typeface="DM Mono" panose="020B0509040201040103" pitchFamily="49" charset="0"/>
+              </a:rPr>
+              <a:t> </a:t>
+            </a:r>
+            <a:r>
+              <a:rPr lang="en" altLang="ko-Kore-KR" dirty="0">
+                <a:solidFill>
+                  <a:srgbClr val="098658"/>
+                </a:solidFill>
+                <a:latin typeface="DM Mono" panose="020B0509040201040103" pitchFamily="49" charset="0"/>
+              </a:rPr>
+              <a:t>0</a:t>
+            </a:r>
+            <a:r>
+              <a:rPr lang="en" altLang="ko-Kore-KR" dirty="0">
+                <a:solidFill>
+                  <a:srgbClr val="000000"/>
+                </a:solidFill>
+                <a:latin typeface="DM Mono" panose="020B0509040201040103" pitchFamily="49" charset="0"/>
+              </a:rPr>
+              <a:t>;</a:t>
+            </a:r>
+          </a:p>
+          <a:p>
+            <a:r>
+              <a:rPr lang="en" altLang="ko-Kore-KR" dirty="0">
+                <a:solidFill>
+                  <a:srgbClr val="000000"/>
+                </a:solidFill>
+                <a:latin typeface="DM Mono" panose="020B0509040201040103" pitchFamily="49" charset="0"/>
+              </a:rPr>
+              <a:t>}</a:t>
+            </a:r>
+            <a:endParaRPr lang="en" altLang="ko-Kore-KR" b="0" dirty="0">
+              <a:solidFill>
+                <a:srgbClr val="000000"/>
+              </a:solidFill>
+              <a:effectLst/>
+              <a:latin typeface="DM Mono" panose="020B0509040201040103" pitchFamily="49" charset="0"/>
+            </a:endParaRPr>
+          </a:p>
+        </p:txBody>
+      </p:sp>
+      <p:sp>
+        <p:nvSpPr>
+          <p:cNvPr id="43" name="직사각형 42">
+            <a:extLst>
+              <a:ext uri="{FF2B5EF4-FFF2-40B4-BE49-F238E27FC236}">
+                <a16:creationId xmlns:a16="http://schemas.microsoft.com/office/drawing/2014/main" id="{323CB0C6-6BB6-0840-3351-101B31FD934E}"/>
+              </a:ext>
+            </a:extLst>
+          </p:cNvPr>
+          <p:cNvSpPr/>
+          <p:nvPr/>
+        </p:nvSpPr>
+        <p:spPr>
+          <a:xfrm>
+            <a:off x="8116836" y="1347950"/>
+            <a:ext cx="1747599" cy="764875"/>
+          </a:xfrm>
+          <a:prstGeom prst="rect">
+            <a:avLst/>
+          </a:prstGeom>
+          <a:solidFill>
+            <a:srgbClr val="FFFF00"/>
+          </a:solidFill>
+        </p:spPr>
+        <p:style>
+          <a:lnRef idx="2">
+            <a:schemeClr val="accent1">
+              <a:shade val="50000"/>
+            </a:schemeClr>
+          </a:lnRef>
+          <a:fillRef idx="1">
+            <a:schemeClr val="accent1"/>
+          </a:fillRef>
+          <a:effectRef idx="0">
+            <a:schemeClr val="accent1"/>
+          </a:effectRef>
+          <a:fontRef idx="minor">
+            <a:schemeClr val="lt1"/>
+          </a:fontRef>
+        </p:style>
+        <p:txBody>
+          <a:bodyPr rtlCol="0" anchor="ctr"/>
+          <a:lstStyle/>
+          <a:p>
+            <a:pPr algn="ctr"/>
+            <a:r>
+              <a:rPr kumimoji="1" lang="en-US" altLang="ko-Kore-KR" sz="1400" dirty="0">
+                <a:solidFill>
+                  <a:schemeClr val="tx1"/>
+                </a:solidFill>
+              </a:rPr>
+              <a:t>DATA – </a:t>
+            </a:r>
+            <a:r>
+              <a:rPr kumimoji="1" lang="ko-KR" altLang="en-US" sz="1400" dirty="0">
+                <a:solidFill>
+                  <a:schemeClr val="tx1"/>
+                </a:solidFill>
+              </a:rPr>
+              <a:t>전역변수</a:t>
+            </a:r>
+            <a:endParaRPr kumimoji="1" lang="ko-Kore-KR" altLang="en-US" sz="1400" dirty="0">
+              <a:solidFill>
+                <a:schemeClr val="tx1"/>
+              </a:solidFill>
+            </a:endParaRPr>
+          </a:p>
+        </p:txBody>
+      </p:sp>
+      <p:sp>
+        <p:nvSpPr>
+          <p:cNvPr id="45" name="직사각형 44">
+            <a:extLst>
+              <a:ext uri="{FF2B5EF4-FFF2-40B4-BE49-F238E27FC236}">
+                <a16:creationId xmlns:a16="http://schemas.microsoft.com/office/drawing/2014/main" id="{A73AD752-0370-029F-04DE-7EE7E78808CD}"/>
+              </a:ext>
+            </a:extLst>
+          </p:cNvPr>
+          <p:cNvSpPr/>
+          <p:nvPr/>
+        </p:nvSpPr>
+        <p:spPr>
+          <a:xfrm>
+            <a:off x="8116836" y="2112825"/>
+            <a:ext cx="1747599" cy="764875"/>
+          </a:xfrm>
+          <a:prstGeom prst="rect">
+            <a:avLst/>
+          </a:prstGeom>
+          <a:solidFill>
+            <a:srgbClr val="FFFF00"/>
+          </a:solidFill>
+        </p:spPr>
+        <p:style>
+          <a:lnRef idx="2">
+            <a:schemeClr val="accent1">
+              <a:shade val="50000"/>
+            </a:schemeClr>
+          </a:lnRef>
+          <a:fillRef idx="1">
+            <a:schemeClr val="accent1"/>
+          </a:fillRef>
+          <a:effectRef idx="0">
+            <a:schemeClr val="accent1"/>
+          </a:effectRef>
+          <a:fontRef idx="minor">
+            <a:schemeClr val="lt1"/>
+          </a:fontRef>
+        </p:style>
+        <p:txBody>
+          <a:bodyPr rtlCol="0" anchor="ctr"/>
+          <a:lstStyle/>
+          <a:p>
+            <a:pPr algn="ctr"/>
+            <a:r>
+              <a:rPr kumimoji="1" lang="en-US" altLang="ko-Kore-KR" sz="1400" dirty="0">
+                <a:solidFill>
+                  <a:schemeClr val="tx1"/>
+                </a:solidFill>
+              </a:rPr>
+              <a:t>HEAP</a:t>
+            </a:r>
+            <a:r>
+              <a:rPr kumimoji="1" lang="ko-KR" altLang="en-US" sz="1400" dirty="0">
+                <a:solidFill>
+                  <a:schemeClr val="tx1"/>
+                </a:solidFill>
+              </a:rPr>
+              <a:t> </a:t>
+            </a:r>
+            <a:r>
+              <a:rPr kumimoji="1" lang="en-US" altLang="ko-KR" sz="1400" dirty="0">
+                <a:solidFill>
+                  <a:schemeClr val="tx1"/>
+                </a:solidFill>
+              </a:rPr>
+              <a:t>–</a:t>
+            </a:r>
+            <a:r>
+              <a:rPr kumimoji="1" lang="ko-KR" altLang="en-US" sz="1400" dirty="0">
+                <a:solidFill>
+                  <a:schemeClr val="tx1"/>
+                </a:solidFill>
+              </a:rPr>
+              <a:t> 동적 메모리 할당</a:t>
+            </a:r>
+            <a:endParaRPr kumimoji="1" lang="ko-Kore-KR" altLang="en-US" sz="1400" dirty="0">
+              <a:solidFill>
+                <a:schemeClr val="tx1"/>
+              </a:solidFill>
+            </a:endParaRPr>
+          </a:p>
+        </p:txBody>
+      </p:sp>
+      <p:sp>
+        <p:nvSpPr>
+          <p:cNvPr id="46" name="직사각형 45">
+            <a:extLst>
+              <a:ext uri="{FF2B5EF4-FFF2-40B4-BE49-F238E27FC236}">
+                <a16:creationId xmlns:a16="http://schemas.microsoft.com/office/drawing/2014/main" id="{087D3859-A4DA-4DA9-1522-14F5C4F1C583}"/>
+              </a:ext>
+            </a:extLst>
+          </p:cNvPr>
+          <p:cNvSpPr/>
+          <p:nvPr/>
+        </p:nvSpPr>
+        <p:spPr>
+          <a:xfrm>
+            <a:off x="8116836" y="2877700"/>
+            <a:ext cx="1747599" cy="764875"/>
+          </a:xfrm>
+          <a:prstGeom prst="rect">
+            <a:avLst/>
+          </a:prstGeom>
+          <a:solidFill>
+            <a:srgbClr val="FFFF00"/>
+          </a:solidFill>
+        </p:spPr>
+        <p:style>
+          <a:lnRef idx="2">
+            <a:schemeClr val="accent1">
+              <a:shade val="50000"/>
+            </a:schemeClr>
+          </a:lnRef>
+          <a:fillRef idx="1">
+            <a:schemeClr val="accent1"/>
+          </a:fillRef>
+          <a:effectRef idx="0">
+            <a:schemeClr val="accent1"/>
+          </a:effectRef>
+          <a:fontRef idx="minor">
+            <a:schemeClr val="lt1"/>
+          </a:fontRef>
+        </p:style>
+        <p:txBody>
+          <a:bodyPr rtlCol="0" anchor="ctr"/>
+          <a:lstStyle/>
+          <a:p>
+            <a:pPr algn="ctr"/>
+            <a:r>
+              <a:rPr kumimoji="1" lang="en-US" altLang="ko-Kore-KR" sz="1400" dirty="0">
+                <a:solidFill>
+                  <a:schemeClr val="tx1"/>
+                </a:solidFill>
+              </a:rPr>
+              <a:t>STACK</a:t>
+            </a:r>
+            <a:r>
+              <a:rPr kumimoji="1" lang="ko-KR" altLang="en-US" sz="1400" dirty="0">
+                <a:solidFill>
+                  <a:schemeClr val="tx1"/>
+                </a:solidFill>
+              </a:rPr>
+              <a:t> </a:t>
+            </a:r>
+            <a:r>
+              <a:rPr kumimoji="1" lang="en-US" altLang="ko-KR" sz="1400" dirty="0">
+                <a:solidFill>
+                  <a:schemeClr val="tx1"/>
+                </a:solidFill>
+              </a:rPr>
+              <a:t>–</a:t>
+            </a:r>
+            <a:r>
+              <a:rPr kumimoji="1" lang="ko-KR" altLang="en-US" sz="1400" dirty="0">
+                <a:solidFill>
+                  <a:schemeClr val="tx1"/>
+                </a:solidFill>
+              </a:rPr>
+              <a:t> 지역 변수</a:t>
+            </a:r>
+            <a:endParaRPr kumimoji="1" lang="ko-Kore-KR" altLang="en-US" sz="1400" dirty="0">
+              <a:solidFill>
+                <a:schemeClr val="tx1"/>
+              </a:solidFill>
+            </a:endParaRPr>
+          </a:p>
+        </p:txBody>
+      </p:sp>
+      <p:sp>
+        <p:nvSpPr>
+          <p:cNvPr id="5" name="직사각형 4">
+            <a:extLst>
+              <a:ext uri="{FF2B5EF4-FFF2-40B4-BE49-F238E27FC236}">
+                <a16:creationId xmlns:a16="http://schemas.microsoft.com/office/drawing/2014/main" id="{BBBE254F-DC65-846E-3BAE-73D2209E80D1}"/>
+              </a:ext>
+            </a:extLst>
+          </p:cNvPr>
+          <p:cNvSpPr/>
+          <p:nvPr/>
+        </p:nvSpPr>
+        <p:spPr>
+          <a:xfrm>
+            <a:off x="349055" y="3826455"/>
+            <a:ext cx="6096000" cy="1754326"/>
+          </a:xfrm>
+          <a:prstGeom prst="rect">
+            <a:avLst/>
+          </a:prstGeom>
+        </p:spPr>
+        <p:txBody>
+          <a:bodyPr>
+            <a:spAutoFit/>
+          </a:bodyPr>
+          <a:lstStyle/>
+          <a:p>
+            <a:r>
+              <a:rPr lang="ko-Kore-KR" altLang="en-US" dirty="0"/>
+              <a:t>100003f18: ff c3 00 d1  sub     sp, sp, #48</a:t>
+            </a:r>
+          </a:p>
+          <a:p>
+            <a:r>
+              <a:rPr lang="ko-Kore-KR" altLang="en-US" dirty="0"/>
+              <a:t>100003f1c: fd 7b 02 a9  stp     x29, x30, [sp, #32]</a:t>
+            </a:r>
+          </a:p>
+          <a:p>
+            <a:r>
+              <a:rPr lang="ko-Kore-KR" altLang="en-US" dirty="0"/>
+              <a:t>100003f20: fd 83 00 91  add     x29, sp, #32</a:t>
+            </a:r>
+          </a:p>
+          <a:p>
+            <a:r>
+              <a:rPr lang="ko-Kore-KR" altLang="en-US" dirty="0"/>
+              <a:t>100003f24: bf c3 1f b8  stur    wzr, [x29, #-4]</a:t>
+            </a:r>
+          </a:p>
+          <a:p>
+            <a:r>
+              <a:rPr lang="ko-Kore-KR" altLang="en-US" dirty="0"/>
+              <a:t>100003f28: 08 00 00 90  adrp    x8, 0x100003000 &lt;_main+0x10&gt;</a:t>
+            </a:r>
+          </a:p>
+        </p:txBody>
+      </p:sp>
+      <p:cxnSp>
+        <p:nvCxnSpPr>
+          <p:cNvPr id="7" name="구부러진 연결선[U] 6">
+            <a:extLst>
+              <a:ext uri="{FF2B5EF4-FFF2-40B4-BE49-F238E27FC236}">
+                <a16:creationId xmlns:a16="http://schemas.microsoft.com/office/drawing/2014/main" id="{4E3EB28A-E993-4EA0-C3E1-1CA17CA2D862}"/>
+              </a:ext>
+            </a:extLst>
+          </p:cNvPr>
+          <p:cNvCxnSpPr>
+            <a:stCxn id="39" idx="1"/>
+            <a:endCxn id="4" idx="2"/>
+          </p:cNvCxnSpPr>
+          <p:nvPr/>
+        </p:nvCxnSpPr>
+        <p:spPr>
+          <a:xfrm rot="10800000" flipV="1">
+            <a:off x="3397056" y="965513"/>
+            <a:ext cx="4719781" cy="2566666"/>
+          </a:xfrm>
+          <a:prstGeom prst="curvedConnector4">
+            <a:avLst>
+              <a:gd name="adj1" fmla="val 17710"/>
+              <a:gd name="adj2" fmla="val 85155"/>
+            </a:avLst>
+          </a:prstGeom>
+          <a:ln>
+            <a:tailEnd type="triangle"/>
+          </a:ln>
+        </p:spPr>
+        <p:style>
+          <a:lnRef idx="1">
+            <a:schemeClr val="accent1"/>
+          </a:lnRef>
+          <a:fillRef idx="0">
+            <a:schemeClr val="accent1"/>
+          </a:fillRef>
+          <a:effectRef idx="0">
+            <a:schemeClr val="accent1"/>
+          </a:effectRef>
+          <a:fontRef idx="minor">
+            <a:schemeClr val="tx1"/>
+          </a:fontRef>
+        </p:style>
+      </p:cxnSp>
+      <p:sp>
+        <p:nvSpPr>
+          <p:cNvPr id="9" name="직사각형 8">
+            <a:extLst>
+              <a:ext uri="{FF2B5EF4-FFF2-40B4-BE49-F238E27FC236}">
+                <a16:creationId xmlns:a16="http://schemas.microsoft.com/office/drawing/2014/main" id="{02C92E3E-6623-AC6A-56C4-95E3FD91503E}"/>
+              </a:ext>
+            </a:extLst>
+          </p:cNvPr>
+          <p:cNvSpPr/>
+          <p:nvPr/>
+        </p:nvSpPr>
+        <p:spPr>
+          <a:xfrm>
+            <a:off x="6816435" y="4703618"/>
+            <a:ext cx="3362038" cy="1477328"/>
+          </a:xfrm>
+          <a:prstGeom prst="rect">
+            <a:avLst/>
+          </a:prstGeom>
+        </p:spPr>
+        <p:txBody>
+          <a:bodyPr wrap="square">
+            <a:spAutoFit/>
+          </a:bodyPr>
+          <a:lstStyle/>
+          <a:p>
+            <a:r>
+              <a:rPr lang="en" altLang="ko-Kore-KR" dirty="0">
+                <a:solidFill>
+                  <a:srgbClr val="0000FF"/>
+                </a:solidFill>
+                <a:latin typeface="DM Mono" panose="020B0509040201040103" pitchFamily="49" charset="0"/>
+              </a:rPr>
+              <a:t>int</a:t>
+            </a:r>
+            <a:r>
+              <a:rPr lang="en" altLang="ko-Kore-KR" dirty="0">
+                <a:solidFill>
+                  <a:srgbClr val="000000"/>
+                </a:solidFill>
+                <a:latin typeface="DM Mono" panose="020B0509040201040103" pitchFamily="49" charset="0"/>
+              </a:rPr>
+              <a:t> </a:t>
+            </a:r>
+            <a:r>
+              <a:rPr lang="en" altLang="ko-Kore-KR" dirty="0">
+                <a:solidFill>
+                  <a:srgbClr val="001080"/>
+                </a:solidFill>
+                <a:latin typeface="DM Mono" panose="020B0509040201040103" pitchFamily="49" charset="0"/>
+              </a:rPr>
+              <a:t>g1</a:t>
+            </a:r>
+            <a:r>
+              <a:rPr lang="en" altLang="ko-Kore-KR" dirty="0">
+                <a:solidFill>
+                  <a:srgbClr val="000000"/>
+                </a:solidFill>
+                <a:latin typeface="DM Mono" panose="020B0509040201040103" pitchFamily="49" charset="0"/>
+              </a:rPr>
+              <a:t>; </a:t>
+            </a:r>
+            <a:r>
+              <a:rPr lang="en" altLang="ko-Kore-KR" dirty="0">
+                <a:solidFill>
+                  <a:srgbClr val="008000"/>
+                </a:solidFill>
+                <a:latin typeface="DM Mono" panose="020B0509040201040103" pitchFamily="49" charset="0"/>
+              </a:rPr>
+              <a:t>// </a:t>
+            </a:r>
+            <a:r>
+              <a:rPr lang="ko-KR" altLang="en-US" dirty="0">
+                <a:solidFill>
+                  <a:srgbClr val="008000"/>
+                </a:solidFill>
+                <a:latin typeface="DM Mono" panose="020B0509040201040103" pitchFamily="49" charset="0"/>
+              </a:rPr>
+              <a:t>전역 변수</a:t>
+            </a:r>
+            <a:endParaRPr lang="ko-KR" altLang="en-US" dirty="0">
+              <a:solidFill>
+                <a:srgbClr val="000000"/>
+              </a:solidFill>
+              <a:latin typeface="DM Mono" panose="020B0509040201040103" pitchFamily="49" charset="0"/>
+            </a:endParaRPr>
+          </a:p>
+          <a:p>
+            <a:r>
+              <a:rPr lang="en" altLang="ko-Kore-KR" dirty="0">
+                <a:solidFill>
+                  <a:srgbClr val="0000FF"/>
+                </a:solidFill>
+                <a:latin typeface="DM Mono" panose="020B0509040201040103" pitchFamily="49" charset="0"/>
+              </a:rPr>
+              <a:t>static</a:t>
+            </a:r>
+            <a:r>
+              <a:rPr lang="en" altLang="ko-Kore-KR" dirty="0">
+                <a:solidFill>
+                  <a:srgbClr val="000000"/>
+                </a:solidFill>
+                <a:latin typeface="DM Mono" panose="020B0509040201040103" pitchFamily="49" charset="0"/>
+              </a:rPr>
+              <a:t> </a:t>
+            </a:r>
+            <a:r>
+              <a:rPr lang="en" altLang="ko-Kore-KR" dirty="0">
+                <a:solidFill>
+                  <a:srgbClr val="0000FF"/>
+                </a:solidFill>
+                <a:latin typeface="DM Mono" panose="020B0509040201040103" pitchFamily="49" charset="0"/>
+              </a:rPr>
+              <a:t>int</a:t>
+            </a:r>
+            <a:r>
+              <a:rPr lang="en" altLang="ko-Kore-KR" dirty="0">
+                <a:solidFill>
+                  <a:srgbClr val="000000"/>
+                </a:solidFill>
+                <a:latin typeface="DM Mono" panose="020B0509040201040103" pitchFamily="49" charset="0"/>
+              </a:rPr>
+              <a:t> </a:t>
+            </a:r>
+            <a:r>
+              <a:rPr lang="en" altLang="ko-Kore-KR" dirty="0">
+                <a:solidFill>
+                  <a:srgbClr val="001080"/>
+                </a:solidFill>
+                <a:latin typeface="DM Mono" panose="020B0509040201040103" pitchFamily="49" charset="0"/>
+              </a:rPr>
+              <a:t>g2</a:t>
+            </a:r>
+            <a:r>
+              <a:rPr lang="en" altLang="ko-Kore-KR" dirty="0">
+                <a:solidFill>
+                  <a:srgbClr val="000000"/>
+                </a:solidFill>
+                <a:latin typeface="DM Mono" panose="020B0509040201040103" pitchFamily="49" charset="0"/>
+              </a:rPr>
+              <a:t>;</a:t>
+            </a:r>
+          </a:p>
+          <a:p>
+            <a:endParaRPr lang="en" altLang="ko-Kore-KR" dirty="0">
+              <a:solidFill>
+                <a:srgbClr val="000000"/>
+              </a:solidFill>
+              <a:latin typeface="DM Mono" panose="020B0509040201040103" pitchFamily="49" charset="0"/>
+            </a:endParaRPr>
+          </a:p>
+          <a:p>
+            <a:r>
+              <a:rPr lang="en-US" altLang="ko-KR" dirty="0">
+                <a:solidFill>
+                  <a:srgbClr val="000000"/>
+                </a:solidFill>
+                <a:latin typeface="DM Mono" panose="020B0509040201040103" pitchFamily="49" charset="0"/>
+              </a:rPr>
+              <a:t>//</a:t>
+            </a:r>
+            <a:r>
+              <a:rPr lang="ko-KR" altLang="en-US" dirty="0">
+                <a:solidFill>
+                  <a:srgbClr val="000000"/>
+                </a:solidFill>
+                <a:latin typeface="DM Mono" panose="020B0509040201040103" pitchFamily="49" charset="0"/>
+              </a:rPr>
+              <a:t> 내부 정적 변수</a:t>
+            </a:r>
+            <a:endParaRPr lang="en" altLang="ko-Kore-KR" dirty="0">
+              <a:solidFill>
+                <a:srgbClr val="000000"/>
+              </a:solidFill>
+              <a:latin typeface="DM Mono" panose="020B0509040201040103" pitchFamily="49" charset="0"/>
+            </a:endParaRPr>
+          </a:p>
+          <a:p>
+            <a:r>
+              <a:rPr lang="en" altLang="ko-Kore-KR" dirty="0">
+                <a:solidFill>
+                  <a:srgbClr val="0000FF"/>
+                </a:solidFill>
+                <a:latin typeface="DM Mono" panose="020B0509040201040103" pitchFamily="49" charset="0"/>
+              </a:rPr>
+              <a:t>static</a:t>
+            </a:r>
+            <a:r>
+              <a:rPr lang="en" altLang="ko-Kore-KR" dirty="0">
+                <a:solidFill>
+                  <a:srgbClr val="000000"/>
+                </a:solidFill>
+                <a:latin typeface="DM Mono" panose="020B0509040201040103" pitchFamily="49" charset="0"/>
+              </a:rPr>
+              <a:t> </a:t>
+            </a:r>
+            <a:r>
+              <a:rPr lang="en" altLang="ko-Kore-KR" dirty="0">
+                <a:solidFill>
+                  <a:srgbClr val="0000FF"/>
+                </a:solidFill>
+                <a:latin typeface="DM Mono" panose="020B0509040201040103" pitchFamily="49" charset="0"/>
+              </a:rPr>
+              <a:t>int</a:t>
+            </a:r>
+            <a:r>
+              <a:rPr lang="en" altLang="ko-Kore-KR" dirty="0">
+                <a:solidFill>
+                  <a:srgbClr val="000000"/>
+                </a:solidFill>
+                <a:latin typeface="DM Mono" panose="020B0509040201040103" pitchFamily="49" charset="0"/>
+              </a:rPr>
+              <a:t> </a:t>
+            </a:r>
+            <a:r>
+              <a:rPr lang="en" altLang="ko-Kore-KR" dirty="0">
+                <a:solidFill>
+                  <a:srgbClr val="001080"/>
+                </a:solidFill>
+                <a:latin typeface="DM Mono" panose="020B0509040201040103" pitchFamily="49" charset="0"/>
+              </a:rPr>
+              <a:t>b</a:t>
+            </a:r>
+            <a:r>
+              <a:rPr lang="en" altLang="ko-Kore-KR" dirty="0">
+                <a:solidFill>
+                  <a:srgbClr val="000000"/>
+                </a:solidFill>
+                <a:latin typeface="DM Mono" panose="020B0509040201040103" pitchFamily="49" charset="0"/>
+              </a:rPr>
+              <a:t>;</a:t>
+            </a:r>
+          </a:p>
+        </p:txBody>
+      </p:sp>
+      <p:cxnSp>
+        <p:nvCxnSpPr>
+          <p:cNvPr id="47" name="구부러진 연결선[U] 46">
+            <a:extLst>
+              <a:ext uri="{FF2B5EF4-FFF2-40B4-BE49-F238E27FC236}">
+                <a16:creationId xmlns:a16="http://schemas.microsoft.com/office/drawing/2014/main" id="{BFA4F07B-B2E0-01C1-0ECF-E269CDE40EF7}"/>
+              </a:ext>
+            </a:extLst>
+          </p:cNvPr>
+          <p:cNvCxnSpPr>
+            <a:cxnSpLocks/>
+            <a:stCxn id="43" idx="1"/>
+            <a:endCxn id="9" idx="0"/>
+          </p:cNvCxnSpPr>
+          <p:nvPr/>
+        </p:nvCxnSpPr>
+        <p:spPr>
+          <a:xfrm rot="10800000" flipH="1" flipV="1">
+            <a:off x="8116836" y="1730388"/>
+            <a:ext cx="380618" cy="2973230"/>
+          </a:xfrm>
+          <a:prstGeom prst="curvedConnector4">
+            <a:avLst>
+              <a:gd name="adj1" fmla="val -164407"/>
+              <a:gd name="adj2" fmla="val 73206"/>
+            </a:avLst>
+          </a:prstGeom>
+          <a:ln>
+            <a:tailEnd type="triangle"/>
+          </a:ln>
+        </p:spPr>
+        <p:style>
+          <a:lnRef idx="1">
+            <a:schemeClr val="accent1"/>
+          </a:lnRef>
+          <a:fillRef idx="0">
+            <a:schemeClr val="accent1"/>
+          </a:fillRef>
+          <a:effectRef idx="0">
+            <a:schemeClr val="accent1"/>
+          </a:effectRef>
+          <a:fontRef idx="minor">
+            <a:schemeClr val="tx1"/>
+          </a:fontRef>
+        </p:style>
+      </p:cxnSp>
+    </p:spTree>
+    <p:extLst>
+      <p:ext uri="{BB962C8B-B14F-4D97-AF65-F5344CB8AC3E}">
+        <p14:creationId xmlns:p14="http://schemas.microsoft.com/office/powerpoint/2010/main" val="292187776"/>
       </p:ext>
     </p:extLst>
   </p:cSld>

--- a/220510.pptx
+++ b/220510.pptx
@@ -9,6 +9,7 @@
     <p:sldId id="257" r:id="rId3"/>
     <p:sldId id="258" r:id="rId4"/>
     <p:sldId id="259" r:id="rId5"/>
+    <p:sldId id="260" r:id="rId6"/>
   </p:sldIdLst>
   <p:sldSz cx="12192000" cy="6858000"/>
   <p:notesSz cx="6858000" cy="9144000"/>
@@ -9186,7 +9187,17 @@
           <a:p>
             <a:r>
               <a:rPr lang="ko-Kore-KR" altLang="en-US" dirty="0"/>
-              <a:t>100003f18: ff c3 00 d1  sub     sp, sp, #48</a:t>
+              <a:t>100003f18: ff </a:t>
+            </a:r>
+            <a:r>
+              <a:rPr lang="ko-Kore-KR" altLang="en-US" dirty="0">
+                <a:latin typeface="DM Mono" panose="020B0509040201040103" pitchFamily="49" charset="0"/>
+              </a:rPr>
+              <a:t>c3</a:t>
+            </a:r>
+            <a:r>
+              <a:rPr lang="ko-Kore-KR" altLang="en-US" dirty="0"/>
+              <a:t> 00 d1  sub     sp, sp, #48</a:t>
             </a:r>
           </a:p>
           <a:p>
@@ -9546,6 +9557,1694 @@
     <p:extLst>
       <p:ext uri="{BB962C8B-B14F-4D97-AF65-F5344CB8AC3E}">
         <p14:creationId xmlns:p14="http://schemas.microsoft.com/office/powerpoint/2010/main" val="292187776"/>
+      </p:ext>
+    </p:extLst>
+  </p:cSld>
+  <p:clrMapOvr>
+    <a:masterClrMapping/>
+  </p:clrMapOvr>
+</p:sld>
+</file>
+
+<file path=ppt/slides/slide5.xml><?xml version="1.0" encoding="utf-8"?>
+<p:sld xmlns:a="http://schemas.openxmlformats.org/drawingml/2006/main" xmlns:r="http://schemas.openxmlformats.org/officeDocument/2006/relationships" xmlns:p="http://schemas.openxmlformats.org/presentationml/2006/main">
+  <p:cSld>
+    <p:spTree>
+      <p:nvGrpSpPr>
+        <p:cNvPr id="1" name=""/>
+        <p:cNvGrpSpPr/>
+        <p:nvPr/>
+      </p:nvGrpSpPr>
+      <p:grpSpPr>
+        <a:xfrm>
+          <a:off x="0" y="0"/>
+          <a:ext cx="0" cy="0"/>
+          <a:chOff x="0" y="0"/>
+          <a:chExt cx="0" cy="0"/>
+        </a:xfrm>
+      </p:grpSpPr>
+      <p:sp>
+        <p:nvSpPr>
+          <p:cNvPr id="4" name="직사각형 3">
+            <a:extLst>
+              <a:ext uri="{FF2B5EF4-FFF2-40B4-BE49-F238E27FC236}">
+                <a16:creationId xmlns:a16="http://schemas.microsoft.com/office/drawing/2014/main" id="{7240162B-CC81-1C73-9D03-124F0F1C2DC8}"/>
+              </a:ext>
+            </a:extLst>
+          </p:cNvPr>
+          <p:cNvSpPr/>
+          <p:nvPr/>
+        </p:nvSpPr>
+        <p:spPr>
+          <a:xfrm>
+            <a:off x="9488436" y="462305"/>
+            <a:ext cx="1747599" cy="460721"/>
+          </a:xfrm>
+          <a:prstGeom prst="rect">
+            <a:avLst/>
+          </a:prstGeom>
+          <a:solidFill>
+            <a:srgbClr val="FFFF00"/>
+          </a:solidFill>
+        </p:spPr>
+        <p:style>
+          <a:lnRef idx="2">
+            <a:schemeClr val="accent1">
+              <a:shade val="50000"/>
+            </a:schemeClr>
+          </a:lnRef>
+          <a:fillRef idx="1">
+            <a:schemeClr val="accent1"/>
+          </a:fillRef>
+          <a:effectRef idx="0">
+            <a:schemeClr val="accent1"/>
+          </a:effectRef>
+          <a:fontRef idx="minor">
+            <a:schemeClr val="lt1"/>
+          </a:fontRef>
+        </p:style>
+        <p:txBody>
+          <a:bodyPr rtlCol="0" anchor="ctr"/>
+          <a:lstStyle/>
+          <a:p>
+            <a:pPr algn="ctr"/>
+            <a:r>
+              <a:rPr kumimoji="1" lang="en-US" altLang="ko-Kore-KR" sz="1400" dirty="0">
+                <a:solidFill>
+                  <a:schemeClr val="tx1"/>
+                </a:solidFill>
+              </a:rPr>
+              <a:t>Page Frame 0</a:t>
+            </a:r>
+            <a:endParaRPr kumimoji="1" lang="ko-Kore-KR" altLang="en-US" sz="1400" dirty="0">
+              <a:solidFill>
+                <a:schemeClr val="tx1"/>
+              </a:solidFill>
+            </a:endParaRPr>
+          </a:p>
+        </p:txBody>
+      </p:sp>
+      <p:sp>
+        <p:nvSpPr>
+          <p:cNvPr id="5" name="직사각형 4">
+            <a:extLst>
+              <a:ext uri="{FF2B5EF4-FFF2-40B4-BE49-F238E27FC236}">
+                <a16:creationId xmlns:a16="http://schemas.microsoft.com/office/drawing/2014/main" id="{189264E4-2402-59C1-B54B-717F4B979BFC}"/>
+              </a:ext>
+            </a:extLst>
+          </p:cNvPr>
+          <p:cNvSpPr/>
+          <p:nvPr/>
+        </p:nvSpPr>
+        <p:spPr>
+          <a:xfrm>
+            <a:off x="9488436" y="923026"/>
+            <a:ext cx="1747599" cy="460721"/>
+          </a:xfrm>
+          <a:prstGeom prst="rect">
+            <a:avLst/>
+          </a:prstGeom>
+          <a:solidFill>
+            <a:srgbClr val="FFFF00"/>
+          </a:solidFill>
+        </p:spPr>
+        <p:style>
+          <a:lnRef idx="2">
+            <a:schemeClr val="accent1">
+              <a:shade val="50000"/>
+            </a:schemeClr>
+          </a:lnRef>
+          <a:fillRef idx="1">
+            <a:schemeClr val="accent1"/>
+          </a:fillRef>
+          <a:effectRef idx="0">
+            <a:schemeClr val="accent1"/>
+          </a:effectRef>
+          <a:fontRef idx="minor">
+            <a:schemeClr val="lt1"/>
+          </a:fontRef>
+        </p:style>
+        <p:txBody>
+          <a:bodyPr rtlCol="0" anchor="ctr"/>
+          <a:lstStyle/>
+          <a:p>
+            <a:pPr algn="ctr"/>
+            <a:r>
+              <a:rPr kumimoji="1" lang="en-US" altLang="ko-Kore-KR" sz="1400" dirty="0">
+                <a:solidFill>
+                  <a:schemeClr val="tx1"/>
+                </a:solidFill>
+              </a:rPr>
+              <a:t>1</a:t>
+            </a:r>
+            <a:endParaRPr kumimoji="1" lang="ko-Kore-KR" altLang="en-US" sz="1400" dirty="0">
+              <a:solidFill>
+                <a:schemeClr val="tx1"/>
+              </a:solidFill>
+            </a:endParaRPr>
+          </a:p>
+        </p:txBody>
+      </p:sp>
+      <p:sp>
+        <p:nvSpPr>
+          <p:cNvPr id="6" name="직사각형 5">
+            <a:extLst>
+              <a:ext uri="{FF2B5EF4-FFF2-40B4-BE49-F238E27FC236}">
+                <a16:creationId xmlns:a16="http://schemas.microsoft.com/office/drawing/2014/main" id="{B4B5504D-4281-2732-D0DC-AAEE355C58CE}"/>
+              </a:ext>
+            </a:extLst>
+          </p:cNvPr>
+          <p:cNvSpPr/>
+          <p:nvPr/>
+        </p:nvSpPr>
+        <p:spPr>
+          <a:xfrm>
+            <a:off x="9488436" y="1383747"/>
+            <a:ext cx="1747599" cy="460721"/>
+          </a:xfrm>
+          <a:prstGeom prst="rect">
+            <a:avLst/>
+          </a:prstGeom>
+          <a:solidFill>
+            <a:srgbClr val="FFC000"/>
+          </a:solidFill>
+        </p:spPr>
+        <p:style>
+          <a:lnRef idx="2">
+            <a:schemeClr val="accent1">
+              <a:shade val="50000"/>
+            </a:schemeClr>
+          </a:lnRef>
+          <a:fillRef idx="1">
+            <a:schemeClr val="accent1"/>
+          </a:fillRef>
+          <a:effectRef idx="0">
+            <a:schemeClr val="accent1"/>
+          </a:effectRef>
+          <a:fontRef idx="minor">
+            <a:schemeClr val="lt1"/>
+          </a:fontRef>
+        </p:style>
+        <p:txBody>
+          <a:bodyPr rtlCol="0" anchor="ctr"/>
+          <a:lstStyle/>
+          <a:p>
+            <a:pPr algn="ctr"/>
+            <a:r>
+              <a:rPr kumimoji="1" lang="en-US" altLang="ko-Kore-KR" sz="1400" dirty="0">
+                <a:solidFill>
+                  <a:schemeClr val="tx1"/>
+                </a:solidFill>
+              </a:rPr>
+              <a:t>2</a:t>
+            </a:r>
+            <a:endParaRPr kumimoji="1" lang="ko-Kore-KR" altLang="en-US" sz="1400" dirty="0">
+              <a:solidFill>
+                <a:schemeClr val="tx1"/>
+              </a:solidFill>
+            </a:endParaRPr>
+          </a:p>
+        </p:txBody>
+      </p:sp>
+      <p:sp>
+        <p:nvSpPr>
+          <p:cNvPr id="7" name="직사각형 6">
+            <a:extLst>
+              <a:ext uri="{FF2B5EF4-FFF2-40B4-BE49-F238E27FC236}">
+                <a16:creationId xmlns:a16="http://schemas.microsoft.com/office/drawing/2014/main" id="{7E9D18DB-713B-B8E3-C44F-B7729AA9C9BD}"/>
+              </a:ext>
+            </a:extLst>
+          </p:cNvPr>
+          <p:cNvSpPr/>
+          <p:nvPr/>
+        </p:nvSpPr>
+        <p:spPr>
+          <a:xfrm>
+            <a:off x="9488436" y="1844468"/>
+            <a:ext cx="1747599" cy="460721"/>
+          </a:xfrm>
+          <a:prstGeom prst="rect">
+            <a:avLst/>
+          </a:prstGeom>
+          <a:solidFill>
+            <a:srgbClr val="FFFF00"/>
+          </a:solidFill>
+        </p:spPr>
+        <p:style>
+          <a:lnRef idx="2">
+            <a:schemeClr val="accent1">
+              <a:shade val="50000"/>
+            </a:schemeClr>
+          </a:lnRef>
+          <a:fillRef idx="1">
+            <a:schemeClr val="accent1"/>
+          </a:fillRef>
+          <a:effectRef idx="0">
+            <a:schemeClr val="accent1"/>
+          </a:effectRef>
+          <a:fontRef idx="minor">
+            <a:schemeClr val="lt1"/>
+          </a:fontRef>
+        </p:style>
+        <p:txBody>
+          <a:bodyPr rtlCol="0" anchor="ctr"/>
+          <a:lstStyle/>
+          <a:p>
+            <a:pPr algn="ctr"/>
+            <a:r>
+              <a:rPr kumimoji="1" lang="en-US" altLang="ko-Kore-KR" sz="1400" dirty="0">
+                <a:solidFill>
+                  <a:schemeClr val="tx1"/>
+                </a:solidFill>
+              </a:rPr>
+              <a:t>3</a:t>
+            </a:r>
+            <a:endParaRPr kumimoji="1" lang="ko-Kore-KR" altLang="en-US" sz="1400" dirty="0">
+              <a:solidFill>
+                <a:schemeClr val="tx1"/>
+              </a:solidFill>
+            </a:endParaRPr>
+          </a:p>
+        </p:txBody>
+      </p:sp>
+      <p:sp>
+        <p:nvSpPr>
+          <p:cNvPr id="8" name="직사각형 7">
+            <a:extLst>
+              <a:ext uri="{FF2B5EF4-FFF2-40B4-BE49-F238E27FC236}">
+                <a16:creationId xmlns:a16="http://schemas.microsoft.com/office/drawing/2014/main" id="{9F49765F-F0F6-A6FE-CACE-25E422D9CFFD}"/>
+              </a:ext>
+            </a:extLst>
+          </p:cNvPr>
+          <p:cNvSpPr/>
+          <p:nvPr/>
+        </p:nvSpPr>
+        <p:spPr>
+          <a:xfrm>
+            <a:off x="9488436" y="2305189"/>
+            <a:ext cx="1747599" cy="460721"/>
+          </a:xfrm>
+          <a:prstGeom prst="rect">
+            <a:avLst/>
+          </a:prstGeom>
+          <a:solidFill>
+            <a:srgbClr val="FFC000"/>
+          </a:solidFill>
+        </p:spPr>
+        <p:style>
+          <a:lnRef idx="2">
+            <a:schemeClr val="accent1">
+              <a:shade val="50000"/>
+            </a:schemeClr>
+          </a:lnRef>
+          <a:fillRef idx="1">
+            <a:schemeClr val="accent1"/>
+          </a:fillRef>
+          <a:effectRef idx="0">
+            <a:schemeClr val="accent1"/>
+          </a:effectRef>
+          <a:fontRef idx="minor">
+            <a:schemeClr val="lt1"/>
+          </a:fontRef>
+        </p:style>
+        <p:txBody>
+          <a:bodyPr rtlCol="0" anchor="ctr"/>
+          <a:lstStyle/>
+          <a:p>
+            <a:pPr algn="ctr"/>
+            <a:r>
+              <a:rPr kumimoji="1" lang="en-US" altLang="ko-Kore-KR" sz="1400" dirty="0">
+                <a:solidFill>
+                  <a:schemeClr val="tx1"/>
+                </a:solidFill>
+              </a:rPr>
+              <a:t>4</a:t>
+            </a:r>
+            <a:endParaRPr kumimoji="1" lang="ko-Kore-KR" altLang="en-US" sz="1400" dirty="0">
+              <a:solidFill>
+                <a:schemeClr val="tx1"/>
+              </a:solidFill>
+            </a:endParaRPr>
+          </a:p>
+        </p:txBody>
+      </p:sp>
+      <p:sp>
+        <p:nvSpPr>
+          <p:cNvPr id="9" name="직사각형 8">
+            <a:extLst>
+              <a:ext uri="{FF2B5EF4-FFF2-40B4-BE49-F238E27FC236}">
+                <a16:creationId xmlns:a16="http://schemas.microsoft.com/office/drawing/2014/main" id="{7E28CBB9-49A8-F23B-7174-FF15F188F581}"/>
+              </a:ext>
+            </a:extLst>
+          </p:cNvPr>
+          <p:cNvSpPr/>
+          <p:nvPr/>
+        </p:nvSpPr>
+        <p:spPr>
+          <a:xfrm>
+            <a:off x="9488436" y="2765910"/>
+            <a:ext cx="1747599" cy="460721"/>
+          </a:xfrm>
+          <a:prstGeom prst="rect">
+            <a:avLst/>
+          </a:prstGeom>
+          <a:solidFill>
+            <a:schemeClr val="accent6">
+              <a:lumMod val="40000"/>
+              <a:lumOff val="60000"/>
+            </a:schemeClr>
+          </a:solidFill>
+        </p:spPr>
+        <p:style>
+          <a:lnRef idx="2">
+            <a:schemeClr val="accent1">
+              <a:shade val="50000"/>
+            </a:schemeClr>
+          </a:lnRef>
+          <a:fillRef idx="1">
+            <a:schemeClr val="accent1"/>
+          </a:fillRef>
+          <a:effectRef idx="0">
+            <a:schemeClr val="accent1"/>
+          </a:effectRef>
+          <a:fontRef idx="minor">
+            <a:schemeClr val="lt1"/>
+          </a:fontRef>
+        </p:style>
+        <p:txBody>
+          <a:bodyPr rtlCol="0" anchor="ctr"/>
+          <a:lstStyle/>
+          <a:p>
+            <a:pPr algn="ctr"/>
+            <a:r>
+              <a:rPr kumimoji="1" lang="en-US" altLang="ko-Kore-KR" sz="1400" dirty="0">
+                <a:solidFill>
+                  <a:schemeClr val="tx1"/>
+                </a:solidFill>
+              </a:rPr>
+              <a:t>5</a:t>
+            </a:r>
+            <a:endParaRPr kumimoji="1" lang="ko-Kore-KR" altLang="en-US" sz="1400" dirty="0">
+              <a:solidFill>
+                <a:schemeClr val="tx1"/>
+              </a:solidFill>
+            </a:endParaRPr>
+          </a:p>
+        </p:txBody>
+      </p:sp>
+      <p:sp>
+        <p:nvSpPr>
+          <p:cNvPr id="10" name="직사각형 9">
+            <a:extLst>
+              <a:ext uri="{FF2B5EF4-FFF2-40B4-BE49-F238E27FC236}">
+                <a16:creationId xmlns:a16="http://schemas.microsoft.com/office/drawing/2014/main" id="{BFAB13FB-3287-47BC-2BF2-50A43DDF8009}"/>
+              </a:ext>
+            </a:extLst>
+          </p:cNvPr>
+          <p:cNvSpPr/>
+          <p:nvPr/>
+        </p:nvSpPr>
+        <p:spPr>
+          <a:xfrm>
+            <a:off x="9488436" y="3226631"/>
+            <a:ext cx="1747599" cy="460721"/>
+          </a:xfrm>
+          <a:prstGeom prst="rect">
+            <a:avLst/>
+          </a:prstGeom>
+          <a:solidFill>
+            <a:srgbClr val="FFFF00"/>
+          </a:solidFill>
+        </p:spPr>
+        <p:style>
+          <a:lnRef idx="2">
+            <a:schemeClr val="accent1">
+              <a:shade val="50000"/>
+            </a:schemeClr>
+          </a:lnRef>
+          <a:fillRef idx="1">
+            <a:schemeClr val="accent1"/>
+          </a:fillRef>
+          <a:effectRef idx="0">
+            <a:schemeClr val="accent1"/>
+          </a:effectRef>
+          <a:fontRef idx="minor">
+            <a:schemeClr val="lt1"/>
+          </a:fontRef>
+        </p:style>
+        <p:txBody>
+          <a:bodyPr rtlCol="0" anchor="ctr"/>
+          <a:lstStyle/>
+          <a:p>
+            <a:pPr algn="ctr"/>
+            <a:r>
+              <a:rPr kumimoji="1" lang="en-US" altLang="ko-Kore-KR" sz="1400" dirty="0">
+                <a:solidFill>
+                  <a:schemeClr val="tx1"/>
+                </a:solidFill>
+              </a:rPr>
+              <a:t>6</a:t>
+            </a:r>
+            <a:endParaRPr kumimoji="1" lang="ko-Kore-KR" altLang="en-US" sz="1400" dirty="0">
+              <a:solidFill>
+                <a:schemeClr val="tx1"/>
+              </a:solidFill>
+            </a:endParaRPr>
+          </a:p>
+        </p:txBody>
+      </p:sp>
+      <p:sp>
+        <p:nvSpPr>
+          <p:cNvPr id="11" name="직사각형 10">
+            <a:extLst>
+              <a:ext uri="{FF2B5EF4-FFF2-40B4-BE49-F238E27FC236}">
+                <a16:creationId xmlns:a16="http://schemas.microsoft.com/office/drawing/2014/main" id="{705596DC-EEB8-69DE-4805-143A848B1BFA}"/>
+              </a:ext>
+            </a:extLst>
+          </p:cNvPr>
+          <p:cNvSpPr/>
+          <p:nvPr/>
+        </p:nvSpPr>
+        <p:spPr>
+          <a:xfrm>
+            <a:off x="9488436" y="3687352"/>
+            <a:ext cx="1747599" cy="460721"/>
+          </a:xfrm>
+          <a:prstGeom prst="rect">
+            <a:avLst/>
+          </a:prstGeom>
+          <a:solidFill>
+            <a:srgbClr val="FFC000"/>
+          </a:solidFill>
+        </p:spPr>
+        <p:style>
+          <a:lnRef idx="2">
+            <a:schemeClr val="accent1">
+              <a:shade val="50000"/>
+            </a:schemeClr>
+          </a:lnRef>
+          <a:fillRef idx="1">
+            <a:schemeClr val="accent1"/>
+          </a:fillRef>
+          <a:effectRef idx="0">
+            <a:schemeClr val="accent1"/>
+          </a:effectRef>
+          <a:fontRef idx="minor">
+            <a:schemeClr val="lt1"/>
+          </a:fontRef>
+        </p:style>
+        <p:txBody>
+          <a:bodyPr rtlCol="0" anchor="ctr"/>
+          <a:lstStyle/>
+          <a:p>
+            <a:pPr algn="ctr"/>
+            <a:r>
+              <a:rPr kumimoji="1" lang="en-US" altLang="ko-Kore-KR" sz="1400" dirty="0">
+                <a:solidFill>
+                  <a:schemeClr val="tx1"/>
+                </a:solidFill>
+              </a:rPr>
+              <a:t>7</a:t>
+            </a:r>
+            <a:endParaRPr kumimoji="1" lang="ko-Kore-KR" altLang="en-US" sz="1400" dirty="0">
+              <a:solidFill>
+                <a:schemeClr val="tx1"/>
+              </a:solidFill>
+            </a:endParaRPr>
+          </a:p>
+        </p:txBody>
+      </p:sp>
+      <p:sp>
+        <p:nvSpPr>
+          <p:cNvPr id="12" name="직사각형 11">
+            <a:extLst>
+              <a:ext uri="{FF2B5EF4-FFF2-40B4-BE49-F238E27FC236}">
+                <a16:creationId xmlns:a16="http://schemas.microsoft.com/office/drawing/2014/main" id="{2BA297E9-39A2-73DD-04D6-D1C2F89D7804}"/>
+              </a:ext>
+            </a:extLst>
+          </p:cNvPr>
+          <p:cNvSpPr/>
+          <p:nvPr/>
+        </p:nvSpPr>
+        <p:spPr>
+          <a:xfrm>
+            <a:off x="9488436" y="4148073"/>
+            <a:ext cx="1747599" cy="460721"/>
+          </a:xfrm>
+          <a:prstGeom prst="rect">
+            <a:avLst/>
+          </a:prstGeom>
+          <a:solidFill>
+            <a:srgbClr val="FFFF00"/>
+          </a:solidFill>
+        </p:spPr>
+        <p:style>
+          <a:lnRef idx="2">
+            <a:schemeClr val="accent1">
+              <a:shade val="50000"/>
+            </a:schemeClr>
+          </a:lnRef>
+          <a:fillRef idx="1">
+            <a:schemeClr val="accent1"/>
+          </a:fillRef>
+          <a:effectRef idx="0">
+            <a:schemeClr val="accent1"/>
+          </a:effectRef>
+          <a:fontRef idx="minor">
+            <a:schemeClr val="lt1"/>
+          </a:fontRef>
+        </p:style>
+        <p:txBody>
+          <a:bodyPr rtlCol="0" anchor="ctr"/>
+          <a:lstStyle/>
+          <a:p>
+            <a:pPr algn="ctr"/>
+            <a:r>
+              <a:rPr kumimoji="1" lang="en-US" altLang="ko-Kore-KR" sz="1400" dirty="0">
+                <a:solidFill>
+                  <a:schemeClr val="tx1"/>
+                </a:solidFill>
+              </a:rPr>
+              <a:t>8</a:t>
+            </a:r>
+            <a:endParaRPr kumimoji="1" lang="ko-Kore-KR" altLang="en-US" sz="1400" dirty="0">
+              <a:solidFill>
+                <a:schemeClr val="tx1"/>
+              </a:solidFill>
+            </a:endParaRPr>
+          </a:p>
+        </p:txBody>
+      </p:sp>
+      <p:sp>
+        <p:nvSpPr>
+          <p:cNvPr id="13" name="직사각형 12">
+            <a:extLst>
+              <a:ext uri="{FF2B5EF4-FFF2-40B4-BE49-F238E27FC236}">
+                <a16:creationId xmlns:a16="http://schemas.microsoft.com/office/drawing/2014/main" id="{DFA45223-7798-6173-00A0-C9BBCA5D73C8}"/>
+              </a:ext>
+            </a:extLst>
+          </p:cNvPr>
+          <p:cNvSpPr/>
+          <p:nvPr/>
+        </p:nvSpPr>
+        <p:spPr>
+          <a:xfrm>
+            <a:off x="9488436" y="4608794"/>
+            <a:ext cx="1747599" cy="460721"/>
+          </a:xfrm>
+          <a:prstGeom prst="rect">
+            <a:avLst/>
+          </a:prstGeom>
+          <a:solidFill>
+            <a:schemeClr val="accent6">
+              <a:lumMod val="40000"/>
+              <a:lumOff val="60000"/>
+            </a:schemeClr>
+          </a:solidFill>
+        </p:spPr>
+        <p:style>
+          <a:lnRef idx="2">
+            <a:schemeClr val="accent1">
+              <a:shade val="50000"/>
+            </a:schemeClr>
+          </a:lnRef>
+          <a:fillRef idx="1">
+            <a:schemeClr val="accent1"/>
+          </a:fillRef>
+          <a:effectRef idx="0">
+            <a:schemeClr val="accent1"/>
+          </a:effectRef>
+          <a:fontRef idx="minor">
+            <a:schemeClr val="lt1"/>
+          </a:fontRef>
+        </p:style>
+        <p:txBody>
+          <a:bodyPr rtlCol="0" anchor="ctr"/>
+          <a:lstStyle/>
+          <a:p>
+            <a:pPr algn="ctr"/>
+            <a:r>
+              <a:rPr kumimoji="1" lang="en-US" altLang="ko-Kore-KR" sz="1400" dirty="0">
+                <a:solidFill>
+                  <a:schemeClr val="tx1"/>
+                </a:solidFill>
+              </a:rPr>
+              <a:t>9</a:t>
+            </a:r>
+            <a:endParaRPr kumimoji="1" lang="ko-Kore-KR" altLang="en-US" sz="1400" dirty="0">
+              <a:solidFill>
+                <a:schemeClr val="tx1"/>
+              </a:solidFill>
+            </a:endParaRPr>
+          </a:p>
+        </p:txBody>
+      </p:sp>
+      <p:sp>
+        <p:nvSpPr>
+          <p:cNvPr id="14" name="직사각형 13">
+            <a:extLst>
+              <a:ext uri="{FF2B5EF4-FFF2-40B4-BE49-F238E27FC236}">
+                <a16:creationId xmlns:a16="http://schemas.microsoft.com/office/drawing/2014/main" id="{05018C3A-A0A5-AA82-7203-245F4DB2855C}"/>
+              </a:ext>
+            </a:extLst>
+          </p:cNvPr>
+          <p:cNvSpPr/>
+          <p:nvPr/>
+        </p:nvSpPr>
+        <p:spPr>
+          <a:xfrm>
+            <a:off x="9488436" y="5069515"/>
+            <a:ext cx="1747599" cy="460721"/>
+          </a:xfrm>
+          <a:prstGeom prst="rect">
+            <a:avLst/>
+          </a:prstGeom>
+          <a:solidFill>
+            <a:srgbClr val="FFFF00"/>
+          </a:solidFill>
+        </p:spPr>
+        <p:style>
+          <a:lnRef idx="2">
+            <a:schemeClr val="accent1">
+              <a:shade val="50000"/>
+            </a:schemeClr>
+          </a:lnRef>
+          <a:fillRef idx="1">
+            <a:schemeClr val="accent1"/>
+          </a:fillRef>
+          <a:effectRef idx="0">
+            <a:schemeClr val="accent1"/>
+          </a:effectRef>
+          <a:fontRef idx="minor">
+            <a:schemeClr val="lt1"/>
+          </a:fontRef>
+        </p:style>
+        <p:txBody>
+          <a:bodyPr rtlCol="0" anchor="ctr"/>
+          <a:lstStyle/>
+          <a:p>
+            <a:pPr algn="ctr"/>
+            <a:r>
+              <a:rPr kumimoji="1" lang="en-US" altLang="ko-Kore-KR" sz="1400" dirty="0">
+                <a:solidFill>
+                  <a:schemeClr val="tx1"/>
+                </a:solidFill>
+              </a:rPr>
+              <a:t>10</a:t>
+            </a:r>
+            <a:endParaRPr kumimoji="1" lang="ko-Kore-KR" altLang="en-US" sz="1400" dirty="0">
+              <a:solidFill>
+                <a:schemeClr val="tx1"/>
+              </a:solidFill>
+            </a:endParaRPr>
+          </a:p>
+        </p:txBody>
+      </p:sp>
+      <p:sp>
+        <p:nvSpPr>
+          <p:cNvPr id="15" name="직사각형 14">
+            <a:extLst>
+              <a:ext uri="{FF2B5EF4-FFF2-40B4-BE49-F238E27FC236}">
+                <a16:creationId xmlns:a16="http://schemas.microsoft.com/office/drawing/2014/main" id="{45872035-2EC5-07EA-3C81-D18E2D74D1BE}"/>
+              </a:ext>
+            </a:extLst>
+          </p:cNvPr>
+          <p:cNvSpPr/>
+          <p:nvPr/>
+        </p:nvSpPr>
+        <p:spPr>
+          <a:xfrm>
+            <a:off x="9488436" y="5530236"/>
+            <a:ext cx="1747599" cy="460721"/>
+          </a:xfrm>
+          <a:prstGeom prst="rect">
+            <a:avLst/>
+          </a:prstGeom>
+          <a:solidFill>
+            <a:srgbClr val="FFFF00"/>
+          </a:solidFill>
+        </p:spPr>
+        <p:style>
+          <a:lnRef idx="2">
+            <a:schemeClr val="accent1">
+              <a:shade val="50000"/>
+            </a:schemeClr>
+          </a:lnRef>
+          <a:fillRef idx="1">
+            <a:schemeClr val="accent1"/>
+          </a:fillRef>
+          <a:effectRef idx="0">
+            <a:schemeClr val="accent1"/>
+          </a:effectRef>
+          <a:fontRef idx="minor">
+            <a:schemeClr val="lt1"/>
+          </a:fontRef>
+        </p:style>
+        <p:txBody>
+          <a:bodyPr rtlCol="0" anchor="ctr"/>
+          <a:lstStyle/>
+          <a:p>
+            <a:pPr algn="ctr"/>
+            <a:r>
+              <a:rPr kumimoji="1" lang="en-US" altLang="ko-Kore-KR" sz="1400" dirty="0">
+                <a:solidFill>
+                  <a:schemeClr val="tx1"/>
+                </a:solidFill>
+              </a:rPr>
+              <a:t>11</a:t>
+            </a:r>
+            <a:endParaRPr kumimoji="1" lang="ko-Kore-KR" altLang="en-US" sz="1400" dirty="0">
+              <a:solidFill>
+                <a:schemeClr val="tx1"/>
+              </a:solidFill>
+            </a:endParaRPr>
+          </a:p>
+        </p:txBody>
+      </p:sp>
+      <p:sp>
+        <p:nvSpPr>
+          <p:cNvPr id="20" name="직사각형 19">
+            <a:extLst>
+              <a:ext uri="{FF2B5EF4-FFF2-40B4-BE49-F238E27FC236}">
+                <a16:creationId xmlns:a16="http://schemas.microsoft.com/office/drawing/2014/main" id="{11946225-8B1D-FB7E-6396-E8D36773E910}"/>
+              </a:ext>
+            </a:extLst>
+          </p:cNvPr>
+          <p:cNvSpPr/>
+          <p:nvPr/>
+        </p:nvSpPr>
+        <p:spPr>
+          <a:xfrm>
+            <a:off x="1213450" y="677173"/>
+            <a:ext cx="1078302" cy="491706"/>
+          </a:xfrm>
+          <a:prstGeom prst="rect">
+            <a:avLst/>
+          </a:prstGeom>
+          <a:solidFill>
+            <a:srgbClr val="FFFF00"/>
+          </a:solidFill>
+        </p:spPr>
+        <p:style>
+          <a:lnRef idx="2">
+            <a:schemeClr val="accent1">
+              <a:shade val="50000"/>
+            </a:schemeClr>
+          </a:lnRef>
+          <a:fillRef idx="1">
+            <a:schemeClr val="accent1"/>
+          </a:fillRef>
+          <a:effectRef idx="0">
+            <a:schemeClr val="accent1"/>
+          </a:effectRef>
+          <a:fontRef idx="minor">
+            <a:schemeClr val="lt1"/>
+          </a:fontRef>
+        </p:style>
+        <p:txBody>
+          <a:bodyPr rtlCol="0" anchor="ctr"/>
+          <a:lstStyle/>
+          <a:p>
+            <a:pPr algn="ctr"/>
+            <a:r>
+              <a:rPr kumimoji="1" lang="en-US" altLang="ko-Kore-KR" sz="1400" dirty="0">
+                <a:solidFill>
+                  <a:schemeClr val="tx1"/>
+                </a:solidFill>
+              </a:rPr>
+              <a:t>mm</a:t>
+            </a:r>
+            <a:endParaRPr kumimoji="1" lang="ko-Kore-KR" altLang="en-US" sz="1400" dirty="0">
+              <a:solidFill>
+                <a:schemeClr val="tx1"/>
+              </a:solidFill>
+            </a:endParaRPr>
+          </a:p>
+        </p:txBody>
+      </p:sp>
+      <p:sp>
+        <p:nvSpPr>
+          <p:cNvPr id="21" name="직사각형 20">
+            <a:extLst>
+              <a:ext uri="{FF2B5EF4-FFF2-40B4-BE49-F238E27FC236}">
+                <a16:creationId xmlns:a16="http://schemas.microsoft.com/office/drawing/2014/main" id="{8CB89109-BF97-869F-5A9E-4F78FB728528}"/>
+              </a:ext>
+            </a:extLst>
+          </p:cNvPr>
+          <p:cNvSpPr/>
+          <p:nvPr/>
+        </p:nvSpPr>
+        <p:spPr>
+          <a:xfrm>
+            <a:off x="1142789" y="307841"/>
+            <a:ext cx="1219629" cy="369332"/>
+          </a:xfrm>
+          <a:prstGeom prst="rect">
+            <a:avLst/>
+          </a:prstGeom>
+        </p:spPr>
+        <p:txBody>
+          <a:bodyPr wrap="none">
+            <a:spAutoFit/>
+          </a:bodyPr>
+          <a:lstStyle/>
+          <a:p>
+            <a:pPr algn="ctr"/>
+            <a:r>
+              <a:rPr kumimoji="1" lang="en-US" altLang="ko-Kore-KR" dirty="0" err="1"/>
+              <a:t>task_struct</a:t>
+            </a:r>
+            <a:endParaRPr kumimoji="1" lang="ko-Kore-KR" altLang="en-US" dirty="0"/>
+          </a:p>
+        </p:txBody>
+      </p:sp>
+      <p:sp>
+        <p:nvSpPr>
+          <p:cNvPr id="22" name="직사각형 21">
+            <a:extLst>
+              <a:ext uri="{FF2B5EF4-FFF2-40B4-BE49-F238E27FC236}">
+                <a16:creationId xmlns:a16="http://schemas.microsoft.com/office/drawing/2014/main" id="{8A158838-C567-9523-9A68-C66FEC82A084}"/>
+              </a:ext>
+            </a:extLst>
+          </p:cNvPr>
+          <p:cNvSpPr/>
+          <p:nvPr/>
+        </p:nvSpPr>
+        <p:spPr>
+          <a:xfrm>
+            <a:off x="1213450" y="2213800"/>
+            <a:ext cx="1078302" cy="491706"/>
+          </a:xfrm>
+          <a:prstGeom prst="rect">
+            <a:avLst/>
+          </a:prstGeom>
+          <a:solidFill>
+            <a:srgbClr val="FFFF00"/>
+          </a:solidFill>
+        </p:spPr>
+        <p:style>
+          <a:lnRef idx="2">
+            <a:schemeClr val="accent1">
+              <a:shade val="50000"/>
+            </a:schemeClr>
+          </a:lnRef>
+          <a:fillRef idx="1">
+            <a:schemeClr val="accent1"/>
+          </a:fillRef>
+          <a:effectRef idx="0">
+            <a:schemeClr val="accent1"/>
+          </a:effectRef>
+          <a:fontRef idx="minor">
+            <a:schemeClr val="lt1"/>
+          </a:fontRef>
+        </p:style>
+        <p:txBody>
+          <a:bodyPr rtlCol="0" anchor="ctr"/>
+          <a:lstStyle/>
+          <a:p>
+            <a:pPr algn="ctr"/>
+            <a:r>
+              <a:rPr kumimoji="1" lang="en-US" altLang="ko-Kore-KR" sz="1400" dirty="0">
+                <a:solidFill>
+                  <a:schemeClr val="tx1"/>
+                </a:solidFill>
+              </a:rPr>
+              <a:t>mm</a:t>
+            </a:r>
+            <a:endParaRPr kumimoji="1" lang="ko-Kore-KR" altLang="en-US" sz="1400" dirty="0">
+              <a:solidFill>
+                <a:schemeClr val="tx1"/>
+              </a:solidFill>
+            </a:endParaRPr>
+          </a:p>
+        </p:txBody>
+      </p:sp>
+      <p:sp>
+        <p:nvSpPr>
+          <p:cNvPr id="23" name="직사각형 22">
+            <a:extLst>
+              <a:ext uri="{FF2B5EF4-FFF2-40B4-BE49-F238E27FC236}">
+                <a16:creationId xmlns:a16="http://schemas.microsoft.com/office/drawing/2014/main" id="{7CE7D521-B486-AF57-8259-C4FFABD3EDA6}"/>
+              </a:ext>
+            </a:extLst>
+          </p:cNvPr>
+          <p:cNvSpPr/>
+          <p:nvPr/>
+        </p:nvSpPr>
+        <p:spPr>
+          <a:xfrm>
+            <a:off x="1142789" y="1844468"/>
+            <a:ext cx="1219629" cy="369332"/>
+          </a:xfrm>
+          <a:prstGeom prst="rect">
+            <a:avLst/>
+          </a:prstGeom>
+        </p:spPr>
+        <p:txBody>
+          <a:bodyPr wrap="none">
+            <a:spAutoFit/>
+          </a:bodyPr>
+          <a:lstStyle/>
+          <a:p>
+            <a:pPr algn="ctr"/>
+            <a:r>
+              <a:rPr kumimoji="1" lang="en-US" altLang="ko-Kore-KR" dirty="0" err="1"/>
+              <a:t>task_struct</a:t>
+            </a:r>
+            <a:endParaRPr kumimoji="1" lang="ko-Kore-KR" altLang="en-US" dirty="0"/>
+          </a:p>
+        </p:txBody>
+      </p:sp>
+      <p:sp>
+        <p:nvSpPr>
+          <p:cNvPr id="26" name="직사각형 25">
+            <a:extLst>
+              <a:ext uri="{FF2B5EF4-FFF2-40B4-BE49-F238E27FC236}">
+                <a16:creationId xmlns:a16="http://schemas.microsoft.com/office/drawing/2014/main" id="{3B634E2A-D9FB-600A-81AE-15A8C5C6269A}"/>
+              </a:ext>
+            </a:extLst>
+          </p:cNvPr>
+          <p:cNvSpPr/>
+          <p:nvPr/>
+        </p:nvSpPr>
+        <p:spPr>
+          <a:xfrm>
+            <a:off x="2953110" y="640114"/>
+            <a:ext cx="566467" cy="162143"/>
+          </a:xfrm>
+          <a:prstGeom prst="rect">
+            <a:avLst/>
+          </a:prstGeom>
+          <a:solidFill>
+            <a:srgbClr val="FFFF00"/>
+          </a:solidFill>
+        </p:spPr>
+        <p:style>
+          <a:lnRef idx="2">
+            <a:schemeClr val="accent1">
+              <a:shade val="50000"/>
+            </a:schemeClr>
+          </a:lnRef>
+          <a:fillRef idx="1">
+            <a:schemeClr val="accent1"/>
+          </a:fillRef>
+          <a:effectRef idx="0">
+            <a:schemeClr val="accent1"/>
+          </a:effectRef>
+          <a:fontRef idx="minor">
+            <a:schemeClr val="lt1"/>
+          </a:fontRef>
+        </p:style>
+        <p:txBody>
+          <a:bodyPr rtlCol="0" anchor="ctr"/>
+          <a:lstStyle/>
+          <a:p>
+            <a:pPr algn="ctr"/>
+            <a:endParaRPr kumimoji="1" lang="ko-Kore-KR" altLang="en-US" sz="1400" dirty="0">
+              <a:solidFill>
+                <a:schemeClr val="tx1"/>
+              </a:solidFill>
+            </a:endParaRPr>
+          </a:p>
+        </p:txBody>
+      </p:sp>
+      <p:sp>
+        <p:nvSpPr>
+          <p:cNvPr id="27" name="직사각형 26">
+            <a:extLst>
+              <a:ext uri="{FF2B5EF4-FFF2-40B4-BE49-F238E27FC236}">
+                <a16:creationId xmlns:a16="http://schemas.microsoft.com/office/drawing/2014/main" id="{2D9521CA-E100-0C47-32ED-0A5FC9B2F31A}"/>
+              </a:ext>
+            </a:extLst>
+          </p:cNvPr>
+          <p:cNvSpPr/>
+          <p:nvPr/>
+        </p:nvSpPr>
+        <p:spPr>
+          <a:xfrm>
+            <a:off x="2953109" y="802257"/>
+            <a:ext cx="566467" cy="162143"/>
+          </a:xfrm>
+          <a:prstGeom prst="rect">
+            <a:avLst/>
+          </a:prstGeom>
+          <a:solidFill>
+            <a:schemeClr val="accent2"/>
+          </a:solidFill>
+        </p:spPr>
+        <p:style>
+          <a:lnRef idx="2">
+            <a:schemeClr val="accent1">
+              <a:shade val="50000"/>
+            </a:schemeClr>
+          </a:lnRef>
+          <a:fillRef idx="1">
+            <a:schemeClr val="accent1"/>
+          </a:fillRef>
+          <a:effectRef idx="0">
+            <a:schemeClr val="accent1"/>
+          </a:effectRef>
+          <a:fontRef idx="minor">
+            <a:schemeClr val="lt1"/>
+          </a:fontRef>
+        </p:style>
+        <p:txBody>
+          <a:bodyPr rtlCol="0" anchor="ctr"/>
+          <a:lstStyle/>
+          <a:p>
+            <a:pPr algn="ctr"/>
+            <a:endParaRPr kumimoji="1" lang="ko-Kore-KR" altLang="en-US" sz="1400" dirty="0">
+              <a:solidFill>
+                <a:schemeClr val="tx1"/>
+              </a:solidFill>
+            </a:endParaRPr>
+          </a:p>
+        </p:txBody>
+      </p:sp>
+      <p:sp>
+        <p:nvSpPr>
+          <p:cNvPr id="28" name="직사각형 27">
+            <a:extLst>
+              <a:ext uri="{FF2B5EF4-FFF2-40B4-BE49-F238E27FC236}">
+                <a16:creationId xmlns:a16="http://schemas.microsoft.com/office/drawing/2014/main" id="{61A360B2-2DDC-D7E6-D26E-607F25642B91}"/>
+              </a:ext>
+            </a:extLst>
+          </p:cNvPr>
+          <p:cNvSpPr/>
+          <p:nvPr/>
+        </p:nvSpPr>
+        <p:spPr>
+          <a:xfrm>
+            <a:off x="2953108" y="964400"/>
+            <a:ext cx="566467" cy="162143"/>
+          </a:xfrm>
+          <a:prstGeom prst="rect">
+            <a:avLst/>
+          </a:prstGeom>
+          <a:solidFill>
+            <a:srgbClr val="FFFF00"/>
+          </a:solidFill>
+        </p:spPr>
+        <p:style>
+          <a:lnRef idx="2">
+            <a:schemeClr val="accent1">
+              <a:shade val="50000"/>
+            </a:schemeClr>
+          </a:lnRef>
+          <a:fillRef idx="1">
+            <a:schemeClr val="accent1"/>
+          </a:fillRef>
+          <a:effectRef idx="0">
+            <a:schemeClr val="accent1"/>
+          </a:effectRef>
+          <a:fontRef idx="minor">
+            <a:schemeClr val="lt1"/>
+          </a:fontRef>
+        </p:style>
+        <p:txBody>
+          <a:bodyPr rtlCol="0" anchor="ctr"/>
+          <a:lstStyle/>
+          <a:p>
+            <a:pPr algn="ctr"/>
+            <a:endParaRPr kumimoji="1" lang="ko-Kore-KR" altLang="en-US" sz="1400" dirty="0">
+              <a:solidFill>
+                <a:schemeClr val="tx1"/>
+              </a:solidFill>
+            </a:endParaRPr>
+          </a:p>
+        </p:txBody>
+      </p:sp>
+      <p:sp>
+        <p:nvSpPr>
+          <p:cNvPr id="29" name="직사각형 28">
+            <a:extLst>
+              <a:ext uri="{FF2B5EF4-FFF2-40B4-BE49-F238E27FC236}">
+                <a16:creationId xmlns:a16="http://schemas.microsoft.com/office/drawing/2014/main" id="{7C0E20E0-F4A4-CC89-5825-D06FF966C852}"/>
+              </a:ext>
+            </a:extLst>
+          </p:cNvPr>
+          <p:cNvSpPr/>
+          <p:nvPr/>
+        </p:nvSpPr>
+        <p:spPr>
+          <a:xfrm>
+            <a:off x="2953107" y="1126543"/>
+            <a:ext cx="566467" cy="162143"/>
+          </a:xfrm>
+          <a:prstGeom prst="rect">
+            <a:avLst/>
+          </a:prstGeom>
+          <a:solidFill>
+            <a:srgbClr val="FFFF00"/>
+          </a:solidFill>
+        </p:spPr>
+        <p:style>
+          <a:lnRef idx="2">
+            <a:schemeClr val="accent1">
+              <a:shade val="50000"/>
+            </a:schemeClr>
+          </a:lnRef>
+          <a:fillRef idx="1">
+            <a:schemeClr val="accent1"/>
+          </a:fillRef>
+          <a:effectRef idx="0">
+            <a:schemeClr val="accent1"/>
+          </a:effectRef>
+          <a:fontRef idx="minor">
+            <a:schemeClr val="lt1"/>
+          </a:fontRef>
+        </p:style>
+        <p:txBody>
+          <a:bodyPr rtlCol="0" anchor="ctr"/>
+          <a:lstStyle/>
+          <a:p>
+            <a:pPr algn="ctr"/>
+            <a:endParaRPr kumimoji="1" lang="ko-Kore-KR" altLang="en-US" sz="1400" dirty="0">
+              <a:solidFill>
+                <a:schemeClr val="tx1"/>
+              </a:solidFill>
+            </a:endParaRPr>
+          </a:p>
+        </p:txBody>
+      </p:sp>
+      <p:sp>
+        <p:nvSpPr>
+          <p:cNvPr id="33" name="직사각형 32">
+            <a:extLst>
+              <a:ext uri="{FF2B5EF4-FFF2-40B4-BE49-F238E27FC236}">
+                <a16:creationId xmlns:a16="http://schemas.microsoft.com/office/drawing/2014/main" id="{18084024-11BA-F2F0-5849-53E451D5A90F}"/>
+              </a:ext>
+            </a:extLst>
+          </p:cNvPr>
+          <p:cNvSpPr/>
+          <p:nvPr/>
+        </p:nvSpPr>
+        <p:spPr>
+          <a:xfrm>
+            <a:off x="2944477" y="2219077"/>
+            <a:ext cx="566467" cy="162143"/>
+          </a:xfrm>
+          <a:prstGeom prst="rect">
+            <a:avLst/>
+          </a:prstGeom>
+          <a:solidFill>
+            <a:srgbClr val="FFFF00"/>
+          </a:solidFill>
+        </p:spPr>
+        <p:style>
+          <a:lnRef idx="2">
+            <a:schemeClr val="accent1">
+              <a:shade val="50000"/>
+            </a:schemeClr>
+          </a:lnRef>
+          <a:fillRef idx="1">
+            <a:schemeClr val="accent1"/>
+          </a:fillRef>
+          <a:effectRef idx="0">
+            <a:schemeClr val="accent1"/>
+          </a:effectRef>
+          <a:fontRef idx="minor">
+            <a:schemeClr val="lt1"/>
+          </a:fontRef>
+        </p:style>
+        <p:txBody>
+          <a:bodyPr rtlCol="0" anchor="ctr"/>
+          <a:lstStyle/>
+          <a:p>
+            <a:pPr algn="ctr"/>
+            <a:endParaRPr kumimoji="1" lang="ko-Kore-KR" altLang="en-US" sz="1400" dirty="0">
+              <a:solidFill>
+                <a:schemeClr val="tx1"/>
+              </a:solidFill>
+            </a:endParaRPr>
+          </a:p>
+        </p:txBody>
+      </p:sp>
+      <p:sp>
+        <p:nvSpPr>
+          <p:cNvPr id="34" name="직사각형 33">
+            <a:extLst>
+              <a:ext uri="{FF2B5EF4-FFF2-40B4-BE49-F238E27FC236}">
+                <a16:creationId xmlns:a16="http://schemas.microsoft.com/office/drawing/2014/main" id="{AC7C9FC2-6BFC-354F-4205-191C64BCC397}"/>
+              </a:ext>
+            </a:extLst>
+          </p:cNvPr>
+          <p:cNvSpPr/>
+          <p:nvPr/>
+        </p:nvSpPr>
+        <p:spPr>
+          <a:xfrm>
+            <a:off x="2944476" y="2381220"/>
+            <a:ext cx="566467" cy="162143"/>
+          </a:xfrm>
+          <a:prstGeom prst="rect">
+            <a:avLst/>
+          </a:prstGeom>
+          <a:solidFill>
+            <a:schemeClr val="accent2"/>
+          </a:solidFill>
+        </p:spPr>
+        <p:style>
+          <a:lnRef idx="2">
+            <a:schemeClr val="accent1">
+              <a:shade val="50000"/>
+            </a:schemeClr>
+          </a:lnRef>
+          <a:fillRef idx="1">
+            <a:schemeClr val="accent1"/>
+          </a:fillRef>
+          <a:effectRef idx="0">
+            <a:schemeClr val="accent1"/>
+          </a:effectRef>
+          <a:fontRef idx="minor">
+            <a:schemeClr val="lt1"/>
+          </a:fontRef>
+        </p:style>
+        <p:txBody>
+          <a:bodyPr rtlCol="0" anchor="ctr"/>
+          <a:lstStyle/>
+          <a:p>
+            <a:pPr algn="ctr"/>
+            <a:endParaRPr kumimoji="1" lang="ko-Kore-KR" altLang="en-US" sz="1400" dirty="0">
+              <a:solidFill>
+                <a:schemeClr val="tx1"/>
+              </a:solidFill>
+            </a:endParaRPr>
+          </a:p>
+        </p:txBody>
+      </p:sp>
+      <p:sp>
+        <p:nvSpPr>
+          <p:cNvPr id="35" name="직사각형 34">
+            <a:extLst>
+              <a:ext uri="{FF2B5EF4-FFF2-40B4-BE49-F238E27FC236}">
+                <a16:creationId xmlns:a16="http://schemas.microsoft.com/office/drawing/2014/main" id="{F4DABF89-C059-9B93-DA97-0B4D005E62CF}"/>
+              </a:ext>
+            </a:extLst>
+          </p:cNvPr>
+          <p:cNvSpPr/>
+          <p:nvPr/>
+        </p:nvSpPr>
+        <p:spPr>
+          <a:xfrm>
+            <a:off x="2944475" y="2543363"/>
+            <a:ext cx="566467" cy="162143"/>
+          </a:xfrm>
+          <a:prstGeom prst="rect">
+            <a:avLst/>
+          </a:prstGeom>
+          <a:solidFill>
+            <a:srgbClr val="FFFF00"/>
+          </a:solidFill>
+        </p:spPr>
+        <p:style>
+          <a:lnRef idx="2">
+            <a:schemeClr val="accent1">
+              <a:shade val="50000"/>
+            </a:schemeClr>
+          </a:lnRef>
+          <a:fillRef idx="1">
+            <a:schemeClr val="accent1"/>
+          </a:fillRef>
+          <a:effectRef idx="0">
+            <a:schemeClr val="accent1"/>
+          </a:effectRef>
+          <a:fontRef idx="minor">
+            <a:schemeClr val="lt1"/>
+          </a:fontRef>
+        </p:style>
+        <p:txBody>
+          <a:bodyPr rtlCol="0" anchor="ctr"/>
+          <a:lstStyle/>
+          <a:p>
+            <a:pPr algn="ctr"/>
+            <a:endParaRPr kumimoji="1" lang="ko-Kore-KR" altLang="en-US" sz="1400" dirty="0">
+              <a:solidFill>
+                <a:schemeClr val="tx1"/>
+              </a:solidFill>
+            </a:endParaRPr>
+          </a:p>
+        </p:txBody>
+      </p:sp>
+      <p:sp>
+        <p:nvSpPr>
+          <p:cNvPr id="36" name="직사각형 35">
+            <a:extLst>
+              <a:ext uri="{FF2B5EF4-FFF2-40B4-BE49-F238E27FC236}">
+                <a16:creationId xmlns:a16="http://schemas.microsoft.com/office/drawing/2014/main" id="{CA4F41B4-AFA2-5DF4-D994-82C50312D78B}"/>
+              </a:ext>
+            </a:extLst>
+          </p:cNvPr>
+          <p:cNvSpPr/>
+          <p:nvPr/>
+        </p:nvSpPr>
+        <p:spPr>
+          <a:xfrm>
+            <a:off x="2944474" y="2705506"/>
+            <a:ext cx="566467" cy="162143"/>
+          </a:xfrm>
+          <a:prstGeom prst="rect">
+            <a:avLst/>
+          </a:prstGeom>
+          <a:solidFill>
+            <a:srgbClr val="FFFF00"/>
+          </a:solidFill>
+        </p:spPr>
+        <p:style>
+          <a:lnRef idx="2">
+            <a:schemeClr val="accent1">
+              <a:shade val="50000"/>
+            </a:schemeClr>
+          </a:lnRef>
+          <a:fillRef idx="1">
+            <a:schemeClr val="accent1"/>
+          </a:fillRef>
+          <a:effectRef idx="0">
+            <a:schemeClr val="accent1"/>
+          </a:effectRef>
+          <a:fontRef idx="minor">
+            <a:schemeClr val="lt1"/>
+          </a:fontRef>
+        </p:style>
+        <p:txBody>
+          <a:bodyPr rtlCol="0" anchor="ctr"/>
+          <a:lstStyle/>
+          <a:p>
+            <a:pPr algn="ctr"/>
+            <a:endParaRPr kumimoji="1" lang="ko-Kore-KR" altLang="en-US" sz="1400" dirty="0">
+              <a:solidFill>
+                <a:schemeClr val="tx1"/>
+              </a:solidFill>
+            </a:endParaRPr>
+          </a:p>
+        </p:txBody>
+      </p:sp>
+      <p:cxnSp>
+        <p:nvCxnSpPr>
+          <p:cNvPr id="42" name="구부러진 연결선[U] 41">
+            <a:extLst>
+              <a:ext uri="{FF2B5EF4-FFF2-40B4-BE49-F238E27FC236}">
+                <a16:creationId xmlns:a16="http://schemas.microsoft.com/office/drawing/2014/main" id="{559F6E24-5FA7-469C-81DB-2E74CEA7A1B2}"/>
+              </a:ext>
+            </a:extLst>
+          </p:cNvPr>
+          <p:cNvCxnSpPr>
+            <a:stCxn id="20" idx="3"/>
+            <a:endCxn id="26" idx="1"/>
+          </p:cNvCxnSpPr>
+          <p:nvPr/>
+        </p:nvCxnSpPr>
+        <p:spPr>
+          <a:xfrm flipV="1">
+            <a:off x="2291752" y="721186"/>
+            <a:ext cx="661358" cy="201840"/>
+          </a:xfrm>
+          <a:prstGeom prst="curvedConnector3">
+            <a:avLst/>
+          </a:prstGeom>
+          <a:ln>
+            <a:tailEnd type="triangle"/>
+          </a:ln>
+        </p:spPr>
+        <p:style>
+          <a:lnRef idx="1">
+            <a:schemeClr val="accent1"/>
+          </a:lnRef>
+          <a:fillRef idx="0">
+            <a:schemeClr val="accent1"/>
+          </a:fillRef>
+          <a:effectRef idx="0">
+            <a:schemeClr val="accent1"/>
+          </a:effectRef>
+          <a:fontRef idx="minor">
+            <a:schemeClr val="tx1"/>
+          </a:fontRef>
+        </p:style>
+      </p:cxnSp>
+      <p:cxnSp>
+        <p:nvCxnSpPr>
+          <p:cNvPr id="43" name="구부러진 연결선[U] 42">
+            <a:extLst>
+              <a:ext uri="{FF2B5EF4-FFF2-40B4-BE49-F238E27FC236}">
+                <a16:creationId xmlns:a16="http://schemas.microsoft.com/office/drawing/2014/main" id="{047BB221-D4E4-7362-81CE-6AD8D43F5D85}"/>
+              </a:ext>
+            </a:extLst>
+          </p:cNvPr>
+          <p:cNvCxnSpPr>
+            <a:cxnSpLocks/>
+            <a:stCxn id="22" idx="3"/>
+            <a:endCxn id="33" idx="1"/>
+          </p:cNvCxnSpPr>
+          <p:nvPr/>
+        </p:nvCxnSpPr>
+        <p:spPr>
+          <a:xfrm flipV="1">
+            <a:off x="2291752" y="2300149"/>
+            <a:ext cx="652725" cy="159504"/>
+          </a:xfrm>
+          <a:prstGeom prst="curvedConnector3">
+            <a:avLst>
+              <a:gd name="adj1" fmla="val 50000"/>
+            </a:avLst>
+          </a:prstGeom>
+          <a:ln>
+            <a:tailEnd type="triangle"/>
+          </a:ln>
+        </p:spPr>
+        <p:style>
+          <a:lnRef idx="1">
+            <a:schemeClr val="accent1"/>
+          </a:lnRef>
+          <a:fillRef idx="0">
+            <a:schemeClr val="accent1"/>
+          </a:fillRef>
+          <a:effectRef idx="0">
+            <a:schemeClr val="accent1"/>
+          </a:effectRef>
+          <a:fontRef idx="minor">
+            <a:schemeClr val="tx1"/>
+          </a:fontRef>
+        </p:style>
+      </p:cxnSp>
+      <p:cxnSp>
+        <p:nvCxnSpPr>
+          <p:cNvPr id="47" name="구부러진 연결선[U] 46">
+            <a:extLst>
+              <a:ext uri="{FF2B5EF4-FFF2-40B4-BE49-F238E27FC236}">
+                <a16:creationId xmlns:a16="http://schemas.microsoft.com/office/drawing/2014/main" id="{F01BCEB9-00CB-7025-72F6-4D014F796E4D}"/>
+              </a:ext>
+            </a:extLst>
+          </p:cNvPr>
+          <p:cNvCxnSpPr>
+            <a:cxnSpLocks/>
+            <a:stCxn id="28" idx="3"/>
+            <a:endCxn id="6" idx="1"/>
+          </p:cNvCxnSpPr>
+          <p:nvPr/>
+        </p:nvCxnSpPr>
+        <p:spPr>
+          <a:xfrm>
+            <a:off x="3519575" y="1045472"/>
+            <a:ext cx="5968861" cy="568636"/>
+          </a:xfrm>
+          <a:prstGeom prst="curvedConnector3">
+            <a:avLst/>
+          </a:prstGeom>
+          <a:ln>
+            <a:tailEnd type="triangle"/>
+          </a:ln>
+        </p:spPr>
+        <p:style>
+          <a:lnRef idx="1">
+            <a:schemeClr val="accent1"/>
+          </a:lnRef>
+          <a:fillRef idx="0">
+            <a:schemeClr val="accent1"/>
+          </a:fillRef>
+          <a:effectRef idx="0">
+            <a:schemeClr val="accent1"/>
+          </a:effectRef>
+          <a:fontRef idx="minor">
+            <a:schemeClr val="tx1"/>
+          </a:fontRef>
+        </p:style>
+      </p:cxnSp>
+      <p:cxnSp>
+        <p:nvCxnSpPr>
+          <p:cNvPr id="50" name="구부러진 연결선[U] 49">
+            <a:extLst>
+              <a:ext uri="{FF2B5EF4-FFF2-40B4-BE49-F238E27FC236}">
+                <a16:creationId xmlns:a16="http://schemas.microsoft.com/office/drawing/2014/main" id="{E40E2EA8-6C16-9A50-4365-8285FB4BFA68}"/>
+              </a:ext>
+            </a:extLst>
+          </p:cNvPr>
+          <p:cNvCxnSpPr>
+            <a:cxnSpLocks/>
+            <a:stCxn id="27" idx="3"/>
+            <a:endCxn id="8" idx="1"/>
+          </p:cNvCxnSpPr>
+          <p:nvPr/>
+        </p:nvCxnSpPr>
+        <p:spPr>
+          <a:xfrm>
+            <a:off x="3519576" y="883329"/>
+            <a:ext cx="5968860" cy="1652221"/>
+          </a:xfrm>
+          <a:prstGeom prst="curvedConnector3">
+            <a:avLst/>
+          </a:prstGeom>
+          <a:ln>
+            <a:tailEnd type="triangle"/>
+          </a:ln>
+        </p:spPr>
+        <p:style>
+          <a:lnRef idx="1">
+            <a:schemeClr val="accent1"/>
+          </a:lnRef>
+          <a:fillRef idx="0">
+            <a:schemeClr val="accent1"/>
+          </a:fillRef>
+          <a:effectRef idx="0">
+            <a:schemeClr val="accent1"/>
+          </a:effectRef>
+          <a:fontRef idx="minor">
+            <a:schemeClr val="tx1"/>
+          </a:fontRef>
+        </p:style>
+      </p:cxnSp>
+      <p:cxnSp>
+        <p:nvCxnSpPr>
+          <p:cNvPr id="53" name="구부러진 연결선[U] 52">
+            <a:extLst>
+              <a:ext uri="{FF2B5EF4-FFF2-40B4-BE49-F238E27FC236}">
+                <a16:creationId xmlns:a16="http://schemas.microsoft.com/office/drawing/2014/main" id="{BC90E64D-1CAE-0ABC-C78F-0000FC69F1DF}"/>
+              </a:ext>
+            </a:extLst>
+          </p:cNvPr>
+          <p:cNvCxnSpPr>
+            <a:cxnSpLocks/>
+            <a:stCxn id="29" idx="3"/>
+            <a:endCxn id="11" idx="1"/>
+          </p:cNvCxnSpPr>
+          <p:nvPr/>
+        </p:nvCxnSpPr>
+        <p:spPr>
+          <a:xfrm>
+            <a:off x="3519574" y="1207615"/>
+            <a:ext cx="5968862" cy="2710098"/>
+          </a:xfrm>
+          <a:prstGeom prst="curvedConnector3">
+            <a:avLst/>
+          </a:prstGeom>
+          <a:ln>
+            <a:tailEnd type="triangle"/>
+          </a:ln>
+        </p:spPr>
+        <p:style>
+          <a:lnRef idx="1">
+            <a:schemeClr val="accent1"/>
+          </a:lnRef>
+          <a:fillRef idx="0">
+            <a:schemeClr val="accent1"/>
+          </a:fillRef>
+          <a:effectRef idx="0">
+            <a:schemeClr val="accent1"/>
+          </a:effectRef>
+          <a:fontRef idx="minor">
+            <a:schemeClr val="tx1"/>
+          </a:fontRef>
+        </p:style>
+      </p:cxnSp>
+      <p:cxnSp>
+        <p:nvCxnSpPr>
+          <p:cNvPr id="58" name="구부러진 연결선[U] 57">
+            <a:extLst>
+              <a:ext uri="{FF2B5EF4-FFF2-40B4-BE49-F238E27FC236}">
+                <a16:creationId xmlns:a16="http://schemas.microsoft.com/office/drawing/2014/main" id="{EA0DE09C-4928-4A80-21C4-ADD9DF2C82C6}"/>
+              </a:ext>
+            </a:extLst>
+          </p:cNvPr>
+          <p:cNvCxnSpPr>
+            <a:cxnSpLocks/>
+            <a:stCxn id="33" idx="3"/>
+            <a:endCxn id="13" idx="1"/>
+          </p:cNvCxnSpPr>
+          <p:nvPr/>
+        </p:nvCxnSpPr>
+        <p:spPr>
+          <a:xfrm>
+            <a:off x="3510944" y="2300149"/>
+            <a:ext cx="5977492" cy="2539006"/>
+          </a:xfrm>
+          <a:prstGeom prst="curvedConnector3">
+            <a:avLst/>
+          </a:prstGeom>
+          <a:ln>
+            <a:tailEnd type="triangle"/>
+          </a:ln>
+        </p:spPr>
+        <p:style>
+          <a:lnRef idx="1">
+            <a:schemeClr val="accent1"/>
+          </a:lnRef>
+          <a:fillRef idx="0">
+            <a:schemeClr val="accent1"/>
+          </a:fillRef>
+          <a:effectRef idx="0">
+            <a:schemeClr val="accent1"/>
+          </a:effectRef>
+          <a:fontRef idx="minor">
+            <a:schemeClr val="tx1"/>
+          </a:fontRef>
+        </p:style>
+      </p:cxnSp>
+      <p:cxnSp>
+        <p:nvCxnSpPr>
+          <p:cNvPr id="61" name="구부러진 연결선[U] 60">
+            <a:extLst>
+              <a:ext uri="{FF2B5EF4-FFF2-40B4-BE49-F238E27FC236}">
+                <a16:creationId xmlns:a16="http://schemas.microsoft.com/office/drawing/2014/main" id="{370692D4-4627-3D4B-A0D2-7D1537176347}"/>
+              </a:ext>
+            </a:extLst>
+          </p:cNvPr>
+          <p:cNvCxnSpPr>
+            <a:cxnSpLocks/>
+            <a:stCxn id="34" idx="3"/>
+            <a:endCxn id="9" idx="1"/>
+          </p:cNvCxnSpPr>
+          <p:nvPr/>
+        </p:nvCxnSpPr>
+        <p:spPr>
+          <a:xfrm>
+            <a:off x="3510943" y="2462292"/>
+            <a:ext cx="5977493" cy="533979"/>
+          </a:xfrm>
+          <a:prstGeom prst="curvedConnector3">
+            <a:avLst/>
+          </a:prstGeom>
+          <a:ln>
+            <a:tailEnd type="triangle"/>
+          </a:ln>
+        </p:spPr>
+        <p:style>
+          <a:lnRef idx="1">
+            <a:schemeClr val="accent1"/>
+          </a:lnRef>
+          <a:fillRef idx="0">
+            <a:schemeClr val="accent1"/>
+          </a:fillRef>
+          <a:effectRef idx="0">
+            <a:schemeClr val="accent1"/>
+          </a:effectRef>
+          <a:fontRef idx="minor">
+            <a:schemeClr val="tx1"/>
+          </a:fontRef>
+        </p:style>
+      </p:cxnSp>
+    </p:spTree>
+    <p:extLst>
+      <p:ext uri="{BB962C8B-B14F-4D97-AF65-F5344CB8AC3E}">
+        <p14:creationId xmlns:p14="http://schemas.microsoft.com/office/powerpoint/2010/main" val="536565768"/>
       </p:ext>
     </p:extLst>
   </p:cSld>

--- a/220510.pptx
+++ b/220510.pptx
@@ -10,6 +10,7 @@
     <p:sldId id="258" r:id="rId4"/>
     <p:sldId id="259" r:id="rId5"/>
     <p:sldId id="260" r:id="rId6"/>
+    <p:sldId id="261" r:id="rId7"/>
   </p:sldIdLst>
   <p:sldSz cx="12192000" cy="6858000"/>
   <p:notesSz cx="6858000" cy="9144000"/>
@@ -11245,6 +11246,1855 @@
     <p:extLst>
       <p:ext uri="{BB962C8B-B14F-4D97-AF65-F5344CB8AC3E}">
         <p14:creationId xmlns:p14="http://schemas.microsoft.com/office/powerpoint/2010/main" val="536565768"/>
+      </p:ext>
+    </p:extLst>
+  </p:cSld>
+  <p:clrMapOvr>
+    <a:masterClrMapping/>
+  </p:clrMapOvr>
+</p:sld>
+</file>
+
+<file path=ppt/slides/slide6.xml><?xml version="1.0" encoding="utf-8"?>
+<p:sld xmlns:a="http://schemas.openxmlformats.org/drawingml/2006/main" xmlns:r="http://schemas.openxmlformats.org/officeDocument/2006/relationships" xmlns:p="http://schemas.openxmlformats.org/presentationml/2006/main">
+  <p:cSld>
+    <p:spTree>
+      <p:nvGrpSpPr>
+        <p:cNvPr id="1" name=""/>
+        <p:cNvGrpSpPr/>
+        <p:nvPr/>
+      </p:nvGrpSpPr>
+      <p:grpSpPr>
+        <a:xfrm>
+          <a:off x="0" y="0"/>
+          <a:ext cx="0" cy="0"/>
+          <a:chOff x="0" y="0"/>
+          <a:chExt cx="0" cy="0"/>
+        </a:xfrm>
+      </p:grpSpPr>
+      <p:sp>
+        <p:nvSpPr>
+          <p:cNvPr id="4" name="직사각형 3">
+            <a:extLst>
+              <a:ext uri="{FF2B5EF4-FFF2-40B4-BE49-F238E27FC236}">
+                <a16:creationId xmlns:a16="http://schemas.microsoft.com/office/drawing/2014/main" id="{EFDDCE6C-CC86-ACB4-9FD6-29E4BAB61126}"/>
+              </a:ext>
+            </a:extLst>
+          </p:cNvPr>
+          <p:cNvSpPr/>
+          <p:nvPr/>
+        </p:nvSpPr>
+        <p:spPr>
+          <a:xfrm>
+            <a:off x="382438" y="222228"/>
+            <a:ext cx="6096000" cy="1754326"/>
+          </a:xfrm>
+          <a:prstGeom prst="rect">
+            <a:avLst/>
+          </a:prstGeom>
+        </p:spPr>
+        <p:txBody>
+          <a:bodyPr>
+            <a:spAutoFit/>
+          </a:bodyPr>
+          <a:lstStyle/>
+          <a:p>
+            <a:r>
+              <a:rPr lang="en" altLang="ko-Kore-KR" dirty="0">
+                <a:solidFill>
+                  <a:srgbClr val="0000FF"/>
+                </a:solidFill>
+                <a:latin typeface="DM Mono" panose="020B0509040201040103" pitchFamily="49" charset="0"/>
+              </a:rPr>
+              <a:t>int</a:t>
+            </a:r>
+            <a:r>
+              <a:rPr lang="en" altLang="ko-Kore-KR" dirty="0">
+                <a:solidFill>
+                  <a:srgbClr val="000000"/>
+                </a:solidFill>
+                <a:latin typeface="DM Mono" panose="020B0509040201040103" pitchFamily="49" charset="0"/>
+              </a:rPr>
+              <a:t> </a:t>
+            </a:r>
+            <a:r>
+              <a:rPr lang="en" altLang="ko-Kore-KR" dirty="0">
+                <a:solidFill>
+                  <a:srgbClr val="795E26"/>
+                </a:solidFill>
+                <a:latin typeface="DM Mono" panose="020B0509040201040103" pitchFamily="49" charset="0"/>
+              </a:rPr>
+              <a:t>add</a:t>
+            </a:r>
+            <a:r>
+              <a:rPr lang="en" altLang="ko-Kore-KR" dirty="0">
+                <a:solidFill>
+                  <a:srgbClr val="000000"/>
+                </a:solidFill>
+                <a:latin typeface="DM Mono" panose="020B0509040201040103" pitchFamily="49" charset="0"/>
+              </a:rPr>
+              <a:t>(</a:t>
+            </a:r>
+            <a:r>
+              <a:rPr lang="en" altLang="ko-Kore-KR" dirty="0">
+                <a:solidFill>
+                  <a:srgbClr val="0000FF"/>
+                </a:solidFill>
+                <a:latin typeface="DM Mono" panose="020B0509040201040103" pitchFamily="49" charset="0"/>
+              </a:rPr>
+              <a:t>int</a:t>
+            </a:r>
+            <a:r>
+              <a:rPr lang="en" altLang="ko-Kore-KR" dirty="0">
+                <a:solidFill>
+                  <a:srgbClr val="000000"/>
+                </a:solidFill>
+                <a:latin typeface="DM Mono" panose="020B0509040201040103" pitchFamily="49" charset="0"/>
+              </a:rPr>
+              <a:t> </a:t>
+            </a:r>
+            <a:r>
+              <a:rPr lang="en" altLang="ko-Kore-KR" dirty="0">
+                <a:solidFill>
+                  <a:srgbClr val="001080"/>
+                </a:solidFill>
+                <a:latin typeface="DM Mono" panose="020B0509040201040103" pitchFamily="49" charset="0"/>
+              </a:rPr>
+              <a:t>a</a:t>
+            </a:r>
+            <a:r>
+              <a:rPr lang="en" altLang="ko-Kore-KR" dirty="0">
+                <a:solidFill>
+                  <a:srgbClr val="000000"/>
+                </a:solidFill>
+                <a:latin typeface="DM Mono" panose="020B0509040201040103" pitchFamily="49" charset="0"/>
+              </a:rPr>
+              <a:t>, </a:t>
+            </a:r>
+            <a:r>
+              <a:rPr lang="en" altLang="ko-Kore-KR" dirty="0">
+                <a:solidFill>
+                  <a:srgbClr val="0000FF"/>
+                </a:solidFill>
+                <a:latin typeface="DM Mono" panose="020B0509040201040103" pitchFamily="49" charset="0"/>
+              </a:rPr>
+              <a:t>int</a:t>
+            </a:r>
+            <a:r>
+              <a:rPr lang="en" altLang="ko-Kore-KR" dirty="0">
+                <a:solidFill>
+                  <a:srgbClr val="000000"/>
+                </a:solidFill>
+                <a:latin typeface="DM Mono" panose="020B0509040201040103" pitchFamily="49" charset="0"/>
+              </a:rPr>
+              <a:t> </a:t>
+            </a:r>
+            <a:r>
+              <a:rPr lang="en" altLang="ko-Kore-KR" dirty="0">
+                <a:solidFill>
+                  <a:srgbClr val="001080"/>
+                </a:solidFill>
+                <a:latin typeface="DM Mono" panose="020B0509040201040103" pitchFamily="49" charset="0"/>
+              </a:rPr>
+              <a:t>b</a:t>
+            </a:r>
+            <a:r>
+              <a:rPr lang="en" altLang="ko-Kore-KR" dirty="0">
+                <a:solidFill>
+                  <a:srgbClr val="000000"/>
+                </a:solidFill>
+                <a:latin typeface="DM Mono" panose="020B0509040201040103" pitchFamily="49" charset="0"/>
+              </a:rPr>
+              <a:t>) { </a:t>
+            </a:r>
+            <a:r>
+              <a:rPr lang="en" altLang="ko-Kore-KR" dirty="0">
+                <a:solidFill>
+                  <a:srgbClr val="AF00DB"/>
+                </a:solidFill>
+                <a:latin typeface="DM Mono" panose="020B0509040201040103" pitchFamily="49" charset="0"/>
+              </a:rPr>
+              <a:t>return</a:t>
+            </a:r>
+            <a:r>
+              <a:rPr lang="en" altLang="ko-Kore-KR" dirty="0">
+                <a:solidFill>
+                  <a:srgbClr val="000000"/>
+                </a:solidFill>
+                <a:latin typeface="DM Mono" panose="020B0509040201040103" pitchFamily="49" charset="0"/>
+              </a:rPr>
+              <a:t> </a:t>
+            </a:r>
+            <a:r>
+              <a:rPr lang="en" altLang="ko-Kore-KR" dirty="0">
+                <a:solidFill>
+                  <a:srgbClr val="001080"/>
+                </a:solidFill>
+                <a:latin typeface="DM Mono" panose="020B0509040201040103" pitchFamily="49" charset="0"/>
+              </a:rPr>
+              <a:t>a</a:t>
+            </a:r>
+            <a:r>
+              <a:rPr lang="en" altLang="ko-Kore-KR" dirty="0">
+                <a:solidFill>
+                  <a:srgbClr val="000000"/>
+                </a:solidFill>
+                <a:latin typeface="DM Mono" panose="020B0509040201040103" pitchFamily="49" charset="0"/>
+              </a:rPr>
+              <a:t> + </a:t>
+            </a:r>
+            <a:r>
+              <a:rPr lang="en" altLang="ko-Kore-KR" dirty="0">
+                <a:solidFill>
+                  <a:srgbClr val="001080"/>
+                </a:solidFill>
+                <a:latin typeface="DM Mono" panose="020B0509040201040103" pitchFamily="49" charset="0"/>
+              </a:rPr>
+              <a:t>b</a:t>
+            </a:r>
+            <a:r>
+              <a:rPr lang="en" altLang="ko-Kore-KR" dirty="0">
+                <a:solidFill>
+                  <a:srgbClr val="000000"/>
+                </a:solidFill>
+                <a:latin typeface="DM Mono" panose="020B0509040201040103" pitchFamily="49" charset="0"/>
+              </a:rPr>
+              <a:t>; }</a:t>
+            </a:r>
+          </a:p>
+          <a:p>
+            <a:br>
+              <a:rPr lang="en" altLang="ko-Kore-KR" dirty="0">
+                <a:solidFill>
+                  <a:srgbClr val="000000"/>
+                </a:solidFill>
+                <a:latin typeface="DM Mono" panose="020B0509040201040103" pitchFamily="49" charset="0"/>
+              </a:rPr>
+            </a:br>
+            <a:r>
+              <a:rPr lang="en" altLang="ko-Kore-KR" dirty="0">
+                <a:solidFill>
+                  <a:srgbClr val="0000FF"/>
+                </a:solidFill>
+                <a:latin typeface="DM Mono" panose="020B0509040201040103" pitchFamily="49" charset="0"/>
+              </a:rPr>
+              <a:t>int</a:t>
+            </a:r>
+            <a:r>
+              <a:rPr lang="en" altLang="ko-Kore-KR" dirty="0">
+                <a:solidFill>
+                  <a:srgbClr val="000000"/>
+                </a:solidFill>
+                <a:latin typeface="DM Mono" panose="020B0509040201040103" pitchFamily="49" charset="0"/>
+              </a:rPr>
+              <a:t> </a:t>
+            </a:r>
+            <a:r>
+              <a:rPr lang="en" altLang="ko-Kore-KR" dirty="0">
+                <a:solidFill>
+                  <a:srgbClr val="795E26"/>
+                </a:solidFill>
+                <a:latin typeface="DM Mono" panose="020B0509040201040103" pitchFamily="49" charset="0"/>
+              </a:rPr>
+              <a:t>main</a:t>
+            </a:r>
+            <a:r>
+              <a:rPr lang="en" altLang="ko-Kore-KR" dirty="0">
+                <a:solidFill>
+                  <a:srgbClr val="000000"/>
+                </a:solidFill>
+                <a:latin typeface="DM Mono" panose="020B0509040201040103" pitchFamily="49" charset="0"/>
+              </a:rPr>
+              <a:t>(</a:t>
+            </a:r>
+            <a:r>
+              <a:rPr lang="en" altLang="ko-Kore-KR" dirty="0">
+                <a:solidFill>
+                  <a:srgbClr val="0000FF"/>
+                </a:solidFill>
+                <a:latin typeface="DM Mono" panose="020B0509040201040103" pitchFamily="49" charset="0"/>
+              </a:rPr>
+              <a:t>void</a:t>
+            </a:r>
+            <a:r>
+              <a:rPr lang="en" altLang="ko-Kore-KR" dirty="0">
+                <a:solidFill>
+                  <a:srgbClr val="000000"/>
+                </a:solidFill>
+                <a:latin typeface="DM Mono" panose="020B0509040201040103" pitchFamily="49" charset="0"/>
+              </a:rPr>
+              <a:t>)</a:t>
+            </a:r>
+          </a:p>
+          <a:p>
+            <a:r>
+              <a:rPr lang="en" altLang="ko-Kore-KR" dirty="0">
+                <a:solidFill>
+                  <a:srgbClr val="000000"/>
+                </a:solidFill>
+                <a:latin typeface="DM Mono" panose="020B0509040201040103" pitchFamily="49" charset="0"/>
+              </a:rPr>
+              <a:t>{</a:t>
+            </a:r>
+          </a:p>
+          <a:p>
+            <a:r>
+              <a:rPr lang="en" altLang="ko-Kore-KR" dirty="0">
+                <a:solidFill>
+                  <a:srgbClr val="0000FF"/>
+                </a:solidFill>
+                <a:latin typeface="DM Mono" panose="020B0509040201040103" pitchFamily="49" charset="0"/>
+              </a:rPr>
+              <a:t>  int</a:t>
+            </a:r>
+            <a:r>
+              <a:rPr lang="en" altLang="ko-Kore-KR" dirty="0">
+                <a:solidFill>
+                  <a:srgbClr val="000000"/>
+                </a:solidFill>
+                <a:latin typeface="DM Mono" panose="020B0509040201040103" pitchFamily="49" charset="0"/>
+              </a:rPr>
+              <a:t> </a:t>
+            </a:r>
+            <a:r>
+              <a:rPr lang="en" altLang="ko-Kore-KR" dirty="0">
+                <a:solidFill>
+                  <a:srgbClr val="001080"/>
+                </a:solidFill>
+                <a:latin typeface="DM Mono" panose="020B0509040201040103" pitchFamily="49" charset="0"/>
+              </a:rPr>
+              <a:t>result</a:t>
+            </a:r>
+            <a:r>
+              <a:rPr lang="en" altLang="ko-Kore-KR" dirty="0">
+                <a:solidFill>
+                  <a:srgbClr val="000000"/>
+                </a:solidFill>
+                <a:latin typeface="DM Mono" panose="020B0509040201040103" pitchFamily="49" charset="0"/>
+              </a:rPr>
+              <a:t> = </a:t>
+            </a:r>
+            <a:r>
+              <a:rPr lang="en" altLang="ko-Kore-KR" dirty="0">
+                <a:solidFill>
+                  <a:srgbClr val="795E26"/>
+                </a:solidFill>
+                <a:latin typeface="DM Mono" panose="020B0509040201040103" pitchFamily="49" charset="0"/>
+              </a:rPr>
+              <a:t>add</a:t>
+            </a:r>
+            <a:r>
+              <a:rPr lang="en" altLang="ko-Kore-KR" dirty="0">
+                <a:solidFill>
+                  <a:srgbClr val="000000"/>
+                </a:solidFill>
+                <a:latin typeface="DM Mono" panose="020B0509040201040103" pitchFamily="49" charset="0"/>
+              </a:rPr>
+              <a:t>(</a:t>
+            </a:r>
+            <a:r>
+              <a:rPr lang="en" altLang="ko-Kore-KR" dirty="0">
+                <a:solidFill>
+                  <a:srgbClr val="098658"/>
+                </a:solidFill>
+                <a:latin typeface="DM Mono" panose="020B0509040201040103" pitchFamily="49" charset="0"/>
+              </a:rPr>
+              <a:t>10</a:t>
+            </a:r>
+            <a:r>
+              <a:rPr lang="en" altLang="ko-Kore-KR" dirty="0">
+                <a:solidFill>
+                  <a:srgbClr val="000000"/>
+                </a:solidFill>
+                <a:latin typeface="DM Mono" panose="020B0509040201040103" pitchFamily="49" charset="0"/>
+              </a:rPr>
+              <a:t>, </a:t>
+            </a:r>
+            <a:r>
+              <a:rPr lang="en" altLang="ko-Kore-KR" dirty="0">
+                <a:solidFill>
+                  <a:srgbClr val="098658"/>
+                </a:solidFill>
+                <a:latin typeface="DM Mono" panose="020B0509040201040103" pitchFamily="49" charset="0"/>
+              </a:rPr>
+              <a:t>20</a:t>
+            </a:r>
+            <a:r>
+              <a:rPr lang="en" altLang="ko-Kore-KR" dirty="0">
+                <a:solidFill>
+                  <a:srgbClr val="000000"/>
+                </a:solidFill>
+                <a:latin typeface="DM Mono" panose="020B0509040201040103" pitchFamily="49" charset="0"/>
+              </a:rPr>
+              <a:t>);</a:t>
+            </a:r>
+          </a:p>
+          <a:p>
+            <a:r>
+              <a:rPr lang="en" altLang="ko-Kore-KR" dirty="0">
+                <a:solidFill>
+                  <a:srgbClr val="000000"/>
+                </a:solidFill>
+                <a:latin typeface="DM Mono" panose="020B0509040201040103" pitchFamily="49" charset="0"/>
+              </a:rPr>
+              <a:t>}</a:t>
+            </a:r>
+            <a:endParaRPr lang="en" altLang="ko-Kore-KR" b="0" dirty="0">
+              <a:solidFill>
+                <a:srgbClr val="000000"/>
+              </a:solidFill>
+              <a:effectLst/>
+              <a:latin typeface="DM Mono" panose="020B0509040201040103" pitchFamily="49" charset="0"/>
+            </a:endParaRPr>
+          </a:p>
+        </p:txBody>
+      </p:sp>
+      <p:sp>
+        <p:nvSpPr>
+          <p:cNvPr id="5" name="직사각형 4">
+            <a:extLst>
+              <a:ext uri="{FF2B5EF4-FFF2-40B4-BE49-F238E27FC236}">
+                <a16:creationId xmlns:a16="http://schemas.microsoft.com/office/drawing/2014/main" id="{E61A65E0-CC96-DF6D-1042-280060300D3A}"/>
+              </a:ext>
+            </a:extLst>
+          </p:cNvPr>
+          <p:cNvSpPr/>
+          <p:nvPr/>
+        </p:nvSpPr>
+        <p:spPr>
+          <a:xfrm>
+            <a:off x="7625130" y="1099391"/>
+            <a:ext cx="1747599" cy="460721"/>
+          </a:xfrm>
+          <a:prstGeom prst="rect">
+            <a:avLst/>
+          </a:prstGeom>
+          <a:solidFill>
+            <a:srgbClr val="FFFF00"/>
+          </a:solidFill>
+        </p:spPr>
+        <p:style>
+          <a:lnRef idx="2">
+            <a:schemeClr val="accent1">
+              <a:shade val="50000"/>
+            </a:schemeClr>
+          </a:lnRef>
+          <a:fillRef idx="1">
+            <a:schemeClr val="accent1"/>
+          </a:fillRef>
+          <a:effectRef idx="0">
+            <a:schemeClr val="accent1"/>
+          </a:effectRef>
+          <a:fontRef idx="minor">
+            <a:schemeClr val="lt1"/>
+          </a:fontRef>
+        </p:style>
+        <p:txBody>
+          <a:bodyPr rtlCol="0" anchor="ctr"/>
+          <a:lstStyle/>
+          <a:p>
+            <a:pPr algn="ctr"/>
+            <a:endParaRPr kumimoji="1" lang="ko-Kore-KR" altLang="en-US" sz="1400" dirty="0">
+              <a:solidFill>
+                <a:schemeClr val="tx1"/>
+              </a:solidFill>
+            </a:endParaRPr>
+          </a:p>
+        </p:txBody>
+      </p:sp>
+      <p:sp>
+        <p:nvSpPr>
+          <p:cNvPr id="6" name="직사각형 5">
+            <a:extLst>
+              <a:ext uri="{FF2B5EF4-FFF2-40B4-BE49-F238E27FC236}">
+                <a16:creationId xmlns:a16="http://schemas.microsoft.com/office/drawing/2014/main" id="{FCB01FE1-F8AC-EFE2-D948-A43DB935CDD3}"/>
+              </a:ext>
+            </a:extLst>
+          </p:cNvPr>
+          <p:cNvSpPr/>
+          <p:nvPr/>
+        </p:nvSpPr>
+        <p:spPr>
+          <a:xfrm>
+            <a:off x="7625130" y="1560112"/>
+            <a:ext cx="1747599" cy="460721"/>
+          </a:xfrm>
+          <a:prstGeom prst="rect">
+            <a:avLst/>
+          </a:prstGeom>
+          <a:solidFill>
+            <a:srgbClr val="FFFF00"/>
+          </a:solidFill>
+        </p:spPr>
+        <p:style>
+          <a:lnRef idx="2">
+            <a:schemeClr val="accent1">
+              <a:shade val="50000"/>
+            </a:schemeClr>
+          </a:lnRef>
+          <a:fillRef idx="1">
+            <a:schemeClr val="accent1"/>
+          </a:fillRef>
+          <a:effectRef idx="0">
+            <a:schemeClr val="accent1"/>
+          </a:effectRef>
+          <a:fontRef idx="minor">
+            <a:schemeClr val="lt1"/>
+          </a:fontRef>
+        </p:style>
+        <p:txBody>
+          <a:bodyPr rtlCol="0" anchor="ctr"/>
+          <a:lstStyle/>
+          <a:p>
+            <a:pPr algn="ctr"/>
+            <a:endParaRPr kumimoji="1" lang="ko-Kore-KR" altLang="en-US" sz="1400" dirty="0">
+              <a:solidFill>
+                <a:schemeClr val="tx1"/>
+              </a:solidFill>
+            </a:endParaRPr>
+          </a:p>
+        </p:txBody>
+      </p:sp>
+      <p:sp>
+        <p:nvSpPr>
+          <p:cNvPr id="7" name="직사각형 6">
+            <a:extLst>
+              <a:ext uri="{FF2B5EF4-FFF2-40B4-BE49-F238E27FC236}">
+                <a16:creationId xmlns:a16="http://schemas.microsoft.com/office/drawing/2014/main" id="{8FFA2406-979C-B37C-B177-518347439A1A}"/>
+              </a:ext>
+            </a:extLst>
+          </p:cNvPr>
+          <p:cNvSpPr/>
+          <p:nvPr/>
+        </p:nvSpPr>
+        <p:spPr>
+          <a:xfrm>
+            <a:off x="7625130" y="2020833"/>
+            <a:ext cx="1747599" cy="460721"/>
+          </a:xfrm>
+          <a:prstGeom prst="rect">
+            <a:avLst/>
+          </a:prstGeom>
+          <a:solidFill>
+            <a:srgbClr val="FFFF00"/>
+          </a:solidFill>
+        </p:spPr>
+        <p:style>
+          <a:lnRef idx="2">
+            <a:schemeClr val="accent1">
+              <a:shade val="50000"/>
+            </a:schemeClr>
+          </a:lnRef>
+          <a:fillRef idx="1">
+            <a:schemeClr val="accent1"/>
+          </a:fillRef>
+          <a:effectRef idx="0">
+            <a:schemeClr val="accent1"/>
+          </a:effectRef>
+          <a:fontRef idx="minor">
+            <a:schemeClr val="lt1"/>
+          </a:fontRef>
+        </p:style>
+        <p:txBody>
+          <a:bodyPr rtlCol="0" anchor="ctr"/>
+          <a:lstStyle/>
+          <a:p>
+            <a:pPr algn="ctr"/>
+            <a:endParaRPr kumimoji="1" lang="ko-Kore-KR" altLang="en-US" sz="1400" dirty="0">
+              <a:solidFill>
+                <a:schemeClr val="tx1"/>
+              </a:solidFill>
+            </a:endParaRPr>
+          </a:p>
+        </p:txBody>
+      </p:sp>
+      <p:sp>
+        <p:nvSpPr>
+          <p:cNvPr id="8" name="직사각형 7">
+            <a:extLst>
+              <a:ext uri="{FF2B5EF4-FFF2-40B4-BE49-F238E27FC236}">
+                <a16:creationId xmlns:a16="http://schemas.microsoft.com/office/drawing/2014/main" id="{AB83B322-F4E3-D0DE-CD06-6E170B88A520}"/>
+              </a:ext>
+            </a:extLst>
+          </p:cNvPr>
+          <p:cNvSpPr/>
+          <p:nvPr/>
+        </p:nvSpPr>
+        <p:spPr>
+          <a:xfrm>
+            <a:off x="7625130" y="2481554"/>
+            <a:ext cx="1747599" cy="460721"/>
+          </a:xfrm>
+          <a:prstGeom prst="rect">
+            <a:avLst/>
+          </a:prstGeom>
+          <a:solidFill>
+            <a:schemeClr val="accent2"/>
+          </a:solidFill>
+        </p:spPr>
+        <p:style>
+          <a:lnRef idx="2">
+            <a:schemeClr val="accent1">
+              <a:shade val="50000"/>
+            </a:schemeClr>
+          </a:lnRef>
+          <a:fillRef idx="1">
+            <a:schemeClr val="accent1"/>
+          </a:fillRef>
+          <a:effectRef idx="0">
+            <a:schemeClr val="accent1"/>
+          </a:effectRef>
+          <a:fontRef idx="minor">
+            <a:schemeClr val="lt1"/>
+          </a:fontRef>
+        </p:style>
+        <p:txBody>
+          <a:bodyPr rtlCol="0" anchor="ctr"/>
+          <a:lstStyle/>
+          <a:p>
+            <a:pPr algn="ctr"/>
+            <a:endParaRPr kumimoji="1" lang="ko-Kore-KR" altLang="en-US" sz="1400" dirty="0">
+              <a:solidFill>
+                <a:schemeClr val="tx1"/>
+              </a:solidFill>
+            </a:endParaRPr>
+          </a:p>
+        </p:txBody>
+      </p:sp>
+      <p:sp>
+        <p:nvSpPr>
+          <p:cNvPr id="9" name="직사각형 8">
+            <a:extLst>
+              <a:ext uri="{FF2B5EF4-FFF2-40B4-BE49-F238E27FC236}">
+                <a16:creationId xmlns:a16="http://schemas.microsoft.com/office/drawing/2014/main" id="{BF58A558-E5FF-0DA7-AC55-E2B4C1676C04}"/>
+              </a:ext>
+            </a:extLst>
+          </p:cNvPr>
+          <p:cNvSpPr/>
+          <p:nvPr/>
+        </p:nvSpPr>
+        <p:spPr>
+          <a:xfrm>
+            <a:off x="7625130" y="2942275"/>
+            <a:ext cx="1747599" cy="460721"/>
+          </a:xfrm>
+          <a:prstGeom prst="rect">
+            <a:avLst/>
+          </a:prstGeom>
+          <a:solidFill>
+            <a:schemeClr val="accent2"/>
+          </a:solidFill>
+        </p:spPr>
+        <p:style>
+          <a:lnRef idx="2">
+            <a:schemeClr val="accent1">
+              <a:shade val="50000"/>
+            </a:schemeClr>
+          </a:lnRef>
+          <a:fillRef idx="1">
+            <a:schemeClr val="accent1"/>
+          </a:fillRef>
+          <a:effectRef idx="0">
+            <a:schemeClr val="accent1"/>
+          </a:effectRef>
+          <a:fontRef idx="minor">
+            <a:schemeClr val="lt1"/>
+          </a:fontRef>
+        </p:style>
+        <p:txBody>
+          <a:bodyPr rtlCol="0" anchor="ctr"/>
+          <a:lstStyle/>
+          <a:p>
+            <a:pPr algn="ctr"/>
+            <a:r>
+              <a:rPr kumimoji="1" lang="ko-KR" altLang="en-US" sz="1400" dirty="0">
+                <a:solidFill>
+                  <a:schemeClr val="tx1"/>
+                </a:solidFill>
+              </a:rPr>
+              <a:t>함수 복귀 주소</a:t>
+            </a:r>
+            <a:endParaRPr kumimoji="1" lang="ko-Kore-KR" altLang="en-US" sz="1400" dirty="0">
+              <a:solidFill>
+                <a:schemeClr val="tx1"/>
+              </a:solidFill>
+            </a:endParaRPr>
+          </a:p>
+        </p:txBody>
+      </p:sp>
+      <p:sp>
+        <p:nvSpPr>
+          <p:cNvPr id="10" name="직사각형 9">
+            <a:extLst>
+              <a:ext uri="{FF2B5EF4-FFF2-40B4-BE49-F238E27FC236}">
+                <a16:creationId xmlns:a16="http://schemas.microsoft.com/office/drawing/2014/main" id="{342EA80A-6976-C9BF-68DE-3FF5424B5DD9}"/>
+              </a:ext>
+            </a:extLst>
+          </p:cNvPr>
+          <p:cNvSpPr/>
+          <p:nvPr/>
+        </p:nvSpPr>
+        <p:spPr>
+          <a:xfrm>
+            <a:off x="7625130" y="3402996"/>
+            <a:ext cx="1747599" cy="460721"/>
+          </a:xfrm>
+          <a:prstGeom prst="rect">
+            <a:avLst/>
+          </a:prstGeom>
+          <a:solidFill>
+            <a:schemeClr val="accent2"/>
+          </a:solidFill>
+        </p:spPr>
+        <p:style>
+          <a:lnRef idx="2">
+            <a:schemeClr val="accent1">
+              <a:shade val="50000"/>
+            </a:schemeClr>
+          </a:lnRef>
+          <a:fillRef idx="1">
+            <a:schemeClr val="accent1"/>
+          </a:fillRef>
+          <a:effectRef idx="0">
+            <a:schemeClr val="accent1"/>
+          </a:effectRef>
+          <a:fontRef idx="minor">
+            <a:schemeClr val="lt1"/>
+          </a:fontRef>
+        </p:style>
+        <p:txBody>
+          <a:bodyPr rtlCol="0" anchor="ctr"/>
+          <a:lstStyle/>
+          <a:p>
+            <a:pPr algn="ctr"/>
+            <a:r>
+              <a:rPr kumimoji="1" lang="en-US" altLang="ko-Kore-KR" sz="1400" dirty="0">
+                <a:solidFill>
+                  <a:schemeClr val="tx1"/>
+                </a:solidFill>
+              </a:rPr>
+              <a:t>10</a:t>
+            </a:r>
+            <a:endParaRPr kumimoji="1" lang="ko-Kore-KR" altLang="en-US" sz="1400" dirty="0">
+              <a:solidFill>
+                <a:schemeClr val="tx1"/>
+              </a:solidFill>
+            </a:endParaRPr>
+          </a:p>
+        </p:txBody>
+      </p:sp>
+      <p:sp>
+        <p:nvSpPr>
+          <p:cNvPr id="11" name="직사각형 10">
+            <a:extLst>
+              <a:ext uri="{FF2B5EF4-FFF2-40B4-BE49-F238E27FC236}">
+                <a16:creationId xmlns:a16="http://schemas.microsoft.com/office/drawing/2014/main" id="{A72D8ED7-5E12-990E-48D6-20357282258B}"/>
+              </a:ext>
+            </a:extLst>
+          </p:cNvPr>
+          <p:cNvSpPr/>
+          <p:nvPr/>
+        </p:nvSpPr>
+        <p:spPr>
+          <a:xfrm>
+            <a:off x="7625130" y="3863717"/>
+            <a:ext cx="1747599" cy="460721"/>
+          </a:xfrm>
+          <a:prstGeom prst="rect">
+            <a:avLst/>
+          </a:prstGeom>
+          <a:solidFill>
+            <a:schemeClr val="accent2"/>
+          </a:solidFill>
+        </p:spPr>
+        <p:style>
+          <a:lnRef idx="2">
+            <a:schemeClr val="accent1">
+              <a:shade val="50000"/>
+            </a:schemeClr>
+          </a:lnRef>
+          <a:fillRef idx="1">
+            <a:schemeClr val="accent1"/>
+          </a:fillRef>
+          <a:effectRef idx="0">
+            <a:schemeClr val="accent1"/>
+          </a:effectRef>
+          <a:fontRef idx="minor">
+            <a:schemeClr val="lt1"/>
+          </a:fontRef>
+        </p:style>
+        <p:txBody>
+          <a:bodyPr rtlCol="0" anchor="ctr"/>
+          <a:lstStyle/>
+          <a:p>
+            <a:pPr algn="ctr"/>
+            <a:r>
+              <a:rPr kumimoji="1" lang="en-US" altLang="ko-Kore-KR" sz="1400" dirty="0">
+                <a:solidFill>
+                  <a:schemeClr val="tx1"/>
+                </a:solidFill>
+              </a:rPr>
+              <a:t>20</a:t>
+            </a:r>
+            <a:endParaRPr kumimoji="1" lang="ko-Kore-KR" altLang="en-US" sz="1400" dirty="0">
+              <a:solidFill>
+                <a:schemeClr val="tx1"/>
+              </a:solidFill>
+            </a:endParaRPr>
+          </a:p>
+        </p:txBody>
+      </p:sp>
+      <p:sp>
+        <p:nvSpPr>
+          <p:cNvPr id="12" name="직사각형 11">
+            <a:extLst>
+              <a:ext uri="{FF2B5EF4-FFF2-40B4-BE49-F238E27FC236}">
+                <a16:creationId xmlns:a16="http://schemas.microsoft.com/office/drawing/2014/main" id="{C33C9443-8306-4C8A-8B87-5AF45BFA06F0}"/>
+              </a:ext>
+            </a:extLst>
+          </p:cNvPr>
+          <p:cNvSpPr/>
+          <p:nvPr/>
+        </p:nvSpPr>
+        <p:spPr>
+          <a:xfrm>
+            <a:off x="7625130" y="4324438"/>
+            <a:ext cx="1747599" cy="460721"/>
+          </a:xfrm>
+          <a:prstGeom prst="rect">
+            <a:avLst/>
+          </a:prstGeom>
+          <a:solidFill>
+            <a:schemeClr val="accent2"/>
+          </a:solidFill>
+        </p:spPr>
+        <p:style>
+          <a:lnRef idx="2">
+            <a:schemeClr val="accent1">
+              <a:shade val="50000"/>
+            </a:schemeClr>
+          </a:lnRef>
+          <a:fillRef idx="1">
+            <a:schemeClr val="accent1"/>
+          </a:fillRef>
+          <a:effectRef idx="0">
+            <a:schemeClr val="accent1"/>
+          </a:effectRef>
+          <a:fontRef idx="minor">
+            <a:schemeClr val="lt1"/>
+          </a:fontRef>
+        </p:style>
+        <p:txBody>
+          <a:bodyPr rtlCol="0" anchor="ctr"/>
+          <a:lstStyle/>
+          <a:p>
+            <a:pPr algn="ctr"/>
+            <a:endParaRPr kumimoji="1" lang="ko-Kore-KR" altLang="en-US" sz="1400" dirty="0">
+              <a:solidFill>
+                <a:schemeClr val="tx1"/>
+              </a:solidFill>
+            </a:endParaRPr>
+          </a:p>
+        </p:txBody>
+      </p:sp>
+      <p:sp>
+        <p:nvSpPr>
+          <p:cNvPr id="13" name="직사각형 12">
+            <a:extLst>
+              <a:ext uri="{FF2B5EF4-FFF2-40B4-BE49-F238E27FC236}">
+                <a16:creationId xmlns:a16="http://schemas.microsoft.com/office/drawing/2014/main" id="{5A812536-BFDD-853C-B004-D451C4DDF1DD}"/>
+              </a:ext>
+            </a:extLst>
+          </p:cNvPr>
+          <p:cNvSpPr/>
+          <p:nvPr/>
+        </p:nvSpPr>
+        <p:spPr>
+          <a:xfrm>
+            <a:off x="7625130" y="4785159"/>
+            <a:ext cx="1747599" cy="460721"/>
+          </a:xfrm>
+          <a:prstGeom prst="rect">
+            <a:avLst/>
+          </a:prstGeom>
+          <a:solidFill>
+            <a:srgbClr val="FFFF00"/>
+          </a:solidFill>
+        </p:spPr>
+        <p:style>
+          <a:lnRef idx="2">
+            <a:schemeClr val="accent1">
+              <a:shade val="50000"/>
+            </a:schemeClr>
+          </a:lnRef>
+          <a:fillRef idx="1">
+            <a:schemeClr val="accent1"/>
+          </a:fillRef>
+          <a:effectRef idx="0">
+            <a:schemeClr val="accent1"/>
+          </a:effectRef>
+          <a:fontRef idx="minor">
+            <a:schemeClr val="lt1"/>
+          </a:fontRef>
+        </p:style>
+        <p:txBody>
+          <a:bodyPr rtlCol="0" anchor="ctr"/>
+          <a:lstStyle/>
+          <a:p>
+            <a:pPr algn="ctr"/>
+            <a:endParaRPr kumimoji="1" lang="ko-Kore-KR" altLang="en-US" sz="1400" dirty="0">
+              <a:solidFill>
+                <a:schemeClr val="tx1"/>
+              </a:solidFill>
+            </a:endParaRPr>
+          </a:p>
+        </p:txBody>
+      </p:sp>
+      <p:sp>
+        <p:nvSpPr>
+          <p:cNvPr id="14" name="직사각형 13">
+            <a:extLst>
+              <a:ext uri="{FF2B5EF4-FFF2-40B4-BE49-F238E27FC236}">
+                <a16:creationId xmlns:a16="http://schemas.microsoft.com/office/drawing/2014/main" id="{212094B6-61B2-D187-D660-D8B0FD412225}"/>
+              </a:ext>
+            </a:extLst>
+          </p:cNvPr>
+          <p:cNvSpPr/>
+          <p:nvPr/>
+        </p:nvSpPr>
+        <p:spPr>
+          <a:xfrm>
+            <a:off x="7625130" y="5245880"/>
+            <a:ext cx="1747599" cy="460721"/>
+          </a:xfrm>
+          <a:prstGeom prst="rect">
+            <a:avLst/>
+          </a:prstGeom>
+          <a:solidFill>
+            <a:srgbClr val="FFFF00"/>
+          </a:solidFill>
+        </p:spPr>
+        <p:style>
+          <a:lnRef idx="2">
+            <a:schemeClr val="accent1">
+              <a:shade val="50000"/>
+            </a:schemeClr>
+          </a:lnRef>
+          <a:fillRef idx="1">
+            <a:schemeClr val="accent1"/>
+          </a:fillRef>
+          <a:effectRef idx="0">
+            <a:schemeClr val="accent1"/>
+          </a:effectRef>
+          <a:fontRef idx="minor">
+            <a:schemeClr val="lt1"/>
+          </a:fontRef>
+        </p:style>
+        <p:txBody>
+          <a:bodyPr rtlCol="0" anchor="ctr"/>
+          <a:lstStyle/>
+          <a:p>
+            <a:pPr algn="ctr"/>
+            <a:endParaRPr kumimoji="1" lang="ko-Kore-KR" altLang="en-US" sz="1400" dirty="0">
+              <a:solidFill>
+                <a:schemeClr val="tx1"/>
+              </a:solidFill>
+            </a:endParaRPr>
+          </a:p>
+        </p:txBody>
+      </p:sp>
+      <p:grpSp>
+        <p:nvGrpSpPr>
+          <p:cNvPr id="17" name="그룹 16">
+            <a:extLst>
+              <a:ext uri="{FF2B5EF4-FFF2-40B4-BE49-F238E27FC236}">
+                <a16:creationId xmlns:a16="http://schemas.microsoft.com/office/drawing/2014/main" id="{6965BCE4-0851-AB8A-F792-4A96C4C384B0}"/>
+              </a:ext>
+            </a:extLst>
+          </p:cNvPr>
+          <p:cNvGrpSpPr/>
+          <p:nvPr/>
+        </p:nvGrpSpPr>
+        <p:grpSpPr>
+          <a:xfrm>
+            <a:off x="6422312" y="2920602"/>
+            <a:ext cx="1147058" cy="508958"/>
+            <a:chOff x="6133636" y="3234906"/>
+            <a:chExt cx="1147058" cy="508958"/>
+          </a:xfrm>
+        </p:grpSpPr>
+        <p:sp>
+          <p:nvSpPr>
+            <p:cNvPr id="15" name="직사각형 14">
+              <a:extLst>
+                <a:ext uri="{FF2B5EF4-FFF2-40B4-BE49-F238E27FC236}">
+                  <a16:creationId xmlns:a16="http://schemas.microsoft.com/office/drawing/2014/main" id="{58CBAE4D-DF77-DC12-FA71-41A73CA5841F}"/>
+                </a:ext>
+              </a:extLst>
+            </p:cNvPr>
+            <p:cNvSpPr/>
+            <p:nvPr/>
+          </p:nvSpPr>
+          <p:spPr>
+            <a:xfrm>
+              <a:off x="6133636" y="3335496"/>
+              <a:ext cx="482824" cy="307777"/>
+            </a:xfrm>
+            <a:prstGeom prst="rect">
+              <a:avLst/>
+            </a:prstGeom>
+          </p:spPr>
+          <p:txBody>
+            <a:bodyPr wrap="none">
+              <a:spAutoFit/>
+            </a:bodyPr>
+            <a:lstStyle/>
+            <a:p>
+              <a:r>
+                <a:rPr lang="en" altLang="ko-Kore-KR" sz="1400" dirty="0" err="1">
+                  <a:solidFill>
+                    <a:srgbClr val="4864AA"/>
+                  </a:solidFill>
+                  <a:latin typeface="Consolas" panose="020B0609020204030204" pitchFamily="49" charset="0"/>
+                </a:rPr>
+                <a:t>esp</a:t>
+              </a:r>
+              <a:endParaRPr lang="en" altLang="ko-Kore-KR" b="0" dirty="0">
+                <a:solidFill>
+                  <a:srgbClr val="000000"/>
+                </a:solidFill>
+                <a:effectLst/>
+                <a:latin typeface="Consolas" panose="020B0609020204030204" pitchFamily="49" charset="0"/>
+              </a:endParaRPr>
+            </a:p>
+          </p:txBody>
+        </p:sp>
+        <p:sp>
+          <p:nvSpPr>
+            <p:cNvPr id="16" name="오른쪽 화살표[R] 15">
+              <a:extLst>
+                <a:ext uri="{FF2B5EF4-FFF2-40B4-BE49-F238E27FC236}">
+                  <a16:creationId xmlns:a16="http://schemas.microsoft.com/office/drawing/2014/main" id="{7FDDB6A6-07C9-0565-3487-8D443152A426}"/>
+                </a:ext>
+              </a:extLst>
+            </p:cNvPr>
+            <p:cNvSpPr/>
+            <p:nvPr/>
+          </p:nvSpPr>
+          <p:spPr>
+            <a:xfrm>
+              <a:off x="6616460" y="3234906"/>
+              <a:ext cx="664234" cy="508958"/>
+            </a:xfrm>
+            <a:prstGeom prst="rightArrow">
+              <a:avLst/>
+            </a:prstGeom>
+            <a:solidFill>
+              <a:srgbClr val="FFFF00"/>
+            </a:solidFill>
+          </p:spPr>
+          <p:style>
+            <a:lnRef idx="2">
+              <a:schemeClr val="accent1">
+                <a:shade val="50000"/>
+              </a:schemeClr>
+            </a:lnRef>
+            <a:fillRef idx="1">
+              <a:schemeClr val="accent1"/>
+            </a:fillRef>
+            <a:effectRef idx="0">
+              <a:schemeClr val="accent1"/>
+            </a:effectRef>
+            <a:fontRef idx="minor">
+              <a:schemeClr val="lt1"/>
+            </a:fontRef>
+          </p:style>
+          <p:txBody>
+            <a:bodyPr rtlCol="0" anchor="ctr"/>
+            <a:lstStyle/>
+            <a:p>
+              <a:pPr algn="ctr"/>
+              <a:endParaRPr kumimoji="1" lang="ko-Kore-KR" altLang="en-US" sz="1400" dirty="0">
+                <a:solidFill>
+                  <a:schemeClr val="tx1"/>
+                </a:solidFill>
+              </a:endParaRPr>
+            </a:p>
+          </p:txBody>
+        </p:sp>
+      </p:grpSp>
+      <p:sp>
+        <p:nvSpPr>
+          <p:cNvPr id="18" name="직사각형 17">
+            <a:extLst>
+              <a:ext uri="{FF2B5EF4-FFF2-40B4-BE49-F238E27FC236}">
+                <a16:creationId xmlns:a16="http://schemas.microsoft.com/office/drawing/2014/main" id="{FEB46F77-23D4-B5A0-10E9-81383DF8F86B}"/>
+              </a:ext>
+            </a:extLst>
+          </p:cNvPr>
+          <p:cNvSpPr/>
+          <p:nvPr/>
+        </p:nvSpPr>
+        <p:spPr>
+          <a:xfrm>
+            <a:off x="488959" y="2479666"/>
+            <a:ext cx="6096000" cy="923330"/>
+          </a:xfrm>
+          <a:prstGeom prst="rect">
+            <a:avLst/>
+          </a:prstGeom>
+        </p:spPr>
+        <p:txBody>
+          <a:bodyPr>
+            <a:spAutoFit/>
+          </a:bodyPr>
+          <a:lstStyle/>
+          <a:p>
+            <a:r>
+              <a:rPr lang="en" altLang="ko-Kore-KR" dirty="0">
+                <a:solidFill>
+                  <a:srgbClr val="0000FF"/>
+                </a:solidFill>
+                <a:latin typeface="Consolas" panose="020B0609020204030204" pitchFamily="49" charset="0"/>
+              </a:rPr>
+              <a:t>push</a:t>
+            </a:r>
+            <a:r>
+              <a:rPr lang="en" altLang="ko-Kore-KR" dirty="0">
+                <a:solidFill>
+                  <a:srgbClr val="000000"/>
+                </a:solidFill>
+                <a:latin typeface="Consolas" panose="020B0609020204030204" pitchFamily="49" charset="0"/>
+              </a:rPr>
+              <a:t> </a:t>
+            </a:r>
+            <a:r>
+              <a:rPr lang="en" altLang="ko-Kore-KR" dirty="0">
+                <a:solidFill>
+                  <a:srgbClr val="098658"/>
+                </a:solidFill>
+                <a:latin typeface="Consolas" panose="020B0609020204030204" pitchFamily="49" charset="0"/>
+              </a:rPr>
+              <a:t>20</a:t>
+            </a:r>
+            <a:r>
+              <a:rPr lang="en" altLang="ko-Kore-KR" dirty="0">
+                <a:solidFill>
+                  <a:srgbClr val="000000"/>
+                </a:solidFill>
+                <a:latin typeface="Consolas" panose="020B0609020204030204" pitchFamily="49" charset="0"/>
+              </a:rPr>
+              <a:t> </a:t>
+            </a:r>
+            <a:r>
+              <a:rPr lang="en" altLang="ko-Kore-KR" dirty="0">
+                <a:solidFill>
+                  <a:srgbClr val="008000"/>
+                </a:solidFill>
+                <a:latin typeface="Consolas" panose="020B0609020204030204" pitchFamily="49" charset="0"/>
+              </a:rPr>
+              <a:t>; 00000014H</a:t>
+            </a:r>
+            <a:endParaRPr lang="en" altLang="ko-Kore-KR" dirty="0">
+              <a:solidFill>
+                <a:srgbClr val="000000"/>
+              </a:solidFill>
+              <a:latin typeface="Consolas" panose="020B0609020204030204" pitchFamily="49" charset="0"/>
+            </a:endParaRPr>
+          </a:p>
+          <a:p>
+            <a:r>
+              <a:rPr lang="en" altLang="ko-Kore-KR" dirty="0">
+                <a:solidFill>
+                  <a:srgbClr val="0000FF"/>
+                </a:solidFill>
+                <a:latin typeface="Consolas" panose="020B0609020204030204" pitchFamily="49" charset="0"/>
+              </a:rPr>
+              <a:t>push</a:t>
+            </a:r>
+            <a:r>
+              <a:rPr lang="en" altLang="ko-Kore-KR" dirty="0">
+                <a:solidFill>
+                  <a:srgbClr val="000000"/>
+                </a:solidFill>
+                <a:latin typeface="Consolas" panose="020B0609020204030204" pitchFamily="49" charset="0"/>
+              </a:rPr>
+              <a:t> </a:t>
+            </a:r>
+            <a:r>
+              <a:rPr lang="en" altLang="ko-Kore-KR" dirty="0">
+                <a:solidFill>
+                  <a:srgbClr val="098658"/>
+                </a:solidFill>
+                <a:latin typeface="Consolas" panose="020B0609020204030204" pitchFamily="49" charset="0"/>
+              </a:rPr>
+              <a:t>10</a:t>
+            </a:r>
+            <a:r>
+              <a:rPr lang="en" altLang="ko-Kore-KR" dirty="0">
+                <a:solidFill>
+                  <a:srgbClr val="000000"/>
+                </a:solidFill>
+                <a:latin typeface="Consolas" panose="020B0609020204030204" pitchFamily="49" charset="0"/>
+              </a:rPr>
+              <a:t> </a:t>
+            </a:r>
+            <a:r>
+              <a:rPr lang="en" altLang="ko-Kore-KR" dirty="0">
+                <a:solidFill>
+                  <a:srgbClr val="008000"/>
+                </a:solidFill>
+                <a:latin typeface="Consolas" panose="020B0609020204030204" pitchFamily="49" charset="0"/>
+              </a:rPr>
+              <a:t>; 0000000aH</a:t>
+            </a:r>
+            <a:endParaRPr lang="en" altLang="ko-Kore-KR" dirty="0">
+              <a:solidFill>
+                <a:srgbClr val="000000"/>
+              </a:solidFill>
+              <a:latin typeface="Consolas" panose="020B0609020204030204" pitchFamily="49" charset="0"/>
+            </a:endParaRPr>
+          </a:p>
+          <a:p>
+            <a:r>
+              <a:rPr lang="en" altLang="ko-Kore-KR" dirty="0">
+                <a:solidFill>
+                  <a:srgbClr val="0000FF"/>
+                </a:solidFill>
+                <a:latin typeface="Consolas" panose="020B0609020204030204" pitchFamily="49" charset="0"/>
+              </a:rPr>
+              <a:t>call</a:t>
+            </a:r>
+            <a:r>
+              <a:rPr lang="en" altLang="ko-Kore-KR" dirty="0">
+                <a:solidFill>
+                  <a:srgbClr val="000000"/>
+                </a:solidFill>
+                <a:latin typeface="Consolas" panose="020B0609020204030204" pitchFamily="49" charset="0"/>
+              </a:rPr>
+              <a:t> </a:t>
+            </a:r>
+            <a:r>
+              <a:rPr lang="en" altLang="ko-Kore-KR" dirty="0">
+                <a:solidFill>
+                  <a:srgbClr val="008080"/>
+                </a:solidFill>
+                <a:latin typeface="Consolas" panose="020B0609020204030204" pitchFamily="49" charset="0"/>
+              </a:rPr>
+              <a:t>_add</a:t>
+            </a:r>
+            <a:endParaRPr lang="en" altLang="ko-Kore-KR" b="0" dirty="0">
+              <a:solidFill>
+                <a:srgbClr val="000000"/>
+              </a:solidFill>
+              <a:effectLst/>
+              <a:latin typeface="Consolas" panose="020B0609020204030204" pitchFamily="49" charset="0"/>
+            </a:endParaRPr>
+          </a:p>
+        </p:txBody>
+      </p:sp>
+      <p:sp>
+        <p:nvSpPr>
+          <p:cNvPr id="19" name="직사각형 18">
+            <a:extLst>
+              <a:ext uri="{FF2B5EF4-FFF2-40B4-BE49-F238E27FC236}">
+                <a16:creationId xmlns:a16="http://schemas.microsoft.com/office/drawing/2014/main" id="{52928C06-CC38-D041-A60A-0149DDA42EDE}"/>
+              </a:ext>
+            </a:extLst>
+          </p:cNvPr>
+          <p:cNvSpPr/>
+          <p:nvPr/>
+        </p:nvSpPr>
+        <p:spPr>
+          <a:xfrm>
+            <a:off x="601102" y="3992199"/>
+            <a:ext cx="6096000" cy="2308324"/>
+          </a:xfrm>
+          <a:prstGeom prst="rect">
+            <a:avLst/>
+          </a:prstGeom>
+        </p:spPr>
+        <p:txBody>
+          <a:bodyPr>
+            <a:spAutoFit/>
+          </a:bodyPr>
+          <a:lstStyle/>
+          <a:p>
+            <a:r>
+              <a:rPr lang="en" altLang="ko-Kore-KR" dirty="0">
+                <a:solidFill>
+                  <a:srgbClr val="008080"/>
+                </a:solidFill>
+                <a:latin typeface="Consolas" panose="020B0609020204030204" pitchFamily="49" charset="0"/>
+              </a:rPr>
+              <a:t>_add PROC</a:t>
+            </a:r>
+            <a:endParaRPr lang="en" altLang="ko-Kore-KR" dirty="0">
+              <a:solidFill>
+                <a:srgbClr val="000000"/>
+              </a:solidFill>
+              <a:latin typeface="Consolas" panose="020B0609020204030204" pitchFamily="49" charset="0"/>
+            </a:endParaRPr>
+          </a:p>
+          <a:p>
+            <a:r>
+              <a:rPr lang="en" altLang="ko-Kore-KR" dirty="0">
+                <a:solidFill>
+                  <a:srgbClr val="0000FF"/>
+                </a:solidFill>
+                <a:latin typeface="Consolas" panose="020B0609020204030204" pitchFamily="49" charset="0"/>
+              </a:rPr>
+              <a:t>push</a:t>
+            </a:r>
+            <a:r>
+              <a:rPr lang="en" altLang="ko-Kore-KR" dirty="0">
+                <a:solidFill>
+                  <a:srgbClr val="000000"/>
+                </a:solidFill>
+                <a:latin typeface="Consolas" panose="020B0609020204030204" pitchFamily="49" charset="0"/>
+              </a:rPr>
+              <a:t> </a:t>
+            </a:r>
+            <a:r>
+              <a:rPr lang="en" altLang="ko-Kore-KR" dirty="0" err="1">
+                <a:solidFill>
+                  <a:srgbClr val="4864AA"/>
+                </a:solidFill>
+                <a:latin typeface="Consolas" panose="020B0609020204030204" pitchFamily="49" charset="0"/>
+              </a:rPr>
+              <a:t>ebp</a:t>
+            </a:r>
+            <a:endParaRPr lang="en" altLang="ko-Kore-KR" dirty="0">
+              <a:solidFill>
+                <a:srgbClr val="000000"/>
+              </a:solidFill>
+              <a:latin typeface="Consolas" panose="020B0609020204030204" pitchFamily="49" charset="0"/>
+            </a:endParaRPr>
+          </a:p>
+          <a:p>
+            <a:r>
+              <a:rPr lang="en" altLang="ko-Kore-KR" dirty="0">
+                <a:solidFill>
+                  <a:srgbClr val="0000FF"/>
+                </a:solidFill>
+                <a:latin typeface="Consolas" panose="020B0609020204030204" pitchFamily="49" charset="0"/>
+              </a:rPr>
+              <a:t>mov</a:t>
+            </a:r>
+            <a:r>
+              <a:rPr lang="en" altLang="ko-Kore-KR" dirty="0">
+                <a:solidFill>
+                  <a:srgbClr val="000000"/>
+                </a:solidFill>
+                <a:latin typeface="Consolas" panose="020B0609020204030204" pitchFamily="49" charset="0"/>
+              </a:rPr>
+              <a:t> </a:t>
+            </a:r>
+            <a:r>
+              <a:rPr lang="en" altLang="ko-Kore-KR" dirty="0" err="1">
+                <a:solidFill>
+                  <a:srgbClr val="4864AA"/>
+                </a:solidFill>
+                <a:latin typeface="Consolas" panose="020B0609020204030204" pitchFamily="49" charset="0"/>
+              </a:rPr>
+              <a:t>ebp</a:t>
+            </a:r>
+            <a:r>
+              <a:rPr lang="en" altLang="ko-Kore-KR" dirty="0">
+                <a:solidFill>
+                  <a:srgbClr val="000000"/>
+                </a:solidFill>
+                <a:latin typeface="Consolas" panose="020B0609020204030204" pitchFamily="49" charset="0"/>
+              </a:rPr>
+              <a:t>, </a:t>
+            </a:r>
+            <a:r>
+              <a:rPr lang="en" altLang="ko-Kore-KR" dirty="0" err="1">
+                <a:solidFill>
+                  <a:srgbClr val="4864AA"/>
+                </a:solidFill>
+                <a:latin typeface="Consolas" panose="020B0609020204030204" pitchFamily="49" charset="0"/>
+              </a:rPr>
+              <a:t>esp</a:t>
+            </a:r>
+            <a:r>
+              <a:rPr lang="en" altLang="ko-Kore-KR" dirty="0">
+                <a:solidFill>
+                  <a:srgbClr val="4864AA"/>
+                </a:solidFill>
+                <a:latin typeface="Consolas" panose="020B0609020204030204" pitchFamily="49" charset="0"/>
+              </a:rPr>
+              <a:t>  ; </a:t>
+            </a:r>
+            <a:r>
+              <a:rPr lang="en" altLang="ko-Kore-KR" dirty="0" err="1">
+                <a:solidFill>
+                  <a:srgbClr val="4864AA"/>
+                </a:solidFill>
+                <a:latin typeface="Consolas" panose="020B0609020204030204" pitchFamily="49" charset="0"/>
+              </a:rPr>
+              <a:t>ebp</a:t>
+            </a:r>
+            <a:r>
+              <a:rPr lang="en" altLang="ko-Kore-KR" dirty="0">
+                <a:solidFill>
+                  <a:srgbClr val="4864AA"/>
+                </a:solidFill>
+                <a:latin typeface="Consolas" panose="020B0609020204030204" pitchFamily="49" charset="0"/>
+              </a:rPr>
+              <a:t> = </a:t>
+            </a:r>
+            <a:r>
+              <a:rPr lang="en" altLang="ko-Kore-KR" dirty="0" err="1">
+                <a:solidFill>
+                  <a:srgbClr val="4864AA"/>
+                </a:solidFill>
+                <a:latin typeface="Consolas" panose="020B0609020204030204" pitchFamily="49" charset="0"/>
+              </a:rPr>
+              <a:t>esp</a:t>
+            </a:r>
+            <a:endParaRPr lang="en" altLang="ko-Kore-KR" dirty="0">
+              <a:solidFill>
+                <a:srgbClr val="000000"/>
+              </a:solidFill>
+              <a:latin typeface="Consolas" panose="020B0609020204030204" pitchFamily="49" charset="0"/>
+            </a:endParaRPr>
+          </a:p>
+          <a:p>
+            <a:r>
+              <a:rPr lang="en" altLang="ko-Kore-KR" dirty="0">
+                <a:solidFill>
+                  <a:srgbClr val="0000FF"/>
+                </a:solidFill>
+                <a:latin typeface="Consolas" panose="020B0609020204030204" pitchFamily="49" charset="0"/>
+              </a:rPr>
+              <a:t>mov</a:t>
+            </a:r>
+            <a:r>
+              <a:rPr lang="en" altLang="ko-Kore-KR" dirty="0">
+                <a:solidFill>
+                  <a:srgbClr val="000000"/>
+                </a:solidFill>
+                <a:latin typeface="Consolas" panose="020B0609020204030204" pitchFamily="49" charset="0"/>
+              </a:rPr>
+              <a:t> </a:t>
+            </a:r>
+            <a:r>
+              <a:rPr lang="en" altLang="ko-Kore-KR" dirty="0" err="1">
+                <a:solidFill>
+                  <a:srgbClr val="4864AA"/>
+                </a:solidFill>
+                <a:latin typeface="Consolas" panose="020B0609020204030204" pitchFamily="49" charset="0"/>
+              </a:rPr>
+              <a:t>eax</a:t>
+            </a:r>
+            <a:r>
+              <a:rPr lang="en" altLang="ko-Kore-KR" dirty="0">
+                <a:solidFill>
+                  <a:srgbClr val="000000"/>
+                </a:solidFill>
+                <a:latin typeface="Consolas" panose="020B0609020204030204" pitchFamily="49" charset="0"/>
+              </a:rPr>
+              <a:t>, </a:t>
+            </a:r>
+            <a:r>
+              <a:rPr lang="en" altLang="ko-Kore-KR" dirty="0">
+                <a:solidFill>
+                  <a:srgbClr val="808080"/>
+                </a:solidFill>
+                <a:latin typeface="Consolas" panose="020B0609020204030204" pitchFamily="49" charset="0"/>
+              </a:rPr>
+              <a:t>DWORD</a:t>
+            </a:r>
+            <a:r>
+              <a:rPr lang="en" altLang="ko-Kore-KR" dirty="0">
+                <a:solidFill>
+                  <a:srgbClr val="000000"/>
+                </a:solidFill>
+                <a:latin typeface="Consolas" panose="020B0609020204030204" pitchFamily="49" charset="0"/>
+              </a:rPr>
+              <a:t> </a:t>
+            </a:r>
+            <a:r>
+              <a:rPr lang="en" altLang="ko-Kore-KR" dirty="0">
+                <a:solidFill>
+                  <a:srgbClr val="808080"/>
+                </a:solidFill>
+                <a:latin typeface="Consolas" panose="020B0609020204030204" pitchFamily="49" charset="0"/>
+              </a:rPr>
+              <a:t>PTR</a:t>
+            </a:r>
+            <a:r>
+              <a:rPr lang="en" altLang="ko-Kore-KR" dirty="0">
+                <a:solidFill>
+                  <a:srgbClr val="000000"/>
+                </a:solidFill>
+                <a:latin typeface="Consolas" panose="020B0609020204030204" pitchFamily="49" charset="0"/>
+              </a:rPr>
+              <a:t> </a:t>
+            </a:r>
+            <a:r>
+              <a:rPr lang="en" altLang="ko-Kore-KR" dirty="0">
+                <a:solidFill>
+                  <a:srgbClr val="008080"/>
+                </a:solidFill>
+                <a:latin typeface="Consolas" panose="020B0609020204030204" pitchFamily="49" charset="0"/>
+              </a:rPr>
+              <a:t>_a$</a:t>
+            </a:r>
+            <a:r>
+              <a:rPr lang="en" altLang="ko-Kore-KR" dirty="0">
+                <a:solidFill>
+                  <a:srgbClr val="000000"/>
+                </a:solidFill>
+                <a:latin typeface="Consolas" panose="020B0609020204030204" pitchFamily="49" charset="0"/>
+              </a:rPr>
+              <a:t>[</a:t>
+            </a:r>
+            <a:r>
+              <a:rPr lang="en" altLang="ko-Kore-KR" dirty="0" err="1">
+                <a:solidFill>
+                  <a:srgbClr val="4864AA"/>
+                </a:solidFill>
+                <a:latin typeface="Consolas" panose="020B0609020204030204" pitchFamily="49" charset="0"/>
+              </a:rPr>
+              <a:t>ebp</a:t>
+            </a:r>
+            <a:r>
+              <a:rPr lang="en" altLang="ko-Kore-KR" dirty="0">
+                <a:solidFill>
+                  <a:srgbClr val="000000"/>
+                </a:solidFill>
+                <a:latin typeface="Consolas" panose="020B0609020204030204" pitchFamily="49" charset="0"/>
+              </a:rPr>
+              <a:t>] </a:t>
+            </a:r>
+          </a:p>
+          <a:p>
+            <a:r>
+              <a:rPr lang="en" altLang="ko-Kore-KR" dirty="0">
+                <a:solidFill>
+                  <a:srgbClr val="0000FF"/>
+                </a:solidFill>
+                <a:latin typeface="Consolas" panose="020B0609020204030204" pitchFamily="49" charset="0"/>
+              </a:rPr>
+              <a:t>add</a:t>
+            </a:r>
+            <a:r>
+              <a:rPr lang="en" altLang="ko-Kore-KR" dirty="0">
+                <a:solidFill>
+                  <a:srgbClr val="000000"/>
+                </a:solidFill>
+                <a:latin typeface="Consolas" panose="020B0609020204030204" pitchFamily="49" charset="0"/>
+              </a:rPr>
+              <a:t> </a:t>
+            </a:r>
+            <a:r>
+              <a:rPr lang="en" altLang="ko-Kore-KR" dirty="0" err="1">
+                <a:solidFill>
+                  <a:srgbClr val="4864AA"/>
+                </a:solidFill>
+                <a:latin typeface="Consolas" panose="020B0609020204030204" pitchFamily="49" charset="0"/>
+              </a:rPr>
+              <a:t>eax</a:t>
+            </a:r>
+            <a:r>
+              <a:rPr lang="en" altLang="ko-Kore-KR" dirty="0">
+                <a:solidFill>
+                  <a:srgbClr val="000000"/>
+                </a:solidFill>
+                <a:latin typeface="Consolas" panose="020B0609020204030204" pitchFamily="49" charset="0"/>
+              </a:rPr>
+              <a:t>, </a:t>
+            </a:r>
+            <a:r>
+              <a:rPr lang="en" altLang="ko-Kore-KR" dirty="0">
+                <a:solidFill>
+                  <a:srgbClr val="808080"/>
+                </a:solidFill>
+                <a:latin typeface="Consolas" panose="020B0609020204030204" pitchFamily="49" charset="0"/>
+              </a:rPr>
+              <a:t>DWORD</a:t>
+            </a:r>
+            <a:r>
+              <a:rPr lang="en" altLang="ko-Kore-KR" dirty="0">
+                <a:solidFill>
+                  <a:srgbClr val="000000"/>
+                </a:solidFill>
+                <a:latin typeface="Consolas" panose="020B0609020204030204" pitchFamily="49" charset="0"/>
+              </a:rPr>
+              <a:t> </a:t>
+            </a:r>
+            <a:r>
+              <a:rPr lang="en" altLang="ko-Kore-KR" dirty="0">
+                <a:solidFill>
+                  <a:srgbClr val="808080"/>
+                </a:solidFill>
+                <a:latin typeface="Consolas" panose="020B0609020204030204" pitchFamily="49" charset="0"/>
+              </a:rPr>
+              <a:t>PTR</a:t>
+            </a:r>
+            <a:r>
+              <a:rPr lang="en" altLang="ko-Kore-KR" dirty="0">
+                <a:solidFill>
+                  <a:srgbClr val="000000"/>
+                </a:solidFill>
+                <a:latin typeface="Consolas" panose="020B0609020204030204" pitchFamily="49" charset="0"/>
+              </a:rPr>
+              <a:t> </a:t>
+            </a:r>
+            <a:r>
+              <a:rPr lang="en" altLang="ko-Kore-KR" dirty="0">
+                <a:solidFill>
+                  <a:srgbClr val="008080"/>
+                </a:solidFill>
+                <a:latin typeface="Consolas" panose="020B0609020204030204" pitchFamily="49" charset="0"/>
+              </a:rPr>
+              <a:t>_b$</a:t>
+            </a:r>
+            <a:r>
+              <a:rPr lang="en" altLang="ko-Kore-KR" dirty="0">
+                <a:solidFill>
+                  <a:srgbClr val="000000"/>
+                </a:solidFill>
+                <a:latin typeface="Consolas" panose="020B0609020204030204" pitchFamily="49" charset="0"/>
+              </a:rPr>
+              <a:t>[</a:t>
+            </a:r>
+            <a:r>
+              <a:rPr lang="en" altLang="ko-Kore-KR" dirty="0" err="1">
+                <a:solidFill>
+                  <a:srgbClr val="4864AA"/>
+                </a:solidFill>
+                <a:latin typeface="Consolas" panose="020B0609020204030204" pitchFamily="49" charset="0"/>
+              </a:rPr>
+              <a:t>ebp</a:t>
+            </a:r>
+            <a:r>
+              <a:rPr lang="en" altLang="ko-Kore-KR" dirty="0">
+                <a:solidFill>
+                  <a:srgbClr val="000000"/>
+                </a:solidFill>
+                <a:latin typeface="Consolas" panose="020B0609020204030204" pitchFamily="49" charset="0"/>
+              </a:rPr>
+              <a:t>]</a:t>
+            </a:r>
+          </a:p>
+          <a:p>
+            <a:r>
+              <a:rPr lang="en" altLang="ko-Kore-KR" dirty="0">
+                <a:solidFill>
+                  <a:srgbClr val="0000FF"/>
+                </a:solidFill>
+                <a:latin typeface="Consolas" panose="020B0609020204030204" pitchFamily="49" charset="0"/>
+              </a:rPr>
+              <a:t>pop</a:t>
+            </a:r>
+            <a:r>
+              <a:rPr lang="en" altLang="ko-Kore-KR" dirty="0">
+                <a:solidFill>
+                  <a:srgbClr val="000000"/>
+                </a:solidFill>
+                <a:latin typeface="Consolas" panose="020B0609020204030204" pitchFamily="49" charset="0"/>
+              </a:rPr>
+              <a:t> </a:t>
+            </a:r>
+            <a:r>
+              <a:rPr lang="en" altLang="ko-Kore-KR" dirty="0" err="1">
+                <a:solidFill>
+                  <a:srgbClr val="4864AA"/>
+                </a:solidFill>
+                <a:latin typeface="Consolas" panose="020B0609020204030204" pitchFamily="49" charset="0"/>
+              </a:rPr>
+              <a:t>ebp</a:t>
+            </a:r>
+            <a:endParaRPr lang="en" altLang="ko-Kore-KR" dirty="0">
+              <a:solidFill>
+                <a:srgbClr val="000000"/>
+              </a:solidFill>
+              <a:latin typeface="Consolas" panose="020B0609020204030204" pitchFamily="49" charset="0"/>
+            </a:endParaRPr>
+          </a:p>
+          <a:p>
+            <a:r>
+              <a:rPr lang="en" altLang="ko-Kore-KR" dirty="0">
+                <a:solidFill>
+                  <a:srgbClr val="0000FF"/>
+                </a:solidFill>
+                <a:latin typeface="Consolas" panose="020B0609020204030204" pitchFamily="49" charset="0"/>
+              </a:rPr>
+              <a:t>ret</a:t>
+            </a:r>
+            <a:r>
+              <a:rPr lang="en" altLang="ko-Kore-KR" dirty="0">
+                <a:solidFill>
+                  <a:srgbClr val="000000"/>
+                </a:solidFill>
+                <a:latin typeface="Consolas" panose="020B0609020204030204" pitchFamily="49" charset="0"/>
+              </a:rPr>
+              <a:t> </a:t>
+            </a:r>
+            <a:r>
+              <a:rPr lang="en" altLang="ko-Kore-KR" dirty="0">
+                <a:solidFill>
+                  <a:srgbClr val="098658"/>
+                </a:solidFill>
+                <a:latin typeface="Consolas" panose="020B0609020204030204" pitchFamily="49" charset="0"/>
+              </a:rPr>
+              <a:t>0</a:t>
+            </a:r>
+            <a:endParaRPr lang="en" altLang="ko-Kore-KR" dirty="0">
+              <a:solidFill>
+                <a:srgbClr val="000000"/>
+              </a:solidFill>
+              <a:latin typeface="Consolas" panose="020B0609020204030204" pitchFamily="49" charset="0"/>
+            </a:endParaRPr>
+          </a:p>
+          <a:p>
+            <a:r>
+              <a:rPr lang="en" altLang="ko-Kore-KR" dirty="0">
+                <a:solidFill>
+                  <a:srgbClr val="008080"/>
+                </a:solidFill>
+                <a:latin typeface="Consolas" panose="020B0609020204030204" pitchFamily="49" charset="0"/>
+              </a:rPr>
+              <a:t>_add ENDP</a:t>
+            </a:r>
+            <a:endParaRPr lang="en" altLang="ko-Kore-KR" b="0" dirty="0">
+              <a:solidFill>
+                <a:srgbClr val="000000"/>
+              </a:solidFill>
+              <a:effectLst/>
+              <a:latin typeface="Consolas" panose="020B0609020204030204" pitchFamily="49" charset="0"/>
+            </a:endParaRPr>
+          </a:p>
+        </p:txBody>
+      </p:sp>
+      <p:grpSp>
+        <p:nvGrpSpPr>
+          <p:cNvPr id="20" name="그룹 19">
+            <a:extLst>
+              <a:ext uri="{FF2B5EF4-FFF2-40B4-BE49-F238E27FC236}">
+                <a16:creationId xmlns:a16="http://schemas.microsoft.com/office/drawing/2014/main" id="{7A7F24CA-8727-5792-9488-A40B29C78872}"/>
+              </a:ext>
+            </a:extLst>
+          </p:cNvPr>
+          <p:cNvGrpSpPr/>
+          <p:nvPr/>
+        </p:nvGrpSpPr>
+        <p:grpSpPr>
+          <a:xfrm>
+            <a:off x="6422312" y="6126814"/>
+            <a:ext cx="1147058" cy="508958"/>
+            <a:chOff x="6133636" y="3234906"/>
+            <a:chExt cx="1147058" cy="508958"/>
+          </a:xfrm>
+        </p:grpSpPr>
+        <p:sp>
+          <p:nvSpPr>
+            <p:cNvPr id="21" name="직사각형 20">
+              <a:extLst>
+                <a:ext uri="{FF2B5EF4-FFF2-40B4-BE49-F238E27FC236}">
+                  <a16:creationId xmlns:a16="http://schemas.microsoft.com/office/drawing/2014/main" id="{F442AC1F-8A69-8749-7E49-AA0FD255E4B8}"/>
+                </a:ext>
+              </a:extLst>
+            </p:cNvPr>
+            <p:cNvSpPr/>
+            <p:nvPr/>
+          </p:nvSpPr>
+          <p:spPr>
+            <a:xfrm>
+              <a:off x="6133636" y="3335496"/>
+              <a:ext cx="482824" cy="307777"/>
+            </a:xfrm>
+            <a:prstGeom prst="rect">
+              <a:avLst/>
+            </a:prstGeom>
+          </p:spPr>
+          <p:txBody>
+            <a:bodyPr wrap="none">
+              <a:spAutoFit/>
+            </a:bodyPr>
+            <a:lstStyle/>
+            <a:p>
+              <a:r>
+                <a:rPr lang="en-US" altLang="ko-KR" sz="1400" b="0" dirty="0" err="1">
+                  <a:solidFill>
+                    <a:srgbClr val="4864AA"/>
+                  </a:solidFill>
+                  <a:effectLst/>
+                  <a:latin typeface="Consolas" panose="020B0609020204030204" pitchFamily="49" charset="0"/>
+                </a:rPr>
+                <a:t>ebp</a:t>
+              </a:r>
+              <a:endParaRPr lang="en" altLang="ko-Kore-KR" b="0" dirty="0">
+                <a:solidFill>
+                  <a:srgbClr val="000000"/>
+                </a:solidFill>
+                <a:effectLst/>
+                <a:latin typeface="Consolas" panose="020B0609020204030204" pitchFamily="49" charset="0"/>
+              </a:endParaRPr>
+            </a:p>
+          </p:txBody>
+        </p:sp>
+        <p:sp>
+          <p:nvSpPr>
+            <p:cNvPr id="22" name="오른쪽 화살표[R] 21">
+              <a:extLst>
+                <a:ext uri="{FF2B5EF4-FFF2-40B4-BE49-F238E27FC236}">
+                  <a16:creationId xmlns:a16="http://schemas.microsoft.com/office/drawing/2014/main" id="{5FD92767-CD32-5B8F-6147-483906C848F5}"/>
+                </a:ext>
+              </a:extLst>
+            </p:cNvPr>
+            <p:cNvSpPr/>
+            <p:nvPr/>
+          </p:nvSpPr>
+          <p:spPr>
+            <a:xfrm>
+              <a:off x="6616460" y="3234906"/>
+              <a:ext cx="664234" cy="508958"/>
+            </a:xfrm>
+            <a:prstGeom prst="rightArrow">
+              <a:avLst/>
+            </a:prstGeom>
+            <a:solidFill>
+              <a:srgbClr val="FFFF00"/>
+            </a:solidFill>
+          </p:spPr>
+          <p:style>
+            <a:lnRef idx="2">
+              <a:schemeClr val="accent1">
+                <a:shade val="50000"/>
+              </a:schemeClr>
+            </a:lnRef>
+            <a:fillRef idx="1">
+              <a:schemeClr val="accent1"/>
+            </a:fillRef>
+            <a:effectRef idx="0">
+              <a:schemeClr val="accent1"/>
+            </a:effectRef>
+            <a:fontRef idx="minor">
+              <a:schemeClr val="lt1"/>
+            </a:fontRef>
+          </p:style>
+          <p:txBody>
+            <a:bodyPr rtlCol="0" anchor="ctr"/>
+            <a:lstStyle/>
+            <a:p>
+              <a:pPr algn="ctr"/>
+              <a:endParaRPr kumimoji="1" lang="ko-Kore-KR" altLang="en-US" sz="1400" dirty="0">
+                <a:solidFill>
+                  <a:schemeClr val="tx1"/>
+                </a:solidFill>
+              </a:endParaRPr>
+            </a:p>
+          </p:txBody>
+        </p:sp>
+      </p:grpSp>
+    </p:spTree>
+    <p:extLst>
+      <p:ext uri="{BB962C8B-B14F-4D97-AF65-F5344CB8AC3E}">
+        <p14:creationId xmlns:p14="http://schemas.microsoft.com/office/powerpoint/2010/main" val="209201929"/>
       </p:ext>
     </p:extLst>
   </p:cSld>

--- a/220510.pptx
+++ b/220510.pptx
@@ -11,6 +11,10 @@
     <p:sldId id="259" r:id="rId5"/>
     <p:sldId id="260" r:id="rId6"/>
     <p:sldId id="261" r:id="rId7"/>
+    <p:sldId id="262" r:id="rId8"/>
+    <p:sldId id="263" r:id="rId9"/>
+    <p:sldId id="264" r:id="rId10"/>
+    <p:sldId id="265" r:id="rId11"/>
   </p:sldIdLst>
   <p:sldSz cx="12192000" cy="6858000"/>
   <p:notesSz cx="6858000" cy="9144000"/>
@@ -4670,6 +4674,1108 @@
 </p:sld>
 </file>
 
+<file path=ppt/slides/slide10.xml><?xml version="1.0" encoding="utf-8"?>
+<p:sld xmlns:a="http://schemas.openxmlformats.org/drawingml/2006/main" xmlns:r="http://schemas.openxmlformats.org/officeDocument/2006/relationships" xmlns:p="http://schemas.openxmlformats.org/presentationml/2006/main">
+  <p:cSld>
+    <p:spTree>
+      <p:nvGrpSpPr>
+        <p:cNvPr id="1" name=""/>
+        <p:cNvGrpSpPr/>
+        <p:nvPr/>
+      </p:nvGrpSpPr>
+      <p:grpSpPr>
+        <a:xfrm>
+          <a:off x="0" y="0"/>
+          <a:ext cx="0" cy="0"/>
+          <a:chOff x="0" y="0"/>
+          <a:chExt cx="0" cy="0"/>
+        </a:xfrm>
+      </p:grpSpPr>
+      <p:sp>
+        <p:nvSpPr>
+          <p:cNvPr id="13" name="직사각형 12">
+            <a:extLst>
+              <a:ext uri="{FF2B5EF4-FFF2-40B4-BE49-F238E27FC236}">
+                <a16:creationId xmlns:a16="http://schemas.microsoft.com/office/drawing/2014/main" id="{69AF00DB-2C9D-DF5D-3211-7FD9B88E4DCC}"/>
+              </a:ext>
+            </a:extLst>
+          </p:cNvPr>
+          <p:cNvSpPr/>
+          <p:nvPr/>
+        </p:nvSpPr>
+        <p:spPr>
+          <a:xfrm>
+            <a:off x="8670133" y="289809"/>
+            <a:ext cx="3234906" cy="2005641"/>
+          </a:xfrm>
+          <a:prstGeom prst="rect">
+            <a:avLst/>
+          </a:prstGeom>
+        </p:spPr>
+        <p:style>
+          <a:lnRef idx="2">
+            <a:schemeClr val="accent4"/>
+          </a:lnRef>
+          <a:fillRef idx="1">
+            <a:schemeClr val="lt1"/>
+          </a:fillRef>
+          <a:effectRef idx="0">
+            <a:schemeClr val="accent4"/>
+          </a:effectRef>
+          <a:fontRef idx="minor">
+            <a:schemeClr val="dk1"/>
+          </a:fontRef>
+        </p:style>
+        <p:txBody>
+          <a:bodyPr rtlCol="0" anchor="ctr"/>
+          <a:lstStyle/>
+          <a:p>
+            <a:pPr algn="ctr"/>
+            <a:endParaRPr kumimoji="1" lang="ko-Kore-KR" altLang="en-US" sz="1400" dirty="0">
+              <a:solidFill>
+                <a:schemeClr val="tx1"/>
+              </a:solidFill>
+            </a:endParaRPr>
+          </a:p>
+        </p:txBody>
+      </p:sp>
+      <p:sp>
+        <p:nvSpPr>
+          <p:cNvPr id="5" name="직사각형 4">
+            <a:extLst>
+              <a:ext uri="{FF2B5EF4-FFF2-40B4-BE49-F238E27FC236}">
+                <a16:creationId xmlns:a16="http://schemas.microsoft.com/office/drawing/2014/main" id="{33BFE9EC-6B2A-7FB0-09F1-28818F8ABDB0}"/>
+              </a:ext>
+            </a:extLst>
+          </p:cNvPr>
+          <p:cNvSpPr/>
+          <p:nvPr/>
+        </p:nvSpPr>
+        <p:spPr>
+          <a:xfrm>
+            <a:off x="5245792" y="2361030"/>
+            <a:ext cx="3234906" cy="2005641"/>
+          </a:xfrm>
+          <a:prstGeom prst="rect">
+            <a:avLst/>
+          </a:prstGeom>
+        </p:spPr>
+        <p:style>
+          <a:lnRef idx="2">
+            <a:schemeClr val="accent4"/>
+          </a:lnRef>
+          <a:fillRef idx="1">
+            <a:schemeClr val="lt1"/>
+          </a:fillRef>
+          <a:effectRef idx="0">
+            <a:schemeClr val="accent4"/>
+          </a:effectRef>
+          <a:fontRef idx="minor">
+            <a:schemeClr val="dk1"/>
+          </a:fontRef>
+        </p:style>
+        <p:txBody>
+          <a:bodyPr rtlCol="0" anchor="ctr"/>
+          <a:lstStyle/>
+          <a:p>
+            <a:pPr algn="ctr"/>
+            <a:endParaRPr kumimoji="1" lang="ko-Kore-KR" altLang="en-US" sz="1400" dirty="0">
+              <a:solidFill>
+                <a:schemeClr val="tx1"/>
+              </a:solidFill>
+            </a:endParaRPr>
+          </a:p>
+        </p:txBody>
+      </p:sp>
+      <p:sp>
+        <p:nvSpPr>
+          <p:cNvPr id="6" name="직사각형 5">
+            <a:extLst>
+              <a:ext uri="{FF2B5EF4-FFF2-40B4-BE49-F238E27FC236}">
+                <a16:creationId xmlns:a16="http://schemas.microsoft.com/office/drawing/2014/main" id="{838AE3EA-344C-72A8-C901-D4AEA4E5D6EB}"/>
+              </a:ext>
+            </a:extLst>
+          </p:cNvPr>
+          <p:cNvSpPr/>
+          <p:nvPr/>
+        </p:nvSpPr>
+        <p:spPr>
+          <a:xfrm>
+            <a:off x="6563274" y="2056847"/>
+            <a:ext cx="736099" cy="369332"/>
+          </a:xfrm>
+          <a:prstGeom prst="rect">
+            <a:avLst/>
+          </a:prstGeom>
+        </p:spPr>
+        <p:txBody>
+          <a:bodyPr wrap="none">
+            <a:spAutoFit/>
+          </a:bodyPr>
+          <a:lstStyle/>
+          <a:p>
+            <a:r>
+              <a:rPr lang="en" altLang="ko-Kore-KR" dirty="0">
+                <a:solidFill>
+                  <a:srgbClr val="795E26"/>
+                </a:solidFill>
+                <a:latin typeface="DM Mono" panose="020B0509040201040103" pitchFamily="49" charset="0"/>
+              </a:rPr>
+              <a:t>main</a:t>
+            </a:r>
+            <a:endParaRPr lang="ko-Kore-KR" altLang="en-US" dirty="0"/>
+          </a:p>
+        </p:txBody>
+      </p:sp>
+      <p:sp>
+        <p:nvSpPr>
+          <p:cNvPr id="9" name="직사각형 8">
+            <a:extLst>
+              <a:ext uri="{FF2B5EF4-FFF2-40B4-BE49-F238E27FC236}">
+                <a16:creationId xmlns:a16="http://schemas.microsoft.com/office/drawing/2014/main" id="{D8E8242F-786A-D361-9CF7-05FEABB19425}"/>
+              </a:ext>
+            </a:extLst>
+          </p:cNvPr>
+          <p:cNvSpPr/>
+          <p:nvPr/>
+        </p:nvSpPr>
+        <p:spPr>
+          <a:xfrm>
+            <a:off x="5826393" y="2650561"/>
+            <a:ext cx="539902" cy="420443"/>
+          </a:xfrm>
+          <a:prstGeom prst="rect">
+            <a:avLst/>
+          </a:prstGeom>
+          <a:solidFill>
+            <a:srgbClr val="FFFF00"/>
+          </a:solidFill>
+        </p:spPr>
+        <p:style>
+          <a:lnRef idx="2">
+            <a:schemeClr val="accent1">
+              <a:shade val="50000"/>
+            </a:schemeClr>
+          </a:lnRef>
+          <a:fillRef idx="1">
+            <a:schemeClr val="accent1"/>
+          </a:fillRef>
+          <a:effectRef idx="0">
+            <a:schemeClr val="accent1"/>
+          </a:effectRef>
+          <a:fontRef idx="minor">
+            <a:schemeClr val="lt1"/>
+          </a:fontRef>
+        </p:style>
+        <p:txBody>
+          <a:bodyPr rtlCol="0" anchor="ctr"/>
+          <a:lstStyle/>
+          <a:p>
+            <a:pPr algn="ctr"/>
+            <a:r>
+              <a:rPr kumimoji="1" lang="en-US" altLang="ko-Kore-KR" sz="1400" dirty="0">
+                <a:solidFill>
+                  <a:srgbClr val="FF0000"/>
+                </a:solidFill>
+              </a:rPr>
+              <a:t>3</a:t>
+            </a:r>
+            <a:endParaRPr kumimoji="1" lang="ko-Kore-KR" altLang="en-US" sz="1400" dirty="0">
+              <a:solidFill>
+                <a:srgbClr val="FF0000"/>
+              </a:solidFill>
+            </a:endParaRPr>
+          </a:p>
+        </p:txBody>
+      </p:sp>
+      <p:sp>
+        <p:nvSpPr>
+          <p:cNvPr id="10" name="직사각형 9">
+            <a:extLst>
+              <a:ext uri="{FF2B5EF4-FFF2-40B4-BE49-F238E27FC236}">
+                <a16:creationId xmlns:a16="http://schemas.microsoft.com/office/drawing/2014/main" id="{BDB63C11-50FC-891E-637A-496636173328}"/>
+              </a:ext>
+            </a:extLst>
+          </p:cNvPr>
+          <p:cNvSpPr/>
+          <p:nvPr/>
+        </p:nvSpPr>
+        <p:spPr>
+          <a:xfrm>
+            <a:off x="5552752" y="2676116"/>
+            <a:ext cx="322524" cy="369332"/>
+          </a:xfrm>
+          <a:prstGeom prst="rect">
+            <a:avLst/>
+          </a:prstGeom>
+        </p:spPr>
+        <p:txBody>
+          <a:bodyPr wrap="none">
+            <a:spAutoFit/>
+          </a:bodyPr>
+          <a:lstStyle/>
+          <a:p>
+            <a:r>
+              <a:rPr lang="en" altLang="ko-Kore-KR" dirty="0">
+                <a:solidFill>
+                  <a:srgbClr val="001080"/>
+                </a:solidFill>
+                <a:latin typeface="DM Mono" panose="020B0509040201040103" pitchFamily="49" charset="0"/>
+              </a:rPr>
+              <a:t>n</a:t>
+            </a:r>
+            <a:endParaRPr lang="ko-Kore-KR" altLang="en-US" dirty="0"/>
+          </a:p>
+        </p:txBody>
+      </p:sp>
+      <p:sp>
+        <p:nvSpPr>
+          <p:cNvPr id="2" name="직사각형 1">
+            <a:extLst>
+              <a:ext uri="{FF2B5EF4-FFF2-40B4-BE49-F238E27FC236}">
+                <a16:creationId xmlns:a16="http://schemas.microsoft.com/office/drawing/2014/main" id="{3AF768FC-B13D-E566-6351-FB778F4E3A1A}"/>
+              </a:ext>
+            </a:extLst>
+          </p:cNvPr>
+          <p:cNvSpPr/>
+          <p:nvPr/>
+        </p:nvSpPr>
+        <p:spPr>
+          <a:xfrm>
+            <a:off x="467274" y="289809"/>
+            <a:ext cx="4105656" cy="4801314"/>
+          </a:xfrm>
+          <a:prstGeom prst="rect">
+            <a:avLst/>
+          </a:prstGeom>
+        </p:spPr>
+        <p:txBody>
+          <a:bodyPr wrap="square">
+            <a:spAutoFit/>
+          </a:bodyPr>
+          <a:lstStyle/>
+          <a:p>
+            <a:r>
+              <a:rPr lang="en" altLang="ko-Kore-KR" dirty="0">
+                <a:solidFill>
+                  <a:srgbClr val="0000FF"/>
+                </a:solidFill>
+                <a:latin typeface="DM Mono" panose="020B0509040201040103" pitchFamily="49" charset="0"/>
+              </a:rPr>
+              <a:t>void</a:t>
+            </a:r>
+            <a:r>
+              <a:rPr lang="en" altLang="ko-Kore-KR" dirty="0">
+                <a:solidFill>
+                  <a:srgbClr val="000000"/>
+                </a:solidFill>
+                <a:latin typeface="DM Mono" panose="020B0509040201040103" pitchFamily="49" charset="0"/>
+              </a:rPr>
+              <a:t> </a:t>
+            </a:r>
+            <a:r>
+              <a:rPr lang="en" altLang="ko-Kore-KR" dirty="0" err="1">
+                <a:solidFill>
+                  <a:srgbClr val="795E26"/>
+                </a:solidFill>
+                <a:latin typeface="DM Mono" panose="020B0509040201040103" pitchFamily="49" charset="0"/>
+              </a:rPr>
+              <a:t>inc</a:t>
+            </a:r>
+            <a:r>
+              <a:rPr lang="en" altLang="ko-Kore-KR" dirty="0">
+                <a:solidFill>
+                  <a:srgbClr val="000000"/>
+                </a:solidFill>
+                <a:latin typeface="DM Mono" panose="020B0509040201040103" pitchFamily="49" charset="0"/>
+              </a:rPr>
+              <a:t>(</a:t>
+            </a:r>
+            <a:r>
+              <a:rPr lang="en" altLang="ko-Kore-KR" dirty="0">
+                <a:solidFill>
+                  <a:srgbClr val="0000FF"/>
+                </a:solidFill>
+                <a:latin typeface="DM Mono" panose="020B0509040201040103" pitchFamily="49" charset="0"/>
+              </a:rPr>
+              <a:t>int</a:t>
+            </a:r>
+            <a:r>
+              <a:rPr lang="en" altLang="ko-Kore-KR" dirty="0">
+                <a:solidFill>
+                  <a:srgbClr val="000000"/>
+                </a:solidFill>
+                <a:latin typeface="DM Mono" panose="020B0509040201040103" pitchFamily="49" charset="0"/>
+              </a:rPr>
+              <a:t>* </a:t>
+            </a:r>
+            <a:r>
+              <a:rPr lang="en" altLang="ko-Kore-KR" dirty="0">
+                <a:solidFill>
+                  <a:srgbClr val="001080"/>
+                </a:solidFill>
+                <a:latin typeface="DM Mono" panose="020B0509040201040103" pitchFamily="49" charset="0"/>
+              </a:rPr>
+              <a:t>p</a:t>
+            </a:r>
+            <a:r>
+              <a:rPr lang="en" altLang="ko-Kore-KR" dirty="0">
+                <a:solidFill>
+                  <a:srgbClr val="000000"/>
+                </a:solidFill>
+                <a:latin typeface="DM Mono" panose="020B0509040201040103" pitchFamily="49" charset="0"/>
+              </a:rPr>
+              <a:t>)</a:t>
+            </a:r>
+          </a:p>
+          <a:p>
+            <a:r>
+              <a:rPr lang="en" altLang="ko-Kore-KR" dirty="0">
+                <a:solidFill>
+                  <a:srgbClr val="000000"/>
+                </a:solidFill>
+                <a:latin typeface="DM Mono" panose="020B0509040201040103" pitchFamily="49" charset="0"/>
+              </a:rPr>
+              <a:t>{</a:t>
+            </a:r>
+          </a:p>
+          <a:p>
+            <a:r>
+              <a:rPr lang="en" altLang="ko-Kore-KR" dirty="0">
+                <a:solidFill>
+                  <a:srgbClr val="000000"/>
+                </a:solidFill>
+                <a:latin typeface="DM Mono" panose="020B0509040201040103" pitchFamily="49" charset="0"/>
+              </a:rPr>
+              <a:t>  ++(*</a:t>
+            </a:r>
+            <a:r>
+              <a:rPr lang="en" altLang="ko-Kore-KR" dirty="0">
+                <a:solidFill>
+                  <a:srgbClr val="001080"/>
+                </a:solidFill>
+                <a:latin typeface="DM Mono" panose="020B0509040201040103" pitchFamily="49" charset="0"/>
+              </a:rPr>
+              <a:t>p</a:t>
+            </a:r>
+            <a:r>
+              <a:rPr lang="en" altLang="ko-Kore-KR" dirty="0">
+                <a:solidFill>
+                  <a:srgbClr val="000000"/>
+                </a:solidFill>
+                <a:latin typeface="DM Mono" panose="020B0509040201040103" pitchFamily="49" charset="0"/>
+              </a:rPr>
+              <a:t>);</a:t>
+            </a:r>
+          </a:p>
+          <a:p>
+            <a:r>
+              <a:rPr lang="en" altLang="ko-Kore-KR" dirty="0">
+                <a:solidFill>
+                  <a:srgbClr val="000000"/>
+                </a:solidFill>
+                <a:latin typeface="DM Mono" panose="020B0509040201040103" pitchFamily="49" charset="0"/>
+              </a:rPr>
+              <a:t>}</a:t>
+            </a:r>
+          </a:p>
+          <a:p>
+            <a:br>
+              <a:rPr lang="en" altLang="ko-Kore-KR" dirty="0">
+                <a:solidFill>
+                  <a:srgbClr val="000000"/>
+                </a:solidFill>
+                <a:latin typeface="DM Mono" panose="020B0509040201040103" pitchFamily="49" charset="0"/>
+              </a:rPr>
+            </a:br>
+            <a:r>
+              <a:rPr lang="en" altLang="ko-Kore-KR" dirty="0">
+                <a:solidFill>
+                  <a:srgbClr val="0000FF"/>
+                </a:solidFill>
+                <a:latin typeface="DM Mono" panose="020B0509040201040103" pitchFamily="49" charset="0"/>
+              </a:rPr>
+              <a:t>int</a:t>
+            </a:r>
+            <a:r>
+              <a:rPr lang="en" altLang="ko-Kore-KR" dirty="0">
+                <a:solidFill>
+                  <a:srgbClr val="000000"/>
+                </a:solidFill>
+                <a:latin typeface="DM Mono" panose="020B0509040201040103" pitchFamily="49" charset="0"/>
+              </a:rPr>
+              <a:t> </a:t>
+            </a:r>
+            <a:r>
+              <a:rPr lang="en" altLang="ko-Kore-KR" dirty="0">
+                <a:solidFill>
+                  <a:srgbClr val="795E26"/>
+                </a:solidFill>
+                <a:latin typeface="DM Mono" panose="020B0509040201040103" pitchFamily="49" charset="0"/>
+              </a:rPr>
+              <a:t>main</a:t>
+            </a:r>
+            <a:r>
+              <a:rPr lang="en" altLang="ko-Kore-KR" dirty="0">
+                <a:solidFill>
+                  <a:srgbClr val="000000"/>
+                </a:solidFill>
+                <a:latin typeface="DM Mono" panose="020B0509040201040103" pitchFamily="49" charset="0"/>
+              </a:rPr>
+              <a:t>(</a:t>
+            </a:r>
+            <a:r>
+              <a:rPr lang="en" altLang="ko-Kore-KR" dirty="0">
+                <a:solidFill>
+                  <a:srgbClr val="0000FF"/>
+                </a:solidFill>
+                <a:latin typeface="DM Mono" panose="020B0509040201040103" pitchFamily="49" charset="0"/>
+              </a:rPr>
+              <a:t>void</a:t>
+            </a:r>
+            <a:r>
+              <a:rPr lang="en" altLang="ko-Kore-KR" dirty="0">
+                <a:solidFill>
+                  <a:srgbClr val="000000"/>
+                </a:solidFill>
+                <a:latin typeface="DM Mono" panose="020B0509040201040103" pitchFamily="49" charset="0"/>
+              </a:rPr>
+              <a:t>)</a:t>
+            </a:r>
+          </a:p>
+          <a:p>
+            <a:r>
+              <a:rPr lang="en" altLang="ko-Kore-KR" dirty="0">
+                <a:solidFill>
+                  <a:srgbClr val="000000"/>
+                </a:solidFill>
+                <a:latin typeface="DM Mono" panose="020B0509040201040103" pitchFamily="49" charset="0"/>
+              </a:rPr>
+              <a:t>{</a:t>
+            </a:r>
+          </a:p>
+          <a:p>
+            <a:r>
+              <a:rPr lang="en" altLang="ko-Kore-KR" dirty="0">
+                <a:solidFill>
+                  <a:srgbClr val="0000FF"/>
+                </a:solidFill>
+                <a:latin typeface="DM Mono" panose="020B0509040201040103" pitchFamily="49" charset="0"/>
+              </a:rPr>
+              <a:t>  int</a:t>
+            </a:r>
+            <a:r>
+              <a:rPr lang="en" altLang="ko-Kore-KR" dirty="0">
+                <a:solidFill>
+                  <a:srgbClr val="000000"/>
+                </a:solidFill>
+                <a:latin typeface="DM Mono" panose="020B0509040201040103" pitchFamily="49" charset="0"/>
+              </a:rPr>
+              <a:t> </a:t>
+            </a:r>
+            <a:r>
+              <a:rPr lang="en" altLang="ko-Kore-KR" dirty="0">
+                <a:solidFill>
+                  <a:srgbClr val="001080"/>
+                </a:solidFill>
+                <a:latin typeface="DM Mono" panose="020B0509040201040103" pitchFamily="49" charset="0"/>
+              </a:rPr>
+              <a:t>n</a:t>
+            </a:r>
+            <a:r>
+              <a:rPr lang="en" altLang="ko-Kore-KR" dirty="0">
+                <a:solidFill>
+                  <a:srgbClr val="000000"/>
+                </a:solidFill>
+                <a:latin typeface="DM Mono" panose="020B0509040201040103" pitchFamily="49" charset="0"/>
+              </a:rPr>
+              <a:t> = </a:t>
+            </a:r>
+            <a:r>
+              <a:rPr lang="en" altLang="ko-Kore-KR" dirty="0">
+                <a:solidFill>
+                  <a:srgbClr val="098658"/>
+                </a:solidFill>
+                <a:latin typeface="DM Mono" panose="020B0509040201040103" pitchFamily="49" charset="0"/>
+              </a:rPr>
+              <a:t>0</a:t>
+            </a:r>
+            <a:r>
+              <a:rPr lang="en" altLang="ko-Kore-KR" dirty="0">
+                <a:solidFill>
+                  <a:srgbClr val="000000"/>
+                </a:solidFill>
+                <a:latin typeface="DM Mono" panose="020B0509040201040103" pitchFamily="49" charset="0"/>
+              </a:rPr>
+              <a:t>;</a:t>
+            </a:r>
+          </a:p>
+          <a:p>
+            <a:r>
+              <a:rPr lang="en" altLang="ko-Kore-KR" dirty="0">
+                <a:solidFill>
+                  <a:srgbClr val="795E26"/>
+                </a:solidFill>
+                <a:latin typeface="DM Mono" panose="020B0509040201040103" pitchFamily="49" charset="0"/>
+              </a:rPr>
+              <a:t>  </a:t>
+            </a:r>
+            <a:r>
+              <a:rPr lang="en" altLang="ko-Kore-KR" dirty="0" err="1">
+                <a:solidFill>
+                  <a:srgbClr val="795E26"/>
+                </a:solidFill>
+                <a:latin typeface="DM Mono" panose="020B0509040201040103" pitchFamily="49" charset="0"/>
+              </a:rPr>
+              <a:t>inc</a:t>
+            </a:r>
+            <a:r>
+              <a:rPr lang="en" altLang="ko-Kore-KR" dirty="0">
+                <a:solidFill>
+                  <a:srgbClr val="000000"/>
+                </a:solidFill>
+                <a:latin typeface="DM Mono" panose="020B0509040201040103" pitchFamily="49" charset="0"/>
+              </a:rPr>
+              <a:t>(&amp;</a:t>
+            </a:r>
+            <a:r>
+              <a:rPr lang="en" altLang="ko-Kore-KR" dirty="0">
+                <a:solidFill>
+                  <a:srgbClr val="001080"/>
+                </a:solidFill>
+                <a:latin typeface="DM Mono" panose="020B0509040201040103" pitchFamily="49" charset="0"/>
+              </a:rPr>
+              <a:t>n</a:t>
+            </a:r>
+            <a:r>
+              <a:rPr lang="en" altLang="ko-Kore-KR" dirty="0">
+                <a:solidFill>
+                  <a:srgbClr val="000000"/>
+                </a:solidFill>
+                <a:latin typeface="DM Mono" panose="020B0509040201040103" pitchFamily="49" charset="0"/>
+              </a:rPr>
+              <a:t>);</a:t>
+            </a:r>
+          </a:p>
+          <a:p>
+            <a:r>
+              <a:rPr lang="en" altLang="ko-Kore-KR" dirty="0">
+                <a:solidFill>
+                  <a:srgbClr val="795E26"/>
+                </a:solidFill>
+                <a:latin typeface="DM Mono" panose="020B0509040201040103" pitchFamily="49" charset="0"/>
+              </a:rPr>
+              <a:t>  </a:t>
+            </a:r>
+            <a:r>
+              <a:rPr lang="en" altLang="ko-Kore-KR" dirty="0" err="1">
+                <a:solidFill>
+                  <a:srgbClr val="795E26"/>
+                </a:solidFill>
+                <a:latin typeface="DM Mono" panose="020B0509040201040103" pitchFamily="49" charset="0"/>
+              </a:rPr>
+              <a:t>inc</a:t>
+            </a:r>
+            <a:r>
+              <a:rPr lang="en" altLang="ko-Kore-KR" dirty="0">
+                <a:solidFill>
+                  <a:srgbClr val="000000"/>
+                </a:solidFill>
+                <a:latin typeface="DM Mono" panose="020B0509040201040103" pitchFamily="49" charset="0"/>
+              </a:rPr>
+              <a:t>(&amp;</a:t>
+            </a:r>
+            <a:r>
+              <a:rPr lang="en" altLang="ko-Kore-KR" dirty="0">
+                <a:solidFill>
+                  <a:srgbClr val="001080"/>
+                </a:solidFill>
+                <a:latin typeface="DM Mono" panose="020B0509040201040103" pitchFamily="49" charset="0"/>
+              </a:rPr>
+              <a:t>n</a:t>
+            </a:r>
+            <a:r>
+              <a:rPr lang="en" altLang="ko-Kore-KR" dirty="0">
+                <a:solidFill>
+                  <a:srgbClr val="000000"/>
+                </a:solidFill>
+                <a:latin typeface="DM Mono" panose="020B0509040201040103" pitchFamily="49" charset="0"/>
+              </a:rPr>
+              <a:t>);</a:t>
+            </a:r>
+          </a:p>
+          <a:p>
+            <a:r>
+              <a:rPr lang="en" altLang="ko-Kore-KR" dirty="0">
+                <a:solidFill>
+                  <a:srgbClr val="795E26"/>
+                </a:solidFill>
+                <a:latin typeface="DM Mono" panose="020B0509040201040103" pitchFamily="49" charset="0"/>
+              </a:rPr>
+              <a:t>  </a:t>
+            </a:r>
+            <a:r>
+              <a:rPr lang="en" altLang="ko-Kore-KR" dirty="0" err="1">
+                <a:solidFill>
+                  <a:srgbClr val="795E26"/>
+                </a:solidFill>
+                <a:latin typeface="DM Mono" panose="020B0509040201040103" pitchFamily="49" charset="0"/>
+              </a:rPr>
+              <a:t>inc</a:t>
+            </a:r>
+            <a:r>
+              <a:rPr lang="en" altLang="ko-Kore-KR" dirty="0">
+                <a:solidFill>
+                  <a:srgbClr val="000000"/>
+                </a:solidFill>
+                <a:latin typeface="DM Mono" panose="020B0509040201040103" pitchFamily="49" charset="0"/>
+              </a:rPr>
+              <a:t>(&amp;</a:t>
+            </a:r>
+            <a:r>
+              <a:rPr lang="en" altLang="ko-Kore-KR" dirty="0">
+                <a:solidFill>
+                  <a:srgbClr val="001080"/>
+                </a:solidFill>
+                <a:latin typeface="DM Mono" panose="020B0509040201040103" pitchFamily="49" charset="0"/>
+              </a:rPr>
+              <a:t>n</a:t>
+            </a:r>
+            <a:r>
+              <a:rPr lang="en" altLang="ko-Kore-KR" dirty="0">
+                <a:solidFill>
+                  <a:srgbClr val="000000"/>
+                </a:solidFill>
+                <a:latin typeface="DM Mono" panose="020B0509040201040103" pitchFamily="49" charset="0"/>
+              </a:rPr>
+              <a:t>);</a:t>
+            </a:r>
+          </a:p>
+          <a:p>
+            <a:br>
+              <a:rPr lang="en" altLang="ko-Kore-KR" dirty="0">
+                <a:solidFill>
+                  <a:srgbClr val="000000"/>
+                </a:solidFill>
+                <a:latin typeface="DM Mono" panose="020B0509040201040103" pitchFamily="49" charset="0"/>
+              </a:rPr>
+            </a:br>
+            <a:r>
+              <a:rPr lang="en" altLang="ko-Kore-KR" dirty="0">
+                <a:solidFill>
+                  <a:srgbClr val="000000"/>
+                </a:solidFill>
+                <a:latin typeface="DM Mono" panose="020B0509040201040103" pitchFamily="49" charset="0"/>
+              </a:rPr>
+              <a:t>  </a:t>
+            </a:r>
+            <a:r>
+              <a:rPr lang="en" altLang="ko-Kore-KR" dirty="0" err="1">
+                <a:solidFill>
+                  <a:srgbClr val="795E26"/>
+                </a:solidFill>
+                <a:latin typeface="DM Mono" panose="020B0509040201040103" pitchFamily="49" charset="0"/>
+              </a:rPr>
+              <a:t>printf</a:t>
+            </a:r>
+            <a:r>
+              <a:rPr lang="en" altLang="ko-Kore-KR" dirty="0">
+                <a:solidFill>
+                  <a:srgbClr val="000000"/>
+                </a:solidFill>
+                <a:latin typeface="DM Mono" panose="020B0509040201040103" pitchFamily="49" charset="0"/>
+              </a:rPr>
+              <a:t>(</a:t>
+            </a:r>
+            <a:r>
+              <a:rPr lang="en" altLang="ko-Kore-KR" dirty="0">
+                <a:solidFill>
+                  <a:srgbClr val="A31515"/>
+                </a:solidFill>
+                <a:latin typeface="DM Mono" panose="020B0509040201040103" pitchFamily="49" charset="0"/>
+              </a:rPr>
+              <a:t>"</a:t>
+            </a:r>
+            <a:r>
+              <a:rPr lang="en" altLang="ko-Kore-KR" dirty="0">
+                <a:solidFill>
+                  <a:srgbClr val="001080"/>
+                </a:solidFill>
+                <a:latin typeface="DM Mono" panose="020B0509040201040103" pitchFamily="49" charset="0"/>
+              </a:rPr>
+              <a:t>%d</a:t>
+            </a:r>
+            <a:r>
+              <a:rPr lang="en" altLang="ko-Kore-KR" dirty="0">
+                <a:solidFill>
+                  <a:srgbClr val="EE0000"/>
+                </a:solidFill>
+                <a:latin typeface="DM Mono" panose="020B0509040201040103" pitchFamily="49" charset="0"/>
+              </a:rPr>
+              <a:t>\n</a:t>
+            </a:r>
+            <a:r>
+              <a:rPr lang="en" altLang="ko-Kore-KR" dirty="0">
+                <a:solidFill>
+                  <a:srgbClr val="A31515"/>
+                </a:solidFill>
+                <a:latin typeface="DM Mono" panose="020B0509040201040103" pitchFamily="49" charset="0"/>
+              </a:rPr>
+              <a:t>"</a:t>
+            </a:r>
+            <a:r>
+              <a:rPr lang="en" altLang="ko-Kore-KR" dirty="0">
+                <a:solidFill>
+                  <a:srgbClr val="000000"/>
+                </a:solidFill>
+                <a:latin typeface="DM Mono" panose="020B0509040201040103" pitchFamily="49" charset="0"/>
+              </a:rPr>
+              <a:t>, </a:t>
+            </a:r>
+            <a:r>
+              <a:rPr lang="en" altLang="ko-Kore-KR" dirty="0">
+                <a:solidFill>
+                  <a:srgbClr val="001080"/>
+                </a:solidFill>
+                <a:latin typeface="DM Mono" panose="020B0509040201040103" pitchFamily="49" charset="0"/>
+              </a:rPr>
+              <a:t>n</a:t>
+            </a:r>
+            <a:r>
+              <a:rPr lang="en" altLang="ko-Kore-KR" dirty="0">
+                <a:solidFill>
+                  <a:srgbClr val="000000"/>
+                </a:solidFill>
+                <a:latin typeface="DM Mono" panose="020B0509040201040103" pitchFamily="49" charset="0"/>
+              </a:rPr>
+              <a:t>);</a:t>
+            </a:r>
+            <a:br>
+              <a:rPr lang="en" altLang="ko-Kore-KR" dirty="0">
+                <a:solidFill>
+                  <a:srgbClr val="000000"/>
+                </a:solidFill>
+                <a:latin typeface="DM Mono" panose="020B0509040201040103" pitchFamily="49" charset="0"/>
+              </a:rPr>
+            </a:br>
+            <a:r>
+              <a:rPr lang="en" altLang="ko-Kore-KR" dirty="0">
+                <a:solidFill>
+                  <a:srgbClr val="000000"/>
+                </a:solidFill>
+                <a:latin typeface="DM Mono" panose="020B0509040201040103" pitchFamily="49" charset="0"/>
+              </a:rPr>
+              <a:t>  </a:t>
+            </a:r>
+            <a:r>
+              <a:rPr lang="en" altLang="ko-Kore-KR" dirty="0">
+                <a:solidFill>
+                  <a:srgbClr val="AF00DB"/>
+                </a:solidFill>
+                <a:latin typeface="DM Mono" panose="020B0509040201040103" pitchFamily="49" charset="0"/>
+              </a:rPr>
+              <a:t>return</a:t>
+            </a:r>
+            <a:r>
+              <a:rPr lang="en" altLang="ko-Kore-KR" dirty="0">
+                <a:solidFill>
+                  <a:srgbClr val="000000"/>
+                </a:solidFill>
+                <a:latin typeface="DM Mono" panose="020B0509040201040103" pitchFamily="49" charset="0"/>
+              </a:rPr>
+              <a:t> </a:t>
+            </a:r>
+            <a:r>
+              <a:rPr lang="en" altLang="ko-Kore-KR" dirty="0">
+                <a:solidFill>
+                  <a:srgbClr val="098658"/>
+                </a:solidFill>
+                <a:latin typeface="DM Mono" panose="020B0509040201040103" pitchFamily="49" charset="0"/>
+              </a:rPr>
+              <a:t>0</a:t>
+            </a:r>
+            <a:r>
+              <a:rPr lang="en" altLang="ko-Kore-KR" dirty="0">
+                <a:solidFill>
+                  <a:srgbClr val="000000"/>
+                </a:solidFill>
+                <a:latin typeface="DM Mono" panose="020B0509040201040103" pitchFamily="49" charset="0"/>
+              </a:rPr>
+              <a:t>;</a:t>
+            </a:r>
+          </a:p>
+          <a:p>
+            <a:r>
+              <a:rPr lang="en" altLang="ko-Kore-KR" dirty="0">
+                <a:solidFill>
+                  <a:srgbClr val="000000"/>
+                </a:solidFill>
+                <a:latin typeface="DM Mono" panose="020B0509040201040103" pitchFamily="49" charset="0"/>
+              </a:rPr>
+              <a:t>}</a:t>
+            </a:r>
+          </a:p>
+          <a:p>
+            <a:br>
+              <a:rPr lang="en" altLang="ko-Kore-KR" dirty="0">
+                <a:solidFill>
+                  <a:srgbClr val="000000"/>
+                </a:solidFill>
+                <a:latin typeface="DM Mono" panose="020B0509040201040103" pitchFamily="49" charset="0"/>
+              </a:rPr>
+            </a:br>
+            <a:endParaRPr lang="en" altLang="ko-Kore-KR" b="0" dirty="0">
+              <a:solidFill>
+                <a:srgbClr val="000000"/>
+              </a:solidFill>
+              <a:effectLst/>
+              <a:latin typeface="DM Mono" panose="020B0509040201040103" pitchFamily="49" charset="0"/>
+            </a:endParaRPr>
+          </a:p>
+        </p:txBody>
+      </p:sp>
+      <p:sp>
+        <p:nvSpPr>
+          <p:cNvPr id="3" name="직사각형 2">
+            <a:extLst>
+              <a:ext uri="{FF2B5EF4-FFF2-40B4-BE49-F238E27FC236}">
+                <a16:creationId xmlns:a16="http://schemas.microsoft.com/office/drawing/2014/main" id="{4CF477BF-156E-8C48-5984-EB318C5BE5D5}"/>
+              </a:ext>
+            </a:extLst>
+          </p:cNvPr>
+          <p:cNvSpPr/>
+          <p:nvPr/>
+        </p:nvSpPr>
+        <p:spPr>
+          <a:xfrm>
+            <a:off x="5435227" y="3081097"/>
+            <a:ext cx="1701107" cy="369332"/>
+          </a:xfrm>
+          <a:prstGeom prst="rect">
+            <a:avLst/>
+          </a:prstGeom>
+        </p:spPr>
+        <p:txBody>
+          <a:bodyPr wrap="none">
+            <a:spAutoFit/>
+          </a:bodyPr>
+          <a:lstStyle/>
+          <a:p>
+            <a:r>
+              <a:rPr lang="en" altLang="ko-Kore-KR" dirty="0">
+                <a:solidFill>
+                  <a:srgbClr val="008000"/>
+                </a:solidFill>
+                <a:latin typeface="DM Mono" panose="020B0509040201040103" pitchFamily="49" charset="0"/>
+              </a:rPr>
+              <a:t>0x16f0731e8</a:t>
+            </a:r>
+            <a:endParaRPr lang="ko-Kore-KR" altLang="en-US" dirty="0"/>
+          </a:p>
+        </p:txBody>
+      </p:sp>
+      <p:sp>
+        <p:nvSpPr>
+          <p:cNvPr id="11" name="직사각형 10">
+            <a:extLst>
+              <a:ext uri="{FF2B5EF4-FFF2-40B4-BE49-F238E27FC236}">
+                <a16:creationId xmlns:a16="http://schemas.microsoft.com/office/drawing/2014/main" id="{F4EDF3B0-070E-747D-CDA1-D858847379FC}"/>
+              </a:ext>
+            </a:extLst>
+          </p:cNvPr>
+          <p:cNvSpPr/>
+          <p:nvPr/>
+        </p:nvSpPr>
+        <p:spPr>
+          <a:xfrm>
+            <a:off x="9400262" y="448919"/>
+            <a:ext cx="1885622" cy="420443"/>
+          </a:xfrm>
+          <a:prstGeom prst="rect">
+            <a:avLst/>
+          </a:prstGeom>
+          <a:solidFill>
+            <a:srgbClr val="FFFF00"/>
+          </a:solidFill>
+        </p:spPr>
+        <p:style>
+          <a:lnRef idx="2">
+            <a:schemeClr val="accent1">
+              <a:shade val="50000"/>
+            </a:schemeClr>
+          </a:lnRef>
+          <a:fillRef idx="1">
+            <a:schemeClr val="accent1"/>
+          </a:fillRef>
+          <a:effectRef idx="0">
+            <a:schemeClr val="accent1"/>
+          </a:effectRef>
+          <a:fontRef idx="minor">
+            <a:schemeClr val="lt1"/>
+          </a:fontRef>
+        </p:style>
+        <p:txBody>
+          <a:bodyPr rtlCol="0" anchor="ctr"/>
+          <a:lstStyle/>
+          <a:p>
+            <a:pPr algn="ctr"/>
+            <a:r>
+              <a:rPr lang="en" altLang="ko-Kore-KR" sz="1400" dirty="0">
+                <a:solidFill>
+                  <a:srgbClr val="008000"/>
+                </a:solidFill>
+                <a:latin typeface="DM Mono" panose="020B0509040201040103" pitchFamily="49" charset="0"/>
+              </a:rPr>
+              <a:t>0x16f0731e8</a:t>
+            </a:r>
+            <a:endParaRPr kumimoji="1" lang="ko-Kore-KR" altLang="en-US" sz="1400" dirty="0">
+              <a:solidFill>
+                <a:schemeClr val="tx1"/>
+              </a:solidFill>
+            </a:endParaRPr>
+          </a:p>
+        </p:txBody>
+      </p:sp>
+      <p:sp>
+        <p:nvSpPr>
+          <p:cNvPr id="12" name="직사각형 11">
+            <a:extLst>
+              <a:ext uri="{FF2B5EF4-FFF2-40B4-BE49-F238E27FC236}">
+                <a16:creationId xmlns:a16="http://schemas.microsoft.com/office/drawing/2014/main" id="{DB1FAD64-73EA-0D60-3681-5073CAC5475A}"/>
+              </a:ext>
+            </a:extLst>
+          </p:cNvPr>
+          <p:cNvSpPr/>
+          <p:nvPr/>
+        </p:nvSpPr>
+        <p:spPr>
+          <a:xfrm>
+            <a:off x="9077738" y="470905"/>
+            <a:ext cx="322524" cy="369332"/>
+          </a:xfrm>
+          <a:prstGeom prst="rect">
+            <a:avLst/>
+          </a:prstGeom>
+        </p:spPr>
+        <p:txBody>
+          <a:bodyPr wrap="none">
+            <a:spAutoFit/>
+          </a:bodyPr>
+          <a:lstStyle/>
+          <a:p>
+            <a:r>
+              <a:rPr lang="en" altLang="ko-Kore-KR" dirty="0">
+                <a:solidFill>
+                  <a:srgbClr val="001080"/>
+                </a:solidFill>
+                <a:latin typeface="DM Mono" panose="020B0509040201040103" pitchFamily="49" charset="0"/>
+              </a:rPr>
+              <a:t>p</a:t>
+            </a:r>
+            <a:endParaRPr lang="ko-Kore-KR" altLang="en-US" dirty="0"/>
+          </a:p>
+        </p:txBody>
+      </p:sp>
+      <p:cxnSp>
+        <p:nvCxnSpPr>
+          <p:cNvPr id="8" name="구부러진 연결선[U] 7">
+            <a:extLst>
+              <a:ext uri="{FF2B5EF4-FFF2-40B4-BE49-F238E27FC236}">
+                <a16:creationId xmlns:a16="http://schemas.microsoft.com/office/drawing/2014/main" id="{AF3D22D0-9A84-2CBF-E52F-076894A7670E}"/>
+              </a:ext>
+            </a:extLst>
+          </p:cNvPr>
+          <p:cNvCxnSpPr>
+            <a:cxnSpLocks/>
+            <a:stCxn id="11" idx="0"/>
+            <a:endCxn id="9" idx="2"/>
+          </p:cNvCxnSpPr>
+          <p:nvPr/>
+        </p:nvCxnSpPr>
+        <p:spPr>
+          <a:xfrm rot="16200000" flipH="1" flipV="1">
+            <a:off x="6908666" y="-363404"/>
+            <a:ext cx="2622085" cy="4246729"/>
+          </a:xfrm>
+          <a:prstGeom prst="curvedConnector5">
+            <a:avLst>
+              <a:gd name="adj1" fmla="val -8718"/>
+              <a:gd name="adj2" fmla="val 57922"/>
+              <a:gd name="adj3" fmla="val 108718"/>
+            </a:avLst>
+          </a:prstGeom>
+          <a:ln>
+            <a:tailEnd type="triangle"/>
+          </a:ln>
+        </p:spPr>
+        <p:style>
+          <a:lnRef idx="1">
+            <a:schemeClr val="accent1"/>
+          </a:lnRef>
+          <a:fillRef idx="0">
+            <a:schemeClr val="accent1"/>
+          </a:fillRef>
+          <a:effectRef idx="0">
+            <a:schemeClr val="accent1"/>
+          </a:effectRef>
+          <a:fontRef idx="minor">
+            <a:schemeClr val="tx1"/>
+          </a:fontRef>
+        </p:style>
+      </p:cxnSp>
+      <p:sp>
+        <p:nvSpPr>
+          <p:cNvPr id="14" name="직사각형 13">
+            <a:extLst>
+              <a:ext uri="{FF2B5EF4-FFF2-40B4-BE49-F238E27FC236}">
+                <a16:creationId xmlns:a16="http://schemas.microsoft.com/office/drawing/2014/main" id="{C2946B9E-6903-52BE-54D7-7F74F5738AFF}"/>
+              </a:ext>
+            </a:extLst>
+          </p:cNvPr>
+          <p:cNvSpPr/>
+          <p:nvPr/>
+        </p:nvSpPr>
+        <p:spPr>
+          <a:xfrm>
+            <a:off x="9881569" y="-63954"/>
+            <a:ext cx="598241" cy="369332"/>
+          </a:xfrm>
+          <a:prstGeom prst="rect">
+            <a:avLst/>
+          </a:prstGeom>
+        </p:spPr>
+        <p:txBody>
+          <a:bodyPr wrap="none">
+            <a:spAutoFit/>
+          </a:bodyPr>
+          <a:lstStyle/>
+          <a:p>
+            <a:r>
+              <a:rPr lang="en" altLang="ko-Kore-KR" dirty="0" err="1">
+                <a:solidFill>
+                  <a:srgbClr val="795E26"/>
+                </a:solidFill>
+                <a:latin typeface="DM Mono" panose="020B0509040201040103" pitchFamily="49" charset="0"/>
+              </a:rPr>
+              <a:t>inc</a:t>
+            </a:r>
+            <a:endParaRPr lang="ko-Kore-KR" altLang="en-US" dirty="0"/>
+          </a:p>
+        </p:txBody>
+      </p:sp>
+    </p:spTree>
+    <p:extLst>
+      <p:ext uri="{BB962C8B-B14F-4D97-AF65-F5344CB8AC3E}">
+        <p14:creationId xmlns:p14="http://schemas.microsoft.com/office/powerpoint/2010/main" val="2234692912"/>
+      </p:ext>
+    </p:extLst>
+  </p:cSld>
+  <p:clrMapOvr>
+    <a:masterClrMapping/>
+  </p:clrMapOvr>
+</p:sld>
+</file>
+
 <file path=ppt/slides/slide2.xml><?xml version="1.0" encoding="utf-8"?>
 <p:sld xmlns:a="http://schemas.openxmlformats.org/drawingml/2006/main" xmlns:r="http://schemas.openxmlformats.org/officeDocument/2006/relationships" xmlns:p="http://schemas.openxmlformats.org/presentationml/2006/main">
   <p:cSld>
@@ -13095,6 +14201,2544 @@
     <p:extLst>
       <p:ext uri="{BB962C8B-B14F-4D97-AF65-F5344CB8AC3E}">
         <p14:creationId xmlns:p14="http://schemas.microsoft.com/office/powerpoint/2010/main" val="209201929"/>
+      </p:ext>
+    </p:extLst>
+  </p:cSld>
+  <p:clrMapOvr>
+    <a:masterClrMapping/>
+  </p:clrMapOvr>
+</p:sld>
+</file>
+
+<file path=ppt/slides/slide7.xml><?xml version="1.0" encoding="utf-8"?>
+<p:sld xmlns:a="http://schemas.openxmlformats.org/drawingml/2006/main" xmlns:r="http://schemas.openxmlformats.org/officeDocument/2006/relationships" xmlns:p="http://schemas.openxmlformats.org/presentationml/2006/main">
+  <p:cSld>
+    <p:spTree>
+      <p:nvGrpSpPr>
+        <p:cNvPr id="1" name=""/>
+        <p:cNvGrpSpPr/>
+        <p:nvPr/>
+      </p:nvGrpSpPr>
+      <p:grpSpPr>
+        <a:xfrm>
+          <a:off x="0" y="0"/>
+          <a:ext cx="0" cy="0"/>
+          <a:chOff x="0" y="0"/>
+          <a:chExt cx="0" cy="0"/>
+        </a:xfrm>
+      </p:grpSpPr>
+      <p:sp>
+        <p:nvSpPr>
+          <p:cNvPr id="4" name="직사각형 3">
+            <a:extLst>
+              <a:ext uri="{FF2B5EF4-FFF2-40B4-BE49-F238E27FC236}">
+                <a16:creationId xmlns:a16="http://schemas.microsoft.com/office/drawing/2014/main" id="{9A4934B8-1414-0461-3F41-4059C994D8C4}"/>
+              </a:ext>
+            </a:extLst>
+          </p:cNvPr>
+          <p:cNvSpPr/>
+          <p:nvPr/>
+        </p:nvSpPr>
+        <p:spPr>
+          <a:xfrm>
+            <a:off x="503207" y="243817"/>
+            <a:ext cx="6096000" cy="4524315"/>
+          </a:xfrm>
+          <a:prstGeom prst="rect">
+            <a:avLst/>
+          </a:prstGeom>
+        </p:spPr>
+        <p:txBody>
+          <a:bodyPr>
+            <a:spAutoFit/>
+          </a:bodyPr>
+          <a:lstStyle/>
+          <a:p>
+            <a:r>
+              <a:rPr lang="en" altLang="ko-Kore-KR" dirty="0">
+                <a:solidFill>
+                  <a:srgbClr val="0000FF"/>
+                </a:solidFill>
+                <a:latin typeface="DM Mono" panose="020B0509040201040103" pitchFamily="49" charset="0"/>
+              </a:rPr>
+              <a:t>void</a:t>
+            </a:r>
+            <a:r>
+              <a:rPr lang="en" altLang="ko-Kore-KR" dirty="0">
+                <a:solidFill>
+                  <a:srgbClr val="000000"/>
+                </a:solidFill>
+                <a:latin typeface="DM Mono" panose="020B0509040201040103" pitchFamily="49" charset="0"/>
+              </a:rPr>
+              <a:t> </a:t>
+            </a:r>
+            <a:r>
+              <a:rPr lang="en" altLang="ko-Kore-KR" dirty="0" err="1">
+                <a:solidFill>
+                  <a:srgbClr val="795E26"/>
+                </a:solidFill>
+                <a:latin typeface="DM Mono" panose="020B0509040201040103" pitchFamily="49" charset="0"/>
+              </a:rPr>
+              <a:t>inc</a:t>
+            </a:r>
+            <a:r>
+              <a:rPr lang="en" altLang="ko-Kore-KR" dirty="0">
+                <a:solidFill>
+                  <a:srgbClr val="000000"/>
+                </a:solidFill>
+                <a:latin typeface="DM Mono" panose="020B0509040201040103" pitchFamily="49" charset="0"/>
+              </a:rPr>
+              <a:t>(</a:t>
+            </a:r>
+            <a:r>
+              <a:rPr lang="en" altLang="ko-Kore-KR" dirty="0">
+                <a:solidFill>
+                  <a:srgbClr val="0000FF"/>
+                </a:solidFill>
+                <a:latin typeface="DM Mono" panose="020B0509040201040103" pitchFamily="49" charset="0"/>
+              </a:rPr>
+              <a:t>int</a:t>
+            </a:r>
+            <a:r>
+              <a:rPr lang="en" altLang="ko-Kore-KR" dirty="0">
+                <a:solidFill>
+                  <a:srgbClr val="000000"/>
+                </a:solidFill>
+                <a:latin typeface="DM Mono" panose="020B0509040201040103" pitchFamily="49" charset="0"/>
+              </a:rPr>
+              <a:t> </a:t>
+            </a:r>
+            <a:r>
+              <a:rPr lang="en" altLang="ko-Kore-KR" dirty="0">
+                <a:solidFill>
+                  <a:srgbClr val="001080"/>
+                </a:solidFill>
+                <a:latin typeface="DM Mono" panose="020B0509040201040103" pitchFamily="49" charset="0"/>
+              </a:rPr>
+              <a:t>n</a:t>
+            </a:r>
+            <a:r>
+              <a:rPr lang="en" altLang="ko-Kore-KR" dirty="0">
+                <a:solidFill>
+                  <a:srgbClr val="000000"/>
+                </a:solidFill>
+                <a:latin typeface="DM Mono" panose="020B0509040201040103" pitchFamily="49" charset="0"/>
+              </a:rPr>
+              <a:t>)</a:t>
+            </a:r>
+          </a:p>
+          <a:p>
+            <a:r>
+              <a:rPr lang="en" altLang="ko-Kore-KR" dirty="0">
+                <a:solidFill>
+                  <a:srgbClr val="000000"/>
+                </a:solidFill>
+                <a:latin typeface="DM Mono" panose="020B0509040201040103" pitchFamily="49" charset="0"/>
+              </a:rPr>
+              <a:t>{</a:t>
+            </a:r>
+          </a:p>
+          <a:p>
+            <a:r>
+              <a:rPr lang="ko-KR" altLang="en-US" dirty="0">
+                <a:solidFill>
+                  <a:srgbClr val="000000"/>
+                </a:solidFill>
+                <a:latin typeface="DM Mono" panose="020B0509040201040103" pitchFamily="49" charset="0"/>
+              </a:rPr>
+              <a:t>  </a:t>
+            </a:r>
+            <a:r>
+              <a:rPr lang="en" altLang="ko-Kore-KR" dirty="0">
+                <a:solidFill>
+                  <a:srgbClr val="000000"/>
+                </a:solidFill>
+                <a:latin typeface="DM Mono" panose="020B0509040201040103" pitchFamily="49" charset="0"/>
+              </a:rPr>
+              <a:t>++</a:t>
+            </a:r>
+            <a:r>
+              <a:rPr lang="en" altLang="ko-Kore-KR" dirty="0">
+                <a:solidFill>
+                  <a:srgbClr val="001080"/>
+                </a:solidFill>
+                <a:latin typeface="DM Mono" panose="020B0509040201040103" pitchFamily="49" charset="0"/>
+              </a:rPr>
+              <a:t>n</a:t>
+            </a:r>
+            <a:r>
+              <a:rPr lang="en" altLang="ko-Kore-KR" dirty="0">
+                <a:solidFill>
+                  <a:srgbClr val="000000"/>
+                </a:solidFill>
+                <a:latin typeface="DM Mono" panose="020B0509040201040103" pitchFamily="49" charset="0"/>
+              </a:rPr>
+              <a:t>;</a:t>
+            </a:r>
+          </a:p>
+          <a:p>
+            <a:r>
+              <a:rPr lang="en" altLang="ko-Kore-KR" dirty="0">
+                <a:solidFill>
+                  <a:srgbClr val="000000"/>
+                </a:solidFill>
+                <a:latin typeface="DM Mono" panose="020B0509040201040103" pitchFamily="49" charset="0"/>
+              </a:rPr>
+              <a:t>}</a:t>
+            </a:r>
+          </a:p>
+          <a:p>
+            <a:br>
+              <a:rPr lang="en" altLang="ko-Kore-KR" dirty="0">
+                <a:solidFill>
+                  <a:srgbClr val="000000"/>
+                </a:solidFill>
+                <a:latin typeface="DM Mono" panose="020B0509040201040103" pitchFamily="49" charset="0"/>
+              </a:rPr>
+            </a:br>
+            <a:r>
+              <a:rPr lang="en" altLang="ko-Kore-KR" dirty="0">
+                <a:solidFill>
+                  <a:srgbClr val="0000FF"/>
+                </a:solidFill>
+                <a:latin typeface="DM Mono" panose="020B0509040201040103" pitchFamily="49" charset="0"/>
+              </a:rPr>
+              <a:t>int</a:t>
+            </a:r>
+            <a:r>
+              <a:rPr lang="en" altLang="ko-Kore-KR" dirty="0">
+                <a:solidFill>
+                  <a:srgbClr val="000000"/>
+                </a:solidFill>
+                <a:latin typeface="DM Mono" panose="020B0509040201040103" pitchFamily="49" charset="0"/>
+              </a:rPr>
+              <a:t> </a:t>
+            </a:r>
+            <a:r>
+              <a:rPr lang="en" altLang="ko-Kore-KR" dirty="0">
+                <a:solidFill>
+                  <a:srgbClr val="795E26"/>
+                </a:solidFill>
+                <a:latin typeface="DM Mono" panose="020B0509040201040103" pitchFamily="49" charset="0"/>
+              </a:rPr>
+              <a:t>main</a:t>
+            </a:r>
+            <a:r>
+              <a:rPr lang="en" altLang="ko-Kore-KR" dirty="0">
+                <a:solidFill>
+                  <a:srgbClr val="000000"/>
+                </a:solidFill>
+                <a:latin typeface="DM Mono" panose="020B0509040201040103" pitchFamily="49" charset="0"/>
+              </a:rPr>
+              <a:t>(</a:t>
+            </a:r>
+            <a:r>
+              <a:rPr lang="en" altLang="ko-Kore-KR" dirty="0">
+                <a:solidFill>
+                  <a:srgbClr val="0000FF"/>
+                </a:solidFill>
+                <a:latin typeface="DM Mono" panose="020B0509040201040103" pitchFamily="49" charset="0"/>
+              </a:rPr>
+              <a:t>void</a:t>
+            </a:r>
+            <a:r>
+              <a:rPr lang="en" altLang="ko-Kore-KR" dirty="0">
+                <a:solidFill>
+                  <a:srgbClr val="000000"/>
+                </a:solidFill>
+                <a:latin typeface="DM Mono" panose="020B0509040201040103" pitchFamily="49" charset="0"/>
+              </a:rPr>
+              <a:t>)</a:t>
+            </a:r>
+          </a:p>
+          <a:p>
+            <a:r>
+              <a:rPr lang="en" altLang="ko-Kore-KR" dirty="0">
+                <a:solidFill>
+                  <a:srgbClr val="000000"/>
+                </a:solidFill>
+                <a:latin typeface="DM Mono" panose="020B0509040201040103" pitchFamily="49" charset="0"/>
+              </a:rPr>
+              <a:t>{</a:t>
+            </a:r>
+          </a:p>
+          <a:p>
+            <a:r>
+              <a:rPr lang="ko-KR" altLang="en-US" dirty="0">
+                <a:solidFill>
+                  <a:srgbClr val="0000FF"/>
+                </a:solidFill>
+                <a:latin typeface="DM Mono" panose="020B0509040201040103" pitchFamily="49" charset="0"/>
+              </a:rPr>
+              <a:t>  </a:t>
+            </a:r>
+            <a:r>
+              <a:rPr lang="en" altLang="ko-Kore-KR" dirty="0">
+                <a:solidFill>
+                  <a:srgbClr val="0000FF"/>
+                </a:solidFill>
+                <a:latin typeface="DM Mono" panose="020B0509040201040103" pitchFamily="49" charset="0"/>
+              </a:rPr>
+              <a:t>int</a:t>
+            </a:r>
+            <a:r>
+              <a:rPr lang="en" altLang="ko-Kore-KR" dirty="0">
+                <a:solidFill>
+                  <a:srgbClr val="000000"/>
+                </a:solidFill>
+                <a:latin typeface="DM Mono" panose="020B0509040201040103" pitchFamily="49" charset="0"/>
+              </a:rPr>
+              <a:t> </a:t>
+            </a:r>
+            <a:r>
+              <a:rPr lang="en" altLang="ko-Kore-KR" dirty="0">
+                <a:solidFill>
+                  <a:srgbClr val="001080"/>
+                </a:solidFill>
+                <a:latin typeface="DM Mono" panose="020B0509040201040103" pitchFamily="49" charset="0"/>
+              </a:rPr>
+              <a:t>n</a:t>
+            </a:r>
+            <a:r>
+              <a:rPr lang="en" altLang="ko-Kore-KR" dirty="0">
+                <a:solidFill>
+                  <a:srgbClr val="000000"/>
+                </a:solidFill>
+                <a:latin typeface="DM Mono" panose="020B0509040201040103" pitchFamily="49" charset="0"/>
+              </a:rPr>
+              <a:t> = </a:t>
+            </a:r>
+            <a:r>
+              <a:rPr lang="en" altLang="ko-Kore-KR" dirty="0">
+                <a:solidFill>
+                  <a:srgbClr val="098658"/>
+                </a:solidFill>
+                <a:latin typeface="DM Mono" panose="020B0509040201040103" pitchFamily="49" charset="0"/>
+              </a:rPr>
+              <a:t>0</a:t>
+            </a:r>
+            <a:r>
+              <a:rPr lang="en" altLang="ko-Kore-KR" dirty="0">
+                <a:solidFill>
+                  <a:srgbClr val="000000"/>
+                </a:solidFill>
+                <a:latin typeface="DM Mono" panose="020B0509040201040103" pitchFamily="49" charset="0"/>
+              </a:rPr>
+              <a:t>;</a:t>
+            </a:r>
+          </a:p>
+          <a:p>
+            <a:r>
+              <a:rPr lang="ko-KR" altLang="en-US" dirty="0">
+                <a:solidFill>
+                  <a:srgbClr val="795E26"/>
+                </a:solidFill>
+                <a:latin typeface="DM Mono" panose="020B0509040201040103" pitchFamily="49" charset="0"/>
+              </a:rPr>
+              <a:t>  </a:t>
+            </a:r>
+            <a:r>
+              <a:rPr lang="en" altLang="ko-Kore-KR" dirty="0" err="1">
+                <a:solidFill>
+                  <a:srgbClr val="795E26"/>
+                </a:solidFill>
+                <a:latin typeface="DM Mono" panose="020B0509040201040103" pitchFamily="49" charset="0"/>
+              </a:rPr>
+              <a:t>inc</a:t>
+            </a:r>
+            <a:r>
+              <a:rPr lang="en" altLang="ko-Kore-KR" dirty="0">
+                <a:solidFill>
+                  <a:srgbClr val="000000"/>
+                </a:solidFill>
+                <a:latin typeface="DM Mono" panose="020B0509040201040103" pitchFamily="49" charset="0"/>
+              </a:rPr>
+              <a:t>(</a:t>
+            </a:r>
+            <a:r>
+              <a:rPr lang="en" altLang="ko-Kore-KR" dirty="0">
+                <a:solidFill>
+                  <a:srgbClr val="001080"/>
+                </a:solidFill>
+                <a:latin typeface="DM Mono" panose="020B0509040201040103" pitchFamily="49" charset="0"/>
+              </a:rPr>
+              <a:t>n</a:t>
+            </a:r>
+            <a:r>
+              <a:rPr lang="en" altLang="ko-Kore-KR" dirty="0">
+                <a:solidFill>
+                  <a:srgbClr val="000000"/>
+                </a:solidFill>
+                <a:latin typeface="DM Mono" panose="020B0509040201040103" pitchFamily="49" charset="0"/>
+              </a:rPr>
+              <a:t>);</a:t>
+            </a:r>
+          </a:p>
+          <a:p>
+            <a:r>
+              <a:rPr lang="ko-KR" altLang="en-US" dirty="0">
+                <a:solidFill>
+                  <a:srgbClr val="795E26"/>
+                </a:solidFill>
+                <a:latin typeface="DM Mono" panose="020B0509040201040103" pitchFamily="49" charset="0"/>
+              </a:rPr>
+              <a:t>  </a:t>
+            </a:r>
+            <a:r>
+              <a:rPr lang="en" altLang="ko-Kore-KR" dirty="0" err="1">
+                <a:solidFill>
+                  <a:srgbClr val="795E26"/>
+                </a:solidFill>
+                <a:latin typeface="DM Mono" panose="020B0509040201040103" pitchFamily="49" charset="0"/>
+              </a:rPr>
+              <a:t>inc</a:t>
+            </a:r>
+            <a:r>
+              <a:rPr lang="en" altLang="ko-Kore-KR" dirty="0">
+                <a:solidFill>
+                  <a:srgbClr val="000000"/>
+                </a:solidFill>
+                <a:latin typeface="DM Mono" panose="020B0509040201040103" pitchFamily="49" charset="0"/>
+              </a:rPr>
+              <a:t>(</a:t>
+            </a:r>
+            <a:r>
+              <a:rPr lang="en" altLang="ko-Kore-KR" dirty="0">
+                <a:solidFill>
+                  <a:srgbClr val="001080"/>
+                </a:solidFill>
+                <a:latin typeface="DM Mono" panose="020B0509040201040103" pitchFamily="49" charset="0"/>
+              </a:rPr>
+              <a:t>n</a:t>
+            </a:r>
+            <a:r>
+              <a:rPr lang="en" altLang="ko-Kore-KR" dirty="0">
+                <a:solidFill>
+                  <a:srgbClr val="000000"/>
+                </a:solidFill>
+                <a:latin typeface="DM Mono" panose="020B0509040201040103" pitchFamily="49" charset="0"/>
+              </a:rPr>
+              <a:t>);</a:t>
+            </a:r>
+          </a:p>
+          <a:p>
+            <a:r>
+              <a:rPr lang="ko-KR" altLang="en-US" dirty="0">
+                <a:solidFill>
+                  <a:srgbClr val="795E26"/>
+                </a:solidFill>
+                <a:latin typeface="DM Mono" panose="020B0509040201040103" pitchFamily="49" charset="0"/>
+              </a:rPr>
+              <a:t>  </a:t>
+            </a:r>
+            <a:r>
+              <a:rPr lang="en" altLang="ko-Kore-KR" dirty="0" err="1">
+                <a:solidFill>
+                  <a:srgbClr val="795E26"/>
+                </a:solidFill>
+                <a:latin typeface="DM Mono" panose="020B0509040201040103" pitchFamily="49" charset="0"/>
+              </a:rPr>
+              <a:t>inc</a:t>
+            </a:r>
+            <a:r>
+              <a:rPr lang="en" altLang="ko-Kore-KR" dirty="0">
+                <a:solidFill>
+                  <a:srgbClr val="000000"/>
+                </a:solidFill>
+                <a:latin typeface="DM Mono" panose="020B0509040201040103" pitchFamily="49" charset="0"/>
+              </a:rPr>
+              <a:t>(</a:t>
+            </a:r>
+            <a:r>
+              <a:rPr lang="en" altLang="ko-Kore-KR" dirty="0">
+                <a:solidFill>
+                  <a:srgbClr val="001080"/>
+                </a:solidFill>
+                <a:latin typeface="DM Mono" panose="020B0509040201040103" pitchFamily="49" charset="0"/>
+              </a:rPr>
+              <a:t>n</a:t>
+            </a:r>
+            <a:r>
+              <a:rPr lang="en" altLang="ko-Kore-KR" dirty="0">
+                <a:solidFill>
+                  <a:srgbClr val="000000"/>
+                </a:solidFill>
+                <a:latin typeface="DM Mono" panose="020B0509040201040103" pitchFamily="49" charset="0"/>
+              </a:rPr>
+              <a:t>);</a:t>
+            </a:r>
+          </a:p>
+          <a:p>
+            <a:br>
+              <a:rPr lang="en" altLang="ko-Kore-KR" dirty="0">
+                <a:solidFill>
+                  <a:srgbClr val="000000"/>
+                </a:solidFill>
+                <a:latin typeface="DM Mono" panose="020B0509040201040103" pitchFamily="49" charset="0"/>
+              </a:rPr>
+            </a:br>
+            <a:r>
+              <a:rPr lang="ko-KR" altLang="en-US" dirty="0">
+                <a:solidFill>
+                  <a:srgbClr val="000000"/>
+                </a:solidFill>
+                <a:latin typeface="DM Mono" panose="020B0509040201040103" pitchFamily="49" charset="0"/>
+              </a:rPr>
+              <a:t>  </a:t>
+            </a:r>
+            <a:r>
+              <a:rPr lang="en" altLang="ko-Kore-KR" dirty="0" err="1">
+                <a:solidFill>
+                  <a:srgbClr val="795E26"/>
+                </a:solidFill>
+                <a:latin typeface="DM Mono" panose="020B0509040201040103" pitchFamily="49" charset="0"/>
+              </a:rPr>
+              <a:t>printf</a:t>
+            </a:r>
+            <a:r>
+              <a:rPr lang="en" altLang="ko-Kore-KR" dirty="0">
+                <a:solidFill>
+                  <a:srgbClr val="000000"/>
+                </a:solidFill>
+                <a:latin typeface="DM Mono" panose="020B0509040201040103" pitchFamily="49" charset="0"/>
+              </a:rPr>
+              <a:t>(</a:t>
+            </a:r>
+            <a:r>
+              <a:rPr lang="en" altLang="ko-Kore-KR" dirty="0">
+                <a:solidFill>
+                  <a:srgbClr val="A31515"/>
+                </a:solidFill>
+                <a:latin typeface="DM Mono" panose="020B0509040201040103" pitchFamily="49" charset="0"/>
+              </a:rPr>
+              <a:t>"n: </a:t>
+            </a:r>
+            <a:r>
+              <a:rPr lang="en" altLang="ko-Kore-KR" dirty="0">
+                <a:solidFill>
+                  <a:srgbClr val="001080"/>
+                </a:solidFill>
+                <a:latin typeface="DM Mono" panose="020B0509040201040103" pitchFamily="49" charset="0"/>
+              </a:rPr>
+              <a:t>%d</a:t>
+            </a:r>
+            <a:r>
+              <a:rPr lang="en" altLang="ko-Kore-KR" dirty="0">
+                <a:solidFill>
+                  <a:srgbClr val="EE0000"/>
+                </a:solidFill>
+                <a:latin typeface="DM Mono" panose="020B0509040201040103" pitchFamily="49" charset="0"/>
+              </a:rPr>
+              <a:t>\n</a:t>
+            </a:r>
+            <a:r>
+              <a:rPr lang="en" altLang="ko-Kore-KR" dirty="0">
+                <a:solidFill>
+                  <a:srgbClr val="A31515"/>
+                </a:solidFill>
+                <a:latin typeface="DM Mono" panose="020B0509040201040103" pitchFamily="49" charset="0"/>
+              </a:rPr>
+              <a:t>"</a:t>
+            </a:r>
+            <a:r>
+              <a:rPr lang="en" altLang="ko-Kore-KR" dirty="0">
+                <a:solidFill>
+                  <a:srgbClr val="000000"/>
+                </a:solidFill>
+                <a:latin typeface="DM Mono" panose="020B0509040201040103" pitchFamily="49" charset="0"/>
+              </a:rPr>
+              <a:t>, </a:t>
+            </a:r>
+            <a:r>
+              <a:rPr lang="en" altLang="ko-Kore-KR" dirty="0">
+                <a:solidFill>
+                  <a:srgbClr val="001080"/>
+                </a:solidFill>
+                <a:latin typeface="DM Mono" panose="020B0509040201040103" pitchFamily="49" charset="0"/>
+              </a:rPr>
+              <a:t>n</a:t>
+            </a:r>
+            <a:r>
+              <a:rPr lang="en" altLang="ko-Kore-KR" dirty="0">
+                <a:solidFill>
+                  <a:srgbClr val="000000"/>
+                </a:solidFill>
+                <a:latin typeface="DM Mono" panose="020B0509040201040103" pitchFamily="49" charset="0"/>
+              </a:rPr>
+              <a:t>);</a:t>
+            </a:r>
+          </a:p>
+          <a:p>
+            <a:br>
+              <a:rPr lang="en" altLang="ko-Kore-KR" dirty="0">
+                <a:solidFill>
+                  <a:srgbClr val="000000"/>
+                </a:solidFill>
+                <a:latin typeface="DM Mono" panose="020B0509040201040103" pitchFamily="49" charset="0"/>
+              </a:rPr>
+            </a:br>
+            <a:r>
+              <a:rPr lang="ko-KR" altLang="en-US" dirty="0">
+                <a:solidFill>
+                  <a:srgbClr val="000000"/>
+                </a:solidFill>
+                <a:latin typeface="DM Mono" panose="020B0509040201040103" pitchFamily="49" charset="0"/>
+              </a:rPr>
+              <a:t>  </a:t>
+            </a:r>
+            <a:r>
+              <a:rPr lang="en" altLang="ko-Kore-KR" dirty="0">
+                <a:solidFill>
+                  <a:srgbClr val="AF00DB"/>
+                </a:solidFill>
+                <a:latin typeface="DM Mono" panose="020B0509040201040103" pitchFamily="49" charset="0"/>
+              </a:rPr>
+              <a:t>return</a:t>
+            </a:r>
+            <a:r>
+              <a:rPr lang="en" altLang="ko-Kore-KR" dirty="0">
+                <a:solidFill>
+                  <a:srgbClr val="000000"/>
+                </a:solidFill>
+                <a:latin typeface="DM Mono" panose="020B0509040201040103" pitchFamily="49" charset="0"/>
+              </a:rPr>
+              <a:t> </a:t>
+            </a:r>
+            <a:r>
+              <a:rPr lang="en" altLang="ko-Kore-KR" dirty="0">
+                <a:solidFill>
+                  <a:srgbClr val="098658"/>
+                </a:solidFill>
+                <a:latin typeface="DM Mono" panose="020B0509040201040103" pitchFamily="49" charset="0"/>
+              </a:rPr>
+              <a:t>0</a:t>
+            </a:r>
+            <a:r>
+              <a:rPr lang="en" altLang="ko-Kore-KR" dirty="0">
+                <a:solidFill>
+                  <a:srgbClr val="000000"/>
+                </a:solidFill>
+                <a:latin typeface="DM Mono" panose="020B0509040201040103" pitchFamily="49" charset="0"/>
+              </a:rPr>
+              <a:t>;</a:t>
+            </a:r>
+          </a:p>
+          <a:p>
+            <a:r>
+              <a:rPr lang="en" altLang="ko-Kore-KR" dirty="0">
+                <a:solidFill>
+                  <a:srgbClr val="000000"/>
+                </a:solidFill>
+                <a:latin typeface="DM Mono" panose="020B0509040201040103" pitchFamily="49" charset="0"/>
+              </a:rPr>
+              <a:t>}</a:t>
+            </a:r>
+            <a:endParaRPr lang="en" altLang="ko-Kore-KR" b="0" dirty="0">
+              <a:solidFill>
+                <a:srgbClr val="000000"/>
+              </a:solidFill>
+              <a:effectLst/>
+              <a:latin typeface="DM Mono" panose="020B0509040201040103" pitchFamily="49" charset="0"/>
+            </a:endParaRPr>
+          </a:p>
+        </p:txBody>
+      </p:sp>
+      <p:sp>
+        <p:nvSpPr>
+          <p:cNvPr id="5" name="직사각형 4">
+            <a:extLst>
+              <a:ext uri="{FF2B5EF4-FFF2-40B4-BE49-F238E27FC236}">
+                <a16:creationId xmlns:a16="http://schemas.microsoft.com/office/drawing/2014/main" id="{33BFE9EC-6B2A-7FB0-09F1-28818F8ABDB0}"/>
+              </a:ext>
+            </a:extLst>
+          </p:cNvPr>
+          <p:cNvSpPr/>
+          <p:nvPr/>
+        </p:nvSpPr>
+        <p:spPr>
+          <a:xfrm>
+            <a:off x="5313871" y="2426179"/>
+            <a:ext cx="3234906" cy="2005641"/>
+          </a:xfrm>
+          <a:prstGeom prst="rect">
+            <a:avLst/>
+          </a:prstGeom>
+        </p:spPr>
+        <p:style>
+          <a:lnRef idx="2">
+            <a:schemeClr val="accent4"/>
+          </a:lnRef>
+          <a:fillRef idx="1">
+            <a:schemeClr val="lt1"/>
+          </a:fillRef>
+          <a:effectRef idx="0">
+            <a:schemeClr val="accent4"/>
+          </a:effectRef>
+          <a:fontRef idx="minor">
+            <a:schemeClr val="dk1"/>
+          </a:fontRef>
+        </p:style>
+        <p:txBody>
+          <a:bodyPr rtlCol="0" anchor="ctr"/>
+          <a:lstStyle/>
+          <a:p>
+            <a:pPr algn="ctr"/>
+            <a:endParaRPr kumimoji="1" lang="ko-Kore-KR" altLang="en-US" sz="1400" dirty="0">
+              <a:solidFill>
+                <a:schemeClr val="tx1"/>
+              </a:solidFill>
+            </a:endParaRPr>
+          </a:p>
+        </p:txBody>
+      </p:sp>
+      <p:sp>
+        <p:nvSpPr>
+          <p:cNvPr id="6" name="직사각형 5">
+            <a:extLst>
+              <a:ext uri="{FF2B5EF4-FFF2-40B4-BE49-F238E27FC236}">
+                <a16:creationId xmlns:a16="http://schemas.microsoft.com/office/drawing/2014/main" id="{838AE3EA-344C-72A8-C901-D4AEA4E5D6EB}"/>
+              </a:ext>
+            </a:extLst>
+          </p:cNvPr>
+          <p:cNvSpPr/>
+          <p:nvPr/>
+        </p:nvSpPr>
+        <p:spPr>
+          <a:xfrm>
+            <a:off x="6563274" y="2056847"/>
+            <a:ext cx="736099" cy="369332"/>
+          </a:xfrm>
+          <a:prstGeom prst="rect">
+            <a:avLst/>
+          </a:prstGeom>
+        </p:spPr>
+        <p:txBody>
+          <a:bodyPr wrap="none">
+            <a:spAutoFit/>
+          </a:bodyPr>
+          <a:lstStyle/>
+          <a:p>
+            <a:r>
+              <a:rPr lang="en" altLang="ko-Kore-KR" dirty="0">
+                <a:solidFill>
+                  <a:srgbClr val="795E26"/>
+                </a:solidFill>
+                <a:latin typeface="DM Mono" panose="020B0509040201040103" pitchFamily="49" charset="0"/>
+              </a:rPr>
+              <a:t>main</a:t>
+            </a:r>
+            <a:endParaRPr lang="ko-Kore-KR" altLang="en-US" dirty="0"/>
+          </a:p>
+        </p:txBody>
+      </p:sp>
+      <p:sp>
+        <p:nvSpPr>
+          <p:cNvPr id="9" name="직사각형 8">
+            <a:extLst>
+              <a:ext uri="{FF2B5EF4-FFF2-40B4-BE49-F238E27FC236}">
+                <a16:creationId xmlns:a16="http://schemas.microsoft.com/office/drawing/2014/main" id="{D8E8242F-786A-D361-9CF7-05FEABB19425}"/>
+              </a:ext>
+            </a:extLst>
+          </p:cNvPr>
+          <p:cNvSpPr/>
+          <p:nvPr/>
+        </p:nvSpPr>
+        <p:spPr>
+          <a:xfrm>
+            <a:off x="5826393" y="2650561"/>
+            <a:ext cx="539902" cy="420443"/>
+          </a:xfrm>
+          <a:prstGeom prst="rect">
+            <a:avLst/>
+          </a:prstGeom>
+          <a:solidFill>
+            <a:srgbClr val="FFFF00"/>
+          </a:solidFill>
+        </p:spPr>
+        <p:style>
+          <a:lnRef idx="2">
+            <a:schemeClr val="accent1">
+              <a:shade val="50000"/>
+            </a:schemeClr>
+          </a:lnRef>
+          <a:fillRef idx="1">
+            <a:schemeClr val="accent1"/>
+          </a:fillRef>
+          <a:effectRef idx="0">
+            <a:schemeClr val="accent1"/>
+          </a:effectRef>
+          <a:fontRef idx="minor">
+            <a:schemeClr val="lt1"/>
+          </a:fontRef>
+        </p:style>
+        <p:txBody>
+          <a:bodyPr rtlCol="0" anchor="ctr"/>
+          <a:lstStyle/>
+          <a:p>
+            <a:pPr algn="ctr"/>
+            <a:r>
+              <a:rPr kumimoji="1" lang="en-US" altLang="ko-Kore-KR" sz="1400" dirty="0">
+                <a:solidFill>
+                  <a:schemeClr val="tx1"/>
+                </a:solidFill>
+              </a:rPr>
+              <a:t>0</a:t>
+            </a:r>
+            <a:endParaRPr kumimoji="1" lang="ko-Kore-KR" altLang="en-US" sz="1400" dirty="0">
+              <a:solidFill>
+                <a:schemeClr val="tx1"/>
+              </a:solidFill>
+            </a:endParaRPr>
+          </a:p>
+        </p:txBody>
+      </p:sp>
+      <p:sp>
+        <p:nvSpPr>
+          <p:cNvPr id="10" name="직사각형 9">
+            <a:extLst>
+              <a:ext uri="{FF2B5EF4-FFF2-40B4-BE49-F238E27FC236}">
+                <a16:creationId xmlns:a16="http://schemas.microsoft.com/office/drawing/2014/main" id="{BDB63C11-50FC-891E-637A-496636173328}"/>
+              </a:ext>
+            </a:extLst>
+          </p:cNvPr>
+          <p:cNvSpPr/>
+          <p:nvPr/>
+        </p:nvSpPr>
+        <p:spPr>
+          <a:xfrm>
+            <a:off x="5552752" y="2676116"/>
+            <a:ext cx="322524" cy="369332"/>
+          </a:xfrm>
+          <a:prstGeom prst="rect">
+            <a:avLst/>
+          </a:prstGeom>
+        </p:spPr>
+        <p:txBody>
+          <a:bodyPr wrap="none">
+            <a:spAutoFit/>
+          </a:bodyPr>
+          <a:lstStyle/>
+          <a:p>
+            <a:r>
+              <a:rPr lang="en" altLang="ko-Kore-KR" dirty="0">
+                <a:solidFill>
+                  <a:srgbClr val="001080"/>
+                </a:solidFill>
+                <a:latin typeface="DM Mono" panose="020B0509040201040103" pitchFamily="49" charset="0"/>
+              </a:rPr>
+              <a:t>n</a:t>
+            </a:r>
+            <a:endParaRPr lang="ko-Kore-KR" altLang="en-US" dirty="0"/>
+          </a:p>
+        </p:txBody>
+      </p:sp>
+    </p:spTree>
+    <p:extLst>
+      <p:ext uri="{BB962C8B-B14F-4D97-AF65-F5344CB8AC3E}">
+        <p14:creationId xmlns:p14="http://schemas.microsoft.com/office/powerpoint/2010/main" val="2194046942"/>
+      </p:ext>
+    </p:extLst>
+  </p:cSld>
+  <p:clrMapOvr>
+    <a:masterClrMapping/>
+  </p:clrMapOvr>
+</p:sld>
+</file>
+
+<file path=ppt/slides/slide8.xml><?xml version="1.0" encoding="utf-8"?>
+<p:sld xmlns:a="http://schemas.openxmlformats.org/drawingml/2006/main" xmlns:r="http://schemas.openxmlformats.org/officeDocument/2006/relationships" xmlns:p="http://schemas.openxmlformats.org/presentationml/2006/main">
+  <p:cSld>
+    <p:spTree>
+      <p:nvGrpSpPr>
+        <p:cNvPr id="1" name=""/>
+        <p:cNvGrpSpPr/>
+        <p:nvPr/>
+      </p:nvGrpSpPr>
+      <p:grpSpPr>
+        <a:xfrm>
+          <a:off x="0" y="0"/>
+          <a:ext cx="0" cy="0"/>
+          <a:chOff x="0" y="0"/>
+          <a:chExt cx="0" cy="0"/>
+        </a:xfrm>
+      </p:grpSpPr>
+      <p:sp>
+        <p:nvSpPr>
+          <p:cNvPr id="5" name="직사각형 4">
+            <a:extLst>
+              <a:ext uri="{FF2B5EF4-FFF2-40B4-BE49-F238E27FC236}">
+                <a16:creationId xmlns:a16="http://schemas.microsoft.com/office/drawing/2014/main" id="{33BFE9EC-6B2A-7FB0-09F1-28818F8ABDB0}"/>
+              </a:ext>
+            </a:extLst>
+          </p:cNvPr>
+          <p:cNvSpPr/>
+          <p:nvPr/>
+        </p:nvSpPr>
+        <p:spPr>
+          <a:xfrm>
+            <a:off x="5435227" y="2464547"/>
+            <a:ext cx="3234906" cy="2005641"/>
+          </a:xfrm>
+          <a:prstGeom prst="rect">
+            <a:avLst/>
+          </a:prstGeom>
+        </p:spPr>
+        <p:style>
+          <a:lnRef idx="2">
+            <a:schemeClr val="accent4"/>
+          </a:lnRef>
+          <a:fillRef idx="1">
+            <a:schemeClr val="lt1"/>
+          </a:fillRef>
+          <a:effectRef idx="0">
+            <a:schemeClr val="accent4"/>
+          </a:effectRef>
+          <a:fontRef idx="minor">
+            <a:schemeClr val="dk1"/>
+          </a:fontRef>
+        </p:style>
+        <p:txBody>
+          <a:bodyPr rtlCol="0" anchor="ctr"/>
+          <a:lstStyle/>
+          <a:p>
+            <a:pPr algn="ctr"/>
+            <a:endParaRPr kumimoji="1" lang="ko-Kore-KR" altLang="en-US" sz="1400" dirty="0">
+              <a:solidFill>
+                <a:schemeClr val="tx1"/>
+              </a:solidFill>
+            </a:endParaRPr>
+          </a:p>
+        </p:txBody>
+      </p:sp>
+      <p:sp>
+        <p:nvSpPr>
+          <p:cNvPr id="6" name="직사각형 5">
+            <a:extLst>
+              <a:ext uri="{FF2B5EF4-FFF2-40B4-BE49-F238E27FC236}">
+                <a16:creationId xmlns:a16="http://schemas.microsoft.com/office/drawing/2014/main" id="{838AE3EA-344C-72A8-C901-D4AEA4E5D6EB}"/>
+              </a:ext>
+            </a:extLst>
+          </p:cNvPr>
+          <p:cNvSpPr/>
+          <p:nvPr/>
+        </p:nvSpPr>
+        <p:spPr>
+          <a:xfrm>
+            <a:off x="6563274" y="2056847"/>
+            <a:ext cx="736099" cy="369332"/>
+          </a:xfrm>
+          <a:prstGeom prst="rect">
+            <a:avLst/>
+          </a:prstGeom>
+        </p:spPr>
+        <p:txBody>
+          <a:bodyPr wrap="none">
+            <a:spAutoFit/>
+          </a:bodyPr>
+          <a:lstStyle/>
+          <a:p>
+            <a:r>
+              <a:rPr lang="en" altLang="ko-Kore-KR" dirty="0">
+                <a:solidFill>
+                  <a:srgbClr val="795E26"/>
+                </a:solidFill>
+                <a:latin typeface="DM Mono" panose="020B0509040201040103" pitchFamily="49" charset="0"/>
+              </a:rPr>
+              <a:t>main</a:t>
+            </a:r>
+            <a:endParaRPr lang="ko-Kore-KR" altLang="en-US" dirty="0"/>
+          </a:p>
+        </p:txBody>
+      </p:sp>
+      <p:sp>
+        <p:nvSpPr>
+          <p:cNvPr id="9" name="직사각형 8">
+            <a:extLst>
+              <a:ext uri="{FF2B5EF4-FFF2-40B4-BE49-F238E27FC236}">
+                <a16:creationId xmlns:a16="http://schemas.microsoft.com/office/drawing/2014/main" id="{D8E8242F-786A-D361-9CF7-05FEABB19425}"/>
+              </a:ext>
+            </a:extLst>
+          </p:cNvPr>
+          <p:cNvSpPr/>
+          <p:nvPr/>
+        </p:nvSpPr>
+        <p:spPr>
+          <a:xfrm>
+            <a:off x="5826393" y="2650561"/>
+            <a:ext cx="539902" cy="420443"/>
+          </a:xfrm>
+          <a:prstGeom prst="rect">
+            <a:avLst/>
+          </a:prstGeom>
+          <a:solidFill>
+            <a:srgbClr val="FFFF00"/>
+          </a:solidFill>
+        </p:spPr>
+        <p:style>
+          <a:lnRef idx="2">
+            <a:schemeClr val="accent1">
+              <a:shade val="50000"/>
+            </a:schemeClr>
+          </a:lnRef>
+          <a:fillRef idx="1">
+            <a:schemeClr val="accent1"/>
+          </a:fillRef>
+          <a:effectRef idx="0">
+            <a:schemeClr val="accent1"/>
+          </a:effectRef>
+          <a:fontRef idx="minor">
+            <a:schemeClr val="lt1"/>
+          </a:fontRef>
+        </p:style>
+        <p:txBody>
+          <a:bodyPr rtlCol="0" anchor="ctr"/>
+          <a:lstStyle/>
+          <a:p>
+            <a:pPr algn="ctr"/>
+            <a:r>
+              <a:rPr kumimoji="1" lang="en-US" altLang="ko-Kore-KR" sz="1400" dirty="0">
+                <a:solidFill>
+                  <a:schemeClr val="tx1"/>
+                </a:solidFill>
+              </a:rPr>
+              <a:t>0</a:t>
+            </a:r>
+            <a:endParaRPr kumimoji="1" lang="ko-Kore-KR" altLang="en-US" sz="1400" dirty="0">
+              <a:solidFill>
+                <a:schemeClr val="tx1"/>
+              </a:solidFill>
+            </a:endParaRPr>
+          </a:p>
+        </p:txBody>
+      </p:sp>
+      <p:sp>
+        <p:nvSpPr>
+          <p:cNvPr id="10" name="직사각형 9">
+            <a:extLst>
+              <a:ext uri="{FF2B5EF4-FFF2-40B4-BE49-F238E27FC236}">
+                <a16:creationId xmlns:a16="http://schemas.microsoft.com/office/drawing/2014/main" id="{BDB63C11-50FC-891E-637A-496636173328}"/>
+              </a:ext>
+            </a:extLst>
+          </p:cNvPr>
+          <p:cNvSpPr/>
+          <p:nvPr/>
+        </p:nvSpPr>
+        <p:spPr>
+          <a:xfrm>
+            <a:off x="5552752" y="2676116"/>
+            <a:ext cx="322524" cy="369332"/>
+          </a:xfrm>
+          <a:prstGeom prst="rect">
+            <a:avLst/>
+          </a:prstGeom>
+        </p:spPr>
+        <p:txBody>
+          <a:bodyPr wrap="none">
+            <a:spAutoFit/>
+          </a:bodyPr>
+          <a:lstStyle/>
+          <a:p>
+            <a:r>
+              <a:rPr lang="en" altLang="ko-Kore-KR" dirty="0">
+                <a:solidFill>
+                  <a:srgbClr val="001080"/>
+                </a:solidFill>
+                <a:latin typeface="DM Mono" panose="020B0509040201040103" pitchFamily="49" charset="0"/>
+              </a:rPr>
+              <a:t>n</a:t>
+            </a:r>
+            <a:endParaRPr lang="ko-Kore-KR" altLang="en-US" dirty="0"/>
+          </a:p>
+        </p:txBody>
+      </p:sp>
+      <p:sp>
+        <p:nvSpPr>
+          <p:cNvPr id="2" name="직사각형 1">
+            <a:extLst>
+              <a:ext uri="{FF2B5EF4-FFF2-40B4-BE49-F238E27FC236}">
+                <a16:creationId xmlns:a16="http://schemas.microsoft.com/office/drawing/2014/main" id="{3AF768FC-B13D-E566-6351-FB778F4E3A1A}"/>
+              </a:ext>
+            </a:extLst>
+          </p:cNvPr>
+          <p:cNvSpPr/>
+          <p:nvPr/>
+        </p:nvSpPr>
+        <p:spPr>
+          <a:xfrm>
+            <a:off x="467274" y="289809"/>
+            <a:ext cx="6096000" cy="3139321"/>
+          </a:xfrm>
+          <a:prstGeom prst="rect">
+            <a:avLst/>
+          </a:prstGeom>
+        </p:spPr>
+        <p:txBody>
+          <a:bodyPr>
+            <a:spAutoFit/>
+          </a:bodyPr>
+          <a:lstStyle/>
+          <a:p>
+            <a:r>
+              <a:rPr lang="en" altLang="ko-Kore-KR" dirty="0">
+                <a:solidFill>
+                  <a:srgbClr val="0000FF"/>
+                </a:solidFill>
+                <a:latin typeface="DM Mono" panose="020B0509040201040103" pitchFamily="49" charset="0"/>
+              </a:rPr>
+              <a:t>int</a:t>
+            </a:r>
+            <a:r>
+              <a:rPr lang="en" altLang="ko-Kore-KR" dirty="0">
+                <a:solidFill>
+                  <a:srgbClr val="000000"/>
+                </a:solidFill>
+                <a:latin typeface="DM Mono" panose="020B0509040201040103" pitchFamily="49" charset="0"/>
+              </a:rPr>
+              <a:t> </a:t>
+            </a:r>
+            <a:r>
+              <a:rPr lang="en" altLang="ko-Kore-KR" dirty="0">
+                <a:solidFill>
+                  <a:srgbClr val="795E26"/>
+                </a:solidFill>
+                <a:latin typeface="DM Mono" panose="020B0509040201040103" pitchFamily="49" charset="0"/>
+              </a:rPr>
+              <a:t>main</a:t>
+            </a:r>
+            <a:r>
+              <a:rPr lang="en" altLang="ko-Kore-KR" dirty="0">
+                <a:solidFill>
+                  <a:srgbClr val="000000"/>
+                </a:solidFill>
+                <a:latin typeface="DM Mono" panose="020B0509040201040103" pitchFamily="49" charset="0"/>
+              </a:rPr>
+              <a:t>(</a:t>
+            </a:r>
+            <a:r>
+              <a:rPr lang="en" altLang="ko-Kore-KR" dirty="0">
+                <a:solidFill>
+                  <a:srgbClr val="0000FF"/>
+                </a:solidFill>
+                <a:latin typeface="DM Mono" panose="020B0509040201040103" pitchFamily="49" charset="0"/>
+              </a:rPr>
+              <a:t>void</a:t>
+            </a:r>
+            <a:r>
+              <a:rPr lang="en" altLang="ko-Kore-KR" dirty="0">
+                <a:solidFill>
+                  <a:srgbClr val="000000"/>
+                </a:solidFill>
+                <a:latin typeface="DM Mono" panose="020B0509040201040103" pitchFamily="49" charset="0"/>
+              </a:rPr>
+              <a:t>)</a:t>
+            </a:r>
+          </a:p>
+          <a:p>
+            <a:r>
+              <a:rPr lang="en" altLang="ko-Kore-KR" dirty="0">
+                <a:solidFill>
+                  <a:srgbClr val="000000"/>
+                </a:solidFill>
+                <a:latin typeface="DM Mono" panose="020B0509040201040103" pitchFamily="49" charset="0"/>
+              </a:rPr>
+              <a:t>{</a:t>
+            </a:r>
+          </a:p>
+          <a:p>
+            <a:r>
+              <a:rPr lang="en" altLang="ko-Kore-KR" dirty="0">
+                <a:solidFill>
+                  <a:srgbClr val="0000FF"/>
+                </a:solidFill>
+                <a:latin typeface="DM Mono" panose="020B0509040201040103" pitchFamily="49" charset="0"/>
+              </a:rPr>
+              <a:t>  int</a:t>
+            </a:r>
+            <a:r>
+              <a:rPr lang="en" altLang="ko-Kore-KR" dirty="0">
+                <a:solidFill>
+                  <a:srgbClr val="000000"/>
+                </a:solidFill>
+                <a:latin typeface="DM Mono" panose="020B0509040201040103" pitchFamily="49" charset="0"/>
+              </a:rPr>
+              <a:t> </a:t>
+            </a:r>
+            <a:r>
+              <a:rPr lang="en" altLang="ko-Kore-KR" dirty="0">
+                <a:solidFill>
+                  <a:srgbClr val="001080"/>
+                </a:solidFill>
+                <a:latin typeface="DM Mono" panose="020B0509040201040103" pitchFamily="49" charset="0"/>
+              </a:rPr>
+              <a:t>n</a:t>
+            </a:r>
+            <a:r>
+              <a:rPr lang="en" altLang="ko-Kore-KR" dirty="0">
+                <a:solidFill>
+                  <a:srgbClr val="000000"/>
+                </a:solidFill>
+                <a:latin typeface="DM Mono" panose="020B0509040201040103" pitchFamily="49" charset="0"/>
+              </a:rPr>
+              <a:t> = </a:t>
+            </a:r>
+            <a:r>
+              <a:rPr lang="en" altLang="ko-Kore-KR" dirty="0">
+                <a:solidFill>
+                  <a:srgbClr val="098658"/>
+                </a:solidFill>
+                <a:latin typeface="DM Mono" panose="020B0509040201040103" pitchFamily="49" charset="0"/>
+              </a:rPr>
+              <a:t>0</a:t>
+            </a:r>
+            <a:r>
+              <a:rPr lang="en" altLang="ko-Kore-KR" dirty="0">
+                <a:solidFill>
+                  <a:srgbClr val="000000"/>
+                </a:solidFill>
+                <a:latin typeface="DM Mono" panose="020B0509040201040103" pitchFamily="49" charset="0"/>
+              </a:rPr>
+              <a:t>;</a:t>
+            </a:r>
+          </a:p>
+          <a:p>
+            <a:br>
+              <a:rPr lang="en" altLang="ko-Kore-KR" dirty="0">
+                <a:solidFill>
+                  <a:srgbClr val="000000"/>
+                </a:solidFill>
+                <a:latin typeface="DM Mono" panose="020B0509040201040103" pitchFamily="49" charset="0"/>
+              </a:rPr>
+            </a:br>
+            <a:r>
+              <a:rPr lang="en" altLang="ko-Kore-KR" dirty="0">
+                <a:solidFill>
+                  <a:srgbClr val="000000"/>
+                </a:solidFill>
+                <a:latin typeface="DM Mono" panose="020B0509040201040103" pitchFamily="49" charset="0"/>
+              </a:rPr>
+              <a:t>  </a:t>
+            </a:r>
+            <a:r>
+              <a:rPr lang="en" altLang="ko-Kore-KR" dirty="0" err="1">
+                <a:solidFill>
+                  <a:srgbClr val="795E26"/>
+                </a:solidFill>
+                <a:latin typeface="DM Mono" panose="020B0509040201040103" pitchFamily="49" charset="0"/>
+              </a:rPr>
+              <a:t>printf</a:t>
+            </a:r>
+            <a:r>
+              <a:rPr lang="en" altLang="ko-Kore-KR" dirty="0">
+                <a:solidFill>
+                  <a:srgbClr val="000000"/>
+                </a:solidFill>
+                <a:latin typeface="DM Mono" panose="020B0509040201040103" pitchFamily="49" charset="0"/>
+              </a:rPr>
+              <a:t>(</a:t>
+            </a:r>
+            <a:r>
+              <a:rPr lang="en" altLang="ko-Kore-KR" dirty="0">
+                <a:solidFill>
+                  <a:srgbClr val="A31515"/>
+                </a:solidFill>
+                <a:latin typeface="DM Mono" panose="020B0509040201040103" pitchFamily="49" charset="0"/>
+              </a:rPr>
+              <a:t>"</a:t>
+            </a:r>
+            <a:r>
+              <a:rPr lang="en" altLang="ko-Kore-KR" dirty="0">
+                <a:solidFill>
+                  <a:srgbClr val="001080"/>
+                </a:solidFill>
+                <a:latin typeface="DM Mono" panose="020B0509040201040103" pitchFamily="49" charset="0"/>
+              </a:rPr>
+              <a:t>%p</a:t>
+            </a:r>
+            <a:r>
+              <a:rPr lang="en" altLang="ko-Kore-KR" dirty="0">
+                <a:solidFill>
+                  <a:srgbClr val="EE0000"/>
+                </a:solidFill>
+                <a:latin typeface="DM Mono" panose="020B0509040201040103" pitchFamily="49" charset="0"/>
+              </a:rPr>
+              <a:t>\n</a:t>
+            </a:r>
+            <a:r>
+              <a:rPr lang="en" altLang="ko-Kore-KR" dirty="0">
+                <a:solidFill>
+                  <a:srgbClr val="A31515"/>
+                </a:solidFill>
+                <a:latin typeface="DM Mono" panose="020B0509040201040103" pitchFamily="49" charset="0"/>
+              </a:rPr>
+              <a:t>"</a:t>
+            </a:r>
+            <a:r>
+              <a:rPr lang="en" altLang="ko-Kore-KR" dirty="0">
+                <a:solidFill>
+                  <a:srgbClr val="000000"/>
+                </a:solidFill>
+                <a:latin typeface="DM Mono" panose="020B0509040201040103" pitchFamily="49" charset="0"/>
+              </a:rPr>
+              <a:t>, &amp;</a:t>
+            </a:r>
+            <a:r>
+              <a:rPr lang="en" altLang="ko-Kore-KR" dirty="0">
+                <a:solidFill>
+                  <a:srgbClr val="001080"/>
+                </a:solidFill>
+                <a:latin typeface="DM Mono" panose="020B0509040201040103" pitchFamily="49" charset="0"/>
+              </a:rPr>
+              <a:t>n</a:t>
+            </a:r>
+            <a:r>
+              <a:rPr lang="en" altLang="ko-Kore-KR" dirty="0">
+                <a:solidFill>
+                  <a:srgbClr val="000000"/>
+                </a:solidFill>
+                <a:latin typeface="DM Mono" panose="020B0509040201040103" pitchFamily="49" charset="0"/>
+              </a:rPr>
+              <a:t>); </a:t>
+            </a:r>
+            <a:r>
+              <a:rPr lang="en" altLang="ko-Kore-KR" dirty="0">
+                <a:solidFill>
+                  <a:srgbClr val="008000"/>
+                </a:solidFill>
+                <a:latin typeface="DM Mono" panose="020B0509040201040103" pitchFamily="49" charset="0"/>
+              </a:rPr>
+              <a:t>// 0x16f0731e8</a:t>
+            </a:r>
+            <a:endParaRPr lang="en" altLang="ko-Kore-KR" dirty="0">
+              <a:solidFill>
+                <a:srgbClr val="000000"/>
+              </a:solidFill>
+              <a:latin typeface="DM Mono" panose="020B0509040201040103" pitchFamily="49" charset="0"/>
+            </a:endParaRPr>
+          </a:p>
+          <a:p>
+            <a:r>
+              <a:rPr lang="en" altLang="ko-Kore-KR" dirty="0">
+                <a:solidFill>
+                  <a:srgbClr val="000000"/>
+                </a:solidFill>
+                <a:latin typeface="DM Mono" panose="020B0509040201040103" pitchFamily="49" charset="0"/>
+              </a:rPr>
+              <a:t>  </a:t>
+            </a:r>
+            <a:r>
+              <a:rPr lang="en" altLang="ko-Kore-KR" dirty="0">
+                <a:solidFill>
+                  <a:srgbClr val="0000FF"/>
+                </a:solidFill>
+                <a:latin typeface="DM Mono" panose="020B0509040201040103" pitchFamily="49" charset="0"/>
+              </a:rPr>
+              <a:t>int</a:t>
+            </a:r>
+            <a:r>
+              <a:rPr lang="en" altLang="ko-Kore-KR" dirty="0">
+                <a:solidFill>
+                  <a:srgbClr val="000000"/>
+                </a:solidFill>
+                <a:latin typeface="DM Mono" panose="020B0509040201040103" pitchFamily="49" charset="0"/>
+              </a:rPr>
+              <a:t>* </a:t>
+            </a:r>
+            <a:r>
+              <a:rPr lang="en" altLang="ko-Kore-KR" dirty="0">
+                <a:solidFill>
+                  <a:srgbClr val="001080"/>
+                </a:solidFill>
+                <a:latin typeface="DM Mono" panose="020B0509040201040103" pitchFamily="49" charset="0"/>
+              </a:rPr>
+              <a:t>p</a:t>
+            </a:r>
+            <a:r>
+              <a:rPr lang="en" altLang="ko-Kore-KR" dirty="0">
+                <a:solidFill>
+                  <a:srgbClr val="000000"/>
+                </a:solidFill>
+                <a:latin typeface="DM Mono" panose="020B0509040201040103" pitchFamily="49" charset="0"/>
+              </a:rPr>
+              <a:t> = &amp;</a:t>
+            </a:r>
+            <a:r>
+              <a:rPr lang="en" altLang="ko-Kore-KR" dirty="0">
+                <a:solidFill>
+                  <a:srgbClr val="001080"/>
+                </a:solidFill>
+                <a:latin typeface="DM Mono" panose="020B0509040201040103" pitchFamily="49" charset="0"/>
+              </a:rPr>
+              <a:t>n</a:t>
+            </a:r>
+            <a:r>
+              <a:rPr lang="en" altLang="ko-Kore-KR" dirty="0">
+                <a:solidFill>
+                  <a:srgbClr val="000000"/>
+                </a:solidFill>
+                <a:latin typeface="DM Mono" panose="020B0509040201040103" pitchFamily="49" charset="0"/>
+              </a:rPr>
+              <a:t>;</a:t>
+            </a:r>
+          </a:p>
+          <a:p>
+            <a:br>
+              <a:rPr lang="en" altLang="ko-Kore-KR" dirty="0">
+                <a:solidFill>
+                  <a:srgbClr val="000000"/>
+                </a:solidFill>
+                <a:latin typeface="DM Mono" panose="020B0509040201040103" pitchFamily="49" charset="0"/>
+              </a:rPr>
+            </a:br>
+            <a:r>
+              <a:rPr lang="en" altLang="ko-Kore-KR" dirty="0">
+                <a:solidFill>
+                  <a:srgbClr val="000000"/>
+                </a:solidFill>
+                <a:latin typeface="DM Mono" panose="020B0509040201040103" pitchFamily="49" charset="0"/>
+              </a:rPr>
+              <a:t>  </a:t>
+            </a:r>
+            <a:r>
+              <a:rPr lang="en" altLang="ko-Kore-KR" dirty="0">
+                <a:solidFill>
+                  <a:srgbClr val="AF00DB"/>
+                </a:solidFill>
+                <a:latin typeface="DM Mono" panose="020B0509040201040103" pitchFamily="49" charset="0"/>
+              </a:rPr>
+              <a:t>return</a:t>
+            </a:r>
+            <a:r>
+              <a:rPr lang="en" altLang="ko-Kore-KR" dirty="0">
+                <a:solidFill>
+                  <a:srgbClr val="000000"/>
+                </a:solidFill>
+                <a:latin typeface="DM Mono" panose="020B0509040201040103" pitchFamily="49" charset="0"/>
+              </a:rPr>
+              <a:t> </a:t>
+            </a:r>
+            <a:r>
+              <a:rPr lang="en" altLang="ko-Kore-KR" dirty="0">
+                <a:solidFill>
+                  <a:srgbClr val="098658"/>
+                </a:solidFill>
+                <a:latin typeface="DM Mono" panose="020B0509040201040103" pitchFamily="49" charset="0"/>
+              </a:rPr>
+              <a:t>0</a:t>
+            </a:r>
+            <a:r>
+              <a:rPr lang="en" altLang="ko-Kore-KR" dirty="0">
+                <a:solidFill>
+                  <a:srgbClr val="000000"/>
+                </a:solidFill>
+                <a:latin typeface="DM Mono" panose="020B0509040201040103" pitchFamily="49" charset="0"/>
+              </a:rPr>
+              <a:t>;</a:t>
+            </a:r>
+          </a:p>
+          <a:p>
+            <a:r>
+              <a:rPr lang="en" altLang="ko-Kore-KR" dirty="0">
+                <a:solidFill>
+                  <a:srgbClr val="000000"/>
+                </a:solidFill>
+                <a:latin typeface="DM Mono" panose="020B0509040201040103" pitchFamily="49" charset="0"/>
+              </a:rPr>
+              <a:t>}</a:t>
+            </a:r>
+          </a:p>
+          <a:p>
+            <a:br>
+              <a:rPr lang="en" altLang="ko-Kore-KR" dirty="0">
+                <a:solidFill>
+                  <a:srgbClr val="000000"/>
+                </a:solidFill>
+                <a:latin typeface="DM Mono" panose="020B0509040201040103" pitchFamily="49" charset="0"/>
+              </a:rPr>
+            </a:br>
+            <a:endParaRPr lang="en" altLang="ko-Kore-KR" b="0" dirty="0">
+              <a:solidFill>
+                <a:srgbClr val="000000"/>
+              </a:solidFill>
+              <a:effectLst/>
+              <a:latin typeface="DM Mono" panose="020B0509040201040103" pitchFamily="49" charset="0"/>
+            </a:endParaRPr>
+          </a:p>
+        </p:txBody>
+      </p:sp>
+      <p:sp>
+        <p:nvSpPr>
+          <p:cNvPr id="3" name="직사각형 2">
+            <a:extLst>
+              <a:ext uri="{FF2B5EF4-FFF2-40B4-BE49-F238E27FC236}">
+                <a16:creationId xmlns:a16="http://schemas.microsoft.com/office/drawing/2014/main" id="{4CF477BF-156E-8C48-5984-EB318C5BE5D5}"/>
+              </a:ext>
+            </a:extLst>
+          </p:cNvPr>
+          <p:cNvSpPr/>
+          <p:nvPr/>
+        </p:nvSpPr>
+        <p:spPr>
+          <a:xfrm>
+            <a:off x="5435227" y="3081097"/>
+            <a:ext cx="1701107" cy="369332"/>
+          </a:xfrm>
+          <a:prstGeom prst="rect">
+            <a:avLst/>
+          </a:prstGeom>
+        </p:spPr>
+        <p:txBody>
+          <a:bodyPr wrap="none">
+            <a:spAutoFit/>
+          </a:bodyPr>
+          <a:lstStyle/>
+          <a:p>
+            <a:r>
+              <a:rPr lang="en" altLang="ko-Kore-KR" dirty="0">
+                <a:solidFill>
+                  <a:srgbClr val="008000"/>
+                </a:solidFill>
+                <a:latin typeface="DM Mono" panose="020B0509040201040103" pitchFamily="49" charset="0"/>
+              </a:rPr>
+              <a:t>0x16f0731e8</a:t>
+            </a:r>
+            <a:endParaRPr lang="ko-Kore-KR" altLang="en-US" dirty="0"/>
+          </a:p>
+        </p:txBody>
+      </p:sp>
+      <p:sp>
+        <p:nvSpPr>
+          <p:cNvPr id="11" name="직사각형 10">
+            <a:extLst>
+              <a:ext uri="{FF2B5EF4-FFF2-40B4-BE49-F238E27FC236}">
+                <a16:creationId xmlns:a16="http://schemas.microsoft.com/office/drawing/2014/main" id="{F4EDF3B0-070E-747D-CDA1-D858847379FC}"/>
+              </a:ext>
+            </a:extLst>
+          </p:cNvPr>
+          <p:cNvSpPr/>
+          <p:nvPr/>
+        </p:nvSpPr>
+        <p:spPr>
+          <a:xfrm>
+            <a:off x="6285780" y="3863733"/>
+            <a:ext cx="1885622" cy="420443"/>
+          </a:xfrm>
+          <a:prstGeom prst="rect">
+            <a:avLst/>
+          </a:prstGeom>
+          <a:solidFill>
+            <a:srgbClr val="FFFF00"/>
+          </a:solidFill>
+        </p:spPr>
+        <p:style>
+          <a:lnRef idx="2">
+            <a:schemeClr val="accent1">
+              <a:shade val="50000"/>
+            </a:schemeClr>
+          </a:lnRef>
+          <a:fillRef idx="1">
+            <a:schemeClr val="accent1"/>
+          </a:fillRef>
+          <a:effectRef idx="0">
+            <a:schemeClr val="accent1"/>
+          </a:effectRef>
+          <a:fontRef idx="minor">
+            <a:schemeClr val="lt1"/>
+          </a:fontRef>
+        </p:style>
+        <p:txBody>
+          <a:bodyPr rtlCol="0" anchor="ctr"/>
+          <a:lstStyle/>
+          <a:p>
+            <a:pPr algn="ctr"/>
+            <a:r>
+              <a:rPr lang="en" altLang="ko-Kore-KR" sz="1400" dirty="0">
+                <a:solidFill>
+                  <a:srgbClr val="008000"/>
+                </a:solidFill>
+                <a:latin typeface="DM Mono" panose="020B0509040201040103" pitchFamily="49" charset="0"/>
+              </a:rPr>
+              <a:t>0x16f0731e8</a:t>
+            </a:r>
+            <a:endParaRPr kumimoji="1" lang="ko-Kore-KR" altLang="en-US" sz="1400" dirty="0">
+              <a:solidFill>
+                <a:schemeClr val="tx1"/>
+              </a:solidFill>
+            </a:endParaRPr>
+          </a:p>
+        </p:txBody>
+      </p:sp>
+      <p:sp>
+        <p:nvSpPr>
+          <p:cNvPr id="12" name="직사각형 11">
+            <a:extLst>
+              <a:ext uri="{FF2B5EF4-FFF2-40B4-BE49-F238E27FC236}">
+                <a16:creationId xmlns:a16="http://schemas.microsoft.com/office/drawing/2014/main" id="{DB1FAD64-73EA-0D60-3681-5073CAC5475A}"/>
+              </a:ext>
+            </a:extLst>
+          </p:cNvPr>
+          <p:cNvSpPr/>
+          <p:nvPr/>
+        </p:nvSpPr>
+        <p:spPr>
+          <a:xfrm>
+            <a:off x="5963256" y="3885719"/>
+            <a:ext cx="322524" cy="369332"/>
+          </a:xfrm>
+          <a:prstGeom prst="rect">
+            <a:avLst/>
+          </a:prstGeom>
+        </p:spPr>
+        <p:txBody>
+          <a:bodyPr wrap="none">
+            <a:spAutoFit/>
+          </a:bodyPr>
+          <a:lstStyle/>
+          <a:p>
+            <a:r>
+              <a:rPr lang="en" altLang="ko-Kore-KR" dirty="0">
+                <a:solidFill>
+                  <a:srgbClr val="001080"/>
+                </a:solidFill>
+                <a:latin typeface="DM Mono" panose="020B0509040201040103" pitchFamily="49" charset="0"/>
+              </a:rPr>
+              <a:t>p</a:t>
+            </a:r>
+            <a:endParaRPr lang="ko-Kore-KR" altLang="en-US" dirty="0"/>
+          </a:p>
+        </p:txBody>
+      </p:sp>
+      <p:cxnSp>
+        <p:nvCxnSpPr>
+          <p:cNvPr id="8" name="구부러진 연결선[U] 7">
+            <a:extLst>
+              <a:ext uri="{FF2B5EF4-FFF2-40B4-BE49-F238E27FC236}">
+                <a16:creationId xmlns:a16="http://schemas.microsoft.com/office/drawing/2014/main" id="{AF3D22D0-9A84-2CBF-E52F-076894A7670E}"/>
+              </a:ext>
+            </a:extLst>
+          </p:cNvPr>
+          <p:cNvCxnSpPr>
+            <a:cxnSpLocks/>
+            <a:stCxn id="11" idx="0"/>
+            <a:endCxn id="9" idx="2"/>
+          </p:cNvCxnSpPr>
+          <p:nvPr/>
+        </p:nvCxnSpPr>
+        <p:spPr>
+          <a:xfrm rot="16200000" flipV="1">
+            <a:off x="6266104" y="2901245"/>
+            <a:ext cx="792729" cy="1132247"/>
+          </a:xfrm>
+          <a:prstGeom prst="curvedConnector3">
+            <a:avLst>
+              <a:gd name="adj1" fmla="val 20619"/>
+            </a:avLst>
+          </a:prstGeom>
+          <a:ln>
+            <a:tailEnd type="triangle"/>
+          </a:ln>
+        </p:spPr>
+        <p:style>
+          <a:lnRef idx="1">
+            <a:schemeClr val="accent1"/>
+          </a:lnRef>
+          <a:fillRef idx="0">
+            <a:schemeClr val="accent1"/>
+          </a:fillRef>
+          <a:effectRef idx="0">
+            <a:schemeClr val="accent1"/>
+          </a:effectRef>
+          <a:fontRef idx="minor">
+            <a:schemeClr val="tx1"/>
+          </a:fontRef>
+        </p:style>
+      </p:cxnSp>
+    </p:spTree>
+    <p:extLst>
+      <p:ext uri="{BB962C8B-B14F-4D97-AF65-F5344CB8AC3E}">
+        <p14:creationId xmlns:p14="http://schemas.microsoft.com/office/powerpoint/2010/main" val="1411668924"/>
+      </p:ext>
+    </p:extLst>
+  </p:cSld>
+  <p:clrMapOvr>
+    <a:masterClrMapping/>
+  </p:clrMapOvr>
+</p:sld>
+</file>
+
+<file path=ppt/slides/slide9.xml><?xml version="1.0" encoding="utf-8"?>
+<p:sld xmlns:a="http://schemas.openxmlformats.org/drawingml/2006/main" xmlns:r="http://schemas.openxmlformats.org/officeDocument/2006/relationships" xmlns:p="http://schemas.openxmlformats.org/presentationml/2006/main">
+  <p:cSld>
+    <p:spTree>
+      <p:nvGrpSpPr>
+        <p:cNvPr id="1" name=""/>
+        <p:cNvGrpSpPr/>
+        <p:nvPr/>
+      </p:nvGrpSpPr>
+      <p:grpSpPr>
+        <a:xfrm>
+          <a:off x="0" y="0"/>
+          <a:ext cx="0" cy="0"/>
+          <a:chOff x="0" y="0"/>
+          <a:chExt cx="0" cy="0"/>
+        </a:xfrm>
+      </p:grpSpPr>
+      <p:sp>
+        <p:nvSpPr>
+          <p:cNvPr id="5" name="직사각형 4">
+            <a:extLst>
+              <a:ext uri="{FF2B5EF4-FFF2-40B4-BE49-F238E27FC236}">
+                <a16:creationId xmlns:a16="http://schemas.microsoft.com/office/drawing/2014/main" id="{33BFE9EC-6B2A-7FB0-09F1-28818F8ABDB0}"/>
+              </a:ext>
+            </a:extLst>
+          </p:cNvPr>
+          <p:cNvSpPr/>
+          <p:nvPr/>
+        </p:nvSpPr>
+        <p:spPr>
+          <a:xfrm>
+            <a:off x="5435227" y="2464547"/>
+            <a:ext cx="3234906" cy="2005641"/>
+          </a:xfrm>
+          <a:prstGeom prst="rect">
+            <a:avLst/>
+          </a:prstGeom>
+        </p:spPr>
+        <p:style>
+          <a:lnRef idx="2">
+            <a:schemeClr val="accent4"/>
+          </a:lnRef>
+          <a:fillRef idx="1">
+            <a:schemeClr val="lt1"/>
+          </a:fillRef>
+          <a:effectRef idx="0">
+            <a:schemeClr val="accent4"/>
+          </a:effectRef>
+          <a:fontRef idx="minor">
+            <a:schemeClr val="dk1"/>
+          </a:fontRef>
+        </p:style>
+        <p:txBody>
+          <a:bodyPr rtlCol="0" anchor="ctr"/>
+          <a:lstStyle/>
+          <a:p>
+            <a:pPr algn="ctr"/>
+            <a:endParaRPr kumimoji="1" lang="ko-Kore-KR" altLang="en-US" sz="1400" dirty="0">
+              <a:solidFill>
+                <a:schemeClr val="tx1"/>
+              </a:solidFill>
+            </a:endParaRPr>
+          </a:p>
+        </p:txBody>
+      </p:sp>
+      <p:sp>
+        <p:nvSpPr>
+          <p:cNvPr id="6" name="직사각형 5">
+            <a:extLst>
+              <a:ext uri="{FF2B5EF4-FFF2-40B4-BE49-F238E27FC236}">
+                <a16:creationId xmlns:a16="http://schemas.microsoft.com/office/drawing/2014/main" id="{838AE3EA-344C-72A8-C901-D4AEA4E5D6EB}"/>
+              </a:ext>
+            </a:extLst>
+          </p:cNvPr>
+          <p:cNvSpPr/>
+          <p:nvPr/>
+        </p:nvSpPr>
+        <p:spPr>
+          <a:xfrm>
+            <a:off x="6563274" y="2056847"/>
+            <a:ext cx="736099" cy="369332"/>
+          </a:xfrm>
+          <a:prstGeom prst="rect">
+            <a:avLst/>
+          </a:prstGeom>
+        </p:spPr>
+        <p:txBody>
+          <a:bodyPr wrap="none">
+            <a:spAutoFit/>
+          </a:bodyPr>
+          <a:lstStyle/>
+          <a:p>
+            <a:r>
+              <a:rPr lang="en" altLang="ko-Kore-KR" dirty="0">
+                <a:solidFill>
+                  <a:srgbClr val="795E26"/>
+                </a:solidFill>
+                <a:latin typeface="DM Mono" panose="020B0509040201040103" pitchFamily="49" charset="0"/>
+              </a:rPr>
+              <a:t>main</a:t>
+            </a:r>
+            <a:endParaRPr lang="ko-Kore-KR" altLang="en-US" dirty="0"/>
+          </a:p>
+        </p:txBody>
+      </p:sp>
+      <p:sp>
+        <p:nvSpPr>
+          <p:cNvPr id="9" name="직사각형 8">
+            <a:extLst>
+              <a:ext uri="{FF2B5EF4-FFF2-40B4-BE49-F238E27FC236}">
+                <a16:creationId xmlns:a16="http://schemas.microsoft.com/office/drawing/2014/main" id="{D8E8242F-786A-D361-9CF7-05FEABB19425}"/>
+              </a:ext>
+            </a:extLst>
+          </p:cNvPr>
+          <p:cNvSpPr/>
+          <p:nvPr/>
+        </p:nvSpPr>
+        <p:spPr>
+          <a:xfrm>
+            <a:off x="5826393" y="2650561"/>
+            <a:ext cx="539902" cy="420443"/>
+          </a:xfrm>
+          <a:prstGeom prst="rect">
+            <a:avLst/>
+          </a:prstGeom>
+          <a:solidFill>
+            <a:srgbClr val="FFFF00"/>
+          </a:solidFill>
+        </p:spPr>
+        <p:style>
+          <a:lnRef idx="2">
+            <a:schemeClr val="accent1">
+              <a:shade val="50000"/>
+            </a:schemeClr>
+          </a:lnRef>
+          <a:fillRef idx="1">
+            <a:schemeClr val="accent1"/>
+          </a:fillRef>
+          <a:effectRef idx="0">
+            <a:schemeClr val="accent1"/>
+          </a:effectRef>
+          <a:fontRef idx="minor">
+            <a:schemeClr val="lt1"/>
+          </a:fontRef>
+        </p:style>
+        <p:txBody>
+          <a:bodyPr rtlCol="0" anchor="ctr"/>
+          <a:lstStyle/>
+          <a:p>
+            <a:pPr algn="ctr"/>
+            <a:r>
+              <a:rPr kumimoji="1" lang="en-US" altLang="ko-Kore-KR" sz="1400" dirty="0">
+                <a:solidFill>
+                  <a:srgbClr val="FF0000"/>
+                </a:solidFill>
+              </a:rPr>
+              <a:t>100</a:t>
+            </a:r>
+            <a:endParaRPr kumimoji="1" lang="ko-Kore-KR" altLang="en-US" sz="1400" dirty="0">
+              <a:solidFill>
+                <a:srgbClr val="FF0000"/>
+              </a:solidFill>
+            </a:endParaRPr>
+          </a:p>
+        </p:txBody>
+      </p:sp>
+      <p:sp>
+        <p:nvSpPr>
+          <p:cNvPr id="10" name="직사각형 9">
+            <a:extLst>
+              <a:ext uri="{FF2B5EF4-FFF2-40B4-BE49-F238E27FC236}">
+                <a16:creationId xmlns:a16="http://schemas.microsoft.com/office/drawing/2014/main" id="{BDB63C11-50FC-891E-637A-496636173328}"/>
+              </a:ext>
+            </a:extLst>
+          </p:cNvPr>
+          <p:cNvSpPr/>
+          <p:nvPr/>
+        </p:nvSpPr>
+        <p:spPr>
+          <a:xfrm>
+            <a:off x="5552752" y="2676116"/>
+            <a:ext cx="322524" cy="369332"/>
+          </a:xfrm>
+          <a:prstGeom prst="rect">
+            <a:avLst/>
+          </a:prstGeom>
+        </p:spPr>
+        <p:txBody>
+          <a:bodyPr wrap="none">
+            <a:spAutoFit/>
+          </a:bodyPr>
+          <a:lstStyle/>
+          <a:p>
+            <a:r>
+              <a:rPr lang="en" altLang="ko-Kore-KR" dirty="0">
+                <a:solidFill>
+                  <a:srgbClr val="001080"/>
+                </a:solidFill>
+                <a:latin typeface="DM Mono" panose="020B0509040201040103" pitchFamily="49" charset="0"/>
+              </a:rPr>
+              <a:t>n</a:t>
+            </a:r>
+            <a:endParaRPr lang="ko-Kore-KR" altLang="en-US" dirty="0"/>
+          </a:p>
+        </p:txBody>
+      </p:sp>
+      <p:sp>
+        <p:nvSpPr>
+          <p:cNvPr id="2" name="직사각형 1">
+            <a:extLst>
+              <a:ext uri="{FF2B5EF4-FFF2-40B4-BE49-F238E27FC236}">
+                <a16:creationId xmlns:a16="http://schemas.microsoft.com/office/drawing/2014/main" id="{3AF768FC-B13D-E566-6351-FB778F4E3A1A}"/>
+              </a:ext>
+            </a:extLst>
+          </p:cNvPr>
+          <p:cNvSpPr/>
+          <p:nvPr/>
+        </p:nvSpPr>
+        <p:spPr>
+          <a:xfrm>
+            <a:off x="467274" y="289809"/>
+            <a:ext cx="6096000" cy="3970318"/>
+          </a:xfrm>
+          <a:prstGeom prst="rect">
+            <a:avLst/>
+          </a:prstGeom>
+        </p:spPr>
+        <p:txBody>
+          <a:bodyPr>
+            <a:spAutoFit/>
+          </a:bodyPr>
+          <a:lstStyle/>
+          <a:p>
+            <a:r>
+              <a:rPr lang="en" altLang="ko-Kore-KR" dirty="0">
+                <a:solidFill>
+                  <a:srgbClr val="0000FF"/>
+                </a:solidFill>
+                <a:latin typeface="DM Mono" panose="020B0509040201040103" pitchFamily="49" charset="0"/>
+              </a:rPr>
+              <a:t>int</a:t>
+            </a:r>
+            <a:r>
+              <a:rPr lang="en" altLang="ko-Kore-KR" dirty="0">
+                <a:solidFill>
+                  <a:srgbClr val="000000"/>
+                </a:solidFill>
+                <a:latin typeface="DM Mono" panose="020B0509040201040103" pitchFamily="49" charset="0"/>
+              </a:rPr>
+              <a:t> </a:t>
+            </a:r>
+            <a:r>
+              <a:rPr lang="en" altLang="ko-Kore-KR" dirty="0">
+                <a:solidFill>
+                  <a:srgbClr val="795E26"/>
+                </a:solidFill>
+                <a:latin typeface="DM Mono" panose="020B0509040201040103" pitchFamily="49" charset="0"/>
+              </a:rPr>
+              <a:t>main</a:t>
+            </a:r>
+            <a:r>
+              <a:rPr lang="en" altLang="ko-Kore-KR" dirty="0">
+                <a:solidFill>
+                  <a:srgbClr val="000000"/>
+                </a:solidFill>
+                <a:latin typeface="DM Mono" panose="020B0509040201040103" pitchFamily="49" charset="0"/>
+              </a:rPr>
+              <a:t>(</a:t>
+            </a:r>
+            <a:r>
+              <a:rPr lang="en" altLang="ko-Kore-KR" dirty="0">
+                <a:solidFill>
+                  <a:srgbClr val="0000FF"/>
+                </a:solidFill>
+                <a:latin typeface="DM Mono" panose="020B0509040201040103" pitchFamily="49" charset="0"/>
+              </a:rPr>
+              <a:t>void</a:t>
+            </a:r>
+            <a:r>
+              <a:rPr lang="en" altLang="ko-Kore-KR" dirty="0">
+                <a:solidFill>
+                  <a:srgbClr val="000000"/>
+                </a:solidFill>
+                <a:latin typeface="DM Mono" panose="020B0509040201040103" pitchFamily="49" charset="0"/>
+              </a:rPr>
+              <a:t>)</a:t>
+            </a:r>
+          </a:p>
+          <a:p>
+            <a:r>
+              <a:rPr lang="en" altLang="ko-Kore-KR" dirty="0">
+                <a:solidFill>
+                  <a:srgbClr val="000000"/>
+                </a:solidFill>
+                <a:latin typeface="DM Mono" panose="020B0509040201040103" pitchFamily="49" charset="0"/>
+              </a:rPr>
+              <a:t>{</a:t>
+            </a:r>
+          </a:p>
+          <a:p>
+            <a:r>
+              <a:rPr lang="en" altLang="ko-Kore-KR" dirty="0">
+                <a:solidFill>
+                  <a:srgbClr val="0000FF"/>
+                </a:solidFill>
+                <a:latin typeface="DM Mono" panose="020B0509040201040103" pitchFamily="49" charset="0"/>
+              </a:rPr>
+              <a:t>  int</a:t>
+            </a:r>
+            <a:r>
+              <a:rPr lang="en" altLang="ko-Kore-KR" dirty="0">
+                <a:solidFill>
+                  <a:srgbClr val="000000"/>
+                </a:solidFill>
+                <a:latin typeface="DM Mono" panose="020B0509040201040103" pitchFamily="49" charset="0"/>
+              </a:rPr>
+              <a:t> </a:t>
+            </a:r>
+            <a:r>
+              <a:rPr lang="en" altLang="ko-Kore-KR" dirty="0">
+                <a:solidFill>
+                  <a:srgbClr val="001080"/>
+                </a:solidFill>
+                <a:latin typeface="DM Mono" panose="020B0509040201040103" pitchFamily="49" charset="0"/>
+              </a:rPr>
+              <a:t>n</a:t>
+            </a:r>
+            <a:r>
+              <a:rPr lang="en" altLang="ko-Kore-KR" dirty="0">
+                <a:solidFill>
+                  <a:srgbClr val="000000"/>
+                </a:solidFill>
+                <a:latin typeface="DM Mono" panose="020B0509040201040103" pitchFamily="49" charset="0"/>
+              </a:rPr>
+              <a:t> = </a:t>
+            </a:r>
+            <a:r>
+              <a:rPr lang="en" altLang="ko-Kore-KR" dirty="0">
+                <a:solidFill>
+                  <a:srgbClr val="098658"/>
+                </a:solidFill>
+                <a:latin typeface="DM Mono" panose="020B0509040201040103" pitchFamily="49" charset="0"/>
+              </a:rPr>
+              <a:t>0</a:t>
+            </a:r>
+            <a:r>
+              <a:rPr lang="en" altLang="ko-Kore-KR" dirty="0">
+                <a:solidFill>
+                  <a:srgbClr val="000000"/>
+                </a:solidFill>
+                <a:latin typeface="DM Mono" panose="020B0509040201040103" pitchFamily="49" charset="0"/>
+              </a:rPr>
+              <a:t>;</a:t>
+            </a:r>
+          </a:p>
+          <a:p>
+            <a:br>
+              <a:rPr lang="en" altLang="ko-Kore-KR" dirty="0">
+                <a:solidFill>
+                  <a:srgbClr val="000000"/>
+                </a:solidFill>
+                <a:latin typeface="DM Mono" panose="020B0509040201040103" pitchFamily="49" charset="0"/>
+              </a:rPr>
+            </a:br>
+            <a:r>
+              <a:rPr lang="en" altLang="ko-Kore-KR" dirty="0">
+                <a:solidFill>
+                  <a:srgbClr val="000000"/>
+                </a:solidFill>
+                <a:latin typeface="DM Mono" panose="020B0509040201040103" pitchFamily="49" charset="0"/>
+              </a:rPr>
+              <a:t>  </a:t>
+            </a:r>
+            <a:r>
+              <a:rPr lang="en" altLang="ko-Kore-KR" dirty="0" err="1">
+                <a:solidFill>
+                  <a:srgbClr val="795E26"/>
+                </a:solidFill>
+                <a:latin typeface="DM Mono" panose="020B0509040201040103" pitchFamily="49" charset="0"/>
+              </a:rPr>
+              <a:t>printf</a:t>
+            </a:r>
+            <a:r>
+              <a:rPr lang="en" altLang="ko-Kore-KR" dirty="0">
+                <a:solidFill>
+                  <a:srgbClr val="000000"/>
+                </a:solidFill>
+                <a:latin typeface="DM Mono" panose="020B0509040201040103" pitchFamily="49" charset="0"/>
+              </a:rPr>
+              <a:t>(</a:t>
+            </a:r>
+            <a:r>
+              <a:rPr lang="en" altLang="ko-Kore-KR" dirty="0">
+                <a:solidFill>
+                  <a:srgbClr val="A31515"/>
+                </a:solidFill>
+                <a:latin typeface="DM Mono" panose="020B0509040201040103" pitchFamily="49" charset="0"/>
+              </a:rPr>
+              <a:t>"</a:t>
+            </a:r>
+            <a:r>
+              <a:rPr lang="en" altLang="ko-Kore-KR" dirty="0">
+                <a:solidFill>
+                  <a:srgbClr val="001080"/>
+                </a:solidFill>
+                <a:latin typeface="DM Mono" panose="020B0509040201040103" pitchFamily="49" charset="0"/>
+              </a:rPr>
+              <a:t>%p</a:t>
+            </a:r>
+            <a:r>
+              <a:rPr lang="en" altLang="ko-Kore-KR" dirty="0">
+                <a:solidFill>
+                  <a:srgbClr val="EE0000"/>
+                </a:solidFill>
+                <a:latin typeface="DM Mono" panose="020B0509040201040103" pitchFamily="49" charset="0"/>
+              </a:rPr>
+              <a:t>\n</a:t>
+            </a:r>
+            <a:r>
+              <a:rPr lang="en" altLang="ko-Kore-KR" dirty="0">
+                <a:solidFill>
+                  <a:srgbClr val="A31515"/>
+                </a:solidFill>
+                <a:latin typeface="DM Mono" panose="020B0509040201040103" pitchFamily="49" charset="0"/>
+              </a:rPr>
+              <a:t>"</a:t>
+            </a:r>
+            <a:r>
+              <a:rPr lang="en" altLang="ko-Kore-KR" dirty="0">
+                <a:solidFill>
+                  <a:srgbClr val="000000"/>
+                </a:solidFill>
+                <a:latin typeface="DM Mono" panose="020B0509040201040103" pitchFamily="49" charset="0"/>
+              </a:rPr>
+              <a:t>, &amp;</a:t>
+            </a:r>
+            <a:r>
+              <a:rPr lang="en" altLang="ko-Kore-KR" dirty="0">
+                <a:solidFill>
+                  <a:srgbClr val="001080"/>
+                </a:solidFill>
+                <a:latin typeface="DM Mono" panose="020B0509040201040103" pitchFamily="49" charset="0"/>
+              </a:rPr>
+              <a:t>n</a:t>
+            </a:r>
+            <a:r>
+              <a:rPr lang="en" altLang="ko-Kore-KR" dirty="0">
+                <a:solidFill>
+                  <a:srgbClr val="000000"/>
+                </a:solidFill>
+                <a:latin typeface="DM Mono" panose="020B0509040201040103" pitchFamily="49" charset="0"/>
+              </a:rPr>
+              <a:t>); </a:t>
+            </a:r>
+            <a:r>
+              <a:rPr lang="en" altLang="ko-Kore-KR" dirty="0">
+                <a:solidFill>
+                  <a:srgbClr val="008000"/>
+                </a:solidFill>
+                <a:latin typeface="DM Mono" panose="020B0509040201040103" pitchFamily="49" charset="0"/>
+              </a:rPr>
+              <a:t>// 0x16f0731e8</a:t>
+            </a:r>
+            <a:endParaRPr lang="en" altLang="ko-Kore-KR" dirty="0">
+              <a:solidFill>
+                <a:srgbClr val="000000"/>
+              </a:solidFill>
+              <a:latin typeface="DM Mono" panose="020B0509040201040103" pitchFamily="49" charset="0"/>
+            </a:endParaRPr>
+          </a:p>
+          <a:p>
+            <a:r>
+              <a:rPr lang="en" altLang="ko-Kore-KR" dirty="0">
+                <a:solidFill>
+                  <a:srgbClr val="000000"/>
+                </a:solidFill>
+                <a:latin typeface="DM Mono" panose="020B0509040201040103" pitchFamily="49" charset="0"/>
+              </a:rPr>
+              <a:t>  </a:t>
+            </a:r>
+            <a:r>
+              <a:rPr lang="en" altLang="ko-Kore-KR" dirty="0">
+                <a:solidFill>
+                  <a:srgbClr val="0000FF"/>
+                </a:solidFill>
+                <a:latin typeface="DM Mono" panose="020B0509040201040103" pitchFamily="49" charset="0"/>
+              </a:rPr>
+              <a:t>int</a:t>
+            </a:r>
+            <a:r>
+              <a:rPr lang="en" altLang="ko-Kore-KR" dirty="0">
+                <a:solidFill>
+                  <a:srgbClr val="000000"/>
+                </a:solidFill>
+                <a:latin typeface="DM Mono" panose="020B0509040201040103" pitchFamily="49" charset="0"/>
+              </a:rPr>
+              <a:t>* </a:t>
+            </a:r>
+            <a:r>
+              <a:rPr lang="en" altLang="ko-Kore-KR" dirty="0">
+                <a:solidFill>
+                  <a:srgbClr val="001080"/>
+                </a:solidFill>
+                <a:latin typeface="DM Mono" panose="020B0509040201040103" pitchFamily="49" charset="0"/>
+              </a:rPr>
+              <a:t>p</a:t>
+            </a:r>
+            <a:r>
+              <a:rPr lang="en" altLang="ko-Kore-KR" dirty="0">
+                <a:solidFill>
+                  <a:srgbClr val="000000"/>
+                </a:solidFill>
+                <a:latin typeface="DM Mono" panose="020B0509040201040103" pitchFamily="49" charset="0"/>
+              </a:rPr>
+              <a:t> = &amp;</a:t>
+            </a:r>
+            <a:r>
+              <a:rPr lang="en" altLang="ko-Kore-KR" dirty="0">
+                <a:solidFill>
+                  <a:srgbClr val="001080"/>
+                </a:solidFill>
+                <a:latin typeface="DM Mono" panose="020B0509040201040103" pitchFamily="49" charset="0"/>
+              </a:rPr>
+              <a:t>n</a:t>
+            </a:r>
+            <a:r>
+              <a:rPr lang="en" altLang="ko-Kore-KR" dirty="0">
+                <a:solidFill>
+                  <a:srgbClr val="000000"/>
+                </a:solidFill>
+                <a:latin typeface="DM Mono" panose="020B0509040201040103" pitchFamily="49" charset="0"/>
+              </a:rPr>
+              <a:t>;</a:t>
+            </a:r>
+          </a:p>
+          <a:p>
+            <a:r>
+              <a:rPr lang="en" altLang="ko-Kore-KR" dirty="0">
+                <a:solidFill>
+                  <a:srgbClr val="000000"/>
+                </a:solidFill>
+                <a:latin typeface="DM Mono" panose="020B0509040201040103" pitchFamily="49" charset="0"/>
+              </a:rPr>
+              <a:t>  *</a:t>
+            </a:r>
+            <a:r>
+              <a:rPr lang="en" altLang="ko-Kore-KR" dirty="0">
+                <a:solidFill>
+                  <a:srgbClr val="001080"/>
+                </a:solidFill>
+                <a:latin typeface="DM Mono" panose="020B0509040201040103" pitchFamily="49" charset="0"/>
+              </a:rPr>
+              <a:t>p</a:t>
+            </a:r>
+            <a:r>
+              <a:rPr lang="en" altLang="ko-Kore-KR" dirty="0">
+                <a:solidFill>
+                  <a:srgbClr val="000000"/>
+                </a:solidFill>
+                <a:latin typeface="DM Mono" panose="020B0509040201040103" pitchFamily="49" charset="0"/>
+              </a:rPr>
+              <a:t> = </a:t>
+            </a:r>
+            <a:r>
+              <a:rPr lang="en" altLang="ko-Kore-KR" dirty="0">
+                <a:solidFill>
+                  <a:srgbClr val="098658"/>
+                </a:solidFill>
+                <a:latin typeface="DM Mono" panose="020B0509040201040103" pitchFamily="49" charset="0"/>
+              </a:rPr>
+              <a:t>100</a:t>
+            </a:r>
+            <a:r>
+              <a:rPr lang="en" altLang="ko-Kore-KR" dirty="0">
+                <a:solidFill>
+                  <a:srgbClr val="000000"/>
+                </a:solidFill>
+                <a:latin typeface="DM Mono" panose="020B0509040201040103" pitchFamily="49" charset="0"/>
+              </a:rPr>
+              <a:t>;</a:t>
+            </a:r>
+          </a:p>
+          <a:p>
+            <a:br>
+              <a:rPr lang="en" altLang="ko-Kore-KR" dirty="0">
+                <a:solidFill>
+                  <a:srgbClr val="000000"/>
+                </a:solidFill>
+                <a:latin typeface="DM Mono" panose="020B0509040201040103" pitchFamily="49" charset="0"/>
+              </a:rPr>
+            </a:br>
+            <a:endParaRPr lang="en" altLang="ko-Kore-KR" dirty="0">
+              <a:solidFill>
+                <a:srgbClr val="000000"/>
+              </a:solidFill>
+              <a:latin typeface="DM Mono" panose="020B0509040201040103" pitchFamily="49" charset="0"/>
+            </a:endParaRPr>
+          </a:p>
+          <a:p>
+            <a:br>
+              <a:rPr lang="en" altLang="ko-Kore-KR" dirty="0">
+                <a:solidFill>
+                  <a:srgbClr val="000000"/>
+                </a:solidFill>
+                <a:latin typeface="DM Mono" panose="020B0509040201040103" pitchFamily="49" charset="0"/>
+              </a:rPr>
+            </a:br>
+            <a:r>
+              <a:rPr lang="en" altLang="ko-Kore-KR" dirty="0">
+                <a:solidFill>
+                  <a:srgbClr val="000000"/>
+                </a:solidFill>
+                <a:latin typeface="DM Mono" panose="020B0509040201040103" pitchFamily="49" charset="0"/>
+              </a:rPr>
+              <a:t>  </a:t>
+            </a:r>
+            <a:r>
+              <a:rPr lang="en" altLang="ko-Kore-KR" dirty="0">
+                <a:solidFill>
+                  <a:srgbClr val="AF00DB"/>
+                </a:solidFill>
+                <a:latin typeface="DM Mono" panose="020B0509040201040103" pitchFamily="49" charset="0"/>
+              </a:rPr>
+              <a:t>return</a:t>
+            </a:r>
+            <a:r>
+              <a:rPr lang="en" altLang="ko-Kore-KR" dirty="0">
+                <a:solidFill>
+                  <a:srgbClr val="000000"/>
+                </a:solidFill>
+                <a:latin typeface="DM Mono" panose="020B0509040201040103" pitchFamily="49" charset="0"/>
+              </a:rPr>
+              <a:t> </a:t>
+            </a:r>
+            <a:r>
+              <a:rPr lang="en" altLang="ko-Kore-KR" dirty="0">
+                <a:solidFill>
+                  <a:srgbClr val="098658"/>
+                </a:solidFill>
+                <a:latin typeface="DM Mono" panose="020B0509040201040103" pitchFamily="49" charset="0"/>
+              </a:rPr>
+              <a:t>0</a:t>
+            </a:r>
+            <a:r>
+              <a:rPr lang="en" altLang="ko-Kore-KR" dirty="0">
+                <a:solidFill>
+                  <a:srgbClr val="000000"/>
+                </a:solidFill>
+                <a:latin typeface="DM Mono" panose="020B0509040201040103" pitchFamily="49" charset="0"/>
+              </a:rPr>
+              <a:t>;</a:t>
+            </a:r>
+          </a:p>
+          <a:p>
+            <a:r>
+              <a:rPr lang="en" altLang="ko-Kore-KR" dirty="0">
+                <a:solidFill>
+                  <a:srgbClr val="000000"/>
+                </a:solidFill>
+                <a:latin typeface="DM Mono" panose="020B0509040201040103" pitchFamily="49" charset="0"/>
+              </a:rPr>
+              <a:t>}</a:t>
+            </a:r>
+          </a:p>
+          <a:p>
+            <a:br>
+              <a:rPr lang="en" altLang="ko-Kore-KR" dirty="0">
+                <a:solidFill>
+                  <a:srgbClr val="000000"/>
+                </a:solidFill>
+                <a:latin typeface="DM Mono" panose="020B0509040201040103" pitchFamily="49" charset="0"/>
+              </a:rPr>
+            </a:br>
+            <a:endParaRPr lang="en" altLang="ko-Kore-KR" b="0" dirty="0">
+              <a:solidFill>
+                <a:srgbClr val="000000"/>
+              </a:solidFill>
+              <a:effectLst/>
+              <a:latin typeface="DM Mono" panose="020B0509040201040103" pitchFamily="49" charset="0"/>
+            </a:endParaRPr>
+          </a:p>
+        </p:txBody>
+      </p:sp>
+      <p:sp>
+        <p:nvSpPr>
+          <p:cNvPr id="3" name="직사각형 2">
+            <a:extLst>
+              <a:ext uri="{FF2B5EF4-FFF2-40B4-BE49-F238E27FC236}">
+                <a16:creationId xmlns:a16="http://schemas.microsoft.com/office/drawing/2014/main" id="{4CF477BF-156E-8C48-5984-EB318C5BE5D5}"/>
+              </a:ext>
+            </a:extLst>
+          </p:cNvPr>
+          <p:cNvSpPr/>
+          <p:nvPr/>
+        </p:nvSpPr>
+        <p:spPr>
+          <a:xfrm>
+            <a:off x="5435227" y="3081097"/>
+            <a:ext cx="1701107" cy="369332"/>
+          </a:xfrm>
+          <a:prstGeom prst="rect">
+            <a:avLst/>
+          </a:prstGeom>
+        </p:spPr>
+        <p:txBody>
+          <a:bodyPr wrap="none">
+            <a:spAutoFit/>
+          </a:bodyPr>
+          <a:lstStyle/>
+          <a:p>
+            <a:r>
+              <a:rPr lang="en" altLang="ko-Kore-KR" dirty="0">
+                <a:solidFill>
+                  <a:srgbClr val="008000"/>
+                </a:solidFill>
+                <a:latin typeface="DM Mono" panose="020B0509040201040103" pitchFamily="49" charset="0"/>
+              </a:rPr>
+              <a:t>0x16f0731e8</a:t>
+            </a:r>
+            <a:endParaRPr lang="ko-Kore-KR" altLang="en-US" dirty="0"/>
+          </a:p>
+        </p:txBody>
+      </p:sp>
+      <p:sp>
+        <p:nvSpPr>
+          <p:cNvPr id="11" name="직사각형 10">
+            <a:extLst>
+              <a:ext uri="{FF2B5EF4-FFF2-40B4-BE49-F238E27FC236}">
+                <a16:creationId xmlns:a16="http://schemas.microsoft.com/office/drawing/2014/main" id="{F4EDF3B0-070E-747D-CDA1-D858847379FC}"/>
+              </a:ext>
+            </a:extLst>
+          </p:cNvPr>
+          <p:cNvSpPr/>
+          <p:nvPr/>
+        </p:nvSpPr>
+        <p:spPr>
+          <a:xfrm>
+            <a:off x="6285780" y="3863733"/>
+            <a:ext cx="1885622" cy="420443"/>
+          </a:xfrm>
+          <a:prstGeom prst="rect">
+            <a:avLst/>
+          </a:prstGeom>
+          <a:solidFill>
+            <a:srgbClr val="FFFF00"/>
+          </a:solidFill>
+        </p:spPr>
+        <p:style>
+          <a:lnRef idx="2">
+            <a:schemeClr val="accent1">
+              <a:shade val="50000"/>
+            </a:schemeClr>
+          </a:lnRef>
+          <a:fillRef idx="1">
+            <a:schemeClr val="accent1"/>
+          </a:fillRef>
+          <a:effectRef idx="0">
+            <a:schemeClr val="accent1"/>
+          </a:effectRef>
+          <a:fontRef idx="minor">
+            <a:schemeClr val="lt1"/>
+          </a:fontRef>
+        </p:style>
+        <p:txBody>
+          <a:bodyPr rtlCol="0" anchor="ctr"/>
+          <a:lstStyle/>
+          <a:p>
+            <a:pPr algn="ctr"/>
+            <a:r>
+              <a:rPr lang="en" altLang="ko-Kore-KR" sz="1400" dirty="0">
+                <a:solidFill>
+                  <a:srgbClr val="008000"/>
+                </a:solidFill>
+                <a:latin typeface="DM Mono" panose="020B0509040201040103" pitchFamily="49" charset="0"/>
+              </a:rPr>
+              <a:t>0x16f0731e8</a:t>
+            </a:r>
+            <a:endParaRPr kumimoji="1" lang="ko-Kore-KR" altLang="en-US" sz="1400" dirty="0">
+              <a:solidFill>
+                <a:schemeClr val="tx1"/>
+              </a:solidFill>
+            </a:endParaRPr>
+          </a:p>
+        </p:txBody>
+      </p:sp>
+      <p:sp>
+        <p:nvSpPr>
+          <p:cNvPr id="12" name="직사각형 11">
+            <a:extLst>
+              <a:ext uri="{FF2B5EF4-FFF2-40B4-BE49-F238E27FC236}">
+                <a16:creationId xmlns:a16="http://schemas.microsoft.com/office/drawing/2014/main" id="{DB1FAD64-73EA-0D60-3681-5073CAC5475A}"/>
+              </a:ext>
+            </a:extLst>
+          </p:cNvPr>
+          <p:cNvSpPr/>
+          <p:nvPr/>
+        </p:nvSpPr>
+        <p:spPr>
+          <a:xfrm>
+            <a:off x="5963256" y="3885719"/>
+            <a:ext cx="322524" cy="369332"/>
+          </a:xfrm>
+          <a:prstGeom prst="rect">
+            <a:avLst/>
+          </a:prstGeom>
+        </p:spPr>
+        <p:txBody>
+          <a:bodyPr wrap="none">
+            <a:spAutoFit/>
+          </a:bodyPr>
+          <a:lstStyle/>
+          <a:p>
+            <a:r>
+              <a:rPr lang="en" altLang="ko-Kore-KR" dirty="0">
+                <a:solidFill>
+                  <a:srgbClr val="001080"/>
+                </a:solidFill>
+                <a:latin typeface="DM Mono" panose="020B0509040201040103" pitchFamily="49" charset="0"/>
+              </a:rPr>
+              <a:t>p</a:t>
+            </a:r>
+            <a:endParaRPr lang="ko-Kore-KR" altLang="en-US" dirty="0"/>
+          </a:p>
+        </p:txBody>
+      </p:sp>
+      <p:cxnSp>
+        <p:nvCxnSpPr>
+          <p:cNvPr id="8" name="구부러진 연결선[U] 7">
+            <a:extLst>
+              <a:ext uri="{FF2B5EF4-FFF2-40B4-BE49-F238E27FC236}">
+                <a16:creationId xmlns:a16="http://schemas.microsoft.com/office/drawing/2014/main" id="{AF3D22D0-9A84-2CBF-E52F-076894A7670E}"/>
+              </a:ext>
+            </a:extLst>
+          </p:cNvPr>
+          <p:cNvCxnSpPr>
+            <a:cxnSpLocks/>
+            <a:stCxn id="11" idx="0"/>
+            <a:endCxn id="9" idx="2"/>
+          </p:cNvCxnSpPr>
+          <p:nvPr/>
+        </p:nvCxnSpPr>
+        <p:spPr>
+          <a:xfrm rot="16200000" flipV="1">
+            <a:off x="6266104" y="2901245"/>
+            <a:ext cx="792729" cy="1132247"/>
+          </a:xfrm>
+          <a:prstGeom prst="curvedConnector3">
+            <a:avLst>
+              <a:gd name="adj1" fmla="val 20619"/>
+            </a:avLst>
+          </a:prstGeom>
+          <a:ln>
+            <a:tailEnd type="triangle"/>
+          </a:ln>
+        </p:spPr>
+        <p:style>
+          <a:lnRef idx="1">
+            <a:schemeClr val="accent1"/>
+          </a:lnRef>
+          <a:fillRef idx="0">
+            <a:schemeClr val="accent1"/>
+          </a:fillRef>
+          <a:effectRef idx="0">
+            <a:schemeClr val="accent1"/>
+          </a:effectRef>
+          <a:fontRef idx="minor">
+            <a:schemeClr val="tx1"/>
+          </a:fontRef>
+        </p:style>
+      </p:cxnSp>
+    </p:spTree>
+    <p:extLst>
+      <p:ext uri="{BB962C8B-B14F-4D97-AF65-F5344CB8AC3E}">
+        <p14:creationId xmlns:p14="http://schemas.microsoft.com/office/powerpoint/2010/main" val="995623579"/>
       </p:ext>
     </p:extLst>
   </p:cSld>

--- a/220510.pptx
+++ b/220510.pptx
@@ -5162,7 +5162,7 @@
                 </a:solidFill>
                 <a:latin typeface="DM Mono" panose="020B0509040201040103" pitchFamily="49" charset="0"/>
               </a:rPr>
-              <a:t>  int</a:t>
+              <a:t>  static int</a:t>
             </a:r>
             <a:r>
               <a:rPr lang="en" altLang="ko-Kore-KR" dirty="0">

--- a/220510.pptx
+++ b/220510.pptx
@@ -15,6 +15,8 @@
     <p:sldId id="263" r:id="rId9"/>
     <p:sldId id="264" r:id="rId10"/>
     <p:sldId id="265" r:id="rId11"/>
+    <p:sldId id="266" r:id="rId12"/>
+    <p:sldId id="267" r:id="rId13"/>
   </p:sldIdLst>
   <p:sldSz cx="12192000" cy="6858000"/>
   <p:notesSz cx="6858000" cy="9144000"/>
@@ -5767,6 +5769,1735 @@
     <p:extLst>
       <p:ext uri="{BB962C8B-B14F-4D97-AF65-F5344CB8AC3E}">
         <p14:creationId xmlns:p14="http://schemas.microsoft.com/office/powerpoint/2010/main" val="2234692912"/>
+      </p:ext>
+    </p:extLst>
+  </p:cSld>
+  <p:clrMapOvr>
+    <a:masterClrMapping/>
+  </p:clrMapOvr>
+</p:sld>
+</file>
+
+<file path=ppt/slides/slide11.xml><?xml version="1.0" encoding="utf-8"?>
+<p:sld xmlns:a="http://schemas.openxmlformats.org/drawingml/2006/main" xmlns:r="http://schemas.openxmlformats.org/officeDocument/2006/relationships" xmlns:p="http://schemas.openxmlformats.org/presentationml/2006/main">
+  <p:cSld>
+    <p:spTree>
+      <p:nvGrpSpPr>
+        <p:cNvPr id="1" name=""/>
+        <p:cNvGrpSpPr/>
+        <p:nvPr/>
+      </p:nvGrpSpPr>
+      <p:grpSpPr>
+        <a:xfrm>
+          <a:off x="0" y="0"/>
+          <a:ext cx="0" cy="0"/>
+          <a:chOff x="0" y="0"/>
+          <a:chExt cx="0" cy="0"/>
+        </a:xfrm>
+      </p:grpSpPr>
+      <p:sp>
+        <p:nvSpPr>
+          <p:cNvPr id="4" name="직사각형 3">
+            <a:extLst>
+              <a:ext uri="{FF2B5EF4-FFF2-40B4-BE49-F238E27FC236}">
+                <a16:creationId xmlns:a16="http://schemas.microsoft.com/office/drawing/2014/main" id="{546B1669-6EE1-44B7-3E44-6A1427B2F0DE}"/>
+              </a:ext>
+            </a:extLst>
+          </p:cNvPr>
+          <p:cNvSpPr/>
+          <p:nvPr/>
+        </p:nvSpPr>
+        <p:spPr>
+          <a:xfrm>
+            <a:off x="158151" y="212648"/>
+            <a:ext cx="6096000" cy="2585323"/>
+          </a:xfrm>
+          <a:prstGeom prst="rect">
+            <a:avLst/>
+          </a:prstGeom>
+        </p:spPr>
+        <p:txBody>
+          <a:bodyPr>
+            <a:spAutoFit/>
+          </a:bodyPr>
+          <a:lstStyle/>
+          <a:p>
+            <a:r>
+              <a:rPr lang="en" altLang="ko-Kore-KR" dirty="0">
+                <a:solidFill>
+                  <a:srgbClr val="0000FF"/>
+                </a:solidFill>
+                <a:latin typeface="DM Mono" panose="020B0509040201040103" pitchFamily="49" charset="0"/>
+              </a:rPr>
+              <a:t>int</a:t>
+            </a:r>
+            <a:r>
+              <a:rPr lang="en" altLang="ko-Kore-KR" dirty="0">
+                <a:solidFill>
+                  <a:srgbClr val="000000"/>
+                </a:solidFill>
+                <a:latin typeface="DM Mono" panose="020B0509040201040103" pitchFamily="49" charset="0"/>
+              </a:rPr>
+              <a:t> </a:t>
+            </a:r>
+            <a:r>
+              <a:rPr lang="en" altLang="ko-Kore-KR" dirty="0">
+                <a:solidFill>
+                  <a:srgbClr val="795E26"/>
+                </a:solidFill>
+                <a:latin typeface="DM Mono" panose="020B0509040201040103" pitchFamily="49" charset="0"/>
+              </a:rPr>
+              <a:t>main</a:t>
+            </a:r>
+            <a:r>
+              <a:rPr lang="en" altLang="ko-Kore-KR" dirty="0">
+                <a:solidFill>
+                  <a:srgbClr val="000000"/>
+                </a:solidFill>
+                <a:latin typeface="DM Mono" panose="020B0509040201040103" pitchFamily="49" charset="0"/>
+              </a:rPr>
+              <a:t>(</a:t>
+            </a:r>
+            <a:r>
+              <a:rPr lang="en" altLang="ko-Kore-KR" dirty="0">
+                <a:solidFill>
+                  <a:srgbClr val="0000FF"/>
+                </a:solidFill>
+                <a:latin typeface="DM Mono" panose="020B0509040201040103" pitchFamily="49" charset="0"/>
+              </a:rPr>
+              <a:t>void</a:t>
+            </a:r>
+            <a:r>
+              <a:rPr lang="en" altLang="ko-Kore-KR" dirty="0">
+                <a:solidFill>
+                  <a:srgbClr val="000000"/>
+                </a:solidFill>
+                <a:latin typeface="DM Mono" panose="020B0509040201040103" pitchFamily="49" charset="0"/>
+              </a:rPr>
+              <a:t>)</a:t>
+            </a:r>
+          </a:p>
+          <a:p>
+            <a:r>
+              <a:rPr lang="en" altLang="ko-Kore-KR" dirty="0">
+                <a:solidFill>
+                  <a:srgbClr val="000000"/>
+                </a:solidFill>
+                <a:latin typeface="DM Mono" panose="020B0509040201040103" pitchFamily="49" charset="0"/>
+              </a:rPr>
+              <a:t>{</a:t>
+            </a:r>
+          </a:p>
+          <a:p>
+            <a:r>
+              <a:rPr lang="en" altLang="ko-Kore-KR" dirty="0">
+                <a:solidFill>
+                  <a:srgbClr val="0000FF"/>
+                </a:solidFill>
+                <a:latin typeface="DM Mono" panose="020B0509040201040103" pitchFamily="49" charset="0"/>
+              </a:rPr>
+              <a:t>  int</a:t>
+            </a:r>
+            <a:r>
+              <a:rPr lang="en" altLang="ko-Kore-KR" dirty="0">
+                <a:solidFill>
+                  <a:srgbClr val="000000"/>
+                </a:solidFill>
+                <a:latin typeface="DM Mono" panose="020B0509040201040103" pitchFamily="49" charset="0"/>
+              </a:rPr>
+              <a:t> </a:t>
+            </a:r>
+            <a:r>
+              <a:rPr lang="en" altLang="ko-Kore-KR" dirty="0">
+                <a:solidFill>
+                  <a:srgbClr val="001080"/>
+                </a:solidFill>
+                <a:latin typeface="DM Mono" panose="020B0509040201040103" pitchFamily="49" charset="0"/>
+              </a:rPr>
+              <a:t>x</a:t>
+            </a:r>
+            <a:r>
+              <a:rPr lang="en" altLang="ko-Kore-KR" dirty="0">
+                <a:solidFill>
+                  <a:srgbClr val="000000"/>
+                </a:solidFill>
+                <a:latin typeface="DM Mono" panose="020B0509040201040103" pitchFamily="49" charset="0"/>
+              </a:rPr>
+              <a:t>[</a:t>
+            </a:r>
+            <a:r>
+              <a:rPr lang="en" altLang="ko-Kore-KR" dirty="0">
+                <a:solidFill>
+                  <a:srgbClr val="098658"/>
+                </a:solidFill>
+                <a:latin typeface="DM Mono" panose="020B0509040201040103" pitchFamily="49" charset="0"/>
+              </a:rPr>
+              <a:t>5</a:t>
+            </a:r>
+            <a:r>
+              <a:rPr lang="en" altLang="ko-Kore-KR" dirty="0">
+                <a:solidFill>
+                  <a:srgbClr val="000000"/>
+                </a:solidFill>
+                <a:latin typeface="DM Mono" panose="020B0509040201040103" pitchFamily="49" charset="0"/>
+              </a:rPr>
+              <a:t>] = { </a:t>
+            </a:r>
+            <a:r>
+              <a:rPr lang="en" altLang="ko-Kore-KR" dirty="0">
+                <a:solidFill>
+                  <a:srgbClr val="098658"/>
+                </a:solidFill>
+                <a:latin typeface="DM Mono" panose="020B0509040201040103" pitchFamily="49" charset="0"/>
+              </a:rPr>
+              <a:t>1</a:t>
+            </a:r>
+            <a:r>
+              <a:rPr lang="en" altLang="ko-Kore-KR" dirty="0">
+                <a:solidFill>
+                  <a:srgbClr val="000000"/>
+                </a:solidFill>
+                <a:latin typeface="DM Mono" panose="020B0509040201040103" pitchFamily="49" charset="0"/>
+              </a:rPr>
+              <a:t>, </a:t>
+            </a:r>
+            <a:r>
+              <a:rPr lang="en" altLang="ko-Kore-KR" dirty="0">
+                <a:solidFill>
+                  <a:srgbClr val="098658"/>
+                </a:solidFill>
+                <a:latin typeface="DM Mono" panose="020B0509040201040103" pitchFamily="49" charset="0"/>
+              </a:rPr>
+              <a:t>2</a:t>
+            </a:r>
+            <a:r>
+              <a:rPr lang="en" altLang="ko-Kore-KR" dirty="0">
+                <a:solidFill>
+                  <a:srgbClr val="000000"/>
+                </a:solidFill>
+                <a:latin typeface="DM Mono" panose="020B0509040201040103" pitchFamily="49" charset="0"/>
+              </a:rPr>
+              <a:t>, </a:t>
+            </a:r>
+            <a:r>
+              <a:rPr lang="en" altLang="ko-Kore-KR" dirty="0">
+                <a:solidFill>
+                  <a:srgbClr val="098658"/>
+                </a:solidFill>
+                <a:latin typeface="DM Mono" panose="020B0509040201040103" pitchFamily="49" charset="0"/>
+              </a:rPr>
+              <a:t>3</a:t>
+            </a:r>
+            <a:r>
+              <a:rPr lang="en" altLang="ko-Kore-KR" dirty="0">
+                <a:solidFill>
+                  <a:srgbClr val="000000"/>
+                </a:solidFill>
+                <a:latin typeface="DM Mono" panose="020B0509040201040103" pitchFamily="49" charset="0"/>
+              </a:rPr>
+              <a:t>, </a:t>
+            </a:r>
+            <a:r>
+              <a:rPr lang="en" altLang="ko-Kore-KR" dirty="0">
+                <a:solidFill>
+                  <a:srgbClr val="098658"/>
+                </a:solidFill>
+                <a:latin typeface="DM Mono" panose="020B0509040201040103" pitchFamily="49" charset="0"/>
+              </a:rPr>
+              <a:t>4</a:t>
+            </a:r>
+            <a:r>
+              <a:rPr lang="en" altLang="ko-Kore-KR" dirty="0">
+                <a:solidFill>
+                  <a:srgbClr val="000000"/>
+                </a:solidFill>
+                <a:latin typeface="DM Mono" panose="020B0509040201040103" pitchFamily="49" charset="0"/>
+              </a:rPr>
+              <a:t>, </a:t>
+            </a:r>
+            <a:r>
+              <a:rPr lang="en" altLang="ko-Kore-KR" dirty="0">
+                <a:solidFill>
+                  <a:srgbClr val="098658"/>
+                </a:solidFill>
+                <a:latin typeface="DM Mono" panose="020B0509040201040103" pitchFamily="49" charset="0"/>
+              </a:rPr>
+              <a:t>5</a:t>
+            </a:r>
+            <a:r>
+              <a:rPr lang="en" altLang="ko-Kore-KR" dirty="0">
+                <a:solidFill>
+                  <a:srgbClr val="000000"/>
+                </a:solidFill>
+                <a:latin typeface="DM Mono" panose="020B0509040201040103" pitchFamily="49" charset="0"/>
+              </a:rPr>
+              <a:t> };</a:t>
+            </a:r>
+          </a:p>
+          <a:p>
+            <a:r>
+              <a:rPr lang="en" altLang="ko-Kore-KR" dirty="0">
+                <a:solidFill>
+                  <a:srgbClr val="0000FF"/>
+                </a:solidFill>
+                <a:latin typeface="DM Mono" panose="020B0509040201040103" pitchFamily="49" charset="0"/>
+              </a:rPr>
+              <a:t>  int</a:t>
+            </a:r>
+            <a:r>
+              <a:rPr lang="en" altLang="ko-Kore-KR" dirty="0">
+                <a:solidFill>
+                  <a:srgbClr val="000000"/>
+                </a:solidFill>
+                <a:latin typeface="DM Mono" panose="020B0509040201040103" pitchFamily="49" charset="0"/>
+              </a:rPr>
+              <a:t>* </a:t>
+            </a:r>
+            <a:r>
+              <a:rPr lang="en" altLang="ko-Kore-KR" dirty="0">
+                <a:solidFill>
+                  <a:srgbClr val="001080"/>
+                </a:solidFill>
+                <a:latin typeface="DM Mono" panose="020B0509040201040103" pitchFamily="49" charset="0"/>
+              </a:rPr>
+              <a:t>p</a:t>
+            </a:r>
+            <a:r>
+              <a:rPr lang="en" altLang="ko-Kore-KR" dirty="0">
+                <a:solidFill>
+                  <a:srgbClr val="000000"/>
+                </a:solidFill>
+                <a:latin typeface="DM Mono" panose="020B0509040201040103" pitchFamily="49" charset="0"/>
+              </a:rPr>
+              <a:t> = </a:t>
+            </a:r>
+            <a:r>
+              <a:rPr lang="en" altLang="ko-Kore-KR" dirty="0">
+                <a:solidFill>
+                  <a:srgbClr val="001080"/>
+                </a:solidFill>
+                <a:latin typeface="DM Mono" panose="020B0509040201040103" pitchFamily="49" charset="0"/>
+              </a:rPr>
+              <a:t>x</a:t>
+            </a:r>
+            <a:r>
+              <a:rPr lang="en" altLang="ko-Kore-KR" dirty="0">
+                <a:solidFill>
+                  <a:srgbClr val="000000"/>
+                </a:solidFill>
+                <a:latin typeface="DM Mono" panose="020B0509040201040103" pitchFamily="49" charset="0"/>
+              </a:rPr>
+              <a:t>; </a:t>
+            </a:r>
+            <a:r>
+              <a:rPr lang="en" altLang="ko-Kore-KR" dirty="0">
+                <a:solidFill>
+                  <a:srgbClr val="008000"/>
+                </a:solidFill>
+                <a:latin typeface="DM Mono" panose="020B0509040201040103" pitchFamily="49" charset="0"/>
+              </a:rPr>
+              <a:t>// &amp;x[0]</a:t>
+            </a:r>
+            <a:endParaRPr lang="en" altLang="ko-Kore-KR" dirty="0">
+              <a:solidFill>
+                <a:srgbClr val="000000"/>
+              </a:solidFill>
+              <a:latin typeface="DM Mono" panose="020B0509040201040103" pitchFamily="49" charset="0"/>
+            </a:endParaRPr>
+          </a:p>
+          <a:p>
+            <a:br>
+              <a:rPr lang="en" altLang="ko-Kore-KR" dirty="0">
+                <a:solidFill>
+                  <a:srgbClr val="000000"/>
+                </a:solidFill>
+                <a:latin typeface="DM Mono" panose="020B0509040201040103" pitchFamily="49" charset="0"/>
+              </a:rPr>
+            </a:br>
+            <a:r>
+              <a:rPr lang="en" altLang="ko-Kore-KR" dirty="0">
+                <a:solidFill>
+                  <a:srgbClr val="000000"/>
+                </a:solidFill>
+                <a:latin typeface="DM Mono" panose="020B0509040201040103" pitchFamily="49" charset="0"/>
+              </a:rPr>
+              <a:t>  </a:t>
+            </a:r>
+            <a:r>
+              <a:rPr lang="en" altLang="ko-Kore-KR" dirty="0" err="1">
+                <a:solidFill>
+                  <a:srgbClr val="795E26"/>
+                </a:solidFill>
+                <a:latin typeface="DM Mono" panose="020B0509040201040103" pitchFamily="49" charset="0"/>
+              </a:rPr>
+              <a:t>printf</a:t>
+            </a:r>
+            <a:r>
+              <a:rPr lang="en" altLang="ko-Kore-KR" dirty="0">
+                <a:solidFill>
+                  <a:srgbClr val="000000"/>
+                </a:solidFill>
+                <a:latin typeface="DM Mono" panose="020B0509040201040103" pitchFamily="49" charset="0"/>
+              </a:rPr>
+              <a:t>(</a:t>
+            </a:r>
+            <a:r>
+              <a:rPr lang="en" altLang="ko-Kore-KR" dirty="0">
+                <a:solidFill>
+                  <a:srgbClr val="A31515"/>
+                </a:solidFill>
+                <a:latin typeface="DM Mono" panose="020B0509040201040103" pitchFamily="49" charset="0"/>
+              </a:rPr>
+              <a:t>"</a:t>
+            </a:r>
+            <a:r>
+              <a:rPr lang="en" altLang="ko-Kore-KR" dirty="0">
+                <a:solidFill>
+                  <a:srgbClr val="001080"/>
+                </a:solidFill>
+                <a:latin typeface="DM Mono" panose="020B0509040201040103" pitchFamily="49" charset="0"/>
+              </a:rPr>
+              <a:t>%d</a:t>
+            </a:r>
+            <a:r>
+              <a:rPr lang="en" altLang="ko-Kore-KR" dirty="0">
+                <a:solidFill>
+                  <a:srgbClr val="EE0000"/>
+                </a:solidFill>
+                <a:latin typeface="DM Mono" panose="020B0509040201040103" pitchFamily="49" charset="0"/>
+              </a:rPr>
+              <a:t>\n</a:t>
+            </a:r>
+            <a:r>
+              <a:rPr lang="en" altLang="ko-Kore-KR" dirty="0">
+                <a:solidFill>
+                  <a:srgbClr val="A31515"/>
+                </a:solidFill>
+                <a:latin typeface="DM Mono" panose="020B0509040201040103" pitchFamily="49" charset="0"/>
+              </a:rPr>
+              <a:t>"</a:t>
+            </a:r>
+            <a:r>
+              <a:rPr lang="en" altLang="ko-Kore-KR" dirty="0">
+                <a:solidFill>
+                  <a:srgbClr val="000000"/>
+                </a:solidFill>
+                <a:latin typeface="DM Mono" panose="020B0509040201040103" pitchFamily="49" charset="0"/>
+              </a:rPr>
+              <a:t>, *</a:t>
+            </a:r>
+            <a:r>
+              <a:rPr lang="en" altLang="ko-Kore-KR" dirty="0">
+                <a:solidFill>
+                  <a:srgbClr val="001080"/>
+                </a:solidFill>
+                <a:latin typeface="DM Mono" panose="020B0509040201040103" pitchFamily="49" charset="0"/>
+              </a:rPr>
+              <a:t>p</a:t>
+            </a:r>
+            <a:r>
+              <a:rPr lang="en" altLang="ko-Kore-KR" dirty="0">
+                <a:solidFill>
+                  <a:srgbClr val="000000"/>
+                </a:solidFill>
+                <a:latin typeface="DM Mono" panose="020B0509040201040103" pitchFamily="49" charset="0"/>
+              </a:rPr>
+              <a:t>); </a:t>
+            </a:r>
+          </a:p>
+          <a:p>
+            <a:br>
+              <a:rPr lang="en" altLang="ko-Kore-KR" dirty="0">
+                <a:solidFill>
+                  <a:srgbClr val="000000"/>
+                </a:solidFill>
+                <a:latin typeface="DM Mono" panose="020B0509040201040103" pitchFamily="49" charset="0"/>
+              </a:rPr>
+            </a:br>
+            <a:r>
+              <a:rPr lang="en" altLang="ko-Kore-KR" dirty="0">
+                <a:solidFill>
+                  <a:srgbClr val="000000"/>
+                </a:solidFill>
+                <a:latin typeface="DM Mono" panose="020B0509040201040103" pitchFamily="49" charset="0"/>
+              </a:rPr>
+              <a:t>  </a:t>
+            </a:r>
+            <a:r>
+              <a:rPr lang="en" altLang="ko-Kore-KR" dirty="0">
+                <a:solidFill>
+                  <a:srgbClr val="AF00DB"/>
+                </a:solidFill>
+                <a:latin typeface="DM Mono" panose="020B0509040201040103" pitchFamily="49" charset="0"/>
+              </a:rPr>
+              <a:t>return</a:t>
+            </a:r>
+            <a:r>
+              <a:rPr lang="en" altLang="ko-Kore-KR" dirty="0">
+                <a:solidFill>
+                  <a:srgbClr val="000000"/>
+                </a:solidFill>
+                <a:latin typeface="DM Mono" panose="020B0509040201040103" pitchFamily="49" charset="0"/>
+              </a:rPr>
+              <a:t> </a:t>
+            </a:r>
+            <a:r>
+              <a:rPr lang="en" altLang="ko-Kore-KR" dirty="0">
+                <a:solidFill>
+                  <a:srgbClr val="098658"/>
+                </a:solidFill>
+                <a:latin typeface="DM Mono" panose="020B0509040201040103" pitchFamily="49" charset="0"/>
+              </a:rPr>
+              <a:t>0</a:t>
+            </a:r>
+            <a:r>
+              <a:rPr lang="en" altLang="ko-Kore-KR" dirty="0">
+                <a:solidFill>
+                  <a:srgbClr val="000000"/>
+                </a:solidFill>
+                <a:latin typeface="DM Mono" panose="020B0509040201040103" pitchFamily="49" charset="0"/>
+              </a:rPr>
+              <a:t>;</a:t>
+            </a:r>
+          </a:p>
+          <a:p>
+            <a:r>
+              <a:rPr lang="en" altLang="ko-Kore-KR" dirty="0">
+                <a:solidFill>
+                  <a:srgbClr val="000000"/>
+                </a:solidFill>
+                <a:latin typeface="DM Mono" panose="020B0509040201040103" pitchFamily="49" charset="0"/>
+              </a:rPr>
+              <a:t>}</a:t>
+            </a:r>
+            <a:endParaRPr lang="en" altLang="ko-Kore-KR" b="0" dirty="0">
+              <a:solidFill>
+                <a:srgbClr val="000000"/>
+              </a:solidFill>
+              <a:effectLst/>
+              <a:latin typeface="DM Mono" panose="020B0509040201040103" pitchFamily="49" charset="0"/>
+            </a:endParaRPr>
+          </a:p>
+        </p:txBody>
+      </p:sp>
+      <p:sp>
+        <p:nvSpPr>
+          <p:cNvPr id="5" name="직사각형 4">
+            <a:extLst>
+              <a:ext uri="{FF2B5EF4-FFF2-40B4-BE49-F238E27FC236}">
+                <a16:creationId xmlns:a16="http://schemas.microsoft.com/office/drawing/2014/main" id="{5AE045B0-9E1B-7D7F-335F-5DBFB7A1B262}"/>
+              </a:ext>
+            </a:extLst>
+          </p:cNvPr>
+          <p:cNvSpPr/>
+          <p:nvPr/>
+        </p:nvSpPr>
+        <p:spPr>
+          <a:xfrm>
+            <a:off x="5555402" y="882768"/>
+            <a:ext cx="540598" cy="764875"/>
+          </a:xfrm>
+          <a:prstGeom prst="rect">
+            <a:avLst/>
+          </a:prstGeom>
+          <a:solidFill>
+            <a:schemeClr val="accent2"/>
+          </a:solidFill>
+        </p:spPr>
+        <p:style>
+          <a:lnRef idx="2">
+            <a:schemeClr val="accent1">
+              <a:shade val="50000"/>
+            </a:schemeClr>
+          </a:lnRef>
+          <a:fillRef idx="1">
+            <a:schemeClr val="accent1"/>
+          </a:fillRef>
+          <a:effectRef idx="0">
+            <a:schemeClr val="accent1"/>
+          </a:effectRef>
+          <a:fontRef idx="minor">
+            <a:schemeClr val="lt1"/>
+          </a:fontRef>
+        </p:style>
+        <p:txBody>
+          <a:bodyPr rtlCol="0" anchor="ctr"/>
+          <a:lstStyle/>
+          <a:p>
+            <a:pPr algn="ctr"/>
+            <a:r>
+              <a:rPr kumimoji="1" lang="en-US" altLang="ko-KR" sz="1400" dirty="0">
+                <a:solidFill>
+                  <a:schemeClr val="tx1"/>
+                </a:solidFill>
+              </a:rPr>
+              <a:t>1</a:t>
+            </a:r>
+            <a:endParaRPr kumimoji="1" lang="ko-Kore-KR" altLang="en-US" sz="1400" dirty="0">
+              <a:solidFill>
+                <a:schemeClr val="tx1"/>
+              </a:solidFill>
+            </a:endParaRPr>
+          </a:p>
+        </p:txBody>
+      </p:sp>
+      <p:sp>
+        <p:nvSpPr>
+          <p:cNvPr id="6" name="직사각형 5">
+            <a:extLst>
+              <a:ext uri="{FF2B5EF4-FFF2-40B4-BE49-F238E27FC236}">
+                <a16:creationId xmlns:a16="http://schemas.microsoft.com/office/drawing/2014/main" id="{278AFF64-A8AD-3C84-BCDF-F76C3D4C7114}"/>
+              </a:ext>
+            </a:extLst>
+          </p:cNvPr>
+          <p:cNvSpPr/>
+          <p:nvPr/>
+        </p:nvSpPr>
+        <p:spPr>
+          <a:xfrm>
+            <a:off x="6096000" y="882767"/>
+            <a:ext cx="540598" cy="764875"/>
+          </a:xfrm>
+          <a:prstGeom prst="rect">
+            <a:avLst/>
+          </a:prstGeom>
+          <a:solidFill>
+            <a:srgbClr val="FFFF00"/>
+          </a:solidFill>
+        </p:spPr>
+        <p:style>
+          <a:lnRef idx="2">
+            <a:schemeClr val="accent1">
+              <a:shade val="50000"/>
+            </a:schemeClr>
+          </a:lnRef>
+          <a:fillRef idx="1">
+            <a:schemeClr val="accent1"/>
+          </a:fillRef>
+          <a:effectRef idx="0">
+            <a:schemeClr val="accent1"/>
+          </a:effectRef>
+          <a:fontRef idx="minor">
+            <a:schemeClr val="lt1"/>
+          </a:fontRef>
+        </p:style>
+        <p:txBody>
+          <a:bodyPr rtlCol="0" anchor="ctr"/>
+          <a:lstStyle/>
+          <a:p>
+            <a:pPr algn="ctr"/>
+            <a:r>
+              <a:rPr kumimoji="1" lang="en-US" altLang="ko-KR" sz="1400" dirty="0">
+                <a:solidFill>
+                  <a:schemeClr val="tx1"/>
+                </a:solidFill>
+              </a:rPr>
+              <a:t>2</a:t>
+            </a:r>
+            <a:endParaRPr kumimoji="1" lang="ko-Kore-KR" altLang="en-US" sz="1400" dirty="0">
+              <a:solidFill>
+                <a:schemeClr val="tx1"/>
+              </a:solidFill>
+            </a:endParaRPr>
+          </a:p>
+        </p:txBody>
+      </p:sp>
+      <p:sp>
+        <p:nvSpPr>
+          <p:cNvPr id="7" name="직사각형 6">
+            <a:extLst>
+              <a:ext uri="{FF2B5EF4-FFF2-40B4-BE49-F238E27FC236}">
+                <a16:creationId xmlns:a16="http://schemas.microsoft.com/office/drawing/2014/main" id="{81E98844-3907-4394-3631-F046805B52FA}"/>
+              </a:ext>
+            </a:extLst>
+          </p:cNvPr>
+          <p:cNvSpPr/>
+          <p:nvPr/>
+        </p:nvSpPr>
+        <p:spPr>
+          <a:xfrm>
+            <a:off x="6636598" y="882766"/>
+            <a:ext cx="540598" cy="764875"/>
+          </a:xfrm>
+          <a:prstGeom prst="rect">
+            <a:avLst/>
+          </a:prstGeom>
+          <a:solidFill>
+            <a:srgbClr val="FFFF00"/>
+          </a:solidFill>
+        </p:spPr>
+        <p:style>
+          <a:lnRef idx="2">
+            <a:schemeClr val="accent1">
+              <a:shade val="50000"/>
+            </a:schemeClr>
+          </a:lnRef>
+          <a:fillRef idx="1">
+            <a:schemeClr val="accent1"/>
+          </a:fillRef>
+          <a:effectRef idx="0">
+            <a:schemeClr val="accent1"/>
+          </a:effectRef>
+          <a:fontRef idx="minor">
+            <a:schemeClr val="lt1"/>
+          </a:fontRef>
+        </p:style>
+        <p:txBody>
+          <a:bodyPr rtlCol="0" anchor="ctr"/>
+          <a:lstStyle/>
+          <a:p>
+            <a:pPr algn="ctr"/>
+            <a:r>
+              <a:rPr kumimoji="1" lang="en-US" altLang="ko-KR" sz="1400" dirty="0">
+                <a:solidFill>
+                  <a:schemeClr val="tx1"/>
+                </a:solidFill>
+              </a:rPr>
+              <a:t>3</a:t>
+            </a:r>
+            <a:endParaRPr kumimoji="1" lang="ko-Kore-KR" altLang="en-US" sz="1400" dirty="0">
+              <a:solidFill>
+                <a:schemeClr val="tx1"/>
+              </a:solidFill>
+            </a:endParaRPr>
+          </a:p>
+        </p:txBody>
+      </p:sp>
+      <p:sp>
+        <p:nvSpPr>
+          <p:cNvPr id="8" name="직사각형 7">
+            <a:extLst>
+              <a:ext uri="{FF2B5EF4-FFF2-40B4-BE49-F238E27FC236}">
+                <a16:creationId xmlns:a16="http://schemas.microsoft.com/office/drawing/2014/main" id="{DB7DDC85-DC29-6046-A783-473226CBE09F}"/>
+              </a:ext>
+            </a:extLst>
+          </p:cNvPr>
+          <p:cNvSpPr/>
+          <p:nvPr/>
+        </p:nvSpPr>
+        <p:spPr>
+          <a:xfrm>
+            <a:off x="7177196" y="882765"/>
+            <a:ext cx="540598" cy="764875"/>
+          </a:xfrm>
+          <a:prstGeom prst="rect">
+            <a:avLst/>
+          </a:prstGeom>
+          <a:solidFill>
+            <a:srgbClr val="FFFF00"/>
+          </a:solidFill>
+        </p:spPr>
+        <p:style>
+          <a:lnRef idx="2">
+            <a:schemeClr val="accent1">
+              <a:shade val="50000"/>
+            </a:schemeClr>
+          </a:lnRef>
+          <a:fillRef idx="1">
+            <a:schemeClr val="accent1"/>
+          </a:fillRef>
+          <a:effectRef idx="0">
+            <a:schemeClr val="accent1"/>
+          </a:effectRef>
+          <a:fontRef idx="minor">
+            <a:schemeClr val="lt1"/>
+          </a:fontRef>
+        </p:style>
+        <p:txBody>
+          <a:bodyPr rtlCol="0" anchor="ctr"/>
+          <a:lstStyle/>
+          <a:p>
+            <a:pPr algn="ctr"/>
+            <a:r>
+              <a:rPr kumimoji="1" lang="en-US" altLang="ko-KR" sz="1400" dirty="0">
+                <a:solidFill>
+                  <a:schemeClr val="tx1"/>
+                </a:solidFill>
+              </a:rPr>
+              <a:t>4</a:t>
+            </a:r>
+            <a:endParaRPr kumimoji="1" lang="ko-Kore-KR" altLang="en-US" sz="1400" dirty="0">
+              <a:solidFill>
+                <a:schemeClr val="tx1"/>
+              </a:solidFill>
+            </a:endParaRPr>
+          </a:p>
+        </p:txBody>
+      </p:sp>
+      <p:sp>
+        <p:nvSpPr>
+          <p:cNvPr id="9" name="직사각형 8">
+            <a:extLst>
+              <a:ext uri="{FF2B5EF4-FFF2-40B4-BE49-F238E27FC236}">
+                <a16:creationId xmlns:a16="http://schemas.microsoft.com/office/drawing/2014/main" id="{3B0074F7-BC01-AD71-54E8-5BC12B310836}"/>
+              </a:ext>
+            </a:extLst>
+          </p:cNvPr>
+          <p:cNvSpPr/>
+          <p:nvPr/>
+        </p:nvSpPr>
+        <p:spPr>
+          <a:xfrm>
+            <a:off x="7717794" y="882764"/>
+            <a:ext cx="540598" cy="764875"/>
+          </a:xfrm>
+          <a:prstGeom prst="rect">
+            <a:avLst/>
+          </a:prstGeom>
+          <a:solidFill>
+            <a:srgbClr val="FFFF00"/>
+          </a:solidFill>
+        </p:spPr>
+        <p:style>
+          <a:lnRef idx="2">
+            <a:schemeClr val="accent1">
+              <a:shade val="50000"/>
+            </a:schemeClr>
+          </a:lnRef>
+          <a:fillRef idx="1">
+            <a:schemeClr val="accent1"/>
+          </a:fillRef>
+          <a:effectRef idx="0">
+            <a:schemeClr val="accent1"/>
+          </a:effectRef>
+          <a:fontRef idx="minor">
+            <a:schemeClr val="lt1"/>
+          </a:fontRef>
+        </p:style>
+        <p:txBody>
+          <a:bodyPr rtlCol="0" anchor="ctr"/>
+          <a:lstStyle/>
+          <a:p>
+            <a:pPr algn="ctr"/>
+            <a:r>
+              <a:rPr kumimoji="1" lang="en-US" altLang="ko-KR" sz="1400" dirty="0">
+                <a:solidFill>
+                  <a:schemeClr val="tx1"/>
+                </a:solidFill>
+              </a:rPr>
+              <a:t>5</a:t>
+            </a:r>
+            <a:endParaRPr kumimoji="1" lang="ko-Kore-KR" altLang="en-US" sz="1400" dirty="0">
+              <a:solidFill>
+                <a:schemeClr val="tx1"/>
+              </a:solidFill>
+            </a:endParaRPr>
+          </a:p>
+        </p:txBody>
+      </p:sp>
+      <p:sp>
+        <p:nvSpPr>
+          <p:cNvPr id="10" name="직사각형 9">
+            <a:extLst>
+              <a:ext uri="{FF2B5EF4-FFF2-40B4-BE49-F238E27FC236}">
+                <a16:creationId xmlns:a16="http://schemas.microsoft.com/office/drawing/2014/main" id="{A7F1B7FC-CBFE-B2B5-C86C-8BAC93DDE586}"/>
+              </a:ext>
+            </a:extLst>
+          </p:cNvPr>
+          <p:cNvSpPr/>
+          <p:nvPr/>
+        </p:nvSpPr>
+        <p:spPr>
+          <a:xfrm>
+            <a:off x="5232878" y="1135977"/>
+            <a:ext cx="322524" cy="369332"/>
+          </a:xfrm>
+          <a:prstGeom prst="rect">
+            <a:avLst/>
+          </a:prstGeom>
+        </p:spPr>
+        <p:txBody>
+          <a:bodyPr wrap="none">
+            <a:spAutoFit/>
+          </a:bodyPr>
+          <a:lstStyle/>
+          <a:p>
+            <a:r>
+              <a:rPr lang="en" altLang="ko-Kore-KR" dirty="0">
+                <a:solidFill>
+                  <a:srgbClr val="001080"/>
+                </a:solidFill>
+                <a:latin typeface="DM Mono" panose="020B0509040201040103" pitchFamily="49" charset="0"/>
+              </a:rPr>
+              <a:t>x</a:t>
+            </a:r>
+            <a:endParaRPr lang="ko-Kore-KR" altLang="en-US" dirty="0"/>
+          </a:p>
+        </p:txBody>
+      </p:sp>
+      <p:sp>
+        <p:nvSpPr>
+          <p:cNvPr id="11" name="직사각형 10">
+            <a:extLst>
+              <a:ext uri="{FF2B5EF4-FFF2-40B4-BE49-F238E27FC236}">
+                <a16:creationId xmlns:a16="http://schemas.microsoft.com/office/drawing/2014/main" id="{BD6A40CD-B756-D15B-F21F-8BB3CFFEE87E}"/>
+              </a:ext>
+            </a:extLst>
+          </p:cNvPr>
+          <p:cNvSpPr/>
+          <p:nvPr/>
+        </p:nvSpPr>
+        <p:spPr>
+          <a:xfrm>
+            <a:off x="4560489" y="2984738"/>
+            <a:ext cx="540598" cy="764875"/>
+          </a:xfrm>
+          <a:prstGeom prst="rect">
+            <a:avLst/>
+          </a:prstGeom>
+          <a:solidFill>
+            <a:srgbClr val="FFFF00"/>
+          </a:solidFill>
+        </p:spPr>
+        <p:style>
+          <a:lnRef idx="2">
+            <a:schemeClr val="accent1">
+              <a:shade val="50000"/>
+            </a:schemeClr>
+          </a:lnRef>
+          <a:fillRef idx="1">
+            <a:schemeClr val="accent1"/>
+          </a:fillRef>
+          <a:effectRef idx="0">
+            <a:schemeClr val="accent1"/>
+          </a:effectRef>
+          <a:fontRef idx="minor">
+            <a:schemeClr val="lt1"/>
+          </a:fontRef>
+        </p:style>
+        <p:txBody>
+          <a:bodyPr rtlCol="0" anchor="ctr"/>
+          <a:lstStyle/>
+          <a:p>
+            <a:pPr algn="ctr"/>
+            <a:endParaRPr kumimoji="1" lang="ko-Kore-KR" altLang="en-US" sz="1400" dirty="0">
+              <a:solidFill>
+                <a:schemeClr val="tx1"/>
+              </a:solidFill>
+            </a:endParaRPr>
+          </a:p>
+        </p:txBody>
+      </p:sp>
+      <p:sp>
+        <p:nvSpPr>
+          <p:cNvPr id="12" name="직사각형 11">
+            <a:extLst>
+              <a:ext uri="{FF2B5EF4-FFF2-40B4-BE49-F238E27FC236}">
+                <a16:creationId xmlns:a16="http://schemas.microsoft.com/office/drawing/2014/main" id="{84DA724F-F57C-1876-327D-F2C7B78CE06C}"/>
+              </a:ext>
+            </a:extLst>
+          </p:cNvPr>
+          <p:cNvSpPr/>
+          <p:nvPr/>
+        </p:nvSpPr>
+        <p:spPr>
+          <a:xfrm>
+            <a:off x="4237965" y="3237947"/>
+            <a:ext cx="322524" cy="369332"/>
+          </a:xfrm>
+          <a:prstGeom prst="rect">
+            <a:avLst/>
+          </a:prstGeom>
+        </p:spPr>
+        <p:txBody>
+          <a:bodyPr wrap="none">
+            <a:spAutoFit/>
+          </a:bodyPr>
+          <a:lstStyle/>
+          <a:p>
+            <a:r>
+              <a:rPr lang="en" altLang="ko-Kore-KR" dirty="0">
+                <a:solidFill>
+                  <a:srgbClr val="001080"/>
+                </a:solidFill>
+                <a:latin typeface="DM Mono" panose="020B0509040201040103" pitchFamily="49" charset="0"/>
+              </a:rPr>
+              <a:t>p</a:t>
+            </a:r>
+            <a:endParaRPr lang="ko-Kore-KR" altLang="en-US" dirty="0"/>
+          </a:p>
+        </p:txBody>
+      </p:sp>
+      <p:cxnSp>
+        <p:nvCxnSpPr>
+          <p:cNvPr id="14" name="구부러진 연결선[U] 13">
+            <a:extLst>
+              <a:ext uri="{FF2B5EF4-FFF2-40B4-BE49-F238E27FC236}">
+                <a16:creationId xmlns:a16="http://schemas.microsoft.com/office/drawing/2014/main" id="{B5850FED-9484-FB07-C6CD-A8581680A007}"/>
+              </a:ext>
+            </a:extLst>
+          </p:cNvPr>
+          <p:cNvCxnSpPr>
+            <a:cxnSpLocks/>
+            <a:stCxn id="11" idx="0"/>
+            <a:endCxn id="5" idx="2"/>
+          </p:cNvCxnSpPr>
+          <p:nvPr/>
+        </p:nvCxnSpPr>
+        <p:spPr>
+          <a:xfrm rot="5400000" flipH="1" flipV="1">
+            <a:off x="4659697" y="1818735"/>
+            <a:ext cx="1337095" cy="994913"/>
+          </a:xfrm>
+          <a:prstGeom prst="curvedConnector3">
+            <a:avLst/>
+          </a:prstGeom>
+          <a:ln>
+            <a:tailEnd type="triangle"/>
+          </a:ln>
+        </p:spPr>
+        <p:style>
+          <a:lnRef idx="1">
+            <a:schemeClr val="accent1"/>
+          </a:lnRef>
+          <a:fillRef idx="0">
+            <a:schemeClr val="accent1"/>
+          </a:fillRef>
+          <a:effectRef idx="0">
+            <a:schemeClr val="accent1"/>
+          </a:effectRef>
+          <a:fontRef idx="minor">
+            <a:schemeClr val="tx1"/>
+          </a:fontRef>
+        </p:style>
+      </p:cxnSp>
+      <p:sp>
+        <p:nvSpPr>
+          <p:cNvPr id="15" name="직사각형 14">
+            <a:extLst>
+              <a:ext uri="{FF2B5EF4-FFF2-40B4-BE49-F238E27FC236}">
+                <a16:creationId xmlns:a16="http://schemas.microsoft.com/office/drawing/2014/main" id="{E12062BF-90F0-E8E9-FE8B-C5FEE0422BDF}"/>
+              </a:ext>
+            </a:extLst>
+          </p:cNvPr>
+          <p:cNvSpPr/>
+          <p:nvPr/>
+        </p:nvSpPr>
+        <p:spPr>
+          <a:xfrm>
+            <a:off x="4267870" y="4260284"/>
+            <a:ext cx="1287532" cy="369332"/>
+          </a:xfrm>
+          <a:prstGeom prst="rect">
+            <a:avLst/>
+          </a:prstGeom>
+        </p:spPr>
+        <p:txBody>
+          <a:bodyPr wrap="none">
+            <a:spAutoFit/>
+          </a:bodyPr>
+          <a:lstStyle/>
+          <a:p>
+            <a:r>
+              <a:rPr lang="en" altLang="ko-Kore-KR" dirty="0">
+                <a:solidFill>
+                  <a:srgbClr val="000000"/>
+                </a:solidFill>
+                <a:latin typeface="DM Mono" panose="020B0509040201040103" pitchFamily="49" charset="0"/>
+              </a:rPr>
+              <a:t>*(</a:t>
+            </a:r>
+            <a:r>
+              <a:rPr lang="en" altLang="ko-Kore-KR" dirty="0">
+                <a:solidFill>
+                  <a:srgbClr val="001080"/>
+                </a:solidFill>
+                <a:latin typeface="DM Mono" panose="020B0509040201040103" pitchFamily="49" charset="0"/>
+              </a:rPr>
+              <a:t>p</a:t>
+            </a:r>
+            <a:r>
+              <a:rPr lang="en" altLang="ko-Kore-KR" dirty="0">
+                <a:solidFill>
+                  <a:srgbClr val="000000"/>
+                </a:solidFill>
+                <a:latin typeface="DM Mono" panose="020B0509040201040103" pitchFamily="49" charset="0"/>
+              </a:rPr>
+              <a:t> + </a:t>
+            </a:r>
+            <a:r>
+              <a:rPr lang="en" altLang="ko-Kore-KR" dirty="0">
+                <a:solidFill>
+                  <a:srgbClr val="098658"/>
+                </a:solidFill>
+                <a:latin typeface="DM Mono" panose="020B0509040201040103" pitchFamily="49" charset="0"/>
+              </a:rPr>
+              <a:t>1</a:t>
+            </a:r>
+            <a:r>
+              <a:rPr lang="en" altLang="ko-Kore-KR" dirty="0">
+                <a:solidFill>
+                  <a:srgbClr val="000000"/>
+                </a:solidFill>
+                <a:latin typeface="DM Mono" panose="020B0509040201040103" pitchFamily="49" charset="0"/>
+              </a:rPr>
+              <a:t>)</a:t>
+            </a:r>
+            <a:endParaRPr lang="en" altLang="ko-Kore-KR" b="0" dirty="0">
+              <a:solidFill>
+                <a:srgbClr val="000000"/>
+              </a:solidFill>
+              <a:effectLst/>
+              <a:latin typeface="DM Mono" panose="020B0509040201040103" pitchFamily="49" charset="0"/>
+            </a:endParaRPr>
+          </a:p>
+        </p:txBody>
+      </p:sp>
+      <p:cxnSp>
+        <p:nvCxnSpPr>
+          <p:cNvPr id="17" name="구부러진 연결선[U] 16">
+            <a:extLst>
+              <a:ext uri="{FF2B5EF4-FFF2-40B4-BE49-F238E27FC236}">
+                <a16:creationId xmlns:a16="http://schemas.microsoft.com/office/drawing/2014/main" id="{FB417FB5-C740-E731-9818-612E880E9390}"/>
+              </a:ext>
+            </a:extLst>
+          </p:cNvPr>
+          <p:cNvCxnSpPr>
+            <a:stCxn id="15" idx="3"/>
+            <a:endCxn id="6" idx="2"/>
+          </p:cNvCxnSpPr>
+          <p:nvPr/>
+        </p:nvCxnSpPr>
+        <p:spPr>
+          <a:xfrm flipV="1">
+            <a:off x="5555402" y="1647642"/>
+            <a:ext cx="810897" cy="2797308"/>
+          </a:xfrm>
+          <a:prstGeom prst="curvedConnector2">
+            <a:avLst/>
+          </a:prstGeom>
+          <a:ln>
+            <a:tailEnd type="triangle"/>
+          </a:ln>
+        </p:spPr>
+        <p:style>
+          <a:lnRef idx="1">
+            <a:schemeClr val="accent1"/>
+          </a:lnRef>
+          <a:fillRef idx="0">
+            <a:schemeClr val="accent1"/>
+          </a:fillRef>
+          <a:effectRef idx="0">
+            <a:schemeClr val="accent1"/>
+          </a:effectRef>
+          <a:fontRef idx="minor">
+            <a:schemeClr val="tx1"/>
+          </a:fontRef>
+        </p:style>
+      </p:cxnSp>
+    </p:spTree>
+    <p:extLst>
+      <p:ext uri="{BB962C8B-B14F-4D97-AF65-F5344CB8AC3E}">
+        <p14:creationId xmlns:p14="http://schemas.microsoft.com/office/powerpoint/2010/main" val="294495424"/>
+      </p:ext>
+    </p:extLst>
+  </p:cSld>
+  <p:clrMapOvr>
+    <a:masterClrMapping/>
+  </p:clrMapOvr>
+</p:sld>
+</file>
+
+<file path=ppt/slides/slide12.xml><?xml version="1.0" encoding="utf-8"?>
+<p:sld xmlns:a="http://schemas.openxmlformats.org/drawingml/2006/main" xmlns:r="http://schemas.openxmlformats.org/officeDocument/2006/relationships" xmlns:p="http://schemas.openxmlformats.org/presentationml/2006/main">
+  <p:cSld>
+    <p:spTree>
+      <p:nvGrpSpPr>
+        <p:cNvPr id="1" name=""/>
+        <p:cNvGrpSpPr/>
+        <p:nvPr/>
+      </p:nvGrpSpPr>
+      <p:grpSpPr>
+        <a:xfrm>
+          <a:off x="0" y="0"/>
+          <a:ext cx="0" cy="0"/>
+          <a:chOff x="0" y="0"/>
+          <a:chExt cx="0" cy="0"/>
+        </a:xfrm>
+      </p:grpSpPr>
+      <p:sp>
+        <p:nvSpPr>
+          <p:cNvPr id="4" name="직사각형 3">
+            <a:extLst>
+              <a:ext uri="{FF2B5EF4-FFF2-40B4-BE49-F238E27FC236}">
+                <a16:creationId xmlns:a16="http://schemas.microsoft.com/office/drawing/2014/main" id="{546B1669-6EE1-44B7-3E44-6A1427B2F0DE}"/>
+              </a:ext>
+            </a:extLst>
+          </p:cNvPr>
+          <p:cNvSpPr/>
+          <p:nvPr/>
+        </p:nvSpPr>
+        <p:spPr>
+          <a:xfrm>
+            <a:off x="158151" y="212648"/>
+            <a:ext cx="6096000" cy="923330"/>
+          </a:xfrm>
+          <a:prstGeom prst="rect">
+            <a:avLst/>
+          </a:prstGeom>
+        </p:spPr>
+        <p:txBody>
+          <a:bodyPr>
+            <a:spAutoFit/>
+          </a:bodyPr>
+          <a:lstStyle/>
+          <a:p>
+            <a:r>
+              <a:rPr lang="en" altLang="ko-Kore-KR" dirty="0">
+                <a:solidFill>
+                  <a:srgbClr val="0000FF"/>
+                </a:solidFill>
+                <a:latin typeface="DM Mono" panose="020B0509040201040103" pitchFamily="49" charset="0"/>
+              </a:rPr>
+              <a:t>int</a:t>
+            </a:r>
+            <a:r>
+              <a:rPr lang="en" altLang="ko-Kore-KR" dirty="0">
+                <a:solidFill>
+                  <a:srgbClr val="000000"/>
+                </a:solidFill>
+                <a:latin typeface="DM Mono" panose="020B0509040201040103" pitchFamily="49" charset="0"/>
+              </a:rPr>
+              <a:t> </a:t>
+            </a:r>
+            <a:r>
+              <a:rPr lang="en" altLang="ko-Kore-KR" dirty="0">
+                <a:solidFill>
+                  <a:srgbClr val="001080"/>
+                </a:solidFill>
+                <a:latin typeface="DM Mono" panose="020B0509040201040103" pitchFamily="49" charset="0"/>
+              </a:rPr>
+              <a:t>x</a:t>
+            </a:r>
+            <a:r>
+              <a:rPr lang="en" altLang="ko-Kore-KR" dirty="0">
+                <a:solidFill>
+                  <a:srgbClr val="000000"/>
+                </a:solidFill>
+                <a:latin typeface="DM Mono" panose="020B0509040201040103" pitchFamily="49" charset="0"/>
+              </a:rPr>
+              <a:t>[</a:t>
+            </a:r>
+            <a:r>
+              <a:rPr lang="en" altLang="ko-Kore-KR" dirty="0">
+                <a:solidFill>
+                  <a:srgbClr val="098658"/>
+                </a:solidFill>
+                <a:latin typeface="DM Mono" panose="020B0509040201040103" pitchFamily="49" charset="0"/>
+              </a:rPr>
+              <a:t>3</a:t>
+            </a:r>
+            <a:r>
+              <a:rPr lang="en" altLang="ko-Kore-KR" dirty="0">
+                <a:solidFill>
+                  <a:srgbClr val="000000"/>
+                </a:solidFill>
+                <a:latin typeface="DM Mono" panose="020B0509040201040103" pitchFamily="49" charset="0"/>
+              </a:rPr>
+              <a:t>] = { </a:t>
+            </a:r>
+            <a:r>
+              <a:rPr lang="en" altLang="ko-Kore-KR" dirty="0">
+                <a:solidFill>
+                  <a:srgbClr val="098658"/>
+                </a:solidFill>
+                <a:latin typeface="DM Mono" panose="020B0509040201040103" pitchFamily="49" charset="0"/>
+              </a:rPr>
+              <a:t>1</a:t>
+            </a:r>
+            <a:r>
+              <a:rPr lang="en" altLang="ko-Kore-KR" dirty="0">
+                <a:solidFill>
+                  <a:srgbClr val="000000"/>
+                </a:solidFill>
+                <a:latin typeface="DM Mono" panose="020B0509040201040103" pitchFamily="49" charset="0"/>
+              </a:rPr>
+              <a:t>, </a:t>
+            </a:r>
+            <a:r>
+              <a:rPr lang="en" altLang="ko-Kore-KR" dirty="0">
+                <a:solidFill>
+                  <a:srgbClr val="098658"/>
+                </a:solidFill>
+                <a:latin typeface="DM Mono" panose="020B0509040201040103" pitchFamily="49" charset="0"/>
+              </a:rPr>
+              <a:t>2</a:t>
+            </a:r>
+            <a:r>
+              <a:rPr lang="en" altLang="ko-Kore-KR" dirty="0">
+                <a:solidFill>
+                  <a:srgbClr val="000000"/>
+                </a:solidFill>
+                <a:latin typeface="DM Mono" panose="020B0509040201040103" pitchFamily="49" charset="0"/>
+              </a:rPr>
+              <a:t>, </a:t>
+            </a:r>
+            <a:r>
+              <a:rPr lang="en" altLang="ko-Kore-KR" dirty="0">
+                <a:solidFill>
+                  <a:srgbClr val="098658"/>
+                </a:solidFill>
+                <a:latin typeface="DM Mono" panose="020B0509040201040103" pitchFamily="49" charset="0"/>
+              </a:rPr>
+              <a:t>3</a:t>
+            </a:r>
+            <a:r>
+              <a:rPr lang="en" altLang="ko-Kore-KR" dirty="0">
+                <a:solidFill>
+                  <a:srgbClr val="000000"/>
+                </a:solidFill>
+                <a:latin typeface="DM Mono" panose="020B0509040201040103" pitchFamily="49" charset="0"/>
+              </a:rPr>
+              <a:t> };</a:t>
+            </a:r>
+          </a:p>
+          <a:p>
+            <a:br>
+              <a:rPr lang="en" altLang="ko-Kore-KR" dirty="0">
+                <a:solidFill>
+                  <a:srgbClr val="000000"/>
+                </a:solidFill>
+                <a:latin typeface="DM Mono" panose="020B0509040201040103" pitchFamily="49" charset="0"/>
+              </a:rPr>
+            </a:br>
+            <a:r>
+              <a:rPr lang="en" altLang="ko-Kore-KR" dirty="0">
+                <a:solidFill>
+                  <a:srgbClr val="0000FF"/>
+                </a:solidFill>
+                <a:latin typeface="DM Mono" panose="020B0509040201040103" pitchFamily="49" charset="0"/>
+              </a:rPr>
+              <a:t>int</a:t>
+            </a:r>
+            <a:r>
+              <a:rPr lang="en" altLang="ko-Kore-KR" dirty="0">
+                <a:solidFill>
+                  <a:srgbClr val="000000"/>
+                </a:solidFill>
+                <a:latin typeface="DM Mono" panose="020B0509040201040103" pitchFamily="49" charset="0"/>
+              </a:rPr>
+              <a:t>* </a:t>
+            </a:r>
+            <a:r>
+              <a:rPr lang="en" altLang="ko-Kore-KR" dirty="0">
+                <a:solidFill>
+                  <a:srgbClr val="001080"/>
+                </a:solidFill>
+                <a:latin typeface="DM Mono" panose="020B0509040201040103" pitchFamily="49" charset="0"/>
+              </a:rPr>
+              <a:t>p</a:t>
+            </a:r>
+            <a:r>
+              <a:rPr lang="en" altLang="ko-Kore-KR" dirty="0">
+                <a:solidFill>
+                  <a:srgbClr val="000000"/>
+                </a:solidFill>
+                <a:latin typeface="DM Mono" panose="020B0509040201040103" pitchFamily="49" charset="0"/>
+              </a:rPr>
+              <a:t> = </a:t>
+            </a:r>
+            <a:r>
+              <a:rPr lang="en" altLang="ko-Kore-KR" dirty="0">
+                <a:solidFill>
+                  <a:srgbClr val="001080"/>
+                </a:solidFill>
+                <a:latin typeface="DM Mono" panose="020B0509040201040103" pitchFamily="49" charset="0"/>
+              </a:rPr>
+              <a:t>x</a:t>
+            </a:r>
+            <a:r>
+              <a:rPr lang="en" altLang="ko-Kore-KR" dirty="0">
+                <a:solidFill>
+                  <a:srgbClr val="000000"/>
+                </a:solidFill>
+                <a:latin typeface="DM Mono" panose="020B0509040201040103" pitchFamily="49" charset="0"/>
+              </a:rPr>
+              <a:t> + </a:t>
+            </a:r>
+            <a:r>
+              <a:rPr lang="en" altLang="ko-Kore-KR" dirty="0">
+                <a:solidFill>
+                  <a:srgbClr val="098658"/>
+                </a:solidFill>
+                <a:latin typeface="DM Mono" panose="020B0509040201040103" pitchFamily="49" charset="0"/>
+              </a:rPr>
+              <a:t>2</a:t>
+            </a:r>
+            <a:r>
+              <a:rPr lang="en" altLang="ko-Kore-KR" dirty="0">
+                <a:solidFill>
+                  <a:srgbClr val="000000"/>
+                </a:solidFill>
+                <a:latin typeface="DM Mono" panose="020B0509040201040103" pitchFamily="49" charset="0"/>
+              </a:rPr>
+              <a:t>;</a:t>
+            </a:r>
+          </a:p>
+        </p:txBody>
+      </p:sp>
+      <p:sp>
+        <p:nvSpPr>
+          <p:cNvPr id="5" name="직사각형 4">
+            <a:extLst>
+              <a:ext uri="{FF2B5EF4-FFF2-40B4-BE49-F238E27FC236}">
+                <a16:creationId xmlns:a16="http://schemas.microsoft.com/office/drawing/2014/main" id="{5AE045B0-9E1B-7D7F-335F-5DBFB7A1B262}"/>
+              </a:ext>
+            </a:extLst>
+          </p:cNvPr>
+          <p:cNvSpPr/>
+          <p:nvPr/>
+        </p:nvSpPr>
+        <p:spPr>
+          <a:xfrm>
+            <a:off x="5555402" y="882768"/>
+            <a:ext cx="540598" cy="764875"/>
+          </a:xfrm>
+          <a:prstGeom prst="rect">
+            <a:avLst/>
+          </a:prstGeom>
+          <a:solidFill>
+            <a:schemeClr val="accent2"/>
+          </a:solidFill>
+        </p:spPr>
+        <p:style>
+          <a:lnRef idx="2">
+            <a:schemeClr val="accent1">
+              <a:shade val="50000"/>
+            </a:schemeClr>
+          </a:lnRef>
+          <a:fillRef idx="1">
+            <a:schemeClr val="accent1"/>
+          </a:fillRef>
+          <a:effectRef idx="0">
+            <a:schemeClr val="accent1"/>
+          </a:effectRef>
+          <a:fontRef idx="minor">
+            <a:schemeClr val="lt1"/>
+          </a:fontRef>
+        </p:style>
+        <p:txBody>
+          <a:bodyPr rtlCol="0" anchor="ctr"/>
+          <a:lstStyle/>
+          <a:p>
+            <a:pPr algn="ctr"/>
+            <a:r>
+              <a:rPr kumimoji="1" lang="en-US" altLang="ko-KR" sz="1400" dirty="0">
+                <a:solidFill>
+                  <a:schemeClr val="tx1"/>
+                </a:solidFill>
+              </a:rPr>
+              <a:t>1</a:t>
+            </a:r>
+            <a:endParaRPr kumimoji="1" lang="ko-Kore-KR" altLang="en-US" sz="1400" dirty="0">
+              <a:solidFill>
+                <a:schemeClr val="tx1"/>
+              </a:solidFill>
+            </a:endParaRPr>
+          </a:p>
+        </p:txBody>
+      </p:sp>
+      <p:sp>
+        <p:nvSpPr>
+          <p:cNvPr id="6" name="직사각형 5">
+            <a:extLst>
+              <a:ext uri="{FF2B5EF4-FFF2-40B4-BE49-F238E27FC236}">
+                <a16:creationId xmlns:a16="http://schemas.microsoft.com/office/drawing/2014/main" id="{278AFF64-A8AD-3C84-BCDF-F76C3D4C7114}"/>
+              </a:ext>
+            </a:extLst>
+          </p:cNvPr>
+          <p:cNvSpPr/>
+          <p:nvPr/>
+        </p:nvSpPr>
+        <p:spPr>
+          <a:xfrm>
+            <a:off x="6096000" y="882767"/>
+            <a:ext cx="540598" cy="764875"/>
+          </a:xfrm>
+          <a:prstGeom prst="rect">
+            <a:avLst/>
+          </a:prstGeom>
+          <a:solidFill>
+            <a:srgbClr val="FFFF00"/>
+          </a:solidFill>
+        </p:spPr>
+        <p:style>
+          <a:lnRef idx="2">
+            <a:schemeClr val="accent1">
+              <a:shade val="50000"/>
+            </a:schemeClr>
+          </a:lnRef>
+          <a:fillRef idx="1">
+            <a:schemeClr val="accent1"/>
+          </a:fillRef>
+          <a:effectRef idx="0">
+            <a:schemeClr val="accent1"/>
+          </a:effectRef>
+          <a:fontRef idx="minor">
+            <a:schemeClr val="lt1"/>
+          </a:fontRef>
+        </p:style>
+        <p:txBody>
+          <a:bodyPr rtlCol="0" anchor="ctr"/>
+          <a:lstStyle/>
+          <a:p>
+            <a:pPr algn="ctr"/>
+            <a:r>
+              <a:rPr kumimoji="1" lang="en-US" altLang="ko-KR" sz="1400" dirty="0">
+                <a:solidFill>
+                  <a:schemeClr val="tx1"/>
+                </a:solidFill>
+              </a:rPr>
+              <a:t>2</a:t>
+            </a:r>
+            <a:endParaRPr kumimoji="1" lang="ko-Kore-KR" altLang="en-US" sz="1400" dirty="0">
+              <a:solidFill>
+                <a:schemeClr val="tx1"/>
+              </a:solidFill>
+            </a:endParaRPr>
+          </a:p>
+        </p:txBody>
+      </p:sp>
+      <p:sp>
+        <p:nvSpPr>
+          <p:cNvPr id="7" name="직사각형 6">
+            <a:extLst>
+              <a:ext uri="{FF2B5EF4-FFF2-40B4-BE49-F238E27FC236}">
+                <a16:creationId xmlns:a16="http://schemas.microsoft.com/office/drawing/2014/main" id="{81E98844-3907-4394-3631-F046805B52FA}"/>
+              </a:ext>
+            </a:extLst>
+          </p:cNvPr>
+          <p:cNvSpPr/>
+          <p:nvPr/>
+        </p:nvSpPr>
+        <p:spPr>
+          <a:xfrm>
+            <a:off x="6636598" y="882766"/>
+            <a:ext cx="540598" cy="764875"/>
+          </a:xfrm>
+          <a:prstGeom prst="rect">
+            <a:avLst/>
+          </a:prstGeom>
+          <a:solidFill>
+            <a:srgbClr val="FFFF00"/>
+          </a:solidFill>
+        </p:spPr>
+        <p:style>
+          <a:lnRef idx="2">
+            <a:schemeClr val="accent1">
+              <a:shade val="50000"/>
+            </a:schemeClr>
+          </a:lnRef>
+          <a:fillRef idx="1">
+            <a:schemeClr val="accent1"/>
+          </a:fillRef>
+          <a:effectRef idx="0">
+            <a:schemeClr val="accent1"/>
+          </a:effectRef>
+          <a:fontRef idx="minor">
+            <a:schemeClr val="lt1"/>
+          </a:fontRef>
+        </p:style>
+        <p:txBody>
+          <a:bodyPr rtlCol="0" anchor="ctr"/>
+          <a:lstStyle/>
+          <a:p>
+            <a:pPr algn="ctr"/>
+            <a:r>
+              <a:rPr kumimoji="1" lang="en-US" altLang="ko-KR" sz="1400" dirty="0">
+                <a:solidFill>
+                  <a:schemeClr val="tx1"/>
+                </a:solidFill>
+              </a:rPr>
+              <a:t>3</a:t>
+            </a:r>
+            <a:endParaRPr kumimoji="1" lang="ko-Kore-KR" altLang="en-US" sz="1400" dirty="0">
+              <a:solidFill>
+                <a:schemeClr val="tx1"/>
+              </a:solidFill>
+            </a:endParaRPr>
+          </a:p>
+        </p:txBody>
+      </p:sp>
+      <p:sp>
+        <p:nvSpPr>
+          <p:cNvPr id="10" name="직사각형 9">
+            <a:extLst>
+              <a:ext uri="{FF2B5EF4-FFF2-40B4-BE49-F238E27FC236}">
+                <a16:creationId xmlns:a16="http://schemas.microsoft.com/office/drawing/2014/main" id="{A7F1B7FC-CBFE-B2B5-C86C-8BAC93DDE586}"/>
+              </a:ext>
+            </a:extLst>
+          </p:cNvPr>
+          <p:cNvSpPr/>
+          <p:nvPr/>
+        </p:nvSpPr>
+        <p:spPr>
+          <a:xfrm>
+            <a:off x="5232878" y="1135977"/>
+            <a:ext cx="322524" cy="369332"/>
+          </a:xfrm>
+          <a:prstGeom prst="rect">
+            <a:avLst/>
+          </a:prstGeom>
+        </p:spPr>
+        <p:txBody>
+          <a:bodyPr wrap="none">
+            <a:spAutoFit/>
+          </a:bodyPr>
+          <a:lstStyle/>
+          <a:p>
+            <a:r>
+              <a:rPr lang="en" altLang="ko-Kore-KR" dirty="0">
+                <a:solidFill>
+                  <a:srgbClr val="001080"/>
+                </a:solidFill>
+                <a:latin typeface="DM Mono" panose="020B0509040201040103" pitchFamily="49" charset="0"/>
+              </a:rPr>
+              <a:t>x</a:t>
+            </a:r>
+            <a:endParaRPr lang="ko-Kore-KR" altLang="en-US" dirty="0"/>
+          </a:p>
+        </p:txBody>
+      </p:sp>
+      <p:sp>
+        <p:nvSpPr>
+          <p:cNvPr id="11" name="직사각형 10">
+            <a:extLst>
+              <a:ext uri="{FF2B5EF4-FFF2-40B4-BE49-F238E27FC236}">
+                <a16:creationId xmlns:a16="http://schemas.microsoft.com/office/drawing/2014/main" id="{BD6A40CD-B756-D15B-F21F-8BB3CFFEE87E}"/>
+              </a:ext>
+            </a:extLst>
+          </p:cNvPr>
+          <p:cNvSpPr/>
+          <p:nvPr/>
+        </p:nvSpPr>
+        <p:spPr>
+          <a:xfrm>
+            <a:off x="4560489" y="2984738"/>
+            <a:ext cx="540598" cy="764875"/>
+          </a:xfrm>
+          <a:prstGeom prst="rect">
+            <a:avLst/>
+          </a:prstGeom>
+          <a:solidFill>
+            <a:srgbClr val="FFFF00"/>
+          </a:solidFill>
+        </p:spPr>
+        <p:style>
+          <a:lnRef idx="2">
+            <a:schemeClr val="accent1">
+              <a:shade val="50000"/>
+            </a:schemeClr>
+          </a:lnRef>
+          <a:fillRef idx="1">
+            <a:schemeClr val="accent1"/>
+          </a:fillRef>
+          <a:effectRef idx="0">
+            <a:schemeClr val="accent1"/>
+          </a:effectRef>
+          <a:fontRef idx="minor">
+            <a:schemeClr val="lt1"/>
+          </a:fontRef>
+        </p:style>
+        <p:txBody>
+          <a:bodyPr rtlCol="0" anchor="ctr"/>
+          <a:lstStyle/>
+          <a:p>
+            <a:pPr algn="ctr"/>
+            <a:endParaRPr kumimoji="1" lang="ko-Kore-KR" altLang="en-US" sz="1400" dirty="0">
+              <a:solidFill>
+                <a:schemeClr val="tx1"/>
+              </a:solidFill>
+            </a:endParaRPr>
+          </a:p>
+        </p:txBody>
+      </p:sp>
+      <p:sp>
+        <p:nvSpPr>
+          <p:cNvPr id="12" name="직사각형 11">
+            <a:extLst>
+              <a:ext uri="{FF2B5EF4-FFF2-40B4-BE49-F238E27FC236}">
+                <a16:creationId xmlns:a16="http://schemas.microsoft.com/office/drawing/2014/main" id="{84DA724F-F57C-1876-327D-F2C7B78CE06C}"/>
+              </a:ext>
+            </a:extLst>
+          </p:cNvPr>
+          <p:cNvSpPr/>
+          <p:nvPr/>
+        </p:nvSpPr>
+        <p:spPr>
+          <a:xfrm>
+            <a:off x="4237965" y="3237947"/>
+            <a:ext cx="322524" cy="369332"/>
+          </a:xfrm>
+          <a:prstGeom prst="rect">
+            <a:avLst/>
+          </a:prstGeom>
+        </p:spPr>
+        <p:txBody>
+          <a:bodyPr wrap="none">
+            <a:spAutoFit/>
+          </a:bodyPr>
+          <a:lstStyle/>
+          <a:p>
+            <a:r>
+              <a:rPr lang="en" altLang="ko-Kore-KR" dirty="0">
+                <a:solidFill>
+                  <a:srgbClr val="001080"/>
+                </a:solidFill>
+                <a:latin typeface="DM Mono" panose="020B0509040201040103" pitchFamily="49" charset="0"/>
+              </a:rPr>
+              <a:t>p</a:t>
+            </a:r>
+            <a:endParaRPr lang="ko-Kore-KR" altLang="en-US" dirty="0"/>
+          </a:p>
+        </p:txBody>
+      </p:sp>
+      <p:cxnSp>
+        <p:nvCxnSpPr>
+          <p:cNvPr id="14" name="구부러진 연결선[U] 13">
+            <a:extLst>
+              <a:ext uri="{FF2B5EF4-FFF2-40B4-BE49-F238E27FC236}">
+                <a16:creationId xmlns:a16="http://schemas.microsoft.com/office/drawing/2014/main" id="{B5850FED-9484-FB07-C6CD-A8581680A007}"/>
+              </a:ext>
+            </a:extLst>
+          </p:cNvPr>
+          <p:cNvCxnSpPr>
+            <a:cxnSpLocks/>
+            <a:stCxn id="11" idx="0"/>
+            <a:endCxn id="7" idx="2"/>
+          </p:cNvCxnSpPr>
+          <p:nvPr/>
+        </p:nvCxnSpPr>
+        <p:spPr>
+          <a:xfrm rot="5400000" flipH="1" flipV="1">
+            <a:off x="5200294" y="1278136"/>
+            <a:ext cx="1337097" cy="2076109"/>
+          </a:xfrm>
+          <a:prstGeom prst="curvedConnector3">
+            <a:avLst/>
+          </a:prstGeom>
+          <a:ln>
+            <a:tailEnd type="triangle"/>
+          </a:ln>
+        </p:spPr>
+        <p:style>
+          <a:lnRef idx="1">
+            <a:schemeClr val="accent1"/>
+          </a:lnRef>
+          <a:fillRef idx="0">
+            <a:schemeClr val="accent1"/>
+          </a:fillRef>
+          <a:effectRef idx="0">
+            <a:schemeClr val="accent1"/>
+          </a:effectRef>
+          <a:fontRef idx="minor">
+            <a:schemeClr val="tx1"/>
+          </a:fontRef>
+        </p:style>
+      </p:cxnSp>
+    </p:spTree>
+    <p:extLst>
+      <p:ext uri="{BB962C8B-B14F-4D97-AF65-F5344CB8AC3E}">
+        <p14:creationId xmlns:p14="http://schemas.microsoft.com/office/powerpoint/2010/main" val="2188626744"/>
       </p:ext>
     </p:extLst>
   </p:cSld>

--- a/220510.pptx
+++ b/220510.pptx
@@ -10702,17 +10702,18 @@
             </a:extLst>
           </p:cNvPr>
           <p:cNvCxnSpPr>
+            <a:cxnSpLocks/>
             <a:stCxn id="61" idx="3"/>
-            <a:endCxn id="57" idx="1"/>
+            <a:endCxn id="57" idx="2"/>
           </p:cNvCxnSpPr>
           <p:nvPr/>
         </p:nvCxnSpPr>
         <p:spPr>
           <a:xfrm flipV="1">
-            <a:off x="7817225" y="4097545"/>
-            <a:ext cx="585993" cy="764875"/>
-          </a:xfrm>
-          <a:prstGeom prst="curvedConnector3">
+            <a:off x="7817225" y="4479982"/>
+            <a:ext cx="856292" cy="382438"/>
+          </a:xfrm>
+          <a:prstGeom prst="curvedConnector2">
             <a:avLst/>
           </a:prstGeom>
           <a:ln>

--- a/220510.pptx
+++ b/220510.pptx
@@ -9689,6 +9689,14 @@
           <a:lstStyle/>
           <a:p>
             <a:pPr algn="ctr"/>
+            <a:r>
+              <a:rPr kumimoji="1" lang="en-US" altLang="ko-Kore-KR" sz="1400" dirty="0">
+                <a:solidFill>
+                  <a:schemeClr val="tx1"/>
+                </a:solidFill>
+              </a:rPr>
+              <a:t>100</a:t>
+            </a:r>
             <a:endParaRPr kumimoji="1" lang="ko-Kore-KR" altLang="en-US" sz="1400" dirty="0">
               <a:solidFill>
                 <a:schemeClr val="tx1"/>
@@ -9743,17 +9751,18 @@
             </a:extLst>
           </p:cNvPr>
           <p:cNvCxnSpPr>
+            <a:cxnSpLocks/>
             <a:stCxn id="38" idx="3"/>
-            <a:endCxn id="33" idx="1"/>
+            <a:endCxn id="33" idx="2"/>
           </p:cNvCxnSpPr>
           <p:nvPr/>
         </p:nvCxnSpPr>
         <p:spPr>
           <a:xfrm flipV="1">
-            <a:off x="4094672" y="1713780"/>
-            <a:ext cx="488821" cy="2212859"/>
-          </a:xfrm>
-          <a:prstGeom prst="curvedConnector3">
+            <a:off x="4094672" y="2096217"/>
+            <a:ext cx="759120" cy="1830422"/>
+          </a:xfrm>
+          <a:prstGeom prst="curvedConnector2">
             <a:avLst/>
           </a:prstGeom>
           <a:ln>
@@ -9820,6 +9829,14 @@
           <a:lstStyle/>
           <a:p>
             <a:pPr algn="ctr"/>
+            <a:r>
+              <a:rPr kumimoji="1" lang="en-US" altLang="ko-Kore-KR" sz="1400" dirty="0">
+                <a:solidFill>
+                  <a:schemeClr val="tx1"/>
+                </a:solidFill>
+              </a:rPr>
+              <a:t>100</a:t>
+            </a:r>
             <a:endParaRPr kumimoji="1" lang="ko-Kore-KR" altLang="en-US" sz="1400" dirty="0">
               <a:solidFill>
                 <a:schemeClr val="tx1"/>
@@ -10120,7 +10137,7 @@
         </p:nvSpPr>
         <p:spPr>
           <a:xfrm>
-            <a:off x="9434498" y="1802920"/>
+            <a:off x="9434498" y="1816025"/>
             <a:ext cx="540598" cy="764875"/>
           </a:xfrm>
           <a:prstGeom prst="rect">
@@ -10327,17 +10344,18 @@
             </a:extLst>
           </p:cNvPr>
           <p:cNvCxnSpPr>
+            <a:cxnSpLocks/>
             <a:stCxn id="53" idx="3"/>
-            <a:endCxn id="49" idx="1"/>
+            <a:endCxn id="49" idx="2"/>
           </p:cNvCxnSpPr>
           <p:nvPr/>
         </p:nvCxnSpPr>
         <p:spPr>
           <a:xfrm flipV="1">
-            <a:off x="7767309" y="2185358"/>
-            <a:ext cx="585993" cy="764875"/>
-          </a:xfrm>
-          <a:prstGeom prst="curvedConnector3">
+            <a:off x="7767309" y="2567795"/>
+            <a:ext cx="856292" cy="382438"/>
+          </a:xfrm>
+          <a:prstGeom prst="curvedConnector2">
             <a:avLst/>
           </a:prstGeom>
           <a:ln>
@@ -11214,6 +11232,250 @@
                 </a:solidFill>
               </a:rPr>
               <a:t>0x12</a:t>
+            </a:r>
+            <a:endParaRPr kumimoji="1" lang="ko-Kore-KR" altLang="en-US" sz="1400" dirty="0">
+              <a:solidFill>
+                <a:schemeClr val="tx1"/>
+              </a:solidFill>
+            </a:endParaRPr>
+          </a:p>
+        </p:txBody>
+      </p:sp>
+      <p:sp>
+        <p:nvSpPr>
+          <p:cNvPr id="43" name="직사각형 42">
+            <a:extLst>
+              <a:ext uri="{FF2B5EF4-FFF2-40B4-BE49-F238E27FC236}">
+                <a16:creationId xmlns:a16="http://schemas.microsoft.com/office/drawing/2014/main" id="{825DCB76-11BB-9619-B5EC-C19C394A65BF}"/>
+              </a:ext>
+            </a:extLst>
+          </p:cNvPr>
+          <p:cNvSpPr/>
+          <p:nvPr/>
+        </p:nvSpPr>
+        <p:spPr>
+          <a:xfrm>
+            <a:off x="10561089" y="1799092"/>
+            <a:ext cx="540598" cy="764875"/>
+          </a:xfrm>
+          <a:prstGeom prst="rect">
+            <a:avLst/>
+          </a:prstGeom>
+          <a:solidFill>
+            <a:schemeClr val="accent2"/>
+          </a:solidFill>
+        </p:spPr>
+        <p:style>
+          <a:lnRef idx="2">
+            <a:schemeClr val="accent1">
+              <a:shade val="50000"/>
+            </a:schemeClr>
+          </a:lnRef>
+          <a:fillRef idx="1">
+            <a:schemeClr val="accent1"/>
+          </a:fillRef>
+          <a:effectRef idx="0">
+            <a:schemeClr val="accent1"/>
+          </a:effectRef>
+          <a:fontRef idx="minor">
+            <a:schemeClr val="lt1"/>
+          </a:fontRef>
+        </p:style>
+        <p:txBody>
+          <a:bodyPr rtlCol="0" anchor="ctr"/>
+          <a:lstStyle/>
+          <a:p>
+            <a:pPr algn="ctr"/>
+            <a:r>
+              <a:rPr kumimoji="1" lang="en-US" altLang="ko-KR" sz="1400" dirty="0">
+                <a:solidFill>
+                  <a:schemeClr val="tx1"/>
+                </a:solidFill>
+              </a:rPr>
+              <a:t>0x12</a:t>
+            </a:r>
+            <a:endParaRPr kumimoji="1" lang="ko-Kore-KR" altLang="en-US" sz="1400" dirty="0">
+              <a:solidFill>
+                <a:schemeClr val="tx1"/>
+              </a:solidFill>
+            </a:endParaRPr>
+          </a:p>
+        </p:txBody>
+      </p:sp>
+      <p:sp>
+        <p:nvSpPr>
+          <p:cNvPr id="45" name="직사각형 44">
+            <a:extLst>
+              <a:ext uri="{FF2B5EF4-FFF2-40B4-BE49-F238E27FC236}">
+                <a16:creationId xmlns:a16="http://schemas.microsoft.com/office/drawing/2014/main" id="{C72CA6CB-24CD-0CB8-6B78-F6254128892B}"/>
+              </a:ext>
+            </a:extLst>
+          </p:cNvPr>
+          <p:cNvSpPr/>
+          <p:nvPr/>
+        </p:nvSpPr>
+        <p:spPr>
+          <a:xfrm>
+            <a:off x="11136188" y="1789815"/>
+            <a:ext cx="540598" cy="764875"/>
+          </a:xfrm>
+          <a:prstGeom prst="rect">
+            <a:avLst/>
+          </a:prstGeom>
+          <a:solidFill>
+            <a:schemeClr val="accent2"/>
+          </a:solidFill>
+        </p:spPr>
+        <p:style>
+          <a:lnRef idx="2">
+            <a:schemeClr val="accent1">
+              <a:shade val="50000"/>
+            </a:schemeClr>
+          </a:lnRef>
+          <a:fillRef idx="1">
+            <a:schemeClr val="accent1"/>
+          </a:fillRef>
+          <a:effectRef idx="0">
+            <a:schemeClr val="accent1"/>
+          </a:effectRef>
+          <a:fontRef idx="minor">
+            <a:schemeClr val="lt1"/>
+          </a:fontRef>
+        </p:style>
+        <p:txBody>
+          <a:bodyPr rtlCol="0" anchor="ctr"/>
+          <a:lstStyle/>
+          <a:p>
+            <a:pPr algn="ctr"/>
+            <a:r>
+              <a:rPr kumimoji="1" lang="en-US" altLang="ko-Kore-KR" sz="1400" dirty="0">
+                <a:solidFill>
+                  <a:schemeClr val="tx1"/>
+                </a:solidFill>
+              </a:rPr>
+              <a:t>0x34</a:t>
+            </a:r>
+            <a:endParaRPr kumimoji="1" lang="ko-Kore-KR" altLang="en-US" sz="1400" dirty="0">
+              <a:solidFill>
+                <a:schemeClr val="tx1"/>
+              </a:solidFill>
+            </a:endParaRPr>
+          </a:p>
+        </p:txBody>
+      </p:sp>
+      <p:sp>
+        <p:nvSpPr>
+          <p:cNvPr id="46" name="직사각형 45">
+            <a:extLst>
+              <a:ext uri="{FF2B5EF4-FFF2-40B4-BE49-F238E27FC236}">
+                <a16:creationId xmlns:a16="http://schemas.microsoft.com/office/drawing/2014/main" id="{7B3A7A77-A333-159B-59D9-462EC5FCD853}"/>
+              </a:ext>
+            </a:extLst>
+          </p:cNvPr>
+          <p:cNvSpPr/>
+          <p:nvPr/>
+        </p:nvSpPr>
+        <p:spPr>
+          <a:xfrm>
+            <a:off x="11676786" y="1802920"/>
+            <a:ext cx="540598" cy="764875"/>
+          </a:xfrm>
+          <a:prstGeom prst="rect">
+            <a:avLst/>
+          </a:prstGeom>
+          <a:solidFill>
+            <a:schemeClr val="accent2"/>
+          </a:solidFill>
+        </p:spPr>
+        <p:style>
+          <a:lnRef idx="2">
+            <a:schemeClr val="accent1">
+              <a:shade val="50000"/>
+            </a:schemeClr>
+          </a:lnRef>
+          <a:fillRef idx="1">
+            <a:schemeClr val="accent1"/>
+          </a:fillRef>
+          <a:effectRef idx="0">
+            <a:schemeClr val="accent1"/>
+          </a:effectRef>
+          <a:fontRef idx="minor">
+            <a:schemeClr val="lt1"/>
+          </a:fontRef>
+        </p:style>
+        <p:txBody>
+          <a:bodyPr rtlCol="0" anchor="ctr"/>
+          <a:lstStyle/>
+          <a:p>
+            <a:pPr algn="ctr"/>
+            <a:r>
+              <a:rPr kumimoji="1" lang="en-US" altLang="ko-Kore-KR" sz="1400" dirty="0">
+                <a:solidFill>
+                  <a:schemeClr val="tx1"/>
+                </a:solidFill>
+              </a:rPr>
+              <a:t>0x56</a:t>
+            </a:r>
+            <a:endParaRPr kumimoji="1" lang="ko-Kore-KR" altLang="en-US" sz="1400" dirty="0">
+              <a:solidFill>
+                <a:schemeClr val="tx1"/>
+              </a:solidFill>
+            </a:endParaRPr>
+          </a:p>
+        </p:txBody>
+      </p:sp>
+      <p:sp>
+        <p:nvSpPr>
+          <p:cNvPr id="47" name="직사각형 46">
+            <a:extLst>
+              <a:ext uri="{FF2B5EF4-FFF2-40B4-BE49-F238E27FC236}">
+                <a16:creationId xmlns:a16="http://schemas.microsoft.com/office/drawing/2014/main" id="{555F3252-5246-7042-C3C7-8C1225FD32A2}"/>
+              </a:ext>
+            </a:extLst>
+          </p:cNvPr>
+          <p:cNvSpPr/>
+          <p:nvPr/>
+        </p:nvSpPr>
+        <p:spPr>
+          <a:xfrm>
+            <a:off x="12217384" y="1789815"/>
+            <a:ext cx="540598" cy="764875"/>
+          </a:xfrm>
+          <a:prstGeom prst="rect">
+            <a:avLst/>
+          </a:prstGeom>
+          <a:solidFill>
+            <a:schemeClr val="accent2"/>
+          </a:solidFill>
+        </p:spPr>
+        <p:style>
+          <a:lnRef idx="2">
+            <a:schemeClr val="accent1">
+              <a:shade val="50000"/>
+            </a:schemeClr>
+          </a:lnRef>
+          <a:fillRef idx="1">
+            <a:schemeClr val="accent1"/>
+          </a:fillRef>
+          <a:effectRef idx="0">
+            <a:schemeClr val="accent1"/>
+          </a:effectRef>
+          <a:fontRef idx="minor">
+            <a:schemeClr val="lt1"/>
+          </a:fontRef>
+        </p:style>
+        <p:txBody>
+          <a:bodyPr rtlCol="0" anchor="ctr"/>
+          <a:lstStyle/>
+          <a:p>
+            <a:pPr algn="ctr"/>
+            <a:r>
+              <a:rPr kumimoji="1" lang="en-US" altLang="ko-Kore-KR" sz="1400" dirty="0">
+                <a:solidFill>
+                  <a:schemeClr val="tx1"/>
+                </a:solidFill>
+              </a:rPr>
+              <a:t>0x78</a:t>
             </a:r>
             <a:endParaRPr kumimoji="1" lang="ko-Kore-KR" altLang="en-US" sz="1400" dirty="0">
               <a:solidFill>

--- a/220510.pptx
+++ b/220510.pptx
@@ -17,6 +17,7 @@
     <p:sldId id="265" r:id="rId11"/>
     <p:sldId id="266" r:id="rId12"/>
     <p:sldId id="267" r:id="rId13"/>
+    <p:sldId id="268" r:id="rId14"/>
   </p:sldIdLst>
   <p:sldSz cx="12192000" cy="6858000"/>
   <p:notesSz cx="6858000" cy="9144000"/>
@@ -7498,6 +7499,1135 @@
     <p:extLst>
       <p:ext uri="{BB962C8B-B14F-4D97-AF65-F5344CB8AC3E}">
         <p14:creationId xmlns:p14="http://schemas.microsoft.com/office/powerpoint/2010/main" val="2188626744"/>
+      </p:ext>
+    </p:extLst>
+  </p:cSld>
+  <p:clrMapOvr>
+    <a:masterClrMapping/>
+  </p:clrMapOvr>
+</p:sld>
+</file>
+
+<file path=ppt/slides/slide13.xml><?xml version="1.0" encoding="utf-8"?>
+<p:sld xmlns:a="http://schemas.openxmlformats.org/drawingml/2006/main" xmlns:r="http://schemas.openxmlformats.org/officeDocument/2006/relationships" xmlns:p="http://schemas.openxmlformats.org/presentationml/2006/main">
+  <p:cSld>
+    <p:spTree>
+      <p:nvGrpSpPr>
+        <p:cNvPr id="1" name=""/>
+        <p:cNvGrpSpPr/>
+        <p:nvPr/>
+      </p:nvGrpSpPr>
+      <p:grpSpPr>
+        <a:xfrm>
+          <a:off x="0" y="0"/>
+          <a:ext cx="0" cy="0"/>
+          <a:chOff x="0" y="0"/>
+          <a:chExt cx="0" cy="0"/>
+        </a:xfrm>
+      </p:grpSpPr>
+      <p:sp>
+        <p:nvSpPr>
+          <p:cNvPr id="4" name="직사각형 3">
+            <a:extLst>
+              <a:ext uri="{FF2B5EF4-FFF2-40B4-BE49-F238E27FC236}">
+                <a16:creationId xmlns:a16="http://schemas.microsoft.com/office/drawing/2014/main" id="{546B1669-6EE1-44B7-3E44-6A1427B2F0DE}"/>
+              </a:ext>
+            </a:extLst>
+          </p:cNvPr>
+          <p:cNvSpPr/>
+          <p:nvPr/>
+        </p:nvSpPr>
+        <p:spPr>
+          <a:xfrm>
+            <a:off x="158151" y="212648"/>
+            <a:ext cx="6096000" cy="1477328"/>
+          </a:xfrm>
+          <a:prstGeom prst="rect">
+            <a:avLst/>
+          </a:prstGeom>
+        </p:spPr>
+        <p:txBody>
+          <a:bodyPr>
+            <a:spAutoFit/>
+          </a:bodyPr>
+          <a:lstStyle/>
+          <a:p>
+            <a:r>
+              <a:rPr lang="en" altLang="ko-Kore-KR" dirty="0">
+                <a:solidFill>
+                  <a:srgbClr val="0000FF"/>
+                </a:solidFill>
+                <a:latin typeface="DM Mono" panose="020B0509040201040103" pitchFamily="49" charset="0"/>
+              </a:rPr>
+              <a:t>int</a:t>
+            </a:r>
+            <a:r>
+              <a:rPr lang="en" altLang="ko-Kore-KR" dirty="0">
+                <a:solidFill>
+                  <a:srgbClr val="000000"/>
+                </a:solidFill>
+                <a:latin typeface="DM Mono" panose="020B0509040201040103" pitchFamily="49" charset="0"/>
+              </a:rPr>
+              <a:t> </a:t>
+            </a:r>
+            <a:r>
+              <a:rPr lang="en" altLang="ko-Kore-KR" dirty="0" err="1">
+                <a:solidFill>
+                  <a:srgbClr val="001080"/>
+                </a:solidFill>
+                <a:latin typeface="DM Mono" panose="020B0509040201040103" pitchFamily="49" charset="0"/>
+              </a:rPr>
+              <a:t>arr</a:t>
+            </a:r>
+            <a:r>
+              <a:rPr lang="en" altLang="ko-Kore-KR" dirty="0">
+                <a:solidFill>
+                  <a:srgbClr val="000000"/>
+                </a:solidFill>
+                <a:latin typeface="DM Mono" panose="020B0509040201040103" pitchFamily="49" charset="0"/>
+              </a:rPr>
+              <a:t>[</a:t>
+            </a:r>
+            <a:r>
+              <a:rPr lang="en" altLang="ko-Kore-KR" dirty="0">
+                <a:solidFill>
+                  <a:srgbClr val="098658"/>
+                </a:solidFill>
+                <a:latin typeface="DM Mono" panose="020B0509040201040103" pitchFamily="49" charset="0"/>
+              </a:rPr>
+              <a:t>5</a:t>
+            </a:r>
+            <a:r>
+              <a:rPr lang="en" altLang="ko-Kore-KR" dirty="0">
+                <a:solidFill>
+                  <a:srgbClr val="000000"/>
+                </a:solidFill>
+                <a:latin typeface="DM Mono" panose="020B0509040201040103" pitchFamily="49" charset="0"/>
+              </a:rPr>
+              <a:t>] = { </a:t>
+            </a:r>
+            <a:r>
+              <a:rPr lang="en" altLang="ko-Kore-KR" dirty="0">
+                <a:solidFill>
+                  <a:srgbClr val="098658"/>
+                </a:solidFill>
+                <a:latin typeface="DM Mono" panose="020B0509040201040103" pitchFamily="49" charset="0"/>
+              </a:rPr>
+              <a:t>1</a:t>
+            </a:r>
+            <a:r>
+              <a:rPr lang="en" altLang="ko-Kore-KR" dirty="0">
+                <a:solidFill>
+                  <a:srgbClr val="000000"/>
+                </a:solidFill>
+                <a:latin typeface="DM Mono" panose="020B0509040201040103" pitchFamily="49" charset="0"/>
+              </a:rPr>
+              <a:t>, </a:t>
+            </a:r>
+            <a:r>
+              <a:rPr lang="en" altLang="ko-Kore-KR" dirty="0">
+                <a:solidFill>
+                  <a:srgbClr val="098658"/>
+                </a:solidFill>
+                <a:latin typeface="DM Mono" panose="020B0509040201040103" pitchFamily="49" charset="0"/>
+              </a:rPr>
+              <a:t>2</a:t>
+            </a:r>
+            <a:r>
+              <a:rPr lang="en" altLang="ko-Kore-KR" dirty="0">
+                <a:solidFill>
+                  <a:srgbClr val="000000"/>
+                </a:solidFill>
+                <a:latin typeface="DM Mono" panose="020B0509040201040103" pitchFamily="49" charset="0"/>
+              </a:rPr>
+              <a:t>, </a:t>
+            </a:r>
+            <a:r>
+              <a:rPr lang="en" altLang="ko-Kore-KR" dirty="0">
+                <a:solidFill>
+                  <a:srgbClr val="098658"/>
+                </a:solidFill>
+                <a:latin typeface="DM Mono" panose="020B0509040201040103" pitchFamily="49" charset="0"/>
+              </a:rPr>
+              <a:t>3</a:t>
+            </a:r>
+            <a:r>
+              <a:rPr lang="en" altLang="ko-Kore-KR" dirty="0">
+                <a:solidFill>
+                  <a:srgbClr val="000000"/>
+                </a:solidFill>
+                <a:latin typeface="DM Mono" panose="020B0509040201040103" pitchFamily="49" charset="0"/>
+              </a:rPr>
+              <a:t>, </a:t>
+            </a:r>
+            <a:r>
+              <a:rPr lang="en" altLang="ko-Kore-KR" dirty="0">
+                <a:solidFill>
+                  <a:srgbClr val="098658"/>
+                </a:solidFill>
+                <a:latin typeface="DM Mono" panose="020B0509040201040103" pitchFamily="49" charset="0"/>
+              </a:rPr>
+              <a:t>4</a:t>
+            </a:r>
+            <a:r>
+              <a:rPr lang="en" altLang="ko-Kore-KR" dirty="0">
+                <a:solidFill>
+                  <a:srgbClr val="000000"/>
+                </a:solidFill>
+                <a:latin typeface="DM Mono" panose="020B0509040201040103" pitchFamily="49" charset="0"/>
+              </a:rPr>
+              <a:t>, </a:t>
+            </a:r>
+            <a:r>
+              <a:rPr lang="en" altLang="ko-Kore-KR" dirty="0">
+                <a:solidFill>
+                  <a:srgbClr val="098658"/>
+                </a:solidFill>
+                <a:latin typeface="DM Mono" panose="020B0509040201040103" pitchFamily="49" charset="0"/>
+              </a:rPr>
+              <a:t>5</a:t>
+            </a:r>
+            <a:r>
+              <a:rPr lang="en" altLang="ko-Kore-KR" dirty="0">
+                <a:solidFill>
+                  <a:srgbClr val="000000"/>
+                </a:solidFill>
+                <a:latin typeface="DM Mono" panose="020B0509040201040103" pitchFamily="49" charset="0"/>
+              </a:rPr>
+              <a:t> };</a:t>
+            </a:r>
+          </a:p>
+          <a:p>
+            <a:r>
+              <a:rPr lang="en" altLang="ko-Kore-KR" dirty="0">
+                <a:solidFill>
+                  <a:srgbClr val="001080"/>
+                </a:solidFill>
+                <a:latin typeface="DM Mono" panose="020B0509040201040103" pitchFamily="49" charset="0"/>
+              </a:rPr>
+              <a:t>p1</a:t>
+            </a:r>
+            <a:r>
+              <a:rPr lang="en" altLang="ko-Kore-KR" dirty="0">
+                <a:solidFill>
+                  <a:srgbClr val="000000"/>
+                </a:solidFill>
+                <a:latin typeface="DM Mono" panose="020B0509040201040103" pitchFamily="49" charset="0"/>
+              </a:rPr>
+              <a:t> = </a:t>
+            </a:r>
+            <a:r>
+              <a:rPr lang="en" altLang="ko-Kore-KR" dirty="0" err="1">
+                <a:solidFill>
+                  <a:srgbClr val="001080"/>
+                </a:solidFill>
+                <a:latin typeface="DM Mono" panose="020B0509040201040103" pitchFamily="49" charset="0"/>
+              </a:rPr>
+              <a:t>arr</a:t>
+            </a:r>
+            <a:r>
+              <a:rPr lang="en" altLang="ko-Kore-KR" dirty="0">
+                <a:solidFill>
+                  <a:srgbClr val="000000"/>
+                </a:solidFill>
+                <a:latin typeface="DM Mono" panose="020B0509040201040103" pitchFamily="49" charset="0"/>
+              </a:rPr>
+              <a:t>;</a:t>
+            </a:r>
+          </a:p>
+          <a:p>
+            <a:r>
+              <a:rPr lang="en" altLang="ko-Kore-KR" dirty="0">
+                <a:solidFill>
+                  <a:srgbClr val="001080"/>
+                </a:solidFill>
+                <a:latin typeface="DM Mono" panose="020B0509040201040103" pitchFamily="49" charset="0"/>
+              </a:rPr>
+              <a:t>p2</a:t>
+            </a:r>
+            <a:r>
+              <a:rPr lang="en" altLang="ko-Kore-KR" dirty="0">
+                <a:solidFill>
+                  <a:srgbClr val="000000"/>
+                </a:solidFill>
+                <a:latin typeface="DM Mono" panose="020B0509040201040103" pitchFamily="49" charset="0"/>
+              </a:rPr>
+              <a:t> = </a:t>
+            </a:r>
+            <a:r>
+              <a:rPr lang="en" altLang="ko-Kore-KR" dirty="0" err="1">
+                <a:solidFill>
+                  <a:srgbClr val="001080"/>
+                </a:solidFill>
+                <a:latin typeface="DM Mono" panose="020B0509040201040103" pitchFamily="49" charset="0"/>
+              </a:rPr>
+              <a:t>arr</a:t>
+            </a:r>
+            <a:r>
+              <a:rPr lang="en" altLang="ko-Kore-KR" dirty="0">
+                <a:solidFill>
+                  <a:srgbClr val="000000"/>
+                </a:solidFill>
+                <a:latin typeface="DM Mono" panose="020B0509040201040103" pitchFamily="49" charset="0"/>
+              </a:rPr>
+              <a:t> + </a:t>
+            </a:r>
+            <a:r>
+              <a:rPr lang="en" altLang="ko-Kore-KR" dirty="0">
+                <a:solidFill>
+                  <a:srgbClr val="098658"/>
+                </a:solidFill>
+                <a:latin typeface="DM Mono" panose="020B0509040201040103" pitchFamily="49" charset="0"/>
+              </a:rPr>
+              <a:t>3</a:t>
+            </a:r>
+            <a:r>
+              <a:rPr lang="en" altLang="ko-Kore-KR" dirty="0">
+                <a:solidFill>
+                  <a:srgbClr val="000000"/>
+                </a:solidFill>
+                <a:latin typeface="DM Mono" panose="020B0509040201040103" pitchFamily="49" charset="0"/>
+              </a:rPr>
+              <a:t>;</a:t>
+            </a:r>
+          </a:p>
+          <a:p>
+            <a:br>
+              <a:rPr lang="en" altLang="ko-Kore-KR" dirty="0">
+                <a:solidFill>
+                  <a:srgbClr val="000000"/>
+                </a:solidFill>
+                <a:latin typeface="DM Mono" panose="020B0509040201040103" pitchFamily="49" charset="0"/>
+              </a:rPr>
+            </a:br>
+            <a:r>
+              <a:rPr lang="en" altLang="ko-Kore-KR" dirty="0" err="1">
+                <a:solidFill>
+                  <a:srgbClr val="795E26"/>
+                </a:solidFill>
+                <a:latin typeface="DM Mono" panose="020B0509040201040103" pitchFamily="49" charset="0"/>
+              </a:rPr>
+              <a:t>printf</a:t>
+            </a:r>
+            <a:r>
+              <a:rPr lang="en" altLang="ko-Kore-KR" dirty="0">
+                <a:solidFill>
+                  <a:srgbClr val="000000"/>
+                </a:solidFill>
+                <a:latin typeface="DM Mono" panose="020B0509040201040103" pitchFamily="49" charset="0"/>
+              </a:rPr>
+              <a:t>(</a:t>
+            </a:r>
+            <a:r>
+              <a:rPr lang="en" altLang="ko-Kore-KR" dirty="0">
+                <a:solidFill>
+                  <a:srgbClr val="A31515"/>
+                </a:solidFill>
+                <a:latin typeface="DM Mono" panose="020B0509040201040103" pitchFamily="49" charset="0"/>
+              </a:rPr>
+              <a:t>"</a:t>
+            </a:r>
+            <a:r>
+              <a:rPr lang="en" altLang="ko-Kore-KR" dirty="0">
+                <a:solidFill>
+                  <a:srgbClr val="001080"/>
+                </a:solidFill>
+                <a:latin typeface="DM Mono" panose="020B0509040201040103" pitchFamily="49" charset="0"/>
+              </a:rPr>
+              <a:t>%</a:t>
+            </a:r>
+            <a:r>
+              <a:rPr lang="en" altLang="ko-Kore-KR" dirty="0" err="1">
+                <a:solidFill>
+                  <a:srgbClr val="001080"/>
+                </a:solidFill>
+                <a:latin typeface="DM Mono" panose="020B0509040201040103" pitchFamily="49" charset="0"/>
+              </a:rPr>
+              <a:t>ld</a:t>
+            </a:r>
+            <a:r>
+              <a:rPr lang="en" altLang="ko-Kore-KR" dirty="0">
+                <a:solidFill>
+                  <a:srgbClr val="EE0000"/>
+                </a:solidFill>
+                <a:latin typeface="DM Mono" panose="020B0509040201040103" pitchFamily="49" charset="0"/>
+              </a:rPr>
+              <a:t>\n</a:t>
+            </a:r>
+            <a:r>
+              <a:rPr lang="en" altLang="ko-Kore-KR" dirty="0">
+                <a:solidFill>
+                  <a:srgbClr val="A31515"/>
+                </a:solidFill>
+                <a:latin typeface="DM Mono" panose="020B0509040201040103" pitchFamily="49" charset="0"/>
+              </a:rPr>
+              <a:t>"</a:t>
+            </a:r>
+            <a:r>
+              <a:rPr lang="en" altLang="ko-Kore-KR" dirty="0">
+                <a:solidFill>
+                  <a:srgbClr val="000000"/>
+                </a:solidFill>
+                <a:latin typeface="DM Mono" panose="020B0509040201040103" pitchFamily="49" charset="0"/>
+              </a:rPr>
+              <a:t>, </a:t>
+            </a:r>
+            <a:r>
+              <a:rPr lang="en" altLang="ko-Kore-KR" dirty="0">
+                <a:solidFill>
+                  <a:srgbClr val="001080"/>
+                </a:solidFill>
+                <a:latin typeface="DM Mono" panose="020B0509040201040103" pitchFamily="49" charset="0"/>
+              </a:rPr>
+              <a:t>p2</a:t>
+            </a:r>
+            <a:r>
+              <a:rPr lang="en" altLang="ko-Kore-KR" dirty="0">
+                <a:solidFill>
+                  <a:srgbClr val="000000"/>
+                </a:solidFill>
+                <a:latin typeface="DM Mono" panose="020B0509040201040103" pitchFamily="49" charset="0"/>
+              </a:rPr>
+              <a:t> - </a:t>
+            </a:r>
+            <a:r>
+              <a:rPr lang="en" altLang="ko-Kore-KR" dirty="0">
+                <a:solidFill>
+                  <a:srgbClr val="001080"/>
+                </a:solidFill>
+                <a:latin typeface="DM Mono" panose="020B0509040201040103" pitchFamily="49" charset="0"/>
+              </a:rPr>
+              <a:t>p1</a:t>
+            </a:r>
+            <a:r>
+              <a:rPr lang="en" altLang="ko-Kore-KR" dirty="0">
+                <a:solidFill>
+                  <a:srgbClr val="000000"/>
+                </a:solidFill>
+                <a:latin typeface="DM Mono" panose="020B0509040201040103" pitchFamily="49" charset="0"/>
+              </a:rPr>
+              <a:t>);</a:t>
+            </a:r>
+          </a:p>
+        </p:txBody>
+      </p:sp>
+      <p:sp>
+        <p:nvSpPr>
+          <p:cNvPr id="5" name="직사각형 4">
+            <a:extLst>
+              <a:ext uri="{FF2B5EF4-FFF2-40B4-BE49-F238E27FC236}">
+                <a16:creationId xmlns:a16="http://schemas.microsoft.com/office/drawing/2014/main" id="{5AE045B0-9E1B-7D7F-335F-5DBFB7A1B262}"/>
+              </a:ext>
+            </a:extLst>
+          </p:cNvPr>
+          <p:cNvSpPr/>
+          <p:nvPr/>
+        </p:nvSpPr>
+        <p:spPr>
+          <a:xfrm>
+            <a:off x="5555402" y="882768"/>
+            <a:ext cx="540598" cy="764875"/>
+          </a:xfrm>
+          <a:prstGeom prst="rect">
+            <a:avLst/>
+          </a:prstGeom>
+          <a:solidFill>
+            <a:schemeClr val="accent2"/>
+          </a:solidFill>
+        </p:spPr>
+        <p:style>
+          <a:lnRef idx="2">
+            <a:schemeClr val="accent1">
+              <a:shade val="50000"/>
+            </a:schemeClr>
+          </a:lnRef>
+          <a:fillRef idx="1">
+            <a:schemeClr val="accent1"/>
+          </a:fillRef>
+          <a:effectRef idx="0">
+            <a:schemeClr val="accent1"/>
+          </a:effectRef>
+          <a:fontRef idx="minor">
+            <a:schemeClr val="lt1"/>
+          </a:fontRef>
+        </p:style>
+        <p:txBody>
+          <a:bodyPr rtlCol="0" anchor="ctr"/>
+          <a:lstStyle/>
+          <a:p>
+            <a:pPr algn="ctr"/>
+            <a:r>
+              <a:rPr kumimoji="1" lang="en-US" altLang="ko-KR" sz="1400" dirty="0">
+                <a:solidFill>
+                  <a:schemeClr val="tx1"/>
+                </a:solidFill>
+              </a:rPr>
+              <a:t>1</a:t>
+            </a:r>
+            <a:endParaRPr kumimoji="1" lang="ko-Kore-KR" altLang="en-US" sz="1400" dirty="0">
+              <a:solidFill>
+                <a:schemeClr val="tx1"/>
+              </a:solidFill>
+            </a:endParaRPr>
+          </a:p>
+        </p:txBody>
+      </p:sp>
+      <p:sp>
+        <p:nvSpPr>
+          <p:cNvPr id="6" name="직사각형 5">
+            <a:extLst>
+              <a:ext uri="{FF2B5EF4-FFF2-40B4-BE49-F238E27FC236}">
+                <a16:creationId xmlns:a16="http://schemas.microsoft.com/office/drawing/2014/main" id="{278AFF64-A8AD-3C84-BCDF-F76C3D4C7114}"/>
+              </a:ext>
+            </a:extLst>
+          </p:cNvPr>
+          <p:cNvSpPr/>
+          <p:nvPr/>
+        </p:nvSpPr>
+        <p:spPr>
+          <a:xfrm>
+            <a:off x="6096000" y="882767"/>
+            <a:ext cx="540598" cy="764875"/>
+          </a:xfrm>
+          <a:prstGeom prst="rect">
+            <a:avLst/>
+          </a:prstGeom>
+          <a:solidFill>
+            <a:schemeClr val="accent2"/>
+          </a:solidFill>
+        </p:spPr>
+        <p:style>
+          <a:lnRef idx="2">
+            <a:schemeClr val="accent1">
+              <a:shade val="50000"/>
+            </a:schemeClr>
+          </a:lnRef>
+          <a:fillRef idx="1">
+            <a:schemeClr val="accent1"/>
+          </a:fillRef>
+          <a:effectRef idx="0">
+            <a:schemeClr val="accent1"/>
+          </a:effectRef>
+          <a:fontRef idx="minor">
+            <a:schemeClr val="lt1"/>
+          </a:fontRef>
+        </p:style>
+        <p:txBody>
+          <a:bodyPr rtlCol="0" anchor="ctr"/>
+          <a:lstStyle/>
+          <a:p>
+            <a:pPr algn="ctr"/>
+            <a:r>
+              <a:rPr kumimoji="1" lang="en-US" altLang="ko-KR" sz="1400" dirty="0">
+                <a:solidFill>
+                  <a:schemeClr val="tx1"/>
+                </a:solidFill>
+              </a:rPr>
+              <a:t>2</a:t>
+            </a:r>
+            <a:endParaRPr kumimoji="1" lang="ko-Kore-KR" altLang="en-US" sz="1400" dirty="0">
+              <a:solidFill>
+                <a:schemeClr val="tx1"/>
+              </a:solidFill>
+            </a:endParaRPr>
+          </a:p>
+        </p:txBody>
+      </p:sp>
+      <p:sp>
+        <p:nvSpPr>
+          <p:cNvPr id="7" name="직사각형 6">
+            <a:extLst>
+              <a:ext uri="{FF2B5EF4-FFF2-40B4-BE49-F238E27FC236}">
+                <a16:creationId xmlns:a16="http://schemas.microsoft.com/office/drawing/2014/main" id="{81E98844-3907-4394-3631-F046805B52FA}"/>
+              </a:ext>
+            </a:extLst>
+          </p:cNvPr>
+          <p:cNvSpPr/>
+          <p:nvPr/>
+        </p:nvSpPr>
+        <p:spPr>
+          <a:xfrm>
+            <a:off x="6636598" y="882766"/>
+            <a:ext cx="540598" cy="764875"/>
+          </a:xfrm>
+          <a:prstGeom prst="rect">
+            <a:avLst/>
+          </a:prstGeom>
+          <a:solidFill>
+            <a:schemeClr val="accent2"/>
+          </a:solidFill>
+        </p:spPr>
+        <p:style>
+          <a:lnRef idx="2">
+            <a:schemeClr val="accent1">
+              <a:shade val="50000"/>
+            </a:schemeClr>
+          </a:lnRef>
+          <a:fillRef idx="1">
+            <a:schemeClr val="accent1"/>
+          </a:fillRef>
+          <a:effectRef idx="0">
+            <a:schemeClr val="accent1"/>
+          </a:effectRef>
+          <a:fontRef idx="minor">
+            <a:schemeClr val="lt1"/>
+          </a:fontRef>
+        </p:style>
+        <p:txBody>
+          <a:bodyPr rtlCol="0" anchor="ctr"/>
+          <a:lstStyle/>
+          <a:p>
+            <a:pPr algn="ctr"/>
+            <a:r>
+              <a:rPr kumimoji="1" lang="en-US" altLang="ko-KR" sz="1400" dirty="0">
+                <a:solidFill>
+                  <a:schemeClr val="tx1"/>
+                </a:solidFill>
+              </a:rPr>
+              <a:t>3</a:t>
+            </a:r>
+            <a:endParaRPr kumimoji="1" lang="ko-Kore-KR" altLang="en-US" sz="1400" dirty="0">
+              <a:solidFill>
+                <a:schemeClr val="tx1"/>
+              </a:solidFill>
+            </a:endParaRPr>
+          </a:p>
+        </p:txBody>
+      </p:sp>
+      <p:sp>
+        <p:nvSpPr>
+          <p:cNvPr id="8" name="직사각형 7">
+            <a:extLst>
+              <a:ext uri="{FF2B5EF4-FFF2-40B4-BE49-F238E27FC236}">
+                <a16:creationId xmlns:a16="http://schemas.microsoft.com/office/drawing/2014/main" id="{DB7DDC85-DC29-6046-A783-473226CBE09F}"/>
+              </a:ext>
+            </a:extLst>
+          </p:cNvPr>
+          <p:cNvSpPr/>
+          <p:nvPr/>
+        </p:nvSpPr>
+        <p:spPr>
+          <a:xfrm>
+            <a:off x="7177196" y="882765"/>
+            <a:ext cx="540598" cy="764875"/>
+          </a:xfrm>
+          <a:prstGeom prst="rect">
+            <a:avLst/>
+          </a:prstGeom>
+          <a:solidFill>
+            <a:srgbClr val="FFFF00"/>
+          </a:solidFill>
+        </p:spPr>
+        <p:style>
+          <a:lnRef idx="2">
+            <a:schemeClr val="accent1">
+              <a:shade val="50000"/>
+            </a:schemeClr>
+          </a:lnRef>
+          <a:fillRef idx="1">
+            <a:schemeClr val="accent1"/>
+          </a:fillRef>
+          <a:effectRef idx="0">
+            <a:schemeClr val="accent1"/>
+          </a:effectRef>
+          <a:fontRef idx="minor">
+            <a:schemeClr val="lt1"/>
+          </a:fontRef>
+        </p:style>
+        <p:txBody>
+          <a:bodyPr rtlCol="0" anchor="ctr"/>
+          <a:lstStyle/>
+          <a:p>
+            <a:pPr algn="ctr"/>
+            <a:r>
+              <a:rPr kumimoji="1" lang="en-US" altLang="ko-KR" sz="1400" dirty="0">
+                <a:solidFill>
+                  <a:schemeClr val="tx1"/>
+                </a:solidFill>
+              </a:rPr>
+              <a:t>4</a:t>
+            </a:r>
+            <a:endParaRPr kumimoji="1" lang="ko-Kore-KR" altLang="en-US" sz="1400" dirty="0">
+              <a:solidFill>
+                <a:schemeClr val="tx1"/>
+              </a:solidFill>
+            </a:endParaRPr>
+          </a:p>
+        </p:txBody>
+      </p:sp>
+      <p:sp>
+        <p:nvSpPr>
+          <p:cNvPr id="9" name="직사각형 8">
+            <a:extLst>
+              <a:ext uri="{FF2B5EF4-FFF2-40B4-BE49-F238E27FC236}">
+                <a16:creationId xmlns:a16="http://schemas.microsoft.com/office/drawing/2014/main" id="{3B0074F7-BC01-AD71-54E8-5BC12B310836}"/>
+              </a:ext>
+            </a:extLst>
+          </p:cNvPr>
+          <p:cNvSpPr/>
+          <p:nvPr/>
+        </p:nvSpPr>
+        <p:spPr>
+          <a:xfrm>
+            <a:off x="7717794" y="882764"/>
+            <a:ext cx="540598" cy="764875"/>
+          </a:xfrm>
+          <a:prstGeom prst="rect">
+            <a:avLst/>
+          </a:prstGeom>
+          <a:solidFill>
+            <a:srgbClr val="FFFF00"/>
+          </a:solidFill>
+        </p:spPr>
+        <p:style>
+          <a:lnRef idx="2">
+            <a:schemeClr val="accent1">
+              <a:shade val="50000"/>
+            </a:schemeClr>
+          </a:lnRef>
+          <a:fillRef idx="1">
+            <a:schemeClr val="accent1"/>
+          </a:fillRef>
+          <a:effectRef idx="0">
+            <a:schemeClr val="accent1"/>
+          </a:effectRef>
+          <a:fontRef idx="minor">
+            <a:schemeClr val="lt1"/>
+          </a:fontRef>
+        </p:style>
+        <p:txBody>
+          <a:bodyPr rtlCol="0" anchor="ctr"/>
+          <a:lstStyle/>
+          <a:p>
+            <a:pPr algn="ctr"/>
+            <a:r>
+              <a:rPr kumimoji="1" lang="en-US" altLang="ko-KR" sz="1400" dirty="0">
+                <a:solidFill>
+                  <a:schemeClr val="tx1"/>
+                </a:solidFill>
+              </a:rPr>
+              <a:t>5</a:t>
+            </a:r>
+            <a:endParaRPr kumimoji="1" lang="ko-Kore-KR" altLang="en-US" sz="1400" dirty="0">
+              <a:solidFill>
+                <a:schemeClr val="tx1"/>
+              </a:solidFill>
+            </a:endParaRPr>
+          </a:p>
+        </p:txBody>
+      </p:sp>
+      <p:sp>
+        <p:nvSpPr>
+          <p:cNvPr id="10" name="직사각형 9">
+            <a:extLst>
+              <a:ext uri="{FF2B5EF4-FFF2-40B4-BE49-F238E27FC236}">
+                <a16:creationId xmlns:a16="http://schemas.microsoft.com/office/drawing/2014/main" id="{A7F1B7FC-CBFE-B2B5-C86C-8BAC93DDE586}"/>
+              </a:ext>
+            </a:extLst>
+          </p:cNvPr>
+          <p:cNvSpPr/>
+          <p:nvPr/>
+        </p:nvSpPr>
+        <p:spPr>
+          <a:xfrm>
+            <a:off x="4902656" y="1095643"/>
+            <a:ext cx="598241" cy="369332"/>
+          </a:xfrm>
+          <a:prstGeom prst="rect">
+            <a:avLst/>
+          </a:prstGeom>
+        </p:spPr>
+        <p:txBody>
+          <a:bodyPr wrap="none">
+            <a:spAutoFit/>
+          </a:bodyPr>
+          <a:lstStyle/>
+          <a:p>
+            <a:r>
+              <a:rPr lang="en-US" altLang="ko-Kore-KR" dirty="0" err="1">
+                <a:solidFill>
+                  <a:srgbClr val="001080"/>
+                </a:solidFill>
+                <a:latin typeface="DM Mono" panose="020B0509040201040103" pitchFamily="49" charset="0"/>
+              </a:rPr>
+              <a:t>arr</a:t>
+            </a:r>
+            <a:endParaRPr lang="ko-Kore-KR" altLang="en-US" dirty="0"/>
+          </a:p>
+        </p:txBody>
+      </p:sp>
+      <p:sp>
+        <p:nvSpPr>
+          <p:cNvPr id="11" name="직사각형 10">
+            <a:extLst>
+              <a:ext uri="{FF2B5EF4-FFF2-40B4-BE49-F238E27FC236}">
+                <a16:creationId xmlns:a16="http://schemas.microsoft.com/office/drawing/2014/main" id="{BD6A40CD-B756-D15B-F21F-8BB3CFFEE87E}"/>
+              </a:ext>
+            </a:extLst>
+          </p:cNvPr>
+          <p:cNvSpPr/>
+          <p:nvPr/>
+        </p:nvSpPr>
+        <p:spPr>
+          <a:xfrm>
+            <a:off x="4560489" y="2984738"/>
+            <a:ext cx="540598" cy="764875"/>
+          </a:xfrm>
+          <a:prstGeom prst="rect">
+            <a:avLst/>
+          </a:prstGeom>
+          <a:solidFill>
+            <a:srgbClr val="FFFF00"/>
+          </a:solidFill>
+        </p:spPr>
+        <p:style>
+          <a:lnRef idx="2">
+            <a:schemeClr val="accent1">
+              <a:shade val="50000"/>
+            </a:schemeClr>
+          </a:lnRef>
+          <a:fillRef idx="1">
+            <a:schemeClr val="accent1"/>
+          </a:fillRef>
+          <a:effectRef idx="0">
+            <a:schemeClr val="accent1"/>
+          </a:effectRef>
+          <a:fontRef idx="minor">
+            <a:schemeClr val="lt1"/>
+          </a:fontRef>
+        </p:style>
+        <p:txBody>
+          <a:bodyPr rtlCol="0" anchor="ctr"/>
+          <a:lstStyle/>
+          <a:p>
+            <a:pPr algn="ctr"/>
+            <a:endParaRPr kumimoji="1" lang="ko-Kore-KR" altLang="en-US" sz="1400" dirty="0">
+              <a:solidFill>
+                <a:schemeClr val="tx1"/>
+              </a:solidFill>
+            </a:endParaRPr>
+          </a:p>
+        </p:txBody>
+      </p:sp>
+      <p:sp>
+        <p:nvSpPr>
+          <p:cNvPr id="12" name="직사각형 11">
+            <a:extLst>
+              <a:ext uri="{FF2B5EF4-FFF2-40B4-BE49-F238E27FC236}">
+                <a16:creationId xmlns:a16="http://schemas.microsoft.com/office/drawing/2014/main" id="{84DA724F-F57C-1876-327D-F2C7B78CE06C}"/>
+              </a:ext>
+            </a:extLst>
+          </p:cNvPr>
+          <p:cNvSpPr/>
+          <p:nvPr/>
+        </p:nvSpPr>
+        <p:spPr>
+          <a:xfrm>
+            <a:off x="4100107" y="3244334"/>
+            <a:ext cx="460382" cy="369332"/>
+          </a:xfrm>
+          <a:prstGeom prst="rect">
+            <a:avLst/>
+          </a:prstGeom>
+        </p:spPr>
+        <p:txBody>
+          <a:bodyPr wrap="none">
+            <a:spAutoFit/>
+          </a:bodyPr>
+          <a:lstStyle/>
+          <a:p>
+            <a:r>
+              <a:rPr lang="en" altLang="ko-Kore-KR" dirty="0">
+                <a:solidFill>
+                  <a:srgbClr val="001080"/>
+                </a:solidFill>
+                <a:latin typeface="DM Mono" panose="020B0509040201040103" pitchFamily="49" charset="0"/>
+              </a:rPr>
+              <a:t>p</a:t>
+            </a:r>
+            <a:r>
+              <a:rPr lang="en-US" altLang="ko-KR" dirty="0">
+                <a:solidFill>
+                  <a:srgbClr val="001080"/>
+                </a:solidFill>
+                <a:latin typeface="DM Mono" panose="020B0509040201040103" pitchFamily="49" charset="0"/>
+              </a:rPr>
+              <a:t>1</a:t>
+            </a:r>
+            <a:endParaRPr lang="ko-Kore-KR" altLang="en-US" dirty="0"/>
+          </a:p>
+        </p:txBody>
+      </p:sp>
+      <p:cxnSp>
+        <p:nvCxnSpPr>
+          <p:cNvPr id="14" name="구부러진 연결선[U] 13">
+            <a:extLst>
+              <a:ext uri="{FF2B5EF4-FFF2-40B4-BE49-F238E27FC236}">
+                <a16:creationId xmlns:a16="http://schemas.microsoft.com/office/drawing/2014/main" id="{B5850FED-9484-FB07-C6CD-A8581680A007}"/>
+              </a:ext>
+            </a:extLst>
+          </p:cNvPr>
+          <p:cNvCxnSpPr>
+            <a:cxnSpLocks/>
+            <a:stCxn id="11" idx="0"/>
+          </p:cNvCxnSpPr>
+          <p:nvPr/>
+        </p:nvCxnSpPr>
+        <p:spPr>
+          <a:xfrm rot="5400000" flipH="1" flipV="1">
+            <a:off x="4544661" y="1973997"/>
+            <a:ext cx="1296868" cy="724614"/>
+          </a:xfrm>
+          <a:prstGeom prst="curvedConnector3">
+            <a:avLst/>
+          </a:prstGeom>
+          <a:ln>
+            <a:tailEnd type="triangle"/>
+          </a:ln>
+        </p:spPr>
+        <p:style>
+          <a:lnRef idx="1">
+            <a:schemeClr val="accent1"/>
+          </a:lnRef>
+          <a:fillRef idx="0">
+            <a:schemeClr val="accent1"/>
+          </a:fillRef>
+          <a:effectRef idx="0">
+            <a:schemeClr val="accent1"/>
+          </a:effectRef>
+          <a:fontRef idx="minor">
+            <a:schemeClr val="tx1"/>
+          </a:fontRef>
+        </p:style>
+      </p:cxnSp>
+      <p:cxnSp>
+        <p:nvCxnSpPr>
+          <p:cNvPr id="17" name="구부러진 연결선[U] 16">
+            <a:extLst>
+              <a:ext uri="{FF2B5EF4-FFF2-40B4-BE49-F238E27FC236}">
+                <a16:creationId xmlns:a16="http://schemas.microsoft.com/office/drawing/2014/main" id="{FB417FB5-C740-E731-9818-612E880E9390}"/>
+              </a:ext>
+            </a:extLst>
+          </p:cNvPr>
+          <p:cNvCxnSpPr>
+            <a:cxnSpLocks/>
+            <a:stCxn id="16" idx="3"/>
+          </p:cNvCxnSpPr>
+          <p:nvPr/>
+        </p:nvCxnSpPr>
+        <p:spPr>
+          <a:xfrm flipV="1">
+            <a:off x="5232878" y="1687870"/>
+            <a:ext cx="1944318" cy="2851227"/>
+          </a:xfrm>
+          <a:prstGeom prst="curvedConnector2">
+            <a:avLst/>
+          </a:prstGeom>
+          <a:ln>
+            <a:tailEnd type="triangle"/>
+          </a:ln>
+        </p:spPr>
+        <p:style>
+          <a:lnRef idx="1">
+            <a:schemeClr val="accent1"/>
+          </a:lnRef>
+          <a:fillRef idx="0">
+            <a:schemeClr val="accent1"/>
+          </a:fillRef>
+          <a:effectRef idx="0">
+            <a:schemeClr val="accent1"/>
+          </a:effectRef>
+          <a:fontRef idx="minor">
+            <a:schemeClr val="tx1"/>
+          </a:fontRef>
+        </p:style>
+      </p:cxnSp>
+      <p:sp>
+        <p:nvSpPr>
+          <p:cNvPr id="16" name="직사각형 15">
+            <a:extLst>
+              <a:ext uri="{FF2B5EF4-FFF2-40B4-BE49-F238E27FC236}">
+                <a16:creationId xmlns:a16="http://schemas.microsoft.com/office/drawing/2014/main" id="{4726FF5D-F9C1-6107-364B-D25A0154F1D4}"/>
+              </a:ext>
+            </a:extLst>
+          </p:cNvPr>
+          <p:cNvSpPr/>
+          <p:nvPr/>
+        </p:nvSpPr>
+        <p:spPr>
+          <a:xfrm>
+            <a:off x="4692280" y="4156659"/>
+            <a:ext cx="540598" cy="764875"/>
+          </a:xfrm>
+          <a:prstGeom prst="rect">
+            <a:avLst/>
+          </a:prstGeom>
+          <a:solidFill>
+            <a:srgbClr val="FFFF00"/>
+          </a:solidFill>
+        </p:spPr>
+        <p:style>
+          <a:lnRef idx="2">
+            <a:schemeClr val="accent1">
+              <a:shade val="50000"/>
+            </a:schemeClr>
+          </a:lnRef>
+          <a:fillRef idx="1">
+            <a:schemeClr val="accent1"/>
+          </a:fillRef>
+          <a:effectRef idx="0">
+            <a:schemeClr val="accent1"/>
+          </a:effectRef>
+          <a:fontRef idx="minor">
+            <a:schemeClr val="lt1"/>
+          </a:fontRef>
+        </p:style>
+        <p:txBody>
+          <a:bodyPr rtlCol="0" anchor="ctr"/>
+          <a:lstStyle/>
+          <a:p>
+            <a:pPr algn="ctr"/>
+            <a:endParaRPr kumimoji="1" lang="ko-Kore-KR" altLang="en-US" sz="1400" dirty="0">
+              <a:solidFill>
+                <a:schemeClr val="tx1"/>
+              </a:solidFill>
+            </a:endParaRPr>
+          </a:p>
+        </p:txBody>
+      </p:sp>
+      <p:sp>
+        <p:nvSpPr>
+          <p:cNvPr id="18" name="직사각형 17">
+            <a:extLst>
+              <a:ext uri="{FF2B5EF4-FFF2-40B4-BE49-F238E27FC236}">
+                <a16:creationId xmlns:a16="http://schemas.microsoft.com/office/drawing/2014/main" id="{9E11487F-8550-67C6-EF37-97534FFFD273}"/>
+              </a:ext>
+            </a:extLst>
+          </p:cNvPr>
+          <p:cNvSpPr/>
+          <p:nvPr/>
+        </p:nvSpPr>
+        <p:spPr>
+          <a:xfrm>
+            <a:off x="4231898" y="4416255"/>
+            <a:ext cx="460382" cy="369332"/>
+          </a:xfrm>
+          <a:prstGeom prst="rect">
+            <a:avLst/>
+          </a:prstGeom>
+        </p:spPr>
+        <p:txBody>
+          <a:bodyPr wrap="none">
+            <a:spAutoFit/>
+          </a:bodyPr>
+          <a:lstStyle/>
+          <a:p>
+            <a:r>
+              <a:rPr lang="en" altLang="ko-Kore-KR" dirty="0">
+                <a:solidFill>
+                  <a:srgbClr val="001080"/>
+                </a:solidFill>
+                <a:latin typeface="DM Mono" panose="020B0509040201040103" pitchFamily="49" charset="0"/>
+              </a:rPr>
+              <a:t>p</a:t>
+            </a:r>
+            <a:r>
+              <a:rPr lang="en-US" altLang="ko-KR" dirty="0">
+                <a:solidFill>
+                  <a:srgbClr val="001080"/>
+                </a:solidFill>
+                <a:latin typeface="DM Mono" panose="020B0509040201040103" pitchFamily="49" charset="0"/>
+              </a:rPr>
+              <a:t>2</a:t>
+            </a:r>
+            <a:endParaRPr lang="ko-Kore-KR" altLang="en-US" dirty="0"/>
+          </a:p>
+        </p:txBody>
+      </p:sp>
+      <p:sp>
+        <p:nvSpPr>
+          <p:cNvPr id="13" name="직사각형 12">
+            <a:extLst>
+              <a:ext uri="{FF2B5EF4-FFF2-40B4-BE49-F238E27FC236}">
+                <a16:creationId xmlns:a16="http://schemas.microsoft.com/office/drawing/2014/main" id="{0DE8CC46-710A-531A-A0CD-5D965AF465DB}"/>
+              </a:ext>
+            </a:extLst>
+          </p:cNvPr>
+          <p:cNvSpPr/>
+          <p:nvPr/>
+        </p:nvSpPr>
+        <p:spPr>
+          <a:xfrm>
+            <a:off x="5605929" y="575134"/>
+            <a:ext cx="439544" cy="261610"/>
+          </a:xfrm>
+          <a:prstGeom prst="rect">
+            <a:avLst/>
+          </a:prstGeom>
+        </p:spPr>
+        <p:txBody>
+          <a:bodyPr wrap="none">
+            <a:spAutoFit/>
+          </a:bodyPr>
+          <a:lstStyle/>
+          <a:p>
+            <a:r>
+              <a:rPr lang="en" altLang="ko-Kore-KR" sz="1100" dirty="0">
+                <a:solidFill>
+                  <a:srgbClr val="001080"/>
+                </a:solidFill>
+                <a:latin typeface="DM Mono" panose="020B0509040201040103" pitchFamily="49" charset="0"/>
+              </a:rPr>
+              <a:t>100</a:t>
+            </a:r>
+            <a:endParaRPr lang="ko-Kore-KR" altLang="en-US" sz="1100" dirty="0"/>
+          </a:p>
+        </p:txBody>
+      </p:sp>
+      <p:sp>
+        <p:nvSpPr>
+          <p:cNvPr id="19" name="직사각형 18">
+            <a:extLst>
+              <a:ext uri="{FF2B5EF4-FFF2-40B4-BE49-F238E27FC236}">
+                <a16:creationId xmlns:a16="http://schemas.microsoft.com/office/drawing/2014/main" id="{EE01F18A-D761-5339-E7EF-AC7703458B96}"/>
+              </a:ext>
+            </a:extLst>
+          </p:cNvPr>
+          <p:cNvSpPr/>
+          <p:nvPr/>
+        </p:nvSpPr>
+        <p:spPr>
+          <a:xfrm>
+            <a:off x="7227723" y="580925"/>
+            <a:ext cx="439544" cy="261610"/>
+          </a:xfrm>
+          <a:prstGeom prst="rect">
+            <a:avLst/>
+          </a:prstGeom>
+        </p:spPr>
+        <p:txBody>
+          <a:bodyPr wrap="none">
+            <a:spAutoFit/>
+          </a:bodyPr>
+          <a:lstStyle/>
+          <a:p>
+            <a:r>
+              <a:rPr lang="en" altLang="ko-Kore-KR" sz="1100" dirty="0">
+                <a:solidFill>
+                  <a:srgbClr val="001080"/>
+                </a:solidFill>
+                <a:latin typeface="DM Mono" panose="020B0509040201040103" pitchFamily="49" charset="0"/>
+              </a:rPr>
+              <a:t>112</a:t>
+            </a:r>
+            <a:endParaRPr lang="ko-Kore-KR" altLang="en-US" sz="1100" dirty="0"/>
+          </a:p>
+        </p:txBody>
+      </p:sp>
+    </p:spTree>
+    <p:extLst>
+      <p:ext uri="{BB962C8B-B14F-4D97-AF65-F5344CB8AC3E}">
+        <p14:creationId xmlns:p14="http://schemas.microsoft.com/office/powerpoint/2010/main" val="278430400"/>
       </p:ext>
     </p:extLst>
   </p:cSld>

--- a/220510.pptx
+++ b/220510.pptx
@@ -18,6 +18,9 @@
     <p:sldId id="266" r:id="rId12"/>
     <p:sldId id="267" r:id="rId13"/>
     <p:sldId id="268" r:id="rId14"/>
+    <p:sldId id="269" r:id="rId15"/>
+    <p:sldId id="270" r:id="rId16"/>
+    <p:sldId id="271" r:id="rId17"/>
   </p:sldIdLst>
   <p:sldSz cx="12192000" cy="6858000"/>
   <p:notesSz cx="6858000" cy="9144000"/>
@@ -8628,6 +8631,6246 @@
     <p:extLst>
       <p:ext uri="{BB962C8B-B14F-4D97-AF65-F5344CB8AC3E}">
         <p14:creationId xmlns:p14="http://schemas.microsoft.com/office/powerpoint/2010/main" val="278430400"/>
+      </p:ext>
+    </p:extLst>
+  </p:cSld>
+  <p:clrMapOvr>
+    <a:masterClrMapping/>
+  </p:clrMapOvr>
+</p:sld>
+</file>
+
+<file path=ppt/slides/slide14.xml><?xml version="1.0" encoding="utf-8"?>
+<p:sld xmlns:a="http://schemas.openxmlformats.org/drawingml/2006/main" xmlns:r="http://schemas.openxmlformats.org/officeDocument/2006/relationships" xmlns:p="http://schemas.openxmlformats.org/presentationml/2006/main">
+  <p:cSld>
+    <p:spTree>
+      <p:nvGrpSpPr>
+        <p:cNvPr id="1" name=""/>
+        <p:cNvGrpSpPr/>
+        <p:nvPr/>
+      </p:nvGrpSpPr>
+      <p:grpSpPr>
+        <a:xfrm>
+          <a:off x="0" y="0"/>
+          <a:ext cx="0" cy="0"/>
+          <a:chOff x="0" y="0"/>
+          <a:chExt cx="0" cy="0"/>
+        </a:xfrm>
+      </p:grpSpPr>
+      <p:sp>
+        <p:nvSpPr>
+          <p:cNvPr id="4" name="직사각형 3">
+            <a:extLst>
+              <a:ext uri="{FF2B5EF4-FFF2-40B4-BE49-F238E27FC236}">
+                <a16:creationId xmlns:a16="http://schemas.microsoft.com/office/drawing/2014/main" id="{37FD3597-181C-176D-A317-40A0325F3754}"/>
+              </a:ext>
+            </a:extLst>
+          </p:cNvPr>
+          <p:cNvSpPr/>
+          <p:nvPr/>
+        </p:nvSpPr>
+        <p:spPr>
+          <a:xfrm>
+            <a:off x="438150" y="213569"/>
+            <a:ext cx="4388215" cy="5355312"/>
+          </a:xfrm>
+          <a:prstGeom prst="rect">
+            <a:avLst/>
+          </a:prstGeom>
+        </p:spPr>
+        <p:txBody>
+          <a:bodyPr wrap="square">
+            <a:spAutoFit/>
+          </a:bodyPr>
+          <a:lstStyle/>
+          <a:p>
+            <a:r>
+              <a:rPr lang="en" altLang="ko-Kore-KR" dirty="0">
+                <a:solidFill>
+                  <a:srgbClr val="0000FF"/>
+                </a:solidFill>
+                <a:latin typeface="DM Mono" panose="020B0509040201040103" pitchFamily="49" charset="0"/>
+              </a:rPr>
+              <a:t>void</a:t>
+            </a:r>
+            <a:r>
+              <a:rPr lang="en" altLang="ko-Kore-KR" dirty="0">
+                <a:solidFill>
+                  <a:srgbClr val="000000"/>
+                </a:solidFill>
+                <a:latin typeface="DM Mono" panose="020B0509040201040103" pitchFamily="49" charset="0"/>
+              </a:rPr>
+              <a:t> </a:t>
+            </a:r>
+            <a:r>
+              <a:rPr lang="en" altLang="ko-Kore-KR" dirty="0" err="1">
+                <a:solidFill>
+                  <a:srgbClr val="795E26"/>
+                </a:solidFill>
+                <a:latin typeface="DM Mono" panose="020B0509040201040103" pitchFamily="49" charset="0"/>
+              </a:rPr>
+              <a:t>pswap</a:t>
+            </a:r>
+            <a:r>
+              <a:rPr lang="en" altLang="ko-Kore-KR" dirty="0">
+                <a:solidFill>
+                  <a:srgbClr val="000000"/>
+                </a:solidFill>
+                <a:latin typeface="DM Mono" panose="020B0509040201040103" pitchFamily="49" charset="0"/>
+              </a:rPr>
+              <a:t>(</a:t>
+            </a:r>
+            <a:r>
+              <a:rPr lang="en" altLang="ko-Kore-KR" dirty="0">
+                <a:solidFill>
+                  <a:srgbClr val="0000FF"/>
+                </a:solidFill>
+                <a:latin typeface="DM Mono" panose="020B0509040201040103" pitchFamily="49" charset="0"/>
+              </a:rPr>
+              <a:t>int</a:t>
+            </a:r>
+            <a:r>
+              <a:rPr lang="en" altLang="ko-Kore-KR" dirty="0">
+                <a:solidFill>
+                  <a:srgbClr val="000000"/>
+                </a:solidFill>
+                <a:latin typeface="DM Mono" panose="020B0509040201040103" pitchFamily="49" charset="0"/>
+              </a:rPr>
+              <a:t>** </a:t>
+            </a:r>
+            <a:r>
+              <a:rPr lang="en" altLang="ko-Kore-KR" dirty="0" err="1">
+                <a:solidFill>
+                  <a:srgbClr val="001080"/>
+                </a:solidFill>
+                <a:latin typeface="DM Mono" panose="020B0509040201040103" pitchFamily="49" charset="0"/>
+              </a:rPr>
+              <a:t>ppa</a:t>
+            </a:r>
+            <a:r>
+              <a:rPr lang="en" altLang="ko-Kore-KR" dirty="0">
+                <a:solidFill>
+                  <a:srgbClr val="000000"/>
+                </a:solidFill>
+                <a:latin typeface="DM Mono" panose="020B0509040201040103" pitchFamily="49" charset="0"/>
+              </a:rPr>
+              <a:t>, </a:t>
+            </a:r>
+            <a:r>
+              <a:rPr lang="en" altLang="ko-Kore-KR" dirty="0">
+                <a:solidFill>
+                  <a:srgbClr val="0000FF"/>
+                </a:solidFill>
+                <a:latin typeface="DM Mono" panose="020B0509040201040103" pitchFamily="49" charset="0"/>
+              </a:rPr>
+              <a:t>int</a:t>
+            </a:r>
+            <a:r>
+              <a:rPr lang="en" altLang="ko-Kore-KR" dirty="0">
+                <a:solidFill>
+                  <a:srgbClr val="000000"/>
+                </a:solidFill>
+                <a:latin typeface="DM Mono" panose="020B0509040201040103" pitchFamily="49" charset="0"/>
+              </a:rPr>
+              <a:t>** </a:t>
+            </a:r>
+            <a:r>
+              <a:rPr lang="en" altLang="ko-Kore-KR" dirty="0">
+                <a:solidFill>
+                  <a:srgbClr val="001080"/>
+                </a:solidFill>
+                <a:latin typeface="DM Mono" panose="020B0509040201040103" pitchFamily="49" charset="0"/>
+              </a:rPr>
+              <a:t>ppb</a:t>
+            </a:r>
+            <a:r>
+              <a:rPr lang="en" altLang="ko-Kore-KR" dirty="0">
+                <a:solidFill>
+                  <a:srgbClr val="000000"/>
+                </a:solidFill>
+                <a:latin typeface="DM Mono" panose="020B0509040201040103" pitchFamily="49" charset="0"/>
+              </a:rPr>
+              <a:t>)</a:t>
+            </a:r>
+          </a:p>
+          <a:p>
+            <a:r>
+              <a:rPr lang="en" altLang="ko-Kore-KR" dirty="0">
+                <a:solidFill>
+                  <a:srgbClr val="000000"/>
+                </a:solidFill>
+                <a:latin typeface="DM Mono" panose="020B0509040201040103" pitchFamily="49" charset="0"/>
+              </a:rPr>
+              <a:t>{</a:t>
+            </a:r>
+          </a:p>
+          <a:p>
+            <a:r>
+              <a:rPr lang="en" altLang="ko-Kore-KR" dirty="0">
+                <a:solidFill>
+                  <a:srgbClr val="0000FF"/>
+                </a:solidFill>
+                <a:latin typeface="DM Mono" panose="020B0509040201040103" pitchFamily="49" charset="0"/>
+              </a:rPr>
+              <a:t>  int</a:t>
+            </a:r>
+            <a:r>
+              <a:rPr lang="en" altLang="ko-Kore-KR" dirty="0">
+                <a:solidFill>
+                  <a:srgbClr val="000000"/>
+                </a:solidFill>
+                <a:latin typeface="DM Mono" panose="020B0509040201040103" pitchFamily="49" charset="0"/>
+              </a:rPr>
+              <a:t>* </a:t>
+            </a:r>
+            <a:r>
+              <a:rPr lang="en" altLang="ko-Kore-KR" dirty="0">
+                <a:solidFill>
+                  <a:srgbClr val="001080"/>
+                </a:solidFill>
+                <a:latin typeface="DM Mono" panose="020B0509040201040103" pitchFamily="49" charset="0"/>
+              </a:rPr>
+              <a:t>temp</a:t>
+            </a:r>
+            <a:r>
+              <a:rPr lang="en" altLang="ko-Kore-KR" dirty="0">
+                <a:solidFill>
+                  <a:srgbClr val="000000"/>
+                </a:solidFill>
+                <a:latin typeface="DM Mono" panose="020B0509040201040103" pitchFamily="49" charset="0"/>
+              </a:rPr>
+              <a:t> = *</a:t>
+            </a:r>
+            <a:r>
+              <a:rPr lang="en" altLang="ko-Kore-KR" dirty="0" err="1">
+                <a:solidFill>
+                  <a:srgbClr val="001080"/>
+                </a:solidFill>
+                <a:latin typeface="DM Mono" panose="020B0509040201040103" pitchFamily="49" charset="0"/>
+              </a:rPr>
+              <a:t>ppa</a:t>
+            </a:r>
+            <a:r>
+              <a:rPr lang="en" altLang="ko-Kore-KR" dirty="0">
+                <a:solidFill>
+                  <a:srgbClr val="000000"/>
+                </a:solidFill>
+                <a:latin typeface="DM Mono" panose="020B0509040201040103" pitchFamily="49" charset="0"/>
+              </a:rPr>
+              <a:t>;</a:t>
+            </a:r>
+          </a:p>
+          <a:p>
+            <a:r>
+              <a:rPr lang="en" altLang="ko-Kore-KR" dirty="0">
+                <a:solidFill>
+                  <a:srgbClr val="000000"/>
+                </a:solidFill>
+                <a:latin typeface="DM Mono" panose="020B0509040201040103" pitchFamily="49" charset="0"/>
+              </a:rPr>
+              <a:t>  *</a:t>
+            </a:r>
+            <a:r>
+              <a:rPr lang="en" altLang="ko-Kore-KR" dirty="0" err="1">
+                <a:solidFill>
+                  <a:srgbClr val="001080"/>
+                </a:solidFill>
+                <a:latin typeface="DM Mono" panose="020B0509040201040103" pitchFamily="49" charset="0"/>
+              </a:rPr>
+              <a:t>ppa</a:t>
+            </a:r>
+            <a:r>
+              <a:rPr lang="en" altLang="ko-Kore-KR" dirty="0">
+                <a:solidFill>
+                  <a:srgbClr val="000000"/>
+                </a:solidFill>
+                <a:latin typeface="DM Mono" panose="020B0509040201040103" pitchFamily="49" charset="0"/>
+              </a:rPr>
+              <a:t> = *</a:t>
+            </a:r>
+            <a:r>
+              <a:rPr lang="en" altLang="ko-Kore-KR" dirty="0">
+                <a:solidFill>
+                  <a:srgbClr val="001080"/>
+                </a:solidFill>
+                <a:latin typeface="DM Mono" panose="020B0509040201040103" pitchFamily="49" charset="0"/>
+              </a:rPr>
+              <a:t>ppb</a:t>
+            </a:r>
+            <a:r>
+              <a:rPr lang="en" altLang="ko-Kore-KR" dirty="0">
+                <a:solidFill>
+                  <a:srgbClr val="000000"/>
+                </a:solidFill>
+                <a:latin typeface="DM Mono" panose="020B0509040201040103" pitchFamily="49" charset="0"/>
+              </a:rPr>
+              <a:t>;</a:t>
+            </a:r>
+          </a:p>
+          <a:p>
+            <a:r>
+              <a:rPr lang="en" altLang="ko-Kore-KR" dirty="0">
+                <a:solidFill>
+                  <a:srgbClr val="000000"/>
+                </a:solidFill>
+                <a:latin typeface="DM Mono" panose="020B0509040201040103" pitchFamily="49" charset="0"/>
+              </a:rPr>
+              <a:t>  *</a:t>
+            </a:r>
+            <a:r>
+              <a:rPr lang="en" altLang="ko-Kore-KR" dirty="0">
+                <a:solidFill>
+                  <a:srgbClr val="001080"/>
+                </a:solidFill>
+                <a:latin typeface="DM Mono" panose="020B0509040201040103" pitchFamily="49" charset="0"/>
+              </a:rPr>
+              <a:t>ppb</a:t>
+            </a:r>
+            <a:r>
+              <a:rPr lang="en" altLang="ko-Kore-KR" dirty="0">
+                <a:solidFill>
+                  <a:srgbClr val="000000"/>
+                </a:solidFill>
+                <a:latin typeface="DM Mono" panose="020B0509040201040103" pitchFamily="49" charset="0"/>
+              </a:rPr>
+              <a:t> = </a:t>
+            </a:r>
+            <a:r>
+              <a:rPr lang="en" altLang="ko-Kore-KR" dirty="0">
+                <a:solidFill>
+                  <a:srgbClr val="001080"/>
+                </a:solidFill>
+                <a:latin typeface="DM Mono" panose="020B0509040201040103" pitchFamily="49" charset="0"/>
+              </a:rPr>
+              <a:t>temp</a:t>
+            </a:r>
+            <a:r>
+              <a:rPr lang="en" altLang="ko-Kore-KR" dirty="0">
+                <a:solidFill>
+                  <a:srgbClr val="000000"/>
+                </a:solidFill>
+                <a:latin typeface="DM Mono" panose="020B0509040201040103" pitchFamily="49" charset="0"/>
+              </a:rPr>
+              <a:t>;</a:t>
+            </a:r>
+          </a:p>
+          <a:p>
+            <a:r>
+              <a:rPr lang="en" altLang="ko-Kore-KR" dirty="0">
+                <a:solidFill>
+                  <a:srgbClr val="000000"/>
+                </a:solidFill>
+                <a:latin typeface="DM Mono" panose="020B0509040201040103" pitchFamily="49" charset="0"/>
+              </a:rPr>
+              <a:t>}</a:t>
+            </a:r>
+          </a:p>
+          <a:p>
+            <a:br>
+              <a:rPr lang="en" altLang="ko-Kore-KR" dirty="0">
+                <a:solidFill>
+                  <a:srgbClr val="000000"/>
+                </a:solidFill>
+                <a:latin typeface="DM Mono" panose="020B0509040201040103" pitchFamily="49" charset="0"/>
+              </a:rPr>
+            </a:br>
+            <a:r>
+              <a:rPr lang="en" altLang="ko-Kore-KR" dirty="0">
+                <a:solidFill>
+                  <a:srgbClr val="0000FF"/>
+                </a:solidFill>
+                <a:latin typeface="DM Mono" panose="020B0509040201040103" pitchFamily="49" charset="0"/>
+              </a:rPr>
+              <a:t>int</a:t>
+            </a:r>
+            <a:r>
+              <a:rPr lang="en" altLang="ko-Kore-KR" dirty="0">
+                <a:solidFill>
+                  <a:srgbClr val="000000"/>
+                </a:solidFill>
+                <a:latin typeface="DM Mono" panose="020B0509040201040103" pitchFamily="49" charset="0"/>
+              </a:rPr>
+              <a:t> </a:t>
+            </a:r>
+            <a:r>
+              <a:rPr lang="en" altLang="ko-Kore-KR" dirty="0">
+                <a:solidFill>
+                  <a:srgbClr val="795E26"/>
+                </a:solidFill>
+                <a:latin typeface="DM Mono" panose="020B0509040201040103" pitchFamily="49" charset="0"/>
+              </a:rPr>
+              <a:t>main</a:t>
+            </a:r>
+            <a:r>
+              <a:rPr lang="en" altLang="ko-Kore-KR" dirty="0">
+                <a:solidFill>
+                  <a:srgbClr val="000000"/>
+                </a:solidFill>
+                <a:latin typeface="DM Mono" panose="020B0509040201040103" pitchFamily="49" charset="0"/>
+              </a:rPr>
+              <a:t>(</a:t>
+            </a:r>
+            <a:r>
+              <a:rPr lang="en" altLang="ko-Kore-KR" dirty="0">
+                <a:solidFill>
+                  <a:srgbClr val="0000FF"/>
+                </a:solidFill>
+                <a:latin typeface="DM Mono" panose="020B0509040201040103" pitchFamily="49" charset="0"/>
+              </a:rPr>
+              <a:t>void</a:t>
+            </a:r>
+            <a:r>
+              <a:rPr lang="en" altLang="ko-Kore-KR" dirty="0">
+                <a:solidFill>
+                  <a:srgbClr val="000000"/>
+                </a:solidFill>
+                <a:latin typeface="DM Mono" panose="020B0509040201040103" pitchFamily="49" charset="0"/>
+              </a:rPr>
+              <a:t>)</a:t>
+            </a:r>
+          </a:p>
+          <a:p>
+            <a:r>
+              <a:rPr lang="en" altLang="ko-Kore-KR" dirty="0">
+                <a:solidFill>
+                  <a:srgbClr val="000000"/>
+                </a:solidFill>
+                <a:latin typeface="DM Mono" panose="020B0509040201040103" pitchFamily="49" charset="0"/>
+              </a:rPr>
+              <a:t>{</a:t>
+            </a:r>
+          </a:p>
+          <a:p>
+            <a:r>
+              <a:rPr lang="en" altLang="ko-Kore-KR" dirty="0">
+                <a:solidFill>
+                  <a:srgbClr val="0000FF"/>
+                </a:solidFill>
+                <a:latin typeface="DM Mono" panose="020B0509040201040103" pitchFamily="49" charset="0"/>
+              </a:rPr>
+              <a:t>  int</a:t>
+            </a:r>
+            <a:r>
+              <a:rPr lang="en" altLang="ko-Kore-KR" dirty="0">
+                <a:solidFill>
+                  <a:srgbClr val="000000"/>
+                </a:solidFill>
+                <a:latin typeface="DM Mono" panose="020B0509040201040103" pitchFamily="49" charset="0"/>
+              </a:rPr>
+              <a:t> </a:t>
+            </a:r>
+            <a:r>
+              <a:rPr lang="en" altLang="ko-Kore-KR" dirty="0">
+                <a:solidFill>
+                  <a:srgbClr val="001080"/>
+                </a:solidFill>
+                <a:latin typeface="DM Mono" panose="020B0509040201040103" pitchFamily="49" charset="0"/>
+              </a:rPr>
+              <a:t>a</a:t>
+            </a:r>
+            <a:r>
+              <a:rPr lang="en" altLang="ko-Kore-KR" dirty="0">
+                <a:solidFill>
+                  <a:srgbClr val="000000"/>
+                </a:solidFill>
+                <a:latin typeface="DM Mono" panose="020B0509040201040103" pitchFamily="49" charset="0"/>
+              </a:rPr>
+              <a:t> = </a:t>
+            </a:r>
+            <a:r>
+              <a:rPr lang="en" altLang="ko-Kore-KR" dirty="0">
+                <a:solidFill>
+                  <a:srgbClr val="098658"/>
+                </a:solidFill>
+                <a:latin typeface="DM Mono" panose="020B0509040201040103" pitchFamily="49" charset="0"/>
+              </a:rPr>
+              <a:t>10</a:t>
+            </a:r>
+            <a:r>
+              <a:rPr lang="en" altLang="ko-Kore-KR" dirty="0">
+                <a:solidFill>
+                  <a:srgbClr val="000000"/>
+                </a:solidFill>
+                <a:latin typeface="DM Mono" panose="020B0509040201040103" pitchFamily="49" charset="0"/>
+              </a:rPr>
+              <a:t>;</a:t>
+            </a:r>
+          </a:p>
+          <a:p>
+            <a:r>
+              <a:rPr lang="en" altLang="ko-Kore-KR" dirty="0">
+                <a:solidFill>
+                  <a:srgbClr val="0000FF"/>
+                </a:solidFill>
+                <a:latin typeface="DM Mono" panose="020B0509040201040103" pitchFamily="49" charset="0"/>
+              </a:rPr>
+              <a:t>  int</a:t>
+            </a:r>
+            <a:r>
+              <a:rPr lang="en" altLang="ko-Kore-KR" dirty="0">
+                <a:solidFill>
+                  <a:srgbClr val="000000"/>
+                </a:solidFill>
+                <a:latin typeface="DM Mono" panose="020B0509040201040103" pitchFamily="49" charset="0"/>
+              </a:rPr>
+              <a:t> </a:t>
+            </a:r>
+            <a:r>
+              <a:rPr lang="en" altLang="ko-Kore-KR" dirty="0">
+                <a:solidFill>
+                  <a:srgbClr val="001080"/>
+                </a:solidFill>
+                <a:latin typeface="DM Mono" panose="020B0509040201040103" pitchFamily="49" charset="0"/>
+              </a:rPr>
+              <a:t>b</a:t>
+            </a:r>
+            <a:r>
+              <a:rPr lang="en" altLang="ko-Kore-KR" dirty="0">
+                <a:solidFill>
+                  <a:srgbClr val="000000"/>
+                </a:solidFill>
+                <a:latin typeface="DM Mono" panose="020B0509040201040103" pitchFamily="49" charset="0"/>
+              </a:rPr>
+              <a:t> = </a:t>
+            </a:r>
+            <a:r>
+              <a:rPr lang="en" altLang="ko-Kore-KR" dirty="0">
+                <a:solidFill>
+                  <a:srgbClr val="098658"/>
+                </a:solidFill>
+                <a:latin typeface="DM Mono" panose="020B0509040201040103" pitchFamily="49" charset="0"/>
+              </a:rPr>
+              <a:t>20</a:t>
+            </a:r>
+            <a:r>
+              <a:rPr lang="en" altLang="ko-Kore-KR" dirty="0">
+                <a:solidFill>
+                  <a:srgbClr val="000000"/>
+                </a:solidFill>
+                <a:latin typeface="DM Mono" panose="020B0509040201040103" pitchFamily="49" charset="0"/>
+              </a:rPr>
+              <a:t>;</a:t>
+            </a:r>
+          </a:p>
+          <a:p>
+            <a:br>
+              <a:rPr lang="en" altLang="ko-Kore-KR" dirty="0">
+                <a:solidFill>
+                  <a:srgbClr val="000000"/>
+                </a:solidFill>
+                <a:latin typeface="DM Mono" panose="020B0509040201040103" pitchFamily="49" charset="0"/>
+              </a:rPr>
+            </a:br>
+            <a:r>
+              <a:rPr lang="en" altLang="ko-Kore-KR" dirty="0">
+                <a:solidFill>
+                  <a:srgbClr val="000000"/>
+                </a:solidFill>
+                <a:latin typeface="DM Mono" panose="020B0509040201040103" pitchFamily="49" charset="0"/>
+              </a:rPr>
+              <a:t>  </a:t>
+            </a:r>
+            <a:r>
+              <a:rPr lang="en" altLang="ko-Kore-KR" dirty="0">
+                <a:solidFill>
+                  <a:srgbClr val="0000FF"/>
+                </a:solidFill>
+                <a:latin typeface="DM Mono" panose="020B0509040201040103" pitchFamily="49" charset="0"/>
+              </a:rPr>
+              <a:t>int</a:t>
+            </a:r>
+            <a:r>
+              <a:rPr lang="en" altLang="ko-Kore-KR" dirty="0">
+                <a:solidFill>
+                  <a:srgbClr val="000000"/>
+                </a:solidFill>
+                <a:latin typeface="DM Mono" panose="020B0509040201040103" pitchFamily="49" charset="0"/>
+              </a:rPr>
+              <a:t>* </a:t>
+            </a:r>
+            <a:r>
+              <a:rPr lang="en" altLang="ko-Kore-KR" dirty="0">
+                <a:solidFill>
+                  <a:srgbClr val="001080"/>
+                </a:solidFill>
+                <a:latin typeface="DM Mono" panose="020B0509040201040103" pitchFamily="49" charset="0"/>
+              </a:rPr>
+              <a:t>pa</a:t>
+            </a:r>
+            <a:r>
+              <a:rPr lang="en" altLang="ko-Kore-KR" dirty="0">
+                <a:solidFill>
+                  <a:srgbClr val="000000"/>
+                </a:solidFill>
+                <a:latin typeface="DM Mono" panose="020B0509040201040103" pitchFamily="49" charset="0"/>
+              </a:rPr>
+              <a:t> = &amp;</a:t>
+            </a:r>
+            <a:r>
+              <a:rPr lang="en" altLang="ko-Kore-KR" dirty="0">
+                <a:solidFill>
+                  <a:srgbClr val="001080"/>
+                </a:solidFill>
+                <a:latin typeface="DM Mono" panose="020B0509040201040103" pitchFamily="49" charset="0"/>
+              </a:rPr>
+              <a:t>a</a:t>
+            </a:r>
+            <a:r>
+              <a:rPr lang="en" altLang="ko-Kore-KR" dirty="0">
+                <a:solidFill>
+                  <a:srgbClr val="000000"/>
+                </a:solidFill>
+                <a:latin typeface="DM Mono" panose="020B0509040201040103" pitchFamily="49" charset="0"/>
+              </a:rPr>
+              <a:t>;</a:t>
+            </a:r>
+          </a:p>
+          <a:p>
+            <a:r>
+              <a:rPr lang="en" altLang="ko-Kore-KR" dirty="0">
+                <a:solidFill>
+                  <a:srgbClr val="0000FF"/>
+                </a:solidFill>
+                <a:latin typeface="DM Mono" panose="020B0509040201040103" pitchFamily="49" charset="0"/>
+              </a:rPr>
+              <a:t>  int</a:t>
+            </a:r>
+            <a:r>
+              <a:rPr lang="en" altLang="ko-Kore-KR" dirty="0">
+                <a:solidFill>
+                  <a:srgbClr val="000000"/>
+                </a:solidFill>
+                <a:latin typeface="DM Mono" panose="020B0509040201040103" pitchFamily="49" charset="0"/>
+              </a:rPr>
+              <a:t>* </a:t>
+            </a:r>
+            <a:r>
+              <a:rPr lang="en" altLang="ko-Kore-KR" dirty="0">
+                <a:solidFill>
+                  <a:srgbClr val="001080"/>
+                </a:solidFill>
+                <a:latin typeface="DM Mono" panose="020B0509040201040103" pitchFamily="49" charset="0"/>
+              </a:rPr>
+              <a:t>pb</a:t>
+            </a:r>
+            <a:r>
+              <a:rPr lang="en" altLang="ko-Kore-KR" dirty="0">
+                <a:solidFill>
+                  <a:srgbClr val="000000"/>
+                </a:solidFill>
+                <a:latin typeface="DM Mono" panose="020B0509040201040103" pitchFamily="49" charset="0"/>
+              </a:rPr>
+              <a:t> = &amp;</a:t>
+            </a:r>
+            <a:r>
+              <a:rPr lang="en" altLang="ko-Kore-KR" dirty="0">
+                <a:solidFill>
+                  <a:srgbClr val="001080"/>
+                </a:solidFill>
+                <a:latin typeface="DM Mono" panose="020B0509040201040103" pitchFamily="49" charset="0"/>
+              </a:rPr>
+              <a:t>b</a:t>
+            </a:r>
+            <a:r>
+              <a:rPr lang="en" altLang="ko-Kore-KR" dirty="0">
+                <a:solidFill>
+                  <a:srgbClr val="000000"/>
+                </a:solidFill>
+                <a:latin typeface="DM Mono" panose="020B0509040201040103" pitchFamily="49" charset="0"/>
+              </a:rPr>
+              <a:t>;</a:t>
+            </a:r>
+          </a:p>
+          <a:p>
+            <a:r>
+              <a:rPr lang="en" altLang="ko-Kore-KR" dirty="0">
+                <a:solidFill>
+                  <a:srgbClr val="795E26"/>
+                </a:solidFill>
+                <a:latin typeface="DM Mono" panose="020B0509040201040103" pitchFamily="49" charset="0"/>
+              </a:rPr>
+              <a:t>  </a:t>
+            </a:r>
+            <a:r>
+              <a:rPr lang="en" altLang="ko-Kore-KR" dirty="0" err="1">
+                <a:solidFill>
+                  <a:srgbClr val="795E26"/>
+                </a:solidFill>
+                <a:latin typeface="DM Mono" panose="020B0509040201040103" pitchFamily="49" charset="0"/>
+              </a:rPr>
+              <a:t>pswap</a:t>
+            </a:r>
+            <a:r>
+              <a:rPr lang="en" altLang="ko-Kore-KR" dirty="0">
+                <a:solidFill>
+                  <a:srgbClr val="000000"/>
+                </a:solidFill>
+                <a:latin typeface="DM Mono" panose="020B0509040201040103" pitchFamily="49" charset="0"/>
+              </a:rPr>
+              <a:t>(&amp;</a:t>
+            </a:r>
+            <a:r>
+              <a:rPr lang="en" altLang="ko-Kore-KR" dirty="0">
+                <a:solidFill>
+                  <a:srgbClr val="001080"/>
+                </a:solidFill>
+                <a:latin typeface="DM Mono" panose="020B0509040201040103" pitchFamily="49" charset="0"/>
+              </a:rPr>
+              <a:t>pa</a:t>
+            </a:r>
+            <a:r>
+              <a:rPr lang="en" altLang="ko-Kore-KR" dirty="0">
+                <a:solidFill>
+                  <a:srgbClr val="000000"/>
+                </a:solidFill>
+                <a:latin typeface="DM Mono" panose="020B0509040201040103" pitchFamily="49" charset="0"/>
+              </a:rPr>
+              <a:t>, &amp;</a:t>
+            </a:r>
+            <a:r>
+              <a:rPr lang="en" altLang="ko-Kore-KR" dirty="0">
+                <a:solidFill>
+                  <a:srgbClr val="001080"/>
+                </a:solidFill>
+                <a:latin typeface="DM Mono" panose="020B0509040201040103" pitchFamily="49" charset="0"/>
+              </a:rPr>
+              <a:t>pb</a:t>
+            </a:r>
+            <a:r>
+              <a:rPr lang="en" altLang="ko-Kore-KR" dirty="0">
+                <a:solidFill>
+                  <a:srgbClr val="000000"/>
+                </a:solidFill>
+                <a:latin typeface="DM Mono" panose="020B0509040201040103" pitchFamily="49" charset="0"/>
+              </a:rPr>
+              <a:t>);</a:t>
+            </a:r>
+          </a:p>
+          <a:p>
+            <a:br>
+              <a:rPr lang="en" altLang="ko-Kore-KR" dirty="0">
+                <a:solidFill>
+                  <a:srgbClr val="000000"/>
+                </a:solidFill>
+                <a:latin typeface="DM Mono" panose="020B0509040201040103" pitchFamily="49" charset="0"/>
+              </a:rPr>
+            </a:br>
+            <a:r>
+              <a:rPr lang="en" altLang="ko-Kore-KR" dirty="0">
+                <a:solidFill>
+                  <a:srgbClr val="000000"/>
+                </a:solidFill>
+                <a:latin typeface="DM Mono" panose="020B0509040201040103" pitchFamily="49" charset="0"/>
+              </a:rPr>
+              <a:t>  </a:t>
+            </a:r>
+            <a:r>
+              <a:rPr lang="en" altLang="ko-Kore-KR" dirty="0" err="1">
+                <a:solidFill>
+                  <a:srgbClr val="795E26"/>
+                </a:solidFill>
+                <a:latin typeface="DM Mono" panose="020B0509040201040103" pitchFamily="49" charset="0"/>
+              </a:rPr>
+              <a:t>printf</a:t>
+            </a:r>
+            <a:r>
+              <a:rPr lang="en" altLang="ko-Kore-KR" dirty="0">
+                <a:solidFill>
+                  <a:srgbClr val="000000"/>
+                </a:solidFill>
+                <a:latin typeface="DM Mono" panose="020B0509040201040103" pitchFamily="49" charset="0"/>
+              </a:rPr>
+              <a:t>(</a:t>
+            </a:r>
+            <a:r>
+              <a:rPr lang="en" altLang="ko-Kore-KR" dirty="0">
+                <a:solidFill>
+                  <a:srgbClr val="A31515"/>
+                </a:solidFill>
+                <a:latin typeface="DM Mono" panose="020B0509040201040103" pitchFamily="49" charset="0"/>
+              </a:rPr>
+              <a:t>"</a:t>
+            </a:r>
+            <a:r>
+              <a:rPr lang="en" altLang="ko-Kore-KR" dirty="0">
+                <a:solidFill>
+                  <a:srgbClr val="001080"/>
+                </a:solidFill>
+                <a:latin typeface="DM Mono" panose="020B0509040201040103" pitchFamily="49" charset="0"/>
+              </a:rPr>
+              <a:t>%d</a:t>
+            </a:r>
+            <a:r>
+              <a:rPr lang="en" altLang="ko-Kore-KR" dirty="0">
+                <a:solidFill>
+                  <a:srgbClr val="A31515"/>
+                </a:solidFill>
+                <a:latin typeface="DM Mono" panose="020B0509040201040103" pitchFamily="49" charset="0"/>
+              </a:rPr>
+              <a:t> </a:t>
+            </a:r>
+            <a:r>
+              <a:rPr lang="en" altLang="ko-Kore-KR" dirty="0">
+                <a:solidFill>
+                  <a:srgbClr val="001080"/>
+                </a:solidFill>
+                <a:latin typeface="DM Mono" panose="020B0509040201040103" pitchFamily="49" charset="0"/>
+              </a:rPr>
+              <a:t>%d</a:t>
+            </a:r>
+            <a:r>
+              <a:rPr lang="en" altLang="ko-Kore-KR" dirty="0">
+                <a:solidFill>
+                  <a:srgbClr val="EE0000"/>
+                </a:solidFill>
+                <a:latin typeface="DM Mono" panose="020B0509040201040103" pitchFamily="49" charset="0"/>
+              </a:rPr>
+              <a:t>\n</a:t>
+            </a:r>
+            <a:r>
+              <a:rPr lang="en" altLang="ko-Kore-KR" dirty="0">
+                <a:solidFill>
+                  <a:srgbClr val="A31515"/>
+                </a:solidFill>
+                <a:latin typeface="DM Mono" panose="020B0509040201040103" pitchFamily="49" charset="0"/>
+              </a:rPr>
+              <a:t>"</a:t>
+            </a:r>
+            <a:r>
+              <a:rPr lang="en" altLang="ko-Kore-KR" dirty="0">
+                <a:solidFill>
+                  <a:srgbClr val="000000"/>
+                </a:solidFill>
+                <a:latin typeface="DM Mono" panose="020B0509040201040103" pitchFamily="49" charset="0"/>
+              </a:rPr>
+              <a:t>, </a:t>
+            </a:r>
+            <a:r>
+              <a:rPr lang="en" altLang="ko-Kore-KR" dirty="0">
+                <a:solidFill>
+                  <a:srgbClr val="001080"/>
+                </a:solidFill>
+                <a:latin typeface="DM Mono" panose="020B0509040201040103" pitchFamily="49" charset="0"/>
+              </a:rPr>
+              <a:t>a</a:t>
+            </a:r>
+            <a:r>
+              <a:rPr lang="en" altLang="ko-Kore-KR" dirty="0">
+                <a:solidFill>
+                  <a:srgbClr val="000000"/>
+                </a:solidFill>
+                <a:latin typeface="DM Mono" panose="020B0509040201040103" pitchFamily="49" charset="0"/>
+              </a:rPr>
+              <a:t>, </a:t>
+            </a:r>
+            <a:r>
+              <a:rPr lang="en" altLang="ko-Kore-KR" dirty="0">
+                <a:solidFill>
+                  <a:srgbClr val="001080"/>
+                </a:solidFill>
+                <a:latin typeface="DM Mono" panose="020B0509040201040103" pitchFamily="49" charset="0"/>
+              </a:rPr>
+              <a:t>b</a:t>
+            </a:r>
+            <a:r>
+              <a:rPr lang="en" altLang="ko-Kore-KR" dirty="0">
+                <a:solidFill>
+                  <a:srgbClr val="000000"/>
+                </a:solidFill>
+                <a:latin typeface="DM Mono" panose="020B0509040201040103" pitchFamily="49" charset="0"/>
+              </a:rPr>
+              <a:t>);</a:t>
+            </a:r>
+          </a:p>
+          <a:p>
+            <a:r>
+              <a:rPr lang="en" altLang="ko-Kore-KR" dirty="0">
+                <a:solidFill>
+                  <a:srgbClr val="000000"/>
+                </a:solidFill>
+                <a:latin typeface="DM Mono" panose="020B0509040201040103" pitchFamily="49" charset="0"/>
+              </a:rPr>
+              <a:t>}</a:t>
+            </a:r>
+            <a:endParaRPr lang="en" altLang="ko-Kore-KR" b="0" dirty="0">
+              <a:solidFill>
+                <a:srgbClr val="000000"/>
+              </a:solidFill>
+              <a:effectLst/>
+              <a:latin typeface="DM Mono" panose="020B0509040201040103" pitchFamily="49" charset="0"/>
+            </a:endParaRPr>
+          </a:p>
+        </p:txBody>
+      </p:sp>
+      <p:sp>
+        <p:nvSpPr>
+          <p:cNvPr id="5" name="직사각형 4">
+            <a:extLst>
+              <a:ext uri="{FF2B5EF4-FFF2-40B4-BE49-F238E27FC236}">
+                <a16:creationId xmlns:a16="http://schemas.microsoft.com/office/drawing/2014/main" id="{5D4953FA-ECF5-406E-EA0A-07F4BB1D1637}"/>
+              </a:ext>
+            </a:extLst>
+          </p:cNvPr>
+          <p:cNvSpPr/>
+          <p:nvPr/>
+        </p:nvSpPr>
+        <p:spPr>
+          <a:xfrm>
+            <a:off x="5037645" y="1198819"/>
+            <a:ext cx="3234906" cy="2706432"/>
+          </a:xfrm>
+          <a:prstGeom prst="rect">
+            <a:avLst/>
+          </a:prstGeom>
+          <a:noFill/>
+        </p:spPr>
+        <p:style>
+          <a:lnRef idx="2">
+            <a:schemeClr val="accent4"/>
+          </a:lnRef>
+          <a:fillRef idx="1">
+            <a:schemeClr val="lt1"/>
+          </a:fillRef>
+          <a:effectRef idx="0">
+            <a:schemeClr val="accent4"/>
+          </a:effectRef>
+          <a:fontRef idx="minor">
+            <a:schemeClr val="dk1"/>
+          </a:fontRef>
+        </p:style>
+        <p:txBody>
+          <a:bodyPr rtlCol="0" anchor="ctr"/>
+          <a:lstStyle/>
+          <a:p>
+            <a:pPr algn="ctr"/>
+            <a:endParaRPr kumimoji="1" lang="ko-Kore-KR" altLang="en-US" sz="1400" dirty="0">
+              <a:solidFill>
+                <a:schemeClr val="tx1"/>
+              </a:solidFill>
+            </a:endParaRPr>
+          </a:p>
+        </p:txBody>
+      </p:sp>
+      <p:sp>
+        <p:nvSpPr>
+          <p:cNvPr id="6" name="직사각형 5">
+            <a:extLst>
+              <a:ext uri="{FF2B5EF4-FFF2-40B4-BE49-F238E27FC236}">
+                <a16:creationId xmlns:a16="http://schemas.microsoft.com/office/drawing/2014/main" id="{DF1668EF-A1EF-4292-019D-8A043A24DE4B}"/>
+              </a:ext>
+            </a:extLst>
+          </p:cNvPr>
+          <p:cNvSpPr/>
+          <p:nvPr/>
+        </p:nvSpPr>
+        <p:spPr>
+          <a:xfrm>
+            <a:off x="6258474" y="809072"/>
+            <a:ext cx="736099" cy="369332"/>
+          </a:xfrm>
+          <a:prstGeom prst="rect">
+            <a:avLst/>
+          </a:prstGeom>
+        </p:spPr>
+        <p:txBody>
+          <a:bodyPr wrap="none">
+            <a:spAutoFit/>
+          </a:bodyPr>
+          <a:lstStyle/>
+          <a:p>
+            <a:r>
+              <a:rPr lang="en" altLang="ko-Kore-KR" dirty="0">
+                <a:solidFill>
+                  <a:srgbClr val="795E26"/>
+                </a:solidFill>
+                <a:latin typeface="DM Mono" panose="020B0509040201040103" pitchFamily="49" charset="0"/>
+              </a:rPr>
+              <a:t>main</a:t>
+            </a:r>
+            <a:endParaRPr lang="ko-Kore-KR" altLang="en-US" dirty="0"/>
+          </a:p>
+        </p:txBody>
+      </p:sp>
+      <p:sp>
+        <p:nvSpPr>
+          <p:cNvPr id="7" name="직사각형 6">
+            <a:extLst>
+              <a:ext uri="{FF2B5EF4-FFF2-40B4-BE49-F238E27FC236}">
+                <a16:creationId xmlns:a16="http://schemas.microsoft.com/office/drawing/2014/main" id="{958D00B0-499B-755D-4634-9483DD21A01E}"/>
+              </a:ext>
+            </a:extLst>
+          </p:cNvPr>
+          <p:cNvSpPr/>
+          <p:nvPr/>
+        </p:nvSpPr>
+        <p:spPr>
+          <a:xfrm>
+            <a:off x="5521593" y="1402786"/>
+            <a:ext cx="539902" cy="420443"/>
+          </a:xfrm>
+          <a:prstGeom prst="rect">
+            <a:avLst/>
+          </a:prstGeom>
+          <a:solidFill>
+            <a:srgbClr val="FFFF00"/>
+          </a:solidFill>
+        </p:spPr>
+        <p:style>
+          <a:lnRef idx="2">
+            <a:schemeClr val="accent1">
+              <a:shade val="50000"/>
+            </a:schemeClr>
+          </a:lnRef>
+          <a:fillRef idx="1">
+            <a:schemeClr val="accent1"/>
+          </a:fillRef>
+          <a:effectRef idx="0">
+            <a:schemeClr val="accent1"/>
+          </a:effectRef>
+          <a:fontRef idx="minor">
+            <a:schemeClr val="lt1"/>
+          </a:fontRef>
+        </p:style>
+        <p:txBody>
+          <a:bodyPr rtlCol="0" anchor="ctr"/>
+          <a:lstStyle/>
+          <a:p>
+            <a:pPr algn="ctr"/>
+            <a:r>
+              <a:rPr kumimoji="1" lang="en-US" altLang="ko-Kore-KR" sz="1400" dirty="0">
+                <a:solidFill>
+                  <a:schemeClr val="tx1"/>
+                </a:solidFill>
+              </a:rPr>
+              <a:t>10</a:t>
+            </a:r>
+            <a:endParaRPr kumimoji="1" lang="ko-Kore-KR" altLang="en-US" sz="1400" dirty="0">
+              <a:solidFill>
+                <a:schemeClr val="tx1"/>
+              </a:solidFill>
+            </a:endParaRPr>
+          </a:p>
+        </p:txBody>
+      </p:sp>
+      <p:sp>
+        <p:nvSpPr>
+          <p:cNvPr id="8" name="직사각형 7">
+            <a:extLst>
+              <a:ext uri="{FF2B5EF4-FFF2-40B4-BE49-F238E27FC236}">
+                <a16:creationId xmlns:a16="http://schemas.microsoft.com/office/drawing/2014/main" id="{AA3229FD-FDEA-67F8-6AD6-A4BCFA135D5D}"/>
+              </a:ext>
+            </a:extLst>
+          </p:cNvPr>
+          <p:cNvSpPr/>
+          <p:nvPr/>
+        </p:nvSpPr>
+        <p:spPr>
+          <a:xfrm>
+            <a:off x="5247952" y="1428341"/>
+            <a:ext cx="322524" cy="369332"/>
+          </a:xfrm>
+          <a:prstGeom prst="rect">
+            <a:avLst/>
+          </a:prstGeom>
+        </p:spPr>
+        <p:txBody>
+          <a:bodyPr wrap="none">
+            <a:spAutoFit/>
+          </a:bodyPr>
+          <a:lstStyle/>
+          <a:p>
+            <a:r>
+              <a:rPr lang="en" altLang="ko-Kore-KR" dirty="0">
+                <a:solidFill>
+                  <a:srgbClr val="001080"/>
+                </a:solidFill>
+                <a:latin typeface="DM Mono" panose="020B0509040201040103" pitchFamily="49" charset="0"/>
+              </a:rPr>
+              <a:t>a</a:t>
+            </a:r>
+            <a:endParaRPr lang="ko-Kore-KR" altLang="en-US" dirty="0"/>
+          </a:p>
+        </p:txBody>
+      </p:sp>
+      <p:sp>
+        <p:nvSpPr>
+          <p:cNvPr id="10" name="직사각형 9">
+            <a:extLst>
+              <a:ext uri="{FF2B5EF4-FFF2-40B4-BE49-F238E27FC236}">
+                <a16:creationId xmlns:a16="http://schemas.microsoft.com/office/drawing/2014/main" id="{CC7DA5F9-DC06-B839-CBD3-0057AE32824F}"/>
+              </a:ext>
+            </a:extLst>
+          </p:cNvPr>
+          <p:cNvSpPr/>
+          <p:nvPr/>
+        </p:nvSpPr>
+        <p:spPr>
+          <a:xfrm>
+            <a:off x="5599374" y="2670508"/>
+            <a:ext cx="539902" cy="420443"/>
+          </a:xfrm>
+          <a:prstGeom prst="rect">
+            <a:avLst/>
+          </a:prstGeom>
+          <a:solidFill>
+            <a:srgbClr val="FFFF00"/>
+          </a:solidFill>
+        </p:spPr>
+        <p:style>
+          <a:lnRef idx="2">
+            <a:schemeClr val="accent1">
+              <a:shade val="50000"/>
+            </a:schemeClr>
+          </a:lnRef>
+          <a:fillRef idx="1">
+            <a:schemeClr val="accent1"/>
+          </a:fillRef>
+          <a:effectRef idx="0">
+            <a:schemeClr val="accent1"/>
+          </a:effectRef>
+          <a:fontRef idx="minor">
+            <a:schemeClr val="lt1"/>
+          </a:fontRef>
+        </p:style>
+        <p:txBody>
+          <a:bodyPr rtlCol="0" anchor="ctr"/>
+          <a:lstStyle/>
+          <a:p>
+            <a:pPr algn="ctr"/>
+            <a:r>
+              <a:rPr kumimoji="1" lang="en-US" altLang="ko-Kore-KR" sz="1400" dirty="0">
+                <a:solidFill>
+                  <a:schemeClr val="tx1"/>
+                </a:solidFill>
+              </a:rPr>
+              <a:t>300</a:t>
+            </a:r>
+            <a:endParaRPr kumimoji="1" lang="ko-Kore-KR" altLang="en-US" sz="1400" dirty="0">
+              <a:solidFill>
+                <a:schemeClr val="tx1"/>
+              </a:solidFill>
+            </a:endParaRPr>
+          </a:p>
+        </p:txBody>
+      </p:sp>
+      <p:sp>
+        <p:nvSpPr>
+          <p:cNvPr id="11" name="직사각형 10">
+            <a:extLst>
+              <a:ext uri="{FF2B5EF4-FFF2-40B4-BE49-F238E27FC236}">
+                <a16:creationId xmlns:a16="http://schemas.microsoft.com/office/drawing/2014/main" id="{142F2F09-D376-FA05-9679-61F415B2B269}"/>
+              </a:ext>
+            </a:extLst>
+          </p:cNvPr>
+          <p:cNvSpPr/>
+          <p:nvPr/>
+        </p:nvSpPr>
+        <p:spPr>
+          <a:xfrm>
+            <a:off x="5169031" y="2696063"/>
+            <a:ext cx="460382" cy="369332"/>
+          </a:xfrm>
+          <a:prstGeom prst="rect">
+            <a:avLst/>
+          </a:prstGeom>
+        </p:spPr>
+        <p:txBody>
+          <a:bodyPr wrap="none">
+            <a:spAutoFit/>
+          </a:bodyPr>
+          <a:lstStyle/>
+          <a:p>
+            <a:r>
+              <a:rPr lang="en" altLang="ko-Kore-KR" dirty="0">
+                <a:solidFill>
+                  <a:srgbClr val="001080"/>
+                </a:solidFill>
+                <a:latin typeface="DM Mono" panose="020B0509040201040103" pitchFamily="49" charset="0"/>
+              </a:rPr>
+              <a:t>pa</a:t>
+            </a:r>
+            <a:endParaRPr lang="ko-Kore-KR" altLang="en-US" dirty="0"/>
+          </a:p>
+        </p:txBody>
+      </p:sp>
+      <p:cxnSp>
+        <p:nvCxnSpPr>
+          <p:cNvPr id="12" name="구부러진 연결선[U] 11">
+            <a:extLst>
+              <a:ext uri="{FF2B5EF4-FFF2-40B4-BE49-F238E27FC236}">
+                <a16:creationId xmlns:a16="http://schemas.microsoft.com/office/drawing/2014/main" id="{444C7E12-5B1E-D1A6-EA75-A480369B1852}"/>
+              </a:ext>
+            </a:extLst>
+          </p:cNvPr>
+          <p:cNvCxnSpPr>
+            <a:cxnSpLocks/>
+            <a:stCxn id="10" idx="0"/>
+            <a:endCxn id="7" idx="2"/>
+          </p:cNvCxnSpPr>
+          <p:nvPr/>
+        </p:nvCxnSpPr>
+        <p:spPr>
+          <a:xfrm rot="16200000" flipV="1">
+            <a:off x="5406796" y="2207978"/>
+            <a:ext cx="847279" cy="77781"/>
+          </a:xfrm>
+          <a:prstGeom prst="curvedConnector3">
+            <a:avLst>
+              <a:gd name="adj1" fmla="val 50000"/>
+            </a:avLst>
+          </a:prstGeom>
+          <a:ln>
+            <a:tailEnd type="triangle"/>
+          </a:ln>
+        </p:spPr>
+        <p:style>
+          <a:lnRef idx="1">
+            <a:schemeClr val="accent1"/>
+          </a:lnRef>
+          <a:fillRef idx="0">
+            <a:schemeClr val="accent1"/>
+          </a:fillRef>
+          <a:effectRef idx="0">
+            <a:schemeClr val="accent1"/>
+          </a:effectRef>
+          <a:fontRef idx="minor">
+            <a:schemeClr val="tx1"/>
+          </a:fontRef>
+        </p:style>
+      </p:cxnSp>
+      <p:sp>
+        <p:nvSpPr>
+          <p:cNvPr id="16" name="직사각형 15">
+            <a:extLst>
+              <a:ext uri="{FF2B5EF4-FFF2-40B4-BE49-F238E27FC236}">
+                <a16:creationId xmlns:a16="http://schemas.microsoft.com/office/drawing/2014/main" id="{A57FB114-BC35-7C02-61E6-948D1369D6E8}"/>
+              </a:ext>
+            </a:extLst>
+          </p:cNvPr>
+          <p:cNvSpPr/>
+          <p:nvPr/>
+        </p:nvSpPr>
+        <p:spPr>
+          <a:xfrm>
+            <a:off x="6916792" y="1377230"/>
+            <a:ext cx="539902" cy="420443"/>
+          </a:xfrm>
+          <a:prstGeom prst="rect">
+            <a:avLst/>
+          </a:prstGeom>
+          <a:solidFill>
+            <a:srgbClr val="FFFF00"/>
+          </a:solidFill>
+        </p:spPr>
+        <p:style>
+          <a:lnRef idx="2">
+            <a:schemeClr val="accent1">
+              <a:shade val="50000"/>
+            </a:schemeClr>
+          </a:lnRef>
+          <a:fillRef idx="1">
+            <a:schemeClr val="accent1"/>
+          </a:fillRef>
+          <a:effectRef idx="0">
+            <a:schemeClr val="accent1"/>
+          </a:effectRef>
+          <a:fontRef idx="minor">
+            <a:schemeClr val="lt1"/>
+          </a:fontRef>
+        </p:style>
+        <p:txBody>
+          <a:bodyPr rtlCol="0" anchor="ctr"/>
+          <a:lstStyle/>
+          <a:p>
+            <a:pPr algn="ctr"/>
+            <a:r>
+              <a:rPr kumimoji="1" lang="en-US" altLang="ko-Kore-KR" sz="1400" dirty="0">
+                <a:solidFill>
+                  <a:schemeClr val="tx1"/>
+                </a:solidFill>
+              </a:rPr>
+              <a:t>20</a:t>
+            </a:r>
+            <a:endParaRPr kumimoji="1" lang="ko-Kore-KR" altLang="en-US" sz="1400" dirty="0">
+              <a:solidFill>
+                <a:schemeClr val="tx1"/>
+              </a:solidFill>
+            </a:endParaRPr>
+          </a:p>
+        </p:txBody>
+      </p:sp>
+      <p:sp>
+        <p:nvSpPr>
+          <p:cNvPr id="17" name="직사각형 16">
+            <a:extLst>
+              <a:ext uri="{FF2B5EF4-FFF2-40B4-BE49-F238E27FC236}">
+                <a16:creationId xmlns:a16="http://schemas.microsoft.com/office/drawing/2014/main" id="{377722F9-2D67-41C0-532E-31BBA551D669}"/>
+              </a:ext>
+            </a:extLst>
+          </p:cNvPr>
+          <p:cNvSpPr/>
+          <p:nvPr/>
+        </p:nvSpPr>
+        <p:spPr>
+          <a:xfrm>
+            <a:off x="6994573" y="2644952"/>
+            <a:ext cx="539902" cy="420443"/>
+          </a:xfrm>
+          <a:prstGeom prst="rect">
+            <a:avLst/>
+          </a:prstGeom>
+          <a:solidFill>
+            <a:srgbClr val="FFFF00"/>
+          </a:solidFill>
+        </p:spPr>
+        <p:style>
+          <a:lnRef idx="2">
+            <a:schemeClr val="accent1">
+              <a:shade val="50000"/>
+            </a:schemeClr>
+          </a:lnRef>
+          <a:fillRef idx="1">
+            <a:schemeClr val="accent1"/>
+          </a:fillRef>
+          <a:effectRef idx="0">
+            <a:schemeClr val="accent1"/>
+          </a:effectRef>
+          <a:fontRef idx="minor">
+            <a:schemeClr val="lt1"/>
+          </a:fontRef>
+        </p:style>
+        <p:txBody>
+          <a:bodyPr rtlCol="0" anchor="ctr"/>
+          <a:lstStyle/>
+          <a:p>
+            <a:pPr algn="ctr"/>
+            <a:r>
+              <a:rPr kumimoji="1" lang="en-US" altLang="ko-Kore-KR" sz="1400" dirty="0">
+                <a:solidFill>
+                  <a:schemeClr val="tx1"/>
+                </a:solidFill>
+              </a:rPr>
+              <a:t>400</a:t>
+            </a:r>
+            <a:endParaRPr kumimoji="1" lang="ko-Kore-KR" altLang="en-US" sz="1400" dirty="0">
+              <a:solidFill>
+                <a:schemeClr val="tx1"/>
+              </a:solidFill>
+            </a:endParaRPr>
+          </a:p>
+        </p:txBody>
+      </p:sp>
+      <p:sp>
+        <p:nvSpPr>
+          <p:cNvPr id="18" name="직사각형 17">
+            <a:extLst>
+              <a:ext uri="{FF2B5EF4-FFF2-40B4-BE49-F238E27FC236}">
+                <a16:creationId xmlns:a16="http://schemas.microsoft.com/office/drawing/2014/main" id="{D1AA91DC-AC58-AA11-766A-F95DBC1BE6FB}"/>
+              </a:ext>
+            </a:extLst>
+          </p:cNvPr>
+          <p:cNvSpPr/>
+          <p:nvPr/>
+        </p:nvSpPr>
+        <p:spPr>
+          <a:xfrm>
+            <a:off x="6564230" y="2670507"/>
+            <a:ext cx="460382" cy="369332"/>
+          </a:xfrm>
+          <a:prstGeom prst="rect">
+            <a:avLst/>
+          </a:prstGeom>
+        </p:spPr>
+        <p:txBody>
+          <a:bodyPr wrap="none">
+            <a:spAutoFit/>
+          </a:bodyPr>
+          <a:lstStyle/>
+          <a:p>
+            <a:r>
+              <a:rPr lang="en" altLang="ko-Kore-KR" dirty="0">
+                <a:solidFill>
+                  <a:srgbClr val="001080"/>
+                </a:solidFill>
+                <a:latin typeface="DM Mono" panose="020B0509040201040103" pitchFamily="49" charset="0"/>
+              </a:rPr>
+              <a:t>pb</a:t>
+            </a:r>
+            <a:endParaRPr lang="ko-Kore-KR" altLang="en-US" dirty="0"/>
+          </a:p>
+        </p:txBody>
+      </p:sp>
+      <p:cxnSp>
+        <p:nvCxnSpPr>
+          <p:cNvPr id="19" name="구부러진 연결선[U] 18">
+            <a:extLst>
+              <a:ext uri="{FF2B5EF4-FFF2-40B4-BE49-F238E27FC236}">
+                <a16:creationId xmlns:a16="http://schemas.microsoft.com/office/drawing/2014/main" id="{CD252A5A-F225-5764-D179-B034ACA17B09}"/>
+              </a:ext>
+            </a:extLst>
+          </p:cNvPr>
+          <p:cNvCxnSpPr>
+            <a:cxnSpLocks/>
+            <a:stCxn id="17" idx="0"/>
+            <a:endCxn id="16" idx="2"/>
+          </p:cNvCxnSpPr>
+          <p:nvPr/>
+        </p:nvCxnSpPr>
+        <p:spPr>
+          <a:xfrm rot="16200000" flipV="1">
+            <a:off x="6801995" y="2182422"/>
+            <a:ext cx="847279" cy="77781"/>
+          </a:xfrm>
+          <a:prstGeom prst="curvedConnector3">
+            <a:avLst>
+              <a:gd name="adj1" fmla="val 50000"/>
+            </a:avLst>
+          </a:prstGeom>
+          <a:ln>
+            <a:tailEnd type="triangle"/>
+          </a:ln>
+        </p:spPr>
+        <p:style>
+          <a:lnRef idx="1">
+            <a:schemeClr val="accent1"/>
+          </a:lnRef>
+          <a:fillRef idx="0">
+            <a:schemeClr val="accent1"/>
+          </a:fillRef>
+          <a:effectRef idx="0">
+            <a:schemeClr val="accent1"/>
+          </a:effectRef>
+          <a:fontRef idx="minor">
+            <a:schemeClr val="tx1"/>
+          </a:fontRef>
+        </p:style>
+      </p:cxnSp>
+      <p:sp>
+        <p:nvSpPr>
+          <p:cNvPr id="20" name="직사각형 19">
+            <a:extLst>
+              <a:ext uri="{FF2B5EF4-FFF2-40B4-BE49-F238E27FC236}">
+                <a16:creationId xmlns:a16="http://schemas.microsoft.com/office/drawing/2014/main" id="{FD7C7436-BFA7-ABD5-31B4-57CF27D7E596}"/>
+              </a:ext>
+            </a:extLst>
+          </p:cNvPr>
+          <p:cNvSpPr/>
+          <p:nvPr/>
+        </p:nvSpPr>
+        <p:spPr>
+          <a:xfrm>
+            <a:off x="6571768" y="1428341"/>
+            <a:ext cx="322524" cy="369332"/>
+          </a:xfrm>
+          <a:prstGeom prst="rect">
+            <a:avLst/>
+          </a:prstGeom>
+        </p:spPr>
+        <p:txBody>
+          <a:bodyPr wrap="none">
+            <a:spAutoFit/>
+          </a:bodyPr>
+          <a:lstStyle/>
+          <a:p>
+            <a:r>
+              <a:rPr lang="en" altLang="ko-Kore-KR" dirty="0">
+                <a:solidFill>
+                  <a:srgbClr val="001080"/>
+                </a:solidFill>
+                <a:latin typeface="DM Mono" panose="020B0509040201040103" pitchFamily="49" charset="0"/>
+              </a:rPr>
+              <a:t>b</a:t>
+            </a:r>
+            <a:endParaRPr lang="ko-Kore-KR" altLang="en-US" dirty="0"/>
+          </a:p>
+        </p:txBody>
+      </p:sp>
+      <p:sp>
+        <p:nvSpPr>
+          <p:cNvPr id="21" name="직사각형 20">
+            <a:extLst>
+              <a:ext uri="{FF2B5EF4-FFF2-40B4-BE49-F238E27FC236}">
+                <a16:creationId xmlns:a16="http://schemas.microsoft.com/office/drawing/2014/main" id="{859EF8BE-0AE5-C9A5-A1ED-F8293E7E8CE6}"/>
+              </a:ext>
+            </a:extLst>
+          </p:cNvPr>
+          <p:cNvSpPr/>
+          <p:nvPr/>
+        </p:nvSpPr>
+        <p:spPr>
+          <a:xfrm>
+            <a:off x="5332764" y="3065395"/>
+            <a:ext cx="458780" cy="307777"/>
+          </a:xfrm>
+          <a:prstGeom prst="rect">
+            <a:avLst/>
+          </a:prstGeom>
+        </p:spPr>
+        <p:txBody>
+          <a:bodyPr wrap="none">
+            <a:spAutoFit/>
+          </a:bodyPr>
+          <a:lstStyle/>
+          <a:p>
+            <a:r>
+              <a:rPr kumimoji="1" lang="en-US" altLang="ko-Kore-KR" sz="1400" dirty="0"/>
+              <a:t>100</a:t>
+            </a:r>
+            <a:endParaRPr lang="ko-Kore-KR" altLang="en-US" sz="1400" dirty="0"/>
+          </a:p>
+        </p:txBody>
+      </p:sp>
+      <p:sp>
+        <p:nvSpPr>
+          <p:cNvPr id="22" name="직사각형 21">
+            <a:extLst>
+              <a:ext uri="{FF2B5EF4-FFF2-40B4-BE49-F238E27FC236}">
+                <a16:creationId xmlns:a16="http://schemas.microsoft.com/office/drawing/2014/main" id="{1D7D3951-6DCF-8BDB-5EF0-64DF5219682E}"/>
+              </a:ext>
+            </a:extLst>
+          </p:cNvPr>
+          <p:cNvSpPr/>
+          <p:nvPr/>
+        </p:nvSpPr>
+        <p:spPr>
+          <a:xfrm>
+            <a:off x="6765183" y="3060253"/>
+            <a:ext cx="458780" cy="307777"/>
+          </a:xfrm>
+          <a:prstGeom prst="rect">
+            <a:avLst/>
+          </a:prstGeom>
+        </p:spPr>
+        <p:txBody>
+          <a:bodyPr wrap="none">
+            <a:spAutoFit/>
+          </a:bodyPr>
+          <a:lstStyle/>
+          <a:p>
+            <a:r>
+              <a:rPr kumimoji="1" lang="en-US" altLang="ko-Kore-KR" sz="1400" dirty="0"/>
+              <a:t>200</a:t>
+            </a:r>
+            <a:endParaRPr lang="ko-Kore-KR" altLang="en-US" sz="1400" dirty="0"/>
+          </a:p>
+        </p:txBody>
+      </p:sp>
+      <p:sp>
+        <p:nvSpPr>
+          <p:cNvPr id="23" name="직사각형 22">
+            <a:extLst>
+              <a:ext uri="{FF2B5EF4-FFF2-40B4-BE49-F238E27FC236}">
+                <a16:creationId xmlns:a16="http://schemas.microsoft.com/office/drawing/2014/main" id="{DAE56E35-FE9C-60A1-E911-1DB6872D4F01}"/>
+              </a:ext>
+            </a:extLst>
+          </p:cNvPr>
+          <p:cNvSpPr/>
+          <p:nvPr/>
+        </p:nvSpPr>
+        <p:spPr>
+          <a:xfrm>
+            <a:off x="8626659" y="1198819"/>
+            <a:ext cx="3234906" cy="2706432"/>
+          </a:xfrm>
+          <a:prstGeom prst="rect">
+            <a:avLst/>
+          </a:prstGeom>
+          <a:noFill/>
+        </p:spPr>
+        <p:style>
+          <a:lnRef idx="2">
+            <a:schemeClr val="accent4"/>
+          </a:lnRef>
+          <a:fillRef idx="1">
+            <a:schemeClr val="lt1"/>
+          </a:fillRef>
+          <a:effectRef idx="0">
+            <a:schemeClr val="accent4"/>
+          </a:effectRef>
+          <a:fontRef idx="minor">
+            <a:schemeClr val="dk1"/>
+          </a:fontRef>
+        </p:style>
+        <p:txBody>
+          <a:bodyPr rtlCol="0" anchor="ctr"/>
+          <a:lstStyle/>
+          <a:p>
+            <a:pPr algn="ctr"/>
+            <a:endParaRPr kumimoji="1" lang="ko-Kore-KR" altLang="en-US" sz="1400" dirty="0">
+              <a:solidFill>
+                <a:schemeClr val="tx1"/>
+              </a:solidFill>
+            </a:endParaRPr>
+          </a:p>
+        </p:txBody>
+      </p:sp>
+      <p:sp>
+        <p:nvSpPr>
+          <p:cNvPr id="24" name="직사각형 23">
+            <a:extLst>
+              <a:ext uri="{FF2B5EF4-FFF2-40B4-BE49-F238E27FC236}">
+                <a16:creationId xmlns:a16="http://schemas.microsoft.com/office/drawing/2014/main" id="{F8DCD142-71FB-C450-1356-997CF027FF15}"/>
+              </a:ext>
+            </a:extLst>
+          </p:cNvPr>
+          <p:cNvSpPr/>
+          <p:nvPr/>
+        </p:nvSpPr>
+        <p:spPr>
+          <a:xfrm>
+            <a:off x="9847488" y="809072"/>
+            <a:ext cx="873957" cy="369332"/>
+          </a:xfrm>
+          <a:prstGeom prst="rect">
+            <a:avLst/>
+          </a:prstGeom>
+        </p:spPr>
+        <p:txBody>
+          <a:bodyPr wrap="none">
+            <a:spAutoFit/>
+          </a:bodyPr>
+          <a:lstStyle/>
+          <a:p>
+            <a:r>
+              <a:rPr lang="en" altLang="ko-Kore-KR" dirty="0" err="1">
+                <a:solidFill>
+                  <a:srgbClr val="795E26"/>
+                </a:solidFill>
+                <a:latin typeface="DM Mono" panose="020B0509040201040103" pitchFamily="49" charset="0"/>
+              </a:rPr>
+              <a:t>pswap</a:t>
+            </a:r>
+            <a:endParaRPr lang="ko-Kore-KR" altLang="en-US" dirty="0"/>
+          </a:p>
+        </p:txBody>
+      </p:sp>
+      <p:sp>
+        <p:nvSpPr>
+          <p:cNvPr id="25" name="직사각형 24">
+            <a:extLst>
+              <a:ext uri="{FF2B5EF4-FFF2-40B4-BE49-F238E27FC236}">
+                <a16:creationId xmlns:a16="http://schemas.microsoft.com/office/drawing/2014/main" id="{A6F275CC-D929-5F07-E787-C633ADC89A93}"/>
+              </a:ext>
+            </a:extLst>
+          </p:cNvPr>
+          <p:cNvSpPr/>
+          <p:nvPr/>
+        </p:nvSpPr>
+        <p:spPr>
+          <a:xfrm>
+            <a:off x="9110607" y="1402786"/>
+            <a:ext cx="539902" cy="420443"/>
+          </a:xfrm>
+          <a:prstGeom prst="rect">
+            <a:avLst/>
+          </a:prstGeom>
+          <a:solidFill>
+            <a:srgbClr val="FFFF00"/>
+          </a:solidFill>
+        </p:spPr>
+        <p:style>
+          <a:lnRef idx="2">
+            <a:schemeClr val="accent1">
+              <a:shade val="50000"/>
+            </a:schemeClr>
+          </a:lnRef>
+          <a:fillRef idx="1">
+            <a:schemeClr val="accent1"/>
+          </a:fillRef>
+          <a:effectRef idx="0">
+            <a:schemeClr val="accent1"/>
+          </a:effectRef>
+          <a:fontRef idx="minor">
+            <a:schemeClr val="lt1"/>
+          </a:fontRef>
+        </p:style>
+        <p:txBody>
+          <a:bodyPr rtlCol="0" anchor="ctr"/>
+          <a:lstStyle/>
+          <a:p>
+            <a:pPr algn="ctr"/>
+            <a:r>
+              <a:rPr kumimoji="1" lang="en-US" altLang="ko-Kore-KR" sz="1400" dirty="0">
+                <a:solidFill>
+                  <a:schemeClr val="tx1"/>
+                </a:solidFill>
+              </a:rPr>
+              <a:t>100</a:t>
+            </a:r>
+            <a:endParaRPr kumimoji="1" lang="ko-Kore-KR" altLang="en-US" sz="1400" dirty="0">
+              <a:solidFill>
+                <a:schemeClr val="tx1"/>
+              </a:solidFill>
+            </a:endParaRPr>
+          </a:p>
+        </p:txBody>
+      </p:sp>
+      <p:sp>
+        <p:nvSpPr>
+          <p:cNvPr id="26" name="직사각형 25">
+            <a:extLst>
+              <a:ext uri="{FF2B5EF4-FFF2-40B4-BE49-F238E27FC236}">
+                <a16:creationId xmlns:a16="http://schemas.microsoft.com/office/drawing/2014/main" id="{5D5D6E02-BE2D-3B20-C01F-EBC5E585C694}"/>
+              </a:ext>
+            </a:extLst>
+          </p:cNvPr>
+          <p:cNvSpPr/>
+          <p:nvPr/>
+        </p:nvSpPr>
+        <p:spPr>
+          <a:xfrm>
+            <a:off x="8599371" y="1423120"/>
+            <a:ext cx="598241" cy="369332"/>
+          </a:xfrm>
+          <a:prstGeom prst="rect">
+            <a:avLst/>
+          </a:prstGeom>
+        </p:spPr>
+        <p:txBody>
+          <a:bodyPr wrap="none">
+            <a:spAutoFit/>
+          </a:bodyPr>
+          <a:lstStyle/>
+          <a:p>
+            <a:r>
+              <a:rPr lang="en" altLang="ko-Kore-KR" dirty="0" err="1">
+                <a:solidFill>
+                  <a:srgbClr val="001080"/>
+                </a:solidFill>
+                <a:latin typeface="DM Mono" panose="020B0509040201040103" pitchFamily="49" charset="0"/>
+              </a:rPr>
+              <a:t>ppa</a:t>
+            </a:r>
+            <a:endParaRPr lang="ko-Kore-KR" altLang="en-US" dirty="0"/>
+          </a:p>
+        </p:txBody>
+      </p:sp>
+      <p:sp>
+        <p:nvSpPr>
+          <p:cNvPr id="30" name="직사각형 29">
+            <a:extLst>
+              <a:ext uri="{FF2B5EF4-FFF2-40B4-BE49-F238E27FC236}">
+                <a16:creationId xmlns:a16="http://schemas.microsoft.com/office/drawing/2014/main" id="{F7688AC8-0C04-5190-A898-85BBE7C07E38}"/>
+              </a:ext>
+            </a:extLst>
+          </p:cNvPr>
+          <p:cNvSpPr/>
+          <p:nvPr/>
+        </p:nvSpPr>
+        <p:spPr>
+          <a:xfrm>
+            <a:off x="10505806" y="1377230"/>
+            <a:ext cx="539902" cy="420443"/>
+          </a:xfrm>
+          <a:prstGeom prst="rect">
+            <a:avLst/>
+          </a:prstGeom>
+          <a:solidFill>
+            <a:srgbClr val="FFFF00"/>
+          </a:solidFill>
+        </p:spPr>
+        <p:style>
+          <a:lnRef idx="2">
+            <a:schemeClr val="accent1">
+              <a:shade val="50000"/>
+            </a:schemeClr>
+          </a:lnRef>
+          <a:fillRef idx="1">
+            <a:schemeClr val="accent1"/>
+          </a:fillRef>
+          <a:effectRef idx="0">
+            <a:schemeClr val="accent1"/>
+          </a:effectRef>
+          <a:fontRef idx="minor">
+            <a:schemeClr val="lt1"/>
+          </a:fontRef>
+        </p:style>
+        <p:txBody>
+          <a:bodyPr rtlCol="0" anchor="ctr"/>
+          <a:lstStyle/>
+          <a:p>
+            <a:pPr algn="ctr"/>
+            <a:r>
+              <a:rPr kumimoji="1" lang="en-US" altLang="ko-Kore-KR" sz="1400" dirty="0">
+                <a:solidFill>
+                  <a:schemeClr val="tx1"/>
+                </a:solidFill>
+              </a:rPr>
+              <a:t>200</a:t>
+            </a:r>
+            <a:endParaRPr kumimoji="1" lang="ko-Kore-KR" altLang="en-US" sz="1400" dirty="0">
+              <a:solidFill>
+                <a:schemeClr val="tx1"/>
+              </a:solidFill>
+            </a:endParaRPr>
+          </a:p>
+        </p:txBody>
+      </p:sp>
+      <p:sp>
+        <p:nvSpPr>
+          <p:cNvPr id="34" name="직사각형 33">
+            <a:extLst>
+              <a:ext uri="{FF2B5EF4-FFF2-40B4-BE49-F238E27FC236}">
+                <a16:creationId xmlns:a16="http://schemas.microsoft.com/office/drawing/2014/main" id="{A22E5013-8253-893D-E5A5-CFBF0F23283F}"/>
+              </a:ext>
+            </a:extLst>
+          </p:cNvPr>
+          <p:cNvSpPr/>
+          <p:nvPr/>
+        </p:nvSpPr>
+        <p:spPr>
+          <a:xfrm>
+            <a:off x="10000463" y="1430155"/>
+            <a:ext cx="598241" cy="369332"/>
+          </a:xfrm>
+          <a:prstGeom prst="rect">
+            <a:avLst/>
+          </a:prstGeom>
+        </p:spPr>
+        <p:txBody>
+          <a:bodyPr wrap="none">
+            <a:spAutoFit/>
+          </a:bodyPr>
+          <a:lstStyle/>
+          <a:p>
+            <a:r>
+              <a:rPr lang="en" altLang="ko-Kore-KR" dirty="0">
+                <a:solidFill>
+                  <a:srgbClr val="001080"/>
+                </a:solidFill>
+                <a:latin typeface="DM Mono" panose="020B0509040201040103" pitchFamily="49" charset="0"/>
+              </a:rPr>
+              <a:t>ppb</a:t>
+            </a:r>
+            <a:endParaRPr lang="ko-Kore-KR" altLang="en-US" dirty="0"/>
+          </a:p>
+        </p:txBody>
+      </p:sp>
+      <p:cxnSp>
+        <p:nvCxnSpPr>
+          <p:cNvPr id="37" name="구부러진 연결선[U] 36">
+            <a:extLst>
+              <a:ext uri="{FF2B5EF4-FFF2-40B4-BE49-F238E27FC236}">
+                <a16:creationId xmlns:a16="http://schemas.microsoft.com/office/drawing/2014/main" id="{F3FB8F44-82F0-B9B0-0B25-21FE01C3716C}"/>
+              </a:ext>
+            </a:extLst>
+          </p:cNvPr>
+          <p:cNvCxnSpPr>
+            <a:cxnSpLocks/>
+            <a:stCxn id="25" idx="2"/>
+            <a:endCxn id="10" idx="0"/>
+          </p:cNvCxnSpPr>
+          <p:nvPr/>
+        </p:nvCxnSpPr>
+        <p:spPr>
+          <a:xfrm rot="5400000">
+            <a:off x="7201303" y="491252"/>
+            <a:ext cx="847279" cy="3511233"/>
+          </a:xfrm>
+          <a:prstGeom prst="curvedConnector3">
+            <a:avLst>
+              <a:gd name="adj1" fmla="val 50000"/>
+            </a:avLst>
+          </a:prstGeom>
+          <a:ln>
+            <a:tailEnd type="triangle"/>
+          </a:ln>
+        </p:spPr>
+        <p:style>
+          <a:lnRef idx="1">
+            <a:schemeClr val="accent1"/>
+          </a:lnRef>
+          <a:fillRef idx="0">
+            <a:schemeClr val="accent1"/>
+          </a:fillRef>
+          <a:effectRef idx="0">
+            <a:schemeClr val="accent1"/>
+          </a:effectRef>
+          <a:fontRef idx="minor">
+            <a:schemeClr val="tx1"/>
+          </a:fontRef>
+        </p:style>
+      </p:cxnSp>
+      <p:cxnSp>
+        <p:nvCxnSpPr>
+          <p:cNvPr id="40" name="구부러진 연결선[U] 39">
+            <a:extLst>
+              <a:ext uri="{FF2B5EF4-FFF2-40B4-BE49-F238E27FC236}">
+                <a16:creationId xmlns:a16="http://schemas.microsoft.com/office/drawing/2014/main" id="{7640F7CF-E3DA-43D2-5AEF-372779C904DE}"/>
+              </a:ext>
+            </a:extLst>
+          </p:cNvPr>
+          <p:cNvCxnSpPr>
+            <a:cxnSpLocks/>
+            <a:stCxn id="30" idx="2"/>
+            <a:endCxn id="17" idx="0"/>
+          </p:cNvCxnSpPr>
+          <p:nvPr/>
+        </p:nvCxnSpPr>
+        <p:spPr>
+          <a:xfrm rot="5400000">
+            <a:off x="8596502" y="465696"/>
+            <a:ext cx="847279" cy="3511233"/>
+          </a:xfrm>
+          <a:prstGeom prst="curvedConnector3">
+            <a:avLst>
+              <a:gd name="adj1" fmla="val 50000"/>
+            </a:avLst>
+          </a:prstGeom>
+          <a:ln>
+            <a:tailEnd type="triangle"/>
+          </a:ln>
+        </p:spPr>
+        <p:style>
+          <a:lnRef idx="1">
+            <a:schemeClr val="accent1"/>
+          </a:lnRef>
+          <a:fillRef idx="0">
+            <a:schemeClr val="accent1"/>
+          </a:fillRef>
+          <a:effectRef idx="0">
+            <a:schemeClr val="accent1"/>
+          </a:effectRef>
+          <a:fontRef idx="minor">
+            <a:schemeClr val="tx1"/>
+          </a:fontRef>
+        </p:style>
+      </p:cxnSp>
+      <p:sp>
+        <p:nvSpPr>
+          <p:cNvPr id="43" name="직사각형 42">
+            <a:extLst>
+              <a:ext uri="{FF2B5EF4-FFF2-40B4-BE49-F238E27FC236}">
+                <a16:creationId xmlns:a16="http://schemas.microsoft.com/office/drawing/2014/main" id="{4DAC7A26-71D7-52A2-DD70-289500941B3F}"/>
+              </a:ext>
+            </a:extLst>
+          </p:cNvPr>
+          <p:cNvSpPr/>
+          <p:nvPr/>
+        </p:nvSpPr>
+        <p:spPr>
+          <a:xfrm>
+            <a:off x="9460561" y="3003919"/>
+            <a:ext cx="539902" cy="420443"/>
+          </a:xfrm>
+          <a:prstGeom prst="rect">
+            <a:avLst/>
+          </a:prstGeom>
+          <a:solidFill>
+            <a:srgbClr val="FFFF00"/>
+          </a:solidFill>
+        </p:spPr>
+        <p:style>
+          <a:lnRef idx="2">
+            <a:schemeClr val="accent1">
+              <a:shade val="50000"/>
+            </a:schemeClr>
+          </a:lnRef>
+          <a:fillRef idx="1">
+            <a:schemeClr val="accent1"/>
+          </a:fillRef>
+          <a:effectRef idx="0">
+            <a:schemeClr val="accent1"/>
+          </a:effectRef>
+          <a:fontRef idx="minor">
+            <a:schemeClr val="lt1"/>
+          </a:fontRef>
+        </p:style>
+        <p:txBody>
+          <a:bodyPr rtlCol="0" anchor="ctr"/>
+          <a:lstStyle/>
+          <a:p>
+            <a:pPr algn="ctr"/>
+            <a:r>
+              <a:rPr kumimoji="1" lang="en-US" altLang="ko-Kore-KR" sz="1400" dirty="0">
+                <a:solidFill>
+                  <a:schemeClr val="tx1"/>
+                </a:solidFill>
+              </a:rPr>
+              <a:t>300</a:t>
+            </a:r>
+            <a:endParaRPr kumimoji="1" lang="ko-Kore-KR" altLang="en-US" sz="1400" dirty="0">
+              <a:solidFill>
+                <a:schemeClr val="tx1"/>
+              </a:solidFill>
+            </a:endParaRPr>
+          </a:p>
+        </p:txBody>
+      </p:sp>
+      <p:sp>
+        <p:nvSpPr>
+          <p:cNvPr id="44" name="직사각형 43">
+            <a:extLst>
+              <a:ext uri="{FF2B5EF4-FFF2-40B4-BE49-F238E27FC236}">
+                <a16:creationId xmlns:a16="http://schemas.microsoft.com/office/drawing/2014/main" id="{0BAF0711-A2E0-0460-086D-D6C9C2561C3D}"/>
+              </a:ext>
+            </a:extLst>
+          </p:cNvPr>
+          <p:cNvSpPr/>
+          <p:nvPr/>
+        </p:nvSpPr>
+        <p:spPr>
+          <a:xfrm>
+            <a:off x="8799374" y="3032804"/>
+            <a:ext cx="736099" cy="369332"/>
+          </a:xfrm>
+          <a:prstGeom prst="rect">
+            <a:avLst/>
+          </a:prstGeom>
+        </p:spPr>
+        <p:txBody>
+          <a:bodyPr wrap="none">
+            <a:spAutoFit/>
+          </a:bodyPr>
+          <a:lstStyle/>
+          <a:p>
+            <a:r>
+              <a:rPr lang="en" altLang="ko-Kore-KR" dirty="0">
+                <a:solidFill>
+                  <a:srgbClr val="001080"/>
+                </a:solidFill>
+                <a:latin typeface="DM Mono" panose="020B0509040201040103" pitchFamily="49" charset="0"/>
+              </a:rPr>
+              <a:t>temp</a:t>
+            </a:r>
+            <a:endParaRPr lang="ko-Kore-KR" altLang="en-US" dirty="0"/>
+          </a:p>
+        </p:txBody>
+      </p:sp>
+      <p:sp>
+        <p:nvSpPr>
+          <p:cNvPr id="45" name="직사각형 44">
+            <a:extLst>
+              <a:ext uri="{FF2B5EF4-FFF2-40B4-BE49-F238E27FC236}">
+                <a16:creationId xmlns:a16="http://schemas.microsoft.com/office/drawing/2014/main" id="{2CCC84CD-6278-0421-F690-AB50C636B722}"/>
+              </a:ext>
+            </a:extLst>
+          </p:cNvPr>
+          <p:cNvSpPr/>
+          <p:nvPr/>
+        </p:nvSpPr>
+        <p:spPr>
+          <a:xfrm>
+            <a:off x="5233492" y="1818088"/>
+            <a:ext cx="458780" cy="307777"/>
+          </a:xfrm>
+          <a:prstGeom prst="rect">
+            <a:avLst/>
+          </a:prstGeom>
+        </p:spPr>
+        <p:txBody>
+          <a:bodyPr wrap="none">
+            <a:spAutoFit/>
+          </a:bodyPr>
+          <a:lstStyle/>
+          <a:p>
+            <a:r>
+              <a:rPr kumimoji="1" lang="en-US" altLang="ko-Kore-KR" sz="1400" dirty="0"/>
+              <a:t>300</a:t>
+            </a:r>
+            <a:endParaRPr lang="ko-Kore-KR" altLang="en-US" sz="1400" dirty="0"/>
+          </a:p>
+        </p:txBody>
+      </p:sp>
+      <p:sp>
+        <p:nvSpPr>
+          <p:cNvPr id="46" name="직사각형 45">
+            <a:extLst>
+              <a:ext uri="{FF2B5EF4-FFF2-40B4-BE49-F238E27FC236}">
+                <a16:creationId xmlns:a16="http://schemas.microsoft.com/office/drawing/2014/main" id="{1E1D7596-CBC8-B824-BA89-520C18855BCD}"/>
+              </a:ext>
+            </a:extLst>
+          </p:cNvPr>
+          <p:cNvSpPr/>
+          <p:nvPr/>
+        </p:nvSpPr>
+        <p:spPr>
+          <a:xfrm>
+            <a:off x="6642335" y="1788211"/>
+            <a:ext cx="458780" cy="307777"/>
+          </a:xfrm>
+          <a:prstGeom prst="rect">
+            <a:avLst/>
+          </a:prstGeom>
+        </p:spPr>
+        <p:txBody>
+          <a:bodyPr wrap="none">
+            <a:spAutoFit/>
+          </a:bodyPr>
+          <a:lstStyle/>
+          <a:p>
+            <a:r>
+              <a:rPr kumimoji="1" lang="en-US" altLang="ko-Kore-KR" sz="1400" dirty="0"/>
+              <a:t>400</a:t>
+            </a:r>
+            <a:endParaRPr lang="ko-Kore-KR" altLang="en-US" sz="1400" dirty="0"/>
+          </a:p>
+        </p:txBody>
+      </p:sp>
+    </p:spTree>
+    <p:extLst>
+      <p:ext uri="{BB962C8B-B14F-4D97-AF65-F5344CB8AC3E}">
+        <p14:creationId xmlns:p14="http://schemas.microsoft.com/office/powerpoint/2010/main" val="1880887001"/>
+      </p:ext>
+    </p:extLst>
+  </p:cSld>
+  <p:clrMapOvr>
+    <a:masterClrMapping/>
+  </p:clrMapOvr>
+</p:sld>
+</file>
+
+<file path=ppt/slides/slide15.xml><?xml version="1.0" encoding="utf-8"?>
+<p:sld xmlns:a="http://schemas.openxmlformats.org/drawingml/2006/main" xmlns:r="http://schemas.openxmlformats.org/officeDocument/2006/relationships" xmlns:p="http://schemas.openxmlformats.org/presentationml/2006/main">
+  <p:cSld>
+    <p:spTree>
+      <p:nvGrpSpPr>
+        <p:cNvPr id="1" name=""/>
+        <p:cNvGrpSpPr/>
+        <p:nvPr/>
+      </p:nvGrpSpPr>
+      <p:grpSpPr>
+        <a:xfrm>
+          <a:off x="0" y="0"/>
+          <a:ext cx="0" cy="0"/>
+          <a:chOff x="0" y="0"/>
+          <a:chExt cx="0" cy="0"/>
+        </a:xfrm>
+      </p:grpSpPr>
+      <p:sp>
+        <p:nvSpPr>
+          <p:cNvPr id="4" name="직사각형 3">
+            <a:extLst>
+              <a:ext uri="{FF2B5EF4-FFF2-40B4-BE49-F238E27FC236}">
+                <a16:creationId xmlns:a16="http://schemas.microsoft.com/office/drawing/2014/main" id="{37FD3597-181C-176D-A317-40A0325F3754}"/>
+              </a:ext>
+            </a:extLst>
+          </p:cNvPr>
+          <p:cNvSpPr/>
+          <p:nvPr/>
+        </p:nvSpPr>
+        <p:spPr>
+          <a:xfrm>
+            <a:off x="438150" y="213569"/>
+            <a:ext cx="4838700" cy="5078313"/>
+          </a:xfrm>
+          <a:prstGeom prst="rect">
+            <a:avLst/>
+          </a:prstGeom>
+        </p:spPr>
+        <p:txBody>
+          <a:bodyPr wrap="square">
+            <a:spAutoFit/>
+          </a:bodyPr>
+          <a:lstStyle/>
+          <a:p>
+            <a:r>
+              <a:rPr lang="en" altLang="ko-Kore-KR" dirty="0">
+                <a:solidFill>
+                  <a:srgbClr val="0000FF"/>
+                </a:solidFill>
+                <a:latin typeface="DM Mono" panose="020B0509040201040103" pitchFamily="49" charset="0"/>
+              </a:rPr>
+              <a:t>void</a:t>
+            </a:r>
+            <a:r>
+              <a:rPr lang="en" altLang="ko-Kore-KR" dirty="0">
+                <a:solidFill>
+                  <a:srgbClr val="000000"/>
+                </a:solidFill>
+                <a:latin typeface="DM Mono" panose="020B0509040201040103" pitchFamily="49" charset="0"/>
+              </a:rPr>
+              <a:t> </a:t>
+            </a:r>
+            <a:r>
+              <a:rPr lang="en" altLang="ko-Kore-KR" dirty="0" err="1">
+                <a:solidFill>
+                  <a:srgbClr val="795E26"/>
+                </a:solidFill>
+                <a:latin typeface="DM Mono" panose="020B0509040201040103" pitchFamily="49" charset="0"/>
+              </a:rPr>
+              <a:t>pswap</a:t>
+            </a:r>
+            <a:r>
+              <a:rPr lang="en" altLang="ko-Kore-KR" dirty="0">
+                <a:solidFill>
+                  <a:srgbClr val="000000"/>
+                </a:solidFill>
+                <a:latin typeface="DM Mono" panose="020B0509040201040103" pitchFamily="49" charset="0"/>
+              </a:rPr>
+              <a:t>(</a:t>
+            </a:r>
+            <a:r>
+              <a:rPr lang="en" altLang="ko-Kore-KR" dirty="0">
+                <a:solidFill>
+                  <a:srgbClr val="0000FF"/>
+                </a:solidFill>
+                <a:latin typeface="DM Mono" panose="020B0509040201040103" pitchFamily="49" charset="0"/>
+              </a:rPr>
+              <a:t>int</a:t>
+            </a:r>
+            <a:r>
+              <a:rPr lang="en" altLang="ko-Kore-KR" dirty="0">
+                <a:solidFill>
+                  <a:srgbClr val="000000"/>
+                </a:solidFill>
+                <a:latin typeface="DM Mono" panose="020B0509040201040103" pitchFamily="49" charset="0"/>
+              </a:rPr>
+              <a:t>** </a:t>
+            </a:r>
+            <a:r>
+              <a:rPr lang="en" altLang="ko-Kore-KR" dirty="0" err="1">
+                <a:solidFill>
+                  <a:srgbClr val="001080"/>
+                </a:solidFill>
+                <a:latin typeface="DM Mono" panose="020B0509040201040103" pitchFamily="49" charset="0"/>
+              </a:rPr>
+              <a:t>ppa</a:t>
+            </a:r>
+            <a:r>
+              <a:rPr lang="en" altLang="ko-Kore-KR" dirty="0">
+                <a:solidFill>
+                  <a:srgbClr val="000000"/>
+                </a:solidFill>
+                <a:latin typeface="DM Mono" panose="020B0509040201040103" pitchFamily="49" charset="0"/>
+              </a:rPr>
+              <a:t>, </a:t>
+            </a:r>
+            <a:r>
+              <a:rPr lang="en" altLang="ko-Kore-KR" dirty="0">
+                <a:solidFill>
+                  <a:srgbClr val="0000FF"/>
+                </a:solidFill>
+                <a:latin typeface="DM Mono" panose="020B0509040201040103" pitchFamily="49" charset="0"/>
+              </a:rPr>
+              <a:t>int</a:t>
+            </a:r>
+            <a:r>
+              <a:rPr lang="en" altLang="ko-Kore-KR" dirty="0">
+                <a:solidFill>
+                  <a:srgbClr val="000000"/>
+                </a:solidFill>
+                <a:latin typeface="DM Mono" panose="020B0509040201040103" pitchFamily="49" charset="0"/>
+              </a:rPr>
+              <a:t>** </a:t>
+            </a:r>
+            <a:r>
+              <a:rPr lang="en" altLang="ko-Kore-KR" dirty="0">
+                <a:solidFill>
+                  <a:srgbClr val="001080"/>
+                </a:solidFill>
+                <a:latin typeface="DM Mono" panose="020B0509040201040103" pitchFamily="49" charset="0"/>
+              </a:rPr>
+              <a:t>ppb</a:t>
+            </a:r>
+            <a:r>
+              <a:rPr lang="en" altLang="ko-Kore-KR" dirty="0">
+                <a:solidFill>
+                  <a:srgbClr val="000000"/>
+                </a:solidFill>
+                <a:latin typeface="DM Mono" panose="020B0509040201040103" pitchFamily="49" charset="0"/>
+              </a:rPr>
+              <a:t>)</a:t>
+            </a:r>
+          </a:p>
+          <a:p>
+            <a:r>
+              <a:rPr lang="en" altLang="ko-Kore-KR" dirty="0">
+                <a:solidFill>
+                  <a:srgbClr val="000000"/>
+                </a:solidFill>
+                <a:latin typeface="DM Mono" panose="020B0509040201040103" pitchFamily="49" charset="0"/>
+              </a:rPr>
+              <a:t>{</a:t>
+            </a:r>
+          </a:p>
+          <a:p>
+            <a:r>
+              <a:rPr lang="en" altLang="ko-Kore-KR" dirty="0">
+                <a:solidFill>
+                  <a:srgbClr val="0000FF"/>
+                </a:solidFill>
+                <a:latin typeface="DM Mono" panose="020B0509040201040103" pitchFamily="49" charset="0"/>
+              </a:rPr>
+              <a:t>  int</a:t>
+            </a:r>
+            <a:r>
+              <a:rPr lang="en" altLang="ko-Kore-KR" dirty="0">
+                <a:solidFill>
+                  <a:srgbClr val="000000"/>
+                </a:solidFill>
+                <a:latin typeface="DM Mono" panose="020B0509040201040103" pitchFamily="49" charset="0"/>
+              </a:rPr>
+              <a:t>* </a:t>
+            </a:r>
+            <a:r>
+              <a:rPr lang="en" altLang="ko-Kore-KR" dirty="0">
+                <a:solidFill>
+                  <a:srgbClr val="001080"/>
+                </a:solidFill>
+                <a:latin typeface="DM Mono" panose="020B0509040201040103" pitchFamily="49" charset="0"/>
+              </a:rPr>
+              <a:t>temp</a:t>
+            </a:r>
+            <a:r>
+              <a:rPr lang="en" altLang="ko-Kore-KR" dirty="0">
+                <a:solidFill>
+                  <a:srgbClr val="000000"/>
+                </a:solidFill>
+                <a:latin typeface="DM Mono" panose="020B0509040201040103" pitchFamily="49" charset="0"/>
+              </a:rPr>
+              <a:t> = *</a:t>
+            </a:r>
+            <a:r>
+              <a:rPr lang="en" altLang="ko-Kore-KR" dirty="0" err="1">
+                <a:solidFill>
+                  <a:srgbClr val="001080"/>
+                </a:solidFill>
+                <a:latin typeface="DM Mono" panose="020B0509040201040103" pitchFamily="49" charset="0"/>
+              </a:rPr>
+              <a:t>ppa</a:t>
+            </a:r>
+            <a:r>
+              <a:rPr lang="en" altLang="ko-Kore-KR" dirty="0">
+                <a:solidFill>
+                  <a:srgbClr val="000000"/>
+                </a:solidFill>
+                <a:latin typeface="DM Mono" panose="020B0509040201040103" pitchFamily="49" charset="0"/>
+              </a:rPr>
+              <a:t>;</a:t>
+            </a:r>
+          </a:p>
+          <a:p>
+            <a:r>
+              <a:rPr lang="en" altLang="ko-Kore-KR" dirty="0">
+                <a:solidFill>
+                  <a:srgbClr val="000000"/>
+                </a:solidFill>
+                <a:latin typeface="DM Mono" panose="020B0509040201040103" pitchFamily="49" charset="0"/>
+              </a:rPr>
+              <a:t>  *</a:t>
+            </a:r>
+            <a:r>
+              <a:rPr lang="en" altLang="ko-Kore-KR" dirty="0" err="1">
+                <a:solidFill>
+                  <a:srgbClr val="001080"/>
+                </a:solidFill>
+                <a:latin typeface="DM Mono" panose="020B0509040201040103" pitchFamily="49" charset="0"/>
+              </a:rPr>
+              <a:t>ppa</a:t>
+            </a:r>
+            <a:r>
+              <a:rPr lang="en" altLang="ko-Kore-KR" dirty="0">
+                <a:solidFill>
+                  <a:srgbClr val="000000"/>
+                </a:solidFill>
+                <a:latin typeface="DM Mono" panose="020B0509040201040103" pitchFamily="49" charset="0"/>
+              </a:rPr>
+              <a:t> = *</a:t>
+            </a:r>
+            <a:r>
+              <a:rPr lang="en" altLang="ko-Kore-KR" dirty="0">
+                <a:solidFill>
+                  <a:srgbClr val="001080"/>
+                </a:solidFill>
+                <a:latin typeface="DM Mono" panose="020B0509040201040103" pitchFamily="49" charset="0"/>
+              </a:rPr>
+              <a:t>ppb</a:t>
+            </a:r>
+            <a:r>
+              <a:rPr lang="en" altLang="ko-Kore-KR" dirty="0">
+                <a:solidFill>
+                  <a:srgbClr val="000000"/>
+                </a:solidFill>
+                <a:latin typeface="DM Mono" panose="020B0509040201040103" pitchFamily="49" charset="0"/>
+              </a:rPr>
+              <a:t>;</a:t>
+            </a:r>
+          </a:p>
+          <a:p>
+            <a:r>
+              <a:rPr lang="en" altLang="ko-Kore-KR" dirty="0">
+                <a:solidFill>
+                  <a:srgbClr val="000000"/>
+                </a:solidFill>
+                <a:latin typeface="DM Mono" panose="020B0509040201040103" pitchFamily="49" charset="0"/>
+              </a:rPr>
+              <a:t>  *</a:t>
+            </a:r>
+            <a:r>
+              <a:rPr lang="en" altLang="ko-Kore-KR" dirty="0">
+                <a:solidFill>
+                  <a:srgbClr val="001080"/>
+                </a:solidFill>
+                <a:latin typeface="DM Mono" panose="020B0509040201040103" pitchFamily="49" charset="0"/>
+              </a:rPr>
+              <a:t>ppb</a:t>
+            </a:r>
+            <a:r>
+              <a:rPr lang="en" altLang="ko-Kore-KR" dirty="0">
+                <a:solidFill>
+                  <a:srgbClr val="000000"/>
+                </a:solidFill>
+                <a:latin typeface="DM Mono" panose="020B0509040201040103" pitchFamily="49" charset="0"/>
+              </a:rPr>
+              <a:t> = </a:t>
+            </a:r>
+            <a:r>
+              <a:rPr lang="en" altLang="ko-Kore-KR" dirty="0">
+                <a:solidFill>
+                  <a:srgbClr val="001080"/>
+                </a:solidFill>
+                <a:latin typeface="DM Mono" panose="020B0509040201040103" pitchFamily="49" charset="0"/>
+              </a:rPr>
+              <a:t>temp</a:t>
+            </a:r>
+            <a:r>
+              <a:rPr lang="en" altLang="ko-Kore-KR" dirty="0">
+                <a:solidFill>
+                  <a:srgbClr val="000000"/>
+                </a:solidFill>
+                <a:latin typeface="DM Mono" panose="020B0509040201040103" pitchFamily="49" charset="0"/>
+              </a:rPr>
+              <a:t>;</a:t>
+            </a:r>
+          </a:p>
+          <a:p>
+            <a:r>
+              <a:rPr lang="en" altLang="ko-Kore-KR" dirty="0">
+                <a:solidFill>
+                  <a:srgbClr val="000000"/>
+                </a:solidFill>
+                <a:latin typeface="DM Mono" panose="020B0509040201040103" pitchFamily="49" charset="0"/>
+              </a:rPr>
+              <a:t>}</a:t>
+            </a:r>
+          </a:p>
+          <a:p>
+            <a:br>
+              <a:rPr lang="en" altLang="ko-Kore-KR" dirty="0">
+                <a:solidFill>
+                  <a:srgbClr val="000000"/>
+                </a:solidFill>
+                <a:latin typeface="DM Mono" panose="020B0509040201040103" pitchFamily="49" charset="0"/>
+              </a:rPr>
+            </a:br>
+            <a:r>
+              <a:rPr lang="en" altLang="ko-Kore-KR" dirty="0">
+                <a:solidFill>
+                  <a:srgbClr val="0000FF"/>
+                </a:solidFill>
+                <a:latin typeface="DM Mono" panose="020B0509040201040103" pitchFamily="49" charset="0"/>
+              </a:rPr>
+              <a:t>int</a:t>
+            </a:r>
+            <a:r>
+              <a:rPr lang="en" altLang="ko-Kore-KR" dirty="0">
+                <a:solidFill>
+                  <a:srgbClr val="000000"/>
+                </a:solidFill>
+                <a:latin typeface="DM Mono" panose="020B0509040201040103" pitchFamily="49" charset="0"/>
+              </a:rPr>
+              <a:t> </a:t>
+            </a:r>
+            <a:r>
+              <a:rPr lang="en" altLang="ko-Kore-KR" dirty="0">
+                <a:solidFill>
+                  <a:srgbClr val="795E26"/>
+                </a:solidFill>
+                <a:latin typeface="DM Mono" panose="020B0509040201040103" pitchFamily="49" charset="0"/>
+              </a:rPr>
+              <a:t>main</a:t>
+            </a:r>
+            <a:r>
+              <a:rPr lang="en" altLang="ko-Kore-KR" dirty="0">
+                <a:solidFill>
+                  <a:srgbClr val="000000"/>
+                </a:solidFill>
+                <a:latin typeface="DM Mono" panose="020B0509040201040103" pitchFamily="49" charset="0"/>
+              </a:rPr>
+              <a:t>(</a:t>
+            </a:r>
+            <a:r>
+              <a:rPr lang="en" altLang="ko-Kore-KR" dirty="0">
+                <a:solidFill>
+                  <a:srgbClr val="0000FF"/>
+                </a:solidFill>
+                <a:latin typeface="DM Mono" panose="020B0509040201040103" pitchFamily="49" charset="0"/>
+              </a:rPr>
+              <a:t>void</a:t>
+            </a:r>
+            <a:r>
+              <a:rPr lang="en" altLang="ko-Kore-KR" dirty="0">
+                <a:solidFill>
+                  <a:srgbClr val="000000"/>
+                </a:solidFill>
+                <a:latin typeface="DM Mono" panose="020B0509040201040103" pitchFamily="49" charset="0"/>
+              </a:rPr>
+              <a:t>)</a:t>
+            </a:r>
+          </a:p>
+          <a:p>
+            <a:r>
+              <a:rPr lang="en" altLang="ko-Kore-KR" dirty="0">
+                <a:solidFill>
+                  <a:srgbClr val="000000"/>
+                </a:solidFill>
+                <a:latin typeface="DM Mono" panose="020B0509040201040103" pitchFamily="49" charset="0"/>
+              </a:rPr>
+              <a:t>{</a:t>
+            </a:r>
+          </a:p>
+          <a:p>
+            <a:r>
+              <a:rPr lang="en" altLang="ko-Kore-KR" dirty="0">
+                <a:solidFill>
+                  <a:srgbClr val="0000FF"/>
+                </a:solidFill>
+                <a:latin typeface="DM Mono" panose="020B0509040201040103" pitchFamily="49" charset="0"/>
+              </a:rPr>
+              <a:t>  int</a:t>
+            </a:r>
+            <a:r>
+              <a:rPr lang="en" altLang="ko-Kore-KR" dirty="0">
+                <a:solidFill>
+                  <a:srgbClr val="000000"/>
+                </a:solidFill>
+                <a:latin typeface="DM Mono" panose="020B0509040201040103" pitchFamily="49" charset="0"/>
+              </a:rPr>
+              <a:t> </a:t>
+            </a:r>
+            <a:r>
+              <a:rPr lang="en" altLang="ko-Kore-KR" dirty="0">
+                <a:solidFill>
+                  <a:srgbClr val="001080"/>
+                </a:solidFill>
+                <a:latin typeface="DM Mono" panose="020B0509040201040103" pitchFamily="49" charset="0"/>
+              </a:rPr>
+              <a:t>a</a:t>
+            </a:r>
+            <a:r>
+              <a:rPr lang="en" altLang="ko-Kore-KR" dirty="0">
+                <a:solidFill>
+                  <a:srgbClr val="000000"/>
+                </a:solidFill>
+                <a:latin typeface="DM Mono" panose="020B0509040201040103" pitchFamily="49" charset="0"/>
+              </a:rPr>
+              <a:t> = </a:t>
+            </a:r>
+            <a:r>
+              <a:rPr lang="en" altLang="ko-Kore-KR" dirty="0">
+                <a:solidFill>
+                  <a:srgbClr val="098658"/>
+                </a:solidFill>
+                <a:latin typeface="DM Mono" panose="020B0509040201040103" pitchFamily="49" charset="0"/>
+              </a:rPr>
+              <a:t>10</a:t>
+            </a:r>
+            <a:r>
+              <a:rPr lang="en" altLang="ko-Kore-KR" dirty="0">
+                <a:solidFill>
+                  <a:srgbClr val="000000"/>
+                </a:solidFill>
+                <a:latin typeface="DM Mono" panose="020B0509040201040103" pitchFamily="49" charset="0"/>
+              </a:rPr>
+              <a:t>;</a:t>
+            </a:r>
+          </a:p>
+          <a:p>
+            <a:r>
+              <a:rPr lang="en" altLang="ko-Kore-KR" dirty="0">
+                <a:solidFill>
+                  <a:srgbClr val="0000FF"/>
+                </a:solidFill>
+                <a:latin typeface="DM Mono" panose="020B0509040201040103" pitchFamily="49" charset="0"/>
+              </a:rPr>
+              <a:t>  int</a:t>
+            </a:r>
+            <a:r>
+              <a:rPr lang="en" altLang="ko-Kore-KR" dirty="0">
+                <a:solidFill>
+                  <a:srgbClr val="000000"/>
+                </a:solidFill>
+                <a:latin typeface="DM Mono" panose="020B0509040201040103" pitchFamily="49" charset="0"/>
+              </a:rPr>
+              <a:t> </a:t>
+            </a:r>
+            <a:r>
+              <a:rPr lang="en" altLang="ko-Kore-KR" dirty="0">
+                <a:solidFill>
+                  <a:srgbClr val="001080"/>
+                </a:solidFill>
+                <a:latin typeface="DM Mono" panose="020B0509040201040103" pitchFamily="49" charset="0"/>
+              </a:rPr>
+              <a:t>b</a:t>
+            </a:r>
+            <a:r>
+              <a:rPr lang="en" altLang="ko-Kore-KR" dirty="0">
+                <a:solidFill>
+                  <a:srgbClr val="000000"/>
+                </a:solidFill>
+                <a:latin typeface="DM Mono" panose="020B0509040201040103" pitchFamily="49" charset="0"/>
+              </a:rPr>
+              <a:t> = </a:t>
+            </a:r>
+            <a:r>
+              <a:rPr lang="en" altLang="ko-Kore-KR" dirty="0">
+                <a:solidFill>
+                  <a:srgbClr val="098658"/>
+                </a:solidFill>
+                <a:latin typeface="DM Mono" panose="020B0509040201040103" pitchFamily="49" charset="0"/>
+              </a:rPr>
+              <a:t>20</a:t>
+            </a:r>
+            <a:r>
+              <a:rPr lang="en" altLang="ko-Kore-KR" dirty="0">
+                <a:solidFill>
+                  <a:srgbClr val="000000"/>
+                </a:solidFill>
+                <a:latin typeface="DM Mono" panose="020B0509040201040103" pitchFamily="49" charset="0"/>
+              </a:rPr>
+              <a:t>;</a:t>
+            </a:r>
+          </a:p>
+          <a:p>
+            <a:br>
+              <a:rPr lang="en" altLang="ko-Kore-KR" dirty="0">
+                <a:solidFill>
+                  <a:srgbClr val="000000"/>
+                </a:solidFill>
+                <a:latin typeface="DM Mono" panose="020B0509040201040103" pitchFamily="49" charset="0"/>
+              </a:rPr>
+            </a:br>
+            <a:r>
+              <a:rPr lang="en" altLang="ko-Kore-KR" dirty="0">
+                <a:solidFill>
+                  <a:srgbClr val="000000"/>
+                </a:solidFill>
+                <a:latin typeface="DM Mono" panose="020B0509040201040103" pitchFamily="49" charset="0"/>
+              </a:rPr>
+              <a:t>  </a:t>
+            </a:r>
+            <a:r>
+              <a:rPr lang="en" altLang="ko-Kore-KR" dirty="0">
+                <a:solidFill>
+                  <a:srgbClr val="0000FF"/>
+                </a:solidFill>
+                <a:latin typeface="DM Mono" panose="020B0509040201040103" pitchFamily="49" charset="0"/>
+              </a:rPr>
+              <a:t>int</a:t>
+            </a:r>
+            <a:r>
+              <a:rPr lang="en" altLang="ko-Kore-KR" dirty="0">
+                <a:solidFill>
+                  <a:srgbClr val="000000"/>
+                </a:solidFill>
+                <a:latin typeface="DM Mono" panose="020B0509040201040103" pitchFamily="49" charset="0"/>
+              </a:rPr>
+              <a:t>* </a:t>
+            </a:r>
+            <a:r>
+              <a:rPr lang="en" altLang="ko-Kore-KR" dirty="0">
+                <a:solidFill>
+                  <a:srgbClr val="001080"/>
+                </a:solidFill>
+                <a:latin typeface="DM Mono" panose="020B0509040201040103" pitchFamily="49" charset="0"/>
+              </a:rPr>
+              <a:t>pa</a:t>
+            </a:r>
+            <a:r>
+              <a:rPr lang="en" altLang="ko-Kore-KR" dirty="0">
+                <a:solidFill>
+                  <a:srgbClr val="000000"/>
+                </a:solidFill>
+                <a:latin typeface="DM Mono" panose="020B0509040201040103" pitchFamily="49" charset="0"/>
+              </a:rPr>
+              <a:t> = &amp;</a:t>
+            </a:r>
+            <a:r>
+              <a:rPr lang="en" altLang="ko-Kore-KR" dirty="0">
+                <a:solidFill>
+                  <a:srgbClr val="001080"/>
+                </a:solidFill>
+                <a:latin typeface="DM Mono" panose="020B0509040201040103" pitchFamily="49" charset="0"/>
+              </a:rPr>
+              <a:t>a</a:t>
+            </a:r>
+            <a:r>
+              <a:rPr lang="en" altLang="ko-Kore-KR" dirty="0">
+                <a:solidFill>
+                  <a:srgbClr val="000000"/>
+                </a:solidFill>
+                <a:latin typeface="DM Mono" panose="020B0509040201040103" pitchFamily="49" charset="0"/>
+              </a:rPr>
+              <a:t>;</a:t>
+            </a:r>
+          </a:p>
+          <a:p>
+            <a:r>
+              <a:rPr lang="en" altLang="ko-Kore-KR" dirty="0">
+                <a:solidFill>
+                  <a:srgbClr val="0000FF"/>
+                </a:solidFill>
+                <a:latin typeface="DM Mono" panose="020B0509040201040103" pitchFamily="49" charset="0"/>
+              </a:rPr>
+              <a:t>  int</a:t>
+            </a:r>
+            <a:r>
+              <a:rPr lang="en" altLang="ko-Kore-KR" dirty="0">
+                <a:solidFill>
+                  <a:srgbClr val="000000"/>
+                </a:solidFill>
+                <a:latin typeface="DM Mono" panose="020B0509040201040103" pitchFamily="49" charset="0"/>
+              </a:rPr>
+              <a:t>* </a:t>
+            </a:r>
+            <a:r>
+              <a:rPr lang="en" altLang="ko-Kore-KR" dirty="0">
+                <a:solidFill>
+                  <a:srgbClr val="001080"/>
+                </a:solidFill>
+                <a:latin typeface="DM Mono" panose="020B0509040201040103" pitchFamily="49" charset="0"/>
+              </a:rPr>
+              <a:t>pb</a:t>
+            </a:r>
+            <a:r>
+              <a:rPr lang="en" altLang="ko-Kore-KR" dirty="0">
+                <a:solidFill>
+                  <a:srgbClr val="000000"/>
+                </a:solidFill>
+                <a:latin typeface="DM Mono" panose="020B0509040201040103" pitchFamily="49" charset="0"/>
+              </a:rPr>
+              <a:t> = &amp;</a:t>
+            </a:r>
+            <a:r>
+              <a:rPr lang="en" altLang="ko-Kore-KR" dirty="0">
+                <a:solidFill>
+                  <a:srgbClr val="001080"/>
+                </a:solidFill>
+                <a:latin typeface="DM Mono" panose="020B0509040201040103" pitchFamily="49" charset="0"/>
+              </a:rPr>
+              <a:t>b</a:t>
+            </a:r>
+            <a:r>
+              <a:rPr lang="en" altLang="ko-Kore-KR" dirty="0">
+                <a:solidFill>
+                  <a:srgbClr val="000000"/>
+                </a:solidFill>
+                <a:latin typeface="DM Mono" panose="020B0509040201040103" pitchFamily="49" charset="0"/>
+              </a:rPr>
+              <a:t>;</a:t>
+            </a:r>
+          </a:p>
+          <a:p>
+            <a:r>
+              <a:rPr lang="en" altLang="ko-Kore-KR" dirty="0">
+                <a:solidFill>
+                  <a:srgbClr val="795E26"/>
+                </a:solidFill>
+                <a:latin typeface="DM Mono" panose="020B0509040201040103" pitchFamily="49" charset="0"/>
+              </a:rPr>
+              <a:t>  </a:t>
+            </a:r>
+            <a:r>
+              <a:rPr lang="en" altLang="ko-Kore-KR" dirty="0" err="1">
+                <a:solidFill>
+                  <a:srgbClr val="795E26"/>
+                </a:solidFill>
+                <a:latin typeface="DM Mono" panose="020B0509040201040103" pitchFamily="49" charset="0"/>
+              </a:rPr>
+              <a:t>pswap</a:t>
+            </a:r>
+            <a:r>
+              <a:rPr lang="en" altLang="ko-Kore-KR" dirty="0">
+                <a:solidFill>
+                  <a:srgbClr val="000000"/>
+                </a:solidFill>
+                <a:latin typeface="DM Mono" panose="020B0509040201040103" pitchFamily="49" charset="0"/>
+              </a:rPr>
+              <a:t>(&amp;</a:t>
+            </a:r>
+            <a:r>
+              <a:rPr lang="en" altLang="ko-Kore-KR" dirty="0">
+                <a:solidFill>
+                  <a:srgbClr val="001080"/>
+                </a:solidFill>
+                <a:latin typeface="DM Mono" panose="020B0509040201040103" pitchFamily="49" charset="0"/>
+              </a:rPr>
+              <a:t>pa</a:t>
+            </a:r>
+            <a:r>
+              <a:rPr lang="en" altLang="ko-Kore-KR" dirty="0">
+                <a:solidFill>
+                  <a:srgbClr val="000000"/>
+                </a:solidFill>
+                <a:latin typeface="DM Mono" panose="020B0509040201040103" pitchFamily="49" charset="0"/>
+              </a:rPr>
+              <a:t>, &amp;</a:t>
+            </a:r>
+            <a:r>
+              <a:rPr lang="en" altLang="ko-Kore-KR" dirty="0">
+                <a:solidFill>
+                  <a:srgbClr val="001080"/>
+                </a:solidFill>
+                <a:latin typeface="DM Mono" panose="020B0509040201040103" pitchFamily="49" charset="0"/>
+              </a:rPr>
+              <a:t>pb</a:t>
+            </a:r>
+            <a:r>
+              <a:rPr lang="en" altLang="ko-Kore-KR" dirty="0">
+                <a:solidFill>
+                  <a:srgbClr val="000000"/>
+                </a:solidFill>
+                <a:latin typeface="DM Mono" panose="020B0509040201040103" pitchFamily="49" charset="0"/>
+              </a:rPr>
+              <a:t>);</a:t>
+            </a:r>
+          </a:p>
+          <a:p>
+            <a:br>
+              <a:rPr lang="en" altLang="ko-Kore-KR" dirty="0">
+                <a:solidFill>
+                  <a:srgbClr val="000000"/>
+                </a:solidFill>
+                <a:latin typeface="DM Mono" panose="020B0509040201040103" pitchFamily="49" charset="0"/>
+              </a:rPr>
+            </a:br>
+            <a:r>
+              <a:rPr lang="en" altLang="ko-Kore-KR" dirty="0">
+                <a:solidFill>
+                  <a:srgbClr val="000000"/>
+                </a:solidFill>
+                <a:latin typeface="DM Mono" panose="020B0509040201040103" pitchFamily="49" charset="0"/>
+              </a:rPr>
+              <a:t>  </a:t>
+            </a:r>
+            <a:r>
+              <a:rPr lang="en" altLang="ko-Kore-KR" dirty="0" err="1">
+                <a:solidFill>
+                  <a:srgbClr val="795E26"/>
+                </a:solidFill>
+                <a:latin typeface="DM Mono" panose="020B0509040201040103" pitchFamily="49" charset="0"/>
+              </a:rPr>
+              <a:t>printf</a:t>
+            </a:r>
+            <a:r>
+              <a:rPr lang="en" altLang="ko-Kore-KR" dirty="0">
+                <a:solidFill>
+                  <a:srgbClr val="000000"/>
+                </a:solidFill>
+                <a:latin typeface="DM Mono" panose="020B0509040201040103" pitchFamily="49" charset="0"/>
+              </a:rPr>
+              <a:t>(</a:t>
+            </a:r>
+            <a:r>
+              <a:rPr lang="en" altLang="ko-Kore-KR" dirty="0">
+                <a:solidFill>
+                  <a:srgbClr val="A31515"/>
+                </a:solidFill>
+                <a:latin typeface="DM Mono" panose="020B0509040201040103" pitchFamily="49" charset="0"/>
+              </a:rPr>
+              <a:t>"</a:t>
+            </a:r>
+            <a:r>
+              <a:rPr lang="en" altLang="ko-Kore-KR" dirty="0">
+                <a:solidFill>
+                  <a:srgbClr val="001080"/>
+                </a:solidFill>
+                <a:latin typeface="DM Mono" panose="020B0509040201040103" pitchFamily="49" charset="0"/>
+              </a:rPr>
+              <a:t>%d</a:t>
+            </a:r>
+            <a:r>
+              <a:rPr lang="en" altLang="ko-Kore-KR" dirty="0">
+                <a:solidFill>
+                  <a:srgbClr val="A31515"/>
+                </a:solidFill>
+                <a:latin typeface="DM Mono" panose="020B0509040201040103" pitchFamily="49" charset="0"/>
+              </a:rPr>
+              <a:t> </a:t>
+            </a:r>
+            <a:r>
+              <a:rPr lang="en" altLang="ko-Kore-KR" dirty="0">
+                <a:solidFill>
+                  <a:srgbClr val="001080"/>
+                </a:solidFill>
+                <a:latin typeface="DM Mono" panose="020B0509040201040103" pitchFamily="49" charset="0"/>
+              </a:rPr>
+              <a:t>%d</a:t>
+            </a:r>
+            <a:r>
+              <a:rPr lang="en" altLang="ko-Kore-KR" dirty="0">
+                <a:solidFill>
+                  <a:srgbClr val="EE0000"/>
+                </a:solidFill>
+                <a:latin typeface="DM Mono" panose="020B0509040201040103" pitchFamily="49" charset="0"/>
+              </a:rPr>
+              <a:t>\n</a:t>
+            </a:r>
+            <a:r>
+              <a:rPr lang="en" altLang="ko-Kore-KR" dirty="0">
+                <a:solidFill>
+                  <a:srgbClr val="A31515"/>
+                </a:solidFill>
+                <a:latin typeface="DM Mono" panose="020B0509040201040103" pitchFamily="49" charset="0"/>
+              </a:rPr>
+              <a:t>"</a:t>
+            </a:r>
+            <a:r>
+              <a:rPr lang="en" altLang="ko-Kore-KR" dirty="0">
+                <a:solidFill>
+                  <a:srgbClr val="000000"/>
+                </a:solidFill>
+                <a:latin typeface="DM Mono" panose="020B0509040201040103" pitchFamily="49" charset="0"/>
+              </a:rPr>
+              <a:t>, </a:t>
+            </a:r>
+            <a:r>
+              <a:rPr lang="en" altLang="ko-Kore-KR" dirty="0">
+                <a:solidFill>
+                  <a:srgbClr val="001080"/>
+                </a:solidFill>
+                <a:latin typeface="DM Mono" panose="020B0509040201040103" pitchFamily="49" charset="0"/>
+              </a:rPr>
+              <a:t>a</a:t>
+            </a:r>
+            <a:r>
+              <a:rPr lang="en" altLang="ko-Kore-KR" dirty="0">
+                <a:solidFill>
+                  <a:srgbClr val="000000"/>
+                </a:solidFill>
+                <a:latin typeface="DM Mono" panose="020B0509040201040103" pitchFamily="49" charset="0"/>
+              </a:rPr>
+              <a:t>, </a:t>
+            </a:r>
+            <a:r>
+              <a:rPr lang="en" altLang="ko-Kore-KR" dirty="0">
+                <a:solidFill>
+                  <a:srgbClr val="001080"/>
+                </a:solidFill>
+                <a:latin typeface="DM Mono" panose="020B0509040201040103" pitchFamily="49" charset="0"/>
+              </a:rPr>
+              <a:t>b</a:t>
+            </a:r>
+            <a:r>
+              <a:rPr lang="en" altLang="ko-Kore-KR" dirty="0">
+                <a:solidFill>
+                  <a:srgbClr val="000000"/>
+                </a:solidFill>
+                <a:latin typeface="DM Mono" panose="020B0509040201040103" pitchFamily="49" charset="0"/>
+              </a:rPr>
+              <a:t>);</a:t>
+            </a:r>
+          </a:p>
+          <a:p>
+            <a:r>
+              <a:rPr lang="en" altLang="ko-Kore-KR" dirty="0">
+                <a:solidFill>
+                  <a:srgbClr val="000000"/>
+                </a:solidFill>
+                <a:latin typeface="DM Mono" panose="020B0509040201040103" pitchFamily="49" charset="0"/>
+              </a:rPr>
+              <a:t>}</a:t>
+            </a:r>
+            <a:endParaRPr lang="en" altLang="ko-Kore-KR" b="0" dirty="0">
+              <a:solidFill>
+                <a:srgbClr val="000000"/>
+              </a:solidFill>
+              <a:effectLst/>
+              <a:latin typeface="DM Mono" panose="020B0509040201040103" pitchFamily="49" charset="0"/>
+            </a:endParaRPr>
+          </a:p>
+        </p:txBody>
+      </p:sp>
+      <p:sp>
+        <p:nvSpPr>
+          <p:cNvPr id="5" name="직사각형 4">
+            <a:extLst>
+              <a:ext uri="{FF2B5EF4-FFF2-40B4-BE49-F238E27FC236}">
+                <a16:creationId xmlns:a16="http://schemas.microsoft.com/office/drawing/2014/main" id="{5D4953FA-ECF5-406E-EA0A-07F4BB1D1637}"/>
+              </a:ext>
+            </a:extLst>
+          </p:cNvPr>
+          <p:cNvSpPr/>
+          <p:nvPr/>
+        </p:nvSpPr>
+        <p:spPr>
+          <a:xfrm>
+            <a:off x="5037645" y="1198819"/>
+            <a:ext cx="3234906" cy="2706432"/>
+          </a:xfrm>
+          <a:prstGeom prst="rect">
+            <a:avLst/>
+          </a:prstGeom>
+          <a:noFill/>
+        </p:spPr>
+        <p:style>
+          <a:lnRef idx="2">
+            <a:schemeClr val="accent4"/>
+          </a:lnRef>
+          <a:fillRef idx="1">
+            <a:schemeClr val="lt1"/>
+          </a:fillRef>
+          <a:effectRef idx="0">
+            <a:schemeClr val="accent4"/>
+          </a:effectRef>
+          <a:fontRef idx="minor">
+            <a:schemeClr val="dk1"/>
+          </a:fontRef>
+        </p:style>
+        <p:txBody>
+          <a:bodyPr rtlCol="0" anchor="ctr"/>
+          <a:lstStyle/>
+          <a:p>
+            <a:pPr algn="ctr"/>
+            <a:endParaRPr kumimoji="1" lang="ko-Kore-KR" altLang="en-US" sz="1400" dirty="0">
+              <a:solidFill>
+                <a:schemeClr val="tx1"/>
+              </a:solidFill>
+            </a:endParaRPr>
+          </a:p>
+        </p:txBody>
+      </p:sp>
+      <p:sp>
+        <p:nvSpPr>
+          <p:cNvPr id="6" name="직사각형 5">
+            <a:extLst>
+              <a:ext uri="{FF2B5EF4-FFF2-40B4-BE49-F238E27FC236}">
+                <a16:creationId xmlns:a16="http://schemas.microsoft.com/office/drawing/2014/main" id="{DF1668EF-A1EF-4292-019D-8A043A24DE4B}"/>
+              </a:ext>
+            </a:extLst>
+          </p:cNvPr>
+          <p:cNvSpPr/>
+          <p:nvPr/>
+        </p:nvSpPr>
+        <p:spPr>
+          <a:xfrm>
+            <a:off x="6258474" y="809072"/>
+            <a:ext cx="736099" cy="369332"/>
+          </a:xfrm>
+          <a:prstGeom prst="rect">
+            <a:avLst/>
+          </a:prstGeom>
+        </p:spPr>
+        <p:txBody>
+          <a:bodyPr wrap="none">
+            <a:spAutoFit/>
+          </a:bodyPr>
+          <a:lstStyle/>
+          <a:p>
+            <a:r>
+              <a:rPr lang="en" altLang="ko-Kore-KR" dirty="0">
+                <a:solidFill>
+                  <a:srgbClr val="795E26"/>
+                </a:solidFill>
+                <a:latin typeface="DM Mono" panose="020B0509040201040103" pitchFamily="49" charset="0"/>
+              </a:rPr>
+              <a:t>main</a:t>
+            </a:r>
+            <a:endParaRPr lang="ko-Kore-KR" altLang="en-US" dirty="0"/>
+          </a:p>
+        </p:txBody>
+      </p:sp>
+      <p:sp>
+        <p:nvSpPr>
+          <p:cNvPr id="7" name="직사각형 6">
+            <a:extLst>
+              <a:ext uri="{FF2B5EF4-FFF2-40B4-BE49-F238E27FC236}">
+                <a16:creationId xmlns:a16="http://schemas.microsoft.com/office/drawing/2014/main" id="{958D00B0-499B-755D-4634-9483DD21A01E}"/>
+              </a:ext>
+            </a:extLst>
+          </p:cNvPr>
+          <p:cNvSpPr/>
+          <p:nvPr/>
+        </p:nvSpPr>
+        <p:spPr>
+          <a:xfrm>
+            <a:off x="5521593" y="1402786"/>
+            <a:ext cx="539902" cy="420443"/>
+          </a:xfrm>
+          <a:prstGeom prst="rect">
+            <a:avLst/>
+          </a:prstGeom>
+          <a:solidFill>
+            <a:srgbClr val="FFFF00"/>
+          </a:solidFill>
+        </p:spPr>
+        <p:style>
+          <a:lnRef idx="2">
+            <a:schemeClr val="accent1">
+              <a:shade val="50000"/>
+            </a:schemeClr>
+          </a:lnRef>
+          <a:fillRef idx="1">
+            <a:schemeClr val="accent1"/>
+          </a:fillRef>
+          <a:effectRef idx="0">
+            <a:schemeClr val="accent1"/>
+          </a:effectRef>
+          <a:fontRef idx="minor">
+            <a:schemeClr val="lt1"/>
+          </a:fontRef>
+        </p:style>
+        <p:txBody>
+          <a:bodyPr rtlCol="0" anchor="ctr"/>
+          <a:lstStyle/>
+          <a:p>
+            <a:pPr algn="ctr"/>
+            <a:r>
+              <a:rPr kumimoji="1" lang="en-US" altLang="ko-Kore-KR" sz="1400" dirty="0">
+                <a:solidFill>
+                  <a:schemeClr val="tx1"/>
+                </a:solidFill>
+              </a:rPr>
+              <a:t>10</a:t>
+            </a:r>
+            <a:endParaRPr kumimoji="1" lang="ko-Kore-KR" altLang="en-US" sz="1400" dirty="0">
+              <a:solidFill>
+                <a:schemeClr val="tx1"/>
+              </a:solidFill>
+            </a:endParaRPr>
+          </a:p>
+        </p:txBody>
+      </p:sp>
+      <p:sp>
+        <p:nvSpPr>
+          <p:cNvPr id="8" name="직사각형 7">
+            <a:extLst>
+              <a:ext uri="{FF2B5EF4-FFF2-40B4-BE49-F238E27FC236}">
+                <a16:creationId xmlns:a16="http://schemas.microsoft.com/office/drawing/2014/main" id="{AA3229FD-FDEA-67F8-6AD6-A4BCFA135D5D}"/>
+              </a:ext>
+            </a:extLst>
+          </p:cNvPr>
+          <p:cNvSpPr/>
+          <p:nvPr/>
+        </p:nvSpPr>
+        <p:spPr>
+          <a:xfrm>
+            <a:off x="5247952" y="1428341"/>
+            <a:ext cx="322524" cy="369332"/>
+          </a:xfrm>
+          <a:prstGeom prst="rect">
+            <a:avLst/>
+          </a:prstGeom>
+        </p:spPr>
+        <p:txBody>
+          <a:bodyPr wrap="none">
+            <a:spAutoFit/>
+          </a:bodyPr>
+          <a:lstStyle/>
+          <a:p>
+            <a:r>
+              <a:rPr lang="en" altLang="ko-Kore-KR" dirty="0">
+                <a:solidFill>
+                  <a:srgbClr val="001080"/>
+                </a:solidFill>
+                <a:latin typeface="DM Mono" panose="020B0509040201040103" pitchFamily="49" charset="0"/>
+              </a:rPr>
+              <a:t>a</a:t>
+            </a:r>
+            <a:endParaRPr lang="ko-Kore-KR" altLang="en-US" dirty="0"/>
+          </a:p>
+        </p:txBody>
+      </p:sp>
+      <p:sp>
+        <p:nvSpPr>
+          <p:cNvPr id="10" name="직사각형 9">
+            <a:extLst>
+              <a:ext uri="{FF2B5EF4-FFF2-40B4-BE49-F238E27FC236}">
+                <a16:creationId xmlns:a16="http://schemas.microsoft.com/office/drawing/2014/main" id="{CC7DA5F9-DC06-B839-CBD3-0057AE32824F}"/>
+              </a:ext>
+            </a:extLst>
+          </p:cNvPr>
+          <p:cNvSpPr/>
+          <p:nvPr/>
+        </p:nvSpPr>
+        <p:spPr>
+          <a:xfrm>
+            <a:off x="5599374" y="2670508"/>
+            <a:ext cx="539902" cy="420443"/>
+          </a:xfrm>
+          <a:prstGeom prst="rect">
+            <a:avLst/>
+          </a:prstGeom>
+          <a:solidFill>
+            <a:srgbClr val="FFFF00"/>
+          </a:solidFill>
+        </p:spPr>
+        <p:style>
+          <a:lnRef idx="2">
+            <a:schemeClr val="accent1">
+              <a:shade val="50000"/>
+            </a:schemeClr>
+          </a:lnRef>
+          <a:fillRef idx="1">
+            <a:schemeClr val="accent1"/>
+          </a:fillRef>
+          <a:effectRef idx="0">
+            <a:schemeClr val="accent1"/>
+          </a:effectRef>
+          <a:fontRef idx="minor">
+            <a:schemeClr val="lt1"/>
+          </a:fontRef>
+        </p:style>
+        <p:txBody>
+          <a:bodyPr rtlCol="0" anchor="ctr"/>
+          <a:lstStyle/>
+          <a:p>
+            <a:pPr algn="ctr"/>
+            <a:r>
+              <a:rPr kumimoji="1" lang="en-US" altLang="ko-Kore-KR" sz="1400" dirty="0">
+                <a:solidFill>
+                  <a:srgbClr val="FF0000"/>
+                </a:solidFill>
+              </a:rPr>
+              <a:t>400</a:t>
+            </a:r>
+            <a:endParaRPr kumimoji="1" lang="ko-Kore-KR" altLang="en-US" sz="1400" dirty="0">
+              <a:solidFill>
+                <a:srgbClr val="FF0000"/>
+              </a:solidFill>
+            </a:endParaRPr>
+          </a:p>
+        </p:txBody>
+      </p:sp>
+      <p:sp>
+        <p:nvSpPr>
+          <p:cNvPr id="11" name="직사각형 10">
+            <a:extLst>
+              <a:ext uri="{FF2B5EF4-FFF2-40B4-BE49-F238E27FC236}">
+                <a16:creationId xmlns:a16="http://schemas.microsoft.com/office/drawing/2014/main" id="{142F2F09-D376-FA05-9679-61F415B2B269}"/>
+              </a:ext>
+            </a:extLst>
+          </p:cNvPr>
+          <p:cNvSpPr/>
+          <p:nvPr/>
+        </p:nvSpPr>
+        <p:spPr>
+          <a:xfrm>
+            <a:off x="5169031" y="2696063"/>
+            <a:ext cx="460382" cy="369332"/>
+          </a:xfrm>
+          <a:prstGeom prst="rect">
+            <a:avLst/>
+          </a:prstGeom>
+        </p:spPr>
+        <p:txBody>
+          <a:bodyPr wrap="none">
+            <a:spAutoFit/>
+          </a:bodyPr>
+          <a:lstStyle/>
+          <a:p>
+            <a:r>
+              <a:rPr lang="en" altLang="ko-Kore-KR" dirty="0">
+                <a:solidFill>
+                  <a:srgbClr val="001080"/>
+                </a:solidFill>
+                <a:latin typeface="DM Mono" panose="020B0509040201040103" pitchFamily="49" charset="0"/>
+              </a:rPr>
+              <a:t>pa</a:t>
+            </a:r>
+            <a:endParaRPr lang="ko-Kore-KR" altLang="en-US" dirty="0"/>
+          </a:p>
+        </p:txBody>
+      </p:sp>
+      <p:cxnSp>
+        <p:nvCxnSpPr>
+          <p:cNvPr id="12" name="구부러진 연결선[U] 11">
+            <a:extLst>
+              <a:ext uri="{FF2B5EF4-FFF2-40B4-BE49-F238E27FC236}">
+                <a16:creationId xmlns:a16="http://schemas.microsoft.com/office/drawing/2014/main" id="{444C7E12-5B1E-D1A6-EA75-A480369B1852}"/>
+              </a:ext>
+            </a:extLst>
+          </p:cNvPr>
+          <p:cNvCxnSpPr>
+            <a:cxnSpLocks/>
+            <a:stCxn id="10" idx="0"/>
+            <a:endCxn id="16" idx="2"/>
+          </p:cNvCxnSpPr>
+          <p:nvPr/>
+        </p:nvCxnSpPr>
+        <p:spPr>
+          <a:xfrm rot="5400000" flipH="1" flipV="1">
+            <a:off x="6110832" y="1581723"/>
+            <a:ext cx="847279" cy="1330293"/>
+          </a:xfrm>
+          <a:prstGeom prst="curvedConnector3">
+            <a:avLst>
+              <a:gd name="adj1" fmla="val 50000"/>
+            </a:avLst>
+          </a:prstGeom>
+          <a:ln>
+            <a:tailEnd type="triangle"/>
+          </a:ln>
+        </p:spPr>
+        <p:style>
+          <a:lnRef idx="1">
+            <a:schemeClr val="accent1"/>
+          </a:lnRef>
+          <a:fillRef idx="0">
+            <a:schemeClr val="accent1"/>
+          </a:fillRef>
+          <a:effectRef idx="0">
+            <a:schemeClr val="accent1"/>
+          </a:effectRef>
+          <a:fontRef idx="minor">
+            <a:schemeClr val="tx1"/>
+          </a:fontRef>
+        </p:style>
+      </p:cxnSp>
+      <p:sp>
+        <p:nvSpPr>
+          <p:cNvPr id="16" name="직사각형 15">
+            <a:extLst>
+              <a:ext uri="{FF2B5EF4-FFF2-40B4-BE49-F238E27FC236}">
+                <a16:creationId xmlns:a16="http://schemas.microsoft.com/office/drawing/2014/main" id="{A57FB114-BC35-7C02-61E6-948D1369D6E8}"/>
+              </a:ext>
+            </a:extLst>
+          </p:cNvPr>
+          <p:cNvSpPr/>
+          <p:nvPr/>
+        </p:nvSpPr>
+        <p:spPr>
+          <a:xfrm>
+            <a:off x="6929667" y="1402786"/>
+            <a:ext cx="539902" cy="420443"/>
+          </a:xfrm>
+          <a:prstGeom prst="rect">
+            <a:avLst/>
+          </a:prstGeom>
+          <a:solidFill>
+            <a:srgbClr val="FFFF00"/>
+          </a:solidFill>
+        </p:spPr>
+        <p:style>
+          <a:lnRef idx="2">
+            <a:schemeClr val="accent1">
+              <a:shade val="50000"/>
+            </a:schemeClr>
+          </a:lnRef>
+          <a:fillRef idx="1">
+            <a:schemeClr val="accent1"/>
+          </a:fillRef>
+          <a:effectRef idx="0">
+            <a:schemeClr val="accent1"/>
+          </a:effectRef>
+          <a:fontRef idx="minor">
+            <a:schemeClr val="lt1"/>
+          </a:fontRef>
+        </p:style>
+        <p:txBody>
+          <a:bodyPr rtlCol="0" anchor="ctr"/>
+          <a:lstStyle/>
+          <a:p>
+            <a:pPr algn="ctr"/>
+            <a:r>
+              <a:rPr kumimoji="1" lang="en-US" altLang="ko-Kore-KR" sz="1400" dirty="0">
+                <a:solidFill>
+                  <a:schemeClr val="tx1"/>
+                </a:solidFill>
+              </a:rPr>
+              <a:t>20</a:t>
+            </a:r>
+            <a:endParaRPr kumimoji="1" lang="ko-Kore-KR" altLang="en-US" sz="1400" dirty="0">
+              <a:solidFill>
+                <a:schemeClr val="tx1"/>
+              </a:solidFill>
+            </a:endParaRPr>
+          </a:p>
+        </p:txBody>
+      </p:sp>
+      <p:sp>
+        <p:nvSpPr>
+          <p:cNvPr id="17" name="직사각형 16">
+            <a:extLst>
+              <a:ext uri="{FF2B5EF4-FFF2-40B4-BE49-F238E27FC236}">
+                <a16:creationId xmlns:a16="http://schemas.microsoft.com/office/drawing/2014/main" id="{377722F9-2D67-41C0-532E-31BBA551D669}"/>
+              </a:ext>
+            </a:extLst>
+          </p:cNvPr>
+          <p:cNvSpPr/>
+          <p:nvPr/>
+        </p:nvSpPr>
+        <p:spPr>
+          <a:xfrm>
+            <a:off x="6994573" y="2644952"/>
+            <a:ext cx="539902" cy="420443"/>
+          </a:xfrm>
+          <a:prstGeom prst="rect">
+            <a:avLst/>
+          </a:prstGeom>
+          <a:solidFill>
+            <a:srgbClr val="FFFF00"/>
+          </a:solidFill>
+        </p:spPr>
+        <p:style>
+          <a:lnRef idx="2">
+            <a:schemeClr val="accent1">
+              <a:shade val="50000"/>
+            </a:schemeClr>
+          </a:lnRef>
+          <a:fillRef idx="1">
+            <a:schemeClr val="accent1"/>
+          </a:fillRef>
+          <a:effectRef idx="0">
+            <a:schemeClr val="accent1"/>
+          </a:effectRef>
+          <a:fontRef idx="minor">
+            <a:schemeClr val="lt1"/>
+          </a:fontRef>
+        </p:style>
+        <p:txBody>
+          <a:bodyPr rtlCol="0" anchor="ctr"/>
+          <a:lstStyle/>
+          <a:p>
+            <a:pPr algn="ctr"/>
+            <a:r>
+              <a:rPr kumimoji="1" lang="en-US" altLang="ko-Kore-KR" sz="1400" dirty="0">
+                <a:solidFill>
+                  <a:schemeClr val="tx1"/>
+                </a:solidFill>
+              </a:rPr>
+              <a:t>400</a:t>
+            </a:r>
+            <a:endParaRPr kumimoji="1" lang="ko-Kore-KR" altLang="en-US" sz="1400" dirty="0">
+              <a:solidFill>
+                <a:schemeClr val="tx1"/>
+              </a:solidFill>
+            </a:endParaRPr>
+          </a:p>
+        </p:txBody>
+      </p:sp>
+      <p:sp>
+        <p:nvSpPr>
+          <p:cNvPr id="18" name="직사각형 17">
+            <a:extLst>
+              <a:ext uri="{FF2B5EF4-FFF2-40B4-BE49-F238E27FC236}">
+                <a16:creationId xmlns:a16="http://schemas.microsoft.com/office/drawing/2014/main" id="{D1AA91DC-AC58-AA11-766A-F95DBC1BE6FB}"/>
+              </a:ext>
+            </a:extLst>
+          </p:cNvPr>
+          <p:cNvSpPr/>
+          <p:nvPr/>
+        </p:nvSpPr>
+        <p:spPr>
+          <a:xfrm>
+            <a:off x="6564230" y="2670507"/>
+            <a:ext cx="460382" cy="369332"/>
+          </a:xfrm>
+          <a:prstGeom prst="rect">
+            <a:avLst/>
+          </a:prstGeom>
+        </p:spPr>
+        <p:txBody>
+          <a:bodyPr wrap="none">
+            <a:spAutoFit/>
+          </a:bodyPr>
+          <a:lstStyle/>
+          <a:p>
+            <a:r>
+              <a:rPr lang="en" altLang="ko-Kore-KR" dirty="0">
+                <a:solidFill>
+                  <a:srgbClr val="001080"/>
+                </a:solidFill>
+                <a:latin typeface="DM Mono" panose="020B0509040201040103" pitchFamily="49" charset="0"/>
+              </a:rPr>
+              <a:t>pb</a:t>
+            </a:r>
+            <a:endParaRPr lang="ko-Kore-KR" altLang="en-US" dirty="0"/>
+          </a:p>
+        </p:txBody>
+      </p:sp>
+      <p:cxnSp>
+        <p:nvCxnSpPr>
+          <p:cNvPr id="19" name="구부러진 연결선[U] 18">
+            <a:extLst>
+              <a:ext uri="{FF2B5EF4-FFF2-40B4-BE49-F238E27FC236}">
+                <a16:creationId xmlns:a16="http://schemas.microsoft.com/office/drawing/2014/main" id="{CD252A5A-F225-5764-D179-B034ACA17B09}"/>
+              </a:ext>
+            </a:extLst>
+          </p:cNvPr>
+          <p:cNvCxnSpPr>
+            <a:cxnSpLocks/>
+            <a:stCxn id="17" idx="0"/>
+            <a:endCxn id="16" idx="2"/>
+          </p:cNvCxnSpPr>
+          <p:nvPr/>
+        </p:nvCxnSpPr>
+        <p:spPr>
+          <a:xfrm rot="16200000" flipV="1">
+            <a:off x="6821210" y="2201638"/>
+            <a:ext cx="821723" cy="64906"/>
+          </a:xfrm>
+          <a:prstGeom prst="curvedConnector3">
+            <a:avLst>
+              <a:gd name="adj1" fmla="val 50000"/>
+            </a:avLst>
+          </a:prstGeom>
+          <a:ln>
+            <a:tailEnd type="triangle"/>
+          </a:ln>
+        </p:spPr>
+        <p:style>
+          <a:lnRef idx="1">
+            <a:schemeClr val="accent1"/>
+          </a:lnRef>
+          <a:fillRef idx="0">
+            <a:schemeClr val="accent1"/>
+          </a:fillRef>
+          <a:effectRef idx="0">
+            <a:schemeClr val="accent1"/>
+          </a:effectRef>
+          <a:fontRef idx="minor">
+            <a:schemeClr val="tx1"/>
+          </a:fontRef>
+        </p:style>
+      </p:cxnSp>
+      <p:sp>
+        <p:nvSpPr>
+          <p:cNvPr id="20" name="직사각형 19">
+            <a:extLst>
+              <a:ext uri="{FF2B5EF4-FFF2-40B4-BE49-F238E27FC236}">
+                <a16:creationId xmlns:a16="http://schemas.microsoft.com/office/drawing/2014/main" id="{FD7C7436-BFA7-ABD5-31B4-57CF27D7E596}"/>
+              </a:ext>
+            </a:extLst>
+          </p:cNvPr>
+          <p:cNvSpPr/>
+          <p:nvPr/>
+        </p:nvSpPr>
+        <p:spPr>
+          <a:xfrm>
+            <a:off x="6571768" y="1428341"/>
+            <a:ext cx="322524" cy="369332"/>
+          </a:xfrm>
+          <a:prstGeom prst="rect">
+            <a:avLst/>
+          </a:prstGeom>
+        </p:spPr>
+        <p:txBody>
+          <a:bodyPr wrap="none">
+            <a:spAutoFit/>
+          </a:bodyPr>
+          <a:lstStyle/>
+          <a:p>
+            <a:r>
+              <a:rPr lang="en" altLang="ko-Kore-KR" dirty="0">
+                <a:solidFill>
+                  <a:srgbClr val="001080"/>
+                </a:solidFill>
+                <a:latin typeface="DM Mono" panose="020B0509040201040103" pitchFamily="49" charset="0"/>
+              </a:rPr>
+              <a:t>b</a:t>
+            </a:r>
+            <a:endParaRPr lang="ko-Kore-KR" altLang="en-US" dirty="0"/>
+          </a:p>
+        </p:txBody>
+      </p:sp>
+      <p:sp>
+        <p:nvSpPr>
+          <p:cNvPr id="21" name="직사각형 20">
+            <a:extLst>
+              <a:ext uri="{FF2B5EF4-FFF2-40B4-BE49-F238E27FC236}">
+                <a16:creationId xmlns:a16="http://schemas.microsoft.com/office/drawing/2014/main" id="{859EF8BE-0AE5-C9A5-A1ED-F8293E7E8CE6}"/>
+              </a:ext>
+            </a:extLst>
+          </p:cNvPr>
+          <p:cNvSpPr/>
+          <p:nvPr/>
+        </p:nvSpPr>
+        <p:spPr>
+          <a:xfrm>
+            <a:off x="5332764" y="3065395"/>
+            <a:ext cx="458780" cy="307777"/>
+          </a:xfrm>
+          <a:prstGeom prst="rect">
+            <a:avLst/>
+          </a:prstGeom>
+        </p:spPr>
+        <p:txBody>
+          <a:bodyPr wrap="none">
+            <a:spAutoFit/>
+          </a:bodyPr>
+          <a:lstStyle/>
+          <a:p>
+            <a:r>
+              <a:rPr kumimoji="1" lang="en-US" altLang="ko-Kore-KR" sz="1400" dirty="0"/>
+              <a:t>100</a:t>
+            </a:r>
+            <a:endParaRPr lang="ko-Kore-KR" altLang="en-US" sz="1400" dirty="0"/>
+          </a:p>
+        </p:txBody>
+      </p:sp>
+      <p:sp>
+        <p:nvSpPr>
+          <p:cNvPr id="22" name="직사각형 21">
+            <a:extLst>
+              <a:ext uri="{FF2B5EF4-FFF2-40B4-BE49-F238E27FC236}">
+                <a16:creationId xmlns:a16="http://schemas.microsoft.com/office/drawing/2014/main" id="{1D7D3951-6DCF-8BDB-5EF0-64DF5219682E}"/>
+              </a:ext>
+            </a:extLst>
+          </p:cNvPr>
+          <p:cNvSpPr/>
+          <p:nvPr/>
+        </p:nvSpPr>
+        <p:spPr>
+          <a:xfrm>
+            <a:off x="6765183" y="3060253"/>
+            <a:ext cx="458780" cy="307777"/>
+          </a:xfrm>
+          <a:prstGeom prst="rect">
+            <a:avLst/>
+          </a:prstGeom>
+        </p:spPr>
+        <p:txBody>
+          <a:bodyPr wrap="none">
+            <a:spAutoFit/>
+          </a:bodyPr>
+          <a:lstStyle/>
+          <a:p>
+            <a:r>
+              <a:rPr kumimoji="1" lang="en-US" altLang="ko-Kore-KR" sz="1400" dirty="0"/>
+              <a:t>200</a:t>
+            </a:r>
+            <a:endParaRPr lang="ko-Kore-KR" altLang="en-US" sz="1400" dirty="0"/>
+          </a:p>
+        </p:txBody>
+      </p:sp>
+      <p:sp>
+        <p:nvSpPr>
+          <p:cNvPr id="23" name="직사각형 22">
+            <a:extLst>
+              <a:ext uri="{FF2B5EF4-FFF2-40B4-BE49-F238E27FC236}">
+                <a16:creationId xmlns:a16="http://schemas.microsoft.com/office/drawing/2014/main" id="{DAE56E35-FE9C-60A1-E911-1DB6872D4F01}"/>
+              </a:ext>
+            </a:extLst>
+          </p:cNvPr>
+          <p:cNvSpPr/>
+          <p:nvPr/>
+        </p:nvSpPr>
+        <p:spPr>
+          <a:xfrm>
+            <a:off x="8626659" y="1198819"/>
+            <a:ext cx="3234906" cy="2706432"/>
+          </a:xfrm>
+          <a:prstGeom prst="rect">
+            <a:avLst/>
+          </a:prstGeom>
+          <a:noFill/>
+        </p:spPr>
+        <p:style>
+          <a:lnRef idx="2">
+            <a:schemeClr val="accent4"/>
+          </a:lnRef>
+          <a:fillRef idx="1">
+            <a:schemeClr val="lt1"/>
+          </a:fillRef>
+          <a:effectRef idx="0">
+            <a:schemeClr val="accent4"/>
+          </a:effectRef>
+          <a:fontRef idx="minor">
+            <a:schemeClr val="dk1"/>
+          </a:fontRef>
+        </p:style>
+        <p:txBody>
+          <a:bodyPr rtlCol="0" anchor="ctr"/>
+          <a:lstStyle/>
+          <a:p>
+            <a:pPr algn="ctr"/>
+            <a:endParaRPr kumimoji="1" lang="ko-Kore-KR" altLang="en-US" sz="1400" dirty="0">
+              <a:solidFill>
+                <a:schemeClr val="tx1"/>
+              </a:solidFill>
+            </a:endParaRPr>
+          </a:p>
+        </p:txBody>
+      </p:sp>
+      <p:sp>
+        <p:nvSpPr>
+          <p:cNvPr id="24" name="직사각형 23">
+            <a:extLst>
+              <a:ext uri="{FF2B5EF4-FFF2-40B4-BE49-F238E27FC236}">
+                <a16:creationId xmlns:a16="http://schemas.microsoft.com/office/drawing/2014/main" id="{F8DCD142-71FB-C450-1356-997CF027FF15}"/>
+              </a:ext>
+            </a:extLst>
+          </p:cNvPr>
+          <p:cNvSpPr/>
+          <p:nvPr/>
+        </p:nvSpPr>
+        <p:spPr>
+          <a:xfrm>
+            <a:off x="9847488" y="809072"/>
+            <a:ext cx="873957" cy="369332"/>
+          </a:xfrm>
+          <a:prstGeom prst="rect">
+            <a:avLst/>
+          </a:prstGeom>
+        </p:spPr>
+        <p:txBody>
+          <a:bodyPr wrap="none">
+            <a:spAutoFit/>
+          </a:bodyPr>
+          <a:lstStyle/>
+          <a:p>
+            <a:r>
+              <a:rPr lang="en" altLang="ko-Kore-KR" dirty="0" err="1">
+                <a:solidFill>
+                  <a:srgbClr val="795E26"/>
+                </a:solidFill>
+                <a:latin typeface="DM Mono" panose="020B0509040201040103" pitchFamily="49" charset="0"/>
+              </a:rPr>
+              <a:t>pswap</a:t>
+            </a:r>
+            <a:endParaRPr lang="ko-Kore-KR" altLang="en-US" dirty="0"/>
+          </a:p>
+        </p:txBody>
+      </p:sp>
+      <p:sp>
+        <p:nvSpPr>
+          <p:cNvPr id="25" name="직사각형 24">
+            <a:extLst>
+              <a:ext uri="{FF2B5EF4-FFF2-40B4-BE49-F238E27FC236}">
+                <a16:creationId xmlns:a16="http://schemas.microsoft.com/office/drawing/2014/main" id="{A6F275CC-D929-5F07-E787-C633ADC89A93}"/>
+              </a:ext>
+            </a:extLst>
+          </p:cNvPr>
+          <p:cNvSpPr/>
+          <p:nvPr/>
+        </p:nvSpPr>
+        <p:spPr>
+          <a:xfrm>
+            <a:off x="9110607" y="1402786"/>
+            <a:ext cx="539902" cy="420443"/>
+          </a:xfrm>
+          <a:prstGeom prst="rect">
+            <a:avLst/>
+          </a:prstGeom>
+          <a:solidFill>
+            <a:srgbClr val="FFFF00"/>
+          </a:solidFill>
+        </p:spPr>
+        <p:style>
+          <a:lnRef idx="2">
+            <a:schemeClr val="accent1">
+              <a:shade val="50000"/>
+            </a:schemeClr>
+          </a:lnRef>
+          <a:fillRef idx="1">
+            <a:schemeClr val="accent1"/>
+          </a:fillRef>
+          <a:effectRef idx="0">
+            <a:schemeClr val="accent1"/>
+          </a:effectRef>
+          <a:fontRef idx="minor">
+            <a:schemeClr val="lt1"/>
+          </a:fontRef>
+        </p:style>
+        <p:txBody>
+          <a:bodyPr rtlCol="0" anchor="ctr"/>
+          <a:lstStyle/>
+          <a:p>
+            <a:pPr algn="ctr"/>
+            <a:r>
+              <a:rPr kumimoji="1" lang="en-US" altLang="ko-Kore-KR" sz="1400" dirty="0">
+                <a:solidFill>
+                  <a:schemeClr val="tx1"/>
+                </a:solidFill>
+              </a:rPr>
+              <a:t>100</a:t>
+            </a:r>
+            <a:endParaRPr kumimoji="1" lang="ko-Kore-KR" altLang="en-US" sz="1400" dirty="0">
+              <a:solidFill>
+                <a:schemeClr val="tx1"/>
+              </a:solidFill>
+            </a:endParaRPr>
+          </a:p>
+        </p:txBody>
+      </p:sp>
+      <p:sp>
+        <p:nvSpPr>
+          <p:cNvPr id="26" name="직사각형 25">
+            <a:extLst>
+              <a:ext uri="{FF2B5EF4-FFF2-40B4-BE49-F238E27FC236}">
+                <a16:creationId xmlns:a16="http://schemas.microsoft.com/office/drawing/2014/main" id="{5D5D6E02-BE2D-3B20-C01F-EBC5E585C694}"/>
+              </a:ext>
+            </a:extLst>
+          </p:cNvPr>
+          <p:cNvSpPr/>
+          <p:nvPr/>
+        </p:nvSpPr>
+        <p:spPr>
+          <a:xfrm>
+            <a:off x="8599371" y="1423120"/>
+            <a:ext cx="598241" cy="369332"/>
+          </a:xfrm>
+          <a:prstGeom prst="rect">
+            <a:avLst/>
+          </a:prstGeom>
+        </p:spPr>
+        <p:txBody>
+          <a:bodyPr wrap="none">
+            <a:spAutoFit/>
+          </a:bodyPr>
+          <a:lstStyle/>
+          <a:p>
+            <a:r>
+              <a:rPr lang="en" altLang="ko-Kore-KR" dirty="0" err="1">
+                <a:solidFill>
+                  <a:srgbClr val="001080"/>
+                </a:solidFill>
+                <a:latin typeface="DM Mono" panose="020B0509040201040103" pitchFamily="49" charset="0"/>
+              </a:rPr>
+              <a:t>ppa</a:t>
+            </a:r>
+            <a:endParaRPr lang="ko-Kore-KR" altLang="en-US" dirty="0"/>
+          </a:p>
+        </p:txBody>
+      </p:sp>
+      <p:sp>
+        <p:nvSpPr>
+          <p:cNvPr id="30" name="직사각형 29">
+            <a:extLst>
+              <a:ext uri="{FF2B5EF4-FFF2-40B4-BE49-F238E27FC236}">
+                <a16:creationId xmlns:a16="http://schemas.microsoft.com/office/drawing/2014/main" id="{F7688AC8-0C04-5190-A898-85BBE7C07E38}"/>
+              </a:ext>
+            </a:extLst>
+          </p:cNvPr>
+          <p:cNvSpPr/>
+          <p:nvPr/>
+        </p:nvSpPr>
+        <p:spPr>
+          <a:xfrm>
+            <a:off x="10505806" y="1377230"/>
+            <a:ext cx="539902" cy="420443"/>
+          </a:xfrm>
+          <a:prstGeom prst="rect">
+            <a:avLst/>
+          </a:prstGeom>
+          <a:solidFill>
+            <a:srgbClr val="FFFF00"/>
+          </a:solidFill>
+        </p:spPr>
+        <p:style>
+          <a:lnRef idx="2">
+            <a:schemeClr val="accent1">
+              <a:shade val="50000"/>
+            </a:schemeClr>
+          </a:lnRef>
+          <a:fillRef idx="1">
+            <a:schemeClr val="accent1"/>
+          </a:fillRef>
+          <a:effectRef idx="0">
+            <a:schemeClr val="accent1"/>
+          </a:effectRef>
+          <a:fontRef idx="minor">
+            <a:schemeClr val="lt1"/>
+          </a:fontRef>
+        </p:style>
+        <p:txBody>
+          <a:bodyPr rtlCol="0" anchor="ctr"/>
+          <a:lstStyle/>
+          <a:p>
+            <a:pPr algn="ctr"/>
+            <a:r>
+              <a:rPr kumimoji="1" lang="en-US" altLang="ko-Kore-KR" sz="1400" dirty="0">
+                <a:solidFill>
+                  <a:schemeClr val="tx1"/>
+                </a:solidFill>
+              </a:rPr>
+              <a:t>200</a:t>
+            </a:r>
+            <a:endParaRPr kumimoji="1" lang="ko-Kore-KR" altLang="en-US" sz="1400" dirty="0">
+              <a:solidFill>
+                <a:schemeClr val="tx1"/>
+              </a:solidFill>
+            </a:endParaRPr>
+          </a:p>
+        </p:txBody>
+      </p:sp>
+      <p:sp>
+        <p:nvSpPr>
+          <p:cNvPr id="34" name="직사각형 33">
+            <a:extLst>
+              <a:ext uri="{FF2B5EF4-FFF2-40B4-BE49-F238E27FC236}">
+                <a16:creationId xmlns:a16="http://schemas.microsoft.com/office/drawing/2014/main" id="{A22E5013-8253-893D-E5A5-CFBF0F23283F}"/>
+              </a:ext>
+            </a:extLst>
+          </p:cNvPr>
+          <p:cNvSpPr/>
+          <p:nvPr/>
+        </p:nvSpPr>
+        <p:spPr>
+          <a:xfrm>
+            <a:off x="10000463" y="1430155"/>
+            <a:ext cx="598241" cy="369332"/>
+          </a:xfrm>
+          <a:prstGeom prst="rect">
+            <a:avLst/>
+          </a:prstGeom>
+        </p:spPr>
+        <p:txBody>
+          <a:bodyPr wrap="none">
+            <a:spAutoFit/>
+          </a:bodyPr>
+          <a:lstStyle/>
+          <a:p>
+            <a:r>
+              <a:rPr lang="en" altLang="ko-Kore-KR" dirty="0">
+                <a:solidFill>
+                  <a:srgbClr val="001080"/>
+                </a:solidFill>
+                <a:latin typeface="DM Mono" panose="020B0509040201040103" pitchFamily="49" charset="0"/>
+              </a:rPr>
+              <a:t>ppb</a:t>
+            </a:r>
+            <a:endParaRPr lang="ko-Kore-KR" altLang="en-US" dirty="0"/>
+          </a:p>
+        </p:txBody>
+      </p:sp>
+      <p:cxnSp>
+        <p:nvCxnSpPr>
+          <p:cNvPr id="37" name="구부러진 연결선[U] 36">
+            <a:extLst>
+              <a:ext uri="{FF2B5EF4-FFF2-40B4-BE49-F238E27FC236}">
+                <a16:creationId xmlns:a16="http://schemas.microsoft.com/office/drawing/2014/main" id="{F3FB8F44-82F0-B9B0-0B25-21FE01C3716C}"/>
+              </a:ext>
+            </a:extLst>
+          </p:cNvPr>
+          <p:cNvCxnSpPr>
+            <a:cxnSpLocks/>
+            <a:stCxn id="25" idx="2"/>
+            <a:endCxn id="10" idx="0"/>
+          </p:cNvCxnSpPr>
+          <p:nvPr/>
+        </p:nvCxnSpPr>
+        <p:spPr>
+          <a:xfrm rot="5400000">
+            <a:off x="7201303" y="491252"/>
+            <a:ext cx="847279" cy="3511233"/>
+          </a:xfrm>
+          <a:prstGeom prst="curvedConnector3">
+            <a:avLst>
+              <a:gd name="adj1" fmla="val 50000"/>
+            </a:avLst>
+          </a:prstGeom>
+          <a:ln>
+            <a:tailEnd type="triangle"/>
+          </a:ln>
+        </p:spPr>
+        <p:style>
+          <a:lnRef idx="1">
+            <a:schemeClr val="accent1"/>
+          </a:lnRef>
+          <a:fillRef idx="0">
+            <a:schemeClr val="accent1"/>
+          </a:fillRef>
+          <a:effectRef idx="0">
+            <a:schemeClr val="accent1"/>
+          </a:effectRef>
+          <a:fontRef idx="minor">
+            <a:schemeClr val="tx1"/>
+          </a:fontRef>
+        </p:style>
+      </p:cxnSp>
+      <p:cxnSp>
+        <p:nvCxnSpPr>
+          <p:cNvPr id="40" name="구부러진 연결선[U] 39">
+            <a:extLst>
+              <a:ext uri="{FF2B5EF4-FFF2-40B4-BE49-F238E27FC236}">
+                <a16:creationId xmlns:a16="http://schemas.microsoft.com/office/drawing/2014/main" id="{7640F7CF-E3DA-43D2-5AEF-372779C904DE}"/>
+              </a:ext>
+            </a:extLst>
+          </p:cNvPr>
+          <p:cNvCxnSpPr>
+            <a:cxnSpLocks/>
+            <a:stCxn id="30" idx="2"/>
+            <a:endCxn id="17" idx="0"/>
+          </p:cNvCxnSpPr>
+          <p:nvPr/>
+        </p:nvCxnSpPr>
+        <p:spPr>
+          <a:xfrm rot="5400000">
+            <a:off x="8596502" y="465696"/>
+            <a:ext cx="847279" cy="3511233"/>
+          </a:xfrm>
+          <a:prstGeom prst="curvedConnector3">
+            <a:avLst>
+              <a:gd name="adj1" fmla="val 50000"/>
+            </a:avLst>
+          </a:prstGeom>
+          <a:ln>
+            <a:tailEnd type="triangle"/>
+          </a:ln>
+        </p:spPr>
+        <p:style>
+          <a:lnRef idx="1">
+            <a:schemeClr val="accent1"/>
+          </a:lnRef>
+          <a:fillRef idx="0">
+            <a:schemeClr val="accent1"/>
+          </a:fillRef>
+          <a:effectRef idx="0">
+            <a:schemeClr val="accent1"/>
+          </a:effectRef>
+          <a:fontRef idx="minor">
+            <a:schemeClr val="tx1"/>
+          </a:fontRef>
+        </p:style>
+      </p:cxnSp>
+      <p:sp>
+        <p:nvSpPr>
+          <p:cNvPr id="43" name="직사각형 42">
+            <a:extLst>
+              <a:ext uri="{FF2B5EF4-FFF2-40B4-BE49-F238E27FC236}">
+                <a16:creationId xmlns:a16="http://schemas.microsoft.com/office/drawing/2014/main" id="{4DAC7A26-71D7-52A2-DD70-289500941B3F}"/>
+              </a:ext>
+            </a:extLst>
+          </p:cNvPr>
+          <p:cNvSpPr/>
+          <p:nvPr/>
+        </p:nvSpPr>
+        <p:spPr>
+          <a:xfrm>
+            <a:off x="9460561" y="3003919"/>
+            <a:ext cx="539902" cy="420443"/>
+          </a:xfrm>
+          <a:prstGeom prst="rect">
+            <a:avLst/>
+          </a:prstGeom>
+          <a:solidFill>
+            <a:srgbClr val="FFFF00"/>
+          </a:solidFill>
+        </p:spPr>
+        <p:style>
+          <a:lnRef idx="2">
+            <a:schemeClr val="accent1">
+              <a:shade val="50000"/>
+            </a:schemeClr>
+          </a:lnRef>
+          <a:fillRef idx="1">
+            <a:schemeClr val="accent1"/>
+          </a:fillRef>
+          <a:effectRef idx="0">
+            <a:schemeClr val="accent1"/>
+          </a:effectRef>
+          <a:fontRef idx="minor">
+            <a:schemeClr val="lt1"/>
+          </a:fontRef>
+        </p:style>
+        <p:txBody>
+          <a:bodyPr rtlCol="0" anchor="ctr"/>
+          <a:lstStyle/>
+          <a:p>
+            <a:pPr algn="ctr"/>
+            <a:r>
+              <a:rPr kumimoji="1" lang="en-US" altLang="ko-Kore-KR" sz="1400" dirty="0">
+                <a:solidFill>
+                  <a:schemeClr val="tx1"/>
+                </a:solidFill>
+              </a:rPr>
+              <a:t>300</a:t>
+            </a:r>
+            <a:endParaRPr kumimoji="1" lang="ko-Kore-KR" altLang="en-US" sz="1400" dirty="0">
+              <a:solidFill>
+                <a:schemeClr val="tx1"/>
+              </a:solidFill>
+            </a:endParaRPr>
+          </a:p>
+        </p:txBody>
+      </p:sp>
+      <p:sp>
+        <p:nvSpPr>
+          <p:cNvPr id="44" name="직사각형 43">
+            <a:extLst>
+              <a:ext uri="{FF2B5EF4-FFF2-40B4-BE49-F238E27FC236}">
+                <a16:creationId xmlns:a16="http://schemas.microsoft.com/office/drawing/2014/main" id="{0BAF0711-A2E0-0460-086D-D6C9C2561C3D}"/>
+              </a:ext>
+            </a:extLst>
+          </p:cNvPr>
+          <p:cNvSpPr/>
+          <p:nvPr/>
+        </p:nvSpPr>
+        <p:spPr>
+          <a:xfrm>
+            <a:off x="8799374" y="3032804"/>
+            <a:ext cx="736099" cy="369332"/>
+          </a:xfrm>
+          <a:prstGeom prst="rect">
+            <a:avLst/>
+          </a:prstGeom>
+        </p:spPr>
+        <p:txBody>
+          <a:bodyPr wrap="none">
+            <a:spAutoFit/>
+          </a:bodyPr>
+          <a:lstStyle/>
+          <a:p>
+            <a:r>
+              <a:rPr lang="en" altLang="ko-Kore-KR" dirty="0">
+                <a:solidFill>
+                  <a:srgbClr val="001080"/>
+                </a:solidFill>
+                <a:latin typeface="DM Mono" panose="020B0509040201040103" pitchFamily="49" charset="0"/>
+              </a:rPr>
+              <a:t>temp</a:t>
+            </a:r>
+            <a:endParaRPr lang="ko-Kore-KR" altLang="en-US" dirty="0"/>
+          </a:p>
+        </p:txBody>
+      </p:sp>
+      <p:sp>
+        <p:nvSpPr>
+          <p:cNvPr id="45" name="직사각형 44">
+            <a:extLst>
+              <a:ext uri="{FF2B5EF4-FFF2-40B4-BE49-F238E27FC236}">
+                <a16:creationId xmlns:a16="http://schemas.microsoft.com/office/drawing/2014/main" id="{2CCC84CD-6278-0421-F690-AB50C636B722}"/>
+              </a:ext>
+            </a:extLst>
+          </p:cNvPr>
+          <p:cNvSpPr/>
+          <p:nvPr/>
+        </p:nvSpPr>
+        <p:spPr>
+          <a:xfrm>
+            <a:off x="5233492" y="1818088"/>
+            <a:ext cx="458780" cy="307777"/>
+          </a:xfrm>
+          <a:prstGeom prst="rect">
+            <a:avLst/>
+          </a:prstGeom>
+        </p:spPr>
+        <p:txBody>
+          <a:bodyPr wrap="none">
+            <a:spAutoFit/>
+          </a:bodyPr>
+          <a:lstStyle/>
+          <a:p>
+            <a:r>
+              <a:rPr kumimoji="1" lang="en-US" altLang="ko-Kore-KR" sz="1400" dirty="0"/>
+              <a:t>300</a:t>
+            </a:r>
+            <a:endParaRPr lang="ko-Kore-KR" altLang="en-US" sz="1400" dirty="0"/>
+          </a:p>
+        </p:txBody>
+      </p:sp>
+      <p:sp>
+        <p:nvSpPr>
+          <p:cNvPr id="46" name="직사각형 45">
+            <a:extLst>
+              <a:ext uri="{FF2B5EF4-FFF2-40B4-BE49-F238E27FC236}">
+                <a16:creationId xmlns:a16="http://schemas.microsoft.com/office/drawing/2014/main" id="{1E1D7596-CBC8-B824-BA89-520C18855BCD}"/>
+              </a:ext>
+            </a:extLst>
+          </p:cNvPr>
+          <p:cNvSpPr/>
+          <p:nvPr/>
+        </p:nvSpPr>
+        <p:spPr>
+          <a:xfrm>
+            <a:off x="6642335" y="1788211"/>
+            <a:ext cx="458780" cy="307777"/>
+          </a:xfrm>
+          <a:prstGeom prst="rect">
+            <a:avLst/>
+          </a:prstGeom>
+        </p:spPr>
+        <p:txBody>
+          <a:bodyPr wrap="none">
+            <a:spAutoFit/>
+          </a:bodyPr>
+          <a:lstStyle/>
+          <a:p>
+            <a:r>
+              <a:rPr kumimoji="1" lang="en-US" altLang="ko-Kore-KR" sz="1400" dirty="0"/>
+              <a:t>400</a:t>
+            </a:r>
+            <a:endParaRPr lang="ko-Kore-KR" altLang="en-US" sz="1400" dirty="0"/>
+          </a:p>
+        </p:txBody>
+      </p:sp>
+    </p:spTree>
+    <p:extLst>
+      <p:ext uri="{BB962C8B-B14F-4D97-AF65-F5344CB8AC3E}">
+        <p14:creationId xmlns:p14="http://schemas.microsoft.com/office/powerpoint/2010/main" val="117683565"/>
+      </p:ext>
+    </p:extLst>
+  </p:cSld>
+  <p:clrMapOvr>
+    <a:masterClrMapping/>
+  </p:clrMapOvr>
+</p:sld>
+</file>
+
+<file path=ppt/slides/slide16.xml><?xml version="1.0" encoding="utf-8"?>
+<p:sld xmlns:a="http://schemas.openxmlformats.org/drawingml/2006/main" xmlns:r="http://schemas.openxmlformats.org/officeDocument/2006/relationships" xmlns:p="http://schemas.openxmlformats.org/presentationml/2006/main">
+  <p:cSld>
+    <p:spTree>
+      <p:nvGrpSpPr>
+        <p:cNvPr id="1" name=""/>
+        <p:cNvGrpSpPr/>
+        <p:nvPr/>
+      </p:nvGrpSpPr>
+      <p:grpSpPr>
+        <a:xfrm>
+          <a:off x="0" y="0"/>
+          <a:ext cx="0" cy="0"/>
+          <a:chOff x="0" y="0"/>
+          <a:chExt cx="0" cy="0"/>
+        </a:xfrm>
+      </p:grpSpPr>
+      <p:sp>
+        <p:nvSpPr>
+          <p:cNvPr id="4" name="직사각형 3">
+            <a:extLst>
+              <a:ext uri="{FF2B5EF4-FFF2-40B4-BE49-F238E27FC236}">
+                <a16:creationId xmlns:a16="http://schemas.microsoft.com/office/drawing/2014/main" id="{37FD3597-181C-176D-A317-40A0325F3754}"/>
+              </a:ext>
+            </a:extLst>
+          </p:cNvPr>
+          <p:cNvSpPr/>
+          <p:nvPr/>
+        </p:nvSpPr>
+        <p:spPr>
+          <a:xfrm>
+            <a:off x="438150" y="213569"/>
+            <a:ext cx="4838700" cy="5078313"/>
+          </a:xfrm>
+          <a:prstGeom prst="rect">
+            <a:avLst/>
+          </a:prstGeom>
+        </p:spPr>
+        <p:txBody>
+          <a:bodyPr wrap="square">
+            <a:spAutoFit/>
+          </a:bodyPr>
+          <a:lstStyle/>
+          <a:p>
+            <a:r>
+              <a:rPr lang="en" altLang="ko-Kore-KR" dirty="0">
+                <a:solidFill>
+                  <a:srgbClr val="0000FF"/>
+                </a:solidFill>
+                <a:latin typeface="DM Mono" panose="020B0509040201040103" pitchFamily="49" charset="0"/>
+              </a:rPr>
+              <a:t>void</a:t>
+            </a:r>
+            <a:r>
+              <a:rPr lang="en" altLang="ko-Kore-KR" dirty="0">
+                <a:solidFill>
+                  <a:srgbClr val="000000"/>
+                </a:solidFill>
+                <a:latin typeface="DM Mono" panose="020B0509040201040103" pitchFamily="49" charset="0"/>
+              </a:rPr>
+              <a:t> </a:t>
+            </a:r>
+            <a:r>
+              <a:rPr lang="en" altLang="ko-Kore-KR" dirty="0" err="1">
+                <a:solidFill>
+                  <a:srgbClr val="795E26"/>
+                </a:solidFill>
+                <a:latin typeface="DM Mono" panose="020B0509040201040103" pitchFamily="49" charset="0"/>
+              </a:rPr>
+              <a:t>pswap</a:t>
+            </a:r>
+            <a:r>
+              <a:rPr lang="en" altLang="ko-Kore-KR" dirty="0">
+                <a:solidFill>
+                  <a:srgbClr val="000000"/>
+                </a:solidFill>
+                <a:latin typeface="DM Mono" panose="020B0509040201040103" pitchFamily="49" charset="0"/>
+              </a:rPr>
+              <a:t>(</a:t>
+            </a:r>
+            <a:r>
+              <a:rPr lang="en" altLang="ko-Kore-KR" dirty="0">
+                <a:solidFill>
+                  <a:srgbClr val="0000FF"/>
+                </a:solidFill>
+                <a:latin typeface="DM Mono" panose="020B0509040201040103" pitchFamily="49" charset="0"/>
+              </a:rPr>
+              <a:t>int</a:t>
+            </a:r>
+            <a:r>
+              <a:rPr lang="en" altLang="ko-Kore-KR" dirty="0">
+                <a:solidFill>
+                  <a:srgbClr val="000000"/>
+                </a:solidFill>
+                <a:latin typeface="DM Mono" panose="020B0509040201040103" pitchFamily="49" charset="0"/>
+              </a:rPr>
+              <a:t>** </a:t>
+            </a:r>
+            <a:r>
+              <a:rPr lang="en" altLang="ko-Kore-KR" dirty="0" err="1">
+                <a:solidFill>
+                  <a:srgbClr val="001080"/>
+                </a:solidFill>
+                <a:latin typeface="DM Mono" panose="020B0509040201040103" pitchFamily="49" charset="0"/>
+              </a:rPr>
+              <a:t>ppa</a:t>
+            </a:r>
+            <a:r>
+              <a:rPr lang="en" altLang="ko-Kore-KR" dirty="0">
+                <a:solidFill>
+                  <a:srgbClr val="000000"/>
+                </a:solidFill>
+                <a:latin typeface="DM Mono" panose="020B0509040201040103" pitchFamily="49" charset="0"/>
+              </a:rPr>
+              <a:t>, </a:t>
+            </a:r>
+            <a:r>
+              <a:rPr lang="en" altLang="ko-Kore-KR" dirty="0">
+                <a:solidFill>
+                  <a:srgbClr val="0000FF"/>
+                </a:solidFill>
+                <a:latin typeface="DM Mono" panose="020B0509040201040103" pitchFamily="49" charset="0"/>
+              </a:rPr>
+              <a:t>int</a:t>
+            </a:r>
+            <a:r>
+              <a:rPr lang="en" altLang="ko-Kore-KR" dirty="0">
+                <a:solidFill>
+                  <a:srgbClr val="000000"/>
+                </a:solidFill>
+                <a:latin typeface="DM Mono" panose="020B0509040201040103" pitchFamily="49" charset="0"/>
+              </a:rPr>
+              <a:t>** </a:t>
+            </a:r>
+            <a:r>
+              <a:rPr lang="en" altLang="ko-Kore-KR" dirty="0">
+                <a:solidFill>
+                  <a:srgbClr val="001080"/>
+                </a:solidFill>
+                <a:latin typeface="DM Mono" panose="020B0509040201040103" pitchFamily="49" charset="0"/>
+              </a:rPr>
+              <a:t>ppb</a:t>
+            </a:r>
+            <a:r>
+              <a:rPr lang="en" altLang="ko-Kore-KR" dirty="0">
+                <a:solidFill>
+                  <a:srgbClr val="000000"/>
+                </a:solidFill>
+                <a:latin typeface="DM Mono" panose="020B0509040201040103" pitchFamily="49" charset="0"/>
+              </a:rPr>
+              <a:t>)</a:t>
+            </a:r>
+          </a:p>
+          <a:p>
+            <a:r>
+              <a:rPr lang="en" altLang="ko-Kore-KR" dirty="0">
+                <a:solidFill>
+                  <a:srgbClr val="000000"/>
+                </a:solidFill>
+                <a:latin typeface="DM Mono" panose="020B0509040201040103" pitchFamily="49" charset="0"/>
+              </a:rPr>
+              <a:t>{</a:t>
+            </a:r>
+          </a:p>
+          <a:p>
+            <a:r>
+              <a:rPr lang="en" altLang="ko-Kore-KR" dirty="0">
+                <a:solidFill>
+                  <a:srgbClr val="0000FF"/>
+                </a:solidFill>
+                <a:latin typeface="DM Mono" panose="020B0509040201040103" pitchFamily="49" charset="0"/>
+              </a:rPr>
+              <a:t>  int</a:t>
+            </a:r>
+            <a:r>
+              <a:rPr lang="en" altLang="ko-Kore-KR" dirty="0">
+                <a:solidFill>
+                  <a:srgbClr val="000000"/>
+                </a:solidFill>
+                <a:latin typeface="DM Mono" panose="020B0509040201040103" pitchFamily="49" charset="0"/>
+              </a:rPr>
+              <a:t>* </a:t>
+            </a:r>
+            <a:r>
+              <a:rPr lang="en" altLang="ko-Kore-KR" dirty="0">
+                <a:solidFill>
+                  <a:srgbClr val="001080"/>
+                </a:solidFill>
+                <a:latin typeface="DM Mono" panose="020B0509040201040103" pitchFamily="49" charset="0"/>
+              </a:rPr>
+              <a:t>temp</a:t>
+            </a:r>
+            <a:r>
+              <a:rPr lang="en" altLang="ko-Kore-KR" dirty="0">
+                <a:solidFill>
+                  <a:srgbClr val="000000"/>
+                </a:solidFill>
+                <a:latin typeface="DM Mono" panose="020B0509040201040103" pitchFamily="49" charset="0"/>
+              </a:rPr>
+              <a:t> = *</a:t>
+            </a:r>
+            <a:r>
+              <a:rPr lang="en" altLang="ko-Kore-KR" dirty="0" err="1">
+                <a:solidFill>
+                  <a:srgbClr val="001080"/>
+                </a:solidFill>
+                <a:latin typeface="DM Mono" panose="020B0509040201040103" pitchFamily="49" charset="0"/>
+              </a:rPr>
+              <a:t>ppa</a:t>
+            </a:r>
+            <a:r>
+              <a:rPr lang="en" altLang="ko-Kore-KR" dirty="0">
+                <a:solidFill>
+                  <a:srgbClr val="000000"/>
+                </a:solidFill>
+                <a:latin typeface="DM Mono" panose="020B0509040201040103" pitchFamily="49" charset="0"/>
+              </a:rPr>
+              <a:t>;</a:t>
+            </a:r>
+          </a:p>
+          <a:p>
+            <a:r>
+              <a:rPr lang="en" altLang="ko-Kore-KR" dirty="0">
+                <a:solidFill>
+                  <a:srgbClr val="000000"/>
+                </a:solidFill>
+                <a:latin typeface="DM Mono" panose="020B0509040201040103" pitchFamily="49" charset="0"/>
+              </a:rPr>
+              <a:t>  *</a:t>
+            </a:r>
+            <a:r>
+              <a:rPr lang="en" altLang="ko-Kore-KR" dirty="0" err="1">
+                <a:solidFill>
+                  <a:srgbClr val="001080"/>
+                </a:solidFill>
+                <a:latin typeface="DM Mono" panose="020B0509040201040103" pitchFamily="49" charset="0"/>
+              </a:rPr>
+              <a:t>ppa</a:t>
+            </a:r>
+            <a:r>
+              <a:rPr lang="en" altLang="ko-Kore-KR" dirty="0">
+                <a:solidFill>
+                  <a:srgbClr val="000000"/>
+                </a:solidFill>
+                <a:latin typeface="DM Mono" panose="020B0509040201040103" pitchFamily="49" charset="0"/>
+              </a:rPr>
+              <a:t> = *</a:t>
+            </a:r>
+            <a:r>
+              <a:rPr lang="en" altLang="ko-Kore-KR" dirty="0">
+                <a:solidFill>
+                  <a:srgbClr val="001080"/>
+                </a:solidFill>
+                <a:latin typeface="DM Mono" panose="020B0509040201040103" pitchFamily="49" charset="0"/>
+              </a:rPr>
+              <a:t>ppb</a:t>
+            </a:r>
+            <a:r>
+              <a:rPr lang="en" altLang="ko-Kore-KR" dirty="0">
+                <a:solidFill>
+                  <a:srgbClr val="000000"/>
+                </a:solidFill>
+                <a:latin typeface="DM Mono" panose="020B0509040201040103" pitchFamily="49" charset="0"/>
+              </a:rPr>
+              <a:t>;</a:t>
+            </a:r>
+          </a:p>
+          <a:p>
+            <a:r>
+              <a:rPr lang="en" altLang="ko-Kore-KR" dirty="0">
+                <a:solidFill>
+                  <a:srgbClr val="000000"/>
+                </a:solidFill>
+                <a:latin typeface="DM Mono" panose="020B0509040201040103" pitchFamily="49" charset="0"/>
+              </a:rPr>
+              <a:t>  *</a:t>
+            </a:r>
+            <a:r>
+              <a:rPr lang="en" altLang="ko-Kore-KR" dirty="0">
+                <a:solidFill>
+                  <a:srgbClr val="001080"/>
+                </a:solidFill>
+                <a:latin typeface="DM Mono" panose="020B0509040201040103" pitchFamily="49" charset="0"/>
+              </a:rPr>
+              <a:t>ppb</a:t>
+            </a:r>
+            <a:r>
+              <a:rPr lang="en" altLang="ko-Kore-KR" dirty="0">
+                <a:solidFill>
+                  <a:srgbClr val="000000"/>
+                </a:solidFill>
+                <a:latin typeface="DM Mono" panose="020B0509040201040103" pitchFamily="49" charset="0"/>
+              </a:rPr>
+              <a:t> = </a:t>
+            </a:r>
+            <a:r>
+              <a:rPr lang="en" altLang="ko-Kore-KR" dirty="0">
+                <a:solidFill>
+                  <a:srgbClr val="001080"/>
+                </a:solidFill>
+                <a:latin typeface="DM Mono" panose="020B0509040201040103" pitchFamily="49" charset="0"/>
+              </a:rPr>
+              <a:t>temp</a:t>
+            </a:r>
+            <a:r>
+              <a:rPr lang="en" altLang="ko-Kore-KR" dirty="0">
+                <a:solidFill>
+                  <a:srgbClr val="000000"/>
+                </a:solidFill>
+                <a:latin typeface="DM Mono" panose="020B0509040201040103" pitchFamily="49" charset="0"/>
+              </a:rPr>
+              <a:t>;</a:t>
+            </a:r>
+          </a:p>
+          <a:p>
+            <a:r>
+              <a:rPr lang="en" altLang="ko-Kore-KR" dirty="0">
+                <a:solidFill>
+                  <a:srgbClr val="000000"/>
+                </a:solidFill>
+                <a:latin typeface="DM Mono" panose="020B0509040201040103" pitchFamily="49" charset="0"/>
+              </a:rPr>
+              <a:t>}</a:t>
+            </a:r>
+          </a:p>
+          <a:p>
+            <a:br>
+              <a:rPr lang="en" altLang="ko-Kore-KR" dirty="0">
+                <a:solidFill>
+                  <a:srgbClr val="000000"/>
+                </a:solidFill>
+                <a:latin typeface="DM Mono" panose="020B0509040201040103" pitchFamily="49" charset="0"/>
+              </a:rPr>
+            </a:br>
+            <a:r>
+              <a:rPr lang="en" altLang="ko-Kore-KR" dirty="0">
+                <a:solidFill>
+                  <a:srgbClr val="0000FF"/>
+                </a:solidFill>
+                <a:latin typeface="DM Mono" panose="020B0509040201040103" pitchFamily="49" charset="0"/>
+              </a:rPr>
+              <a:t>int</a:t>
+            </a:r>
+            <a:r>
+              <a:rPr lang="en" altLang="ko-Kore-KR" dirty="0">
+                <a:solidFill>
+                  <a:srgbClr val="000000"/>
+                </a:solidFill>
+                <a:latin typeface="DM Mono" panose="020B0509040201040103" pitchFamily="49" charset="0"/>
+              </a:rPr>
+              <a:t> </a:t>
+            </a:r>
+            <a:r>
+              <a:rPr lang="en" altLang="ko-Kore-KR" dirty="0">
+                <a:solidFill>
+                  <a:srgbClr val="795E26"/>
+                </a:solidFill>
+                <a:latin typeface="DM Mono" panose="020B0509040201040103" pitchFamily="49" charset="0"/>
+              </a:rPr>
+              <a:t>main</a:t>
+            </a:r>
+            <a:r>
+              <a:rPr lang="en" altLang="ko-Kore-KR" dirty="0">
+                <a:solidFill>
+                  <a:srgbClr val="000000"/>
+                </a:solidFill>
+                <a:latin typeface="DM Mono" panose="020B0509040201040103" pitchFamily="49" charset="0"/>
+              </a:rPr>
+              <a:t>(</a:t>
+            </a:r>
+            <a:r>
+              <a:rPr lang="en" altLang="ko-Kore-KR" dirty="0">
+                <a:solidFill>
+                  <a:srgbClr val="0000FF"/>
+                </a:solidFill>
+                <a:latin typeface="DM Mono" panose="020B0509040201040103" pitchFamily="49" charset="0"/>
+              </a:rPr>
+              <a:t>void</a:t>
+            </a:r>
+            <a:r>
+              <a:rPr lang="en" altLang="ko-Kore-KR" dirty="0">
+                <a:solidFill>
+                  <a:srgbClr val="000000"/>
+                </a:solidFill>
+                <a:latin typeface="DM Mono" panose="020B0509040201040103" pitchFamily="49" charset="0"/>
+              </a:rPr>
+              <a:t>)</a:t>
+            </a:r>
+          </a:p>
+          <a:p>
+            <a:r>
+              <a:rPr lang="en" altLang="ko-Kore-KR" dirty="0">
+                <a:solidFill>
+                  <a:srgbClr val="000000"/>
+                </a:solidFill>
+                <a:latin typeface="DM Mono" panose="020B0509040201040103" pitchFamily="49" charset="0"/>
+              </a:rPr>
+              <a:t>{</a:t>
+            </a:r>
+          </a:p>
+          <a:p>
+            <a:r>
+              <a:rPr lang="en" altLang="ko-Kore-KR" dirty="0">
+                <a:solidFill>
+                  <a:srgbClr val="0000FF"/>
+                </a:solidFill>
+                <a:latin typeface="DM Mono" panose="020B0509040201040103" pitchFamily="49" charset="0"/>
+              </a:rPr>
+              <a:t>  int</a:t>
+            </a:r>
+            <a:r>
+              <a:rPr lang="en" altLang="ko-Kore-KR" dirty="0">
+                <a:solidFill>
+                  <a:srgbClr val="000000"/>
+                </a:solidFill>
+                <a:latin typeface="DM Mono" panose="020B0509040201040103" pitchFamily="49" charset="0"/>
+              </a:rPr>
+              <a:t> </a:t>
+            </a:r>
+            <a:r>
+              <a:rPr lang="en" altLang="ko-Kore-KR" dirty="0">
+                <a:solidFill>
+                  <a:srgbClr val="001080"/>
+                </a:solidFill>
+                <a:latin typeface="DM Mono" panose="020B0509040201040103" pitchFamily="49" charset="0"/>
+              </a:rPr>
+              <a:t>a</a:t>
+            </a:r>
+            <a:r>
+              <a:rPr lang="en" altLang="ko-Kore-KR" dirty="0">
+                <a:solidFill>
+                  <a:srgbClr val="000000"/>
+                </a:solidFill>
+                <a:latin typeface="DM Mono" panose="020B0509040201040103" pitchFamily="49" charset="0"/>
+              </a:rPr>
+              <a:t> = </a:t>
+            </a:r>
+            <a:r>
+              <a:rPr lang="en" altLang="ko-Kore-KR" dirty="0">
+                <a:solidFill>
+                  <a:srgbClr val="098658"/>
+                </a:solidFill>
+                <a:latin typeface="DM Mono" panose="020B0509040201040103" pitchFamily="49" charset="0"/>
+              </a:rPr>
+              <a:t>10</a:t>
+            </a:r>
+            <a:r>
+              <a:rPr lang="en" altLang="ko-Kore-KR" dirty="0">
+                <a:solidFill>
+                  <a:srgbClr val="000000"/>
+                </a:solidFill>
+                <a:latin typeface="DM Mono" panose="020B0509040201040103" pitchFamily="49" charset="0"/>
+              </a:rPr>
+              <a:t>;</a:t>
+            </a:r>
+          </a:p>
+          <a:p>
+            <a:r>
+              <a:rPr lang="en" altLang="ko-Kore-KR" dirty="0">
+                <a:solidFill>
+                  <a:srgbClr val="0000FF"/>
+                </a:solidFill>
+                <a:latin typeface="DM Mono" panose="020B0509040201040103" pitchFamily="49" charset="0"/>
+              </a:rPr>
+              <a:t>  int</a:t>
+            </a:r>
+            <a:r>
+              <a:rPr lang="en" altLang="ko-Kore-KR" dirty="0">
+                <a:solidFill>
+                  <a:srgbClr val="000000"/>
+                </a:solidFill>
+                <a:latin typeface="DM Mono" panose="020B0509040201040103" pitchFamily="49" charset="0"/>
+              </a:rPr>
+              <a:t> </a:t>
+            </a:r>
+            <a:r>
+              <a:rPr lang="en" altLang="ko-Kore-KR" dirty="0">
+                <a:solidFill>
+                  <a:srgbClr val="001080"/>
+                </a:solidFill>
+                <a:latin typeface="DM Mono" panose="020B0509040201040103" pitchFamily="49" charset="0"/>
+              </a:rPr>
+              <a:t>b</a:t>
+            </a:r>
+            <a:r>
+              <a:rPr lang="en" altLang="ko-Kore-KR" dirty="0">
+                <a:solidFill>
+                  <a:srgbClr val="000000"/>
+                </a:solidFill>
+                <a:latin typeface="DM Mono" panose="020B0509040201040103" pitchFamily="49" charset="0"/>
+              </a:rPr>
+              <a:t> = </a:t>
+            </a:r>
+            <a:r>
+              <a:rPr lang="en" altLang="ko-Kore-KR" dirty="0">
+                <a:solidFill>
+                  <a:srgbClr val="098658"/>
+                </a:solidFill>
+                <a:latin typeface="DM Mono" panose="020B0509040201040103" pitchFamily="49" charset="0"/>
+              </a:rPr>
+              <a:t>20</a:t>
+            </a:r>
+            <a:r>
+              <a:rPr lang="en" altLang="ko-Kore-KR" dirty="0">
+                <a:solidFill>
+                  <a:srgbClr val="000000"/>
+                </a:solidFill>
+                <a:latin typeface="DM Mono" panose="020B0509040201040103" pitchFamily="49" charset="0"/>
+              </a:rPr>
+              <a:t>;</a:t>
+            </a:r>
+          </a:p>
+          <a:p>
+            <a:br>
+              <a:rPr lang="en" altLang="ko-Kore-KR" dirty="0">
+                <a:solidFill>
+                  <a:srgbClr val="000000"/>
+                </a:solidFill>
+                <a:latin typeface="DM Mono" panose="020B0509040201040103" pitchFamily="49" charset="0"/>
+              </a:rPr>
+            </a:br>
+            <a:r>
+              <a:rPr lang="en" altLang="ko-Kore-KR" dirty="0">
+                <a:solidFill>
+                  <a:srgbClr val="000000"/>
+                </a:solidFill>
+                <a:latin typeface="DM Mono" panose="020B0509040201040103" pitchFamily="49" charset="0"/>
+              </a:rPr>
+              <a:t>  </a:t>
+            </a:r>
+            <a:r>
+              <a:rPr lang="en" altLang="ko-Kore-KR" dirty="0">
+                <a:solidFill>
+                  <a:srgbClr val="0000FF"/>
+                </a:solidFill>
+                <a:latin typeface="DM Mono" panose="020B0509040201040103" pitchFamily="49" charset="0"/>
+              </a:rPr>
+              <a:t>int</a:t>
+            </a:r>
+            <a:r>
+              <a:rPr lang="en" altLang="ko-Kore-KR" dirty="0">
+                <a:solidFill>
+                  <a:srgbClr val="000000"/>
+                </a:solidFill>
+                <a:latin typeface="DM Mono" panose="020B0509040201040103" pitchFamily="49" charset="0"/>
+              </a:rPr>
+              <a:t>* </a:t>
+            </a:r>
+            <a:r>
+              <a:rPr lang="en" altLang="ko-Kore-KR" dirty="0">
+                <a:solidFill>
+                  <a:srgbClr val="001080"/>
+                </a:solidFill>
+                <a:latin typeface="DM Mono" panose="020B0509040201040103" pitchFamily="49" charset="0"/>
+              </a:rPr>
+              <a:t>pa</a:t>
+            </a:r>
+            <a:r>
+              <a:rPr lang="en" altLang="ko-Kore-KR" dirty="0">
+                <a:solidFill>
+                  <a:srgbClr val="000000"/>
+                </a:solidFill>
+                <a:latin typeface="DM Mono" panose="020B0509040201040103" pitchFamily="49" charset="0"/>
+              </a:rPr>
+              <a:t> = &amp;</a:t>
+            </a:r>
+            <a:r>
+              <a:rPr lang="en" altLang="ko-Kore-KR" dirty="0">
+                <a:solidFill>
+                  <a:srgbClr val="001080"/>
+                </a:solidFill>
+                <a:latin typeface="DM Mono" panose="020B0509040201040103" pitchFamily="49" charset="0"/>
+              </a:rPr>
+              <a:t>a</a:t>
+            </a:r>
+            <a:r>
+              <a:rPr lang="en" altLang="ko-Kore-KR" dirty="0">
+                <a:solidFill>
+                  <a:srgbClr val="000000"/>
+                </a:solidFill>
+                <a:latin typeface="DM Mono" panose="020B0509040201040103" pitchFamily="49" charset="0"/>
+              </a:rPr>
+              <a:t>;</a:t>
+            </a:r>
+          </a:p>
+          <a:p>
+            <a:r>
+              <a:rPr lang="en" altLang="ko-Kore-KR" dirty="0">
+                <a:solidFill>
+                  <a:srgbClr val="0000FF"/>
+                </a:solidFill>
+                <a:latin typeface="DM Mono" panose="020B0509040201040103" pitchFamily="49" charset="0"/>
+              </a:rPr>
+              <a:t>  int</a:t>
+            </a:r>
+            <a:r>
+              <a:rPr lang="en" altLang="ko-Kore-KR" dirty="0">
+                <a:solidFill>
+                  <a:srgbClr val="000000"/>
+                </a:solidFill>
+                <a:latin typeface="DM Mono" panose="020B0509040201040103" pitchFamily="49" charset="0"/>
+              </a:rPr>
+              <a:t>* </a:t>
+            </a:r>
+            <a:r>
+              <a:rPr lang="en" altLang="ko-Kore-KR" dirty="0">
+                <a:solidFill>
+                  <a:srgbClr val="001080"/>
+                </a:solidFill>
+                <a:latin typeface="DM Mono" panose="020B0509040201040103" pitchFamily="49" charset="0"/>
+              </a:rPr>
+              <a:t>pb</a:t>
+            </a:r>
+            <a:r>
+              <a:rPr lang="en" altLang="ko-Kore-KR" dirty="0">
+                <a:solidFill>
+                  <a:srgbClr val="000000"/>
+                </a:solidFill>
+                <a:latin typeface="DM Mono" panose="020B0509040201040103" pitchFamily="49" charset="0"/>
+              </a:rPr>
+              <a:t> = &amp;</a:t>
+            </a:r>
+            <a:r>
+              <a:rPr lang="en" altLang="ko-Kore-KR" dirty="0">
+                <a:solidFill>
+                  <a:srgbClr val="001080"/>
+                </a:solidFill>
+                <a:latin typeface="DM Mono" panose="020B0509040201040103" pitchFamily="49" charset="0"/>
+              </a:rPr>
+              <a:t>b</a:t>
+            </a:r>
+            <a:r>
+              <a:rPr lang="en" altLang="ko-Kore-KR" dirty="0">
+                <a:solidFill>
+                  <a:srgbClr val="000000"/>
+                </a:solidFill>
+                <a:latin typeface="DM Mono" panose="020B0509040201040103" pitchFamily="49" charset="0"/>
+              </a:rPr>
+              <a:t>;</a:t>
+            </a:r>
+          </a:p>
+          <a:p>
+            <a:r>
+              <a:rPr lang="en" altLang="ko-Kore-KR" dirty="0">
+                <a:solidFill>
+                  <a:srgbClr val="795E26"/>
+                </a:solidFill>
+                <a:latin typeface="DM Mono" panose="020B0509040201040103" pitchFamily="49" charset="0"/>
+              </a:rPr>
+              <a:t>  </a:t>
+            </a:r>
+            <a:r>
+              <a:rPr lang="en" altLang="ko-Kore-KR" dirty="0" err="1">
+                <a:solidFill>
+                  <a:srgbClr val="795E26"/>
+                </a:solidFill>
+                <a:latin typeface="DM Mono" panose="020B0509040201040103" pitchFamily="49" charset="0"/>
+              </a:rPr>
+              <a:t>pswap</a:t>
+            </a:r>
+            <a:r>
+              <a:rPr lang="en" altLang="ko-Kore-KR" dirty="0">
+                <a:solidFill>
+                  <a:srgbClr val="000000"/>
+                </a:solidFill>
+                <a:latin typeface="DM Mono" panose="020B0509040201040103" pitchFamily="49" charset="0"/>
+              </a:rPr>
+              <a:t>(&amp;</a:t>
+            </a:r>
+            <a:r>
+              <a:rPr lang="en" altLang="ko-Kore-KR" dirty="0">
+                <a:solidFill>
+                  <a:srgbClr val="001080"/>
+                </a:solidFill>
+                <a:latin typeface="DM Mono" panose="020B0509040201040103" pitchFamily="49" charset="0"/>
+              </a:rPr>
+              <a:t>pa</a:t>
+            </a:r>
+            <a:r>
+              <a:rPr lang="en" altLang="ko-Kore-KR" dirty="0">
+                <a:solidFill>
+                  <a:srgbClr val="000000"/>
+                </a:solidFill>
+                <a:latin typeface="DM Mono" panose="020B0509040201040103" pitchFamily="49" charset="0"/>
+              </a:rPr>
+              <a:t>, &amp;</a:t>
+            </a:r>
+            <a:r>
+              <a:rPr lang="en" altLang="ko-Kore-KR" dirty="0">
+                <a:solidFill>
+                  <a:srgbClr val="001080"/>
+                </a:solidFill>
+                <a:latin typeface="DM Mono" panose="020B0509040201040103" pitchFamily="49" charset="0"/>
+              </a:rPr>
+              <a:t>pb</a:t>
+            </a:r>
+            <a:r>
+              <a:rPr lang="en" altLang="ko-Kore-KR" dirty="0">
+                <a:solidFill>
+                  <a:srgbClr val="000000"/>
+                </a:solidFill>
+                <a:latin typeface="DM Mono" panose="020B0509040201040103" pitchFamily="49" charset="0"/>
+              </a:rPr>
+              <a:t>);</a:t>
+            </a:r>
+          </a:p>
+          <a:p>
+            <a:br>
+              <a:rPr lang="en" altLang="ko-Kore-KR" dirty="0">
+                <a:solidFill>
+                  <a:srgbClr val="000000"/>
+                </a:solidFill>
+                <a:latin typeface="DM Mono" panose="020B0509040201040103" pitchFamily="49" charset="0"/>
+              </a:rPr>
+            </a:br>
+            <a:r>
+              <a:rPr lang="en" altLang="ko-Kore-KR" dirty="0">
+                <a:solidFill>
+                  <a:srgbClr val="000000"/>
+                </a:solidFill>
+                <a:latin typeface="DM Mono" panose="020B0509040201040103" pitchFamily="49" charset="0"/>
+              </a:rPr>
+              <a:t>  </a:t>
+            </a:r>
+            <a:r>
+              <a:rPr lang="en" altLang="ko-Kore-KR" dirty="0" err="1">
+                <a:solidFill>
+                  <a:srgbClr val="795E26"/>
+                </a:solidFill>
+                <a:latin typeface="DM Mono" panose="020B0509040201040103" pitchFamily="49" charset="0"/>
+              </a:rPr>
+              <a:t>printf</a:t>
+            </a:r>
+            <a:r>
+              <a:rPr lang="en" altLang="ko-Kore-KR" dirty="0">
+                <a:solidFill>
+                  <a:srgbClr val="000000"/>
+                </a:solidFill>
+                <a:latin typeface="DM Mono" panose="020B0509040201040103" pitchFamily="49" charset="0"/>
+              </a:rPr>
+              <a:t>(</a:t>
+            </a:r>
+            <a:r>
+              <a:rPr lang="en" altLang="ko-Kore-KR" dirty="0">
+                <a:solidFill>
+                  <a:srgbClr val="A31515"/>
+                </a:solidFill>
+                <a:latin typeface="DM Mono" panose="020B0509040201040103" pitchFamily="49" charset="0"/>
+              </a:rPr>
+              <a:t>"</a:t>
+            </a:r>
+            <a:r>
+              <a:rPr lang="en" altLang="ko-Kore-KR" dirty="0">
+                <a:solidFill>
+                  <a:srgbClr val="001080"/>
+                </a:solidFill>
+                <a:latin typeface="DM Mono" panose="020B0509040201040103" pitchFamily="49" charset="0"/>
+              </a:rPr>
+              <a:t>%d</a:t>
+            </a:r>
+            <a:r>
+              <a:rPr lang="en" altLang="ko-Kore-KR" dirty="0">
+                <a:solidFill>
+                  <a:srgbClr val="A31515"/>
+                </a:solidFill>
+                <a:latin typeface="DM Mono" panose="020B0509040201040103" pitchFamily="49" charset="0"/>
+              </a:rPr>
+              <a:t> </a:t>
+            </a:r>
+            <a:r>
+              <a:rPr lang="en" altLang="ko-Kore-KR" dirty="0">
+                <a:solidFill>
+                  <a:srgbClr val="001080"/>
+                </a:solidFill>
+                <a:latin typeface="DM Mono" panose="020B0509040201040103" pitchFamily="49" charset="0"/>
+              </a:rPr>
+              <a:t>%d</a:t>
+            </a:r>
+            <a:r>
+              <a:rPr lang="en" altLang="ko-Kore-KR" dirty="0">
+                <a:solidFill>
+                  <a:srgbClr val="EE0000"/>
+                </a:solidFill>
+                <a:latin typeface="DM Mono" panose="020B0509040201040103" pitchFamily="49" charset="0"/>
+              </a:rPr>
+              <a:t>\n</a:t>
+            </a:r>
+            <a:r>
+              <a:rPr lang="en" altLang="ko-Kore-KR" dirty="0">
+                <a:solidFill>
+                  <a:srgbClr val="A31515"/>
+                </a:solidFill>
+                <a:latin typeface="DM Mono" panose="020B0509040201040103" pitchFamily="49" charset="0"/>
+              </a:rPr>
+              <a:t>"</a:t>
+            </a:r>
+            <a:r>
+              <a:rPr lang="en" altLang="ko-Kore-KR" dirty="0">
+                <a:solidFill>
+                  <a:srgbClr val="000000"/>
+                </a:solidFill>
+                <a:latin typeface="DM Mono" panose="020B0509040201040103" pitchFamily="49" charset="0"/>
+              </a:rPr>
+              <a:t>, </a:t>
+            </a:r>
+            <a:r>
+              <a:rPr lang="en" altLang="ko-Kore-KR" dirty="0">
+                <a:solidFill>
+                  <a:srgbClr val="001080"/>
+                </a:solidFill>
+                <a:latin typeface="DM Mono" panose="020B0509040201040103" pitchFamily="49" charset="0"/>
+              </a:rPr>
+              <a:t>a</a:t>
+            </a:r>
+            <a:r>
+              <a:rPr lang="en" altLang="ko-Kore-KR" dirty="0">
+                <a:solidFill>
+                  <a:srgbClr val="000000"/>
+                </a:solidFill>
+                <a:latin typeface="DM Mono" panose="020B0509040201040103" pitchFamily="49" charset="0"/>
+              </a:rPr>
+              <a:t>, </a:t>
+            </a:r>
+            <a:r>
+              <a:rPr lang="en" altLang="ko-Kore-KR" dirty="0">
+                <a:solidFill>
+                  <a:srgbClr val="001080"/>
+                </a:solidFill>
+                <a:latin typeface="DM Mono" panose="020B0509040201040103" pitchFamily="49" charset="0"/>
+              </a:rPr>
+              <a:t>b</a:t>
+            </a:r>
+            <a:r>
+              <a:rPr lang="en" altLang="ko-Kore-KR" dirty="0">
+                <a:solidFill>
+                  <a:srgbClr val="000000"/>
+                </a:solidFill>
+                <a:latin typeface="DM Mono" panose="020B0509040201040103" pitchFamily="49" charset="0"/>
+              </a:rPr>
+              <a:t>);</a:t>
+            </a:r>
+          </a:p>
+          <a:p>
+            <a:r>
+              <a:rPr lang="en" altLang="ko-Kore-KR" dirty="0">
+                <a:solidFill>
+                  <a:srgbClr val="000000"/>
+                </a:solidFill>
+                <a:latin typeface="DM Mono" panose="020B0509040201040103" pitchFamily="49" charset="0"/>
+              </a:rPr>
+              <a:t>}</a:t>
+            </a:r>
+            <a:endParaRPr lang="en" altLang="ko-Kore-KR" b="0" dirty="0">
+              <a:solidFill>
+                <a:srgbClr val="000000"/>
+              </a:solidFill>
+              <a:effectLst/>
+              <a:latin typeface="DM Mono" panose="020B0509040201040103" pitchFamily="49" charset="0"/>
+            </a:endParaRPr>
+          </a:p>
+        </p:txBody>
+      </p:sp>
+      <p:sp>
+        <p:nvSpPr>
+          <p:cNvPr id="5" name="직사각형 4">
+            <a:extLst>
+              <a:ext uri="{FF2B5EF4-FFF2-40B4-BE49-F238E27FC236}">
+                <a16:creationId xmlns:a16="http://schemas.microsoft.com/office/drawing/2014/main" id="{5D4953FA-ECF5-406E-EA0A-07F4BB1D1637}"/>
+              </a:ext>
+            </a:extLst>
+          </p:cNvPr>
+          <p:cNvSpPr/>
+          <p:nvPr/>
+        </p:nvSpPr>
+        <p:spPr>
+          <a:xfrm>
+            <a:off x="5037645" y="1198819"/>
+            <a:ext cx="3234906" cy="2706432"/>
+          </a:xfrm>
+          <a:prstGeom prst="rect">
+            <a:avLst/>
+          </a:prstGeom>
+          <a:noFill/>
+        </p:spPr>
+        <p:style>
+          <a:lnRef idx="2">
+            <a:schemeClr val="accent4"/>
+          </a:lnRef>
+          <a:fillRef idx="1">
+            <a:schemeClr val="lt1"/>
+          </a:fillRef>
+          <a:effectRef idx="0">
+            <a:schemeClr val="accent4"/>
+          </a:effectRef>
+          <a:fontRef idx="minor">
+            <a:schemeClr val="dk1"/>
+          </a:fontRef>
+        </p:style>
+        <p:txBody>
+          <a:bodyPr rtlCol="0" anchor="ctr"/>
+          <a:lstStyle/>
+          <a:p>
+            <a:pPr algn="ctr"/>
+            <a:endParaRPr kumimoji="1" lang="ko-Kore-KR" altLang="en-US" sz="1400" dirty="0">
+              <a:solidFill>
+                <a:schemeClr val="tx1"/>
+              </a:solidFill>
+            </a:endParaRPr>
+          </a:p>
+        </p:txBody>
+      </p:sp>
+      <p:sp>
+        <p:nvSpPr>
+          <p:cNvPr id="6" name="직사각형 5">
+            <a:extLst>
+              <a:ext uri="{FF2B5EF4-FFF2-40B4-BE49-F238E27FC236}">
+                <a16:creationId xmlns:a16="http://schemas.microsoft.com/office/drawing/2014/main" id="{DF1668EF-A1EF-4292-019D-8A043A24DE4B}"/>
+              </a:ext>
+            </a:extLst>
+          </p:cNvPr>
+          <p:cNvSpPr/>
+          <p:nvPr/>
+        </p:nvSpPr>
+        <p:spPr>
+          <a:xfrm>
+            <a:off x="6258474" y="809072"/>
+            <a:ext cx="736099" cy="369332"/>
+          </a:xfrm>
+          <a:prstGeom prst="rect">
+            <a:avLst/>
+          </a:prstGeom>
+        </p:spPr>
+        <p:txBody>
+          <a:bodyPr wrap="none">
+            <a:spAutoFit/>
+          </a:bodyPr>
+          <a:lstStyle/>
+          <a:p>
+            <a:r>
+              <a:rPr lang="en" altLang="ko-Kore-KR" dirty="0">
+                <a:solidFill>
+                  <a:srgbClr val="795E26"/>
+                </a:solidFill>
+                <a:latin typeface="DM Mono" panose="020B0509040201040103" pitchFamily="49" charset="0"/>
+              </a:rPr>
+              <a:t>main</a:t>
+            </a:r>
+            <a:endParaRPr lang="ko-Kore-KR" altLang="en-US" dirty="0"/>
+          </a:p>
+        </p:txBody>
+      </p:sp>
+      <p:sp>
+        <p:nvSpPr>
+          <p:cNvPr id="7" name="직사각형 6">
+            <a:extLst>
+              <a:ext uri="{FF2B5EF4-FFF2-40B4-BE49-F238E27FC236}">
+                <a16:creationId xmlns:a16="http://schemas.microsoft.com/office/drawing/2014/main" id="{958D00B0-499B-755D-4634-9483DD21A01E}"/>
+              </a:ext>
+            </a:extLst>
+          </p:cNvPr>
+          <p:cNvSpPr/>
+          <p:nvPr/>
+        </p:nvSpPr>
+        <p:spPr>
+          <a:xfrm>
+            <a:off x="5521593" y="1402786"/>
+            <a:ext cx="539902" cy="420443"/>
+          </a:xfrm>
+          <a:prstGeom prst="rect">
+            <a:avLst/>
+          </a:prstGeom>
+          <a:solidFill>
+            <a:srgbClr val="FFFF00"/>
+          </a:solidFill>
+        </p:spPr>
+        <p:style>
+          <a:lnRef idx="2">
+            <a:schemeClr val="accent1">
+              <a:shade val="50000"/>
+            </a:schemeClr>
+          </a:lnRef>
+          <a:fillRef idx="1">
+            <a:schemeClr val="accent1"/>
+          </a:fillRef>
+          <a:effectRef idx="0">
+            <a:schemeClr val="accent1"/>
+          </a:effectRef>
+          <a:fontRef idx="minor">
+            <a:schemeClr val="lt1"/>
+          </a:fontRef>
+        </p:style>
+        <p:txBody>
+          <a:bodyPr rtlCol="0" anchor="ctr"/>
+          <a:lstStyle/>
+          <a:p>
+            <a:pPr algn="ctr"/>
+            <a:r>
+              <a:rPr kumimoji="1" lang="en-US" altLang="ko-Kore-KR" sz="1400" dirty="0">
+                <a:solidFill>
+                  <a:schemeClr val="tx1"/>
+                </a:solidFill>
+              </a:rPr>
+              <a:t>10</a:t>
+            </a:r>
+            <a:endParaRPr kumimoji="1" lang="ko-Kore-KR" altLang="en-US" sz="1400" dirty="0">
+              <a:solidFill>
+                <a:schemeClr val="tx1"/>
+              </a:solidFill>
+            </a:endParaRPr>
+          </a:p>
+        </p:txBody>
+      </p:sp>
+      <p:sp>
+        <p:nvSpPr>
+          <p:cNvPr id="8" name="직사각형 7">
+            <a:extLst>
+              <a:ext uri="{FF2B5EF4-FFF2-40B4-BE49-F238E27FC236}">
+                <a16:creationId xmlns:a16="http://schemas.microsoft.com/office/drawing/2014/main" id="{AA3229FD-FDEA-67F8-6AD6-A4BCFA135D5D}"/>
+              </a:ext>
+            </a:extLst>
+          </p:cNvPr>
+          <p:cNvSpPr/>
+          <p:nvPr/>
+        </p:nvSpPr>
+        <p:spPr>
+          <a:xfrm>
+            <a:off x="5247952" y="1428341"/>
+            <a:ext cx="322524" cy="369332"/>
+          </a:xfrm>
+          <a:prstGeom prst="rect">
+            <a:avLst/>
+          </a:prstGeom>
+        </p:spPr>
+        <p:txBody>
+          <a:bodyPr wrap="none">
+            <a:spAutoFit/>
+          </a:bodyPr>
+          <a:lstStyle/>
+          <a:p>
+            <a:r>
+              <a:rPr lang="en" altLang="ko-Kore-KR" dirty="0">
+                <a:solidFill>
+                  <a:srgbClr val="001080"/>
+                </a:solidFill>
+                <a:latin typeface="DM Mono" panose="020B0509040201040103" pitchFamily="49" charset="0"/>
+              </a:rPr>
+              <a:t>a</a:t>
+            </a:r>
+            <a:endParaRPr lang="ko-Kore-KR" altLang="en-US" dirty="0"/>
+          </a:p>
+        </p:txBody>
+      </p:sp>
+      <p:sp>
+        <p:nvSpPr>
+          <p:cNvPr id="10" name="직사각형 9">
+            <a:extLst>
+              <a:ext uri="{FF2B5EF4-FFF2-40B4-BE49-F238E27FC236}">
+                <a16:creationId xmlns:a16="http://schemas.microsoft.com/office/drawing/2014/main" id="{CC7DA5F9-DC06-B839-CBD3-0057AE32824F}"/>
+              </a:ext>
+            </a:extLst>
+          </p:cNvPr>
+          <p:cNvSpPr/>
+          <p:nvPr/>
+        </p:nvSpPr>
+        <p:spPr>
+          <a:xfrm>
+            <a:off x="5481114" y="2670508"/>
+            <a:ext cx="539902" cy="420443"/>
+          </a:xfrm>
+          <a:prstGeom prst="rect">
+            <a:avLst/>
+          </a:prstGeom>
+          <a:solidFill>
+            <a:srgbClr val="FFFF00"/>
+          </a:solidFill>
+        </p:spPr>
+        <p:style>
+          <a:lnRef idx="2">
+            <a:schemeClr val="accent1">
+              <a:shade val="50000"/>
+            </a:schemeClr>
+          </a:lnRef>
+          <a:fillRef idx="1">
+            <a:schemeClr val="accent1"/>
+          </a:fillRef>
+          <a:effectRef idx="0">
+            <a:schemeClr val="accent1"/>
+          </a:effectRef>
+          <a:fontRef idx="minor">
+            <a:schemeClr val="lt1"/>
+          </a:fontRef>
+        </p:style>
+        <p:txBody>
+          <a:bodyPr rtlCol="0" anchor="ctr"/>
+          <a:lstStyle/>
+          <a:p>
+            <a:pPr algn="ctr"/>
+            <a:r>
+              <a:rPr kumimoji="1" lang="en-US" altLang="ko-Kore-KR" sz="1400" dirty="0">
+                <a:solidFill>
+                  <a:schemeClr val="tx1"/>
+                </a:solidFill>
+              </a:rPr>
+              <a:t>400</a:t>
+            </a:r>
+            <a:endParaRPr kumimoji="1" lang="ko-Kore-KR" altLang="en-US" sz="1400" dirty="0">
+              <a:solidFill>
+                <a:schemeClr val="tx1"/>
+              </a:solidFill>
+            </a:endParaRPr>
+          </a:p>
+        </p:txBody>
+      </p:sp>
+      <p:sp>
+        <p:nvSpPr>
+          <p:cNvPr id="11" name="직사각형 10">
+            <a:extLst>
+              <a:ext uri="{FF2B5EF4-FFF2-40B4-BE49-F238E27FC236}">
+                <a16:creationId xmlns:a16="http://schemas.microsoft.com/office/drawing/2014/main" id="{142F2F09-D376-FA05-9679-61F415B2B269}"/>
+              </a:ext>
+            </a:extLst>
+          </p:cNvPr>
+          <p:cNvSpPr/>
+          <p:nvPr/>
+        </p:nvSpPr>
+        <p:spPr>
+          <a:xfrm>
+            <a:off x="5169031" y="2696063"/>
+            <a:ext cx="460382" cy="369332"/>
+          </a:xfrm>
+          <a:prstGeom prst="rect">
+            <a:avLst/>
+          </a:prstGeom>
+        </p:spPr>
+        <p:txBody>
+          <a:bodyPr wrap="none">
+            <a:spAutoFit/>
+          </a:bodyPr>
+          <a:lstStyle/>
+          <a:p>
+            <a:r>
+              <a:rPr lang="en" altLang="ko-Kore-KR" dirty="0">
+                <a:solidFill>
+                  <a:srgbClr val="001080"/>
+                </a:solidFill>
+                <a:latin typeface="DM Mono" panose="020B0509040201040103" pitchFamily="49" charset="0"/>
+              </a:rPr>
+              <a:t>pa</a:t>
+            </a:r>
+            <a:endParaRPr lang="ko-Kore-KR" altLang="en-US" dirty="0"/>
+          </a:p>
+        </p:txBody>
+      </p:sp>
+      <p:cxnSp>
+        <p:nvCxnSpPr>
+          <p:cNvPr id="12" name="구부러진 연결선[U] 11">
+            <a:extLst>
+              <a:ext uri="{FF2B5EF4-FFF2-40B4-BE49-F238E27FC236}">
+                <a16:creationId xmlns:a16="http://schemas.microsoft.com/office/drawing/2014/main" id="{444C7E12-5B1E-D1A6-EA75-A480369B1852}"/>
+              </a:ext>
+            </a:extLst>
+          </p:cNvPr>
+          <p:cNvCxnSpPr>
+            <a:cxnSpLocks/>
+            <a:stCxn id="10" idx="0"/>
+            <a:endCxn id="16" idx="2"/>
+          </p:cNvCxnSpPr>
+          <p:nvPr/>
+        </p:nvCxnSpPr>
+        <p:spPr>
+          <a:xfrm rot="5400000" flipH="1" flipV="1">
+            <a:off x="6032487" y="1516252"/>
+            <a:ext cx="872835" cy="1435678"/>
+          </a:xfrm>
+          <a:prstGeom prst="curvedConnector3">
+            <a:avLst>
+              <a:gd name="adj1" fmla="val 50000"/>
+            </a:avLst>
+          </a:prstGeom>
+          <a:ln>
+            <a:tailEnd type="triangle"/>
+          </a:ln>
+        </p:spPr>
+        <p:style>
+          <a:lnRef idx="1">
+            <a:schemeClr val="accent1"/>
+          </a:lnRef>
+          <a:fillRef idx="0">
+            <a:schemeClr val="accent1"/>
+          </a:fillRef>
+          <a:effectRef idx="0">
+            <a:schemeClr val="accent1"/>
+          </a:effectRef>
+          <a:fontRef idx="minor">
+            <a:schemeClr val="tx1"/>
+          </a:fontRef>
+        </p:style>
+      </p:cxnSp>
+      <p:sp>
+        <p:nvSpPr>
+          <p:cNvPr id="16" name="직사각형 15">
+            <a:extLst>
+              <a:ext uri="{FF2B5EF4-FFF2-40B4-BE49-F238E27FC236}">
+                <a16:creationId xmlns:a16="http://schemas.microsoft.com/office/drawing/2014/main" id="{A57FB114-BC35-7C02-61E6-948D1369D6E8}"/>
+              </a:ext>
+            </a:extLst>
+          </p:cNvPr>
+          <p:cNvSpPr/>
+          <p:nvPr/>
+        </p:nvSpPr>
+        <p:spPr>
+          <a:xfrm>
+            <a:off x="6916792" y="1377230"/>
+            <a:ext cx="539902" cy="420443"/>
+          </a:xfrm>
+          <a:prstGeom prst="rect">
+            <a:avLst/>
+          </a:prstGeom>
+          <a:solidFill>
+            <a:srgbClr val="FFFF00"/>
+          </a:solidFill>
+        </p:spPr>
+        <p:style>
+          <a:lnRef idx="2">
+            <a:schemeClr val="accent1">
+              <a:shade val="50000"/>
+            </a:schemeClr>
+          </a:lnRef>
+          <a:fillRef idx="1">
+            <a:schemeClr val="accent1"/>
+          </a:fillRef>
+          <a:effectRef idx="0">
+            <a:schemeClr val="accent1"/>
+          </a:effectRef>
+          <a:fontRef idx="minor">
+            <a:schemeClr val="lt1"/>
+          </a:fontRef>
+        </p:style>
+        <p:txBody>
+          <a:bodyPr rtlCol="0" anchor="ctr"/>
+          <a:lstStyle/>
+          <a:p>
+            <a:pPr algn="ctr"/>
+            <a:r>
+              <a:rPr kumimoji="1" lang="en-US" altLang="ko-Kore-KR" sz="1400" dirty="0">
+                <a:solidFill>
+                  <a:schemeClr val="tx1"/>
+                </a:solidFill>
+              </a:rPr>
+              <a:t>20</a:t>
+            </a:r>
+            <a:endParaRPr kumimoji="1" lang="ko-Kore-KR" altLang="en-US" sz="1400" dirty="0">
+              <a:solidFill>
+                <a:schemeClr val="tx1"/>
+              </a:solidFill>
+            </a:endParaRPr>
+          </a:p>
+        </p:txBody>
+      </p:sp>
+      <p:sp>
+        <p:nvSpPr>
+          <p:cNvPr id="17" name="직사각형 16">
+            <a:extLst>
+              <a:ext uri="{FF2B5EF4-FFF2-40B4-BE49-F238E27FC236}">
+                <a16:creationId xmlns:a16="http://schemas.microsoft.com/office/drawing/2014/main" id="{377722F9-2D67-41C0-532E-31BBA551D669}"/>
+              </a:ext>
+            </a:extLst>
+          </p:cNvPr>
+          <p:cNvSpPr/>
+          <p:nvPr/>
+        </p:nvSpPr>
+        <p:spPr>
+          <a:xfrm>
+            <a:off x="6994573" y="2644952"/>
+            <a:ext cx="539902" cy="420443"/>
+          </a:xfrm>
+          <a:prstGeom prst="rect">
+            <a:avLst/>
+          </a:prstGeom>
+          <a:solidFill>
+            <a:srgbClr val="FFFF00"/>
+          </a:solidFill>
+        </p:spPr>
+        <p:style>
+          <a:lnRef idx="2">
+            <a:schemeClr val="accent1">
+              <a:shade val="50000"/>
+            </a:schemeClr>
+          </a:lnRef>
+          <a:fillRef idx="1">
+            <a:schemeClr val="accent1"/>
+          </a:fillRef>
+          <a:effectRef idx="0">
+            <a:schemeClr val="accent1"/>
+          </a:effectRef>
+          <a:fontRef idx="minor">
+            <a:schemeClr val="lt1"/>
+          </a:fontRef>
+        </p:style>
+        <p:txBody>
+          <a:bodyPr rtlCol="0" anchor="ctr"/>
+          <a:lstStyle/>
+          <a:p>
+            <a:pPr algn="ctr"/>
+            <a:r>
+              <a:rPr kumimoji="1" lang="en-US" altLang="ko-Kore-KR" sz="1400" dirty="0">
+                <a:solidFill>
+                  <a:srgbClr val="FF0000"/>
+                </a:solidFill>
+              </a:rPr>
+              <a:t>300</a:t>
+            </a:r>
+            <a:endParaRPr kumimoji="1" lang="ko-Kore-KR" altLang="en-US" sz="1400" dirty="0">
+              <a:solidFill>
+                <a:srgbClr val="FF0000"/>
+              </a:solidFill>
+            </a:endParaRPr>
+          </a:p>
+        </p:txBody>
+      </p:sp>
+      <p:sp>
+        <p:nvSpPr>
+          <p:cNvPr id="18" name="직사각형 17">
+            <a:extLst>
+              <a:ext uri="{FF2B5EF4-FFF2-40B4-BE49-F238E27FC236}">
+                <a16:creationId xmlns:a16="http://schemas.microsoft.com/office/drawing/2014/main" id="{D1AA91DC-AC58-AA11-766A-F95DBC1BE6FB}"/>
+              </a:ext>
+            </a:extLst>
+          </p:cNvPr>
+          <p:cNvSpPr/>
+          <p:nvPr/>
+        </p:nvSpPr>
+        <p:spPr>
+          <a:xfrm>
+            <a:off x="6564230" y="2670507"/>
+            <a:ext cx="460382" cy="369332"/>
+          </a:xfrm>
+          <a:prstGeom prst="rect">
+            <a:avLst/>
+          </a:prstGeom>
+        </p:spPr>
+        <p:txBody>
+          <a:bodyPr wrap="none">
+            <a:spAutoFit/>
+          </a:bodyPr>
+          <a:lstStyle/>
+          <a:p>
+            <a:r>
+              <a:rPr lang="en" altLang="ko-Kore-KR" dirty="0">
+                <a:solidFill>
+                  <a:srgbClr val="001080"/>
+                </a:solidFill>
+                <a:latin typeface="DM Mono" panose="020B0509040201040103" pitchFamily="49" charset="0"/>
+              </a:rPr>
+              <a:t>pb</a:t>
+            </a:r>
+            <a:endParaRPr lang="ko-Kore-KR" altLang="en-US" dirty="0"/>
+          </a:p>
+        </p:txBody>
+      </p:sp>
+      <p:cxnSp>
+        <p:nvCxnSpPr>
+          <p:cNvPr id="19" name="구부러진 연결선[U] 18">
+            <a:extLst>
+              <a:ext uri="{FF2B5EF4-FFF2-40B4-BE49-F238E27FC236}">
+                <a16:creationId xmlns:a16="http://schemas.microsoft.com/office/drawing/2014/main" id="{CD252A5A-F225-5764-D179-B034ACA17B09}"/>
+              </a:ext>
+            </a:extLst>
+          </p:cNvPr>
+          <p:cNvCxnSpPr>
+            <a:cxnSpLocks/>
+            <a:stCxn id="17" idx="0"/>
+            <a:endCxn id="7" idx="2"/>
+          </p:cNvCxnSpPr>
+          <p:nvPr/>
+        </p:nvCxnSpPr>
+        <p:spPr>
+          <a:xfrm rot="16200000" flipV="1">
+            <a:off x="6117173" y="1497601"/>
+            <a:ext cx="821723" cy="1472980"/>
+          </a:xfrm>
+          <a:prstGeom prst="curvedConnector3">
+            <a:avLst>
+              <a:gd name="adj1" fmla="val 11748"/>
+            </a:avLst>
+          </a:prstGeom>
+          <a:ln>
+            <a:tailEnd type="triangle"/>
+          </a:ln>
+        </p:spPr>
+        <p:style>
+          <a:lnRef idx="1">
+            <a:schemeClr val="accent1"/>
+          </a:lnRef>
+          <a:fillRef idx="0">
+            <a:schemeClr val="accent1"/>
+          </a:fillRef>
+          <a:effectRef idx="0">
+            <a:schemeClr val="accent1"/>
+          </a:effectRef>
+          <a:fontRef idx="minor">
+            <a:schemeClr val="tx1"/>
+          </a:fontRef>
+        </p:style>
+      </p:cxnSp>
+      <p:sp>
+        <p:nvSpPr>
+          <p:cNvPr id="20" name="직사각형 19">
+            <a:extLst>
+              <a:ext uri="{FF2B5EF4-FFF2-40B4-BE49-F238E27FC236}">
+                <a16:creationId xmlns:a16="http://schemas.microsoft.com/office/drawing/2014/main" id="{FD7C7436-BFA7-ABD5-31B4-57CF27D7E596}"/>
+              </a:ext>
+            </a:extLst>
+          </p:cNvPr>
+          <p:cNvSpPr/>
+          <p:nvPr/>
+        </p:nvSpPr>
+        <p:spPr>
+          <a:xfrm>
+            <a:off x="6571768" y="1428341"/>
+            <a:ext cx="322524" cy="369332"/>
+          </a:xfrm>
+          <a:prstGeom prst="rect">
+            <a:avLst/>
+          </a:prstGeom>
+        </p:spPr>
+        <p:txBody>
+          <a:bodyPr wrap="none">
+            <a:spAutoFit/>
+          </a:bodyPr>
+          <a:lstStyle/>
+          <a:p>
+            <a:r>
+              <a:rPr lang="en" altLang="ko-Kore-KR" dirty="0">
+                <a:solidFill>
+                  <a:srgbClr val="001080"/>
+                </a:solidFill>
+                <a:latin typeface="DM Mono" panose="020B0509040201040103" pitchFamily="49" charset="0"/>
+              </a:rPr>
+              <a:t>b</a:t>
+            </a:r>
+            <a:endParaRPr lang="ko-Kore-KR" altLang="en-US" dirty="0"/>
+          </a:p>
+        </p:txBody>
+      </p:sp>
+      <p:sp>
+        <p:nvSpPr>
+          <p:cNvPr id="21" name="직사각형 20">
+            <a:extLst>
+              <a:ext uri="{FF2B5EF4-FFF2-40B4-BE49-F238E27FC236}">
+                <a16:creationId xmlns:a16="http://schemas.microsoft.com/office/drawing/2014/main" id="{859EF8BE-0AE5-C9A5-A1ED-F8293E7E8CE6}"/>
+              </a:ext>
+            </a:extLst>
+          </p:cNvPr>
+          <p:cNvSpPr/>
+          <p:nvPr/>
+        </p:nvSpPr>
+        <p:spPr>
+          <a:xfrm>
+            <a:off x="5332764" y="3065395"/>
+            <a:ext cx="458780" cy="307777"/>
+          </a:xfrm>
+          <a:prstGeom prst="rect">
+            <a:avLst/>
+          </a:prstGeom>
+        </p:spPr>
+        <p:txBody>
+          <a:bodyPr wrap="none">
+            <a:spAutoFit/>
+          </a:bodyPr>
+          <a:lstStyle/>
+          <a:p>
+            <a:r>
+              <a:rPr kumimoji="1" lang="en-US" altLang="ko-Kore-KR" sz="1400" dirty="0"/>
+              <a:t>100</a:t>
+            </a:r>
+            <a:endParaRPr lang="ko-Kore-KR" altLang="en-US" sz="1400" dirty="0"/>
+          </a:p>
+        </p:txBody>
+      </p:sp>
+      <p:sp>
+        <p:nvSpPr>
+          <p:cNvPr id="22" name="직사각형 21">
+            <a:extLst>
+              <a:ext uri="{FF2B5EF4-FFF2-40B4-BE49-F238E27FC236}">
+                <a16:creationId xmlns:a16="http://schemas.microsoft.com/office/drawing/2014/main" id="{1D7D3951-6DCF-8BDB-5EF0-64DF5219682E}"/>
+              </a:ext>
+            </a:extLst>
+          </p:cNvPr>
+          <p:cNvSpPr/>
+          <p:nvPr/>
+        </p:nvSpPr>
+        <p:spPr>
+          <a:xfrm>
+            <a:off x="6765183" y="3060253"/>
+            <a:ext cx="458780" cy="307777"/>
+          </a:xfrm>
+          <a:prstGeom prst="rect">
+            <a:avLst/>
+          </a:prstGeom>
+        </p:spPr>
+        <p:txBody>
+          <a:bodyPr wrap="none">
+            <a:spAutoFit/>
+          </a:bodyPr>
+          <a:lstStyle/>
+          <a:p>
+            <a:r>
+              <a:rPr kumimoji="1" lang="en-US" altLang="ko-Kore-KR" sz="1400" dirty="0"/>
+              <a:t>200</a:t>
+            </a:r>
+            <a:endParaRPr lang="ko-Kore-KR" altLang="en-US" sz="1400" dirty="0"/>
+          </a:p>
+        </p:txBody>
+      </p:sp>
+      <p:sp>
+        <p:nvSpPr>
+          <p:cNvPr id="23" name="직사각형 22">
+            <a:extLst>
+              <a:ext uri="{FF2B5EF4-FFF2-40B4-BE49-F238E27FC236}">
+                <a16:creationId xmlns:a16="http://schemas.microsoft.com/office/drawing/2014/main" id="{DAE56E35-FE9C-60A1-E911-1DB6872D4F01}"/>
+              </a:ext>
+            </a:extLst>
+          </p:cNvPr>
+          <p:cNvSpPr/>
+          <p:nvPr/>
+        </p:nvSpPr>
+        <p:spPr>
+          <a:xfrm>
+            <a:off x="8626659" y="1198819"/>
+            <a:ext cx="3234906" cy="2706432"/>
+          </a:xfrm>
+          <a:prstGeom prst="rect">
+            <a:avLst/>
+          </a:prstGeom>
+          <a:noFill/>
+        </p:spPr>
+        <p:style>
+          <a:lnRef idx="2">
+            <a:schemeClr val="accent4"/>
+          </a:lnRef>
+          <a:fillRef idx="1">
+            <a:schemeClr val="lt1"/>
+          </a:fillRef>
+          <a:effectRef idx="0">
+            <a:schemeClr val="accent4"/>
+          </a:effectRef>
+          <a:fontRef idx="minor">
+            <a:schemeClr val="dk1"/>
+          </a:fontRef>
+        </p:style>
+        <p:txBody>
+          <a:bodyPr rtlCol="0" anchor="ctr"/>
+          <a:lstStyle/>
+          <a:p>
+            <a:pPr algn="ctr"/>
+            <a:endParaRPr kumimoji="1" lang="ko-Kore-KR" altLang="en-US" sz="1400" dirty="0">
+              <a:solidFill>
+                <a:schemeClr val="tx1"/>
+              </a:solidFill>
+            </a:endParaRPr>
+          </a:p>
+        </p:txBody>
+      </p:sp>
+      <p:sp>
+        <p:nvSpPr>
+          <p:cNvPr id="24" name="직사각형 23">
+            <a:extLst>
+              <a:ext uri="{FF2B5EF4-FFF2-40B4-BE49-F238E27FC236}">
+                <a16:creationId xmlns:a16="http://schemas.microsoft.com/office/drawing/2014/main" id="{F8DCD142-71FB-C450-1356-997CF027FF15}"/>
+              </a:ext>
+            </a:extLst>
+          </p:cNvPr>
+          <p:cNvSpPr/>
+          <p:nvPr/>
+        </p:nvSpPr>
+        <p:spPr>
+          <a:xfrm>
+            <a:off x="9847488" y="809072"/>
+            <a:ext cx="873957" cy="369332"/>
+          </a:xfrm>
+          <a:prstGeom prst="rect">
+            <a:avLst/>
+          </a:prstGeom>
+        </p:spPr>
+        <p:txBody>
+          <a:bodyPr wrap="none">
+            <a:spAutoFit/>
+          </a:bodyPr>
+          <a:lstStyle/>
+          <a:p>
+            <a:r>
+              <a:rPr lang="en" altLang="ko-Kore-KR" dirty="0" err="1">
+                <a:solidFill>
+                  <a:srgbClr val="795E26"/>
+                </a:solidFill>
+                <a:latin typeface="DM Mono" panose="020B0509040201040103" pitchFamily="49" charset="0"/>
+              </a:rPr>
+              <a:t>pswap</a:t>
+            </a:r>
+            <a:endParaRPr lang="ko-Kore-KR" altLang="en-US" dirty="0"/>
+          </a:p>
+        </p:txBody>
+      </p:sp>
+      <p:sp>
+        <p:nvSpPr>
+          <p:cNvPr id="25" name="직사각형 24">
+            <a:extLst>
+              <a:ext uri="{FF2B5EF4-FFF2-40B4-BE49-F238E27FC236}">
+                <a16:creationId xmlns:a16="http://schemas.microsoft.com/office/drawing/2014/main" id="{A6F275CC-D929-5F07-E787-C633ADC89A93}"/>
+              </a:ext>
+            </a:extLst>
+          </p:cNvPr>
+          <p:cNvSpPr/>
+          <p:nvPr/>
+        </p:nvSpPr>
+        <p:spPr>
+          <a:xfrm>
+            <a:off x="9110607" y="1402786"/>
+            <a:ext cx="539902" cy="420443"/>
+          </a:xfrm>
+          <a:prstGeom prst="rect">
+            <a:avLst/>
+          </a:prstGeom>
+          <a:solidFill>
+            <a:srgbClr val="FFFF00"/>
+          </a:solidFill>
+        </p:spPr>
+        <p:style>
+          <a:lnRef idx="2">
+            <a:schemeClr val="accent1">
+              <a:shade val="50000"/>
+            </a:schemeClr>
+          </a:lnRef>
+          <a:fillRef idx="1">
+            <a:schemeClr val="accent1"/>
+          </a:fillRef>
+          <a:effectRef idx="0">
+            <a:schemeClr val="accent1"/>
+          </a:effectRef>
+          <a:fontRef idx="minor">
+            <a:schemeClr val="lt1"/>
+          </a:fontRef>
+        </p:style>
+        <p:txBody>
+          <a:bodyPr rtlCol="0" anchor="ctr"/>
+          <a:lstStyle/>
+          <a:p>
+            <a:pPr algn="ctr"/>
+            <a:r>
+              <a:rPr kumimoji="1" lang="en-US" altLang="ko-Kore-KR" sz="1400" dirty="0">
+                <a:solidFill>
+                  <a:schemeClr val="tx1"/>
+                </a:solidFill>
+              </a:rPr>
+              <a:t>100</a:t>
+            </a:r>
+            <a:endParaRPr kumimoji="1" lang="ko-Kore-KR" altLang="en-US" sz="1400" dirty="0">
+              <a:solidFill>
+                <a:schemeClr val="tx1"/>
+              </a:solidFill>
+            </a:endParaRPr>
+          </a:p>
+        </p:txBody>
+      </p:sp>
+      <p:sp>
+        <p:nvSpPr>
+          <p:cNvPr id="26" name="직사각형 25">
+            <a:extLst>
+              <a:ext uri="{FF2B5EF4-FFF2-40B4-BE49-F238E27FC236}">
+                <a16:creationId xmlns:a16="http://schemas.microsoft.com/office/drawing/2014/main" id="{5D5D6E02-BE2D-3B20-C01F-EBC5E585C694}"/>
+              </a:ext>
+            </a:extLst>
+          </p:cNvPr>
+          <p:cNvSpPr/>
+          <p:nvPr/>
+        </p:nvSpPr>
+        <p:spPr>
+          <a:xfrm>
+            <a:off x="8599371" y="1423120"/>
+            <a:ext cx="598241" cy="369332"/>
+          </a:xfrm>
+          <a:prstGeom prst="rect">
+            <a:avLst/>
+          </a:prstGeom>
+        </p:spPr>
+        <p:txBody>
+          <a:bodyPr wrap="none">
+            <a:spAutoFit/>
+          </a:bodyPr>
+          <a:lstStyle/>
+          <a:p>
+            <a:r>
+              <a:rPr lang="en" altLang="ko-Kore-KR" dirty="0" err="1">
+                <a:solidFill>
+                  <a:srgbClr val="001080"/>
+                </a:solidFill>
+                <a:latin typeface="DM Mono" panose="020B0509040201040103" pitchFamily="49" charset="0"/>
+              </a:rPr>
+              <a:t>ppa</a:t>
+            </a:r>
+            <a:endParaRPr lang="ko-Kore-KR" altLang="en-US" dirty="0"/>
+          </a:p>
+        </p:txBody>
+      </p:sp>
+      <p:sp>
+        <p:nvSpPr>
+          <p:cNvPr id="30" name="직사각형 29">
+            <a:extLst>
+              <a:ext uri="{FF2B5EF4-FFF2-40B4-BE49-F238E27FC236}">
+                <a16:creationId xmlns:a16="http://schemas.microsoft.com/office/drawing/2014/main" id="{F7688AC8-0C04-5190-A898-85BBE7C07E38}"/>
+              </a:ext>
+            </a:extLst>
+          </p:cNvPr>
+          <p:cNvSpPr/>
+          <p:nvPr/>
+        </p:nvSpPr>
+        <p:spPr>
+          <a:xfrm>
+            <a:off x="10505806" y="1377230"/>
+            <a:ext cx="539902" cy="420443"/>
+          </a:xfrm>
+          <a:prstGeom prst="rect">
+            <a:avLst/>
+          </a:prstGeom>
+          <a:solidFill>
+            <a:srgbClr val="FFFF00"/>
+          </a:solidFill>
+        </p:spPr>
+        <p:style>
+          <a:lnRef idx="2">
+            <a:schemeClr val="accent1">
+              <a:shade val="50000"/>
+            </a:schemeClr>
+          </a:lnRef>
+          <a:fillRef idx="1">
+            <a:schemeClr val="accent1"/>
+          </a:fillRef>
+          <a:effectRef idx="0">
+            <a:schemeClr val="accent1"/>
+          </a:effectRef>
+          <a:fontRef idx="minor">
+            <a:schemeClr val="lt1"/>
+          </a:fontRef>
+        </p:style>
+        <p:txBody>
+          <a:bodyPr rtlCol="0" anchor="ctr"/>
+          <a:lstStyle/>
+          <a:p>
+            <a:pPr algn="ctr"/>
+            <a:r>
+              <a:rPr kumimoji="1" lang="en-US" altLang="ko-Kore-KR" sz="1400" dirty="0">
+                <a:solidFill>
+                  <a:schemeClr val="tx1"/>
+                </a:solidFill>
+              </a:rPr>
+              <a:t>200</a:t>
+            </a:r>
+            <a:endParaRPr kumimoji="1" lang="ko-Kore-KR" altLang="en-US" sz="1400" dirty="0">
+              <a:solidFill>
+                <a:schemeClr val="tx1"/>
+              </a:solidFill>
+            </a:endParaRPr>
+          </a:p>
+        </p:txBody>
+      </p:sp>
+      <p:sp>
+        <p:nvSpPr>
+          <p:cNvPr id="34" name="직사각형 33">
+            <a:extLst>
+              <a:ext uri="{FF2B5EF4-FFF2-40B4-BE49-F238E27FC236}">
+                <a16:creationId xmlns:a16="http://schemas.microsoft.com/office/drawing/2014/main" id="{A22E5013-8253-893D-E5A5-CFBF0F23283F}"/>
+              </a:ext>
+            </a:extLst>
+          </p:cNvPr>
+          <p:cNvSpPr/>
+          <p:nvPr/>
+        </p:nvSpPr>
+        <p:spPr>
+          <a:xfrm>
+            <a:off x="10000463" y="1430155"/>
+            <a:ext cx="598241" cy="369332"/>
+          </a:xfrm>
+          <a:prstGeom prst="rect">
+            <a:avLst/>
+          </a:prstGeom>
+        </p:spPr>
+        <p:txBody>
+          <a:bodyPr wrap="none">
+            <a:spAutoFit/>
+          </a:bodyPr>
+          <a:lstStyle/>
+          <a:p>
+            <a:r>
+              <a:rPr lang="en" altLang="ko-Kore-KR" dirty="0">
+                <a:solidFill>
+                  <a:srgbClr val="001080"/>
+                </a:solidFill>
+                <a:latin typeface="DM Mono" panose="020B0509040201040103" pitchFamily="49" charset="0"/>
+              </a:rPr>
+              <a:t>ppb</a:t>
+            </a:r>
+            <a:endParaRPr lang="ko-Kore-KR" altLang="en-US" dirty="0"/>
+          </a:p>
+        </p:txBody>
+      </p:sp>
+      <p:cxnSp>
+        <p:nvCxnSpPr>
+          <p:cNvPr id="37" name="구부러진 연결선[U] 36">
+            <a:extLst>
+              <a:ext uri="{FF2B5EF4-FFF2-40B4-BE49-F238E27FC236}">
+                <a16:creationId xmlns:a16="http://schemas.microsoft.com/office/drawing/2014/main" id="{F3FB8F44-82F0-B9B0-0B25-21FE01C3716C}"/>
+              </a:ext>
+            </a:extLst>
+          </p:cNvPr>
+          <p:cNvCxnSpPr>
+            <a:cxnSpLocks/>
+            <a:stCxn id="25" idx="2"/>
+            <a:endCxn id="10" idx="0"/>
+          </p:cNvCxnSpPr>
+          <p:nvPr/>
+        </p:nvCxnSpPr>
+        <p:spPr>
+          <a:xfrm rot="5400000">
+            <a:off x="7142173" y="432122"/>
+            <a:ext cx="847279" cy="3629493"/>
+          </a:xfrm>
+          <a:prstGeom prst="curvedConnector3">
+            <a:avLst>
+              <a:gd name="adj1" fmla="val 50000"/>
+            </a:avLst>
+          </a:prstGeom>
+          <a:ln>
+            <a:tailEnd type="triangle"/>
+          </a:ln>
+        </p:spPr>
+        <p:style>
+          <a:lnRef idx="1">
+            <a:schemeClr val="accent1"/>
+          </a:lnRef>
+          <a:fillRef idx="0">
+            <a:schemeClr val="accent1"/>
+          </a:fillRef>
+          <a:effectRef idx="0">
+            <a:schemeClr val="accent1"/>
+          </a:effectRef>
+          <a:fontRef idx="minor">
+            <a:schemeClr val="tx1"/>
+          </a:fontRef>
+        </p:style>
+      </p:cxnSp>
+      <p:cxnSp>
+        <p:nvCxnSpPr>
+          <p:cNvPr id="40" name="구부러진 연결선[U] 39">
+            <a:extLst>
+              <a:ext uri="{FF2B5EF4-FFF2-40B4-BE49-F238E27FC236}">
+                <a16:creationId xmlns:a16="http://schemas.microsoft.com/office/drawing/2014/main" id="{7640F7CF-E3DA-43D2-5AEF-372779C904DE}"/>
+              </a:ext>
+            </a:extLst>
+          </p:cNvPr>
+          <p:cNvCxnSpPr>
+            <a:cxnSpLocks/>
+            <a:stCxn id="30" idx="2"/>
+            <a:endCxn id="17" idx="0"/>
+          </p:cNvCxnSpPr>
+          <p:nvPr/>
+        </p:nvCxnSpPr>
+        <p:spPr>
+          <a:xfrm rot="5400000">
+            <a:off x="8596502" y="465696"/>
+            <a:ext cx="847279" cy="3511233"/>
+          </a:xfrm>
+          <a:prstGeom prst="curvedConnector3">
+            <a:avLst>
+              <a:gd name="adj1" fmla="val 50000"/>
+            </a:avLst>
+          </a:prstGeom>
+          <a:ln>
+            <a:tailEnd type="triangle"/>
+          </a:ln>
+        </p:spPr>
+        <p:style>
+          <a:lnRef idx="1">
+            <a:schemeClr val="accent1"/>
+          </a:lnRef>
+          <a:fillRef idx="0">
+            <a:schemeClr val="accent1"/>
+          </a:fillRef>
+          <a:effectRef idx="0">
+            <a:schemeClr val="accent1"/>
+          </a:effectRef>
+          <a:fontRef idx="minor">
+            <a:schemeClr val="tx1"/>
+          </a:fontRef>
+        </p:style>
+      </p:cxnSp>
+      <p:sp>
+        <p:nvSpPr>
+          <p:cNvPr id="43" name="직사각형 42">
+            <a:extLst>
+              <a:ext uri="{FF2B5EF4-FFF2-40B4-BE49-F238E27FC236}">
+                <a16:creationId xmlns:a16="http://schemas.microsoft.com/office/drawing/2014/main" id="{4DAC7A26-71D7-52A2-DD70-289500941B3F}"/>
+              </a:ext>
+            </a:extLst>
+          </p:cNvPr>
+          <p:cNvSpPr/>
+          <p:nvPr/>
+        </p:nvSpPr>
+        <p:spPr>
+          <a:xfrm>
+            <a:off x="9460561" y="3003919"/>
+            <a:ext cx="539902" cy="420443"/>
+          </a:xfrm>
+          <a:prstGeom prst="rect">
+            <a:avLst/>
+          </a:prstGeom>
+          <a:solidFill>
+            <a:srgbClr val="FFFF00"/>
+          </a:solidFill>
+        </p:spPr>
+        <p:style>
+          <a:lnRef idx="2">
+            <a:schemeClr val="accent1">
+              <a:shade val="50000"/>
+            </a:schemeClr>
+          </a:lnRef>
+          <a:fillRef idx="1">
+            <a:schemeClr val="accent1"/>
+          </a:fillRef>
+          <a:effectRef idx="0">
+            <a:schemeClr val="accent1"/>
+          </a:effectRef>
+          <a:fontRef idx="minor">
+            <a:schemeClr val="lt1"/>
+          </a:fontRef>
+        </p:style>
+        <p:txBody>
+          <a:bodyPr rtlCol="0" anchor="ctr"/>
+          <a:lstStyle/>
+          <a:p>
+            <a:pPr algn="ctr"/>
+            <a:r>
+              <a:rPr kumimoji="1" lang="en-US" altLang="ko-Kore-KR" sz="1400" dirty="0">
+                <a:solidFill>
+                  <a:schemeClr val="tx1"/>
+                </a:solidFill>
+              </a:rPr>
+              <a:t>300</a:t>
+            </a:r>
+            <a:endParaRPr kumimoji="1" lang="ko-Kore-KR" altLang="en-US" sz="1400" dirty="0">
+              <a:solidFill>
+                <a:schemeClr val="tx1"/>
+              </a:solidFill>
+            </a:endParaRPr>
+          </a:p>
+        </p:txBody>
+      </p:sp>
+      <p:sp>
+        <p:nvSpPr>
+          <p:cNvPr id="44" name="직사각형 43">
+            <a:extLst>
+              <a:ext uri="{FF2B5EF4-FFF2-40B4-BE49-F238E27FC236}">
+                <a16:creationId xmlns:a16="http://schemas.microsoft.com/office/drawing/2014/main" id="{0BAF0711-A2E0-0460-086D-D6C9C2561C3D}"/>
+              </a:ext>
+            </a:extLst>
+          </p:cNvPr>
+          <p:cNvSpPr/>
+          <p:nvPr/>
+        </p:nvSpPr>
+        <p:spPr>
+          <a:xfrm>
+            <a:off x="8799374" y="3032804"/>
+            <a:ext cx="736099" cy="369332"/>
+          </a:xfrm>
+          <a:prstGeom prst="rect">
+            <a:avLst/>
+          </a:prstGeom>
+        </p:spPr>
+        <p:txBody>
+          <a:bodyPr wrap="none">
+            <a:spAutoFit/>
+          </a:bodyPr>
+          <a:lstStyle/>
+          <a:p>
+            <a:r>
+              <a:rPr lang="en" altLang="ko-Kore-KR" dirty="0">
+                <a:solidFill>
+                  <a:srgbClr val="001080"/>
+                </a:solidFill>
+                <a:latin typeface="DM Mono" panose="020B0509040201040103" pitchFamily="49" charset="0"/>
+              </a:rPr>
+              <a:t>temp</a:t>
+            </a:r>
+            <a:endParaRPr lang="ko-Kore-KR" altLang="en-US" dirty="0"/>
+          </a:p>
+        </p:txBody>
+      </p:sp>
+      <p:sp>
+        <p:nvSpPr>
+          <p:cNvPr id="45" name="직사각형 44">
+            <a:extLst>
+              <a:ext uri="{FF2B5EF4-FFF2-40B4-BE49-F238E27FC236}">
+                <a16:creationId xmlns:a16="http://schemas.microsoft.com/office/drawing/2014/main" id="{2CCC84CD-6278-0421-F690-AB50C636B722}"/>
+              </a:ext>
+            </a:extLst>
+          </p:cNvPr>
+          <p:cNvSpPr/>
+          <p:nvPr/>
+        </p:nvSpPr>
+        <p:spPr>
+          <a:xfrm>
+            <a:off x="5233492" y="1818088"/>
+            <a:ext cx="458780" cy="307777"/>
+          </a:xfrm>
+          <a:prstGeom prst="rect">
+            <a:avLst/>
+          </a:prstGeom>
+        </p:spPr>
+        <p:txBody>
+          <a:bodyPr wrap="none">
+            <a:spAutoFit/>
+          </a:bodyPr>
+          <a:lstStyle/>
+          <a:p>
+            <a:r>
+              <a:rPr kumimoji="1" lang="en-US" altLang="ko-Kore-KR" sz="1400" dirty="0"/>
+              <a:t>300</a:t>
+            </a:r>
+            <a:endParaRPr lang="ko-Kore-KR" altLang="en-US" sz="1400" dirty="0"/>
+          </a:p>
+        </p:txBody>
+      </p:sp>
+      <p:sp>
+        <p:nvSpPr>
+          <p:cNvPr id="46" name="직사각형 45">
+            <a:extLst>
+              <a:ext uri="{FF2B5EF4-FFF2-40B4-BE49-F238E27FC236}">
+                <a16:creationId xmlns:a16="http://schemas.microsoft.com/office/drawing/2014/main" id="{1E1D7596-CBC8-B824-BA89-520C18855BCD}"/>
+              </a:ext>
+            </a:extLst>
+          </p:cNvPr>
+          <p:cNvSpPr/>
+          <p:nvPr/>
+        </p:nvSpPr>
+        <p:spPr>
+          <a:xfrm>
+            <a:off x="6642335" y="1788211"/>
+            <a:ext cx="458780" cy="307777"/>
+          </a:xfrm>
+          <a:prstGeom prst="rect">
+            <a:avLst/>
+          </a:prstGeom>
+        </p:spPr>
+        <p:txBody>
+          <a:bodyPr wrap="none">
+            <a:spAutoFit/>
+          </a:bodyPr>
+          <a:lstStyle/>
+          <a:p>
+            <a:r>
+              <a:rPr kumimoji="1" lang="en-US" altLang="ko-Kore-KR" sz="1400" dirty="0"/>
+              <a:t>400</a:t>
+            </a:r>
+            <a:endParaRPr lang="ko-Kore-KR" altLang="en-US" sz="1400" dirty="0"/>
+          </a:p>
+        </p:txBody>
+      </p:sp>
+    </p:spTree>
+    <p:extLst>
+      <p:ext uri="{BB962C8B-B14F-4D97-AF65-F5344CB8AC3E}">
+        <p14:creationId xmlns:p14="http://schemas.microsoft.com/office/powerpoint/2010/main" val="1913018771"/>
       </p:ext>
     </p:extLst>
   </p:cSld>

--- a/220510.pptx
+++ b/220510.pptx
@@ -21,6 +21,7 @@
     <p:sldId id="269" r:id="rId15"/>
     <p:sldId id="270" r:id="rId16"/>
     <p:sldId id="271" r:id="rId17"/>
+    <p:sldId id="272" r:id="rId18"/>
   </p:sldIdLst>
   <p:sldSz cx="12192000" cy="6858000"/>
   <p:notesSz cx="6858000" cy="9144000"/>
@@ -14871,6 +14872,1794 @@
     <p:extLst>
       <p:ext uri="{BB962C8B-B14F-4D97-AF65-F5344CB8AC3E}">
         <p14:creationId xmlns:p14="http://schemas.microsoft.com/office/powerpoint/2010/main" val="1913018771"/>
+      </p:ext>
+    </p:extLst>
+  </p:cSld>
+  <p:clrMapOvr>
+    <a:masterClrMapping/>
+  </p:clrMapOvr>
+</p:sld>
+</file>
+
+<file path=ppt/slides/slide17.xml><?xml version="1.0" encoding="utf-8"?>
+<p:sld xmlns:a="http://schemas.openxmlformats.org/drawingml/2006/main" xmlns:r="http://schemas.openxmlformats.org/officeDocument/2006/relationships" xmlns:p="http://schemas.openxmlformats.org/presentationml/2006/main">
+  <p:cSld>
+    <p:spTree>
+      <p:nvGrpSpPr>
+        <p:cNvPr id="1" name=""/>
+        <p:cNvGrpSpPr/>
+        <p:nvPr/>
+      </p:nvGrpSpPr>
+      <p:grpSpPr>
+        <a:xfrm>
+          <a:off x="0" y="0"/>
+          <a:ext cx="0" cy="0"/>
+          <a:chOff x="0" y="0"/>
+          <a:chExt cx="0" cy="0"/>
+        </a:xfrm>
+      </p:grpSpPr>
+      <p:sp>
+        <p:nvSpPr>
+          <p:cNvPr id="4" name="직사각형 3">
+            <a:extLst>
+              <a:ext uri="{FF2B5EF4-FFF2-40B4-BE49-F238E27FC236}">
+                <a16:creationId xmlns:a16="http://schemas.microsoft.com/office/drawing/2014/main" id="{0E0F5F17-79D5-8EDF-A603-458AF725D32A}"/>
+              </a:ext>
+            </a:extLst>
+          </p:cNvPr>
+          <p:cNvSpPr/>
+          <p:nvPr/>
+        </p:nvSpPr>
+        <p:spPr>
+          <a:xfrm>
+            <a:off x="485775" y="179844"/>
+            <a:ext cx="5400675" cy="3970318"/>
+          </a:xfrm>
+          <a:prstGeom prst="rect">
+            <a:avLst/>
+          </a:prstGeom>
+        </p:spPr>
+        <p:txBody>
+          <a:bodyPr wrap="square">
+            <a:spAutoFit/>
+          </a:bodyPr>
+          <a:lstStyle/>
+          <a:p>
+            <a:r>
+              <a:rPr lang="en" altLang="ko-Kore-KR" dirty="0">
+                <a:solidFill>
+                  <a:srgbClr val="008000"/>
+                </a:solidFill>
+                <a:latin typeface="DM Mono" panose="020B0509040201040103" pitchFamily="49" charset="0"/>
+              </a:rPr>
+              <a:t>// 4</a:t>
+            </a:r>
+            <a:r>
+              <a:rPr lang="ko-KR" altLang="en-US" dirty="0">
+                <a:solidFill>
+                  <a:srgbClr val="008000"/>
+                </a:solidFill>
+                <a:latin typeface="DM Mono" panose="020B0509040201040103" pitchFamily="49" charset="0"/>
+              </a:rPr>
+              <a:t>바이트가 필요합니다</a:t>
+            </a:r>
+            <a:r>
+              <a:rPr lang="en-US" altLang="ko-KR" dirty="0">
+                <a:solidFill>
+                  <a:srgbClr val="008000"/>
+                </a:solidFill>
+                <a:latin typeface="DM Mono" panose="020B0509040201040103" pitchFamily="49" charset="0"/>
+              </a:rPr>
+              <a:t>.</a:t>
+            </a:r>
+            <a:endParaRPr lang="ko-KR" altLang="en-US" dirty="0">
+              <a:solidFill>
+                <a:srgbClr val="000000"/>
+              </a:solidFill>
+              <a:latin typeface="DM Mono" panose="020B0509040201040103" pitchFamily="49" charset="0"/>
+            </a:endParaRPr>
+          </a:p>
+          <a:p>
+            <a:r>
+              <a:rPr lang="en" altLang="ko-Kore-KR" dirty="0">
+                <a:solidFill>
+                  <a:srgbClr val="0000FF"/>
+                </a:solidFill>
+                <a:latin typeface="DM Mono" panose="020B0509040201040103" pitchFamily="49" charset="0"/>
+              </a:rPr>
+              <a:t>int</a:t>
+            </a:r>
+            <a:r>
+              <a:rPr lang="en" altLang="ko-Kore-KR" dirty="0">
+                <a:solidFill>
+                  <a:srgbClr val="000000"/>
+                </a:solidFill>
+                <a:latin typeface="DM Mono" panose="020B0509040201040103" pitchFamily="49" charset="0"/>
+              </a:rPr>
+              <a:t>* </a:t>
+            </a:r>
+            <a:r>
+              <a:rPr lang="en" altLang="ko-Kore-KR" dirty="0">
+                <a:solidFill>
+                  <a:srgbClr val="001080"/>
+                </a:solidFill>
+                <a:latin typeface="DM Mono" panose="020B0509040201040103" pitchFamily="49" charset="0"/>
+              </a:rPr>
+              <a:t>p</a:t>
+            </a:r>
+            <a:r>
+              <a:rPr lang="en" altLang="ko-Kore-KR" dirty="0">
+                <a:solidFill>
+                  <a:srgbClr val="000000"/>
+                </a:solidFill>
+                <a:latin typeface="DM Mono" panose="020B0509040201040103" pitchFamily="49" charset="0"/>
+              </a:rPr>
+              <a:t> = </a:t>
+            </a:r>
+            <a:r>
+              <a:rPr lang="en" altLang="ko-Kore-KR" dirty="0">
+                <a:solidFill>
+                  <a:srgbClr val="795E26"/>
+                </a:solidFill>
+                <a:latin typeface="DM Mono" panose="020B0509040201040103" pitchFamily="49" charset="0"/>
+              </a:rPr>
+              <a:t>malloc</a:t>
+            </a:r>
+            <a:r>
+              <a:rPr lang="en" altLang="ko-Kore-KR" dirty="0">
+                <a:solidFill>
+                  <a:srgbClr val="000000"/>
+                </a:solidFill>
+                <a:latin typeface="DM Mono" panose="020B0509040201040103" pitchFamily="49" charset="0"/>
+              </a:rPr>
+              <a:t>(</a:t>
+            </a:r>
+            <a:r>
+              <a:rPr lang="en" altLang="ko-Kore-KR" dirty="0" err="1">
+                <a:solidFill>
+                  <a:srgbClr val="0000FF"/>
+                </a:solidFill>
+                <a:latin typeface="DM Mono" panose="020B0509040201040103" pitchFamily="49" charset="0"/>
+              </a:rPr>
+              <a:t>sizeof</a:t>
+            </a:r>
+            <a:r>
+              <a:rPr lang="en" altLang="ko-Kore-KR" dirty="0">
+                <a:solidFill>
+                  <a:srgbClr val="000000"/>
+                </a:solidFill>
+                <a:latin typeface="DM Mono" panose="020B0509040201040103" pitchFamily="49" charset="0"/>
+              </a:rPr>
+              <a:t>(</a:t>
+            </a:r>
+            <a:r>
+              <a:rPr lang="en" altLang="ko-Kore-KR" dirty="0">
+                <a:solidFill>
+                  <a:srgbClr val="0000FF"/>
+                </a:solidFill>
+                <a:latin typeface="DM Mono" panose="020B0509040201040103" pitchFamily="49" charset="0"/>
+              </a:rPr>
+              <a:t>int</a:t>
+            </a:r>
+            <a:r>
+              <a:rPr lang="en" altLang="ko-Kore-KR" dirty="0">
+                <a:solidFill>
+                  <a:srgbClr val="000000"/>
+                </a:solidFill>
+                <a:latin typeface="DM Mono" panose="020B0509040201040103" pitchFamily="49" charset="0"/>
+              </a:rPr>
+              <a:t>));</a:t>
+            </a:r>
+          </a:p>
+          <a:p>
+            <a:r>
+              <a:rPr lang="en" altLang="ko-Kore-KR" dirty="0">
+                <a:solidFill>
+                  <a:srgbClr val="000000"/>
+                </a:solidFill>
+                <a:latin typeface="DM Mono" panose="020B0509040201040103" pitchFamily="49" charset="0"/>
+              </a:rPr>
+              <a:t>*</a:t>
+            </a:r>
+            <a:r>
+              <a:rPr lang="en" altLang="ko-Kore-KR" dirty="0">
+                <a:solidFill>
+                  <a:srgbClr val="001080"/>
+                </a:solidFill>
+                <a:latin typeface="DM Mono" panose="020B0509040201040103" pitchFamily="49" charset="0"/>
+              </a:rPr>
+              <a:t>p</a:t>
+            </a:r>
+            <a:r>
+              <a:rPr lang="en" altLang="ko-Kore-KR" dirty="0">
+                <a:solidFill>
+                  <a:srgbClr val="000000"/>
+                </a:solidFill>
+                <a:latin typeface="DM Mono" panose="020B0509040201040103" pitchFamily="49" charset="0"/>
+              </a:rPr>
+              <a:t> = </a:t>
+            </a:r>
+            <a:r>
+              <a:rPr lang="en" altLang="ko-Kore-KR" dirty="0">
+                <a:solidFill>
+                  <a:srgbClr val="098658"/>
+                </a:solidFill>
+                <a:latin typeface="DM Mono" panose="020B0509040201040103" pitchFamily="49" charset="0"/>
+              </a:rPr>
+              <a:t>100</a:t>
+            </a:r>
+            <a:r>
+              <a:rPr lang="en" altLang="ko-Kore-KR" dirty="0">
+                <a:solidFill>
+                  <a:srgbClr val="000000"/>
+                </a:solidFill>
+                <a:latin typeface="DM Mono" panose="020B0509040201040103" pitchFamily="49" charset="0"/>
+              </a:rPr>
+              <a:t>;</a:t>
+            </a:r>
+          </a:p>
+          <a:p>
+            <a:r>
+              <a:rPr lang="en" altLang="ko-Kore-KR" dirty="0" err="1">
+                <a:solidFill>
+                  <a:srgbClr val="795E26"/>
+                </a:solidFill>
+                <a:latin typeface="DM Mono" panose="020B0509040201040103" pitchFamily="49" charset="0"/>
+              </a:rPr>
+              <a:t>printf</a:t>
+            </a:r>
+            <a:r>
+              <a:rPr lang="en" altLang="ko-Kore-KR" dirty="0">
+                <a:solidFill>
+                  <a:srgbClr val="000000"/>
+                </a:solidFill>
+                <a:latin typeface="DM Mono" panose="020B0509040201040103" pitchFamily="49" charset="0"/>
+              </a:rPr>
+              <a:t>(</a:t>
+            </a:r>
+            <a:r>
+              <a:rPr lang="en" altLang="ko-Kore-KR" dirty="0">
+                <a:solidFill>
+                  <a:srgbClr val="A31515"/>
+                </a:solidFill>
+                <a:latin typeface="DM Mono" panose="020B0509040201040103" pitchFamily="49" charset="0"/>
+              </a:rPr>
+              <a:t>"</a:t>
+            </a:r>
+            <a:r>
+              <a:rPr lang="en" altLang="ko-Kore-KR" dirty="0">
+                <a:solidFill>
+                  <a:srgbClr val="001080"/>
+                </a:solidFill>
+                <a:latin typeface="DM Mono" panose="020B0509040201040103" pitchFamily="49" charset="0"/>
+              </a:rPr>
+              <a:t>%d</a:t>
+            </a:r>
+            <a:r>
+              <a:rPr lang="en" altLang="ko-Kore-KR" dirty="0">
+                <a:solidFill>
+                  <a:srgbClr val="EE0000"/>
+                </a:solidFill>
+                <a:latin typeface="DM Mono" panose="020B0509040201040103" pitchFamily="49" charset="0"/>
+              </a:rPr>
+              <a:t>\n</a:t>
+            </a:r>
+            <a:r>
+              <a:rPr lang="en" altLang="ko-Kore-KR" dirty="0">
+                <a:solidFill>
+                  <a:srgbClr val="A31515"/>
+                </a:solidFill>
+                <a:latin typeface="DM Mono" panose="020B0509040201040103" pitchFamily="49" charset="0"/>
+              </a:rPr>
+              <a:t>"</a:t>
+            </a:r>
+            <a:r>
+              <a:rPr lang="en" altLang="ko-Kore-KR" dirty="0">
+                <a:solidFill>
+                  <a:srgbClr val="000000"/>
+                </a:solidFill>
+                <a:latin typeface="DM Mono" panose="020B0509040201040103" pitchFamily="49" charset="0"/>
+              </a:rPr>
+              <a:t>, *</a:t>
+            </a:r>
+            <a:r>
+              <a:rPr lang="en" altLang="ko-Kore-KR" dirty="0">
+                <a:solidFill>
+                  <a:srgbClr val="001080"/>
+                </a:solidFill>
+                <a:latin typeface="DM Mono" panose="020B0509040201040103" pitchFamily="49" charset="0"/>
+              </a:rPr>
+              <a:t>p</a:t>
+            </a:r>
+            <a:r>
+              <a:rPr lang="en" altLang="ko-Kore-KR" dirty="0">
+                <a:solidFill>
+                  <a:srgbClr val="000000"/>
+                </a:solidFill>
+                <a:latin typeface="DM Mono" panose="020B0509040201040103" pitchFamily="49" charset="0"/>
+              </a:rPr>
+              <a:t>);</a:t>
+            </a:r>
+          </a:p>
+          <a:p>
+            <a:br>
+              <a:rPr lang="en" altLang="ko-Kore-KR" dirty="0">
+                <a:solidFill>
+                  <a:srgbClr val="000000"/>
+                </a:solidFill>
+                <a:latin typeface="DM Mono" panose="020B0509040201040103" pitchFamily="49" charset="0"/>
+              </a:rPr>
+            </a:br>
+            <a:r>
+              <a:rPr lang="en" altLang="ko-Kore-KR" dirty="0">
+                <a:solidFill>
+                  <a:srgbClr val="0000FF"/>
+                </a:solidFill>
+                <a:latin typeface="DM Mono" panose="020B0509040201040103" pitchFamily="49" charset="0"/>
+              </a:rPr>
+              <a:t>char</a:t>
+            </a:r>
+            <a:r>
+              <a:rPr lang="en" altLang="ko-Kore-KR" dirty="0">
+                <a:solidFill>
+                  <a:srgbClr val="000000"/>
+                </a:solidFill>
+                <a:latin typeface="DM Mono" panose="020B0509040201040103" pitchFamily="49" charset="0"/>
+              </a:rPr>
+              <a:t>* </a:t>
+            </a:r>
+            <a:r>
+              <a:rPr lang="en" altLang="ko-Kore-KR" dirty="0">
+                <a:solidFill>
+                  <a:srgbClr val="001080"/>
+                </a:solidFill>
+                <a:latin typeface="DM Mono" panose="020B0509040201040103" pitchFamily="49" charset="0"/>
+              </a:rPr>
+              <a:t>p2</a:t>
+            </a:r>
+            <a:r>
+              <a:rPr lang="en" altLang="ko-Kore-KR" dirty="0">
+                <a:solidFill>
+                  <a:srgbClr val="000000"/>
+                </a:solidFill>
+                <a:latin typeface="DM Mono" panose="020B0509040201040103" pitchFamily="49" charset="0"/>
+              </a:rPr>
+              <a:t> = </a:t>
+            </a:r>
+            <a:r>
+              <a:rPr lang="en" altLang="ko-Kore-KR" dirty="0">
+                <a:solidFill>
+                  <a:srgbClr val="795E26"/>
+                </a:solidFill>
+                <a:latin typeface="DM Mono" panose="020B0509040201040103" pitchFamily="49" charset="0"/>
+              </a:rPr>
+              <a:t>malloc</a:t>
+            </a:r>
+            <a:r>
+              <a:rPr lang="en" altLang="ko-Kore-KR" dirty="0">
+                <a:solidFill>
+                  <a:srgbClr val="000000"/>
+                </a:solidFill>
+                <a:latin typeface="DM Mono" panose="020B0509040201040103" pitchFamily="49" charset="0"/>
+              </a:rPr>
+              <a:t>(</a:t>
+            </a:r>
+            <a:r>
+              <a:rPr lang="en" altLang="ko-Kore-KR" dirty="0" err="1">
+                <a:solidFill>
+                  <a:srgbClr val="0000FF"/>
+                </a:solidFill>
+                <a:latin typeface="DM Mono" panose="020B0509040201040103" pitchFamily="49" charset="0"/>
+              </a:rPr>
+              <a:t>sizeof</a:t>
+            </a:r>
+            <a:r>
+              <a:rPr lang="en" altLang="ko-Kore-KR" dirty="0">
+                <a:solidFill>
+                  <a:srgbClr val="000000"/>
+                </a:solidFill>
+                <a:latin typeface="DM Mono" panose="020B0509040201040103" pitchFamily="49" charset="0"/>
+              </a:rPr>
+              <a:t>(</a:t>
+            </a:r>
+            <a:r>
+              <a:rPr lang="en" altLang="ko-Kore-KR" dirty="0">
+                <a:solidFill>
+                  <a:srgbClr val="0000FF"/>
+                </a:solidFill>
+                <a:latin typeface="DM Mono" panose="020B0509040201040103" pitchFamily="49" charset="0"/>
+              </a:rPr>
+              <a:t>char</a:t>
+            </a:r>
+            <a:r>
+              <a:rPr lang="en" altLang="ko-Kore-KR" dirty="0">
+                <a:solidFill>
+                  <a:srgbClr val="000000"/>
+                </a:solidFill>
+                <a:latin typeface="DM Mono" panose="020B0509040201040103" pitchFamily="49" charset="0"/>
+              </a:rPr>
+              <a:t>) * </a:t>
+            </a:r>
+            <a:r>
+              <a:rPr lang="en" altLang="ko-Kore-KR" dirty="0">
+                <a:solidFill>
+                  <a:srgbClr val="098658"/>
+                </a:solidFill>
+                <a:latin typeface="DM Mono" panose="020B0509040201040103" pitchFamily="49" charset="0"/>
+              </a:rPr>
+              <a:t>4</a:t>
+            </a:r>
+            <a:r>
+              <a:rPr lang="en" altLang="ko-Kore-KR" dirty="0">
+                <a:solidFill>
+                  <a:srgbClr val="000000"/>
+                </a:solidFill>
+                <a:latin typeface="DM Mono" panose="020B0509040201040103" pitchFamily="49" charset="0"/>
+              </a:rPr>
+              <a:t>);</a:t>
+            </a:r>
+          </a:p>
+          <a:p>
+            <a:r>
+              <a:rPr lang="en" altLang="ko-Kore-KR" dirty="0">
+                <a:solidFill>
+                  <a:srgbClr val="001080"/>
+                </a:solidFill>
+                <a:latin typeface="DM Mono" panose="020B0509040201040103" pitchFamily="49" charset="0"/>
+              </a:rPr>
+              <a:t>p2</a:t>
+            </a:r>
+            <a:r>
+              <a:rPr lang="en" altLang="ko-Kore-KR" dirty="0">
+                <a:solidFill>
+                  <a:srgbClr val="000000"/>
+                </a:solidFill>
+                <a:latin typeface="DM Mono" panose="020B0509040201040103" pitchFamily="49" charset="0"/>
+              </a:rPr>
+              <a:t>[</a:t>
+            </a:r>
+            <a:r>
+              <a:rPr lang="en" altLang="ko-Kore-KR" dirty="0">
+                <a:solidFill>
+                  <a:srgbClr val="098658"/>
+                </a:solidFill>
+                <a:latin typeface="DM Mono" panose="020B0509040201040103" pitchFamily="49" charset="0"/>
+              </a:rPr>
+              <a:t>0</a:t>
+            </a:r>
+            <a:r>
+              <a:rPr lang="en" altLang="ko-Kore-KR" dirty="0">
+                <a:solidFill>
+                  <a:srgbClr val="000000"/>
+                </a:solidFill>
+                <a:latin typeface="DM Mono" panose="020B0509040201040103" pitchFamily="49" charset="0"/>
+              </a:rPr>
+              <a:t>] = </a:t>
+            </a:r>
+            <a:r>
+              <a:rPr lang="en" altLang="ko-Kore-KR" dirty="0">
+                <a:solidFill>
+                  <a:srgbClr val="098658"/>
+                </a:solidFill>
+                <a:latin typeface="DM Mono" panose="020B0509040201040103" pitchFamily="49" charset="0"/>
+              </a:rPr>
+              <a:t>10</a:t>
+            </a:r>
+            <a:r>
+              <a:rPr lang="en" altLang="ko-Kore-KR" dirty="0">
+                <a:solidFill>
+                  <a:srgbClr val="000000"/>
+                </a:solidFill>
+                <a:latin typeface="DM Mono" panose="020B0509040201040103" pitchFamily="49" charset="0"/>
+              </a:rPr>
+              <a:t>;</a:t>
+            </a:r>
+          </a:p>
+          <a:p>
+            <a:r>
+              <a:rPr lang="en" altLang="ko-Kore-KR" dirty="0">
+                <a:solidFill>
+                  <a:srgbClr val="001080"/>
+                </a:solidFill>
+                <a:latin typeface="DM Mono" panose="020B0509040201040103" pitchFamily="49" charset="0"/>
+              </a:rPr>
+              <a:t>p2</a:t>
+            </a:r>
+            <a:r>
+              <a:rPr lang="en" altLang="ko-Kore-KR" dirty="0">
+                <a:solidFill>
+                  <a:srgbClr val="000000"/>
+                </a:solidFill>
+                <a:latin typeface="DM Mono" panose="020B0509040201040103" pitchFamily="49" charset="0"/>
+              </a:rPr>
+              <a:t>[</a:t>
+            </a:r>
+            <a:r>
+              <a:rPr lang="en" altLang="ko-Kore-KR" dirty="0">
+                <a:solidFill>
+                  <a:srgbClr val="098658"/>
+                </a:solidFill>
+                <a:latin typeface="DM Mono" panose="020B0509040201040103" pitchFamily="49" charset="0"/>
+              </a:rPr>
+              <a:t>1</a:t>
+            </a:r>
+            <a:r>
+              <a:rPr lang="en" altLang="ko-Kore-KR" dirty="0">
+                <a:solidFill>
+                  <a:srgbClr val="000000"/>
+                </a:solidFill>
+                <a:latin typeface="DM Mono" panose="020B0509040201040103" pitchFamily="49" charset="0"/>
+              </a:rPr>
+              <a:t>] = </a:t>
+            </a:r>
+            <a:r>
+              <a:rPr lang="en" altLang="ko-Kore-KR" dirty="0">
+                <a:solidFill>
+                  <a:srgbClr val="098658"/>
+                </a:solidFill>
+                <a:latin typeface="DM Mono" panose="020B0509040201040103" pitchFamily="49" charset="0"/>
+              </a:rPr>
+              <a:t>20</a:t>
+            </a:r>
+            <a:r>
+              <a:rPr lang="en" altLang="ko-Kore-KR" dirty="0">
+                <a:solidFill>
+                  <a:srgbClr val="000000"/>
+                </a:solidFill>
+                <a:latin typeface="DM Mono" panose="020B0509040201040103" pitchFamily="49" charset="0"/>
+              </a:rPr>
+              <a:t>;</a:t>
+            </a:r>
+          </a:p>
+          <a:p>
+            <a:r>
+              <a:rPr lang="en" altLang="ko-Kore-KR" dirty="0">
+                <a:solidFill>
+                  <a:srgbClr val="001080"/>
+                </a:solidFill>
+                <a:latin typeface="DM Mono" panose="020B0509040201040103" pitchFamily="49" charset="0"/>
+              </a:rPr>
+              <a:t>p2</a:t>
+            </a:r>
+            <a:r>
+              <a:rPr lang="en" altLang="ko-Kore-KR" dirty="0">
+                <a:solidFill>
+                  <a:srgbClr val="000000"/>
+                </a:solidFill>
+                <a:latin typeface="DM Mono" panose="020B0509040201040103" pitchFamily="49" charset="0"/>
+              </a:rPr>
+              <a:t>[</a:t>
+            </a:r>
+            <a:r>
+              <a:rPr lang="en" altLang="ko-Kore-KR" dirty="0">
+                <a:solidFill>
+                  <a:srgbClr val="098658"/>
+                </a:solidFill>
+                <a:latin typeface="DM Mono" panose="020B0509040201040103" pitchFamily="49" charset="0"/>
+              </a:rPr>
+              <a:t>2</a:t>
+            </a:r>
+            <a:r>
+              <a:rPr lang="en" altLang="ko-Kore-KR" dirty="0">
+                <a:solidFill>
+                  <a:srgbClr val="000000"/>
+                </a:solidFill>
+                <a:latin typeface="DM Mono" panose="020B0509040201040103" pitchFamily="49" charset="0"/>
+              </a:rPr>
+              <a:t>] = </a:t>
+            </a:r>
+            <a:r>
+              <a:rPr lang="en" altLang="ko-Kore-KR" dirty="0">
+                <a:solidFill>
+                  <a:srgbClr val="098658"/>
+                </a:solidFill>
+                <a:latin typeface="DM Mono" panose="020B0509040201040103" pitchFamily="49" charset="0"/>
+              </a:rPr>
+              <a:t>30</a:t>
+            </a:r>
+            <a:r>
+              <a:rPr lang="en" altLang="ko-Kore-KR" dirty="0">
+                <a:solidFill>
+                  <a:srgbClr val="000000"/>
+                </a:solidFill>
+                <a:latin typeface="DM Mono" panose="020B0509040201040103" pitchFamily="49" charset="0"/>
+              </a:rPr>
+              <a:t>;</a:t>
+            </a:r>
+          </a:p>
+          <a:p>
+            <a:r>
+              <a:rPr lang="en" altLang="ko-Kore-KR" dirty="0">
+                <a:solidFill>
+                  <a:srgbClr val="001080"/>
+                </a:solidFill>
+                <a:latin typeface="DM Mono" panose="020B0509040201040103" pitchFamily="49" charset="0"/>
+              </a:rPr>
+              <a:t>p2</a:t>
+            </a:r>
+            <a:r>
+              <a:rPr lang="en" altLang="ko-Kore-KR" dirty="0">
+                <a:solidFill>
+                  <a:srgbClr val="000000"/>
+                </a:solidFill>
+                <a:latin typeface="DM Mono" panose="020B0509040201040103" pitchFamily="49" charset="0"/>
+              </a:rPr>
+              <a:t>[</a:t>
+            </a:r>
+            <a:r>
+              <a:rPr lang="en" altLang="ko-Kore-KR" dirty="0">
+                <a:solidFill>
+                  <a:srgbClr val="098658"/>
+                </a:solidFill>
+                <a:latin typeface="DM Mono" panose="020B0509040201040103" pitchFamily="49" charset="0"/>
+              </a:rPr>
+              <a:t>3</a:t>
+            </a:r>
+            <a:r>
+              <a:rPr lang="en" altLang="ko-Kore-KR" dirty="0">
+                <a:solidFill>
+                  <a:srgbClr val="000000"/>
+                </a:solidFill>
+                <a:latin typeface="DM Mono" panose="020B0509040201040103" pitchFamily="49" charset="0"/>
+              </a:rPr>
+              <a:t>] = </a:t>
+            </a:r>
+            <a:r>
+              <a:rPr lang="en" altLang="ko-Kore-KR" dirty="0">
+                <a:solidFill>
+                  <a:srgbClr val="098658"/>
+                </a:solidFill>
+                <a:latin typeface="DM Mono" panose="020B0509040201040103" pitchFamily="49" charset="0"/>
+              </a:rPr>
+              <a:t>40</a:t>
+            </a:r>
+            <a:r>
+              <a:rPr lang="en" altLang="ko-Kore-KR" dirty="0">
+                <a:solidFill>
+                  <a:srgbClr val="000000"/>
+                </a:solidFill>
+                <a:latin typeface="DM Mono" panose="020B0509040201040103" pitchFamily="49" charset="0"/>
+              </a:rPr>
+              <a:t>;</a:t>
+            </a:r>
+          </a:p>
+          <a:p>
+            <a:br>
+              <a:rPr lang="en" altLang="ko-Kore-KR" dirty="0">
+                <a:solidFill>
+                  <a:srgbClr val="000000"/>
+                </a:solidFill>
+                <a:latin typeface="DM Mono" panose="020B0509040201040103" pitchFamily="49" charset="0"/>
+              </a:rPr>
+            </a:br>
+            <a:r>
+              <a:rPr lang="en" altLang="ko-Kore-KR" dirty="0">
+                <a:solidFill>
+                  <a:srgbClr val="AF00DB"/>
+                </a:solidFill>
+                <a:latin typeface="DM Mono" panose="020B0509040201040103" pitchFamily="49" charset="0"/>
+              </a:rPr>
+              <a:t>for</a:t>
+            </a:r>
+            <a:r>
+              <a:rPr lang="en" altLang="ko-Kore-KR" dirty="0">
+                <a:solidFill>
+                  <a:srgbClr val="000000"/>
+                </a:solidFill>
+                <a:latin typeface="DM Mono" panose="020B0509040201040103" pitchFamily="49" charset="0"/>
+              </a:rPr>
+              <a:t> (</a:t>
+            </a:r>
+            <a:r>
+              <a:rPr lang="en" altLang="ko-Kore-KR" dirty="0">
+                <a:solidFill>
+                  <a:srgbClr val="0000FF"/>
+                </a:solidFill>
+                <a:latin typeface="DM Mono" panose="020B0509040201040103" pitchFamily="49" charset="0"/>
+              </a:rPr>
+              <a:t>int</a:t>
+            </a:r>
+            <a:r>
+              <a:rPr lang="en" altLang="ko-Kore-KR" dirty="0">
+                <a:solidFill>
+                  <a:srgbClr val="000000"/>
+                </a:solidFill>
+                <a:latin typeface="DM Mono" panose="020B0509040201040103" pitchFamily="49" charset="0"/>
+              </a:rPr>
+              <a:t> </a:t>
+            </a:r>
+            <a:r>
+              <a:rPr lang="en" altLang="ko-Kore-KR" dirty="0" err="1">
+                <a:solidFill>
+                  <a:srgbClr val="001080"/>
+                </a:solidFill>
+                <a:latin typeface="DM Mono" panose="020B0509040201040103" pitchFamily="49" charset="0"/>
+              </a:rPr>
+              <a:t>i</a:t>
+            </a:r>
+            <a:r>
+              <a:rPr lang="en" altLang="ko-Kore-KR" dirty="0">
+                <a:solidFill>
+                  <a:srgbClr val="000000"/>
+                </a:solidFill>
+                <a:latin typeface="DM Mono" panose="020B0509040201040103" pitchFamily="49" charset="0"/>
+              </a:rPr>
+              <a:t> = </a:t>
+            </a:r>
+            <a:r>
+              <a:rPr lang="en" altLang="ko-Kore-KR" dirty="0">
+                <a:solidFill>
+                  <a:srgbClr val="098658"/>
+                </a:solidFill>
+                <a:latin typeface="DM Mono" panose="020B0509040201040103" pitchFamily="49" charset="0"/>
+              </a:rPr>
+              <a:t>0</a:t>
+            </a:r>
+            <a:r>
+              <a:rPr lang="en" altLang="ko-Kore-KR" dirty="0">
+                <a:solidFill>
+                  <a:srgbClr val="000000"/>
+                </a:solidFill>
+                <a:latin typeface="DM Mono" panose="020B0509040201040103" pitchFamily="49" charset="0"/>
+              </a:rPr>
+              <a:t>; </a:t>
+            </a:r>
+            <a:r>
+              <a:rPr lang="en" altLang="ko-Kore-KR" dirty="0" err="1">
+                <a:solidFill>
+                  <a:srgbClr val="001080"/>
+                </a:solidFill>
+                <a:latin typeface="DM Mono" panose="020B0509040201040103" pitchFamily="49" charset="0"/>
+              </a:rPr>
+              <a:t>i</a:t>
+            </a:r>
+            <a:r>
+              <a:rPr lang="en" altLang="ko-Kore-KR" dirty="0">
+                <a:solidFill>
+                  <a:srgbClr val="000000"/>
+                </a:solidFill>
+                <a:latin typeface="DM Mono" panose="020B0509040201040103" pitchFamily="49" charset="0"/>
+              </a:rPr>
+              <a:t> &lt; </a:t>
+            </a:r>
+            <a:r>
+              <a:rPr lang="en" altLang="ko-Kore-KR" dirty="0">
+                <a:solidFill>
+                  <a:srgbClr val="098658"/>
+                </a:solidFill>
+                <a:latin typeface="DM Mono" panose="020B0509040201040103" pitchFamily="49" charset="0"/>
+              </a:rPr>
+              <a:t>4</a:t>
+            </a:r>
+            <a:r>
+              <a:rPr lang="en" altLang="ko-Kore-KR" dirty="0">
+                <a:solidFill>
+                  <a:srgbClr val="000000"/>
+                </a:solidFill>
+                <a:latin typeface="DM Mono" panose="020B0509040201040103" pitchFamily="49" charset="0"/>
+              </a:rPr>
+              <a:t>; ++</a:t>
+            </a:r>
+            <a:r>
+              <a:rPr lang="en" altLang="ko-Kore-KR" dirty="0" err="1">
+                <a:solidFill>
+                  <a:srgbClr val="001080"/>
+                </a:solidFill>
+                <a:latin typeface="DM Mono" panose="020B0509040201040103" pitchFamily="49" charset="0"/>
+              </a:rPr>
+              <a:t>i</a:t>
+            </a:r>
+            <a:r>
+              <a:rPr lang="en" altLang="ko-Kore-KR" dirty="0">
+                <a:solidFill>
+                  <a:srgbClr val="000000"/>
+                </a:solidFill>
+                <a:latin typeface="DM Mono" panose="020B0509040201040103" pitchFamily="49" charset="0"/>
+              </a:rPr>
+              <a:t>) {</a:t>
+            </a:r>
+          </a:p>
+          <a:p>
+            <a:r>
+              <a:rPr lang="en" altLang="ko-Kore-KR" dirty="0">
+                <a:solidFill>
+                  <a:srgbClr val="795E26"/>
+                </a:solidFill>
+                <a:latin typeface="DM Mono" panose="020B0509040201040103" pitchFamily="49" charset="0"/>
+              </a:rPr>
+              <a:t>  </a:t>
+            </a:r>
+            <a:r>
+              <a:rPr lang="en" altLang="ko-Kore-KR" dirty="0" err="1">
+                <a:solidFill>
+                  <a:srgbClr val="795E26"/>
+                </a:solidFill>
+                <a:latin typeface="DM Mono" panose="020B0509040201040103" pitchFamily="49" charset="0"/>
+              </a:rPr>
+              <a:t>printf</a:t>
+            </a:r>
+            <a:r>
+              <a:rPr lang="en" altLang="ko-Kore-KR" dirty="0">
+                <a:solidFill>
+                  <a:srgbClr val="000000"/>
+                </a:solidFill>
+                <a:latin typeface="DM Mono" panose="020B0509040201040103" pitchFamily="49" charset="0"/>
+              </a:rPr>
+              <a:t>(</a:t>
+            </a:r>
+            <a:r>
+              <a:rPr lang="en" altLang="ko-Kore-KR" dirty="0">
+                <a:solidFill>
+                  <a:srgbClr val="A31515"/>
+                </a:solidFill>
+                <a:latin typeface="DM Mono" panose="020B0509040201040103" pitchFamily="49" charset="0"/>
+              </a:rPr>
+              <a:t>"</a:t>
+            </a:r>
+            <a:r>
+              <a:rPr lang="en" altLang="ko-Kore-KR" dirty="0">
+                <a:solidFill>
+                  <a:srgbClr val="001080"/>
+                </a:solidFill>
+                <a:latin typeface="DM Mono" panose="020B0509040201040103" pitchFamily="49" charset="0"/>
+              </a:rPr>
+              <a:t>%d</a:t>
+            </a:r>
+            <a:r>
+              <a:rPr lang="en" altLang="ko-Kore-KR" dirty="0">
+                <a:solidFill>
+                  <a:srgbClr val="EE0000"/>
+                </a:solidFill>
+                <a:latin typeface="DM Mono" panose="020B0509040201040103" pitchFamily="49" charset="0"/>
+              </a:rPr>
+              <a:t>\n</a:t>
+            </a:r>
+            <a:r>
+              <a:rPr lang="en" altLang="ko-Kore-KR" dirty="0">
+                <a:solidFill>
+                  <a:srgbClr val="A31515"/>
+                </a:solidFill>
+                <a:latin typeface="DM Mono" panose="020B0509040201040103" pitchFamily="49" charset="0"/>
+              </a:rPr>
+              <a:t>"</a:t>
+            </a:r>
+            <a:r>
+              <a:rPr lang="en" altLang="ko-Kore-KR" dirty="0">
+                <a:solidFill>
+                  <a:srgbClr val="000000"/>
+                </a:solidFill>
+                <a:latin typeface="DM Mono" panose="020B0509040201040103" pitchFamily="49" charset="0"/>
+              </a:rPr>
+              <a:t>, </a:t>
+            </a:r>
+            <a:r>
+              <a:rPr lang="en" altLang="ko-Kore-KR" dirty="0">
+                <a:solidFill>
+                  <a:srgbClr val="001080"/>
+                </a:solidFill>
+                <a:latin typeface="DM Mono" panose="020B0509040201040103" pitchFamily="49" charset="0"/>
+              </a:rPr>
+              <a:t>p2</a:t>
+            </a:r>
+            <a:r>
+              <a:rPr lang="en" altLang="ko-Kore-KR" dirty="0">
+                <a:solidFill>
+                  <a:srgbClr val="000000"/>
+                </a:solidFill>
+                <a:latin typeface="DM Mono" panose="020B0509040201040103" pitchFamily="49" charset="0"/>
+              </a:rPr>
+              <a:t>[</a:t>
+            </a:r>
+            <a:r>
+              <a:rPr lang="en" altLang="ko-Kore-KR" dirty="0" err="1">
+                <a:solidFill>
+                  <a:srgbClr val="001080"/>
+                </a:solidFill>
+                <a:latin typeface="DM Mono" panose="020B0509040201040103" pitchFamily="49" charset="0"/>
+              </a:rPr>
+              <a:t>i</a:t>
+            </a:r>
+            <a:r>
+              <a:rPr lang="en" altLang="ko-Kore-KR" dirty="0">
+                <a:solidFill>
+                  <a:srgbClr val="000000"/>
+                </a:solidFill>
+                <a:latin typeface="DM Mono" panose="020B0509040201040103" pitchFamily="49" charset="0"/>
+              </a:rPr>
+              <a:t>]);</a:t>
+            </a:r>
+          </a:p>
+          <a:p>
+            <a:r>
+              <a:rPr lang="en" altLang="ko-Kore-KR" dirty="0">
+                <a:solidFill>
+                  <a:srgbClr val="000000"/>
+                </a:solidFill>
+                <a:latin typeface="DM Mono" panose="020B0509040201040103" pitchFamily="49" charset="0"/>
+              </a:rPr>
+              <a:t>}</a:t>
+            </a:r>
+          </a:p>
+        </p:txBody>
+      </p:sp>
+      <p:sp>
+        <p:nvSpPr>
+          <p:cNvPr id="5" name="직사각형 4">
+            <a:extLst>
+              <a:ext uri="{FF2B5EF4-FFF2-40B4-BE49-F238E27FC236}">
+                <a16:creationId xmlns:a16="http://schemas.microsoft.com/office/drawing/2014/main" id="{356D2266-76C9-BF5B-FD30-A939499031A9}"/>
+              </a:ext>
+            </a:extLst>
+          </p:cNvPr>
+          <p:cNvSpPr/>
+          <p:nvPr/>
+        </p:nvSpPr>
+        <p:spPr>
+          <a:xfrm>
+            <a:off x="5990145" y="1132144"/>
+            <a:ext cx="3234906" cy="2706432"/>
+          </a:xfrm>
+          <a:prstGeom prst="rect">
+            <a:avLst/>
+          </a:prstGeom>
+          <a:noFill/>
+        </p:spPr>
+        <p:style>
+          <a:lnRef idx="2">
+            <a:schemeClr val="accent4"/>
+          </a:lnRef>
+          <a:fillRef idx="1">
+            <a:schemeClr val="lt1"/>
+          </a:fillRef>
+          <a:effectRef idx="0">
+            <a:schemeClr val="accent4"/>
+          </a:effectRef>
+          <a:fontRef idx="minor">
+            <a:schemeClr val="dk1"/>
+          </a:fontRef>
+        </p:style>
+        <p:txBody>
+          <a:bodyPr rtlCol="0" anchor="ctr"/>
+          <a:lstStyle/>
+          <a:p>
+            <a:pPr algn="ctr"/>
+            <a:endParaRPr kumimoji="1" lang="ko-Kore-KR" altLang="en-US" sz="1400" dirty="0">
+              <a:solidFill>
+                <a:schemeClr val="tx1"/>
+              </a:solidFill>
+            </a:endParaRPr>
+          </a:p>
+        </p:txBody>
+      </p:sp>
+      <p:sp>
+        <p:nvSpPr>
+          <p:cNvPr id="6" name="직사각형 5">
+            <a:extLst>
+              <a:ext uri="{FF2B5EF4-FFF2-40B4-BE49-F238E27FC236}">
+                <a16:creationId xmlns:a16="http://schemas.microsoft.com/office/drawing/2014/main" id="{F2F6ABCE-EAF1-064A-0722-05BF2FF7169B}"/>
+              </a:ext>
+            </a:extLst>
+          </p:cNvPr>
+          <p:cNvSpPr/>
+          <p:nvPr/>
+        </p:nvSpPr>
+        <p:spPr>
+          <a:xfrm>
+            <a:off x="6643706" y="737257"/>
+            <a:ext cx="1838965" cy="369332"/>
+          </a:xfrm>
+          <a:prstGeom prst="rect">
+            <a:avLst/>
+          </a:prstGeom>
+        </p:spPr>
+        <p:txBody>
+          <a:bodyPr wrap="none">
+            <a:spAutoFit/>
+          </a:bodyPr>
+          <a:lstStyle/>
+          <a:p>
+            <a:r>
+              <a:rPr lang="en" altLang="ko-Kore-KR" dirty="0">
+                <a:solidFill>
+                  <a:srgbClr val="795E26"/>
+                </a:solidFill>
+                <a:latin typeface="DM Mono" panose="020B0509040201040103" pitchFamily="49" charset="0"/>
+              </a:rPr>
+              <a:t>main - Stack</a:t>
+            </a:r>
+            <a:endParaRPr lang="ko-Kore-KR" altLang="en-US" dirty="0"/>
+          </a:p>
+        </p:txBody>
+      </p:sp>
+      <p:sp>
+        <p:nvSpPr>
+          <p:cNvPr id="7" name="직사각형 6">
+            <a:extLst>
+              <a:ext uri="{FF2B5EF4-FFF2-40B4-BE49-F238E27FC236}">
+                <a16:creationId xmlns:a16="http://schemas.microsoft.com/office/drawing/2014/main" id="{2A7DEC1D-625D-2971-712A-057E2311AEDF}"/>
+              </a:ext>
+            </a:extLst>
+          </p:cNvPr>
+          <p:cNvSpPr/>
+          <p:nvPr/>
+        </p:nvSpPr>
+        <p:spPr>
+          <a:xfrm>
+            <a:off x="6655068" y="1383736"/>
+            <a:ext cx="539902" cy="420443"/>
+          </a:xfrm>
+          <a:prstGeom prst="rect">
+            <a:avLst/>
+          </a:prstGeom>
+          <a:solidFill>
+            <a:srgbClr val="FFFF00"/>
+          </a:solidFill>
+        </p:spPr>
+        <p:style>
+          <a:lnRef idx="2">
+            <a:schemeClr val="accent1">
+              <a:shade val="50000"/>
+            </a:schemeClr>
+          </a:lnRef>
+          <a:fillRef idx="1">
+            <a:schemeClr val="accent1"/>
+          </a:fillRef>
+          <a:effectRef idx="0">
+            <a:schemeClr val="accent1"/>
+          </a:effectRef>
+          <a:fontRef idx="minor">
+            <a:schemeClr val="lt1"/>
+          </a:fontRef>
+        </p:style>
+        <p:txBody>
+          <a:bodyPr rtlCol="0" anchor="ctr"/>
+          <a:lstStyle/>
+          <a:p>
+            <a:pPr algn="ctr"/>
+            <a:endParaRPr kumimoji="1" lang="ko-Kore-KR" altLang="en-US" sz="1400" dirty="0">
+              <a:solidFill>
+                <a:schemeClr val="tx1"/>
+              </a:solidFill>
+            </a:endParaRPr>
+          </a:p>
+        </p:txBody>
+      </p:sp>
+      <p:sp>
+        <p:nvSpPr>
+          <p:cNvPr id="8" name="직사각형 7">
+            <a:extLst>
+              <a:ext uri="{FF2B5EF4-FFF2-40B4-BE49-F238E27FC236}">
+                <a16:creationId xmlns:a16="http://schemas.microsoft.com/office/drawing/2014/main" id="{BB6FEC42-0697-071F-9604-77019E07248E}"/>
+              </a:ext>
+            </a:extLst>
+          </p:cNvPr>
+          <p:cNvSpPr/>
+          <p:nvPr/>
+        </p:nvSpPr>
+        <p:spPr>
+          <a:xfrm>
+            <a:off x="6321182" y="1383736"/>
+            <a:ext cx="322524" cy="369332"/>
+          </a:xfrm>
+          <a:prstGeom prst="rect">
+            <a:avLst/>
+          </a:prstGeom>
+        </p:spPr>
+        <p:txBody>
+          <a:bodyPr wrap="none">
+            <a:spAutoFit/>
+          </a:bodyPr>
+          <a:lstStyle/>
+          <a:p>
+            <a:r>
+              <a:rPr lang="en" altLang="ko-Kore-KR" dirty="0">
+                <a:solidFill>
+                  <a:srgbClr val="001080"/>
+                </a:solidFill>
+                <a:latin typeface="DM Mono" panose="020B0509040201040103" pitchFamily="49" charset="0"/>
+              </a:rPr>
+              <a:t>p</a:t>
+            </a:r>
+            <a:endParaRPr lang="ko-Kore-KR" altLang="en-US" dirty="0"/>
+          </a:p>
+        </p:txBody>
+      </p:sp>
+      <p:sp>
+        <p:nvSpPr>
+          <p:cNvPr id="9" name="직사각형 8">
+            <a:extLst>
+              <a:ext uri="{FF2B5EF4-FFF2-40B4-BE49-F238E27FC236}">
+                <a16:creationId xmlns:a16="http://schemas.microsoft.com/office/drawing/2014/main" id="{831FD70F-9B87-96AD-1D68-67DAA2D57775}"/>
+              </a:ext>
+            </a:extLst>
+          </p:cNvPr>
+          <p:cNvSpPr/>
+          <p:nvPr/>
+        </p:nvSpPr>
+        <p:spPr>
+          <a:xfrm>
+            <a:off x="8050267" y="1358180"/>
+            <a:ext cx="539902" cy="420443"/>
+          </a:xfrm>
+          <a:prstGeom prst="rect">
+            <a:avLst/>
+          </a:prstGeom>
+          <a:solidFill>
+            <a:srgbClr val="FFFF00"/>
+          </a:solidFill>
+        </p:spPr>
+        <p:style>
+          <a:lnRef idx="2">
+            <a:schemeClr val="accent1">
+              <a:shade val="50000"/>
+            </a:schemeClr>
+          </a:lnRef>
+          <a:fillRef idx="1">
+            <a:schemeClr val="accent1"/>
+          </a:fillRef>
+          <a:effectRef idx="0">
+            <a:schemeClr val="accent1"/>
+          </a:effectRef>
+          <a:fontRef idx="minor">
+            <a:schemeClr val="lt1"/>
+          </a:fontRef>
+        </p:style>
+        <p:txBody>
+          <a:bodyPr rtlCol="0" anchor="ctr"/>
+          <a:lstStyle/>
+          <a:p>
+            <a:pPr algn="ctr"/>
+            <a:endParaRPr kumimoji="1" lang="ko-Kore-KR" altLang="en-US" sz="1400" dirty="0">
+              <a:solidFill>
+                <a:schemeClr val="tx1"/>
+              </a:solidFill>
+            </a:endParaRPr>
+          </a:p>
+        </p:txBody>
+      </p:sp>
+      <p:sp>
+        <p:nvSpPr>
+          <p:cNvPr id="10" name="직사각형 9">
+            <a:extLst>
+              <a:ext uri="{FF2B5EF4-FFF2-40B4-BE49-F238E27FC236}">
+                <a16:creationId xmlns:a16="http://schemas.microsoft.com/office/drawing/2014/main" id="{DEFBBDB2-E6D3-15D6-EDA7-3A1DCD951359}"/>
+              </a:ext>
+            </a:extLst>
+          </p:cNvPr>
+          <p:cNvSpPr/>
+          <p:nvPr/>
+        </p:nvSpPr>
+        <p:spPr>
+          <a:xfrm>
+            <a:off x="7629702" y="1409291"/>
+            <a:ext cx="460382" cy="369332"/>
+          </a:xfrm>
+          <a:prstGeom prst="rect">
+            <a:avLst/>
+          </a:prstGeom>
+        </p:spPr>
+        <p:txBody>
+          <a:bodyPr wrap="none">
+            <a:spAutoFit/>
+          </a:bodyPr>
+          <a:lstStyle/>
+          <a:p>
+            <a:r>
+              <a:rPr lang="en" altLang="ko-Kore-KR" dirty="0">
+                <a:solidFill>
+                  <a:srgbClr val="001080"/>
+                </a:solidFill>
+                <a:latin typeface="DM Mono" panose="020B0509040201040103" pitchFamily="49" charset="0"/>
+              </a:rPr>
+              <a:t>p2</a:t>
+            </a:r>
+            <a:endParaRPr lang="ko-Kore-KR" altLang="en-US" dirty="0"/>
+          </a:p>
+        </p:txBody>
+      </p:sp>
+      <p:sp>
+        <p:nvSpPr>
+          <p:cNvPr id="11" name="직사각형 10">
+            <a:extLst>
+              <a:ext uri="{FF2B5EF4-FFF2-40B4-BE49-F238E27FC236}">
+                <a16:creationId xmlns:a16="http://schemas.microsoft.com/office/drawing/2014/main" id="{08F41D6B-50AD-078A-C268-782F38C47917}"/>
+              </a:ext>
+            </a:extLst>
+          </p:cNvPr>
+          <p:cNvSpPr/>
+          <p:nvPr/>
+        </p:nvSpPr>
+        <p:spPr>
+          <a:xfrm>
+            <a:off x="8732847" y="4151568"/>
+            <a:ext cx="3234906" cy="1382457"/>
+          </a:xfrm>
+          <a:prstGeom prst="rect">
+            <a:avLst/>
+          </a:prstGeom>
+          <a:noFill/>
+        </p:spPr>
+        <p:style>
+          <a:lnRef idx="2">
+            <a:schemeClr val="accent4"/>
+          </a:lnRef>
+          <a:fillRef idx="1">
+            <a:schemeClr val="lt1"/>
+          </a:fillRef>
+          <a:effectRef idx="0">
+            <a:schemeClr val="accent4"/>
+          </a:effectRef>
+          <a:fontRef idx="minor">
+            <a:schemeClr val="dk1"/>
+          </a:fontRef>
+        </p:style>
+        <p:txBody>
+          <a:bodyPr rtlCol="0" anchor="ctr"/>
+          <a:lstStyle/>
+          <a:p>
+            <a:pPr algn="ctr"/>
+            <a:endParaRPr kumimoji="1" lang="ko-Kore-KR" altLang="en-US" sz="1400" dirty="0">
+              <a:solidFill>
+                <a:schemeClr val="tx1"/>
+              </a:solidFill>
+            </a:endParaRPr>
+          </a:p>
+        </p:txBody>
+      </p:sp>
+      <p:sp>
+        <p:nvSpPr>
+          <p:cNvPr id="12" name="직사각형 11">
+            <a:extLst>
+              <a:ext uri="{FF2B5EF4-FFF2-40B4-BE49-F238E27FC236}">
+                <a16:creationId xmlns:a16="http://schemas.microsoft.com/office/drawing/2014/main" id="{2D591FD3-824C-60AC-7BB9-B048157C8075}"/>
+              </a:ext>
+            </a:extLst>
+          </p:cNvPr>
+          <p:cNvSpPr/>
+          <p:nvPr/>
+        </p:nvSpPr>
+        <p:spPr>
+          <a:xfrm>
+            <a:off x="9882206" y="3780830"/>
+            <a:ext cx="736099" cy="369332"/>
+          </a:xfrm>
+          <a:prstGeom prst="rect">
+            <a:avLst/>
+          </a:prstGeom>
+        </p:spPr>
+        <p:txBody>
+          <a:bodyPr wrap="none">
+            <a:spAutoFit/>
+          </a:bodyPr>
+          <a:lstStyle/>
+          <a:p>
+            <a:r>
+              <a:rPr lang="en" altLang="ko-Kore-KR" dirty="0">
+                <a:solidFill>
+                  <a:srgbClr val="795E26"/>
+                </a:solidFill>
+                <a:latin typeface="DM Mono" panose="020B0509040201040103" pitchFamily="49" charset="0"/>
+              </a:rPr>
+              <a:t>Heap</a:t>
+            </a:r>
+            <a:endParaRPr lang="ko-Kore-KR" altLang="en-US" dirty="0"/>
+          </a:p>
+        </p:txBody>
+      </p:sp>
+      <p:sp>
+        <p:nvSpPr>
+          <p:cNvPr id="13" name="직사각형 12">
+            <a:extLst>
+              <a:ext uri="{FF2B5EF4-FFF2-40B4-BE49-F238E27FC236}">
+                <a16:creationId xmlns:a16="http://schemas.microsoft.com/office/drawing/2014/main" id="{CE80A5B1-D1F1-4058-CFFA-906ED807C24A}"/>
+              </a:ext>
+            </a:extLst>
+          </p:cNvPr>
+          <p:cNvSpPr/>
+          <p:nvPr/>
+        </p:nvSpPr>
+        <p:spPr>
+          <a:xfrm>
+            <a:off x="8955100" y="4301405"/>
+            <a:ext cx="160325" cy="420443"/>
+          </a:xfrm>
+          <a:prstGeom prst="rect">
+            <a:avLst/>
+          </a:prstGeom>
+          <a:solidFill>
+            <a:schemeClr val="accent2"/>
+          </a:solidFill>
+        </p:spPr>
+        <p:style>
+          <a:lnRef idx="2">
+            <a:schemeClr val="accent1">
+              <a:shade val="50000"/>
+            </a:schemeClr>
+          </a:lnRef>
+          <a:fillRef idx="1">
+            <a:schemeClr val="accent1"/>
+          </a:fillRef>
+          <a:effectRef idx="0">
+            <a:schemeClr val="accent1"/>
+          </a:effectRef>
+          <a:fontRef idx="minor">
+            <a:schemeClr val="lt1"/>
+          </a:fontRef>
+        </p:style>
+        <p:txBody>
+          <a:bodyPr rtlCol="0" anchor="ctr"/>
+          <a:lstStyle/>
+          <a:p>
+            <a:pPr algn="ctr"/>
+            <a:endParaRPr kumimoji="1" lang="ko-Kore-KR" altLang="en-US" sz="1400" dirty="0">
+              <a:solidFill>
+                <a:schemeClr val="tx1"/>
+              </a:solidFill>
+            </a:endParaRPr>
+          </a:p>
+        </p:txBody>
+      </p:sp>
+      <p:cxnSp>
+        <p:nvCxnSpPr>
+          <p:cNvPr id="15" name="구부러진 연결선[U] 14">
+            <a:extLst>
+              <a:ext uri="{FF2B5EF4-FFF2-40B4-BE49-F238E27FC236}">
+                <a16:creationId xmlns:a16="http://schemas.microsoft.com/office/drawing/2014/main" id="{1811C7AE-E660-8ACC-5603-A7F6C1373C28}"/>
+              </a:ext>
+            </a:extLst>
+          </p:cNvPr>
+          <p:cNvCxnSpPr>
+            <a:cxnSpLocks/>
+            <a:stCxn id="7" idx="2"/>
+            <a:endCxn id="13" idx="1"/>
+          </p:cNvCxnSpPr>
+          <p:nvPr/>
+        </p:nvCxnSpPr>
+        <p:spPr>
+          <a:xfrm rot="16200000" flipH="1">
+            <a:off x="6586335" y="2142862"/>
+            <a:ext cx="2707448" cy="2030081"/>
+          </a:xfrm>
+          <a:prstGeom prst="curvedConnector2">
+            <a:avLst/>
+          </a:prstGeom>
+          <a:ln>
+            <a:tailEnd type="triangle"/>
+          </a:ln>
+        </p:spPr>
+        <p:style>
+          <a:lnRef idx="1">
+            <a:schemeClr val="accent1"/>
+          </a:lnRef>
+          <a:fillRef idx="0">
+            <a:schemeClr val="accent1"/>
+          </a:fillRef>
+          <a:effectRef idx="0">
+            <a:schemeClr val="accent1"/>
+          </a:effectRef>
+          <a:fontRef idx="minor">
+            <a:schemeClr val="tx1"/>
+          </a:fontRef>
+        </p:style>
+      </p:cxnSp>
+      <p:sp>
+        <p:nvSpPr>
+          <p:cNvPr id="17" name="직사각형 16">
+            <a:extLst>
+              <a:ext uri="{FF2B5EF4-FFF2-40B4-BE49-F238E27FC236}">
+                <a16:creationId xmlns:a16="http://schemas.microsoft.com/office/drawing/2014/main" id="{1EFBFB0B-EAA6-C970-D367-5A8918285E7E}"/>
+              </a:ext>
+            </a:extLst>
+          </p:cNvPr>
+          <p:cNvSpPr/>
+          <p:nvPr/>
+        </p:nvSpPr>
+        <p:spPr>
+          <a:xfrm>
+            <a:off x="9115742" y="4301405"/>
+            <a:ext cx="160325" cy="420443"/>
+          </a:xfrm>
+          <a:prstGeom prst="rect">
+            <a:avLst/>
+          </a:prstGeom>
+          <a:solidFill>
+            <a:schemeClr val="accent2"/>
+          </a:solidFill>
+        </p:spPr>
+        <p:style>
+          <a:lnRef idx="2">
+            <a:schemeClr val="accent1">
+              <a:shade val="50000"/>
+            </a:schemeClr>
+          </a:lnRef>
+          <a:fillRef idx="1">
+            <a:schemeClr val="accent1"/>
+          </a:fillRef>
+          <a:effectRef idx="0">
+            <a:schemeClr val="accent1"/>
+          </a:effectRef>
+          <a:fontRef idx="minor">
+            <a:schemeClr val="lt1"/>
+          </a:fontRef>
+        </p:style>
+        <p:txBody>
+          <a:bodyPr rtlCol="0" anchor="ctr"/>
+          <a:lstStyle/>
+          <a:p>
+            <a:pPr algn="ctr"/>
+            <a:endParaRPr kumimoji="1" lang="ko-Kore-KR" altLang="en-US" sz="1400" dirty="0">
+              <a:solidFill>
+                <a:schemeClr val="tx1"/>
+              </a:solidFill>
+            </a:endParaRPr>
+          </a:p>
+        </p:txBody>
+      </p:sp>
+      <p:sp>
+        <p:nvSpPr>
+          <p:cNvPr id="18" name="직사각형 17">
+            <a:extLst>
+              <a:ext uri="{FF2B5EF4-FFF2-40B4-BE49-F238E27FC236}">
+                <a16:creationId xmlns:a16="http://schemas.microsoft.com/office/drawing/2014/main" id="{B6008B54-A388-B031-6B48-54B977D29FA7}"/>
+              </a:ext>
+            </a:extLst>
+          </p:cNvPr>
+          <p:cNvSpPr/>
+          <p:nvPr/>
+        </p:nvSpPr>
+        <p:spPr>
+          <a:xfrm>
+            <a:off x="9276384" y="4301405"/>
+            <a:ext cx="160325" cy="420443"/>
+          </a:xfrm>
+          <a:prstGeom prst="rect">
+            <a:avLst/>
+          </a:prstGeom>
+          <a:solidFill>
+            <a:schemeClr val="accent2"/>
+          </a:solidFill>
+        </p:spPr>
+        <p:style>
+          <a:lnRef idx="2">
+            <a:schemeClr val="accent1">
+              <a:shade val="50000"/>
+            </a:schemeClr>
+          </a:lnRef>
+          <a:fillRef idx="1">
+            <a:schemeClr val="accent1"/>
+          </a:fillRef>
+          <a:effectRef idx="0">
+            <a:schemeClr val="accent1"/>
+          </a:effectRef>
+          <a:fontRef idx="minor">
+            <a:schemeClr val="lt1"/>
+          </a:fontRef>
+        </p:style>
+        <p:txBody>
+          <a:bodyPr rtlCol="0" anchor="ctr"/>
+          <a:lstStyle/>
+          <a:p>
+            <a:pPr algn="ctr"/>
+            <a:endParaRPr kumimoji="1" lang="ko-Kore-KR" altLang="en-US" sz="1400" dirty="0">
+              <a:solidFill>
+                <a:schemeClr val="tx1"/>
+              </a:solidFill>
+            </a:endParaRPr>
+          </a:p>
+        </p:txBody>
+      </p:sp>
+      <p:sp>
+        <p:nvSpPr>
+          <p:cNvPr id="19" name="직사각형 18">
+            <a:extLst>
+              <a:ext uri="{FF2B5EF4-FFF2-40B4-BE49-F238E27FC236}">
+                <a16:creationId xmlns:a16="http://schemas.microsoft.com/office/drawing/2014/main" id="{23F1BCDC-7A97-CD67-CBF2-8FCD4755C106}"/>
+              </a:ext>
+            </a:extLst>
+          </p:cNvPr>
+          <p:cNvSpPr/>
+          <p:nvPr/>
+        </p:nvSpPr>
+        <p:spPr>
+          <a:xfrm>
+            <a:off x="9437026" y="4301405"/>
+            <a:ext cx="160325" cy="420443"/>
+          </a:xfrm>
+          <a:prstGeom prst="rect">
+            <a:avLst/>
+          </a:prstGeom>
+          <a:solidFill>
+            <a:schemeClr val="accent2"/>
+          </a:solidFill>
+        </p:spPr>
+        <p:style>
+          <a:lnRef idx="2">
+            <a:schemeClr val="accent1">
+              <a:shade val="50000"/>
+            </a:schemeClr>
+          </a:lnRef>
+          <a:fillRef idx="1">
+            <a:schemeClr val="accent1"/>
+          </a:fillRef>
+          <a:effectRef idx="0">
+            <a:schemeClr val="accent1"/>
+          </a:effectRef>
+          <a:fontRef idx="minor">
+            <a:schemeClr val="lt1"/>
+          </a:fontRef>
+        </p:style>
+        <p:txBody>
+          <a:bodyPr rtlCol="0" anchor="ctr"/>
+          <a:lstStyle/>
+          <a:p>
+            <a:pPr algn="ctr"/>
+            <a:endParaRPr kumimoji="1" lang="ko-Kore-KR" altLang="en-US" sz="1400" dirty="0">
+              <a:solidFill>
+                <a:schemeClr val="tx1"/>
+              </a:solidFill>
+            </a:endParaRPr>
+          </a:p>
+        </p:txBody>
+      </p:sp>
+      <p:sp>
+        <p:nvSpPr>
+          <p:cNvPr id="20" name="직사각형 19">
+            <a:extLst>
+              <a:ext uri="{FF2B5EF4-FFF2-40B4-BE49-F238E27FC236}">
+                <a16:creationId xmlns:a16="http://schemas.microsoft.com/office/drawing/2014/main" id="{2ADDA5B1-6B27-FC8E-462B-2793FD5FEEEF}"/>
+              </a:ext>
+            </a:extLst>
+          </p:cNvPr>
+          <p:cNvSpPr/>
+          <p:nvPr/>
+        </p:nvSpPr>
+        <p:spPr>
+          <a:xfrm>
+            <a:off x="10618305" y="4309272"/>
+            <a:ext cx="160325" cy="420443"/>
+          </a:xfrm>
+          <a:prstGeom prst="rect">
+            <a:avLst/>
+          </a:prstGeom>
+          <a:solidFill>
+            <a:schemeClr val="accent2"/>
+          </a:solidFill>
+        </p:spPr>
+        <p:style>
+          <a:lnRef idx="2">
+            <a:schemeClr val="accent1">
+              <a:shade val="50000"/>
+            </a:schemeClr>
+          </a:lnRef>
+          <a:fillRef idx="1">
+            <a:schemeClr val="accent1"/>
+          </a:fillRef>
+          <a:effectRef idx="0">
+            <a:schemeClr val="accent1"/>
+          </a:effectRef>
+          <a:fontRef idx="minor">
+            <a:schemeClr val="lt1"/>
+          </a:fontRef>
+        </p:style>
+        <p:txBody>
+          <a:bodyPr rtlCol="0" anchor="ctr"/>
+          <a:lstStyle/>
+          <a:p>
+            <a:pPr algn="ctr"/>
+            <a:endParaRPr kumimoji="1" lang="ko-Kore-KR" altLang="en-US" sz="1400" dirty="0">
+              <a:solidFill>
+                <a:schemeClr val="tx1"/>
+              </a:solidFill>
+            </a:endParaRPr>
+          </a:p>
+        </p:txBody>
+      </p:sp>
+      <p:sp>
+        <p:nvSpPr>
+          <p:cNvPr id="21" name="직사각형 20">
+            <a:extLst>
+              <a:ext uri="{FF2B5EF4-FFF2-40B4-BE49-F238E27FC236}">
+                <a16:creationId xmlns:a16="http://schemas.microsoft.com/office/drawing/2014/main" id="{4E62BFE6-A22A-B5A4-8CF8-4600E6F72B5D}"/>
+              </a:ext>
+            </a:extLst>
+          </p:cNvPr>
+          <p:cNvSpPr/>
+          <p:nvPr/>
+        </p:nvSpPr>
+        <p:spPr>
+          <a:xfrm>
+            <a:off x="10778947" y="4309272"/>
+            <a:ext cx="160325" cy="420443"/>
+          </a:xfrm>
+          <a:prstGeom prst="rect">
+            <a:avLst/>
+          </a:prstGeom>
+          <a:solidFill>
+            <a:srgbClr val="FFFF00"/>
+          </a:solidFill>
+        </p:spPr>
+        <p:style>
+          <a:lnRef idx="2">
+            <a:schemeClr val="accent1">
+              <a:shade val="50000"/>
+            </a:schemeClr>
+          </a:lnRef>
+          <a:fillRef idx="1">
+            <a:schemeClr val="accent1"/>
+          </a:fillRef>
+          <a:effectRef idx="0">
+            <a:schemeClr val="accent1"/>
+          </a:effectRef>
+          <a:fontRef idx="minor">
+            <a:schemeClr val="lt1"/>
+          </a:fontRef>
+        </p:style>
+        <p:txBody>
+          <a:bodyPr rtlCol="0" anchor="ctr"/>
+          <a:lstStyle/>
+          <a:p>
+            <a:pPr algn="ctr"/>
+            <a:endParaRPr kumimoji="1" lang="ko-Kore-KR" altLang="en-US" sz="1400" dirty="0">
+              <a:solidFill>
+                <a:schemeClr val="tx1"/>
+              </a:solidFill>
+            </a:endParaRPr>
+          </a:p>
+        </p:txBody>
+      </p:sp>
+      <p:sp>
+        <p:nvSpPr>
+          <p:cNvPr id="22" name="직사각형 21">
+            <a:extLst>
+              <a:ext uri="{FF2B5EF4-FFF2-40B4-BE49-F238E27FC236}">
+                <a16:creationId xmlns:a16="http://schemas.microsoft.com/office/drawing/2014/main" id="{CF2C36D3-84E1-8D2F-B14C-BE9016C3694E}"/>
+              </a:ext>
+            </a:extLst>
+          </p:cNvPr>
+          <p:cNvSpPr/>
+          <p:nvPr/>
+        </p:nvSpPr>
+        <p:spPr>
+          <a:xfrm>
+            <a:off x="10939589" y="4309272"/>
+            <a:ext cx="160325" cy="420443"/>
+          </a:xfrm>
+          <a:prstGeom prst="rect">
+            <a:avLst/>
+          </a:prstGeom>
+          <a:solidFill>
+            <a:srgbClr val="FFFF00"/>
+          </a:solidFill>
+        </p:spPr>
+        <p:style>
+          <a:lnRef idx="2">
+            <a:schemeClr val="accent1">
+              <a:shade val="50000"/>
+            </a:schemeClr>
+          </a:lnRef>
+          <a:fillRef idx="1">
+            <a:schemeClr val="accent1"/>
+          </a:fillRef>
+          <a:effectRef idx="0">
+            <a:schemeClr val="accent1"/>
+          </a:effectRef>
+          <a:fontRef idx="minor">
+            <a:schemeClr val="lt1"/>
+          </a:fontRef>
+        </p:style>
+        <p:txBody>
+          <a:bodyPr rtlCol="0" anchor="ctr"/>
+          <a:lstStyle/>
+          <a:p>
+            <a:pPr algn="ctr"/>
+            <a:endParaRPr kumimoji="1" lang="ko-Kore-KR" altLang="en-US" sz="1400" dirty="0">
+              <a:solidFill>
+                <a:schemeClr val="tx1"/>
+              </a:solidFill>
+            </a:endParaRPr>
+          </a:p>
+        </p:txBody>
+      </p:sp>
+      <p:sp>
+        <p:nvSpPr>
+          <p:cNvPr id="23" name="직사각형 22">
+            <a:extLst>
+              <a:ext uri="{FF2B5EF4-FFF2-40B4-BE49-F238E27FC236}">
+                <a16:creationId xmlns:a16="http://schemas.microsoft.com/office/drawing/2014/main" id="{576E4052-CC08-C1CF-3A55-BA2043A609A9}"/>
+              </a:ext>
+            </a:extLst>
+          </p:cNvPr>
+          <p:cNvSpPr/>
+          <p:nvPr/>
+        </p:nvSpPr>
+        <p:spPr>
+          <a:xfrm>
+            <a:off x="11100231" y="4309272"/>
+            <a:ext cx="160325" cy="420443"/>
+          </a:xfrm>
+          <a:prstGeom prst="rect">
+            <a:avLst/>
+          </a:prstGeom>
+          <a:solidFill>
+            <a:srgbClr val="FFFF00"/>
+          </a:solidFill>
+        </p:spPr>
+        <p:style>
+          <a:lnRef idx="2">
+            <a:schemeClr val="accent1">
+              <a:shade val="50000"/>
+            </a:schemeClr>
+          </a:lnRef>
+          <a:fillRef idx="1">
+            <a:schemeClr val="accent1"/>
+          </a:fillRef>
+          <a:effectRef idx="0">
+            <a:schemeClr val="accent1"/>
+          </a:effectRef>
+          <a:fontRef idx="minor">
+            <a:schemeClr val="lt1"/>
+          </a:fontRef>
+        </p:style>
+        <p:txBody>
+          <a:bodyPr rtlCol="0" anchor="ctr"/>
+          <a:lstStyle/>
+          <a:p>
+            <a:pPr algn="ctr"/>
+            <a:endParaRPr kumimoji="1" lang="ko-Kore-KR" altLang="en-US" sz="1400" dirty="0">
+              <a:solidFill>
+                <a:schemeClr val="tx1"/>
+              </a:solidFill>
+            </a:endParaRPr>
+          </a:p>
+        </p:txBody>
+      </p:sp>
+      <p:cxnSp>
+        <p:nvCxnSpPr>
+          <p:cNvPr id="24" name="구부러진 연결선[U] 23">
+            <a:extLst>
+              <a:ext uri="{FF2B5EF4-FFF2-40B4-BE49-F238E27FC236}">
+                <a16:creationId xmlns:a16="http://schemas.microsoft.com/office/drawing/2014/main" id="{96A1B988-EF4D-8117-990F-A4FD520D5305}"/>
+              </a:ext>
+            </a:extLst>
+          </p:cNvPr>
+          <p:cNvCxnSpPr>
+            <a:cxnSpLocks/>
+            <a:stCxn id="9" idx="2"/>
+            <a:endCxn id="20" idx="1"/>
+          </p:cNvCxnSpPr>
+          <p:nvPr/>
+        </p:nvCxnSpPr>
+        <p:spPr>
+          <a:xfrm rot="16200000" flipH="1">
+            <a:off x="8098826" y="2000014"/>
+            <a:ext cx="2740871" cy="2298087"/>
+          </a:xfrm>
+          <a:prstGeom prst="curvedConnector2">
+            <a:avLst/>
+          </a:prstGeom>
+          <a:ln>
+            <a:tailEnd type="triangle"/>
+          </a:ln>
+        </p:spPr>
+        <p:style>
+          <a:lnRef idx="1">
+            <a:schemeClr val="accent1"/>
+          </a:lnRef>
+          <a:fillRef idx="0">
+            <a:schemeClr val="accent1"/>
+          </a:fillRef>
+          <a:effectRef idx="0">
+            <a:schemeClr val="accent1"/>
+          </a:effectRef>
+          <a:fontRef idx="minor">
+            <a:schemeClr val="tx1"/>
+          </a:fontRef>
+        </p:style>
+      </p:cxnSp>
+    </p:spTree>
+    <p:extLst>
+      <p:ext uri="{BB962C8B-B14F-4D97-AF65-F5344CB8AC3E}">
+        <p14:creationId xmlns:p14="http://schemas.microsoft.com/office/powerpoint/2010/main" val="888374690"/>
       </p:ext>
     </p:extLst>
   </p:cSld>

--- a/220510.pptx
+++ b/220510.pptx
@@ -22,6 +22,8 @@
     <p:sldId id="270" r:id="rId16"/>
     <p:sldId id="271" r:id="rId17"/>
     <p:sldId id="272" r:id="rId18"/>
+    <p:sldId id="273" r:id="rId19"/>
+    <p:sldId id="274" r:id="rId20"/>
   </p:sldIdLst>
   <p:sldSz cx="12192000" cy="6858000"/>
   <p:notesSz cx="6858000" cy="9144000"/>
@@ -16660,6 +16662,1576 @@
     <p:extLst>
       <p:ext uri="{BB962C8B-B14F-4D97-AF65-F5344CB8AC3E}">
         <p14:creationId xmlns:p14="http://schemas.microsoft.com/office/powerpoint/2010/main" val="888374690"/>
+      </p:ext>
+    </p:extLst>
+  </p:cSld>
+  <p:clrMapOvr>
+    <a:masterClrMapping/>
+  </p:clrMapOvr>
+</p:sld>
+</file>
+
+<file path=ppt/slides/slide18.xml><?xml version="1.0" encoding="utf-8"?>
+<p:sld xmlns:a="http://schemas.openxmlformats.org/drawingml/2006/main" xmlns:r="http://schemas.openxmlformats.org/officeDocument/2006/relationships" xmlns:p="http://schemas.openxmlformats.org/presentationml/2006/main">
+  <p:cSld>
+    <p:spTree>
+      <p:nvGrpSpPr>
+        <p:cNvPr id="1" name=""/>
+        <p:cNvGrpSpPr/>
+        <p:nvPr/>
+      </p:nvGrpSpPr>
+      <p:grpSpPr>
+        <a:xfrm>
+          <a:off x="0" y="0"/>
+          <a:ext cx="0" cy="0"/>
+          <a:chOff x="0" y="0"/>
+          <a:chExt cx="0" cy="0"/>
+        </a:xfrm>
+      </p:grpSpPr>
+      <p:sp>
+        <p:nvSpPr>
+          <p:cNvPr id="4" name="직사각형 3">
+            <a:extLst>
+              <a:ext uri="{FF2B5EF4-FFF2-40B4-BE49-F238E27FC236}">
+                <a16:creationId xmlns:a16="http://schemas.microsoft.com/office/drawing/2014/main" id="{0E0F5F17-79D5-8EDF-A603-458AF725D32A}"/>
+              </a:ext>
+            </a:extLst>
+          </p:cNvPr>
+          <p:cNvSpPr/>
+          <p:nvPr/>
+        </p:nvSpPr>
+        <p:spPr>
+          <a:xfrm>
+            <a:off x="485775" y="179844"/>
+            <a:ext cx="5400675" cy="923330"/>
+          </a:xfrm>
+          <a:prstGeom prst="rect">
+            <a:avLst/>
+          </a:prstGeom>
+        </p:spPr>
+        <p:txBody>
+          <a:bodyPr wrap="square">
+            <a:spAutoFit/>
+          </a:bodyPr>
+          <a:lstStyle/>
+          <a:p>
+            <a:r>
+              <a:rPr lang="en" altLang="ko-Kore-KR" dirty="0">
+                <a:solidFill>
+                  <a:srgbClr val="0000FF"/>
+                </a:solidFill>
+                <a:latin typeface="DM Mono" panose="020B0509040201040103" pitchFamily="49" charset="0"/>
+              </a:rPr>
+              <a:t>char</a:t>
+            </a:r>
+            <a:r>
+              <a:rPr lang="en" altLang="ko-Kore-KR" dirty="0">
+                <a:solidFill>
+                  <a:srgbClr val="000000"/>
+                </a:solidFill>
+                <a:latin typeface="DM Mono" panose="020B0509040201040103" pitchFamily="49" charset="0"/>
+              </a:rPr>
+              <a:t> </a:t>
+            </a:r>
+            <a:r>
+              <a:rPr lang="en" altLang="ko-Kore-KR" dirty="0">
+                <a:solidFill>
+                  <a:srgbClr val="001080"/>
+                </a:solidFill>
+                <a:latin typeface="DM Mono" panose="020B0509040201040103" pitchFamily="49" charset="0"/>
+              </a:rPr>
+              <a:t>str</a:t>
+            </a:r>
+            <a:r>
+              <a:rPr lang="en" altLang="ko-Kore-KR" dirty="0">
+                <a:solidFill>
+                  <a:srgbClr val="0000FF"/>
+                </a:solidFill>
+                <a:latin typeface="DM Mono" panose="020B0509040201040103" pitchFamily="49" charset="0"/>
+              </a:rPr>
+              <a:t>[]</a:t>
+            </a:r>
+            <a:r>
+              <a:rPr lang="en" altLang="ko-Kore-KR" dirty="0">
+                <a:solidFill>
+                  <a:srgbClr val="000000"/>
+                </a:solidFill>
+                <a:latin typeface="DM Mono" panose="020B0509040201040103" pitchFamily="49" charset="0"/>
+              </a:rPr>
+              <a:t> = </a:t>
+            </a:r>
+            <a:r>
+              <a:rPr lang="en" altLang="ko-Kore-KR" dirty="0">
+                <a:solidFill>
+                  <a:srgbClr val="A31515"/>
+                </a:solidFill>
+                <a:latin typeface="DM Mono" panose="020B0509040201040103" pitchFamily="49" charset="0"/>
+              </a:rPr>
+              <a:t>"hello"</a:t>
+            </a:r>
+            <a:r>
+              <a:rPr lang="en" altLang="ko-Kore-KR" dirty="0">
+                <a:solidFill>
+                  <a:srgbClr val="000000"/>
+                </a:solidFill>
+                <a:latin typeface="DM Mono" panose="020B0509040201040103" pitchFamily="49" charset="0"/>
+              </a:rPr>
+              <a:t>;</a:t>
+            </a:r>
+          </a:p>
+          <a:p>
+            <a:r>
+              <a:rPr lang="en" altLang="ko-Kore-KR" dirty="0">
+                <a:solidFill>
+                  <a:srgbClr val="0000FF"/>
+                </a:solidFill>
+                <a:latin typeface="DM Mono" panose="020B0509040201040103" pitchFamily="49" charset="0"/>
+              </a:rPr>
+              <a:t>char</a:t>
+            </a:r>
+            <a:r>
+              <a:rPr lang="en" altLang="ko-Kore-KR" dirty="0">
+                <a:solidFill>
+                  <a:srgbClr val="000000"/>
+                </a:solidFill>
+                <a:latin typeface="DM Mono" panose="020B0509040201040103" pitchFamily="49" charset="0"/>
+              </a:rPr>
+              <a:t>* </a:t>
+            </a:r>
+            <a:r>
+              <a:rPr lang="en" altLang="ko-Kore-KR" dirty="0">
+                <a:solidFill>
+                  <a:srgbClr val="001080"/>
+                </a:solidFill>
+                <a:latin typeface="DM Mono" panose="020B0509040201040103" pitchFamily="49" charset="0"/>
+              </a:rPr>
+              <a:t>str2</a:t>
+            </a:r>
+            <a:r>
+              <a:rPr lang="en" altLang="ko-Kore-KR" dirty="0">
+                <a:solidFill>
+                  <a:srgbClr val="000000"/>
+                </a:solidFill>
+                <a:latin typeface="DM Mono" panose="020B0509040201040103" pitchFamily="49" charset="0"/>
+              </a:rPr>
+              <a:t> = </a:t>
+            </a:r>
+            <a:r>
+              <a:rPr lang="en" altLang="ko-Kore-KR" dirty="0">
+                <a:solidFill>
+                  <a:srgbClr val="A31515"/>
+                </a:solidFill>
+                <a:latin typeface="DM Mono" panose="020B0509040201040103" pitchFamily="49" charset="0"/>
+              </a:rPr>
+              <a:t>"hello"</a:t>
+            </a:r>
+            <a:r>
+              <a:rPr lang="en" altLang="ko-Kore-KR" dirty="0">
+                <a:solidFill>
+                  <a:srgbClr val="000000"/>
+                </a:solidFill>
+                <a:latin typeface="DM Mono" panose="020B0509040201040103" pitchFamily="49" charset="0"/>
+              </a:rPr>
+              <a:t>;</a:t>
+            </a:r>
+          </a:p>
+          <a:p>
+            <a:endParaRPr lang="en" altLang="ko-Kore-KR" dirty="0">
+              <a:solidFill>
+                <a:srgbClr val="000000"/>
+              </a:solidFill>
+              <a:latin typeface="DM Mono" panose="020B0509040201040103" pitchFamily="49" charset="0"/>
+            </a:endParaRPr>
+          </a:p>
+        </p:txBody>
+      </p:sp>
+      <p:sp>
+        <p:nvSpPr>
+          <p:cNvPr id="5" name="직사각형 4">
+            <a:extLst>
+              <a:ext uri="{FF2B5EF4-FFF2-40B4-BE49-F238E27FC236}">
+                <a16:creationId xmlns:a16="http://schemas.microsoft.com/office/drawing/2014/main" id="{356D2266-76C9-BF5B-FD30-A939499031A9}"/>
+              </a:ext>
+            </a:extLst>
+          </p:cNvPr>
+          <p:cNvSpPr/>
+          <p:nvPr/>
+        </p:nvSpPr>
+        <p:spPr>
+          <a:xfrm>
+            <a:off x="5990145" y="1132144"/>
+            <a:ext cx="3234906" cy="2706432"/>
+          </a:xfrm>
+          <a:prstGeom prst="rect">
+            <a:avLst/>
+          </a:prstGeom>
+          <a:noFill/>
+        </p:spPr>
+        <p:style>
+          <a:lnRef idx="2">
+            <a:schemeClr val="accent4"/>
+          </a:lnRef>
+          <a:fillRef idx="1">
+            <a:schemeClr val="lt1"/>
+          </a:fillRef>
+          <a:effectRef idx="0">
+            <a:schemeClr val="accent4"/>
+          </a:effectRef>
+          <a:fontRef idx="minor">
+            <a:schemeClr val="dk1"/>
+          </a:fontRef>
+        </p:style>
+        <p:txBody>
+          <a:bodyPr rtlCol="0" anchor="ctr"/>
+          <a:lstStyle/>
+          <a:p>
+            <a:pPr algn="ctr"/>
+            <a:endParaRPr kumimoji="1" lang="ko-Kore-KR" altLang="en-US" sz="1400" dirty="0">
+              <a:solidFill>
+                <a:schemeClr val="tx1"/>
+              </a:solidFill>
+            </a:endParaRPr>
+          </a:p>
+        </p:txBody>
+      </p:sp>
+      <p:sp>
+        <p:nvSpPr>
+          <p:cNvPr id="6" name="직사각형 5">
+            <a:extLst>
+              <a:ext uri="{FF2B5EF4-FFF2-40B4-BE49-F238E27FC236}">
+                <a16:creationId xmlns:a16="http://schemas.microsoft.com/office/drawing/2014/main" id="{F2F6ABCE-EAF1-064A-0722-05BF2FF7169B}"/>
+              </a:ext>
+            </a:extLst>
+          </p:cNvPr>
+          <p:cNvSpPr/>
+          <p:nvPr/>
+        </p:nvSpPr>
+        <p:spPr>
+          <a:xfrm>
+            <a:off x="6643706" y="737257"/>
+            <a:ext cx="1838965" cy="369332"/>
+          </a:xfrm>
+          <a:prstGeom prst="rect">
+            <a:avLst/>
+          </a:prstGeom>
+        </p:spPr>
+        <p:txBody>
+          <a:bodyPr wrap="none">
+            <a:spAutoFit/>
+          </a:bodyPr>
+          <a:lstStyle/>
+          <a:p>
+            <a:r>
+              <a:rPr lang="en" altLang="ko-Kore-KR" dirty="0">
+                <a:solidFill>
+                  <a:srgbClr val="795E26"/>
+                </a:solidFill>
+                <a:latin typeface="DM Mono" panose="020B0509040201040103" pitchFamily="49" charset="0"/>
+              </a:rPr>
+              <a:t>main - Stack</a:t>
+            </a:r>
+            <a:endParaRPr lang="ko-Kore-KR" altLang="en-US" dirty="0"/>
+          </a:p>
+        </p:txBody>
+      </p:sp>
+      <p:sp>
+        <p:nvSpPr>
+          <p:cNvPr id="23" name="직사각형 22">
+            <a:extLst>
+              <a:ext uri="{FF2B5EF4-FFF2-40B4-BE49-F238E27FC236}">
+                <a16:creationId xmlns:a16="http://schemas.microsoft.com/office/drawing/2014/main" id="{576E4052-CC08-C1CF-3A55-BA2043A609A9}"/>
+              </a:ext>
+            </a:extLst>
+          </p:cNvPr>
+          <p:cNvSpPr/>
+          <p:nvPr/>
+        </p:nvSpPr>
+        <p:spPr>
+          <a:xfrm>
+            <a:off x="6201237" y="1481333"/>
+            <a:ext cx="401225" cy="518917"/>
+          </a:xfrm>
+          <a:prstGeom prst="rect">
+            <a:avLst/>
+          </a:prstGeom>
+          <a:solidFill>
+            <a:srgbClr val="FFFF00"/>
+          </a:solidFill>
+        </p:spPr>
+        <p:style>
+          <a:lnRef idx="2">
+            <a:schemeClr val="accent1">
+              <a:shade val="50000"/>
+            </a:schemeClr>
+          </a:lnRef>
+          <a:fillRef idx="1">
+            <a:schemeClr val="accent1"/>
+          </a:fillRef>
+          <a:effectRef idx="0">
+            <a:schemeClr val="accent1"/>
+          </a:effectRef>
+          <a:fontRef idx="minor">
+            <a:schemeClr val="lt1"/>
+          </a:fontRef>
+        </p:style>
+        <p:txBody>
+          <a:bodyPr rtlCol="0" anchor="ctr"/>
+          <a:lstStyle/>
+          <a:p>
+            <a:pPr algn="ctr"/>
+            <a:r>
+              <a:rPr kumimoji="1" lang="en-US" altLang="ko-Kore-KR" sz="1400" dirty="0">
+                <a:solidFill>
+                  <a:schemeClr val="tx1"/>
+                </a:solidFill>
+              </a:rPr>
+              <a:t>h</a:t>
+            </a:r>
+            <a:endParaRPr kumimoji="1" lang="ko-Kore-KR" altLang="en-US" sz="1400" dirty="0">
+              <a:solidFill>
+                <a:schemeClr val="tx1"/>
+              </a:solidFill>
+            </a:endParaRPr>
+          </a:p>
+        </p:txBody>
+      </p:sp>
+      <p:sp>
+        <p:nvSpPr>
+          <p:cNvPr id="25" name="직사각형 24">
+            <a:extLst>
+              <a:ext uri="{FF2B5EF4-FFF2-40B4-BE49-F238E27FC236}">
+                <a16:creationId xmlns:a16="http://schemas.microsoft.com/office/drawing/2014/main" id="{CC1227AA-1AE4-24E9-E8E9-FC8BA6D04E45}"/>
+              </a:ext>
+            </a:extLst>
+          </p:cNvPr>
+          <p:cNvSpPr/>
+          <p:nvPr/>
+        </p:nvSpPr>
+        <p:spPr>
+          <a:xfrm>
+            <a:off x="6602462" y="1481333"/>
+            <a:ext cx="401225" cy="518917"/>
+          </a:xfrm>
+          <a:prstGeom prst="rect">
+            <a:avLst/>
+          </a:prstGeom>
+          <a:solidFill>
+            <a:srgbClr val="FFFF00"/>
+          </a:solidFill>
+        </p:spPr>
+        <p:style>
+          <a:lnRef idx="2">
+            <a:schemeClr val="accent1">
+              <a:shade val="50000"/>
+            </a:schemeClr>
+          </a:lnRef>
+          <a:fillRef idx="1">
+            <a:schemeClr val="accent1"/>
+          </a:fillRef>
+          <a:effectRef idx="0">
+            <a:schemeClr val="accent1"/>
+          </a:effectRef>
+          <a:fontRef idx="minor">
+            <a:schemeClr val="lt1"/>
+          </a:fontRef>
+        </p:style>
+        <p:txBody>
+          <a:bodyPr rtlCol="0" anchor="ctr"/>
+          <a:lstStyle/>
+          <a:p>
+            <a:pPr algn="ctr"/>
+            <a:r>
+              <a:rPr kumimoji="1" lang="en-US" altLang="ko-Kore-KR" sz="1400" dirty="0">
+                <a:solidFill>
+                  <a:schemeClr val="tx1"/>
+                </a:solidFill>
+              </a:rPr>
+              <a:t>e</a:t>
+            </a:r>
+            <a:endParaRPr kumimoji="1" lang="ko-Kore-KR" altLang="en-US" sz="1400" dirty="0">
+              <a:solidFill>
+                <a:schemeClr val="tx1"/>
+              </a:solidFill>
+            </a:endParaRPr>
+          </a:p>
+        </p:txBody>
+      </p:sp>
+      <p:sp>
+        <p:nvSpPr>
+          <p:cNvPr id="26" name="직사각형 25">
+            <a:extLst>
+              <a:ext uri="{FF2B5EF4-FFF2-40B4-BE49-F238E27FC236}">
+                <a16:creationId xmlns:a16="http://schemas.microsoft.com/office/drawing/2014/main" id="{D21628A2-344F-01BE-9EF9-A103A4D9EF96}"/>
+              </a:ext>
+            </a:extLst>
+          </p:cNvPr>
+          <p:cNvSpPr/>
+          <p:nvPr/>
+        </p:nvSpPr>
+        <p:spPr>
+          <a:xfrm>
+            <a:off x="7003687" y="1481333"/>
+            <a:ext cx="401225" cy="518917"/>
+          </a:xfrm>
+          <a:prstGeom prst="rect">
+            <a:avLst/>
+          </a:prstGeom>
+          <a:solidFill>
+            <a:srgbClr val="FFFF00"/>
+          </a:solidFill>
+        </p:spPr>
+        <p:style>
+          <a:lnRef idx="2">
+            <a:schemeClr val="accent1">
+              <a:shade val="50000"/>
+            </a:schemeClr>
+          </a:lnRef>
+          <a:fillRef idx="1">
+            <a:schemeClr val="accent1"/>
+          </a:fillRef>
+          <a:effectRef idx="0">
+            <a:schemeClr val="accent1"/>
+          </a:effectRef>
+          <a:fontRef idx="minor">
+            <a:schemeClr val="lt1"/>
+          </a:fontRef>
+        </p:style>
+        <p:txBody>
+          <a:bodyPr rtlCol="0" anchor="ctr"/>
+          <a:lstStyle/>
+          <a:p>
+            <a:pPr algn="ctr"/>
+            <a:r>
+              <a:rPr kumimoji="1" lang="en-US" altLang="ko-Kore-KR" sz="1400" dirty="0">
+                <a:solidFill>
+                  <a:schemeClr val="tx1"/>
+                </a:solidFill>
+              </a:rPr>
+              <a:t>l</a:t>
+            </a:r>
+            <a:endParaRPr kumimoji="1" lang="ko-Kore-KR" altLang="en-US" sz="1400" dirty="0">
+              <a:solidFill>
+                <a:schemeClr val="tx1"/>
+              </a:solidFill>
+            </a:endParaRPr>
+          </a:p>
+        </p:txBody>
+      </p:sp>
+      <p:sp>
+        <p:nvSpPr>
+          <p:cNvPr id="27" name="직사각형 26">
+            <a:extLst>
+              <a:ext uri="{FF2B5EF4-FFF2-40B4-BE49-F238E27FC236}">
+                <a16:creationId xmlns:a16="http://schemas.microsoft.com/office/drawing/2014/main" id="{563C0CC0-C5DE-30AE-8DCE-DCBBE61FDE9A}"/>
+              </a:ext>
+            </a:extLst>
+          </p:cNvPr>
+          <p:cNvSpPr/>
+          <p:nvPr/>
+        </p:nvSpPr>
+        <p:spPr>
+          <a:xfrm>
+            <a:off x="7404912" y="1481333"/>
+            <a:ext cx="401225" cy="518917"/>
+          </a:xfrm>
+          <a:prstGeom prst="rect">
+            <a:avLst/>
+          </a:prstGeom>
+          <a:solidFill>
+            <a:srgbClr val="FFFF00"/>
+          </a:solidFill>
+        </p:spPr>
+        <p:style>
+          <a:lnRef idx="2">
+            <a:schemeClr val="accent1">
+              <a:shade val="50000"/>
+            </a:schemeClr>
+          </a:lnRef>
+          <a:fillRef idx="1">
+            <a:schemeClr val="accent1"/>
+          </a:fillRef>
+          <a:effectRef idx="0">
+            <a:schemeClr val="accent1"/>
+          </a:effectRef>
+          <a:fontRef idx="minor">
+            <a:schemeClr val="lt1"/>
+          </a:fontRef>
+        </p:style>
+        <p:txBody>
+          <a:bodyPr rtlCol="0" anchor="ctr"/>
+          <a:lstStyle/>
+          <a:p>
+            <a:pPr algn="ctr"/>
+            <a:r>
+              <a:rPr kumimoji="1" lang="en-US" altLang="ko-Kore-KR" sz="1400" dirty="0">
+                <a:solidFill>
+                  <a:schemeClr val="tx1"/>
+                </a:solidFill>
+              </a:rPr>
+              <a:t>l</a:t>
+            </a:r>
+            <a:endParaRPr kumimoji="1" lang="ko-Kore-KR" altLang="en-US" sz="1400" dirty="0">
+              <a:solidFill>
+                <a:schemeClr val="tx1"/>
+              </a:solidFill>
+            </a:endParaRPr>
+          </a:p>
+        </p:txBody>
+      </p:sp>
+      <p:sp>
+        <p:nvSpPr>
+          <p:cNvPr id="28" name="직사각형 27">
+            <a:extLst>
+              <a:ext uri="{FF2B5EF4-FFF2-40B4-BE49-F238E27FC236}">
+                <a16:creationId xmlns:a16="http://schemas.microsoft.com/office/drawing/2014/main" id="{E446CEFC-695B-1D48-F439-08465649DF7B}"/>
+              </a:ext>
+            </a:extLst>
+          </p:cNvPr>
+          <p:cNvSpPr/>
+          <p:nvPr/>
+        </p:nvSpPr>
+        <p:spPr>
+          <a:xfrm>
+            <a:off x="7806137" y="1481333"/>
+            <a:ext cx="401225" cy="518917"/>
+          </a:xfrm>
+          <a:prstGeom prst="rect">
+            <a:avLst/>
+          </a:prstGeom>
+          <a:solidFill>
+            <a:srgbClr val="FFFF00"/>
+          </a:solidFill>
+        </p:spPr>
+        <p:style>
+          <a:lnRef idx="2">
+            <a:schemeClr val="accent1">
+              <a:shade val="50000"/>
+            </a:schemeClr>
+          </a:lnRef>
+          <a:fillRef idx="1">
+            <a:schemeClr val="accent1"/>
+          </a:fillRef>
+          <a:effectRef idx="0">
+            <a:schemeClr val="accent1"/>
+          </a:effectRef>
+          <a:fontRef idx="minor">
+            <a:schemeClr val="lt1"/>
+          </a:fontRef>
+        </p:style>
+        <p:txBody>
+          <a:bodyPr rtlCol="0" anchor="ctr"/>
+          <a:lstStyle/>
+          <a:p>
+            <a:pPr algn="ctr"/>
+            <a:r>
+              <a:rPr kumimoji="1" lang="en-US" altLang="ko-Kore-KR" sz="1400" dirty="0">
+                <a:solidFill>
+                  <a:schemeClr val="tx1"/>
+                </a:solidFill>
+              </a:rPr>
+              <a:t>o</a:t>
+            </a:r>
+            <a:endParaRPr kumimoji="1" lang="ko-Kore-KR" altLang="en-US" sz="1400" dirty="0">
+              <a:solidFill>
+                <a:schemeClr val="tx1"/>
+              </a:solidFill>
+            </a:endParaRPr>
+          </a:p>
+        </p:txBody>
+      </p:sp>
+      <p:sp>
+        <p:nvSpPr>
+          <p:cNvPr id="29" name="직사각형 28">
+            <a:extLst>
+              <a:ext uri="{FF2B5EF4-FFF2-40B4-BE49-F238E27FC236}">
+                <a16:creationId xmlns:a16="http://schemas.microsoft.com/office/drawing/2014/main" id="{FAD23918-40BC-F859-A293-CAED1E8E648A}"/>
+              </a:ext>
+            </a:extLst>
+          </p:cNvPr>
+          <p:cNvSpPr/>
+          <p:nvPr/>
+        </p:nvSpPr>
+        <p:spPr>
+          <a:xfrm>
+            <a:off x="8207362" y="1481333"/>
+            <a:ext cx="401225" cy="518917"/>
+          </a:xfrm>
+          <a:prstGeom prst="rect">
+            <a:avLst/>
+          </a:prstGeom>
+          <a:solidFill>
+            <a:srgbClr val="FFFF00"/>
+          </a:solidFill>
+        </p:spPr>
+        <p:style>
+          <a:lnRef idx="2">
+            <a:schemeClr val="accent1">
+              <a:shade val="50000"/>
+            </a:schemeClr>
+          </a:lnRef>
+          <a:fillRef idx="1">
+            <a:schemeClr val="accent1"/>
+          </a:fillRef>
+          <a:effectRef idx="0">
+            <a:schemeClr val="accent1"/>
+          </a:effectRef>
+          <a:fontRef idx="minor">
+            <a:schemeClr val="lt1"/>
+          </a:fontRef>
+        </p:style>
+        <p:txBody>
+          <a:bodyPr rtlCol="0" anchor="ctr"/>
+          <a:lstStyle/>
+          <a:p>
+            <a:pPr algn="ctr"/>
+            <a:r>
+              <a:rPr kumimoji="1" lang="en-US" altLang="ko-Kore-KR" sz="1400" dirty="0">
+                <a:solidFill>
+                  <a:schemeClr val="tx1"/>
+                </a:solidFill>
+              </a:rPr>
+              <a:t>\0</a:t>
+            </a:r>
+            <a:endParaRPr kumimoji="1" lang="ko-Kore-KR" altLang="en-US" sz="1400" dirty="0">
+              <a:solidFill>
+                <a:schemeClr val="tx1"/>
+              </a:solidFill>
+            </a:endParaRPr>
+          </a:p>
+        </p:txBody>
+      </p:sp>
+      <p:sp>
+        <p:nvSpPr>
+          <p:cNvPr id="2" name="직사각형 1">
+            <a:extLst>
+              <a:ext uri="{FF2B5EF4-FFF2-40B4-BE49-F238E27FC236}">
+                <a16:creationId xmlns:a16="http://schemas.microsoft.com/office/drawing/2014/main" id="{BEEA2B0E-9202-3185-3A16-A3F540658894}"/>
+              </a:ext>
+            </a:extLst>
+          </p:cNvPr>
+          <p:cNvSpPr/>
+          <p:nvPr/>
+        </p:nvSpPr>
+        <p:spPr>
+          <a:xfrm>
+            <a:off x="5602996" y="1556125"/>
+            <a:ext cx="598241" cy="369332"/>
+          </a:xfrm>
+          <a:prstGeom prst="rect">
+            <a:avLst/>
+          </a:prstGeom>
+        </p:spPr>
+        <p:txBody>
+          <a:bodyPr wrap="none">
+            <a:spAutoFit/>
+          </a:bodyPr>
+          <a:lstStyle/>
+          <a:p>
+            <a:r>
+              <a:rPr lang="en" altLang="ko-Kore-KR" dirty="0">
+                <a:solidFill>
+                  <a:srgbClr val="001080"/>
+                </a:solidFill>
+                <a:latin typeface="DM Mono" panose="020B0509040201040103" pitchFamily="49" charset="0"/>
+              </a:rPr>
+              <a:t>str</a:t>
+            </a:r>
+            <a:endParaRPr lang="ko-Kore-KR" altLang="en-US" dirty="0"/>
+          </a:p>
+        </p:txBody>
+      </p:sp>
+      <p:sp>
+        <p:nvSpPr>
+          <p:cNvPr id="30" name="직사각형 29">
+            <a:extLst>
+              <a:ext uri="{FF2B5EF4-FFF2-40B4-BE49-F238E27FC236}">
+                <a16:creationId xmlns:a16="http://schemas.microsoft.com/office/drawing/2014/main" id="{6077D9DA-2C8B-F61D-2D7C-C599082C15AE}"/>
+              </a:ext>
+            </a:extLst>
+          </p:cNvPr>
+          <p:cNvSpPr/>
+          <p:nvPr/>
+        </p:nvSpPr>
+        <p:spPr>
+          <a:xfrm>
+            <a:off x="7325187" y="2400495"/>
+            <a:ext cx="401225" cy="518917"/>
+          </a:xfrm>
+          <a:prstGeom prst="rect">
+            <a:avLst/>
+          </a:prstGeom>
+          <a:solidFill>
+            <a:srgbClr val="FFFF00"/>
+          </a:solidFill>
+        </p:spPr>
+        <p:style>
+          <a:lnRef idx="2">
+            <a:schemeClr val="accent1">
+              <a:shade val="50000"/>
+            </a:schemeClr>
+          </a:lnRef>
+          <a:fillRef idx="1">
+            <a:schemeClr val="accent1"/>
+          </a:fillRef>
+          <a:effectRef idx="0">
+            <a:schemeClr val="accent1"/>
+          </a:effectRef>
+          <a:fontRef idx="minor">
+            <a:schemeClr val="lt1"/>
+          </a:fontRef>
+        </p:style>
+        <p:txBody>
+          <a:bodyPr rtlCol="0" anchor="ctr"/>
+          <a:lstStyle/>
+          <a:p>
+            <a:pPr algn="ctr"/>
+            <a:endParaRPr kumimoji="1" lang="ko-Kore-KR" altLang="en-US" sz="1400" dirty="0">
+              <a:solidFill>
+                <a:schemeClr val="tx1"/>
+              </a:solidFill>
+            </a:endParaRPr>
+          </a:p>
+        </p:txBody>
+      </p:sp>
+      <p:sp>
+        <p:nvSpPr>
+          <p:cNvPr id="31" name="직사각형 30">
+            <a:extLst>
+              <a:ext uri="{FF2B5EF4-FFF2-40B4-BE49-F238E27FC236}">
+                <a16:creationId xmlns:a16="http://schemas.microsoft.com/office/drawing/2014/main" id="{D7C14B2A-5EB3-AE9F-D6AB-3975B36FF567}"/>
+              </a:ext>
+            </a:extLst>
+          </p:cNvPr>
+          <p:cNvSpPr/>
+          <p:nvPr/>
+        </p:nvSpPr>
+        <p:spPr>
+          <a:xfrm>
+            <a:off x="6589088" y="2485360"/>
+            <a:ext cx="736099" cy="369332"/>
+          </a:xfrm>
+          <a:prstGeom prst="rect">
+            <a:avLst/>
+          </a:prstGeom>
+        </p:spPr>
+        <p:txBody>
+          <a:bodyPr wrap="none">
+            <a:spAutoFit/>
+          </a:bodyPr>
+          <a:lstStyle/>
+          <a:p>
+            <a:r>
+              <a:rPr lang="en" altLang="ko-Kore-KR" dirty="0">
+                <a:solidFill>
+                  <a:srgbClr val="001080"/>
+                </a:solidFill>
+                <a:latin typeface="DM Mono" panose="020B0509040201040103" pitchFamily="49" charset="0"/>
+              </a:rPr>
+              <a:t>str2</a:t>
+            </a:r>
+            <a:endParaRPr lang="ko-Kore-KR" altLang="en-US" dirty="0"/>
+          </a:p>
+        </p:txBody>
+      </p:sp>
+      <p:sp>
+        <p:nvSpPr>
+          <p:cNvPr id="3" name="직사각형 2">
+            <a:extLst>
+              <a:ext uri="{FF2B5EF4-FFF2-40B4-BE49-F238E27FC236}">
+                <a16:creationId xmlns:a16="http://schemas.microsoft.com/office/drawing/2014/main" id="{2F5ED69B-211C-51D1-8BE1-803B1B9C2D99}"/>
+              </a:ext>
+            </a:extLst>
+          </p:cNvPr>
+          <p:cNvSpPr/>
+          <p:nvPr/>
+        </p:nvSpPr>
+        <p:spPr>
+          <a:xfrm>
+            <a:off x="10090909" y="456843"/>
+            <a:ext cx="1287532" cy="369332"/>
+          </a:xfrm>
+          <a:prstGeom prst="rect">
+            <a:avLst/>
+          </a:prstGeom>
+        </p:spPr>
+        <p:txBody>
+          <a:bodyPr wrap="none">
+            <a:spAutoFit/>
+          </a:bodyPr>
+          <a:lstStyle/>
+          <a:p>
+            <a:r>
+              <a:rPr lang="en" altLang="ko-Kore-KR" dirty="0">
+                <a:solidFill>
+                  <a:srgbClr val="A31515"/>
+                </a:solidFill>
+                <a:latin typeface="DM Mono" panose="020B0509040201040103" pitchFamily="49" charset="0"/>
+              </a:rPr>
+              <a:t>"hello"</a:t>
+            </a:r>
+            <a:r>
+              <a:rPr lang="en" altLang="ko-Kore-KR" dirty="0">
+                <a:solidFill>
+                  <a:srgbClr val="000000"/>
+                </a:solidFill>
+                <a:latin typeface="DM Mono" panose="020B0509040201040103" pitchFamily="49" charset="0"/>
+              </a:rPr>
+              <a:t>;</a:t>
+            </a:r>
+            <a:endParaRPr lang="ko-Kore-KR" altLang="en-US" dirty="0"/>
+          </a:p>
+        </p:txBody>
+      </p:sp>
+      <p:cxnSp>
+        <p:nvCxnSpPr>
+          <p:cNvPr id="16" name="구부러진 연결선[U] 15">
+            <a:extLst>
+              <a:ext uri="{FF2B5EF4-FFF2-40B4-BE49-F238E27FC236}">
+                <a16:creationId xmlns:a16="http://schemas.microsoft.com/office/drawing/2014/main" id="{04030A07-4D22-3C36-AD15-4E4669C9FA2F}"/>
+              </a:ext>
+            </a:extLst>
+          </p:cNvPr>
+          <p:cNvCxnSpPr>
+            <a:endCxn id="3" idx="1"/>
+          </p:cNvCxnSpPr>
+          <p:nvPr/>
+        </p:nvCxnSpPr>
+        <p:spPr>
+          <a:xfrm flipV="1">
+            <a:off x="7806137" y="641509"/>
+            <a:ext cx="2284772" cy="2101691"/>
+          </a:xfrm>
+          <a:prstGeom prst="curvedConnector3">
+            <a:avLst>
+              <a:gd name="adj1" fmla="val 93357"/>
+            </a:avLst>
+          </a:prstGeom>
+          <a:ln>
+            <a:tailEnd type="triangle"/>
+          </a:ln>
+        </p:spPr>
+        <p:style>
+          <a:lnRef idx="1">
+            <a:schemeClr val="accent1"/>
+          </a:lnRef>
+          <a:fillRef idx="0">
+            <a:schemeClr val="accent1"/>
+          </a:fillRef>
+          <a:effectRef idx="0">
+            <a:schemeClr val="accent1"/>
+          </a:effectRef>
+          <a:fontRef idx="minor">
+            <a:schemeClr val="tx1"/>
+          </a:fontRef>
+        </p:style>
+      </p:cxnSp>
+    </p:spTree>
+    <p:extLst>
+      <p:ext uri="{BB962C8B-B14F-4D97-AF65-F5344CB8AC3E}">
+        <p14:creationId xmlns:p14="http://schemas.microsoft.com/office/powerpoint/2010/main" val="3678485660"/>
+      </p:ext>
+    </p:extLst>
+  </p:cSld>
+  <p:clrMapOvr>
+    <a:masterClrMapping/>
+  </p:clrMapOvr>
+</p:sld>
+</file>
+
+<file path=ppt/slides/slide19.xml><?xml version="1.0" encoding="utf-8"?>
+<p:sld xmlns:a="http://schemas.openxmlformats.org/drawingml/2006/main" xmlns:r="http://schemas.openxmlformats.org/officeDocument/2006/relationships" xmlns:p="http://schemas.openxmlformats.org/presentationml/2006/main">
+  <p:cSld>
+    <p:spTree>
+      <p:nvGrpSpPr>
+        <p:cNvPr id="1" name=""/>
+        <p:cNvGrpSpPr/>
+        <p:nvPr/>
+      </p:nvGrpSpPr>
+      <p:grpSpPr>
+        <a:xfrm>
+          <a:off x="0" y="0"/>
+          <a:ext cx="0" cy="0"/>
+          <a:chOff x="0" y="0"/>
+          <a:chExt cx="0" cy="0"/>
+        </a:xfrm>
+      </p:grpSpPr>
+      <p:sp>
+        <p:nvSpPr>
+          <p:cNvPr id="7" name="직사각형 6">
+            <a:extLst>
+              <a:ext uri="{FF2B5EF4-FFF2-40B4-BE49-F238E27FC236}">
+                <a16:creationId xmlns:a16="http://schemas.microsoft.com/office/drawing/2014/main" id="{0799A604-5447-F859-9D53-65E1F6B3922F}"/>
+              </a:ext>
+            </a:extLst>
+          </p:cNvPr>
+          <p:cNvSpPr/>
+          <p:nvPr/>
+        </p:nvSpPr>
+        <p:spPr>
+          <a:xfrm>
+            <a:off x="657225" y="304711"/>
+            <a:ext cx="6096000" cy="2031325"/>
+          </a:xfrm>
+          <a:prstGeom prst="rect">
+            <a:avLst/>
+          </a:prstGeom>
+        </p:spPr>
+        <p:txBody>
+          <a:bodyPr>
+            <a:spAutoFit/>
+          </a:bodyPr>
+          <a:lstStyle/>
+          <a:p>
+            <a:r>
+              <a:rPr lang="en" altLang="ko-Kore-KR" dirty="0">
+                <a:solidFill>
+                  <a:srgbClr val="0000FF"/>
+                </a:solidFill>
+                <a:latin typeface="DM Mono" panose="020B0509040201040103" pitchFamily="49" charset="0"/>
+              </a:rPr>
+              <a:t>int</a:t>
+            </a:r>
+            <a:r>
+              <a:rPr lang="en" altLang="ko-Kore-KR" dirty="0">
+                <a:solidFill>
+                  <a:srgbClr val="000000"/>
+                </a:solidFill>
+                <a:latin typeface="DM Mono" panose="020B0509040201040103" pitchFamily="49" charset="0"/>
+              </a:rPr>
+              <a:t> </a:t>
+            </a:r>
+            <a:r>
+              <a:rPr lang="en" altLang="ko-Kore-KR" dirty="0">
+                <a:solidFill>
+                  <a:srgbClr val="001080"/>
+                </a:solidFill>
+                <a:latin typeface="DM Mono" panose="020B0509040201040103" pitchFamily="49" charset="0"/>
+              </a:rPr>
+              <a:t>a</a:t>
+            </a:r>
+            <a:r>
+              <a:rPr lang="en" altLang="ko-Kore-KR" dirty="0">
+                <a:solidFill>
+                  <a:srgbClr val="000000"/>
+                </a:solidFill>
+                <a:latin typeface="DM Mono" panose="020B0509040201040103" pitchFamily="49" charset="0"/>
+              </a:rPr>
+              <a:t> = </a:t>
+            </a:r>
+            <a:r>
+              <a:rPr lang="en" altLang="ko-Kore-KR" dirty="0">
+                <a:solidFill>
+                  <a:srgbClr val="098658"/>
+                </a:solidFill>
+                <a:latin typeface="DM Mono" panose="020B0509040201040103" pitchFamily="49" charset="0"/>
+              </a:rPr>
+              <a:t>10</a:t>
+            </a:r>
+            <a:r>
+              <a:rPr lang="en" altLang="ko-Kore-KR" dirty="0">
+                <a:solidFill>
+                  <a:srgbClr val="000000"/>
+                </a:solidFill>
+                <a:latin typeface="DM Mono" panose="020B0509040201040103" pitchFamily="49" charset="0"/>
+              </a:rPr>
+              <a:t>;</a:t>
+            </a:r>
+          </a:p>
+          <a:p>
+            <a:r>
+              <a:rPr lang="en" altLang="ko-Kore-KR" dirty="0">
+                <a:solidFill>
+                  <a:srgbClr val="0000FF"/>
+                </a:solidFill>
+                <a:latin typeface="DM Mono" panose="020B0509040201040103" pitchFamily="49" charset="0"/>
+              </a:rPr>
+              <a:t>int</a:t>
+            </a:r>
+            <a:r>
+              <a:rPr lang="en" altLang="ko-Kore-KR" dirty="0">
+                <a:solidFill>
+                  <a:srgbClr val="000000"/>
+                </a:solidFill>
+                <a:latin typeface="DM Mono" panose="020B0509040201040103" pitchFamily="49" charset="0"/>
+              </a:rPr>
+              <a:t> </a:t>
+            </a:r>
+            <a:r>
+              <a:rPr lang="en" altLang="ko-Kore-KR" dirty="0">
+                <a:solidFill>
+                  <a:srgbClr val="001080"/>
+                </a:solidFill>
+                <a:latin typeface="DM Mono" panose="020B0509040201040103" pitchFamily="49" charset="0"/>
+              </a:rPr>
+              <a:t>b</a:t>
+            </a:r>
+            <a:r>
+              <a:rPr lang="en" altLang="ko-Kore-KR" dirty="0">
+                <a:solidFill>
+                  <a:srgbClr val="000000"/>
+                </a:solidFill>
+                <a:latin typeface="DM Mono" panose="020B0509040201040103" pitchFamily="49" charset="0"/>
+              </a:rPr>
+              <a:t> = </a:t>
+            </a:r>
+            <a:r>
+              <a:rPr lang="en" altLang="ko-Kore-KR" dirty="0">
+                <a:solidFill>
+                  <a:srgbClr val="098658"/>
+                </a:solidFill>
+                <a:latin typeface="DM Mono" panose="020B0509040201040103" pitchFamily="49" charset="0"/>
+              </a:rPr>
+              <a:t>20</a:t>
+            </a:r>
+            <a:r>
+              <a:rPr lang="en" altLang="ko-Kore-KR" dirty="0">
+                <a:solidFill>
+                  <a:srgbClr val="000000"/>
+                </a:solidFill>
+                <a:latin typeface="DM Mono" panose="020B0509040201040103" pitchFamily="49" charset="0"/>
+              </a:rPr>
+              <a:t>;</a:t>
+            </a:r>
+          </a:p>
+          <a:p>
+            <a:br>
+              <a:rPr lang="en" altLang="ko-Kore-KR" dirty="0">
+                <a:solidFill>
+                  <a:srgbClr val="000000"/>
+                </a:solidFill>
+                <a:latin typeface="DM Mono" panose="020B0509040201040103" pitchFamily="49" charset="0"/>
+              </a:rPr>
+            </a:br>
+            <a:r>
+              <a:rPr lang="en" altLang="ko-Kore-KR" dirty="0">
+                <a:solidFill>
+                  <a:srgbClr val="0000FF"/>
+                </a:solidFill>
+                <a:latin typeface="DM Mono" panose="020B0509040201040103" pitchFamily="49" charset="0"/>
+              </a:rPr>
+              <a:t>const</a:t>
+            </a:r>
+            <a:r>
+              <a:rPr lang="en" altLang="ko-Kore-KR" dirty="0">
+                <a:solidFill>
+                  <a:srgbClr val="000000"/>
+                </a:solidFill>
+                <a:latin typeface="DM Mono" panose="020B0509040201040103" pitchFamily="49" charset="0"/>
+              </a:rPr>
+              <a:t> </a:t>
+            </a:r>
+            <a:r>
+              <a:rPr lang="en" altLang="ko-Kore-KR" dirty="0">
+                <a:solidFill>
+                  <a:srgbClr val="0000FF"/>
+                </a:solidFill>
+                <a:latin typeface="DM Mono" panose="020B0509040201040103" pitchFamily="49" charset="0"/>
+              </a:rPr>
+              <a:t>int</a:t>
+            </a:r>
+            <a:r>
+              <a:rPr lang="en" altLang="ko-Kore-KR" dirty="0">
+                <a:solidFill>
+                  <a:srgbClr val="000000"/>
+                </a:solidFill>
+                <a:latin typeface="DM Mono" panose="020B0509040201040103" pitchFamily="49" charset="0"/>
+              </a:rPr>
+              <a:t>* </a:t>
+            </a:r>
+            <a:r>
+              <a:rPr lang="en" altLang="ko-Kore-KR" dirty="0">
+                <a:solidFill>
+                  <a:srgbClr val="001080"/>
+                </a:solidFill>
+                <a:latin typeface="DM Mono" panose="020B0509040201040103" pitchFamily="49" charset="0"/>
+              </a:rPr>
+              <a:t>pa</a:t>
+            </a:r>
+            <a:r>
+              <a:rPr lang="en" altLang="ko-Kore-KR" dirty="0">
+                <a:solidFill>
+                  <a:srgbClr val="000000"/>
+                </a:solidFill>
+                <a:latin typeface="DM Mono" panose="020B0509040201040103" pitchFamily="49" charset="0"/>
+              </a:rPr>
+              <a:t> = &amp;</a:t>
+            </a:r>
+            <a:r>
+              <a:rPr lang="en" altLang="ko-Kore-KR" dirty="0">
+                <a:solidFill>
+                  <a:srgbClr val="001080"/>
+                </a:solidFill>
+                <a:latin typeface="DM Mono" panose="020B0509040201040103" pitchFamily="49" charset="0"/>
+              </a:rPr>
+              <a:t>a</a:t>
+            </a:r>
+            <a:r>
+              <a:rPr lang="en" altLang="ko-Kore-KR" dirty="0">
+                <a:solidFill>
+                  <a:srgbClr val="000000"/>
+                </a:solidFill>
+                <a:latin typeface="DM Mono" panose="020B0509040201040103" pitchFamily="49" charset="0"/>
+              </a:rPr>
+              <a:t>;</a:t>
+            </a:r>
+          </a:p>
+          <a:p>
+            <a:endParaRPr lang="en" altLang="ko-Kore-KR" b="0" dirty="0">
+              <a:solidFill>
+                <a:srgbClr val="000000"/>
+              </a:solidFill>
+              <a:effectLst/>
+              <a:latin typeface="DM Mono" panose="020B0509040201040103" pitchFamily="49" charset="0"/>
+            </a:endParaRPr>
+          </a:p>
+          <a:p>
+            <a:r>
+              <a:rPr lang="en" altLang="ko-Kore-KR" dirty="0">
+                <a:solidFill>
+                  <a:srgbClr val="000000"/>
+                </a:solidFill>
+                <a:latin typeface="DM Mono" panose="020B0509040201040103" pitchFamily="49" charset="0"/>
+              </a:rPr>
+              <a:t>*pa = 200; // error!</a:t>
+            </a:r>
+            <a:endParaRPr lang="en" altLang="ko-Kore-KR" b="0" dirty="0">
+              <a:solidFill>
+                <a:srgbClr val="000000"/>
+              </a:solidFill>
+              <a:effectLst/>
+              <a:latin typeface="DM Mono" panose="020B0509040201040103" pitchFamily="49" charset="0"/>
+            </a:endParaRPr>
+          </a:p>
+          <a:p>
+            <a:endParaRPr lang="en" altLang="ko-Kore-KR" b="0" dirty="0">
+              <a:solidFill>
+                <a:srgbClr val="000000"/>
+              </a:solidFill>
+              <a:effectLst/>
+              <a:latin typeface="DM Mono" panose="020B0509040201040103" pitchFamily="49" charset="0"/>
+            </a:endParaRPr>
+          </a:p>
+        </p:txBody>
+      </p:sp>
+      <p:sp>
+        <p:nvSpPr>
+          <p:cNvPr id="18" name="직사각형 17">
+            <a:extLst>
+              <a:ext uri="{FF2B5EF4-FFF2-40B4-BE49-F238E27FC236}">
+                <a16:creationId xmlns:a16="http://schemas.microsoft.com/office/drawing/2014/main" id="{2366C23B-A01F-BECA-76EC-70E15757D20D}"/>
+              </a:ext>
+            </a:extLst>
+          </p:cNvPr>
+          <p:cNvSpPr/>
+          <p:nvPr/>
+        </p:nvSpPr>
+        <p:spPr>
+          <a:xfrm>
+            <a:off x="5895387" y="657420"/>
+            <a:ext cx="943563" cy="637980"/>
+          </a:xfrm>
+          <a:prstGeom prst="rect">
+            <a:avLst/>
+          </a:prstGeom>
+          <a:solidFill>
+            <a:srgbClr val="FFFF00"/>
+          </a:solidFill>
+        </p:spPr>
+        <p:style>
+          <a:lnRef idx="2">
+            <a:schemeClr val="accent1">
+              <a:shade val="50000"/>
+            </a:schemeClr>
+          </a:lnRef>
+          <a:fillRef idx="1">
+            <a:schemeClr val="accent1"/>
+          </a:fillRef>
+          <a:effectRef idx="0">
+            <a:schemeClr val="accent1"/>
+          </a:effectRef>
+          <a:fontRef idx="minor">
+            <a:schemeClr val="lt1"/>
+          </a:fontRef>
+        </p:style>
+        <p:txBody>
+          <a:bodyPr rtlCol="0" anchor="ctr"/>
+          <a:lstStyle/>
+          <a:p>
+            <a:pPr algn="ctr"/>
+            <a:r>
+              <a:rPr kumimoji="1" lang="en-US" altLang="ko-Kore-KR" sz="2000" dirty="0">
+                <a:solidFill>
+                  <a:schemeClr val="tx1"/>
+                </a:solidFill>
+              </a:rPr>
+              <a:t>10</a:t>
+            </a:r>
+            <a:endParaRPr kumimoji="1" lang="ko-Kore-KR" altLang="en-US" sz="2000" dirty="0">
+              <a:solidFill>
+                <a:schemeClr val="tx1"/>
+              </a:solidFill>
+            </a:endParaRPr>
+          </a:p>
+        </p:txBody>
+      </p:sp>
+      <p:sp>
+        <p:nvSpPr>
+          <p:cNvPr id="19" name="직사각형 18">
+            <a:extLst>
+              <a:ext uri="{FF2B5EF4-FFF2-40B4-BE49-F238E27FC236}">
+                <a16:creationId xmlns:a16="http://schemas.microsoft.com/office/drawing/2014/main" id="{EB29E775-BAF2-8FB0-B73E-96306AE9BB93}"/>
+              </a:ext>
+            </a:extLst>
+          </p:cNvPr>
+          <p:cNvSpPr/>
+          <p:nvPr/>
+        </p:nvSpPr>
+        <p:spPr>
+          <a:xfrm>
+            <a:off x="5463500" y="791744"/>
+            <a:ext cx="346162" cy="369332"/>
+          </a:xfrm>
+          <a:prstGeom prst="rect">
+            <a:avLst/>
+          </a:prstGeom>
+        </p:spPr>
+        <p:txBody>
+          <a:bodyPr wrap="square">
+            <a:spAutoFit/>
+          </a:bodyPr>
+          <a:lstStyle/>
+          <a:p>
+            <a:r>
+              <a:rPr lang="en" altLang="ko-Kore-KR" dirty="0">
+                <a:solidFill>
+                  <a:srgbClr val="001080"/>
+                </a:solidFill>
+                <a:latin typeface="DM Mono" panose="020B0509040201040103" pitchFamily="49" charset="0"/>
+              </a:rPr>
+              <a:t>a</a:t>
+            </a:r>
+            <a:endParaRPr lang="ko-Kore-KR" altLang="en-US" dirty="0"/>
+          </a:p>
+        </p:txBody>
+      </p:sp>
+      <p:sp>
+        <p:nvSpPr>
+          <p:cNvPr id="20" name="직사각형 19">
+            <a:extLst>
+              <a:ext uri="{FF2B5EF4-FFF2-40B4-BE49-F238E27FC236}">
+                <a16:creationId xmlns:a16="http://schemas.microsoft.com/office/drawing/2014/main" id="{24007B8B-F907-29B3-5B10-7E6E54D11686}"/>
+              </a:ext>
+            </a:extLst>
+          </p:cNvPr>
+          <p:cNvSpPr/>
+          <p:nvPr/>
+        </p:nvSpPr>
+        <p:spPr>
+          <a:xfrm>
+            <a:off x="5895387" y="1769552"/>
+            <a:ext cx="943563" cy="637980"/>
+          </a:xfrm>
+          <a:prstGeom prst="rect">
+            <a:avLst/>
+          </a:prstGeom>
+          <a:solidFill>
+            <a:srgbClr val="FFFF00"/>
+          </a:solidFill>
+        </p:spPr>
+        <p:style>
+          <a:lnRef idx="2">
+            <a:schemeClr val="accent1">
+              <a:shade val="50000"/>
+            </a:schemeClr>
+          </a:lnRef>
+          <a:fillRef idx="1">
+            <a:schemeClr val="accent1"/>
+          </a:fillRef>
+          <a:effectRef idx="0">
+            <a:schemeClr val="accent1"/>
+          </a:effectRef>
+          <a:fontRef idx="minor">
+            <a:schemeClr val="lt1"/>
+          </a:fontRef>
+        </p:style>
+        <p:txBody>
+          <a:bodyPr rtlCol="0" anchor="ctr"/>
+          <a:lstStyle/>
+          <a:p>
+            <a:pPr algn="ctr"/>
+            <a:r>
+              <a:rPr kumimoji="1" lang="en-US" altLang="ko-Kore-KR" sz="2000" dirty="0">
+                <a:solidFill>
+                  <a:schemeClr val="tx1"/>
+                </a:solidFill>
+              </a:rPr>
+              <a:t>20</a:t>
+            </a:r>
+            <a:endParaRPr kumimoji="1" lang="ko-Kore-KR" altLang="en-US" sz="2000" dirty="0">
+              <a:solidFill>
+                <a:schemeClr val="tx1"/>
+              </a:solidFill>
+            </a:endParaRPr>
+          </a:p>
+        </p:txBody>
+      </p:sp>
+      <p:sp>
+        <p:nvSpPr>
+          <p:cNvPr id="21" name="직사각형 20">
+            <a:extLst>
+              <a:ext uri="{FF2B5EF4-FFF2-40B4-BE49-F238E27FC236}">
+                <a16:creationId xmlns:a16="http://schemas.microsoft.com/office/drawing/2014/main" id="{6D7F27D9-F8E1-FF56-B942-C66C6530A920}"/>
+              </a:ext>
+            </a:extLst>
+          </p:cNvPr>
+          <p:cNvSpPr/>
+          <p:nvPr/>
+        </p:nvSpPr>
+        <p:spPr>
+          <a:xfrm>
+            <a:off x="5463500" y="1903876"/>
+            <a:ext cx="346162" cy="369332"/>
+          </a:xfrm>
+          <a:prstGeom prst="rect">
+            <a:avLst/>
+          </a:prstGeom>
+        </p:spPr>
+        <p:txBody>
+          <a:bodyPr wrap="square">
+            <a:spAutoFit/>
+          </a:bodyPr>
+          <a:lstStyle/>
+          <a:p>
+            <a:r>
+              <a:rPr lang="en" altLang="ko-Kore-KR" dirty="0">
+                <a:solidFill>
+                  <a:srgbClr val="001080"/>
+                </a:solidFill>
+                <a:latin typeface="DM Mono" panose="020B0509040201040103" pitchFamily="49" charset="0"/>
+              </a:rPr>
+              <a:t>b</a:t>
+            </a:r>
+            <a:endParaRPr lang="ko-Kore-KR" altLang="en-US" dirty="0"/>
+          </a:p>
+        </p:txBody>
+      </p:sp>
+      <p:sp>
+        <p:nvSpPr>
+          <p:cNvPr id="22" name="직사각형 21">
+            <a:extLst>
+              <a:ext uri="{FF2B5EF4-FFF2-40B4-BE49-F238E27FC236}">
+                <a16:creationId xmlns:a16="http://schemas.microsoft.com/office/drawing/2014/main" id="{426CFF6C-30D9-8ED7-D717-E900452A7BB7}"/>
+              </a:ext>
+            </a:extLst>
+          </p:cNvPr>
+          <p:cNvSpPr/>
+          <p:nvPr/>
+        </p:nvSpPr>
+        <p:spPr>
+          <a:xfrm>
+            <a:off x="3256962" y="3110010"/>
+            <a:ext cx="943563" cy="637980"/>
+          </a:xfrm>
+          <a:prstGeom prst="rect">
+            <a:avLst/>
+          </a:prstGeom>
+          <a:solidFill>
+            <a:srgbClr val="FFFF00"/>
+          </a:solidFill>
+        </p:spPr>
+        <p:style>
+          <a:lnRef idx="2">
+            <a:schemeClr val="accent1">
+              <a:shade val="50000"/>
+            </a:schemeClr>
+          </a:lnRef>
+          <a:fillRef idx="1">
+            <a:schemeClr val="accent1"/>
+          </a:fillRef>
+          <a:effectRef idx="0">
+            <a:schemeClr val="accent1"/>
+          </a:effectRef>
+          <a:fontRef idx="minor">
+            <a:schemeClr val="lt1"/>
+          </a:fontRef>
+        </p:style>
+        <p:txBody>
+          <a:bodyPr rtlCol="0" anchor="ctr"/>
+          <a:lstStyle/>
+          <a:p>
+            <a:pPr algn="ctr"/>
+            <a:r>
+              <a:rPr kumimoji="1" lang="en-US" altLang="ko-Kore-KR" sz="2000" dirty="0">
+                <a:solidFill>
+                  <a:schemeClr val="tx1"/>
+                </a:solidFill>
+              </a:rPr>
+              <a:t>100</a:t>
+            </a:r>
+            <a:endParaRPr kumimoji="1" lang="ko-Kore-KR" altLang="en-US" sz="2000" dirty="0">
+              <a:solidFill>
+                <a:schemeClr val="tx1"/>
+              </a:solidFill>
+            </a:endParaRPr>
+          </a:p>
+        </p:txBody>
+      </p:sp>
+      <p:sp>
+        <p:nvSpPr>
+          <p:cNvPr id="24" name="직사각형 23">
+            <a:extLst>
+              <a:ext uri="{FF2B5EF4-FFF2-40B4-BE49-F238E27FC236}">
+                <a16:creationId xmlns:a16="http://schemas.microsoft.com/office/drawing/2014/main" id="{B38459C6-52F1-6A28-C87E-A187F3E97EBC}"/>
+              </a:ext>
+            </a:extLst>
+          </p:cNvPr>
+          <p:cNvSpPr/>
+          <p:nvPr/>
+        </p:nvSpPr>
+        <p:spPr>
+          <a:xfrm>
+            <a:off x="2667000" y="3244334"/>
+            <a:ext cx="589962" cy="369332"/>
+          </a:xfrm>
+          <a:prstGeom prst="rect">
+            <a:avLst/>
+          </a:prstGeom>
+        </p:spPr>
+        <p:txBody>
+          <a:bodyPr wrap="square">
+            <a:spAutoFit/>
+          </a:bodyPr>
+          <a:lstStyle/>
+          <a:p>
+            <a:r>
+              <a:rPr lang="en" altLang="ko-Kore-KR" dirty="0">
+                <a:solidFill>
+                  <a:srgbClr val="001080"/>
+                </a:solidFill>
+                <a:latin typeface="DM Mono" panose="020B0509040201040103" pitchFamily="49" charset="0"/>
+              </a:rPr>
+              <a:t>pa</a:t>
+            </a:r>
+            <a:endParaRPr lang="ko-Kore-KR" altLang="en-US" dirty="0"/>
+          </a:p>
+        </p:txBody>
+      </p:sp>
+      <p:sp>
+        <p:nvSpPr>
+          <p:cNvPr id="9" name="직사각형 8">
+            <a:extLst>
+              <a:ext uri="{FF2B5EF4-FFF2-40B4-BE49-F238E27FC236}">
+                <a16:creationId xmlns:a16="http://schemas.microsoft.com/office/drawing/2014/main" id="{69F57770-1234-A91A-679B-7B9DAC7E4C4E}"/>
+              </a:ext>
+            </a:extLst>
+          </p:cNvPr>
+          <p:cNvSpPr/>
+          <p:nvPr/>
+        </p:nvSpPr>
+        <p:spPr>
+          <a:xfrm>
+            <a:off x="5463500" y="304711"/>
+            <a:ext cx="535724" cy="369332"/>
+          </a:xfrm>
+          <a:prstGeom prst="rect">
+            <a:avLst/>
+          </a:prstGeom>
+        </p:spPr>
+        <p:txBody>
+          <a:bodyPr wrap="none">
+            <a:spAutoFit/>
+          </a:bodyPr>
+          <a:lstStyle/>
+          <a:p>
+            <a:r>
+              <a:rPr kumimoji="1" lang="en-US" altLang="ko-Kore-KR" dirty="0"/>
+              <a:t>100</a:t>
+            </a:r>
+            <a:endParaRPr lang="ko-Kore-KR" altLang="en-US" dirty="0"/>
+          </a:p>
+        </p:txBody>
+      </p:sp>
+      <p:sp>
+        <p:nvSpPr>
+          <p:cNvPr id="32" name="직사각형 31">
+            <a:extLst>
+              <a:ext uri="{FF2B5EF4-FFF2-40B4-BE49-F238E27FC236}">
+                <a16:creationId xmlns:a16="http://schemas.microsoft.com/office/drawing/2014/main" id="{6963E84F-42AA-A813-D047-CA02979B6EDE}"/>
+              </a:ext>
+            </a:extLst>
+          </p:cNvPr>
+          <p:cNvSpPr/>
+          <p:nvPr/>
+        </p:nvSpPr>
+        <p:spPr>
+          <a:xfrm>
+            <a:off x="5438631" y="1505040"/>
+            <a:ext cx="535724" cy="369332"/>
+          </a:xfrm>
+          <a:prstGeom prst="rect">
+            <a:avLst/>
+          </a:prstGeom>
+        </p:spPr>
+        <p:txBody>
+          <a:bodyPr wrap="none">
+            <a:spAutoFit/>
+          </a:bodyPr>
+          <a:lstStyle/>
+          <a:p>
+            <a:r>
+              <a:rPr kumimoji="1" lang="en-US" altLang="ko-Kore-KR" dirty="0"/>
+              <a:t>200</a:t>
+            </a:r>
+            <a:endParaRPr lang="ko-Kore-KR" altLang="en-US" dirty="0"/>
+          </a:p>
+        </p:txBody>
+      </p:sp>
+      <p:cxnSp>
+        <p:nvCxnSpPr>
+          <p:cNvPr id="11" name="구부러진 연결선[U] 10">
+            <a:extLst>
+              <a:ext uri="{FF2B5EF4-FFF2-40B4-BE49-F238E27FC236}">
+                <a16:creationId xmlns:a16="http://schemas.microsoft.com/office/drawing/2014/main" id="{B74E2132-EDB8-29E2-DD0F-3C889E79AC6C}"/>
+              </a:ext>
+            </a:extLst>
+          </p:cNvPr>
+          <p:cNvCxnSpPr>
+            <a:stCxn id="22" idx="0"/>
+            <a:endCxn id="18" idx="1"/>
+          </p:cNvCxnSpPr>
+          <p:nvPr/>
+        </p:nvCxnSpPr>
+        <p:spPr>
+          <a:xfrm rot="5400000" flipH="1" flipV="1">
+            <a:off x="3745265" y="959889"/>
+            <a:ext cx="2133600" cy="2166643"/>
+          </a:xfrm>
+          <a:prstGeom prst="curvedConnector2">
+            <a:avLst/>
+          </a:prstGeom>
+          <a:ln>
+            <a:tailEnd type="triangle"/>
+          </a:ln>
+        </p:spPr>
+        <p:style>
+          <a:lnRef idx="1">
+            <a:schemeClr val="accent1"/>
+          </a:lnRef>
+          <a:fillRef idx="0">
+            <a:schemeClr val="accent1"/>
+          </a:fillRef>
+          <a:effectRef idx="0">
+            <a:schemeClr val="accent1"/>
+          </a:effectRef>
+          <a:fontRef idx="minor">
+            <a:schemeClr val="tx1"/>
+          </a:fontRef>
+        </p:style>
+      </p:cxnSp>
+    </p:spTree>
+    <p:extLst>
+      <p:ext uri="{BB962C8B-B14F-4D97-AF65-F5344CB8AC3E}">
+        <p14:creationId xmlns:p14="http://schemas.microsoft.com/office/powerpoint/2010/main" val="3426558433"/>
       </p:ext>
     </p:extLst>
   </p:cSld>

--- a/220510.pptx
+++ b/220510.pptx
@@ -24,6 +24,8 @@
     <p:sldId id="272" r:id="rId18"/>
     <p:sldId id="273" r:id="rId19"/>
     <p:sldId id="274" r:id="rId20"/>
+    <p:sldId id="275" r:id="rId21"/>
+    <p:sldId id="276" r:id="rId22"/>
   </p:sldIdLst>
   <p:sldSz cx="12192000" cy="6858000"/>
   <p:notesSz cx="6858000" cy="9144000"/>
@@ -16787,7 +16789,7 @@
                 </a:solidFill>
                 <a:latin typeface="DM Mono" panose="020B0509040201040103" pitchFamily="49" charset="0"/>
               </a:rPr>
-              <a:t>char</a:t>
+              <a:t>const char</a:t>
             </a:r>
             <a:r>
               <a:rPr lang="en" altLang="ko-Kore-KR" dirty="0">
@@ -17465,6 +17467,9 @@
                 <a:solidFill>
                   <a:srgbClr val="A31515"/>
                 </a:solidFill>
+                <a:highlight>
+                  <a:srgbClr val="FFFF00"/>
+                </a:highlight>
                 <a:latin typeface="DM Mono" panose="020B0509040201040103" pitchFamily="49" charset="0"/>
               </a:rPr>
               <a:t>"hello"</a:t>
@@ -17474,11 +17479,18 @@
                 <a:solidFill>
                   <a:srgbClr val="000000"/>
                 </a:solidFill>
+                <a:highlight>
+                  <a:srgbClr val="FFFF00"/>
+                </a:highlight>
                 <a:latin typeface="DM Mono" panose="020B0509040201040103" pitchFamily="49" charset="0"/>
               </a:rPr>
               <a:t>;</a:t>
             </a:r>
-            <a:endParaRPr lang="ko-Kore-KR" altLang="en-US" dirty="0"/>
+            <a:endParaRPr lang="ko-Kore-KR" altLang="en-US" dirty="0">
+              <a:highlight>
+                <a:srgbClr val="FFFF00"/>
+              </a:highlight>
+            </a:endParaRPr>
           </a:p>
         </p:txBody>
       </p:sp>
@@ -17570,7 +17582,7 @@
         <p:spPr>
           <a:xfrm>
             <a:off x="657225" y="304711"/>
-            <a:ext cx="6096000" cy="2031325"/>
+            <a:ext cx="6096000" cy="1754326"/>
           </a:xfrm>
           <a:prstGeom prst="rect">
             <a:avLst/>
@@ -17774,8 +17786,6 @@
               </a:rPr>
               <a:t>;</a:t>
             </a:r>
-          </a:p>
-          <a:p>
             <a:endParaRPr lang="en" altLang="ko-Kore-KR" b="0" dirty="0">
               <a:solidFill>
                 <a:srgbClr val="000000"/>
@@ -17834,7 +17844,7 @@
             <a:avLst/>
           </a:prstGeom>
           <a:solidFill>
-            <a:srgbClr val="FFFF00"/>
+            <a:schemeClr val="accent2"/>
           </a:solidFill>
         </p:spPr>
         <p:style>
@@ -19879,6 +19889,1775 @@
     <p:extLst>
       <p:ext uri="{BB962C8B-B14F-4D97-AF65-F5344CB8AC3E}">
         <p14:creationId xmlns:p14="http://schemas.microsoft.com/office/powerpoint/2010/main" val="4011916045"/>
+      </p:ext>
+    </p:extLst>
+  </p:cSld>
+  <p:clrMapOvr>
+    <a:masterClrMapping/>
+  </p:clrMapOvr>
+</p:sld>
+</file>
+
+<file path=ppt/slides/slide20.xml><?xml version="1.0" encoding="utf-8"?>
+<p:sld xmlns:a="http://schemas.openxmlformats.org/drawingml/2006/main" xmlns:r="http://schemas.openxmlformats.org/officeDocument/2006/relationships" xmlns:p="http://schemas.openxmlformats.org/presentationml/2006/main">
+  <p:cSld>
+    <p:spTree>
+      <p:nvGrpSpPr>
+        <p:cNvPr id="1" name=""/>
+        <p:cNvGrpSpPr/>
+        <p:nvPr/>
+      </p:nvGrpSpPr>
+      <p:grpSpPr>
+        <a:xfrm>
+          <a:off x="0" y="0"/>
+          <a:ext cx="0" cy="0"/>
+          <a:chOff x="0" y="0"/>
+          <a:chExt cx="0" cy="0"/>
+        </a:xfrm>
+      </p:grpSpPr>
+      <p:sp>
+        <p:nvSpPr>
+          <p:cNvPr id="7" name="직사각형 6">
+            <a:extLst>
+              <a:ext uri="{FF2B5EF4-FFF2-40B4-BE49-F238E27FC236}">
+                <a16:creationId xmlns:a16="http://schemas.microsoft.com/office/drawing/2014/main" id="{0799A604-5447-F859-9D53-65E1F6B3922F}"/>
+              </a:ext>
+            </a:extLst>
+          </p:cNvPr>
+          <p:cNvSpPr/>
+          <p:nvPr/>
+        </p:nvSpPr>
+        <p:spPr>
+          <a:xfrm>
+            <a:off x="657225" y="304711"/>
+            <a:ext cx="6096000" cy="1754326"/>
+          </a:xfrm>
+          <a:prstGeom prst="rect">
+            <a:avLst/>
+          </a:prstGeom>
+        </p:spPr>
+        <p:txBody>
+          <a:bodyPr>
+            <a:spAutoFit/>
+          </a:bodyPr>
+          <a:lstStyle/>
+          <a:p>
+            <a:r>
+              <a:rPr lang="en" altLang="ko-Kore-KR" dirty="0">
+                <a:solidFill>
+                  <a:srgbClr val="0000FF"/>
+                </a:solidFill>
+                <a:latin typeface="DM Mono" panose="020B0509040201040103" pitchFamily="49" charset="0"/>
+              </a:rPr>
+              <a:t>int</a:t>
+            </a:r>
+            <a:r>
+              <a:rPr lang="en" altLang="ko-Kore-KR" dirty="0">
+                <a:solidFill>
+                  <a:srgbClr val="000000"/>
+                </a:solidFill>
+                <a:latin typeface="DM Mono" panose="020B0509040201040103" pitchFamily="49" charset="0"/>
+              </a:rPr>
+              <a:t> </a:t>
+            </a:r>
+            <a:r>
+              <a:rPr lang="en" altLang="ko-Kore-KR" dirty="0">
+                <a:solidFill>
+                  <a:srgbClr val="001080"/>
+                </a:solidFill>
+                <a:latin typeface="DM Mono" panose="020B0509040201040103" pitchFamily="49" charset="0"/>
+              </a:rPr>
+              <a:t>a</a:t>
+            </a:r>
+            <a:r>
+              <a:rPr lang="en" altLang="ko-Kore-KR" dirty="0">
+                <a:solidFill>
+                  <a:srgbClr val="000000"/>
+                </a:solidFill>
+                <a:latin typeface="DM Mono" panose="020B0509040201040103" pitchFamily="49" charset="0"/>
+              </a:rPr>
+              <a:t> = </a:t>
+            </a:r>
+            <a:r>
+              <a:rPr lang="en" altLang="ko-Kore-KR" dirty="0">
+                <a:solidFill>
+                  <a:srgbClr val="098658"/>
+                </a:solidFill>
+                <a:latin typeface="DM Mono" panose="020B0509040201040103" pitchFamily="49" charset="0"/>
+              </a:rPr>
+              <a:t>10</a:t>
+            </a:r>
+            <a:r>
+              <a:rPr lang="en" altLang="ko-Kore-KR" dirty="0">
+                <a:solidFill>
+                  <a:srgbClr val="000000"/>
+                </a:solidFill>
+                <a:latin typeface="DM Mono" panose="020B0509040201040103" pitchFamily="49" charset="0"/>
+              </a:rPr>
+              <a:t>;</a:t>
+            </a:r>
+          </a:p>
+          <a:p>
+            <a:r>
+              <a:rPr lang="en" altLang="ko-Kore-KR" dirty="0">
+                <a:solidFill>
+                  <a:srgbClr val="0000FF"/>
+                </a:solidFill>
+                <a:latin typeface="DM Mono" panose="020B0509040201040103" pitchFamily="49" charset="0"/>
+              </a:rPr>
+              <a:t>int</a:t>
+            </a:r>
+            <a:r>
+              <a:rPr lang="en" altLang="ko-Kore-KR" dirty="0">
+                <a:solidFill>
+                  <a:srgbClr val="000000"/>
+                </a:solidFill>
+                <a:latin typeface="DM Mono" panose="020B0509040201040103" pitchFamily="49" charset="0"/>
+              </a:rPr>
+              <a:t> </a:t>
+            </a:r>
+            <a:r>
+              <a:rPr lang="en" altLang="ko-Kore-KR" dirty="0">
+                <a:solidFill>
+                  <a:srgbClr val="001080"/>
+                </a:solidFill>
+                <a:latin typeface="DM Mono" panose="020B0509040201040103" pitchFamily="49" charset="0"/>
+              </a:rPr>
+              <a:t>b</a:t>
+            </a:r>
+            <a:r>
+              <a:rPr lang="en" altLang="ko-Kore-KR" dirty="0">
+                <a:solidFill>
+                  <a:srgbClr val="000000"/>
+                </a:solidFill>
+                <a:latin typeface="DM Mono" panose="020B0509040201040103" pitchFamily="49" charset="0"/>
+              </a:rPr>
+              <a:t> = </a:t>
+            </a:r>
+            <a:r>
+              <a:rPr lang="en" altLang="ko-Kore-KR" dirty="0">
+                <a:solidFill>
+                  <a:srgbClr val="098658"/>
+                </a:solidFill>
+                <a:latin typeface="DM Mono" panose="020B0509040201040103" pitchFamily="49" charset="0"/>
+              </a:rPr>
+              <a:t>20</a:t>
+            </a:r>
+            <a:r>
+              <a:rPr lang="en" altLang="ko-Kore-KR" dirty="0">
+                <a:solidFill>
+                  <a:srgbClr val="000000"/>
+                </a:solidFill>
+                <a:latin typeface="DM Mono" panose="020B0509040201040103" pitchFamily="49" charset="0"/>
+              </a:rPr>
+              <a:t>;</a:t>
+            </a:r>
+          </a:p>
+          <a:p>
+            <a:endParaRPr lang="en" altLang="ko-Kore-KR" dirty="0">
+              <a:solidFill>
+                <a:srgbClr val="000000"/>
+              </a:solidFill>
+              <a:latin typeface="DM Mono" panose="020B0509040201040103" pitchFamily="49" charset="0"/>
+            </a:endParaRPr>
+          </a:p>
+          <a:p>
+            <a:r>
+              <a:rPr lang="en" altLang="ko-Kore-KR" dirty="0">
+                <a:solidFill>
+                  <a:srgbClr val="0000FF"/>
+                </a:solidFill>
+                <a:latin typeface="DM Mono" panose="020B0509040201040103" pitchFamily="49" charset="0"/>
+              </a:rPr>
+              <a:t>int</a:t>
+            </a:r>
+            <a:r>
+              <a:rPr lang="en" altLang="ko-Kore-KR" dirty="0">
+                <a:solidFill>
+                  <a:srgbClr val="000000"/>
+                </a:solidFill>
+                <a:latin typeface="DM Mono" panose="020B0509040201040103" pitchFamily="49" charset="0"/>
+              </a:rPr>
+              <a:t>* </a:t>
+            </a:r>
+            <a:r>
+              <a:rPr lang="en" altLang="ko-Kore-KR" dirty="0">
+                <a:solidFill>
+                  <a:srgbClr val="0000FF"/>
+                </a:solidFill>
+                <a:latin typeface="DM Mono" panose="020B0509040201040103" pitchFamily="49" charset="0"/>
+              </a:rPr>
+              <a:t>const</a:t>
+            </a:r>
+            <a:r>
+              <a:rPr lang="en" altLang="ko-Kore-KR" dirty="0">
+                <a:solidFill>
+                  <a:srgbClr val="000000"/>
+                </a:solidFill>
+                <a:latin typeface="DM Mono" panose="020B0509040201040103" pitchFamily="49" charset="0"/>
+              </a:rPr>
+              <a:t> pa = &amp;a;</a:t>
+            </a:r>
+          </a:p>
+          <a:p>
+            <a:r>
+              <a:rPr lang="en" altLang="ko-Kore-KR" dirty="0">
+                <a:solidFill>
+                  <a:srgbClr val="000000"/>
+                </a:solidFill>
+                <a:latin typeface="DM Mono" panose="020B0509040201040103" pitchFamily="49" charset="0"/>
+              </a:rPr>
+              <a:t>*pa = </a:t>
+            </a:r>
+            <a:r>
+              <a:rPr lang="en" altLang="ko-Kore-KR" dirty="0">
+                <a:solidFill>
+                  <a:srgbClr val="098658"/>
+                </a:solidFill>
+                <a:latin typeface="DM Mono" panose="020B0509040201040103" pitchFamily="49" charset="0"/>
+              </a:rPr>
+              <a:t>200</a:t>
+            </a:r>
+            <a:r>
+              <a:rPr lang="en" altLang="ko-Kore-KR" dirty="0">
+                <a:solidFill>
+                  <a:srgbClr val="000000"/>
+                </a:solidFill>
+                <a:latin typeface="DM Mono" panose="020B0509040201040103" pitchFamily="49" charset="0"/>
+              </a:rPr>
+              <a:t>; </a:t>
+            </a:r>
+            <a:r>
+              <a:rPr lang="en" altLang="ko-Kore-KR" dirty="0">
+                <a:solidFill>
+                  <a:srgbClr val="008000"/>
+                </a:solidFill>
+                <a:latin typeface="DM Mono" panose="020B0509040201040103" pitchFamily="49" charset="0"/>
+              </a:rPr>
+              <a:t>// ok!</a:t>
+            </a:r>
+            <a:endParaRPr lang="en" altLang="ko-Kore-KR" dirty="0">
+              <a:solidFill>
+                <a:srgbClr val="000000"/>
+              </a:solidFill>
+              <a:latin typeface="DM Mono" panose="020B0509040201040103" pitchFamily="49" charset="0"/>
+            </a:endParaRPr>
+          </a:p>
+          <a:p>
+            <a:r>
+              <a:rPr lang="en" altLang="ko-Kore-KR" dirty="0">
+                <a:solidFill>
+                  <a:srgbClr val="000000"/>
+                </a:solidFill>
+                <a:latin typeface="DM Mono" panose="020B0509040201040103" pitchFamily="49" charset="0"/>
+              </a:rPr>
+              <a:t>pa = &amp;b; </a:t>
+            </a:r>
+            <a:r>
+              <a:rPr lang="en" altLang="ko-Kore-KR" dirty="0">
+                <a:solidFill>
+                  <a:srgbClr val="008000"/>
+                </a:solidFill>
+                <a:latin typeface="DM Mono" panose="020B0509040201040103" pitchFamily="49" charset="0"/>
+              </a:rPr>
+              <a:t>// error!</a:t>
+            </a:r>
+            <a:endParaRPr lang="en" altLang="ko-Kore-KR" dirty="0">
+              <a:solidFill>
+                <a:srgbClr val="000000"/>
+              </a:solidFill>
+              <a:latin typeface="DM Mono" panose="020B0509040201040103" pitchFamily="49" charset="0"/>
+            </a:endParaRPr>
+          </a:p>
+        </p:txBody>
+      </p:sp>
+      <p:sp>
+        <p:nvSpPr>
+          <p:cNvPr id="18" name="직사각형 17">
+            <a:extLst>
+              <a:ext uri="{FF2B5EF4-FFF2-40B4-BE49-F238E27FC236}">
+                <a16:creationId xmlns:a16="http://schemas.microsoft.com/office/drawing/2014/main" id="{2366C23B-A01F-BECA-76EC-70E15757D20D}"/>
+              </a:ext>
+            </a:extLst>
+          </p:cNvPr>
+          <p:cNvSpPr/>
+          <p:nvPr/>
+        </p:nvSpPr>
+        <p:spPr>
+          <a:xfrm>
+            <a:off x="5895387" y="657420"/>
+            <a:ext cx="943563" cy="637980"/>
+          </a:xfrm>
+          <a:prstGeom prst="rect">
+            <a:avLst/>
+          </a:prstGeom>
+          <a:solidFill>
+            <a:srgbClr val="FFFF00"/>
+          </a:solidFill>
+        </p:spPr>
+        <p:style>
+          <a:lnRef idx="2">
+            <a:schemeClr val="accent1">
+              <a:shade val="50000"/>
+            </a:schemeClr>
+          </a:lnRef>
+          <a:fillRef idx="1">
+            <a:schemeClr val="accent1"/>
+          </a:fillRef>
+          <a:effectRef idx="0">
+            <a:schemeClr val="accent1"/>
+          </a:effectRef>
+          <a:fontRef idx="minor">
+            <a:schemeClr val="lt1"/>
+          </a:fontRef>
+        </p:style>
+        <p:txBody>
+          <a:bodyPr rtlCol="0" anchor="ctr"/>
+          <a:lstStyle/>
+          <a:p>
+            <a:pPr algn="ctr"/>
+            <a:r>
+              <a:rPr kumimoji="1" lang="en-US" altLang="ko-Kore-KR" sz="2000" b="1" dirty="0">
+                <a:solidFill>
+                  <a:schemeClr val="tx1"/>
+                </a:solidFill>
+              </a:rPr>
+              <a:t>200</a:t>
+            </a:r>
+            <a:endParaRPr kumimoji="1" lang="ko-Kore-KR" altLang="en-US" sz="2000" b="1" dirty="0">
+              <a:solidFill>
+                <a:schemeClr val="tx1"/>
+              </a:solidFill>
+            </a:endParaRPr>
+          </a:p>
+        </p:txBody>
+      </p:sp>
+      <p:sp>
+        <p:nvSpPr>
+          <p:cNvPr id="19" name="직사각형 18">
+            <a:extLst>
+              <a:ext uri="{FF2B5EF4-FFF2-40B4-BE49-F238E27FC236}">
+                <a16:creationId xmlns:a16="http://schemas.microsoft.com/office/drawing/2014/main" id="{EB29E775-BAF2-8FB0-B73E-96306AE9BB93}"/>
+              </a:ext>
+            </a:extLst>
+          </p:cNvPr>
+          <p:cNvSpPr/>
+          <p:nvPr/>
+        </p:nvSpPr>
+        <p:spPr>
+          <a:xfrm>
+            <a:off x="5463500" y="791744"/>
+            <a:ext cx="346162" cy="369332"/>
+          </a:xfrm>
+          <a:prstGeom prst="rect">
+            <a:avLst/>
+          </a:prstGeom>
+        </p:spPr>
+        <p:txBody>
+          <a:bodyPr wrap="square">
+            <a:spAutoFit/>
+          </a:bodyPr>
+          <a:lstStyle/>
+          <a:p>
+            <a:r>
+              <a:rPr lang="en" altLang="ko-Kore-KR" dirty="0">
+                <a:solidFill>
+                  <a:srgbClr val="001080"/>
+                </a:solidFill>
+                <a:latin typeface="DM Mono" panose="020B0509040201040103" pitchFamily="49" charset="0"/>
+              </a:rPr>
+              <a:t>a</a:t>
+            </a:r>
+            <a:endParaRPr lang="ko-Kore-KR" altLang="en-US" dirty="0"/>
+          </a:p>
+        </p:txBody>
+      </p:sp>
+      <p:sp>
+        <p:nvSpPr>
+          <p:cNvPr id="20" name="직사각형 19">
+            <a:extLst>
+              <a:ext uri="{FF2B5EF4-FFF2-40B4-BE49-F238E27FC236}">
+                <a16:creationId xmlns:a16="http://schemas.microsoft.com/office/drawing/2014/main" id="{24007B8B-F907-29B3-5B10-7E6E54D11686}"/>
+              </a:ext>
+            </a:extLst>
+          </p:cNvPr>
+          <p:cNvSpPr/>
+          <p:nvPr/>
+        </p:nvSpPr>
+        <p:spPr>
+          <a:xfrm>
+            <a:off x="5895387" y="1769552"/>
+            <a:ext cx="943563" cy="637980"/>
+          </a:xfrm>
+          <a:prstGeom prst="rect">
+            <a:avLst/>
+          </a:prstGeom>
+          <a:solidFill>
+            <a:srgbClr val="FFFF00"/>
+          </a:solidFill>
+        </p:spPr>
+        <p:style>
+          <a:lnRef idx="2">
+            <a:schemeClr val="accent1">
+              <a:shade val="50000"/>
+            </a:schemeClr>
+          </a:lnRef>
+          <a:fillRef idx="1">
+            <a:schemeClr val="accent1"/>
+          </a:fillRef>
+          <a:effectRef idx="0">
+            <a:schemeClr val="accent1"/>
+          </a:effectRef>
+          <a:fontRef idx="minor">
+            <a:schemeClr val="lt1"/>
+          </a:fontRef>
+        </p:style>
+        <p:txBody>
+          <a:bodyPr rtlCol="0" anchor="ctr"/>
+          <a:lstStyle/>
+          <a:p>
+            <a:pPr algn="ctr"/>
+            <a:r>
+              <a:rPr kumimoji="1" lang="en-US" altLang="ko-Kore-KR" sz="2000" dirty="0">
+                <a:solidFill>
+                  <a:schemeClr val="tx1"/>
+                </a:solidFill>
+              </a:rPr>
+              <a:t>20</a:t>
+            </a:r>
+            <a:endParaRPr kumimoji="1" lang="ko-Kore-KR" altLang="en-US" sz="2000" dirty="0">
+              <a:solidFill>
+                <a:schemeClr val="tx1"/>
+              </a:solidFill>
+            </a:endParaRPr>
+          </a:p>
+        </p:txBody>
+      </p:sp>
+      <p:sp>
+        <p:nvSpPr>
+          <p:cNvPr id="21" name="직사각형 20">
+            <a:extLst>
+              <a:ext uri="{FF2B5EF4-FFF2-40B4-BE49-F238E27FC236}">
+                <a16:creationId xmlns:a16="http://schemas.microsoft.com/office/drawing/2014/main" id="{6D7F27D9-F8E1-FF56-B942-C66C6530A920}"/>
+              </a:ext>
+            </a:extLst>
+          </p:cNvPr>
+          <p:cNvSpPr/>
+          <p:nvPr/>
+        </p:nvSpPr>
+        <p:spPr>
+          <a:xfrm>
+            <a:off x="5463500" y="1903876"/>
+            <a:ext cx="346162" cy="369332"/>
+          </a:xfrm>
+          <a:prstGeom prst="rect">
+            <a:avLst/>
+          </a:prstGeom>
+        </p:spPr>
+        <p:txBody>
+          <a:bodyPr wrap="square">
+            <a:spAutoFit/>
+          </a:bodyPr>
+          <a:lstStyle/>
+          <a:p>
+            <a:r>
+              <a:rPr lang="en" altLang="ko-Kore-KR" dirty="0">
+                <a:solidFill>
+                  <a:srgbClr val="001080"/>
+                </a:solidFill>
+                <a:latin typeface="DM Mono" panose="020B0509040201040103" pitchFamily="49" charset="0"/>
+              </a:rPr>
+              <a:t>b</a:t>
+            </a:r>
+            <a:endParaRPr lang="ko-Kore-KR" altLang="en-US" dirty="0"/>
+          </a:p>
+        </p:txBody>
+      </p:sp>
+      <p:sp>
+        <p:nvSpPr>
+          <p:cNvPr id="22" name="직사각형 21">
+            <a:extLst>
+              <a:ext uri="{FF2B5EF4-FFF2-40B4-BE49-F238E27FC236}">
+                <a16:creationId xmlns:a16="http://schemas.microsoft.com/office/drawing/2014/main" id="{426CFF6C-30D9-8ED7-D717-E900452A7BB7}"/>
+              </a:ext>
+            </a:extLst>
+          </p:cNvPr>
+          <p:cNvSpPr/>
+          <p:nvPr/>
+        </p:nvSpPr>
+        <p:spPr>
+          <a:xfrm>
+            <a:off x="3256962" y="3110010"/>
+            <a:ext cx="943563" cy="637980"/>
+          </a:xfrm>
+          <a:prstGeom prst="rect">
+            <a:avLst/>
+          </a:prstGeom>
+          <a:solidFill>
+            <a:schemeClr val="accent2"/>
+          </a:solidFill>
+        </p:spPr>
+        <p:style>
+          <a:lnRef idx="2">
+            <a:schemeClr val="accent1">
+              <a:shade val="50000"/>
+            </a:schemeClr>
+          </a:lnRef>
+          <a:fillRef idx="1">
+            <a:schemeClr val="accent1"/>
+          </a:fillRef>
+          <a:effectRef idx="0">
+            <a:schemeClr val="accent1"/>
+          </a:effectRef>
+          <a:fontRef idx="minor">
+            <a:schemeClr val="lt1"/>
+          </a:fontRef>
+        </p:style>
+        <p:txBody>
+          <a:bodyPr rtlCol="0" anchor="ctr"/>
+          <a:lstStyle/>
+          <a:p>
+            <a:pPr algn="ctr"/>
+            <a:r>
+              <a:rPr kumimoji="1" lang="en-US" altLang="ko-Kore-KR" sz="2000" dirty="0">
+                <a:solidFill>
+                  <a:schemeClr val="tx1"/>
+                </a:solidFill>
+              </a:rPr>
+              <a:t>100</a:t>
+            </a:r>
+            <a:endParaRPr kumimoji="1" lang="ko-Kore-KR" altLang="en-US" sz="2000" dirty="0">
+              <a:solidFill>
+                <a:schemeClr val="tx1"/>
+              </a:solidFill>
+            </a:endParaRPr>
+          </a:p>
+        </p:txBody>
+      </p:sp>
+      <p:sp>
+        <p:nvSpPr>
+          <p:cNvPr id="24" name="직사각형 23">
+            <a:extLst>
+              <a:ext uri="{FF2B5EF4-FFF2-40B4-BE49-F238E27FC236}">
+                <a16:creationId xmlns:a16="http://schemas.microsoft.com/office/drawing/2014/main" id="{B38459C6-52F1-6A28-C87E-A187F3E97EBC}"/>
+              </a:ext>
+            </a:extLst>
+          </p:cNvPr>
+          <p:cNvSpPr/>
+          <p:nvPr/>
+        </p:nvSpPr>
+        <p:spPr>
+          <a:xfrm>
+            <a:off x="2667000" y="3244334"/>
+            <a:ext cx="589962" cy="369332"/>
+          </a:xfrm>
+          <a:prstGeom prst="rect">
+            <a:avLst/>
+          </a:prstGeom>
+        </p:spPr>
+        <p:txBody>
+          <a:bodyPr wrap="square">
+            <a:spAutoFit/>
+          </a:bodyPr>
+          <a:lstStyle/>
+          <a:p>
+            <a:r>
+              <a:rPr lang="en" altLang="ko-Kore-KR" dirty="0">
+                <a:solidFill>
+                  <a:srgbClr val="001080"/>
+                </a:solidFill>
+                <a:latin typeface="DM Mono" panose="020B0509040201040103" pitchFamily="49" charset="0"/>
+              </a:rPr>
+              <a:t>pa</a:t>
+            </a:r>
+            <a:endParaRPr lang="ko-Kore-KR" altLang="en-US" dirty="0"/>
+          </a:p>
+        </p:txBody>
+      </p:sp>
+      <p:sp>
+        <p:nvSpPr>
+          <p:cNvPr id="9" name="직사각형 8">
+            <a:extLst>
+              <a:ext uri="{FF2B5EF4-FFF2-40B4-BE49-F238E27FC236}">
+                <a16:creationId xmlns:a16="http://schemas.microsoft.com/office/drawing/2014/main" id="{69F57770-1234-A91A-679B-7B9DAC7E4C4E}"/>
+              </a:ext>
+            </a:extLst>
+          </p:cNvPr>
+          <p:cNvSpPr/>
+          <p:nvPr/>
+        </p:nvSpPr>
+        <p:spPr>
+          <a:xfrm>
+            <a:off x="5463500" y="304711"/>
+            <a:ext cx="535724" cy="369332"/>
+          </a:xfrm>
+          <a:prstGeom prst="rect">
+            <a:avLst/>
+          </a:prstGeom>
+        </p:spPr>
+        <p:txBody>
+          <a:bodyPr wrap="none">
+            <a:spAutoFit/>
+          </a:bodyPr>
+          <a:lstStyle/>
+          <a:p>
+            <a:r>
+              <a:rPr kumimoji="1" lang="en-US" altLang="ko-Kore-KR" dirty="0"/>
+              <a:t>100</a:t>
+            </a:r>
+            <a:endParaRPr lang="ko-Kore-KR" altLang="en-US" dirty="0"/>
+          </a:p>
+        </p:txBody>
+      </p:sp>
+      <p:sp>
+        <p:nvSpPr>
+          <p:cNvPr id="32" name="직사각형 31">
+            <a:extLst>
+              <a:ext uri="{FF2B5EF4-FFF2-40B4-BE49-F238E27FC236}">
+                <a16:creationId xmlns:a16="http://schemas.microsoft.com/office/drawing/2014/main" id="{6963E84F-42AA-A813-D047-CA02979B6EDE}"/>
+              </a:ext>
+            </a:extLst>
+          </p:cNvPr>
+          <p:cNvSpPr/>
+          <p:nvPr/>
+        </p:nvSpPr>
+        <p:spPr>
+          <a:xfrm>
+            <a:off x="5438631" y="1505040"/>
+            <a:ext cx="535724" cy="369332"/>
+          </a:xfrm>
+          <a:prstGeom prst="rect">
+            <a:avLst/>
+          </a:prstGeom>
+        </p:spPr>
+        <p:txBody>
+          <a:bodyPr wrap="none">
+            <a:spAutoFit/>
+          </a:bodyPr>
+          <a:lstStyle/>
+          <a:p>
+            <a:r>
+              <a:rPr kumimoji="1" lang="en-US" altLang="ko-Kore-KR" dirty="0"/>
+              <a:t>200</a:t>
+            </a:r>
+            <a:endParaRPr lang="ko-Kore-KR" altLang="en-US" dirty="0"/>
+          </a:p>
+        </p:txBody>
+      </p:sp>
+      <p:cxnSp>
+        <p:nvCxnSpPr>
+          <p:cNvPr id="11" name="구부러진 연결선[U] 10">
+            <a:extLst>
+              <a:ext uri="{FF2B5EF4-FFF2-40B4-BE49-F238E27FC236}">
+                <a16:creationId xmlns:a16="http://schemas.microsoft.com/office/drawing/2014/main" id="{B74E2132-EDB8-29E2-DD0F-3C889E79AC6C}"/>
+              </a:ext>
+            </a:extLst>
+          </p:cNvPr>
+          <p:cNvCxnSpPr>
+            <a:stCxn id="22" idx="0"/>
+            <a:endCxn id="18" idx="1"/>
+          </p:cNvCxnSpPr>
+          <p:nvPr/>
+        </p:nvCxnSpPr>
+        <p:spPr>
+          <a:xfrm rot="5400000" flipH="1" flipV="1">
+            <a:off x="3745265" y="959889"/>
+            <a:ext cx="2133600" cy="2166643"/>
+          </a:xfrm>
+          <a:prstGeom prst="curvedConnector2">
+            <a:avLst/>
+          </a:prstGeom>
+          <a:ln>
+            <a:tailEnd type="triangle"/>
+          </a:ln>
+        </p:spPr>
+        <p:style>
+          <a:lnRef idx="1">
+            <a:schemeClr val="accent1"/>
+          </a:lnRef>
+          <a:fillRef idx="0">
+            <a:schemeClr val="accent1"/>
+          </a:fillRef>
+          <a:effectRef idx="0">
+            <a:schemeClr val="accent1"/>
+          </a:effectRef>
+          <a:fontRef idx="minor">
+            <a:schemeClr val="tx1"/>
+          </a:fontRef>
+        </p:style>
+      </p:cxnSp>
+    </p:spTree>
+    <p:extLst>
+      <p:ext uri="{BB962C8B-B14F-4D97-AF65-F5344CB8AC3E}">
+        <p14:creationId xmlns:p14="http://schemas.microsoft.com/office/powerpoint/2010/main" val="3065518240"/>
+      </p:ext>
+    </p:extLst>
+  </p:cSld>
+  <p:clrMapOvr>
+    <a:masterClrMapping/>
+  </p:clrMapOvr>
+</p:sld>
+</file>
+
+<file path=ppt/slides/slide21.xml><?xml version="1.0" encoding="utf-8"?>
+<p:sld xmlns:a="http://schemas.openxmlformats.org/drawingml/2006/main" xmlns:r="http://schemas.openxmlformats.org/officeDocument/2006/relationships" xmlns:p="http://schemas.openxmlformats.org/presentationml/2006/main">
+  <p:cSld>
+    <p:spTree>
+      <p:nvGrpSpPr>
+        <p:cNvPr id="1" name=""/>
+        <p:cNvGrpSpPr/>
+        <p:nvPr/>
+      </p:nvGrpSpPr>
+      <p:grpSpPr>
+        <a:xfrm>
+          <a:off x="0" y="0"/>
+          <a:ext cx="0" cy="0"/>
+          <a:chOff x="0" y="0"/>
+          <a:chExt cx="0" cy="0"/>
+        </a:xfrm>
+      </p:grpSpPr>
+      <p:sp>
+        <p:nvSpPr>
+          <p:cNvPr id="4" name="직사각형 3">
+            <a:extLst>
+              <a:ext uri="{FF2B5EF4-FFF2-40B4-BE49-F238E27FC236}">
+                <a16:creationId xmlns:a16="http://schemas.microsoft.com/office/drawing/2014/main" id="{0E0F5F17-79D5-8EDF-A603-458AF725D32A}"/>
+              </a:ext>
+            </a:extLst>
+          </p:cNvPr>
+          <p:cNvSpPr/>
+          <p:nvPr/>
+        </p:nvSpPr>
+        <p:spPr>
+          <a:xfrm>
+            <a:off x="485775" y="179844"/>
+            <a:ext cx="5400675" cy="646331"/>
+          </a:xfrm>
+          <a:prstGeom prst="rect">
+            <a:avLst/>
+          </a:prstGeom>
+        </p:spPr>
+        <p:txBody>
+          <a:bodyPr wrap="square">
+            <a:spAutoFit/>
+          </a:bodyPr>
+          <a:lstStyle/>
+          <a:p>
+            <a:r>
+              <a:rPr lang="en" altLang="ko-Kore-KR" dirty="0">
+                <a:solidFill>
+                  <a:srgbClr val="0000FF"/>
+                </a:solidFill>
+                <a:latin typeface="DM Mono" panose="020B0509040201040103" pitchFamily="49" charset="0"/>
+              </a:rPr>
+              <a:t>const</a:t>
+            </a:r>
+            <a:r>
+              <a:rPr lang="en" altLang="ko-Kore-KR" dirty="0">
+                <a:solidFill>
+                  <a:srgbClr val="000000"/>
+                </a:solidFill>
+                <a:latin typeface="DM Mono" panose="020B0509040201040103" pitchFamily="49" charset="0"/>
+              </a:rPr>
+              <a:t> </a:t>
+            </a:r>
+            <a:r>
+              <a:rPr lang="en" altLang="ko-Kore-KR" dirty="0">
+                <a:solidFill>
+                  <a:srgbClr val="0000FF"/>
+                </a:solidFill>
+                <a:latin typeface="DM Mono" panose="020B0509040201040103" pitchFamily="49" charset="0"/>
+              </a:rPr>
+              <a:t>char</a:t>
+            </a:r>
+            <a:r>
+              <a:rPr lang="en" altLang="ko-Kore-KR" dirty="0">
+                <a:solidFill>
+                  <a:srgbClr val="000000"/>
+                </a:solidFill>
+                <a:latin typeface="DM Mono" panose="020B0509040201040103" pitchFamily="49" charset="0"/>
+              </a:rPr>
+              <a:t>* </a:t>
+            </a:r>
+            <a:r>
+              <a:rPr lang="en" altLang="ko-Kore-KR" dirty="0">
+                <a:solidFill>
+                  <a:srgbClr val="001080"/>
+                </a:solidFill>
+                <a:latin typeface="DM Mono" panose="020B0509040201040103" pitchFamily="49" charset="0"/>
+              </a:rPr>
+              <a:t>s1</a:t>
+            </a:r>
+            <a:r>
+              <a:rPr lang="en" altLang="ko-Kore-KR" dirty="0">
+                <a:solidFill>
+                  <a:srgbClr val="000000"/>
+                </a:solidFill>
+                <a:latin typeface="DM Mono" panose="020B0509040201040103" pitchFamily="49" charset="0"/>
+              </a:rPr>
+              <a:t> = </a:t>
+            </a:r>
+            <a:r>
+              <a:rPr lang="en" altLang="ko-Kore-KR" dirty="0">
+                <a:solidFill>
+                  <a:srgbClr val="A31515"/>
+                </a:solidFill>
+                <a:latin typeface="DM Mono" panose="020B0509040201040103" pitchFamily="49" charset="0"/>
+              </a:rPr>
+              <a:t>"hello"</a:t>
+            </a:r>
+            <a:r>
+              <a:rPr lang="en" altLang="ko-Kore-KR" dirty="0">
+                <a:solidFill>
+                  <a:srgbClr val="000000"/>
+                </a:solidFill>
+                <a:latin typeface="DM Mono" panose="020B0509040201040103" pitchFamily="49" charset="0"/>
+              </a:rPr>
+              <a:t>;</a:t>
+            </a:r>
+          </a:p>
+          <a:p>
+            <a:r>
+              <a:rPr lang="en" altLang="ko-Kore-KR" dirty="0">
+                <a:solidFill>
+                  <a:srgbClr val="0000FF"/>
+                </a:solidFill>
+                <a:latin typeface="DM Mono" panose="020B0509040201040103" pitchFamily="49" charset="0"/>
+              </a:rPr>
+              <a:t>const</a:t>
+            </a:r>
+            <a:r>
+              <a:rPr lang="en" altLang="ko-Kore-KR" dirty="0">
+                <a:solidFill>
+                  <a:srgbClr val="000000"/>
+                </a:solidFill>
+                <a:latin typeface="DM Mono" panose="020B0509040201040103" pitchFamily="49" charset="0"/>
+              </a:rPr>
+              <a:t> </a:t>
+            </a:r>
+            <a:r>
+              <a:rPr lang="en" altLang="ko-Kore-KR" dirty="0">
+                <a:solidFill>
+                  <a:srgbClr val="0000FF"/>
+                </a:solidFill>
+                <a:latin typeface="DM Mono" panose="020B0509040201040103" pitchFamily="49" charset="0"/>
+              </a:rPr>
+              <a:t>char</a:t>
+            </a:r>
+            <a:r>
+              <a:rPr lang="en" altLang="ko-Kore-KR" dirty="0">
+                <a:solidFill>
+                  <a:srgbClr val="000000"/>
+                </a:solidFill>
+                <a:latin typeface="DM Mono" panose="020B0509040201040103" pitchFamily="49" charset="0"/>
+              </a:rPr>
+              <a:t>* </a:t>
+            </a:r>
+            <a:r>
+              <a:rPr lang="en" altLang="ko-Kore-KR" dirty="0">
+                <a:solidFill>
+                  <a:srgbClr val="001080"/>
+                </a:solidFill>
+                <a:latin typeface="DM Mono" panose="020B0509040201040103" pitchFamily="49" charset="0"/>
+              </a:rPr>
+              <a:t>s2</a:t>
+            </a:r>
+            <a:r>
+              <a:rPr lang="en" altLang="ko-Kore-KR" dirty="0">
+                <a:solidFill>
+                  <a:srgbClr val="000000"/>
+                </a:solidFill>
+                <a:latin typeface="DM Mono" panose="020B0509040201040103" pitchFamily="49" charset="0"/>
+              </a:rPr>
+              <a:t> = </a:t>
+            </a:r>
+            <a:r>
+              <a:rPr lang="en" altLang="ko-Kore-KR" dirty="0">
+                <a:solidFill>
+                  <a:srgbClr val="A31515"/>
+                </a:solidFill>
+                <a:latin typeface="DM Mono" panose="020B0509040201040103" pitchFamily="49" charset="0"/>
+              </a:rPr>
+              <a:t>"hello"</a:t>
+            </a:r>
+            <a:r>
+              <a:rPr lang="en" altLang="ko-Kore-KR" dirty="0">
+                <a:solidFill>
+                  <a:srgbClr val="000000"/>
+                </a:solidFill>
+                <a:latin typeface="DM Mono" panose="020B0509040201040103" pitchFamily="49" charset="0"/>
+              </a:rPr>
+              <a:t>;</a:t>
+            </a:r>
+          </a:p>
+        </p:txBody>
+      </p:sp>
+      <p:sp>
+        <p:nvSpPr>
+          <p:cNvPr id="5" name="직사각형 4">
+            <a:extLst>
+              <a:ext uri="{FF2B5EF4-FFF2-40B4-BE49-F238E27FC236}">
+                <a16:creationId xmlns:a16="http://schemas.microsoft.com/office/drawing/2014/main" id="{356D2266-76C9-BF5B-FD30-A939499031A9}"/>
+              </a:ext>
+            </a:extLst>
+          </p:cNvPr>
+          <p:cNvSpPr/>
+          <p:nvPr/>
+        </p:nvSpPr>
+        <p:spPr>
+          <a:xfrm>
+            <a:off x="5990145" y="1132144"/>
+            <a:ext cx="3234906" cy="2706432"/>
+          </a:xfrm>
+          <a:prstGeom prst="rect">
+            <a:avLst/>
+          </a:prstGeom>
+          <a:noFill/>
+        </p:spPr>
+        <p:style>
+          <a:lnRef idx="2">
+            <a:schemeClr val="accent4"/>
+          </a:lnRef>
+          <a:fillRef idx="1">
+            <a:schemeClr val="lt1"/>
+          </a:fillRef>
+          <a:effectRef idx="0">
+            <a:schemeClr val="accent4"/>
+          </a:effectRef>
+          <a:fontRef idx="minor">
+            <a:schemeClr val="dk1"/>
+          </a:fontRef>
+        </p:style>
+        <p:txBody>
+          <a:bodyPr rtlCol="0" anchor="ctr"/>
+          <a:lstStyle/>
+          <a:p>
+            <a:pPr algn="ctr"/>
+            <a:endParaRPr kumimoji="1" lang="ko-Kore-KR" altLang="en-US" sz="1400" dirty="0">
+              <a:solidFill>
+                <a:schemeClr val="tx1"/>
+              </a:solidFill>
+            </a:endParaRPr>
+          </a:p>
+        </p:txBody>
+      </p:sp>
+      <p:sp>
+        <p:nvSpPr>
+          <p:cNvPr id="6" name="직사각형 5">
+            <a:extLst>
+              <a:ext uri="{FF2B5EF4-FFF2-40B4-BE49-F238E27FC236}">
+                <a16:creationId xmlns:a16="http://schemas.microsoft.com/office/drawing/2014/main" id="{F2F6ABCE-EAF1-064A-0722-05BF2FF7169B}"/>
+              </a:ext>
+            </a:extLst>
+          </p:cNvPr>
+          <p:cNvSpPr/>
+          <p:nvPr/>
+        </p:nvSpPr>
+        <p:spPr>
+          <a:xfrm>
+            <a:off x="6643706" y="737257"/>
+            <a:ext cx="1838965" cy="369332"/>
+          </a:xfrm>
+          <a:prstGeom prst="rect">
+            <a:avLst/>
+          </a:prstGeom>
+        </p:spPr>
+        <p:txBody>
+          <a:bodyPr wrap="none">
+            <a:spAutoFit/>
+          </a:bodyPr>
+          <a:lstStyle/>
+          <a:p>
+            <a:r>
+              <a:rPr lang="en" altLang="ko-Kore-KR" dirty="0">
+                <a:solidFill>
+                  <a:srgbClr val="795E26"/>
+                </a:solidFill>
+                <a:latin typeface="DM Mono" panose="020B0509040201040103" pitchFamily="49" charset="0"/>
+              </a:rPr>
+              <a:t>main - Stack</a:t>
+            </a:r>
+            <a:endParaRPr lang="ko-Kore-KR" altLang="en-US" dirty="0"/>
+          </a:p>
+        </p:txBody>
+      </p:sp>
+      <p:sp>
+        <p:nvSpPr>
+          <p:cNvPr id="23" name="직사각형 22">
+            <a:extLst>
+              <a:ext uri="{FF2B5EF4-FFF2-40B4-BE49-F238E27FC236}">
+                <a16:creationId xmlns:a16="http://schemas.microsoft.com/office/drawing/2014/main" id="{576E4052-CC08-C1CF-3A55-BA2043A609A9}"/>
+              </a:ext>
+            </a:extLst>
+          </p:cNvPr>
+          <p:cNvSpPr/>
+          <p:nvPr/>
+        </p:nvSpPr>
+        <p:spPr>
+          <a:xfrm>
+            <a:off x="7049470" y="1461667"/>
+            <a:ext cx="401225" cy="518917"/>
+          </a:xfrm>
+          <a:prstGeom prst="rect">
+            <a:avLst/>
+          </a:prstGeom>
+          <a:solidFill>
+            <a:srgbClr val="FFFF00"/>
+          </a:solidFill>
+        </p:spPr>
+        <p:style>
+          <a:lnRef idx="2">
+            <a:schemeClr val="accent1">
+              <a:shade val="50000"/>
+            </a:schemeClr>
+          </a:lnRef>
+          <a:fillRef idx="1">
+            <a:schemeClr val="accent1"/>
+          </a:fillRef>
+          <a:effectRef idx="0">
+            <a:schemeClr val="accent1"/>
+          </a:effectRef>
+          <a:fontRef idx="minor">
+            <a:schemeClr val="lt1"/>
+          </a:fontRef>
+        </p:style>
+        <p:txBody>
+          <a:bodyPr rtlCol="0" anchor="ctr"/>
+          <a:lstStyle/>
+          <a:p>
+            <a:pPr algn="ctr"/>
+            <a:endParaRPr kumimoji="1" lang="ko-Kore-KR" altLang="en-US" sz="1400" dirty="0">
+              <a:solidFill>
+                <a:schemeClr val="tx1"/>
+              </a:solidFill>
+            </a:endParaRPr>
+          </a:p>
+        </p:txBody>
+      </p:sp>
+      <p:sp>
+        <p:nvSpPr>
+          <p:cNvPr id="2" name="직사각형 1">
+            <a:extLst>
+              <a:ext uri="{FF2B5EF4-FFF2-40B4-BE49-F238E27FC236}">
+                <a16:creationId xmlns:a16="http://schemas.microsoft.com/office/drawing/2014/main" id="{BEEA2B0E-9202-3185-3A16-A3F540658894}"/>
+              </a:ext>
+            </a:extLst>
+          </p:cNvPr>
+          <p:cNvSpPr/>
+          <p:nvPr/>
+        </p:nvSpPr>
+        <p:spPr>
+          <a:xfrm>
+            <a:off x="6551014" y="1536459"/>
+            <a:ext cx="460382" cy="369332"/>
+          </a:xfrm>
+          <a:prstGeom prst="rect">
+            <a:avLst/>
+          </a:prstGeom>
+        </p:spPr>
+        <p:txBody>
+          <a:bodyPr wrap="none">
+            <a:spAutoFit/>
+          </a:bodyPr>
+          <a:lstStyle/>
+          <a:p>
+            <a:r>
+              <a:rPr lang="en-US" altLang="ko-Kore-KR" dirty="0">
+                <a:solidFill>
+                  <a:srgbClr val="001080"/>
+                </a:solidFill>
+                <a:latin typeface="DM Mono" panose="020B0509040201040103" pitchFamily="49" charset="0"/>
+              </a:rPr>
+              <a:t>s1</a:t>
+            </a:r>
+            <a:endParaRPr lang="ko-Kore-KR" altLang="en-US" dirty="0"/>
+          </a:p>
+        </p:txBody>
+      </p:sp>
+      <p:sp>
+        <p:nvSpPr>
+          <p:cNvPr id="30" name="직사각형 29">
+            <a:extLst>
+              <a:ext uri="{FF2B5EF4-FFF2-40B4-BE49-F238E27FC236}">
+                <a16:creationId xmlns:a16="http://schemas.microsoft.com/office/drawing/2014/main" id="{6077D9DA-2C8B-F61D-2D7C-C599082C15AE}"/>
+              </a:ext>
+            </a:extLst>
+          </p:cNvPr>
+          <p:cNvSpPr/>
+          <p:nvPr/>
+        </p:nvSpPr>
+        <p:spPr>
+          <a:xfrm>
+            <a:off x="7049470" y="2400495"/>
+            <a:ext cx="401225" cy="518917"/>
+          </a:xfrm>
+          <a:prstGeom prst="rect">
+            <a:avLst/>
+          </a:prstGeom>
+          <a:solidFill>
+            <a:srgbClr val="FFFF00"/>
+          </a:solidFill>
+        </p:spPr>
+        <p:style>
+          <a:lnRef idx="2">
+            <a:schemeClr val="accent1">
+              <a:shade val="50000"/>
+            </a:schemeClr>
+          </a:lnRef>
+          <a:fillRef idx="1">
+            <a:schemeClr val="accent1"/>
+          </a:fillRef>
+          <a:effectRef idx="0">
+            <a:schemeClr val="accent1"/>
+          </a:effectRef>
+          <a:fontRef idx="minor">
+            <a:schemeClr val="lt1"/>
+          </a:fontRef>
+        </p:style>
+        <p:txBody>
+          <a:bodyPr rtlCol="0" anchor="ctr"/>
+          <a:lstStyle/>
+          <a:p>
+            <a:pPr algn="ctr"/>
+            <a:endParaRPr kumimoji="1" lang="ko-Kore-KR" altLang="en-US" sz="1400" dirty="0">
+              <a:solidFill>
+                <a:schemeClr val="tx1"/>
+              </a:solidFill>
+            </a:endParaRPr>
+          </a:p>
+        </p:txBody>
+      </p:sp>
+      <p:sp>
+        <p:nvSpPr>
+          <p:cNvPr id="31" name="직사각형 30">
+            <a:extLst>
+              <a:ext uri="{FF2B5EF4-FFF2-40B4-BE49-F238E27FC236}">
+                <a16:creationId xmlns:a16="http://schemas.microsoft.com/office/drawing/2014/main" id="{D7C14B2A-5EB3-AE9F-D6AB-3975B36FF567}"/>
+              </a:ext>
+            </a:extLst>
+          </p:cNvPr>
+          <p:cNvSpPr/>
+          <p:nvPr/>
+        </p:nvSpPr>
+        <p:spPr>
+          <a:xfrm>
+            <a:off x="6589088" y="2485360"/>
+            <a:ext cx="460382" cy="369332"/>
+          </a:xfrm>
+          <a:prstGeom prst="rect">
+            <a:avLst/>
+          </a:prstGeom>
+        </p:spPr>
+        <p:txBody>
+          <a:bodyPr wrap="none">
+            <a:spAutoFit/>
+          </a:bodyPr>
+          <a:lstStyle/>
+          <a:p>
+            <a:r>
+              <a:rPr lang="en" altLang="ko-Kore-KR" dirty="0">
+                <a:solidFill>
+                  <a:srgbClr val="001080"/>
+                </a:solidFill>
+                <a:latin typeface="DM Mono" panose="020B0509040201040103" pitchFamily="49" charset="0"/>
+              </a:rPr>
+              <a:t>s2</a:t>
+            </a:r>
+            <a:endParaRPr lang="ko-Kore-KR" altLang="en-US" dirty="0"/>
+          </a:p>
+        </p:txBody>
+      </p:sp>
+      <p:sp>
+        <p:nvSpPr>
+          <p:cNvPr id="3" name="직사각형 2">
+            <a:extLst>
+              <a:ext uri="{FF2B5EF4-FFF2-40B4-BE49-F238E27FC236}">
+                <a16:creationId xmlns:a16="http://schemas.microsoft.com/office/drawing/2014/main" id="{2F5ED69B-211C-51D1-8BE1-803B1B9C2D99}"/>
+              </a:ext>
+            </a:extLst>
+          </p:cNvPr>
+          <p:cNvSpPr/>
+          <p:nvPr/>
+        </p:nvSpPr>
+        <p:spPr>
+          <a:xfrm>
+            <a:off x="10090909" y="456843"/>
+            <a:ext cx="1287532" cy="369332"/>
+          </a:xfrm>
+          <a:prstGeom prst="rect">
+            <a:avLst/>
+          </a:prstGeom>
+        </p:spPr>
+        <p:txBody>
+          <a:bodyPr wrap="none">
+            <a:spAutoFit/>
+          </a:bodyPr>
+          <a:lstStyle/>
+          <a:p>
+            <a:r>
+              <a:rPr lang="en" altLang="ko-Kore-KR" dirty="0">
+                <a:solidFill>
+                  <a:srgbClr val="A31515"/>
+                </a:solidFill>
+                <a:highlight>
+                  <a:srgbClr val="FFFF00"/>
+                </a:highlight>
+                <a:latin typeface="DM Mono" panose="020B0509040201040103" pitchFamily="49" charset="0"/>
+              </a:rPr>
+              <a:t>"hello"</a:t>
+            </a:r>
+            <a:r>
+              <a:rPr lang="en" altLang="ko-Kore-KR" dirty="0">
+                <a:solidFill>
+                  <a:srgbClr val="000000"/>
+                </a:solidFill>
+                <a:highlight>
+                  <a:srgbClr val="FFFF00"/>
+                </a:highlight>
+                <a:latin typeface="DM Mono" panose="020B0509040201040103" pitchFamily="49" charset="0"/>
+              </a:rPr>
+              <a:t>;</a:t>
+            </a:r>
+            <a:endParaRPr lang="ko-Kore-KR" altLang="en-US" dirty="0">
+              <a:highlight>
+                <a:srgbClr val="FFFF00"/>
+              </a:highlight>
+            </a:endParaRPr>
+          </a:p>
+        </p:txBody>
+      </p:sp>
+      <p:cxnSp>
+        <p:nvCxnSpPr>
+          <p:cNvPr id="16" name="구부러진 연결선[U] 15">
+            <a:extLst>
+              <a:ext uri="{FF2B5EF4-FFF2-40B4-BE49-F238E27FC236}">
+                <a16:creationId xmlns:a16="http://schemas.microsoft.com/office/drawing/2014/main" id="{04030A07-4D22-3C36-AD15-4E4669C9FA2F}"/>
+              </a:ext>
+            </a:extLst>
+          </p:cNvPr>
+          <p:cNvCxnSpPr>
+            <a:cxnSpLocks/>
+            <a:stCxn id="30" idx="3"/>
+            <a:endCxn id="3" idx="1"/>
+          </p:cNvCxnSpPr>
+          <p:nvPr/>
+        </p:nvCxnSpPr>
+        <p:spPr>
+          <a:xfrm flipV="1">
+            <a:off x="7450695" y="641509"/>
+            <a:ext cx="2640214" cy="2018445"/>
+          </a:xfrm>
+          <a:prstGeom prst="curvedConnector3">
+            <a:avLst>
+              <a:gd name="adj1" fmla="val 50000"/>
+            </a:avLst>
+          </a:prstGeom>
+          <a:ln>
+            <a:tailEnd type="triangle"/>
+          </a:ln>
+        </p:spPr>
+        <p:style>
+          <a:lnRef idx="1">
+            <a:schemeClr val="accent1"/>
+          </a:lnRef>
+          <a:fillRef idx="0">
+            <a:schemeClr val="accent1"/>
+          </a:fillRef>
+          <a:effectRef idx="0">
+            <a:schemeClr val="accent1"/>
+          </a:effectRef>
+          <a:fontRef idx="minor">
+            <a:schemeClr val="tx1"/>
+          </a:fontRef>
+        </p:style>
+      </p:cxnSp>
+      <p:sp>
+        <p:nvSpPr>
+          <p:cNvPr id="33" name="TextBox 32">
+            <a:extLst>
+              <a:ext uri="{FF2B5EF4-FFF2-40B4-BE49-F238E27FC236}">
+                <a16:creationId xmlns:a16="http://schemas.microsoft.com/office/drawing/2014/main" id="{2CC1EBBC-0AEE-D9ED-2676-010A9C55CA95}"/>
+              </a:ext>
+            </a:extLst>
+          </p:cNvPr>
+          <p:cNvSpPr txBox="1"/>
+          <p:nvPr/>
+        </p:nvSpPr>
+        <p:spPr>
+          <a:xfrm>
+            <a:off x="1400175" y="1809750"/>
+            <a:ext cx="184731" cy="369332"/>
+          </a:xfrm>
+          <a:prstGeom prst="rect">
+            <a:avLst/>
+          </a:prstGeom>
+          <a:noFill/>
+        </p:spPr>
+        <p:txBody>
+          <a:bodyPr wrap="none" rtlCol="0">
+            <a:spAutoFit/>
+          </a:bodyPr>
+          <a:lstStyle/>
+          <a:p>
+            <a:endParaRPr kumimoji="1" lang="ko-Kore-KR" altLang="en-US" dirty="0"/>
+          </a:p>
+        </p:txBody>
+      </p:sp>
+      <p:cxnSp>
+        <p:nvCxnSpPr>
+          <p:cNvPr id="19" name="구부러진 연결선[U] 18">
+            <a:extLst>
+              <a:ext uri="{FF2B5EF4-FFF2-40B4-BE49-F238E27FC236}">
+                <a16:creationId xmlns:a16="http://schemas.microsoft.com/office/drawing/2014/main" id="{7BAE48EB-BC44-B303-099B-5637076D1BE6}"/>
+              </a:ext>
+            </a:extLst>
+          </p:cNvPr>
+          <p:cNvCxnSpPr>
+            <a:cxnSpLocks/>
+            <a:stCxn id="23" idx="3"/>
+            <a:endCxn id="3" idx="1"/>
+          </p:cNvCxnSpPr>
+          <p:nvPr/>
+        </p:nvCxnSpPr>
+        <p:spPr>
+          <a:xfrm flipV="1">
+            <a:off x="7450695" y="641509"/>
+            <a:ext cx="2640214" cy="1079617"/>
+          </a:xfrm>
+          <a:prstGeom prst="curvedConnector3">
+            <a:avLst>
+              <a:gd name="adj1" fmla="val 50000"/>
+            </a:avLst>
+          </a:prstGeom>
+          <a:ln>
+            <a:tailEnd type="triangle"/>
+          </a:ln>
+        </p:spPr>
+        <p:style>
+          <a:lnRef idx="1">
+            <a:schemeClr val="accent1"/>
+          </a:lnRef>
+          <a:fillRef idx="0">
+            <a:schemeClr val="accent1"/>
+          </a:fillRef>
+          <a:effectRef idx="0">
+            <a:schemeClr val="accent1"/>
+          </a:effectRef>
+          <a:fontRef idx="minor">
+            <a:schemeClr val="tx1"/>
+          </a:fontRef>
+        </p:style>
+      </p:cxnSp>
+      <p:sp>
+        <p:nvSpPr>
+          <p:cNvPr id="22" name="직사각형 21">
+            <a:extLst>
+              <a:ext uri="{FF2B5EF4-FFF2-40B4-BE49-F238E27FC236}">
+                <a16:creationId xmlns:a16="http://schemas.microsoft.com/office/drawing/2014/main" id="{C45F711F-06C7-CF7C-F980-3931AD2107FC}"/>
+              </a:ext>
+            </a:extLst>
+          </p:cNvPr>
+          <p:cNvSpPr/>
+          <p:nvPr/>
+        </p:nvSpPr>
+        <p:spPr>
+          <a:xfrm>
+            <a:off x="7039437" y="3129060"/>
+            <a:ext cx="401225" cy="518917"/>
+          </a:xfrm>
+          <a:prstGeom prst="rect">
+            <a:avLst/>
+          </a:prstGeom>
+          <a:solidFill>
+            <a:srgbClr val="FFFF00"/>
+          </a:solidFill>
+        </p:spPr>
+        <p:style>
+          <a:lnRef idx="2">
+            <a:schemeClr val="accent1">
+              <a:shade val="50000"/>
+            </a:schemeClr>
+          </a:lnRef>
+          <a:fillRef idx="1">
+            <a:schemeClr val="accent1"/>
+          </a:fillRef>
+          <a:effectRef idx="0">
+            <a:schemeClr val="accent1"/>
+          </a:effectRef>
+          <a:fontRef idx="minor">
+            <a:schemeClr val="lt1"/>
+          </a:fontRef>
+        </p:style>
+        <p:txBody>
+          <a:bodyPr rtlCol="0" anchor="ctr"/>
+          <a:lstStyle/>
+          <a:p>
+            <a:pPr algn="ctr"/>
+            <a:r>
+              <a:rPr kumimoji="1" lang="en-US" altLang="ko-Kore-KR" sz="1400" dirty="0">
+                <a:solidFill>
+                  <a:schemeClr val="tx1"/>
+                </a:solidFill>
+              </a:rPr>
+              <a:t>h</a:t>
+            </a:r>
+            <a:endParaRPr kumimoji="1" lang="ko-Kore-KR" altLang="en-US" sz="1400" dirty="0">
+              <a:solidFill>
+                <a:schemeClr val="tx1"/>
+              </a:solidFill>
+            </a:endParaRPr>
+          </a:p>
+        </p:txBody>
+      </p:sp>
+      <p:sp>
+        <p:nvSpPr>
+          <p:cNvPr id="24" name="직사각형 23">
+            <a:extLst>
+              <a:ext uri="{FF2B5EF4-FFF2-40B4-BE49-F238E27FC236}">
+                <a16:creationId xmlns:a16="http://schemas.microsoft.com/office/drawing/2014/main" id="{AA5E1D7D-4625-4B1A-0EE4-A7B8BDA4FC2C}"/>
+              </a:ext>
+            </a:extLst>
+          </p:cNvPr>
+          <p:cNvSpPr/>
+          <p:nvPr/>
+        </p:nvSpPr>
+        <p:spPr>
+          <a:xfrm>
+            <a:off x="7440662" y="3129060"/>
+            <a:ext cx="401225" cy="518917"/>
+          </a:xfrm>
+          <a:prstGeom prst="rect">
+            <a:avLst/>
+          </a:prstGeom>
+          <a:solidFill>
+            <a:srgbClr val="FFFF00"/>
+          </a:solidFill>
+        </p:spPr>
+        <p:style>
+          <a:lnRef idx="2">
+            <a:schemeClr val="accent1">
+              <a:shade val="50000"/>
+            </a:schemeClr>
+          </a:lnRef>
+          <a:fillRef idx="1">
+            <a:schemeClr val="accent1"/>
+          </a:fillRef>
+          <a:effectRef idx="0">
+            <a:schemeClr val="accent1"/>
+          </a:effectRef>
+          <a:fontRef idx="minor">
+            <a:schemeClr val="lt1"/>
+          </a:fontRef>
+        </p:style>
+        <p:txBody>
+          <a:bodyPr rtlCol="0" anchor="ctr"/>
+          <a:lstStyle/>
+          <a:p>
+            <a:pPr algn="ctr"/>
+            <a:r>
+              <a:rPr kumimoji="1" lang="en-US" altLang="ko-Kore-KR" sz="1400" dirty="0">
+                <a:solidFill>
+                  <a:schemeClr val="tx1"/>
+                </a:solidFill>
+              </a:rPr>
+              <a:t>e</a:t>
+            </a:r>
+            <a:endParaRPr kumimoji="1" lang="ko-Kore-KR" altLang="en-US" sz="1400" dirty="0">
+              <a:solidFill>
+                <a:schemeClr val="tx1"/>
+              </a:solidFill>
+            </a:endParaRPr>
+          </a:p>
+        </p:txBody>
+      </p:sp>
+      <p:sp>
+        <p:nvSpPr>
+          <p:cNvPr id="32" name="직사각형 31">
+            <a:extLst>
+              <a:ext uri="{FF2B5EF4-FFF2-40B4-BE49-F238E27FC236}">
+                <a16:creationId xmlns:a16="http://schemas.microsoft.com/office/drawing/2014/main" id="{4FE55F51-9487-018F-06E6-D440AA7D81AC}"/>
+              </a:ext>
+            </a:extLst>
+          </p:cNvPr>
+          <p:cNvSpPr/>
+          <p:nvPr/>
+        </p:nvSpPr>
+        <p:spPr>
+          <a:xfrm>
+            <a:off x="7841887" y="3129060"/>
+            <a:ext cx="401225" cy="518917"/>
+          </a:xfrm>
+          <a:prstGeom prst="rect">
+            <a:avLst/>
+          </a:prstGeom>
+          <a:solidFill>
+            <a:srgbClr val="FFFF00"/>
+          </a:solidFill>
+        </p:spPr>
+        <p:style>
+          <a:lnRef idx="2">
+            <a:schemeClr val="accent1">
+              <a:shade val="50000"/>
+            </a:schemeClr>
+          </a:lnRef>
+          <a:fillRef idx="1">
+            <a:schemeClr val="accent1"/>
+          </a:fillRef>
+          <a:effectRef idx="0">
+            <a:schemeClr val="accent1"/>
+          </a:effectRef>
+          <a:fontRef idx="minor">
+            <a:schemeClr val="lt1"/>
+          </a:fontRef>
+        </p:style>
+        <p:txBody>
+          <a:bodyPr rtlCol="0" anchor="ctr"/>
+          <a:lstStyle/>
+          <a:p>
+            <a:pPr algn="ctr"/>
+            <a:r>
+              <a:rPr kumimoji="1" lang="en-US" altLang="ko-Kore-KR" sz="1400" dirty="0">
+                <a:solidFill>
+                  <a:schemeClr val="tx1"/>
+                </a:solidFill>
+              </a:rPr>
+              <a:t>l</a:t>
+            </a:r>
+            <a:endParaRPr kumimoji="1" lang="ko-Kore-KR" altLang="en-US" sz="1400" dirty="0">
+              <a:solidFill>
+                <a:schemeClr val="tx1"/>
+              </a:solidFill>
+            </a:endParaRPr>
+          </a:p>
+        </p:txBody>
+      </p:sp>
+      <p:sp>
+        <p:nvSpPr>
+          <p:cNvPr id="34" name="직사각형 33">
+            <a:extLst>
+              <a:ext uri="{FF2B5EF4-FFF2-40B4-BE49-F238E27FC236}">
+                <a16:creationId xmlns:a16="http://schemas.microsoft.com/office/drawing/2014/main" id="{BB833290-2524-7875-CC8E-ED489B468B33}"/>
+              </a:ext>
+            </a:extLst>
+          </p:cNvPr>
+          <p:cNvSpPr/>
+          <p:nvPr/>
+        </p:nvSpPr>
+        <p:spPr>
+          <a:xfrm>
+            <a:off x="8243112" y="3129060"/>
+            <a:ext cx="401225" cy="518917"/>
+          </a:xfrm>
+          <a:prstGeom prst="rect">
+            <a:avLst/>
+          </a:prstGeom>
+          <a:solidFill>
+            <a:srgbClr val="FFFF00"/>
+          </a:solidFill>
+        </p:spPr>
+        <p:style>
+          <a:lnRef idx="2">
+            <a:schemeClr val="accent1">
+              <a:shade val="50000"/>
+            </a:schemeClr>
+          </a:lnRef>
+          <a:fillRef idx="1">
+            <a:schemeClr val="accent1"/>
+          </a:fillRef>
+          <a:effectRef idx="0">
+            <a:schemeClr val="accent1"/>
+          </a:effectRef>
+          <a:fontRef idx="minor">
+            <a:schemeClr val="lt1"/>
+          </a:fontRef>
+        </p:style>
+        <p:txBody>
+          <a:bodyPr rtlCol="0" anchor="ctr"/>
+          <a:lstStyle/>
+          <a:p>
+            <a:pPr algn="ctr"/>
+            <a:r>
+              <a:rPr kumimoji="1" lang="en-US" altLang="ko-Kore-KR" sz="1400" dirty="0">
+                <a:solidFill>
+                  <a:schemeClr val="tx1"/>
+                </a:solidFill>
+              </a:rPr>
+              <a:t>l</a:t>
+            </a:r>
+            <a:endParaRPr kumimoji="1" lang="ko-Kore-KR" altLang="en-US" sz="1400" dirty="0">
+              <a:solidFill>
+                <a:schemeClr val="tx1"/>
+              </a:solidFill>
+            </a:endParaRPr>
+          </a:p>
+        </p:txBody>
+      </p:sp>
+      <p:sp>
+        <p:nvSpPr>
+          <p:cNvPr id="35" name="직사각형 34">
+            <a:extLst>
+              <a:ext uri="{FF2B5EF4-FFF2-40B4-BE49-F238E27FC236}">
+                <a16:creationId xmlns:a16="http://schemas.microsoft.com/office/drawing/2014/main" id="{4F4A0613-9CF6-60E6-BF66-FE7F5F4467E5}"/>
+              </a:ext>
+            </a:extLst>
+          </p:cNvPr>
+          <p:cNvSpPr/>
+          <p:nvPr/>
+        </p:nvSpPr>
+        <p:spPr>
+          <a:xfrm>
+            <a:off x="8644337" y="3129060"/>
+            <a:ext cx="401225" cy="518917"/>
+          </a:xfrm>
+          <a:prstGeom prst="rect">
+            <a:avLst/>
+          </a:prstGeom>
+          <a:solidFill>
+            <a:srgbClr val="FFFF00"/>
+          </a:solidFill>
+        </p:spPr>
+        <p:style>
+          <a:lnRef idx="2">
+            <a:schemeClr val="accent1">
+              <a:shade val="50000"/>
+            </a:schemeClr>
+          </a:lnRef>
+          <a:fillRef idx="1">
+            <a:schemeClr val="accent1"/>
+          </a:fillRef>
+          <a:effectRef idx="0">
+            <a:schemeClr val="accent1"/>
+          </a:effectRef>
+          <a:fontRef idx="minor">
+            <a:schemeClr val="lt1"/>
+          </a:fontRef>
+        </p:style>
+        <p:txBody>
+          <a:bodyPr rtlCol="0" anchor="ctr"/>
+          <a:lstStyle/>
+          <a:p>
+            <a:pPr algn="ctr"/>
+            <a:r>
+              <a:rPr kumimoji="1" lang="en-US" altLang="ko-Kore-KR" sz="1400" dirty="0">
+                <a:solidFill>
+                  <a:schemeClr val="tx1"/>
+                </a:solidFill>
+              </a:rPr>
+              <a:t>o</a:t>
+            </a:r>
+            <a:endParaRPr kumimoji="1" lang="ko-Kore-KR" altLang="en-US" sz="1400" dirty="0">
+              <a:solidFill>
+                <a:schemeClr val="tx1"/>
+              </a:solidFill>
+            </a:endParaRPr>
+          </a:p>
+        </p:txBody>
+      </p:sp>
+      <p:sp>
+        <p:nvSpPr>
+          <p:cNvPr id="36" name="직사각형 35">
+            <a:extLst>
+              <a:ext uri="{FF2B5EF4-FFF2-40B4-BE49-F238E27FC236}">
+                <a16:creationId xmlns:a16="http://schemas.microsoft.com/office/drawing/2014/main" id="{F48845C1-0304-9737-AA2E-57FA391EAEC0}"/>
+              </a:ext>
+            </a:extLst>
+          </p:cNvPr>
+          <p:cNvSpPr/>
+          <p:nvPr/>
+        </p:nvSpPr>
+        <p:spPr>
+          <a:xfrm>
+            <a:off x="9045562" y="3129060"/>
+            <a:ext cx="401225" cy="518917"/>
+          </a:xfrm>
+          <a:prstGeom prst="rect">
+            <a:avLst/>
+          </a:prstGeom>
+          <a:solidFill>
+            <a:srgbClr val="FFFF00"/>
+          </a:solidFill>
+        </p:spPr>
+        <p:style>
+          <a:lnRef idx="2">
+            <a:schemeClr val="accent1">
+              <a:shade val="50000"/>
+            </a:schemeClr>
+          </a:lnRef>
+          <a:fillRef idx="1">
+            <a:schemeClr val="accent1"/>
+          </a:fillRef>
+          <a:effectRef idx="0">
+            <a:schemeClr val="accent1"/>
+          </a:effectRef>
+          <a:fontRef idx="minor">
+            <a:schemeClr val="lt1"/>
+          </a:fontRef>
+        </p:style>
+        <p:txBody>
+          <a:bodyPr rtlCol="0" anchor="ctr"/>
+          <a:lstStyle/>
+          <a:p>
+            <a:pPr algn="ctr"/>
+            <a:r>
+              <a:rPr kumimoji="1" lang="en-US" altLang="ko-Kore-KR" sz="1400" dirty="0">
+                <a:solidFill>
+                  <a:schemeClr val="tx1"/>
+                </a:solidFill>
+              </a:rPr>
+              <a:t>\0</a:t>
+            </a:r>
+            <a:endParaRPr kumimoji="1" lang="ko-Kore-KR" altLang="en-US" sz="1400" dirty="0">
+              <a:solidFill>
+                <a:schemeClr val="tx1"/>
+              </a:solidFill>
+            </a:endParaRPr>
+          </a:p>
+        </p:txBody>
+      </p:sp>
+      <p:sp>
+        <p:nvSpPr>
+          <p:cNvPr id="37" name="직사각형 36">
+            <a:extLst>
+              <a:ext uri="{FF2B5EF4-FFF2-40B4-BE49-F238E27FC236}">
+                <a16:creationId xmlns:a16="http://schemas.microsoft.com/office/drawing/2014/main" id="{BA6E32C5-1011-D4F6-FE73-41BC2F8C1D1E}"/>
+              </a:ext>
+            </a:extLst>
+          </p:cNvPr>
+          <p:cNvSpPr/>
+          <p:nvPr/>
+        </p:nvSpPr>
+        <p:spPr>
+          <a:xfrm>
+            <a:off x="6441196" y="3203852"/>
+            <a:ext cx="460382" cy="369332"/>
+          </a:xfrm>
+          <a:prstGeom prst="rect">
+            <a:avLst/>
+          </a:prstGeom>
+        </p:spPr>
+        <p:txBody>
+          <a:bodyPr wrap="none">
+            <a:spAutoFit/>
+          </a:bodyPr>
+          <a:lstStyle/>
+          <a:p>
+            <a:r>
+              <a:rPr lang="en" altLang="ko-Kore-KR" dirty="0">
+                <a:solidFill>
+                  <a:srgbClr val="001080"/>
+                </a:solidFill>
+                <a:latin typeface="DM Mono" panose="020B0509040201040103" pitchFamily="49" charset="0"/>
+              </a:rPr>
+              <a:t>s3</a:t>
+            </a:r>
+            <a:endParaRPr lang="ko-Kore-KR" altLang="en-US" dirty="0"/>
+          </a:p>
+        </p:txBody>
+      </p:sp>
+    </p:spTree>
+    <p:extLst>
+      <p:ext uri="{BB962C8B-B14F-4D97-AF65-F5344CB8AC3E}">
+        <p14:creationId xmlns:p14="http://schemas.microsoft.com/office/powerpoint/2010/main" val="1570958349"/>
       </p:ext>
     </p:extLst>
   </p:cSld>

--- a/220510.pptx
+++ b/220510.pptx
@@ -26,6 +26,8 @@
     <p:sldId id="274" r:id="rId20"/>
     <p:sldId id="275" r:id="rId21"/>
     <p:sldId id="276" r:id="rId22"/>
+    <p:sldId id="277" r:id="rId23"/>
+    <p:sldId id="278" r:id="rId24"/>
   </p:sldIdLst>
   <p:sldSz cx="12192000" cy="6858000"/>
   <p:notesSz cx="6858000" cy="9144000"/>
@@ -281,7 +283,7 @@
           <a:p>
             <a:fld id="{D800E883-703A-7245-8005-2080AE388950}" type="datetimeFigureOut">
               <a:rPr kumimoji="1" lang="ko-Kore-KR" altLang="en-US" smtClean="0"/>
-              <a:t>2022. 5. 11.</a:t>
+              <a:t>2022. 5. 13.</a:t>
             </a:fld>
             <a:endParaRPr kumimoji="1" lang="ko-Kore-KR" altLang="en-US"/>
           </a:p>
@@ -481,7 +483,7 @@
           <a:p>
             <a:fld id="{D800E883-703A-7245-8005-2080AE388950}" type="datetimeFigureOut">
               <a:rPr kumimoji="1" lang="ko-Kore-KR" altLang="en-US" smtClean="0"/>
-              <a:t>2022. 5. 11.</a:t>
+              <a:t>2022. 5. 13.</a:t>
             </a:fld>
             <a:endParaRPr kumimoji="1" lang="ko-Kore-KR" altLang="en-US"/>
           </a:p>
@@ -691,7 +693,7 @@
           <a:p>
             <a:fld id="{D800E883-703A-7245-8005-2080AE388950}" type="datetimeFigureOut">
               <a:rPr kumimoji="1" lang="ko-Kore-KR" altLang="en-US" smtClean="0"/>
-              <a:t>2022. 5. 11.</a:t>
+              <a:t>2022. 5. 13.</a:t>
             </a:fld>
             <a:endParaRPr kumimoji="1" lang="ko-Kore-KR" altLang="en-US"/>
           </a:p>
@@ -891,7 +893,7 @@
           <a:p>
             <a:fld id="{D800E883-703A-7245-8005-2080AE388950}" type="datetimeFigureOut">
               <a:rPr kumimoji="1" lang="ko-Kore-KR" altLang="en-US" smtClean="0"/>
-              <a:t>2022. 5. 11.</a:t>
+              <a:t>2022. 5. 13.</a:t>
             </a:fld>
             <a:endParaRPr kumimoji="1" lang="ko-Kore-KR" altLang="en-US"/>
           </a:p>
@@ -1167,7 +1169,7 @@
           <a:p>
             <a:fld id="{D800E883-703A-7245-8005-2080AE388950}" type="datetimeFigureOut">
               <a:rPr kumimoji="1" lang="ko-Kore-KR" altLang="en-US" smtClean="0"/>
-              <a:t>2022. 5. 11.</a:t>
+              <a:t>2022. 5. 13.</a:t>
             </a:fld>
             <a:endParaRPr kumimoji="1" lang="ko-Kore-KR" altLang="en-US"/>
           </a:p>
@@ -1435,7 +1437,7 @@
           <a:p>
             <a:fld id="{D800E883-703A-7245-8005-2080AE388950}" type="datetimeFigureOut">
               <a:rPr kumimoji="1" lang="ko-Kore-KR" altLang="en-US" smtClean="0"/>
-              <a:t>2022. 5. 11.</a:t>
+              <a:t>2022. 5. 13.</a:t>
             </a:fld>
             <a:endParaRPr kumimoji="1" lang="ko-Kore-KR" altLang="en-US"/>
           </a:p>
@@ -1850,7 +1852,7 @@
           <a:p>
             <a:fld id="{D800E883-703A-7245-8005-2080AE388950}" type="datetimeFigureOut">
               <a:rPr kumimoji="1" lang="ko-Kore-KR" altLang="en-US" smtClean="0"/>
-              <a:t>2022. 5. 11.</a:t>
+              <a:t>2022. 5. 13.</a:t>
             </a:fld>
             <a:endParaRPr kumimoji="1" lang="ko-Kore-KR" altLang="en-US"/>
           </a:p>
@@ -1992,7 +1994,7 @@
           <a:p>
             <a:fld id="{D800E883-703A-7245-8005-2080AE388950}" type="datetimeFigureOut">
               <a:rPr kumimoji="1" lang="ko-Kore-KR" altLang="en-US" smtClean="0"/>
-              <a:t>2022. 5. 11.</a:t>
+              <a:t>2022. 5. 13.</a:t>
             </a:fld>
             <a:endParaRPr kumimoji="1" lang="ko-Kore-KR" altLang="en-US"/>
           </a:p>
@@ -2105,7 +2107,7 @@
           <a:p>
             <a:fld id="{D800E883-703A-7245-8005-2080AE388950}" type="datetimeFigureOut">
               <a:rPr kumimoji="1" lang="ko-Kore-KR" altLang="en-US" smtClean="0"/>
-              <a:t>2022. 5. 11.</a:t>
+              <a:t>2022. 5. 13.</a:t>
             </a:fld>
             <a:endParaRPr kumimoji="1" lang="ko-Kore-KR" altLang="en-US"/>
           </a:p>
@@ -2418,7 +2420,7 @@
           <a:p>
             <a:fld id="{D800E883-703A-7245-8005-2080AE388950}" type="datetimeFigureOut">
               <a:rPr kumimoji="1" lang="ko-Kore-KR" altLang="en-US" smtClean="0"/>
-              <a:t>2022. 5. 11.</a:t>
+              <a:t>2022. 5. 13.</a:t>
             </a:fld>
             <a:endParaRPr kumimoji="1" lang="ko-Kore-KR" altLang="en-US"/>
           </a:p>
@@ -2707,7 +2709,7 @@
           <a:p>
             <a:fld id="{D800E883-703A-7245-8005-2080AE388950}" type="datetimeFigureOut">
               <a:rPr kumimoji="1" lang="ko-Kore-KR" altLang="en-US" smtClean="0"/>
-              <a:t>2022. 5. 11.</a:t>
+              <a:t>2022. 5. 13.</a:t>
             </a:fld>
             <a:endParaRPr kumimoji="1" lang="ko-Kore-KR" altLang="en-US"/>
           </a:p>
@@ -2950,7 +2952,7 @@
           <a:p>
             <a:fld id="{D800E883-703A-7245-8005-2080AE388950}" type="datetimeFigureOut">
               <a:rPr kumimoji="1" lang="ko-Kore-KR" altLang="en-US" smtClean="0"/>
-              <a:t>2022. 5. 11.</a:t>
+              <a:t>2022. 5. 13.</a:t>
             </a:fld>
             <a:endParaRPr kumimoji="1" lang="ko-Kore-KR" altLang="en-US"/>
           </a:p>
@@ -21658,6 +21660,2352 @@
     <p:extLst>
       <p:ext uri="{BB962C8B-B14F-4D97-AF65-F5344CB8AC3E}">
         <p14:creationId xmlns:p14="http://schemas.microsoft.com/office/powerpoint/2010/main" val="1570958349"/>
+      </p:ext>
+    </p:extLst>
+  </p:cSld>
+  <p:clrMapOvr>
+    <a:masterClrMapping/>
+  </p:clrMapOvr>
+</p:sld>
+</file>
+
+<file path=ppt/slides/slide22.xml><?xml version="1.0" encoding="utf-8"?>
+<p:sld xmlns:a="http://schemas.openxmlformats.org/drawingml/2006/main" xmlns:r="http://schemas.openxmlformats.org/officeDocument/2006/relationships" xmlns:p="http://schemas.openxmlformats.org/presentationml/2006/main">
+  <p:cSld>
+    <p:spTree>
+      <p:nvGrpSpPr>
+        <p:cNvPr id="1" name=""/>
+        <p:cNvGrpSpPr/>
+        <p:nvPr/>
+      </p:nvGrpSpPr>
+      <p:grpSpPr>
+        <a:xfrm>
+          <a:off x="0" y="0"/>
+          <a:ext cx="0" cy="0"/>
+          <a:chOff x="0" y="0"/>
+          <a:chExt cx="0" cy="0"/>
+        </a:xfrm>
+      </p:grpSpPr>
+      <p:sp>
+        <p:nvSpPr>
+          <p:cNvPr id="4" name="직사각형 3">
+            <a:extLst>
+              <a:ext uri="{FF2B5EF4-FFF2-40B4-BE49-F238E27FC236}">
+                <a16:creationId xmlns:a16="http://schemas.microsoft.com/office/drawing/2014/main" id="{0E0F5F17-79D5-8EDF-A603-458AF725D32A}"/>
+              </a:ext>
+            </a:extLst>
+          </p:cNvPr>
+          <p:cNvSpPr/>
+          <p:nvPr/>
+        </p:nvSpPr>
+        <p:spPr>
+          <a:xfrm>
+            <a:off x="485775" y="179844"/>
+            <a:ext cx="4991099" cy="2308324"/>
+          </a:xfrm>
+          <a:prstGeom prst="rect">
+            <a:avLst/>
+          </a:prstGeom>
+        </p:spPr>
+        <p:txBody>
+          <a:bodyPr wrap="square">
+            <a:spAutoFit/>
+          </a:bodyPr>
+          <a:lstStyle/>
+          <a:p>
+            <a:r>
+              <a:rPr lang="en" altLang="ko-Kore-KR" dirty="0">
+                <a:solidFill>
+                  <a:srgbClr val="0000FF"/>
+                </a:solidFill>
+                <a:latin typeface="DM Mono" panose="020B0509040201040103" pitchFamily="49" charset="0"/>
+              </a:rPr>
+              <a:t>char</a:t>
+            </a:r>
+            <a:r>
+              <a:rPr lang="en" altLang="ko-Kore-KR" dirty="0">
+                <a:solidFill>
+                  <a:srgbClr val="000000"/>
+                </a:solidFill>
+                <a:latin typeface="DM Mono" panose="020B0509040201040103" pitchFamily="49" charset="0"/>
+              </a:rPr>
+              <a:t> </a:t>
+            </a:r>
+            <a:r>
+              <a:rPr lang="en" altLang="ko-Kore-KR" dirty="0">
+                <a:solidFill>
+                  <a:srgbClr val="001080"/>
+                </a:solidFill>
+                <a:latin typeface="DM Mono" panose="020B0509040201040103" pitchFamily="49" charset="0"/>
+              </a:rPr>
+              <a:t>s</a:t>
+            </a:r>
+            <a:r>
+              <a:rPr lang="en" altLang="ko-Kore-KR" dirty="0">
+                <a:solidFill>
+                  <a:srgbClr val="0000FF"/>
+                </a:solidFill>
+                <a:latin typeface="DM Mono" panose="020B0509040201040103" pitchFamily="49" charset="0"/>
+              </a:rPr>
+              <a:t>[]</a:t>
+            </a:r>
+            <a:r>
+              <a:rPr lang="en" altLang="ko-Kore-KR" dirty="0">
+                <a:solidFill>
+                  <a:srgbClr val="000000"/>
+                </a:solidFill>
+                <a:latin typeface="DM Mono" panose="020B0509040201040103" pitchFamily="49" charset="0"/>
+              </a:rPr>
+              <a:t> = </a:t>
+            </a:r>
+            <a:r>
+              <a:rPr lang="en" altLang="ko-Kore-KR" dirty="0">
+                <a:solidFill>
+                  <a:srgbClr val="A31515"/>
+                </a:solidFill>
+                <a:latin typeface="DM Mono" panose="020B0509040201040103" pitchFamily="49" charset="0"/>
+              </a:rPr>
+              <a:t>"hello world show”</a:t>
+            </a:r>
+            <a:endParaRPr lang="en" altLang="ko-Kore-KR" dirty="0">
+              <a:solidFill>
+                <a:srgbClr val="000000"/>
+              </a:solidFill>
+              <a:latin typeface="DM Mono" panose="020B0509040201040103" pitchFamily="49" charset="0"/>
+            </a:endParaRPr>
+          </a:p>
+          <a:p>
+            <a:endParaRPr lang="en" altLang="ko-Kore-KR" dirty="0">
+              <a:solidFill>
+                <a:srgbClr val="0000FF"/>
+              </a:solidFill>
+              <a:latin typeface="DM Mono" panose="020B0509040201040103" pitchFamily="49" charset="0"/>
+            </a:endParaRPr>
+          </a:p>
+          <a:p>
+            <a:r>
+              <a:rPr lang="en" altLang="ko-Kore-KR" dirty="0">
+                <a:solidFill>
+                  <a:srgbClr val="0000FF"/>
+                </a:solidFill>
+                <a:latin typeface="DM Mono" panose="020B0509040201040103" pitchFamily="49" charset="0"/>
+              </a:rPr>
+              <a:t>char</a:t>
+            </a:r>
+            <a:r>
+              <a:rPr lang="en" altLang="ko-Kore-KR" dirty="0">
+                <a:solidFill>
+                  <a:srgbClr val="000000"/>
+                </a:solidFill>
+                <a:latin typeface="DM Mono" panose="020B0509040201040103" pitchFamily="49" charset="0"/>
+              </a:rPr>
+              <a:t>* </a:t>
+            </a:r>
+            <a:r>
+              <a:rPr lang="en" altLang="ko-Kore-KR" dirty="0">
+                <a:solidFill>
+                  <a:srgbClr val="001080"/>
+                </a:solidFill>
+                <a:latin typeface="DM Mono" panose="020B0509040201040103" pitchFamily="49" charset="0"/>
+              </a:rPr>
+              <a:t>p</a:t>
+            </a:r>
+            <a:r>
+              <a:rPr lang="en" altLang="ko-Kore-KR" dirty="0">
+                <a:solidFill>
+                  <a:srgbClr val="000000"/>
+                </a:solidFill>
+                <a:latin typeface="DM Mono" panose="020B0509040201040103" pitchFamily="49" charset="0"/>
+              </a:rPr>
+              <a:t> = </a:t>
+            </a:r>
+            <a:r>
+              <a:rPr lang="en" altLang="ko-Kore-KR" dirty="0" err="1">
+                <a:solidFill>
+                  <a:srgbClr val="795E26"/>
+                </a:solidFill>
+                <a:latin typeface="DM Mono" panose="020B0509040201040103" pitchFamily="49" charset="0"/>
+              </a:rPr>
+              <a:t>strtok</a:t>
+            </a:r>
+            <a:r>
+              <a:rPr lang="en" altLang="ko-Kore-KR" dirty="0">
+                <a:solidFill>
+                  <a:srgbClr val="000000"/>
+                </a:solidFill>
+                <a:latin typeface="DM Mono" panose="020B0509040201040103" pitchFamily="49" charset="0"/>
+              </a:rPr>
+              <a:t>(</a:t>
+            </a:r>
+            <a:r>
+              <a:rPr lang="en" altLang="ko-Kore-KR" dirty="0">
+                <a:solidFill>
+                  <a:srgbClr val="001080"/>
+                </a:solidFill>
+                <a:latin typeface="DM Mono" panose="020B0509040201040103" pitchFamily="49" charset="0"/>
+              </a:rPr>
+              <a:t>s</a:t>
+            </a:r>
+            <a:r>
+              <a:rPr lang="en" altLang="ko-Kore-KR" dirty="0">
+                <a:solidFill>
+                  <a:srgbClr val="000000"/>
+                </a:solidFill>
+                <a:latin typeface="DM Mono" panose="020B0509040201040103" pitchFamily="49" charset="0"/>
+              </a:rPr>
+              <a:t>, </a:t>
+            </a:r>
+            <a:r>
+              <a:rPr lang="en" altLang="ko-Kore-KR" dirty="0">
+                <a:solidFill>
+                  <a:srgbClr val="A31515"/>
+                </a:solidFill>
+                <a:latin typeface="DM Mono" panose="020B0509040201040103" pitchFamily="49" charset="0"/>
+              </a:rPr>
+              <a:t>" "</a:t>
+            </a:r>
+            <a:r>
+              <a:rPr lang="en" altLang="ko-Kore-KR" dirty="0">
+                <a:solidFill>
+                  <a:srgbClr val="000000"/>
+                </a:solidFill>
+                <a:latin typeface="DM Mono" panose="020B0509040201040103" pitchFamily="49" charset="0"/>
+              </a:rPr>
+              <a:t>);</a:t>
+            </a:r>
+          </a:p>
+          <a:p>
+            <a:endParaRPr lang="en" altLang="ko-Kore-KR" dirty="0">
+              <a:solidFill>
+                <a:srgbClr val="AF00DB"/>
+              </a:solidFill>
+              <a:latin typeface="DM Mono" panose="020B0509040201040103" pitchFamily="49" charset="0"/>
+            </a:endParaRPr>
+          </a:p>
+          <a:p>
+            <a:r>
+              <a:rPr lang="en" altLang="ko-Kore-KR" dirty="0">
+                <a:solidFill>
+                  <a:srgbClr val="AF00DB"/>
+                </a:solidFill>
+                <a:latin typeface="DM Mono" panose="020B0509040201040103" pitchFamily="49" charset="0"/>
+              </a:rPr>
+              <a:t>while</a:t>
+            </a:r>
+            <a:r>
+              <a:rPr lang="en" altLang="ko-Kore-KR" dirty="0">
+                <a:solidFill>
+                  <a:srgbClr val="000000"/>
+                </a:solidFill>
+                <a:latin typeface="DM Mono" panose="020B0509040201040103" pitchFamily="49" charset="0"/>
+              </a:rPr>
+              <a:t> (</a:t>
+            </a:r>
+            <a:r>
+              <a:rPr lang="en" altLang="ko-Kore-KR" dirty="0">
+                <a:solidFill>
+                  <a:srgbClr val="001080"/>
+                </a:solidFill>
+                <a:latin typeface="DM Mono" panose="020B0509040201040103" pitchFamily="49" charset="0"/>
+              </a:rPr>
+              <a:t>p</a:t>
+            </a:r>
+            <a:r>
+              <a:rPr lang="en" altLang="ko-Kore-KR" dirty="0">
+                <a:solidFill>
+                  <a:srgbClr val="000000"/>
+                </a:solidFill>
+                <a:latin typeface="DM Mono" panose="020B0509040201040103" pitchFamily="49" charset="0"/>
+              </a:rPr>
+              <a:t> != </a:t>
+            </a:r>
+            <a:r>
+              <a:rPr lang="en" altLang="ko-Kore-KR" dirty="0">
+                <a:solidFill>
+                  <a:srgbClr val="0000FF"/>
+                </a:solidFill>
+                <a:latin typeface="DM Mono" panose="020B0509040201040103" pitchFamily="49" charset="0"/>
+              </a:rPr>
+              <a:t>NULL</a:t>
+            </a:r>
+            <a:r>
+              <a:rPr lang="en" altLang="ko-Kore-KR" dirty="0">
+                <a:solidFill>
+                  <a:srgbClr val="000000"/>
+                </a:solidFill>
+                <a:latin typeface="DM Mono" panose="020B0509040201040103" pitchFamily="49" charset="0"/>
+              </a:rPr>
+              <a:t>) {</a:t>
+            </a:r>
+          </a:p>
+          <a:p>
+            <a:r>
+              <a:rPr lang="en" altLang="ko-Kore-KR" dirty="0">
+                <a:solidFill>
+                  <a:srgbClr val="795E26"/>
+                </a:solidFill>
+                <a:latin typeface="DM Mono" panose="020B0509040201040103" pitchFamily="49" charset="0"/>
+              </a:rPr>
+              <a:t>  </a:t>
+            </a:r>
+            <a:r>
+              <a:rPr lang="en" altLang="ko-Kore-KR" dirty="0" err="1">
+                <a:solidFill>
+                  <a:srgbClr val="795E26"/>
+                </a:solidFill>
+                <a:latin typeface="DM Mono" panose="020B0509040201040103" pitchFamily="49" charset="0"/>
+              </a:rPr>
+              <a:t>printf</a:t>
+            </a:r>
+            <a:r>
+              <a:rPr lang="en" altLang="ko-Kore-KR" dirty="0">
+                <a:solidFill>
+                  <a:srgbClr val="000000"/>
+                </a:solidFill>
+                <a:latin typeface="DM Mono" panose="020B0509040201040103" pitchFamily="49" charset="0"/>
+              </a:rPr>
+              <a:t>(</a:t>
+            </a:r>
+            <a:r>
+              <a:rPr lang="en" altLang="ko-Kore-KR" dirty="0">
+                <a:solidFill>
+                  <a:srgbClr val="A31515"/>
+                </a:solidFill>
+                <a:latin typeface="DM Mono" panose="020B0509040201040103" pitchFamily="49" charset="0"/>
+              </a:rPr>
+              <a:t>"</a:t>
+            </a:r>
+            <a:r>
+              <a:rPr lang="en" altLang="ko-Kore-KR" dirty="0">
+                <a:solidFill>
+                  <a:srgbClr val="001080"/>
+                </a:solidFill>
+                <a:latin typeface="DM Mono" panose="020B0509040201040103" pitchFamily="49" charset="0"/>
+              </a:rPr>
+              <a:t>%s</a:t>
+            </a:r>
+            <a:r>
+              <a:rPr lang="en" altLang="ko-Kore-KR" dirty="0">
+                <a:solidFill>
+                  <a:srgbClr val="EE0000"/>
+                </a:solidFill>
+                <a:latin typeface="DM Mono" panose="020B0509040201040103" pitchFamily="49" charset="0"/>
+              </a:rPr>
+              <a:t>\n</a:t>
+            </a:r>
+            <a:r>
+              <a:rPr lang="en" altLang="ko-Kore-KR" dirty="0">
+                <a:solidFill>
+                  <a:srgbClr val="A31515"/>
+                </a:solidFill>
+                <a:latin typeface="DM Mono" panose="020B0509040201040103" pitchFamily="49" charset="0"/>
+              </a:rPr>
+              <a:t>"</a:t>
+            </a:r>
+            <a:r>
+              <a:rPr lang="en" altLang="ko-Kore-KR" dirty="0">
+                <a:solidFill>
+                  <a:srgbClr val="000000"/>
+                </a:solidFill>
+                <a:latin typeface="DM Mono" panose="020B0509040201040103" pitchFamily="49" charset="0"/>
+              </a:rPr>
+              <a:t>, </a:t>
+            </a:r>
+            <a:r>
+              <a:rPr lang="en" altLang="ko-Kore-KR" dirty="0">
+                <a:solidFill>
+                  <a:srgbClr val="001080"/>
+                </a:solidFill>
+                <a:latin typeface="DM Mono" panose="020B0509040201040103" pitchFamily="49" charset="0"/>
+              </a:rPr>
+              <a:t>p</a:t>
+            </a:r>
+            <a:r>
+              <a:rPr lang="en" altLang="ko-Kore-KR" dirty="0">
+                <a:solidFill>
+                  <a:srgbClr val="000000"/>
+                </a:solidFill>
+                <a:latin typeface="DM Mono" panose="020B0509040201040103" pitchFamily="49" charset="0"/>
+              </a:rPr>
+              <a:t>);</a:t>
+            </a:r>
+          </a:p>
+          <a:p>
+            <a:r>
+              <a:rPr lang="en" altLang="ko-Kore-KR" dirty="0">
+                <a:solidFill>
+                  <a:srgbClr val="001080"/>
+                </a:solidFill>
+                <a:latin typeface="DM Mono" panose="020B0509040201040103" pitchFamily="49" charset="0"/>
+              </a:rPr>
+              <a:t>  p</a:t>
+            </a:r>
+            <a:r>
+              <a:rPr lang="en" altLang="ko-Kore-KR" dirty="0">
+                <a:solidFill>
+                  <a:srgbClr val="000000"/>
+                </a:solidFill>
+                <a:latin typeface="DM Mono" panose="020B0509040201040103" pitchFamily="49" charset="0"/>
+              </a:rPr>
+              <a:t> = </a:t>
+            </a:r>
+            <a:r>
+              <a:rPr lang="en" altLang="ko-Kore-KR" dirty="0" err="1">
+                <a:solidFill>
+                  <a:srgbClr val="795E26"/>
+                </a:solidFill>
+                <a:latin typeface="DM Mono" panose="020B0509040201040103" pitchFamily="49" charset="0"/>
+              </a:rPr>
+              <a:t>strtok</a:t>
+            </a:r>
+            <a:r>
+              <a:rPr lang="en" altLang="ko-Kore-KR" dirty="0">
+                <a:solidFill>
+                  <a:srgbClr val="000000"/>
+                </a:solidFill>
+                <a:latin typeface="DM Mono" panose="020B0509040201040103" pitchFamily="49" charset="0"/>
+              </a:rPr>
+              <a:t>(</a:t>
+            </a:r>
+            <a:r>
+              <a:rPr lang="en" altLang="ko-Kore-KR" dirty="0">
+                <a:solidFill>
+                  <a:srgbClr val="0000FF"/>
+                </a:solidFill>
+                <a:latin typeface="DM Mono" panose="020B0509040201040103" pitchFamily="49" charset="0"/>
+              </a:rPr>
+              <a:t>NULL</a:t>
+            </a:r>
+            <a:r>
+              <a:rPr lang="en" altLang="ko-Kore-KR" dirty="0">
+                <a:solidFill>
+                  <a:srgbClr val="000000"/>
+                </a:solidFill>
+                <a:latin typeface="DM Mono" panose="020B0509040201040103" pitchFamily="49" charset="0"/>
+              </a:rPr>
+              <a:t>, </a:t>
+            </a:r>
+            <a:r>
+              <a:rPr lang="en" altLang="ko-Kore-KR" dirty="0">
+                <a:solidFill>
+                  <a:srgbClr val="A31515"/>
+                </a:solidFill>
+                <a:latin typeface="DM Mono" panose="020B0509040201040103" pitchFamily="49" charset="0"/>
+              </a:rPr>
+              <a:t>" "</a:t>
+            </a:r>
+            <a:r>
+              <a:rPr lang="en" altLang="ko-Kore-KR" dirty="0">
+                <a:solidFill>
+                  <a:srgbClr val="000000"/>
+                </a:solidFill>
+                <a:latin typeface="DM Mono" panose="020B0509040201040103" pitchFamily="49" charset="0"/>
+              </a:rPr>
+              <a:t>);</a:t>
+            </a:r>
+          </a:p>
+          <a:p>
+            <a:r>
+              <a:rPr lang="en" altLang="ko-Kore-KR" dirty="0">
+                <a:solidFill>
+                  <a:srgbClr val="000000"/>
+                </a:solidFill>
+                <a:latin typeface="DM Mono" panose="020B0509040201040103" pitchFamily="49" charset="0"/>
+              </a:rPr>
+              <a:t>}</a:t>
+            </a:r>
+          </a:p>
+        </p:txBody>
+      </p:sp>
+      <p:sp>
+        <p:nvSpPr>
+          <p:cNvPr id="5" name="직사각형 4">
+            <a:extLst>
+              <a:ext uri="{FF2B5EF4-FFF2-40B4-BE49-F238E27FC236}">
+                <a16:creationId xmlns:a16="http://schemas.microsoft.com/office/drawing/2014/main" id="{356D2266-76C9-BF5B-FD30-A939499031A9}"/>
+              </a:ext>
+            </a:extLst>
+          </p:cNvPr>
+          <p:cNvSpPr/>
+          <p:nvPr/>
+        </p:nvSpPr>
+        <p:spPr>
+          <a:xfrm>
+            <a:off x="3027869" y="3332419"/>
+            <a:ext cx="8125905" cy="2706432"/>
+          </a:xfrm>
+          <a:prstGeom prst="rect">
+            <a:avLst/>
+          </a:prstGeom>
+          <a:noFill/>
+        </p:spPr>
+        <p:style>
+          <a:lnRef idx="2">
+            <a:schemeClr val="accent4"/>
+          </a:lnRef>
+          <a:fillRef idx="1">
+            <a:schemeClr val="lt1"/>
+          </a:fillRef>
+          <a:effectRef idx="0">
+            <a:schemeClr val="accent4"/>
+          </a:effectRef>
+          <a:fontRef idx="minor">
+            <a:schemeClr val="dk1"/>
+          </a:fontRef>
+        </p:style>
+        <p:txBody>
+          <a:bodyPr rtlCol="0" anchor="ctr"/>
+          <a:lstStyle/>
+          <a:p>
+            <a:pPr algn="ctr"/>
+            <a:endParaRPr kumimoji="1" lang="ko-Kore-KR" altLang="en-US" sz="1400" dirty="0">
+              <a:solidFill>
+                <a:schemeClr val="tx1"/>
+              </a:solidFill>
+            </a:endParaRPr>
+          </a:p>
+        </p:txBody>
+      </p:sp>
+      <p:sp>
+        <p:nvSpPr>
+          <p:cNvPr id="6" name="직사각형 5">
+            <a:extLst>
+              <a:ext uri="{FF2B5EF4-FFF2-40B4-BE49-F238E27FC236}">
+                <a16:creationId xmlns:a16="http://schemas.microsoft.com/office/drawing/2014/main" id="{F2F6ABCE-EAF1-064A-0722-05BF2FF7169B}"/>
+              </a:ext>
+            </a:extLst>
+          </p:cNvPr>
+          <p:cNvSpPr/>
+          <p:nvPr/>
+        </p:nvSpPr>
+        <p:spPr>
+          <a:xfrm>
+            <a:off x="4110337" y="2899463"/>
+            <a:ext cx="736099" cy="369332"/>
+          </a:xfrm>
+          <a:prstGeom prst="rect">
+            <a:avLst/>
+          </a:prstGeom>
+        </p:spPr>
+        <p:txBody>
+          <a:bodyPr wrap="none">
+            <a:spAutoFit/>
+          </a:bodyPr>
+          <a:lstStyle/>
+          <a:p>
+            <a:r>
+              <a:rPr lang="en" altLang="ko-Kore-KR" dirty="0">
+                <a:solidFill>
+                  <a:srgbClr val="795E26"/>
+                </a:solidFill>
+                <a:latin typeface="DM Mono" panose="020B0509040201040103" pitchFamily="49" charset="0"/>
+              </a:rPr>
+              <a:t>main</a:t>
+            </a:r>
+            <a:endParaRPr lang="ko-Kore-KR" altLang="en-US" dirty="0"/>
+          </a:p>
+        </p:txBody>
+      </p:sp>
+      <p:sp>
+        <p:nvSpPr>
+          <p:cNvPr id="23" name="직사각형 22">
+            <a:extLst>
+              <a:ext uri="{FF2B5EF4-FFF2-40B4-BE49-F238E27FC236}">
+                <a16:creationId xmlns:a16="http://schemas.microsoft.com/office/drawing/2014/main" id="{576E4052-CC08-C1CF-3A55-BA2043A609A9}"/>
+              </a:ext>
+            </a:extLst>
+          </p:cNvPr>
+          <p:cNvSpPr/>
+          <p:nvPr/>
+        </p:nvSpPr>
+        <p:spPr>
+          <a:xfrm>
+            <a:off x="4087195" y="3661942"/>
+            <a:ext cx="401225" cy="518917"/>
+          </a:xfrm>
+          <a:prstGeom prst="rect">
+            <a:avLst/>
+          </a:prstGeom>
+          <a:solidFill>
+            <a:srgbClr val="FFFF00"/>
+          </a:solidFill>
+        </p:spPr>
+        <p:style>
+          <a:lnRef idx="2">
+            <a:schemeClr val="accent1">
+              <a:shade val="50000"/>
+            </a:schemeClr>
+          </a:lnRef>
+          <a:fillRef idx="1">
+            <a:schemeClr val="accent1"/>
+          </a:fillRef>
+          <a:effectRef idx="0">
+            <a:schemeClr val="accent1"/>
+          </a:effectRef>
+          <a:fontRef idx="minor">
+            <a:schemeClr val="lt1"/>
+          </a:fontRef>
+        </p:style>
+        <p:txBody>
+          <a:bodyPr rtlCol="0" anchor="ctr"/>
+          <a:lstStyle/>
+          <a:p>
+            <a:pPr algn="ctr"/>
+            <a:r>
+              <a:rPr kumimoji="1" lang="en-US" altLang="ko-Kore-KR" sz="1400" dirty="0">
+                <a:solidFill>
+                  <a:schemeClr val="tx1"/>
+                </a:solidFill>
+              </a:rPr>
+              <a:t>h</a:t>
+            </a:r>
+            <a:endParaRPr kumimoji="1" lang="ko-Kore-KR" altLang="en-US" sz="1400" dirty="0">
+              <a:solidFill>
+                <a:schemeClr val="tx1"/>
+              </a:solidFill>
+            </a:endParaRPr>
+          </a:p>
+        </p:txBody>
+      </p:sp>
+      <p:sp>
+        <p:nvSpPr>
+          <p:cNvPr id="2" name="직사각형 1">
+            <a:extLst>
+              <a:ext uri="{FF2B5EF4-FFF2-40B4-BE49-F238E27FC236}">
+                <a16:creationId xmlns:a16="http://schemas.microsoft.com/office/drawing/2014/main" id="{BEEA2B0E-9202-3185-3A16-A3F540658894}"/>
+              </a:ext>
+            </a:extLst>
+          </p:cNvPr>
+          <p:cNvSpPr/>
+          <p:nvPr/>
+        </p:nvSpPr>
+        <p:spPr>
+          <a:xfrm>
+            <a:off x="3695742" y="3736734"/>
+            <a:ext cx="322524" cy="369332"/>
+          </a:xfrm>
+          <a:prstGeom prst="rect">
+            <a:avLst/>
+          </a:prstGeom>
+        </p:spPr>
+        <p:txBody>
+          <a:bodyPr wrap="none">
+            <a:spAutoFit/>
+          </a:bodyPr>
+          <a:lstStyle/>
+          <a:p>
+            <a:r>
+              <a:rPr lang="en-US" altLang="ko-Kore-KR" dirty="0">
+                <a:solidFill>
+                  <a:srgbClr val="001080"/>
+                </a:solidFill>
+                <a:latin typeface="DM Mono" panose="020B0509040201040103" pitchFamily="49" charset="0"/>
+              </a:rPr>
+              <a:t>s</a:t>
+            </a:r>
+            <a:endParaRPr lang="ko-Kore-KR" altLang="en-US" dirty="0"/>
+          </a:p>
+        </p:txBody>
+      </p:sp>
+      <p:sp>
+        <p:nvSpPr>
+          <p:cNvPr id="30" name="직사각형 29">
+            <a:extLst>
+              <a:ext uri="{FF2B5EF4-FFF2-40B4-BE49-F238E27FC236}">
+                <a16:creationId xmlns:a16="http://schemas.microsoft.com/office/drawing/2014/main" id="{6077D9DA-2C8B-F61D-2D7C-C599082C15AE}"/>
+              </a:ext>
+            </a:extLst>
+          </p:cNvPr>
+          <p:cNvSpPr/>
+          <p:nvPr/>
+        </p:nvSpPr>
+        <p:spPr>
+          <a:xfrm>
+            <a:off x="4087195" y="4600770"/>
+            <a:ext cx="401225" cy="518917"/>
+          </a:xfrm>
+          <a:prstGeom prst="rect">
+            <a:avLst/>
+          </a:prstGeom>
+          <a:solidFill>
+            <a:srgbClr val="FFFF00"/>
+          </a:solidFill>
+        </p:spPr>
+        <p:style>
+          <a:lnRef idx="2">
+            <a:schemeClr val="accent1">
+              <a:shade val="50000"/>
+            </a:schemeClr>
+          </a:lnRef>
+          <a:fillRef idx="1">
+            <a:schemeClr val="accent1"/>
+          </a:fillRef>
+          <a:effectRef idx="0">
+            <a:schemeClr val="accent1"/>
+          </a:effectRef>
+          <a:fontRef idx="minor">
+            <a:schemeClr val="lt1"/>
+          </a:fontRef>
+        </p:style>
+        <p:txBody>
+          <a:bodyPr rtlCol="0" anchor="ctr"/>
+          <a:lstStyle/>
+          <a:p>
+            <a:pPr algn="ctr"/>
+            <a:endParaRPr kumimoji="1" lang="ko-Kore-KR" altLang="en-US" sz="1400" dirty="0">
+              <a:solidFill>
+                <a:schemeClr val="tx1"/>
+              </a:solidFill>
+            </a:endParaRPr>
+          </a:p>
+        </p:txBody>
+      </p:sp>
+      <p:sp>
+        <p:nvSpPr>
+          <p:cNvPr id="31" name="직사각형 30">
+            <a:extLst>
+              <a:ext uri="{FF2B5EF4-FFF2-40B4-BE49-F238E27FC236}">
+                <a16:creationId xmlns:a16="http://schemas.microsoft.com/office/drawing/2014/main" id="{D7C14B2A-5EB3-AE9F-D6AB-3975B36FF567}"/>
+              </a:ext>
+            </a:extLst>
+          </p:cNvPr>
+          <p:cNvSpPr/>
+          <p:nvPr/>
+        </p:nvSpPr>
+        <p:spPr>
+          <a:xfrm>
+            <a:off x="3695742" y="4694495"/>
+            <a:ext cx="322524" cy="369332"/>
+          </a:xfrm>
+          <a:prstGeom prst="rect">
+            <a:avLst/>
+          </a:prstGeom>
+        </p:spPr>
+        <p:txBody>
+          <a:bodyPr wrap="none">
+            <a:spAutoFit/>
+          </a:bodyPr>
+          <a:lstStyle/>
+          <a:p>
+            <a:r>
+              <a:rPr lang="en" altLang="ko-Kore-KR" dirty="0">
+                <a:solidFill>
+                  <a:srgbClr val="001080"/>
+                </a:solidFill>
+                <a:latin typeface="DM Mono" panose="020B0509040201040103" pitchFamily="49" charset="0"/>
+              </a:rPr>
+              <a:t>p</a:t>
+            </a:r>
+            <a:endParaRPr lang="ko-Kore-KR" altLang="en-US" dirty="0"/>
+          </a:p>
+        </p:txBody>
+      </p:sp>
+      <p:sp>
+        <p:nvSpPr>
+          <p:cNvPr id="33" name="TextBox 32">
+            <a:extLst>
+              <a:ext uri="{FF2B5EF4-FFF2-40B4-BE49-F238E27FC236}">
+                <a16:creationId xmlns:a16="http://schemas.microsoft.com/office/drawing/2014/main" id="{2CC1EBBC-0AEE-D9ED-2676-010A9C55CA95}"/>
+              </a:ext>
+            </a:extLst>
+          </p:cNvPr>
+          <p:cNvSpPr txBox="1"/>
+          <p:nvPr/>
+        </p:nvSpPr>
+        <p:spPr>
+          <a:xfrm>
+            <a:off x="1400175" y="1809750"/>
+            <a:ext cx="184731" cy="369332"/>
+          </a:xfrm>
+          <a:prstGeom prst="rect">
+            <a:avLst/>
+          </a:prstGeom>
+          <a:noFill/>
+        </p:spPr>
+        <p:txBody>
+          <a:bodyPr wrap="none" rtlCol="0">
+            <a:spAutoFit/>
+          </a:bodyPr>
+          <a:lstStyle/>
+          <a:p>
+            <a:endParaRPr kumimoji="1" lang="ko-Kore-KR" altLang="en-US" dirty="0"/>
+          </a:p>
+        </p:txBody>
+      </p:sp>
+      <p:sp>
+        <p:nvSpPr>
+          <p:cNvPr id="20" name="직사각형 19">
+            <a:extLst>
+              <a:ext uri="{FF2B5EF4-FFF2-40B4-BE49-F238E27FC236}">
+                <a16:creationId xmlns:a16="http://schemas.microsoft.com/office/drawing/2014/main" id="{E52D7129-98C4-901E-7D3A-93B5B6A9A211}"/>
+              </a:ext>
+            </a:extLst>
+          </p:cNvPr>
+          <p:cNvSpPr/>
+          <p:nvPr/>
+        </p:nvSpPr>
+        <p:spPr>
+          <a:xfrm>
+            <a:off x="4488420" y="3661941"/>
+            <a:ext cx="401225" cy="518917"/>
+          </a:xfrm>
+          <a:prstGeom prst="rect">
+            <a:avLst/>
+          </a:prstGeom>
+          <a:solidFill>
+            <a:srgbClr val="FFFF00"/>
+          </a:solidFill>
+        </p:spPr>
+        <p:style>
+          <a:lnRef idx="2">
+            <a:schemeClr val="accent1">
+              <a:shade val="50000"/>
+            </a:schemeClr>
+          </a:lnRef>
+          <a:fillRef idx="1">
+            <a:schemeClr val="accent1"/>
+          </a:fillRef>
+          <a:effectRef idx="0">
+            <a:schemeClr val="accent1"/>
+          </a:effectRef>
+          <a:fontRef idx="minor">
+            <a:schemeClr val="lt1"/>
+          </a:fontRef>
+        </p:style>
+        <p:txBody>
+          <a:bodyPr rtlCol="0" anchor="ctr"/>
+          <a:lstStyle/>
+          <a:p>
+            <a:pPr algn="ctr"/>
+            <a:r>
+              <a:rPr kumimoji="1" lang="en-US" altLang="ko-Kore-KR" sz="1400" dirty="0">
+                <a:solidFill>
+                  <a:schemeClr val="tx1"/>
+                </a:solidFill>
+              </a:rPr>
+              <a:t>e</a:t>
+            </a:r>
+            <a:endParaRPr kumimoji="1" lang="ko-Kore-KR" altLang="en-US" sz="1400" dirty="0">
+              <a:solidFill>
+                <a:schemeClr val="tx1"/>
+              </a:solidFill>
+            </a:endParaRPr>
+          </a:p>
+        </p:txBody>
+      </p:sp>
+      <p:sp>
+        <p:nvSpPr>
+          <p:cNvPr id="27" name="직사각형 26">
+            <a:extLst>
+              <a:ext uri="{FF2B5EF4-FFF2-40B4-BE49-F238E27FC236}">
+                <a16:creationId xmlns:a16="http://schemas.microsoft.com/office/drawing/2014/main" id="{05612B86-DBD2-891E-D1EB-559DDB62F48B}"/>
+              </a:ext>
+            </a:extLst>
+          </p:cNvPr>
+          <p:cNvSpPr/>
+          <p:nvPr/>
+        </p:nvSpPr>
+        <p:spPr>
+          <a:xfrm>
+            <a:off x="4889645" y="3661941"/>
+            <a:ext cx="401225" cy="518917"/>
+          </a:xfrm>
+          <a:prstGeom prst="rect">
+            <a:avLst/>
+          </a:prstGeom>
+          <a:solidFill>
+            <a:srgbClr val="FFFF00"/>
+          </a:solidFill>
+        </p:spPr>
+        <p:style>
+          <a:lnRef idx="2">
+            <a:schemeClr val="accent1">
+              <a:shade val="50000"/>
+            </a:schemeClr>
+          </a:lnRef>
+          <a:fillRef idx="1">
+            <a:schemeClr val="accent1"/>
+          </a:fillRef>
+          <a:effectRef idx="0">
+            <a:schemeClr val="accent1"/>
+          </a:effectRef>
+          <a:fontRef idx="minor">
+            <a:schemeClr val="lt1"/>
+          </a:fontRef>
+        </p:style>
+        <p:txBody>
+          <a:bodyPr rtlCol="0" anchor="ctr"/>
+          <a:lstStyle/>
+          <a:p>
+            <a:pPr algn="ctr"/>
+            <a:r>
+              <a:rPr kumimoji="1" lang="en-US" altLang="ko-Kore-KR" sz="1400" dirty="0">
+                <a:solidFill>
+                  <a:schemeClr val="tx1"/>
+                </a:solidFill>
+              </a:rPr>
+              <a:t>l</a:t>
+            </a:r>
+            <a:endParaRPr kumimoji="1" lang="ko-Kore-KR" altLang="en-US" sz="1400" dirty="0">
+              <a:solidFill>
+                <a:schemeClr val="tx1"/>
+              </a:solidFill>
+            </a:endParaRPr>
+          </a:p>
+        </p:txBody>
+      </p:sp>
+      <p:sp>
+        <p:nvSpPr>
+          <p:cNvPr id="28" name="직사각형 27">
+            <a:extLst>
+              <a:ext uri="{FF2B5EF4-FFF2-40B4-BE49-F238E27FC236}">
+                <a16:creationId xmlns:a16="http://schemas.microsoft.com/office/drawing/2014/main" id="{9DBC3A99-8DA8-B0A3-7EC6-95E7E2E99CED}"/>
+              </a:ext>
+            </a:extLst>
+          </p:cNvPr>
+          <p:cNvSpPr/>
+          <p:nvPr/>
+        </p:nvSpPr>
+        <p:spPr>
+          <a:xfrm>
+            <a:off x="5290870" y="3661941"/>
+            <a:ext cx="401225" cy="518917"/>
+          </a:xfrm>
+          <a:prstGeom prst="rect">
+            <a:avLst/>
+          </a:prstGeom>
+          <a:solidFill>
+            <a:srgbClr val="FFFF00"/>
+          </a:solidFill>
+        </p:spPr>
+        <p:style>
+          <a:lnRef idx="2">
+            <a:schemeClr val="accent1">
+              <a:shade val="50000"/>
+            </a:schemeClr>
+          </a:lnRef>
+          <a:fillRef idx="1">
+            <a:schemeClr val="accent1"/>
+          </a:fillRef>
+          <a:effectRef idx="0">
+            <a:schemeClr val="accent1"/>
+          </a:effectRef>
+          <a:fontRef idx="minor">
+            <a:schemeClr val="lt1"/>
+          </a:fontRef>
+        </p:style>
+        <p:txBody>
+          <a:bodyPr rtlCol="0" anchor="ctr"/>
+          <a:lstStyle/>
+          <a:p>
+            <a:pPr algn="ctr"/>
+            <a:r>
+              <a:rPr kumimoji="1" lang="en-US" altLang="ko-Kore-KR" sz="1400" dirty="0">
+                <a:solidFill>
+                  <a:schemeClr val="tx1"/>
+                </a:solidFill>
+              </a:rPr>
+              <a:t>l</a:t>
+            </a:r>
+            <a:endParaRPr kumimoji="1" lang="ko-Kore-KR" altLang="en-US" sz="1400" dirty="0">
+              <a:solidFill>
+                <a:schemeClr val="tx1"/>
+              </a:solidFill>
+            </a:endParaRPr>
+          </a:p>
+        </p:txBody>
+      </p:sp>
+      <p:sp>
+        <p:nvSpPr>
+          <p:cNvPr id="29" name="직사각형 28">
+            <a:extLst>
+              <a:ext uri="{FF2B5EF4-FFF2-40B4-BE49-F238E27FC236}">
+                <a16:creationId xmlns:a16="http://schemas.microsoft.com/office/drawing/2014/main" id="{6C2471C8-B761-422D-8465-5C9DEE140534}"/>
+              </a:ext>
+            </a:extLst>
+          </p:cNvPr>
+          <p:cNvSpPr/>
+          <p:nvPr/>
+        </p:nvSpPr>
+        <p:spPr>
+          <a:xfrm>
+            <a:off x="5692095" y="3661941"/>
+            <a:ext cx="401225" cy="518917"/>
+          </a:xfrm>
+          <a:prstGeom prst="rect">
+            <a:avLst/>
+          </a:prstGeom>
+          <a:solidFill>
+            <a:srgbClr val="FFFF00"/>
+          </a:solidFill>
+        </p:spPr>
+        <p:style>
+          <a:lnRef idx="2">
+            <a:schemeClr val="accent1">
+              <a:shade val="50000"/>
+            </a:schemeClr>
+          </a:lnRef>
+          <a:fillRef idx="1">
+            <a:schemeClr val="accent1"/>
+          </a:fillRef>
+          <a:effectRef idx="0">
+            <a:schemeClr val="accent1"/>
+          </a:effectRef>
+          <a:fontRef idx="minor">
+            <a:schemeClr val="lt1"/>
+          </a:fontRef>
+        </p:style>
+        <p:txBody>
+          <a:bodyPr rtlCol="0" anchor="ctr"/>
+          <a:lstStyle/>
+          <a:p>
+            <a:pPr algn="ctr"/>
+            <a:r>
+              <a:rPr kumimoji="1" lang="en-US" altLang="ko-Kore-KR" sz="1400" dirty="0">
+                <a:solidFill>
+                  <a:schemeClr val="tx1"/>
+                </a:solidFill>
+              </a:rPr>
+              <a:t>o</a:t>
+            </a:r>
+            <a:endParaRPr kumimoji="1" lang="ko-Kore-KR" altLang="en-US" sz="1400" dirty="0">
+              <a:solidFill>
+                <a:schemeClr val="tx1"/>
+              </a:solidFill>
+            </a:endParaRPr>
+          </a:p>
+        </p:txBody>
+      </p:sp>
+      <p:sp>
+        <p:nvSpPr>
+          <p:cNvPr id="38" name="직사각형 37">
+            <a:extLst>
+              <a:ext uri="{FF2B5EF4-FFF2-40B4-BE49-F238E27FC236}">
+                <a16:creationId xmlns:a16="http://schemas.microsoft.com/office/drawing/2014/main" id="{E9558976-C3D9-9C88-F864-FA742FA7218D}"/>
+              </a:ext>
+            </a:extLst>
+          </p:cNvPr>
+          <p:cNvSpPr/>
+          <p:nvPr/>
+        </p:nvSpPr>
+        <p:spPr>
+          <a:xfrm>
+            <a:off x="6093320" y="3661941"/>
+            <a:ext cx="401225" cy="518917"/>
+          </a:xfrm>
+          <a:prstGeom prst="rect">
+            <a:avLst/>
+          </a:prstGeom>
+          <a:solidFill>
+            <a:srgbClr val="FFFF00"/>
+          </a:solidFill>
+        </p:spPr>
+        <p:style>
+          <a:lnRef idx="2">
+            <a:schemeClr val="accent1">
+              <a:shade val="50000"/>
+            </a:schemeClr>
+          </a:lnRef>
+          <a:fillRef idx="1">
+            <a:schemeClr val="accent1"/>
+          </a:fillRef>
+          <a:effectRef idx="0">
+            <a:schemeClr val="accent1"/>
+          </a:effectRef>
+          <a:fontRef idx="minor">
+            <a:schemeClr val="lt1"/>
+          </a:fontRef>
+        </p:style>
+        <p:txBody>
+          <a:bodyPr rtlCol="0" anchor="ctr"/>
+          <a:lstStyle/>
+          <a:p>
+            <a:pPr algn="ctr"/>
+            <a:r>
+              <a:rPr kumimoji="1" lang="en-US" altLang="ko-Kore-KR" sz="1400" dirty="0">
+                <a:solidFill>
+                  <a:srgbClr val="FF0000"/>
+                </a:solidFill>
+              </a:rPr>
+              <a:t>\0</a:t>
+            </a:r>
+            <a:endParaRPr kumimoji="1" lang="ko-Kore-KR" altLang="en-US" sz="1400" dirty="0">
+              <a:solidFill>
+                <a:srgbClr val="FF0000"/>
+              </a:solidFill>
+            </a:endParaRPr>
+          </a:p>
+        </p:txBody>
+      </p:sp>
+      <p:sp>
+        <p:nvSpPr>
+          <p:cNvPr id="39" name="직사각형 38">
+            <a:extLst>
+              <a:ext uri="{FF2B5EF4-FFF2-40B4-BE49-F238E27FC236}">
+                <a16:creationId xmlns:a16="http://schemas.microsoft.com/office/drawing/2014/main" id="{0573050D-E753-7E50-DB90-256116EC4CEB}"/>
+              </a:ext>
+            </a:extLst>
+          </p:cNvPr>
+          <p:cNvSpPr/>
+          <p:nvPr/>
+        </p:nvSpPr>
+        <p:spPr>
+          <a:xfrm>
+            <a:off x="6494545" y="3661941"/>
+            <a:ext cx="401225" cy="518917"/>
+          </a:xfrm>
+          <a:prstGeom prst="rect">
+            <a:avLst/>
+          </a:prstGeom>
+          <a:solidFill>
+            <a:srgbClr val="FFFF00"/>
+          </a:solidFill>
+        </p:spPr>
+        <p:style>
+          <a:lnRef idx="2">
+            <a:schemeClr val="accent1">
+              <a:shade val="50000"/>
+            </a:schemeClr>
+          </a:lnRef>
+          <a:fillRef idx="1">
+            <a:schemeClr val="accent1"/>
+          </a:fillRef>
+          <a:effectRef idx="0">
+            <a:schemeClr val="accent1"/>
+          </a:effectRef>
+          <a:fontRef idx="minor">
+            <a:schemeClr val="lt1"/>
+          </a:fontRef>
+        </p:style>
+        <p:txBody>
+          <a:bodyPr rtlCol="0" anchor="ctr"/>
+          <a:lstStyle/>
+          <a:p>
+            <a:pPr algn="ctr"/>
+            <a:r>
+              <a:rPr kumimoji="1" lang="en-US" altLang="ko-Kore-KR" sz="1400" dirty="0">
+                <a:solidFill>
+                  <a:schemeClr val="tx1"/>
+                </a:solidFill>
+              </a:rPr>
+              <a:t>w</a:t>
+            </a:r>
+            <a:endParaRPr kumimoji="1" lang="ko-Kore-KR" altLang="en-US" sz="1400" dirty="0">
+              <a:solidFill>
+                <a:schemeClr val="tx1"/>
+              </a:solidFill>
+            </a:endParaRPr>
+          </a:p>
+        </p:txBody>
+      </p:sp>
+      <p:sp>
+        <p:nvSpPr>
+          <p:cNvPr id="40" name="직사각형 39">
+            <a:extLst>
+              <a:ext uri="{FF2B5EF4-FFF2-40B4-BE49-F238E27FC236}">
+                <a16:creationId xmlns:a16="http://schemas.microsoft.com/office/drawing/2014/main" id="{C5E79727-9745-90B2-B9EA-93E0378F0379}"/>
+              </a:ext>
+            </a:extLst>
+          </p:cNvPr>
+          <p:cNvSpPr/>
+          <p:nvPr/>
+        </p:nvSpPr>
+        <p:spPr>
+          <a:xfrm>
+            <a:off x="6895770" y="3661941"/>
+            <a:ext cx="401225" cy="518917"/>
+          </a:xfrm>
+          <a:prstGeom prst="rect">
+            <a:avLst/>
+          </a:prstGeom>
+          <a:solidFill>
+            <a:srgbClr val="FFFF00"/>
+          </a:solidFill>
+        </p:spPr>
+        <p:style>
+          <a:lnRef idx="2">
+            <a:schemeClr val="accent1">
+              <a:shade val="50000"/>
+            </a:schemeClr>
+          </a:lnRef>
+          <a:fillRef idx="1">
+            <a:schemeClr val="accent1"/>
+          </a:fillRef>
+          <a:effectRef idx="0">
+            <a:schemeClr val="accent1"/>
+          </a:effectRef>
+          <a:fontRef idx="minor">
+            <a:schemeClr val="lt1"/>
+          </a:fontRef>
+        </p:style>
+        <p:txBody>
+          <a:bodyPr rtlCol="0" anchor="ctr"/>
+          <a:lstStyle/>
+          <a:p>
+            <a:pPr algn="ctr"/>
+            <a:r>
+              <a:rPr kumimoji="1" lang="en-US" altLang="ko-Kore-KR" sz="1400" dirty="0">
+                <a:solidFill>
+                  <a:schemeClr val="tx1"/>
+                </a:solidFill>
+              </a:rPr>
+              <a:t>o</a:t>
+            </a:r>
+            <a:endParaRPr kumimoji="1" lang="ko-Kore-KR" altLang="en-US" sz="1400" dirty="0">
+              <a:solidFill>
+                <a:schemeClr val="tx1"/>
+              </a:solidFill>
+            </a:endParaRPr>
+          </a:p>
+        </p:txBody>
+      </p:sp>
+      <p:sp>
+        <p:nvSpPr>
+          <p:cNvPr id="41" name="직사각형 40">
+            <a:extLst>
+              <a:ext uri="{FF2B5EF4-FFF2-40B4-BE49-F238E27FC236}">
+                <a16:creationId xmlns:a16="http://schemas.microsoft.com/office/drawing/2014/main" id="{A13A45BB-678B-B300-9511-1856A36990AD}"/>
+              </a:ext>
+            </a:extLst>
+          </p:cNvPr>
+          <p:cNvSpPr/>
+          <p:nvPr/>
+        </p:nvSpPr>
+        <p:spPr>
+          <a:xfrm>
+            <a:off x="7296995" y="3661941"/>
+            <a:ext cx="401225" cy="518917"/>
+          </a:xfrm>
+          <a:prstGeom prst="rect">
+            <a:avLst/>
+          </a:prstGeom>
+          <a:solidFill>
+            <a:srgbClr val="FFFF00"/>
+          </a:solidFill>
+        </p:spPr>
+        <p:style>
+          <a:lnRef idx="2">
+            <a:schemeClr val="accent1">
+              <a:shade val="50000"/>
+            </a:schemeClr>
+          </a:lnRef>
+          <a:fillRef idx="1">
+            <a:schemeClr val="accent1"/>
+          </a:fillRef>
+          <a:effectRef idx="0">
+            <a:schemeClr val="accent1"/>
+          </a:effectRef>
+          <a:fontRef idx="minor">
+            <a:schemeClr val="lt1"/>
+          </a:fontRef>
+        </p:style>
+        <p:txBody>
+          <a:bodyPr rtlCol="0" anchor="ctr"/>
+          <a:lstStyle/>
+          <a:p>
+            <a:pPr algn="ctr"/>
+            <a:r>
+              <a:rPr kumimoji="1" lang="en-US" altLang="ko-Kore-KR" sz="1400" dirty="0">
+                <a:solidFill>
+                  <a:schemeClr val="tx1"/>
+                </a:solidFill>
+              </a:rPr>
+              <a:t>r</a:t>
+            </a:r>
+            <a:endParaRPr kumimoji="1" lang="ko-Kore-KR" altLang="en-US" sz="1400" dirty="0">
+              <a:solidFill>
+                <a:schemeClr val="tx1"/>
+              </a:solidFill>
+            </a:endParaRPr>
+          </a:p>
+        </p:txBody>
+      </p:sp>
+      <p:sp>
+        <p:nvSpPr>
+          <p:cNvPr id="42" name="직사각형 41">
+            <a:extLst>
+              <a:ext uri="{FF2B5EF4-FFF2-40B4-BE49-F238E27FC236}">
+                <a16:creationId xmlns:a16="http://schemas.microsoft.com/office/drawing/2014/main" id="{A77221D2-D530-9467-D3F7-BB5D14CFE735}"/>
+              </a:ext>
+            </a:extLst>
+          </p:cNvPr>
+          <p:cNvSpPr/>
+          <p:nvPr/>
+        </p:nvSpPr>
+        <p:spPr>
+          <a:xfrm>
+            <a:off x="7698220" y="3661941"/>
+            <a:ext cx="401225" cy="518917"/>
+          </a:xfrm>
+          <a:prstGeom prst="rect">
+            <a:avLst/>
+          </a:prstGeom>
+          <a:solidFill>
+            <a:srgbClr val="FFFF00"/>
+          </a:solidFill>
+        </p:spPr>
+        <p:style>
+          <a:lnRef idx="2">
+            <a:schemeClr val="accent1">
+              <a:shade val="50000"/>
+            </a:schemeClr>
+          </a:lnRef>
+          <a:fillRef idx="1">
+            <a:schemeClr val="accent1"/>
+          </a:fillRef>
+          <a:effectRef idx="0">
+            <a:schemeClr val="accent1"/>
+          </a:effectRef>
+          <a:fontRef idx="minor">
+            <a:schemeClr val="lt1"/>
+          </a:fontRef>
+        </p:style>
+        <p:txBody>
+          <a:bodyPr rtlCol="0" anchor="ctr"/>
+          <a:lstStyle/>
+          <a:p>
+            <a:pPr algn="ctr"/>
+            <a:r>
+              <a:rPr kumimoji="1" lang="en-US" altLang="ko-Kore-KR" sz="1400" dirty="0">
+                <a:solidFill>
+                  <a:schemeClr val="tx1"/>
+                </a:solidFill>
+              </a:rPr>
+              <a:t>l</a:t>
+            </a:r>
+            <a:endParaRPr kumimoji="1" lang="ko-Kore-KR" altLang="en-US" sz="1400" dirty="0">
+              <a:solidFill>
+                <a:schemeClr val="tx1"/>
+              </a:solidFill>
+            </a:endParaRPr>
+          </a:p>
+        </p:txBody>
+      </p:sp>
+      <p:sp>
+        <p:nvSpPr>
+          <p:cNvPr id="43" name="직사각형 42">
+            <a:extLst>
+              <a:ext uri="{FF2B5EF4-FFF2-40B4-BE49-F238E27FC236}">
+                <a16:creationId xmlns:a16="http://schemas.microsoft.com/office/drawing/2014/main" id="{490A0D04-E613-5111-CDC3-7F9A23CB03F6}"/>
+              </a:ext>
+            </a:extLst>
+          </p:cNvPr>
+          <p:cNvSpPr/>
+          <p:nvPr/>
+        </p:nvSpPr>
+        <p:spPr>
+          <a:xfrm>
+            <a:off x="8099445" y="3661940"/>
+            <a:ext cx="401225" cy="518917"/>
+          </a:xfrm>
+          <a:prstGeom prst="rect">
+            <a:avLst/>
+          </a:prstGeom>
+          <a:solidFill>
+            <a:srgbClr val="FFFF00"/>
+          </a:solidFill>
+        </p:spPr>
+        <p:style>
+          <a:lnRef idx="2">
+            <a:schemeClr val="accent1">
+              <a:shade val="50000"/>
+            </a:schemeClr>
+          </a:lnRef>
+          <a:fillRef idx="1">
+            <a:schemeClr val="accent1"/>
+          </a:fillRef>
+          <a:effectRef idx="0">
+            <a:schemeClr val="accent1"/>
+          </a:effectRef>
+          <a:fontRef idx="minor">
+            <a:schemeClr val="lt1"/>
+          </a:fontRef>
+        </p:style>
+        <p:txBody>
+          <a:bodyPr rtlCol="0" anchor="ctr"/>
+          <a:lstStyle/>
+          <a:p>
+            <a:pPr algn="ctr"/>
+            <a:r>
+              <a:rPr kumimoji="1" lang="en-US" altLang="ko-Kore-KR" sz="1400" dirty="0">
+                <a:solidFill>
+                  <a:schemeClr val="tx1"/>
+                </a:solidFill>
+              </a:rPr>
+              <a:t>d</a:t>
+            </a:r>
+            <a:endParaRPr kumimoji="1" lang="ko-Kore-KR" altLang="en-US" sz="1400" dirty="0">
+              <a:solidFill>
+                <a:schemeClr val="tx1"/>
+              </a:solidFill>
+            </a:endParaRPr>
+          </a:p>
+        </p:txBody>
+      </p:sp>
+      <p:sp>
+        <p:nvSpPr>
+          <p:cNvPr id="44" name="직사각형 43">
+            <a:extLst>
+              <a:ext uri="{FF2B5EF4-FFF2-40B4-BE49-F238E27FC236}">
+                <a16:creationId xmlns:a16="http://schemas.microsoft.com/office/drawing/2014/main" id="{04A57904-11E6-54E4-C647-4432B4F6AE44}"/>
+              </a:ext>
+            </a:extLst>
+          </p:cNvPr>
+          <p:cNvSpPr/>
+          <p:nvPr/>
+        </p:nvSpPr>
+        <p:spPr>
+          <a:xfrm>
+            <a:off x="8500670" y="3661939"/>
+            <a:ext cx="401225" cy="518917"/>
+          </a:xfrm>
+          <a:prstGeom prst="rect">
+            <a:avLst/>
+          </a:prstGeom>
+          <a:solidFill>
+            <a:srgbClr val="FFFF00"/>
+          </a:solidFill>
+        </p:spPr>
+        <p:style>
+          <a:lnRef idx="2">
+            <a:schemeClr val="accent1">
+              <a:shade val="50000"/>
+            </a:schemeClr>
+          </a:lnRef>
+          <a:fillRef idx="1">
+            <a:schemeClr val="accent1"/>
+          </a:fillRef>
+          <a:effectRef idx="0">
+            <a:schemeClr val="accent1"/>
+          </a:effectRef>
+          <a:fontRef idx="minor">
+            <a:schemeClr val="lt1"/>
+          </a:fontRef>
+        </p:style>
+        <p:txBody>
+          <a:bodyPr rtlCol="0" anchor="ctr"/>
+          <a:lstStyle/>
+          <a:p>
+            <a:pPr algn="ctr"/>
+            <a:endParaRPr kumimoji="1" lang="ko-Kore-KR" altLang="en-US" sz="1400" dirty="0">
+              <a:solidFill>
+                <a:schemeClr val="tx1"/>
+              </a:solidFill>
+            </a:endParaRPr>
+          </a:p>
+        </p:txBody>
+      </p:sp>
+      <p:sp>
+        <p:nvSpPr>
+          <p:cNvPr id="45" name="직사각형 44">
+            <a:extLst>
+              <a:ext uri="{FF2B5EF4-FFF2-40B4-BE49-F238E27FC236}">
+                <a16:creationId xmlns:a16="http://schemas.microsoft.com/office/drawing/2014/main" id="{59D042C7-3080-2AB2-BA28-14F0B9298880}"/>
+              </a:ext>
+            </a:extLst>
+          </p:cNvPr>
+          <p:cNvSpPr/>
+          <p:nvPr/>
+        </p:nvSpPr>
+        <p:spPr>
+          <a:xfrm>
+            <a:off x="8901895" y="3661938"/>
+            <a:ext cx="401225" cy="518917"/>
+          </a:xfrm>
+          <a:prstGeom prst="rect">
+            <a:avLst/>
+          </a:prstGeom>
+          <a:solidFill>
+            <a:srgbClr val="FFFF00"/>
+          </a:solidFill>
+        </p:spPr>
+        <p:style>
+          <a:lnRef idx="2">
+            <a:schemeClr val="accent1">
+              <a:shade val="50000"/>
+            </a:schemeClr>
+          </a:lnRef>
+          <a:fillRef idx="1">
+            <a:schemeClr val="accent1"/>
+          </a:fillRef>
+          <a:effectRef idx="0">
+            <a:schemeClr val="accent1"/>
+          </a:effectRef>
+          <a:fontRef idx="minor">
+            <a:schemeClr val="lt1"/>
+          </a:fontRef>
+        </p:style>
+        <p:txBody>
+          <a:bodyPr rtlCol="0" anchor="ctr"/>
+          <a:lstStyle/>
+          <a:p>
+            <a:pPr algn="ctr"/>
+            <a:r>
+              <a:rPr kumimoji="1" lang="en-US" altLang="ko-Kore-KR" sz="1400" dirty="0">
+                <a:solidFill>
+                  <a:schemeClr val="tx1"/>
+                </a:solidFill>
+              </a:rPr>
+              <a:t>s</a:t>
+            </a:r>
+            <a:endParaRPr kumimoji="1" lang="ko-Kore-KR" altLang="en-US" sz="1400" dirty="0">
+              <a:solidFill>
+                <a:schemeClr val="tx1"/>
+              </a:solidFill>
+            </a:endParaRPr>
+          </a:p>
+        </p:txBody>
+      </p:sp>
+      <p:sp>
+        <p:nvSpPr>
+          <p:cNvPr id="46" name="직사각형 45">
+            <a:extLst>
+              <a:ext uri="{FF2B5EF4-FFF2-40B4-BE49-F238E27FC236}">
+                <a16:creationId xmlns:a16="http://schemas.microsoft.com/office/drawing/2014/main" id="{7C2EA073-ED57-092C-9F65-4978025737F2}"/>
+              </a:ext>
+            </a:extLst>
+          </p:cNvPr>
+          <p:cNvSpPr/>
+          <p:nvPr/>
+        </p:nvSpPr>
+        <p:spPr>
+          <a:xfrm>
+            <a:off x="9303120" y="3661937"/>
+            <a:ext cx="401225" cy="518917"/>
+          </a:xfrm>
+          <a:prstGeom prst="rect">
+            <a:avLst/>
+          </a:prstGeom>
+          <a:solidFill>
+            <a:srgbClr val="FFFF00"/>
+          </a:solidFill>
+        </p:spPr>
+        <p:style>
+          <a:lnRef idx="2">
+            <a:schemeClr val="accent1">
+              <a:shade val="50000"/>
+            </a:schemeClr>
+          </a:lnRef>
+          <a:fillRef idx="1">
+            <a:schemeClr val="accent1"/>
+          </a:fillRef>
+          <a:effectRef idx="0">
+            <a:schemeClr val="accent1"/>
+          </a:effectRef>
+          <a:fontRef idx="minor">
+            <a:schemeClr val="lt1"/>
+          </a:fontRef>
+        </p:style>
+        <p:txBody>
+          <a:bodyPr rtlCol="0" anchor="ctr"/>
+          <a:lstStyle/>
+          <a:p>
+            <a:pPr algn="ctr"/>
+            <a:r>
+              <a:rPr kumimoji="1" lang="en-US" altLang="ko-Kore-KR" sz="1400" dirty="0">
+                <a:solidFill>
+                  <a:schemeClr val="tx1"/>
+                </a:solidFill>
+              </a:rPr>
+              <a:t>h</a:t>
+            </a:r>
+            <a:endParaRPr kumimoji="1" lang="ko-Kore-KR" altLang="en-US" sz="1400" dirty="0">
+              <a:solidFill>
+                <a:schemeClr val="tx1"/>
+              </a:solidFill>
+            </a:endParaRPr>
+          </a:p>
+        </p:txBody>
+      </p:sp>
+      <p:sp>
+        <p:nvSpPr>
+          <p:cNvPr id="47" name="직사각형 46">
+            <a:extLst>
+              <a:ext uri="{FF2B5EF4-FFF2-40B4-BE49-F238E27FC236}">
+                <a16:creationId xmlns:a16="http://schemas.microsoft.com/office/drawing/2014/main" id="{3F7F5DDE-D7F0-C819-283B-60D4A590FF81}"/>
+              </a:ext>
+            </a:extLst>
+          </p:cNvPr>
+          <p:cNvSpPr/>
+          <p:nvPr/>
+        </p:nvSpPr>
+        <p:spPr>
+          <a:xfrm>
+            <a:off x="9704345" y="3661936"/>
+            <a:ext cx="401225" cy="518917"/>
+          </a:xfrm>
+          <a:prstGeom prst="rect">
+            <a:avLst/>
+          </a:prstGeom>
+          <a:solidFill>
+            <a:srgbClr val="FFFF00"/>
+          </a:solidFill>
+        </p:spPr>
+        <p:style>
+          <a:lnRef idx="2">
+            <a:schemeClr val="accent1">
+              <a:shade val="50000"/>
+            </a:schemeClr>
+          </a:lnRef>
+          <a:fillRef idx="1">
+            <a:schemeClr val="accent1"/>
+          </a:fillRef>
+          <a:effectRef idx="0">
+            <a:schemeClr val="accent1"/>
+          </a:effectRef>
+          <a:fontRef idx="minor">
+            <a:schemeClr val="lt1"/>
+          </a:fontRef>
+        </p:style>
+        <p:txBody>
+          <a:bodyPr rtlCol="0" anchor="ctr"/>
+          <a:lstStyle/>
+          <a:p>
+            <a:pPr algn="ctr"/>
+            <a:r>
+              <a:rPr kumimoji="1" lang="en-US" altLang="ko-Kore-KR" sz="1400" dirty="0">
+                <a:solidFill>
+                  <a:schemeClr val="tx1"/>
+                </a:solidFill>
+              </a:rPr>
+              <a:t>o</a:t>
+            </a:r>
+            <a:endParaRPr kumimoji="1" lang="ko-Kore-KR" altLang="en-US" sz="1400" dirty="0">
+              <a:solidFill>
+                <a:schemeClr val="tx1"/>
+              </a:solidFill>
+            </a:endParaRPr>
+          </a:p>
+        </p:txBody>
+      </p:sp>
+      <p:sp>
+        <p:nvSpPr>
+          <p:cNvPr id="48" name="직사각형 47">
+            <a:extLst>
+              <a:ext uri="{FF2B5EF4-FFF2-40B4-BE49-F238E27FC236}">
+                <a16:creationId xmlns:a16="http://schemas.microsoft.com/office/drawing/2014/main" id="{224C72BF-1677-4A88-4109-9DFA697EA12D}"/>
+              </a:ext>
+            </a:extLst>
+          </p:cNvPr>
+          <p:cNvSpPr/>
+          <p:nvPr/>
+        </p:nvSpPr>
+        <p:spPr>
+          <a:xfrm>
+            <a:off x="10105570" y="3661935"/>
+            <a:ext cx="401225" cy="518917"/>
+          </a:xfrm>
+          <a:prstGeom prst="rect">
+            <a:avLst/>
+          </a:prstGeom>
+          <a:solidFill>
+            <a:srgbClr val="FFFF00"/>
+          </a:solidFill>
+        </p:spPr>
+        <p:style>
+          <a:lnRef idx="2">
+            <a:schemeClr val="accent1">
+              <a:shade val="50000"/>
+            </a:schemeClr>
+          </a:lnRef>
+          <a:fillRef idx="1">
+            <a:schemeClr val="accent1"/>
+          </a:fillRef>
+          <a:effectRef idx="0">
+            <a:schemeClr val="accent1"/>
+          </a:effectRef>
+          <a:fontRef idx="minor">
+            <a:schemeClr val="lt1"/>
+          </a:fontRef>
+        </p:style>
+        <p:txBody>
+          <a:bodyPr rtlCol="0" anchor="ctr"/>
+          <a:lstStyle/>
+          <a:p>
+            <a:pPr algn="ctr"/>
+            <a:r>
+              <a:rPr kumimoji="1" lang="en-US" altLang="ko-Kore-KR" sz="1400" dirty="0">
+                <a:solidFill>
+                  <a:schemeClr val="tx1"/>
+                </a:solidFill>
+              </a:rPr>
+              <a:t>w</a:t>
+            </a:r>
+            <a:endParaRPr kumimoji="1" lang="ko-Kore-KR" altLang="en-US" sz="1400" dirty="0">
+              <a:solidFill>
+                <a:schemeClr val="tx1"/>
+              </a:solidFill>
+            </a:endParaRPr>
+          </a:p>
+        </p:txBody>
+      </p:sp>
+      <p:sp>
+        <p:nvSpPr>
+          <p:cNvPr id="49" name="직사각형 48">
+            <a:extLst>
+              <a:ext uri="{FF2B5EF4-FFF2-40B4-BE49-F238E27FC236}">
+                <a16:creationId xmlns:a16="http://schemas.microsoft.com/office/drawing/2014/main" id="{D0CB34C0-2D09-31B7-A2DD-0FC794174E52}"/>
+              </a:ext>
+            </a:extLst>
+          </p:cNvPr>
+          <p:cNvSpPr/>
+          <p:nvPr/>
+        </p:nvSpPr>
+        <p:spPr>
+          <a:xfrm>
+            <a:off x="10506795" y="3661934"/>
+            <a:ext cx="401225" cy="518917"/>
+          </a:xfrm>
+          <a:prstGeom prst="rect">
+            <a:avLst/>
+          </a:prstGeom>
+          <a:solidFill>
+            <a:srgbClr val="FFFF00"/>
+          </a:solidFill>
+        </p:spPr>
+        <p:style>
+          <a:lnRef idx="2">
+            <a:schemeClr val="accent1">
+              <a:shade val="50000"/>
+            </a:schemeClr>
+          </a:lnRef>
+          <a:fillRef idx="1">
+            <a:schemeClr val="accent1"/>
+          </a:fillRef>
+          <a:effectRef idx="0">
+            <a:schemeClr val="accent1"/>
+          </a:effectRef>
+          <a:fontRef idx="minor">
+            <a:schemeClr val="lt1"/>
+          </a:fontRef>
+        </p:style>
+        <p:txBody>
+          <a:bodyPr rtlCol="0" anchor="ctr"/>
+          <a:lstStyle/>
+          <a:p>
+            <a:pPr algn="ctr"/>
+            <a:endParaRPr kumimoji="1" lang="ko-Kore-KR" altLang="en-US" sz="1400" dirty="0">
+              <a:solidFill>
+                <a:schemeClr val="tx1"/>
+              </a:solidFill>
+            </a:endParaRPr>
+          </a:p>
+        </p:txBody>
+      </p:sp>
+      <p:sp>
+        <p:nvSpPr>
+          <p:cNvPr id="50" name="직사각형 49">
+            <a:extLst>
+              <a:ext uri="{FF2B5EF4-FFF2-40B4-BE49-F238E27FC236}">
+                <a16:creationId xmlns:a16="http://schemas.microsoft.com/office/drawing/2014/main" id="{0297C6F8-CEA3-5AAC-3A17-083A969636FD}"/>
+              </a:ext>
+            </a:extLst>
+          </p:cNvPr>
+          <p:cNvSpPr/>
+          <p:nvPr/>
+        </p:nvSpPr>
+        <p:spPr>
+          <a:xfrm>
+            <a:off x="5240167" y="457200"/>
+            <a:ext cx="4062953" cy="2453094"/>
+          </a:xfrm>
+          <a:prstGeom prst="rect">
+            <a:avLst/>
+          </a:prstGeom>
+          <a:noFill/>
+        </p:spPr>
+        <p:style>
+          <a:lnRef idx="2">
+            <a:schemeClr val="accent4"/>
+          </a:lnRef>
+          <a:fillRef idx="1">
+            <a:schemeClr val="lt1"/>
+          </a:fillRef>
+          <a:effectRef idx="0">
+            <a:schemeClr val="accent4"/>
+          </a:effectRef>
+          <a:fontRef idx="minor">
+            <a:schemeClr val="dk1"/>
+          </a:fontRef>
+        </p:style>
+        <p:txBody>
+          <a:bodyPr rtlCol="0" anchor="ctr"/>
+          <a:lstStyle/>
+          <a:p>
+            <a:pPr algn="ctr"/>
+            <a:endParaRPr kumimoji="1" lang="ko-Kore-KR" altLang="en-US" sz="1400" dirty="0">
+              <a:solidFill>
+                <a:schemeClr val="tx1"/>
+              </a:solidFill>
+            </a:endParaRPr>
+          </a:p>
+        </p:txBody>
+      </p:sp>
+      <p:sp>
+        <p:nvSpPr>
+          <p:cNvPr id="51" name="직사각형 50">
+            <a:extLst>
+              <a:ext uri="{FF2B5EF4-FFF2-40B4-BE49-F238E27FC236}">
+                <a16:creationId xmlns:a16="http://schemas.microsoft.com/office/drawing/2014/main" id="{E558345D-358D-28BE-707F-8DF2716D45B2}"/>
+              </a:ext>
+            </a:extLst>
+          </p:cNvPr>
+          <p:cNvSpPr/>
+          <p:nvPr/>
+        </p:nvSpPr>
+        <p:spPr>
+          <a:xfrm>
+            <a:off x="5324045" y="130686"/>
+            <a:ext cx="1011815" cy="369332"/>
+          </a:xfrm>
+          <a:prstGeom prst="rect">
+            <a:avLst/>
+          </a:prstGeom>
+        </p:spPr>
+        <p:txBody>
+          <a:bodyPr wrap="none">
+            <a:spAutoFit/>
+          </a:bodyPr>
+          <a:lstStyle/>
+          <a:p>
+            <a:r>
+              <a:rPr lang="en" altLang="ko-Kore-KR" dirty="0" err="1">
+                <a:solidFill>
+                  <a:srgbClr val="795E26"/>
+                </a:solidFill>
+                <a:latin typeface="DM Mono" panose="020B0509040201040103" pitchFamily="49" charset="0"/>
+              </a:rPr>
+              <a:t>strtok</a:t>
+            </a:r>
+            <a:endParaRPr lang="ko-Kore-KR" altLang="en-US" dirty="0"/>
+          </a:p>
+        </p:txBody>
+      </p:sp>
+      <p:sp>
+        <p:nvSpPr>
+          <p:cNvPr id="52" name="직사각형 51">
+            <a:extLst>
+              <a:ext uri="{FF2B5EF4-FFF2-40B4-BE49-F238E27FC236}">
+                <a16:creationId xmlns:a16="http://schemas.microsoft.com/office/drawing/2014/main" id="{4F287B4F-F5A8-B357-AFB7-183005B59908}"/>
+              </a:ext>
+            </a:extLst>
+          </p:cNvPr>
+          <p:cNvSpPr/>
+          <p:nvPr/>
+        </p:nvSpPr>
+        <p:spPr>
+          <a:xfrm>
+            <a:off x="6093320" y="567073"/>
+            <a:ext cx="401225" cy="518917"/>
+          </a:xfrm>
+          <a:prstGeom prst="rect">
+            <a:avLst/>
+          </a:prstGeom>
+          <a:solidFill>
+            <a:srgbClr val="FFFF00"/>
+          </a:solidFill>
+        </p:spPr>
+        <p:style>
+          <a:lnRef idx="2">
+            <a:schemeClr val="accent1">
+              <a:shade val="50000"/>
+            </a:schemeClr>
+          </a:lnRef>
+          <a:fillRef idx="1">
+            <a:schemeClr val="accent1"/>
+          </a:fillRef>
+          <a:effectRef idx="0">
+            <a:schemeClr val="accent1"/>
+          </a:effectRef>
+          <a:fontRef idx="minor">
+            <a:schemeClr val="lt1"/>
+          </a:fontRef>
+        </p:style>
+        <p:txBody>
+          <a:bodyPr rtlCol="0" anchor="ctr"/>
+          <a:lstStyle/>
+          <a:p>
+            <a:pPr algn="ctr"/>
+            <a:endParaRPr kumimoji="1" lang="ko-Kore-KR" altLang="en-US" sz="1400" dirty="0">
+              <a:solidFill>
+                <a:schemeClr val="tx1"/>
+              </a:solidFill>
+            </a:endParaRPr>
+          </a:p>
+        </p:txBody>
+      </p:sp>
+      <p:sp>
+        <p:nvSpPr>
+          <p:cNvPr id="53" name="직사각형 52">
+            <a:extLst>
+              <a:ext uri="{FF2B5EF4-FFF2-40B4-BE49-F238E27FC236}">
+                <a16:creationId xmlns:a16="http://schemas.microsoft.com/office/drawing/2014/main" id="{59A89312-D497-C4E4-BBCD-C61FED7A20E2}"/>
+              </a:ext>
+            </a:extLst>
+          </p:cNvPr>
+          <p:cNvSpPr/>
+          <p:nvPr/>
+        </p:nvSpPr>
+        <p:spPr>
+          <a:xfrm>
+            <a:off x="5701867" y="641865"/>
+            <a:ext cx="322524" cy="369332"/>
+          </a:xfrm>
+          <a:prstGeom prst="rect">
+            <a:avLst/>
+          </a:prstGeom>
+        </p:spPr>
+        <p:txBody>
+          <a:bodyPr wrap="none">
+            <a:spAutoFit/>
+          </a:bodyPr>
+          <a:lstStyle/>
+          <a:p>
+            <a:r>
+              <a:rPr lang="en-US" altLang="ko-Kore-KR" dirty="0">
+                <a:solidFill>
+                  <a:srgbClr val="001080"/>
+                </a:solidFill>
+                <a:latin typeface="DM Mono" panose="020B0509040201040103" pitchFamily="49" charset="0"/>
+              </a:rPr>
+              <a:t>s</a:t>
+            </a:r>
+            <a:endParaRPr lang="ko-Kore-KR" altLang="en-US" dirty="0"/>
+          </a:p>
+        </p:txBody>
+      </p:sp>
+      <p:cxnSp>
+        <p:nvCxnSpPr>
+          <p:cNvPr id="8" name="구부러진 연결선[U] 7">
+            <a:extLst>
+              <a:ext uri="{FF2B5EF4-FFF2-40B4-BE49-F238E27FC236}">
+                <a16:creationId xmlns:a16="http://schemas.microsoft.com/office/drawing/2014/main" id="{59573AE9-7E28-65A3-F1DA-AA44C6AC329A}"/>
+              </a:ext>
+            </a:extLst>
+          </p:cNvPr>
+          <p:cNvCxnSpPr>
+            <a:cxnSpLocks/>
+            <a:endCxn id="39" idx="0"/>
+          </p:cNvCxnSpPr>
+          <p:nvPr/>
+        </p:nvCxnSpPr>
+        <p:spPr>
+          <a:xfrm rot="16200000" flipH="1">
+            <a:off x="5231231" y="2198014"/>
+            <a:ext cx="2539840" cy="388014"/>
+          </a:xfrm>
+          <a:prstGeom prst="curvedConnector3">
+            <a:avLst>
+              <a:gd name="adj1" fmla="val 50000"/>
+            </a:avLst>
+          </a:prstGeom>
+          <a:ln>
+            <a:tailEnd type="triangle"/>
+          </a:ln>
+        </p:spPr>
+        <p:style>
+          <a:lnRef idx="1">
+            <a:schemeClr val="accent1"/>
+          </a:lnRef>
+          <a:fillRef idx="0">
+            <a:schemeClr val="accent1"/>
+          </a:fillRef>
+          <a:effectRef idx="0">
+            <a:schemeClr val="accent1"/>
+          </a:effectRef>
+          <a:fontRef idx="minor">
+            <a:schemeClr val="tx1"/>
+          </a:fontRef>
+        </p:style>
+      </p:cxnSp>
+      <p:sp>
+        <p:nvSpPr>
+          <p:cNvPr id="54" name="직사각형 53">
+            <a:extLst>
+              <a:ext uri="{FF2B5EF4-FFF2-40B4-BE49-F238E27FC236}">
+                <a16:creationId xmlns:a16="http://schemas.microsoft.com/office/drawing/2014/main" id="{1135E30C-4862-EA58-6999-C45B5376A66C}"/>
+              </a:ext>
+            </a:extLst>
+          </p:cNvPr>
+          <p:cNvSpPr/>
+          <p:nvPr/>
+        </p:nvSpPr>
+        <p:spPr>
+          <a:xfrm>
+            <a:off x="7295267" y="567073"/>
+            <a:ext cx="401225" cy="518917"/>
+          </a:xfrm>
+          <a:prstGeom prst="rect">
+            <a:avLst/>
+          </a:prstGeom>
+          <a:solidFill>
+            <a:srgbClr val="FFFF00"/>
+          </a:solidFill>
+        </p:spPr>
+        <p:style>
+          <a:lnRef idx="2">
+            <a:schemeClr val="accent1">
+              <a:shade val="50000"/>
+            </a:schemeClr>
+          </a:lnRef>
+          <a:fillRef idx="1">
+            <a:schemeClr val="accent1"/>
+          </a:fillRef>
+          <a:effectRef idx="0">
+            <a:schemeClr val="accent1"/>
+          </a:effectRef>
+          <a:fontRef idx="minor">
+            <a:schemeClr val="lt1"/>
+          </a:fontRef>
+        </p:style>
+        <p:txBody>
+          <a:bodyPr rtlCol="0" anchor="ctr"/>
+          <a:lstStyle/>
+          <a:p>
+            <a:pPr algn="ctr"/>
+            <a:endParaRPr kumimoji="1" lang="ko-Kore-KR" altLang="en-US" sz="1400" dirty="0">
+              <a:solidFill>
+                <a:schemeClr val="tx1"/>
+              </a:solidFill>
+            </a:endParaRPr>
+          </a:p>
+        </p:txBody>
+      </p:sp>
+      <p:cxnSp>
+        <p:nvCxnSpPr>
+          <p:cNvPr id="55" name="구부러진 연결선[U] 54">
+            <a:extLst>
+              <a:ext uri="{FF2B5EF4-FFF2-40B4-BE49-F238E27FC236}">
+                <a16:creationId xmlns:a16="http://schemas.microsoft.com/office/drawing/2014/main" id="{75C86A15-2A5B-6117-7023-ABAB149FEA0A}"/>
+              </a:ext>
+            </a:extLst>
+          </p:cNvPr>
+          <p:cNvCxnSpPr>
+            <a:cxnSpLocks/>
+            <a:stCxn id="54" idx="2"/>
+            <a:endCxn id="38" idx="0"/>
+          </p:cNvCxnSpPr>
+          <p:nvPr/>
+        </p:nvCxnSpPr>
+        <p:spPr>
+          <a:xfrm rot="5400000">
+            <a:off x="5606932" y="1772992"/>
+            <a:ext cx="2575951" cy="1201947"/>
+          </a:xfrm>
+          <a:prstGeom prst="curvedConnector3">
+            <a:avLst>
+              <a:gd name="adj1" fmla="val 50000"/>
+            </a:avLst>
+          </a:prstGeom>
+          <a:ln>
+            <a:tailEnd type="triangle"/>
+          </a:ln>
+        </p:spPr>
+        <p:style>
+          <a:lnRef idx="1">
+            <a:schemeClr val="accent1"/>
+          </a:lnRef>
+          <a:fillRef idx="0">
+            <a:schemeClr val="accent1"/>
+          </a:fillRef>
+          <a:effectRef idx="0">
+            <a:schemeClr val="accent1"/>
+          </a:effectRef>
+          <a:fontRef idx="minor">
+            <a:schemeClr val="tx1"/>
+          </a:fontRef>
+        </p:style>
+      </p:cxnSp>
+    </p:spTree>
+    <p:extLst>
+      <p:ext uri="{BB962C8B-B14F-4D97-AF65-F5344CB8AC3E}">
+        <p14:creationId xmlns:p14="http://schemas.microsoft.com/office/powerpoint/2010/main" val="105237329"/>
+      </p:ext>
+    </p:extLst>
+  </p:cSld>
+  <p:clrMapOvr>
+    <a:masterClrMapping/>
+  </p:clrMapOvr>
+</p:sld>
+</file>
+
+<file path=ppt/slides/slide23.xml><?xml version="1.0" encoding="utf-8"?>
+<p:sld xmlns:a="http://schemas.openxmlformats.org/drawingml/2006/main" xmlns:r="http://schemas.openxmlformats.org/officeDocument/2006/relationships" xmlns:p="http://schemas.openxmlformats.org/presentationml/2006/main">
+  <p:cSld>
+    <p:spTree>
+      <p:nvGrpSpPr>
+        <p:cNvPr id="1" name=""/>
+        <p:cNvGrpSpPr/>
+        <p:nvPr/>
+      </p:nvGrpSpPr>
+      <p:grpSpPr>
+        <a:xfrm>
+          <a:off x="0" y="0"/>
+          <a:ext cx="0" cy="0"/>
+          <a:chOff x="0" y="0"/>
+          <a:chExt cx="0" cy="0"/>
+        </a:xfrm>
+      </p:grpSpPr>
+      <p:sp>
+        <p:nvSpPr>
+          <p:cNvPr id="6" name="직사각형 5">
+            <a:extLst>
+              <a:ext uri="{FF2B5EF4-FFF2-40B4-BE49-F238E27FC236}">
+                <a16:creationId xmlns:a16="http://schemas.microsoft.com/office/drawing/2014/main" id="{41696B8C-6B7B-81B4-DDC2-F3CEA4E973FE}"/>
+              </a:ext>
+            </a:extLst>
+          </p:cNvPr>
+          <p:cNvSpPr/>
+          <p:nvPr/>
+        </p:nvSpPr>
+        <p:spPr>
+          <a:xfrm>
+            <a:off x="2887045" y="747292"/>
+            <a:ext cx="401225" cy="518917"/>
+          </a:xfrm>
+          <a:prstGeom prst="rect">
+            <a:avLst/>
+          </a:prstGeom>
+          <a:solidFill>
+            <a:srgbClr val="FFFF00"/>
+          </a:solidFill>
+        </p:spPr>
+        <p:style>
+          <a:lnRef idx="2">
+            <a:schemeClr val="accent1">
+              <a:shade val="50000"/>
+            </a:schemeClr>
+          </a:lnRef>
+          <a:fillRef idx="1">
+            <a:schemeClr val="accent1"/>
+          </a:fillRef>
+          <a:effectRef idx="0">
+            <a:schemeClr val="accent1"/>
+          </a:effectRef>
+          <a:fontRef idx="minor">
+            <a:schemeClr val="lt1"/>
+          </a:fontRef>
+        </p:style>
+        <p:txBody>
+          <a:bodyPr rtlCol="0" anchor="ctr"/>
+          <a:lstStyle/>
+          <a:p>
+            <a:pPr algn="ctr"/>
+            <a:r>
+              <a:rPr kumimoji="1" lang="en-US" altLang="ko-KR" sz="1400" dirty="0">
+                <a:solidFill>
+                  <a:schemeClr val="tx1"/>
+                </a:solidFill>
+              </a:rPr>
+              <a:t>1</a:t>
+            </a:r>
+            <a:endParaRPr kumimoji="1" lang="ko-Kore-KR" altLang="en-US" sz="1400" dirty="0">
+              <a:solidFill>
+                <a:schemeClr val="tx1"/>
+              </a:solidFill>
+            </a:endParaRPr>
+          </a:p>
+        </p:txBody>
+      </p:sp>
+      <p:sp>
+        <p:nvSpPr>
+          <p:cNvPr id="8" name="TextBox 7">
+            <a:extLst>
+              <a:ext uri="{FF2B5EF4-FFF2-40B4-BE49-F238E27FC236}">
+                <a16:creationId xmlns:a16="http://schemas.microsoft.com/office/drawing/2014/main" id="{735A7EA8-700F-1470-AD04-A657DA69A860}"/>
+              </a:ext>
+            </a:extLst>
+          </p:cNvPr>
+          <p:cNvSpPr txBox="1"/>
+          <p:nvPr/>
+        </p:nvSpPr>
+        <p:spPr>
+          <a:xfrm>
+            <a:off x="4876800" y="828675"/>
+            <a:ext cx="4661854" cy="923330"/>
+          </a:xfrm>
+          <a:prstGeom prst="rect">
+            <a:avLst/>
+          </a:prstGeom>
+          <a:noFill/>
+        </p:spPr>
+        <p:txBody>
+          <a:bodyPr wrap="none" rtlCol="0">
+            <a:spAutoFit/>
+          </a:bodyPr>
+          <a:lstStyle/>
+          <a:p>
+            <a:pPr marL="342900" indent="-342900">
+              <a:buAutoNum type="arabicPeriod"/>
+            </a:pPr>
+            <a:r>
+              <a:rPr kumimoji="1" lang="ko-KR" altLang="en-US" dirty="0"/>
+              <a:t>메모리를 </a:t>
+            </a:r>
+            <a:r>
+              <a:rPr kumimoji="1" lang="en-US" altLang="ko-KR" dirty="0"/>
+              <a:t>CPU</a:t>
+            </a:r>
+            <a:r>
+              <a:rPr kumimoji="1" lang="ko-KR" altLang="en-US" dirty="0"/>
+              <a:t> 레지스터로 </a:t>
+            </a:r>
+            <a:r>
+              <a:rPr kumimoji="1" lang="ko-KR" altLang="en-US" dirty="0" err="1"/>
+              <a:t>로드합니다</a:t>
+            </a:r>
+            <a:r>
+              <a:rPr kumimoji="1" lang="en-US" altLang="ko-KR" dirty="0"/>
+              <a:t>.</a:t>
+            </a:r>
+            <a:r>
+              <a:rPr kumimoji="1" lang="ko-KR" altLang="en-US" dirty="0"/>
+              <a:t> </a:t>
+            </a:r>
+            <a:r>
+              <a:rPr kumimoji="1" lang="en-US" altLang="ko-KR" dirty="0"/>
+              <a:t>-</a:t>
+            </a:r>
+            <a:r>
+              <a:rPr kumimoji="1" lang="ko-KR" altLang="en-US" dirty="0"/>
+              <a:t> </a:t>
+            </a:r>
+            <a:r>
+              <a:rPr kumimoji="1" lang="en-US" altLang="ko-KR" dirty="0"/>
+              <a:t>1</a:t>
+            </a:r>
+          </a:p>
+          <a:p>
+            <a:pPr marL="342900" indent="-342900">
+              <a:buAutoNum type="arabicPeriod"/>
+            </a:pPr>
+            <a:r>
+              <a:rPr kumimoji="1" lang="ko-KR" altLang="en-US" dirty="0"/>
+              <a:t>연산을 수행합니다</a:t>
+            </a:r>
+            <a:r>
+              <a:rPr kumimoji="1" lang="en-US" altLang="ko-KR" dirty="0"/>
+              <a:t>.</a:t>
+            </a:r>
+          </a:p>
+          <a:p>
+            <a:pPr marL="342900" indent="-342900">
+              <a:buAutoNum type="arabicPeriod"/>
+            </a:pPr>
+            <a:r>
+              <a:rPr kumimoji="1" lang="ko-KR" altLang="en-US" dirty="0"/>
+              <a:t>결과를 메모리에 반영합니다</a:t>
+            </a:r>
+            <a:r>
+              <a:rPr kumimoji="1" lang="en-US" altLang="ko-KR" dirty="0"/>
+              <a:t>.</a:t>
+            </a:r>
+            <a:endParaRPr kumimoji="1" lang="ko-Kore-KR" altLang="en-US" dirty="0"/>
+          </a:p>
+        </p:txBody>
+      </p:sp>
+      <p:sp>
+        <p:nvSpPr>
+          <p:cNvPr id="9" name="TextBox 8">
+            <a:extLst>
+              <a:ext uri="{FF2B5EF4-FFF2-40B4-BE49-F238E27FC236}">
+                <a16:creationId xmlns:a16="http://schemas.microsoft.com/office/drawing/2014/main" id="{9F6FC91F-0621-8EA5-4913-21D7B93709AB}"/>
+              </a:ext>
+            </a:extLst>
+          </p:cNvPr>
+          <p:cNvSpPr txBox="1"/>
+          <p:nvPr/>
+        </p:nvSpPr>
+        <p:spPr>
+          <a:xfrm>
+            <a:off x="4876800" y="2619375"/>
+            <a:ext cx="4732386" cy="923330"/>
+          </a:xfrm>
+          <a:prstGeom prst="rect">
+            <a:avLst/>
+          </a:prstGeom>
+          <a:noFill/>
+        </p:spPr>
+        <p:txBody>
+          <a:bodyPr wrap="none" rtlCol="0">
+            <a:spAutoFit/>
+          </a:bodyPr>
+          <a:lstStyle/>
+          <a:p>
+            <a:pPr marL="342900" indent="-342900">
+              <a:buAutoNum type="arabicPeriod"/>
+            </a:pPr>
+            <a:r>
+              <a:rPr kumimoji="1" lang="ko-KR" altLang="en-US" dirty="0"/>
+              <a:t>메모리를 </a:t>
+            </a:r>
+            <a:r>
+              <a:rPr kumimoji="1" lang="en-US" altLang="ko-KR" dirty="0"/>
+              <a:t>CPU</a:t>
+            </a:r>
+            <a:r>
+              <a:rPr kumimoji="1" lang="ko-KR" altLang="en-US" dirty="0"/>
+              <a:t> 레지스터로 </a:t>
+            </a:r>
+            <a:r>
+              <a:rPr kumimoji="1" lang="ko-KR" altLang="en-US" dirty="0" err="1"/>
+              <a:t>로드합니다</a:t>
+            </a:r>
+            <a:r>
+              <a:rPr kumimoji="1" lang="en-US" altLang="ko-KR" dirty="0"/>
+              <a:t>.</a:t>
+            </a:r>
+            <a:r>
+              <a:rPr kumimoji="1" lang="ko-KR" altLang="en-US" dirty="0"/>
+              <a:t> </a:t>
+            </a:r>
+            <a:r>
+              <a:rPr kumimoji="1" lang="en-US" altLang="ko-KR" dirty="0"/>
+              <a:t>--</a:t>
+            </a:r>
+            <a:r>
+              <a:rPr kumimoji="1" lang="ko-KR" altLang="en-US" dirty="0"/>
+              <a:t> </a:t>
+            </a:r>
+            <a:r>
+              <a:rPr kumimoji="1" lang="en-US" altLang="ko-KR"/>
+              <a:t>1</a:t>
+            </a:r>
+            <a:endParaRPr kumimoji="1" lang="en-US" altLang="ko-KR" dirty="0"/>
+          </a:p>
+          <a:p>
+            <a:pPr marL="342900" indent="-342900">
+              <a:buAutoNum type="arabicPeriod"/>
+            </a:pPr>
+            <a:r>
+              <a:rPr kumimoji="1" lang="ko-KR" altLang="en-US" dirty="0"/>
+              <a:t>연산을 수행합니다</a:t>
+            </a:r>
+            <a:r>
+              <a:rPr kumimoji="1" lang="en-US" altLang="ko-KR" dirty="0"/>
+              <a:t>.</a:t>
+            </a:r>
+          </a:p>
+          <a:p>
+            <a:pPr marL="342900" indent="-342900">
+              <a:buAutoNum type="arabicPeriod"/>
+            </a:pPr>
+            <a:r>
+              <a:rPr kumimoji="1" lang="ko-KR" altLang="en-US" dirty="0"/>
+              <a:t>결과를 메모리에 반영합니다</a:t>
+            </a:r>
+            <a:r>
+              <a:rPr kumimoji="1" lang="en-US" altLang="ko-KR" dirty="0"/>
+              <a:t>.</a:t>
+            </a:r>
+            <a:endParaRPr kumimoji="1" lang="ko-Kore-KR" altLang="en-US" dirty="0"/>
+          </a:p>
+        </p:txBody>
+      </p:sp>
+    </p:spTree>
+    <p:extLst>
+      <p:ext uri="{BB962C8B-B14F-4D97-AF65-F5344CB8AC3E}">
+        <p14:creationId xmlns:p14="http://schemas.microsoft.com/office/powerpoint/2010/main" val="3070086022"/>
       </p:ext>
     </p:extLst>
   </p:cSld>

--- a/220510.pptx
+++ b/220510.pptx
@@ -28,6 +28,7 @@
     <p:sldId id="276" r:id="rId22"/>
     <p:sldId id="277" r:id="rId23"/>
     <p:sldId id="278" r:id="rId24"/>
+    <p:sldId id="279" r:id="rId25"/>
   </p:sldIdLst>
   <p:sldSz cx="12192000" cy="6858000"/>
   <p:notesSz cx="6858000" cy="9144000"/>
@@ -23968,10 +23969,9 @@
               <a:t> </a:t>
             </a:r>
             <a:r>
-              <a:rPr kumimoji="1" lang="en-US" altLang="ko-KR"/>
+              <a:rPr kumimoji="1" lang="en-US" altLang="ko-KR" dirty="0"/>
               <a:t>1</a:t>
             </a:r>
-            <a:endParaRPr kumimoji="1" lang="en-US" altLang="ko-KR" dirty="0"/>
           </a:p>
           <a:p>
             <a:pPr marL="342900" indent="-342900">
@@ -24006,6 +24006,2848 @@
     <p:extLst>
       <p:ext uri="{BB962C8B-B14F-4D97-AF65-F5344CB8AC3E}">
         <p14:creationId xmlns:p14="http://schemas.microsoft.com/office/powerpoint/2010/main" val="3070086022"/>
+      </p:ext>
+    </p:extLst>
+  </p:cSld>
+  <p:clrMapOvr>
+    <a:masterClrMapping/>
+  </p:clrMapOvr>
+</p:sld>
+</file>
+
+<file path=ppt/slides/slide24.xml><?xml version="1.0" encoding="utf-8"?>
+<p:sld xmlns:a="http://schemas.openxmlformats.org/drawingml/2006/main" xmlns:r="http://schemas.openxmlformats.org/officeDocument/2006/relationships" xmlns:p="http://schemas.openxmlformats.org/presentationml/2006/main">
+  <p:cSld>
+    <p:spTree>
+      <p:nvGrpSpPr>
+        <p:cNvPr id="1" name=""/>
+        <p:cNvGrpSpPr/>
+        <p:nvPr/>
+      </p:nvGrpSpPr>
+      <p:grpSpPr>
+        <a:xfrm>
+          <a:off x="0" y="0"/>
+          <a:ext cx="0" cy="0"/>
+          <a:chOff x="0" y="0"/>
+          <a:chExt cx="0" cy="0"/>
+        </a:xfrm>
+      </p:grpSpPr>
+      <p:sp>
+        <p:nvSpPr>
+          <p:cNvPr id="6" name="직사각형 5">
+            <a:extLst>
+              <a:ext uri="{FF2B5EF4-FFF2-40B4-BE49-F238E27FC236}">
+                <a16:creationId xmlns:a16="http://schemas.microsoft.com/office/drawing/2014/main" id="{41696B8C-6B7B-81B4-DDC2-F3CEA4E973FE}"/>
+              </a:ext>
+            </a:extLst>
+          </p:cNvPr>
+          <p:cNvSpPr/>
+          <p:nvPr/>
+        </p:nvSpPr>
+        <p:spPr>
+          <a:xfrm>
+            <a:off x="6096000" y="1502348"/>
+            <a:ext cx="401225" cy="518917"/>
+          </a:xfrm>
+          <a:prstGeom prst="rect">
+            <a:avLst/>
+          </a:prstGeom>
+          <a:solidFill>
+            <a:schemeClr val="accent2"/>
+          </a:solidFill>
+        </p:spPr>
+        <p:style>
+          <a:lnRef idx="2">
+            <a:schemeClr val="accent1">
+              <a:shade val="50000"/>
+            </a:schemeClr>
+          </a:lnRef>
+          <a:fillRef idx="1">
+            <a:schemeClr val="accent1"/>
+          </a:fillRef>
+          <a:effectRef idx="0">
+            <a:schemeClr val="accent1"/>
+          </a:effectRef>
+          <a:fontRef idx="minor">
+            <a:schemeClr val="lt1"/>
+          </a:fontRef>
+        </p:style>
+        <p:txBody>
+          <a:bodyPr rtlCol="0" anchor="ctr"/>
+          <a:lstStyle/>
+          <a:p>
+            <a:pPr algn="ctr"/>
+            <a:endParaRPr kumimoji="1" lang="ko-Kore-KR" altLang="en-US" sz="1400" dirty="0">
+              <a:solidFill>
+                <a:schemeClr val="tx1"/>
+              </a:solidFill>
+            </a:endParaRPr>
+          </a:p>
+        </p:txBody>
+      </p:sp>
+      <p:sp>
+        <p:nvSpPr>
+          <p:cNvPr id="2" name="직사각형 1">
+            <a:extLst>
+              <a:ext uri="{FF2B5EF4-FFF2-40B4-BE49-F238E27FC236}">
+                <a16:creationId xmlns:a16="http://schemas.microsoft.com/office/drawing/2014/main" id="{9F8F7856-6605-537A-C111-9D76A0CCF6FA}"/>
+              </a:ext>
+            </a:extLst>
+          </p:cNvPr>
+          <p:cNvSpPr/>
+          <p:nvPr/>
+        </p:nvSpPr>
+        <p:spPr>
+          <a:xfrm>
+            <a:off x="400050" y="497265"/>
+            <a:ext cx="3695700" cy="3139321"/>
+          </a:xfrm>
+          <a:prstGeom prst="rect">
+            <a:avLst/>
+          </a:prstGeom>
+        </p:spPr>
+        <p:txBody>
+          <a:bodyPr wrap="square">
+            <a:spAutoFit/>
+          </a:bodyPr>
+          <a:lstStyle/>
+          <a:p>
+            <a:r>
+              <a:rPr lang="en" altLang="ko-Kore-KR" dirty="0">
+                <a:solidFill>
+                  <a:srgbClr val="0000FF"/>
+                </a:solidFill>
+                <a:latin typeface="DM Mono" panose="020B0509040201040103" pitchFamily="49" charset="0"/>
+              </a:rPr>
+              <a:t>struct</a:t>
+            </a:r>
+            <a:r>
+              <a:rPr lang="en" altLang="ko-Kore-KR" dirty="0">
+                <a:solidFill>
+                  <a:srgbClr val="000000"/>
+                </a:solidFill>
+                <a:latin typeface="DM Mono" panose="020B0509040201040103" pitchFamily="49" charset="0"/>
+              </a:rPr>
+              <a:t> </a:t>
+            </a:r>
+            <a:r>
+              <a:rPr lang="en" altLang="ko-Kore-KR" dirty="0">
+                <a:solidFill>
+                  <a:srgbClr val="267F99"/>
+                </a:solidFill>
+                <a:latin typeface="DM Mono" panose="020B0509040201040103" pitchFamily="49" charset="0"/>
+              </a:rPr>
+              <a:t>point</a:t>
+            </a:r>
+            <a:r>
+              <a:rPr lang="en" altLang="ko-Kore-KR" dirty="0">
+                <a:solidFill>
+                  <a:srgbClr val="000000"/>
+                </a:solidFill>
+                <a:latin typeface="DM Mono" panose="020B0509040201040103" pitchFamily="49" charset="0"/>
+              </a:rPr>
+              <a:t> {</a:t>
+            </a:r>
+          </a:p>
+          <a:p>
+            <a:r>
+              <a:rPr lang="en" altLang="ko-Kore-KR" dirty="0">
+                <a:solidFill>
+                  <a:srgbClr val="0000FF"/>
+                </a:solidFill>
+                <a:latin typeface="DM Mono" panose="020B0509040201040103" pitchFamily="49" charset="0"/>
+              </a:rPr>
+              <a:t>  int</a:t>
+            </a:r>
+            <a:r>
+              <a:rPr lang="en" altLang="ko-Kore-KR" dirty="0">
+                <a:solidFill>
+                  <a:srgbClr val="000000"/>
+                </a:solidFill>
+                <a:latin typeface="DM Mono" panose="020B0509040201040103" pitchFamily="49" charset="0"/>
+              </a:rPr>
+              <a:t> </a:t>
+            </a:r>
+            <a:r>
+              <a:rPr lang="en" altLang="ko-Kore-KR" dirty="0">
+                <a:solidFill>
+                  <a:srgbClr val="001080"/>
+                </a:solidFill>
+                <a:latin typeface="DM Mono" panose="020B0509040201040103" pitchFamily="49" charset="0"/>
+              </a:rPr>
+              <a:t>x</a:t>
+            </a:r>
+            <a:r>
+              <a:rPr lang="en" altLang="ko-Kore-KR" dirty="0">
+                <a:solidFill>
+                  <a:srgbClr val="000000"/>
+                </a:solidFill>
+                <a:latin typeface="DM Mono" panose="020B0509040201040103" pitchFamily="49" charset="0"/>
+              </a:rPr>
+              <a:t>;</a:t>
+            </a:r>
+          </a:p>
+          <a:p>
+            <a:r>
+              <a:rPr lang="en" altLang="ko-Kore-KR" dirty="0">
+                <a:solidFill>
+                  <a:srgbClr val="0000FF"/>
+                </a:solidFill>
+                <a:latin typeface="DM Mono" panose="020B0509040201040103" pitchFamily="49" charset="0"/>
+              </a:rPr>
+              <a:t>  int</a:t>
+            </a:r>
+            <a:r>
+              <a:rPr lang="en" altLang="ko-Kore-KR" dirty="0">
+                <a:solidFill>
+                  <a:srgbClr val="000000"/>
+                </a:solidFill>
+                <a:latin typeface="DM Mono" panose="020B0509040201040103" pitchFamily="49" charset="0"/>
+              </a:rPr>
+              <a:t> </a:t>
+            </a:r>
+            <a:r>
+              <a:rPr lang="en" altLang="ko-Kore-KR" dirty="0">
+                <a:solidFill>
+                  <a:srgbClr val="001080"/>
+                </a:solidFill>
+                <a:latin typeface="DM Mono" panose="020B0509040201040103" pitchFamily="49" charset="0"/>
+              </a:rPr>
+              <a:t>y</a:t>
+            </a:r>
+            <a:r>
+              <a:rPr lang="en" altLang="ko-Kore-KR" dirty="0">
+                <a:solidFill>
+                  <a:srgbClr val="000000"/>
+                </a:solidFill>
+                <a:latin typeface="DM Mono" panose="020B0509040201040103" pitchFamily="49" charset="0"/>
+              </a:rPr>
+              <a:t>;</a:t>
+            </a:r>
+          </a:p>
+          <a:p>
+            <a:r>
+              <a:rPr lang="en" altLang="ko-Kore-KR" dirty="0">
+                <a:solidFill>
+                  <a:srgbClr val="000000"/>
+                </a:solidFill>
+                <a:latin typeface="DM Mono" panose="020B0509040201040103" pitchFamily="49" charset="0"/>
+              </a:rPr>
+              <a:t>};</a:t>
+            </a:r>
+          </a:p>
+          <a:p>
+            <a:br>
+              <a:rPr lang="en" altLang="ko-Kore-KR" dirty="0">
+                <a:solidFill>
+                  <a:srgbClr val="000000"/>
+                </a:solidFill>
+                <a:latin typeface="DM Mono" panose="020B0509040201040103" pitchFamily="49" charset="0"/>
+              </a:rPr>
+            </a:br>
+            <a:r>
+              <a:rPr lang="en" altLang="ko-Kore-KR" dirty="0">
+                <a:solidFill>
+                  <a:srgbClr val="0000FF"/>
+                </a:solidFill>
+                <a:latin typeface="DM Mono" panose="020B0509040201040103" pitchFamily="49" charset="0"/>
+              </a:rPr>
+              <a:t>struct</a:t>
+            </a:r>
+            <a:r>
+              <a:rPr lang="en" altLang="ko-Kore-KR" dirty="0">
+                <a:solidFill>
+                  <a:srgbClr val="000000"/>
+                </a:solidFill>
+                <a:latin typeface="DM Mono" panose="020B0509040201040103" pitchFamily="49" charset="0"/>
+              </a:rPr>
+              <a:t> </a:t>
+            </a:r>
+            <a:r>
+              <a:rPr lang="en" altLang="ko-Kore-KR" dirty="0">
+                <a:solidFill>
+                  <a:srgbClr val="267F99"/>
+                </a:solidFill>
+                <a:latin typeface="DM Mono" panose="020B0509040201040103" pitchFamily="49" charset="0"/>
+              </a:rPr>
+              <a:t>AAA</a:t>
+            </a:r>
+            <a:r>
+              <a:rPr lang="en" altLang="ko-Kore-KR" dirty="0">
+                <a:solidFill>
+                  <a:srgbClr val="000000"/>
+                </a:solidFill>
+                <a:latin typeface="DM Mono" panose="020B0509040201040103" pitchFamily="49" charset="0"/>
+              </a:rPr>
+              <a:t> {</a:t>
+            </a:r>
+          </a:p>
+          <a:p>
+            <a:r>
+              <a:rPr lang="en" altLang="ko-Kore-KR" dirty="0">
+                <a:solidFill>
+                  <a:srgbClr val="0000FF"/>
+                </a:solidFill>
+                <a:latin typeface="DM Mono" panose="020B0509040201040103" pitchFamily="49" charset="0"/>
+              </a:rPr>
+              <a:t>  int</a:t>
+            </a:r>
+            <a:r>
+              <a:rPr lang="en" altLang="ko-Kore-KR" dirty="0">
+                <a:solidFill>
+                  <a:srgbClr val="000000"/>
+                </a:solidFill>
+                <a:latin typeface="DM Mono" panose="020B0509040201040103" pitchFamily="49" charset="0"/>
+              </a:rPr>
+              <a:t> </a:t>
+            </a:r>
+            <a:r>
+              <a:rPr lang="en" altLang="ko-Kore-KR" dirty="0">
+                <a:solidFill>
+                  <a:srgbClr val="001080"/>
+                </a:solidFill>
+                <a:latin typeface="DM Mono" panose="020B0509040201040103" pitchFamily="49" charset="0"/>
+              </a:rPr>
+              <a:t>a</a:t>
+            </a:r>
+            <a:r>
+              <a:rPr lang="en" altLang="ko-Kore-KR" dirty="0">
+                <a:solidFill>
+                  <a:srgbClr val="000000"/>
+                </a:solidFill>
+                <a:latin typeface="DM Mono" panose="020B0509040201040103" pitchFamily="49" charset="0"/>
+              </a:rPr>
+              <a:t>;</a:t>
+            </a:r>
+          </a:p>
+          <a:p>
+            <a:r>
+              <a:rPr lang="en" altLang="ko-Kore-KR" dirty="0">
+                <a:solidFill>
+                  <a:srgbClr val="0000FF"/>
+                </a:solidFill>
+                <a:latin typeface="DM Mono" panose="020B0509040201040103" pitchFamily="49" charset="0"/>
+              </a:rPr>
+              <a:t>  char</a:t>
+            </a:r>
+            <a:r>
+              <a:rPr lang="en" altLang="ko-Kore-KR" dirty="0">
+                <a:solidFill>
+                  <a:srgbClr val="000000"/>
+                </a:solidFill>
+                <a:latin typeface="DM Mono" panose="020B0509040201040103" pitchFamily="49" charset="0"/>
+              </a:rPr>
+              <a:t> </a:t>
+            </a:r>
+            <a:r>
+              <a:rPr lang="en" altLang="ko-Kore-KR" dirty="0">
+                <a:solidFill>
+                  <a:srgbClr val="001080"/>
+                </a:solidFill>
+                <a:latin typeface="DM Mono" panose="020B0509040201040103" pitchFamily="49" charset="0"/>
+              </a:rPr>
+              <a:t>b</a:t>
+            </a:r>
+            <a:r>
+              <a:rPr lang="en" altLang="ko-Kore-KR" dirty="0">
+                <a:solidFill>
+                  <a:srgbClr val="000000"/>
+                </a:solidFill>
+                <a:latin typeface="DM Mono" panose="020B0509040201040103" pitchFamily="49" charset="0"/>
+              </a:rPr>
+              <a:t>;</a:t>
+            </a:r>
+          </a:p>
+          <a:p>
+            <a:r>
+              <a:rPr lang="en" altLang="ko-Kore-KR" dirty="0">
+                <a:solidFill>
+                  <a:srgbClr val="000000"/>
+                </a:solidFill>
+                <a:latin typeface="DM Mono" panose="020B0509040201040103" pitchFamily="49" charset="0"/>
+              </a:rPr>
+              <a:t>};</a:t>
+            </a:r>
+          </a:p>
+          <a:p>
+            <a:br>
+              <a:rPr lang="en" altLang="ko-Kore-KR" dirty="0">
+                <a:solidFill>
+                  <a:srgbClr val="000000"/>
+                </a:solidFill>
+                <a:latin typeface="DM Mono" panose="020B0509040201040103" pitchFamily="49" charset="0"/>
+              </a:rPr>
+            </a:br>
+            <a:endParaRPr lang="en" altLang="ko-Kore-KR" b="0" dirty="0">
+              <a:solidFill>
+                <a:srgbClr val="000000"/>
+              </a:solidFill>
+              <a:effectLst/>
+              <a:latin typeface="DM Mono" panose="020B0509040201040103" pitchFamily="49" charset="0"/>
+            </a:endParaRPr>
+          </a:p>
+        </p:txBody>
+      </p:sp>
+      <p:sp>
+        <p:nvSpPr>
+          <p:cNvPr id="7" name="직사각형 6">
+            <a:extLst>
+              <a:ext uri="{FF2B5EF4-FFF2-40B4-BE49-F238E27FC236}">
+                <a16:creationId xmlns:a16="http://schemas.microsoft.com/office/drawing/2014/main" id="{D164714C-0E4E-0747-808C-C1A4CB81C5B5}"/>
+              </a:ext>
+            </a:extLst>
+          </p:cNvPr>
+          <p:cNvSpPr/>
+          <p:nvPr/>
+        </p:nvSpPr>
+        <p:spPr>
+          <a:xfrm>
+            <a:off x="6497225" y="1502347"/>
+            <a:ext cx="401225" cy="518917"/>
+          </a:xfrm>
+          <a:prstGeom prst="rect">
+            <a:avLst/>
+          </a:prstGeom>
+          <a:solidFill>
+            <a:schemeClr val="accent2"/>
+          </a:solidFill>
+        </p:spPr>
+        <p:style>
+          <a:lnRef idx="2">
+            <a:schemeClr val="accent1">
+              <a:shade val="50000"/>
+            </a:schemeClr>
+          </a:lnRef>
+          <a:fillRef idx="1">
+            <a:schemeClr val="accent1"/>
+          </a:fillRef>
+          <a:effectRef idx="0">
+            <a:schemeClr val="accent1"/>
+          </a:effectRef>
+          <a:fontRef idx="minor">
+            <a:schemeClr val="lt1"/>
+          </a:fontRef>
+        </p:style>
+        <p:txBody>
+          <a:bodyPr rtlCol="0" anchor="ctr"/>
+          <a:lstStyle/>
+          <a:p>
+            <a:pPr algn="ctr"/>
+            <a:endParaRPr kumimoji="1" lang="ko-Kore-KR" altLang="en-US" sz="1400" dirty="0">
+              <a:solidFill>
+                <a:schemeClr val="tx1"/>
+              </a:solidFill>
+            </a:endParaRPr>
+          </a:p>
+        </p:txBody>
+      </p:sp>
+      <p:sp>
+        <p:nvSpPr>
+          <p:cNvPr id="10" name="직사각형 9">
+            <a:extLst>
+              <a:ext uri="{FF2B5EF4-FFF2-40B4-BE49-F238E27FC236}">
+                <a16:creationId xmlns:a16="http://schemas.microsoft.com/office/drawing/2014/main" id="{F8F1E467-ED3E-9B9C-CD77-018CE1E1EFE6}"/>
+              </a:ext>
+            </a:extLst>
+          </p:cNvPr>
+          <p:cNvSpPr/>
+          <p:nvPr/>
+        </p:nvSpPr>
+        <p:spPr>
+          <a:xfrm>
+            <a:off x="6898450" y="1502346"/>
+            <a:ext cx="401225" cy="518917"/>
+          </a:xfrm>
+          <a:prstGeom prst="rect">
+            <a:avLst/>
+          </a:prstGeom>
+          <a:solidFill>
+            <a:schemeClr val="accent2"/>
+          </a:solidFill>
+        </p:spPr>
+        <p:style>
+          <a:lnRef idx="2">
+            <a:schemeClr val="accent1">
+              <a:shade val="50000"/>
+            </a:schemeClr>
+          </a:lnRef>
+          <a:fillRef idx="1">
+            <a:schemeClr val="accent1"/>
+          </a:fillRef>
+          <a:effectRef idx="0">
+            <a:schemeClr val="accent1"/>
+          </a:effectRef>
+          <a:fontRef idx="minor">
+            <a:schemeClr val="lt1"/>
+          </a:fontRef>
+        </p:style>
+        <p:txBody>
+          <a:bodyPr rtlCol="0" anchor="ctr"/>
+          <a:lstStyle/>
+          <a:p>
+            <a:pPr algn="ctr"/>
+            <a:endParaRPr kumimoji="1" lang="ko-Kore-KR" altLang="en-US" sz="1400" dirty="0">
+              <a:solidFill>
+                <a:schemeClr val="tx1"/>
+              </a:solidFill>
+            </a:endParaRPr>
+          </a:p>
+        </p:txBody>
+      </p:sp>
+      <p:sp>
+        <p:nvSpPr>
+          <p:cNvPr id="11" name="직사각형 10">
+            <a:extLst>
+              <a:ext uri="{FF2B5EF4-FFF2-40B4-BE49-F238E27FC236}">
+                <a16:creationId xmlns:a16="http://schemas.microsoft.com/office/drawing/2014/main" id="{67C4CCD0-2C57-F999-C047-0ECFCF517AEF}"/>
+              </a:ext>
+            </a:extLst>
+          </p:cNvPr>
+          <p:cNvSpPr/>
+          <p:nvPr/>
+        </p:nvSpPr>
+        <p:spPr>
+          <a:xfrm>
+            <a:off x="7299675" y="1502345"/>
+            <a:ext cx="401225" cy="518917"/>
+          </a:xfrm>
+          <a:prstGeom prst="rect">
+            <a:avLst/>
+          </a:prstGeom>
+          <a:solidFill>
+            <a:schemeClr val="accent2"/>
+          </a:solidFill>
+        </p:spPr>
+        <p:style>
+          <a:lnRef idx="2">
+            <a:schemeClr val="accent1">
+              <a:shade val="50000"/>
+            </a:schemeClr>
+          </a:lnRef>
+          <a:fillRef idx="1">
+            <a:schemeClr val="accent1"/>
+          </a:fillRef>
+          <a:effectRef idx="0">
+            <a:schemeClr val="accent1"/>
+          </a:effectRef>
+          <a:fontRef idx="minor">
+            <a:schemeClr val="lt1"/>
+          </a:fontRef>
+        </p:style>
+        <p:txBody>
+          <a:bodyPr rtlCol="0" anchor="ctr"/>
+          <a:lstStyle/>
+          <a:p>
+            <a:pPr algn="ctr"/>
+            <a:endParaRPr kumimoji="1" lang="ko-Kore-KR" altLang="en-US" sz="1400" dirty="0">
+              <a:solidFill>
+                <a:schemeClr val="tx1"/>
+              </a:solidFill>
+            </a:endParaRPr>
+          </a:p>
+        </p:txBody>
+      </p:sp>
+      <p:sp>
+        <p:nvSpPr>
+          <p:cNvPr id="12" name="직사각형 11">
+            <a:extLst>
+              <a:ext uri="{FF2B5EF4-FFF2-40B4-BE49-F238E27FC236}">
+                <a16:creationId xmlns:a16="http://schemas.microsoft.com/office/drawing/2014/main" id="{F8F4E908-37EA-A708-9313-CDDFBE084E83}"/>
+              </a:ext>
+            </a:extLst>
+          </p:cNvPr>
+          <p:cNvSpPr/>
+          <p:nvPr/>
+        </p:nvSpPr>
+        <p:spPr>
+          <a:xfrm>
+            <a:off x="7700900" y="1502344"/>
+            <a:ext cx="401225" cy="518917"/>
+          </a:xfrm>
+          <a:prstGeom prst="rect">
+            <a:avLst/>
+          </a:prstGeom>
+          <a:solidFill>
+            <a:srgbClr val="00B0F0"/>
+          </a:solidFill>
+        </p:spPr>
+        <p:style>
+          <a:lnRef idx="2">
+            <a:schemeClr val="accent1">
+              <a:shade val="50000"/>
+            </a:schemeClr>
+          </a:lnRef>
+          <a:fillRef idx="1">
+            <a:schemeClr val="accent1"/>
+          </a:fillRef>
+          <a:effectRef idx="0">
+            <a:schemeClr val="accent1"/>
+          </a:effectRef>
+          <a:fontRef idx="minor">
+            <a:schemeClr val="lt1"/>
+          </a:fontRef>
+        </p:style>
+        <p:txBody>
+          <a:bodyPr rtlCol="0" anchor="ctr"/>
+          <a:lstStyle/>
+          <a:p>
+            <a:pPr algn="ctr"/>
+            <a:endParaRPr kumimoji="1" lang="ko-Kore-KR" altLang="en-US" sz="1400" dirty="0">
+              <a:solidFill>
+                <a:schemeClr val="tx1"/>
+              </a:solidFill>
+            </a:endParaRPr>
+          </a:p>
+        </p:txBody>
+      </p:sp>
+      <p:sp>
+        <p:nvSpPr>
+          <p:cNvPr id="13" name="직사각형 12">
+            <a:extLst>
+              <a:ext uri="{FF2B5EF4-FFF2-40B4-BE49-F238E27FC236}">
+                <a16:creationId xmlns:a16="http://schemas.microsoft.com/office/drawing/2014/main" id="{3AC3B2F2-2B4B-4E7D-60BA-BEE481296E88}"/>
+              </a:ext>
+            </a:extLst>
+          </p:cNvPr>
+          <p:cNvSpPr/>
+          <p:nvPr/>
+        </p:nvSpPr>
+        <p:spPr>
+          <a:xfrm>
+            <a:off x="8102125" y="1502343"/>
+            <a:ext cx="401225" cy="518917"/>
+          </a:xfrm>
+          <a:prstGeom prst="rect">
+            <a:avLst/>
+          </a:prstGeom>
+          <a:solidFill>
+            <a:srgbClr val="00B0F0"/>
+          </a:solidFill>
+        </p:spPr>
+        <p:style>
+          <a:lnRef idx="2">
+            <a:schemeClr val="accent1">
+              <a:shade val="50000"/>
+            </a:schemeClr>
+          </a:lnRef>
+          <a:fillRef idx="1">
+            <a:schemeClr val="accent1"/>
+          </a:fillRef>
+          <a:effectRef idx="0">
+            <a:schemeClr val="accent1"/>
+          </a:effectRef>
+          <a:fontRef idx="minor">
+            <a:schemeClr val="lt1"/>
+          </a:fontRef>
+        </p:style>
+        <p:txBody>
+          <a:bodyPr rtlCol="0" anchor="ctr"/>
+          <a:lstStyle/>
+          <a:p>
+            <a:pPr algn="ctr"/>
+            <a:endParaRPr kumimoji="1" lang="ko-Kore-KR" altLang="en-US" sz="1400" dirty="0">
+              <a:solidFill>
+                <a:schemeClr val="tx1"/>
+              </a:solidFill>
+            </a:endParaRPr>
+          </a:p>
+        </p:txBody>
+      </p:sp>
+      <p:sp>
+        <p:nvSpPr>
+          <p:cNvPr id="14" name="직사각형 13">
+            <a:extLst>
+              <a:ext uri="{FF2B5EF4-FFF2-40B4-BE49-F238E27FC236}">
+                <a16:creationId xmlns:a16="http://schemas.microsoft.com/office/drawing/2014/main" id="{16E1C835-CCED-3707-0FFC-6B29F9D4F40B}"/>
+              </a:ext>
+            </a:extLst>
+          </p:cNvPr>
+          <p:cNvSpPr/>
+          <p:nvPr/>
+        </p:nvSpPr>
+        <p:spPr>
+          <a:xfrm>
+            <a:off x="8503350" y="1502342"/>
+            <a:ext cx="401225" cy="518917"/>
+          </a:xfrm>
+          <a:prstGeom prst="rect">
+            <a:avLst/>
+          </a:prstGeom>
+          <a:solidFill>
+            <a:srgbClr val="00B0F0"/>
+          </a:solidFill>
+        </p:spPr>
+        <p:style>
+          <a:lnRef idx="2">
+            <a:schemeClr val="accent1">
+              <a:shade val="50000"/>
+            </a:schemeClr>
+          </a:lnRef>
+          <a:fillRef idx="1">
+            <a:schemeClr val="accent1"/>
+          </a:fillRef>
+          <a:effectRef idx="0">
+            <a:schemeClr val="accent1"/>
+          </a:effectRef>
+          <a:fontRef idx="minor">
+            <a:schemeClr val="lt1"/>
+          </a:fontRef>
+        </p:style>
+        <p:txBody>
+          <a:bodyPr rtlCol="0" anchor="ctr"/>
+          <a:lstStyle/>
+          <a:p>
+            <a:pPr algn="ctr"/>
+            <a:endParaRPr kumimoji="1" lang="ko-Kore-KR" altLang="en-US" sz="1400" dirty="0">
+              <a:solidFill>
+                <a:schemeClr val="tx1"/>
+              </a:solidFill>
+            </a:endParaRPr>
+          </a:p>
+        </p:txBody>
+      </p:sp>
+      <p:sp>
+        <p:nvSpPr>
+          <p:cNvPr id="15" name="직사각형 14">
+            <a:extLst>
+              <a:ext uri="{FF2B5EF4-FFF2-40B4-BE49-F238E27FC236}">
+                <a16:creationId xmlns:a16="http://schemas.microsoft.com/office/drawing/2014/main" id="{AC22EB1D-E315-E744-176C-5B4F4870C179}"/>
+              </a:ext>
+            </a:extLst>
+          </p:cNvPr>
+          <p:cNvSpPr/>
+          <p:nvPr/>
+        </p:nvSpPr>
+        <p:spPr>
+          <a:xfrm>
+            <a:off x="8904575" y="1502341"/>
+            <a:ext cx="401225" cy="518917"/>
+          </a:xfrm>
+          <a:prstGeom prst="rect">
+            <a:avLst/>
+          </a:prstGeom>
+          <a:solidFill>
+            <a:srgbClr val="00B0F0"/>
+          </a:solidFill>
+        </p:spPr>
+        <p:style>
+          <a:lnRef idx="2">
+            <a:schemeClr val="accent1">
+              <a:shade val="50000"/>
+            </a:schemeClr>
+          </a:lnRef>
+          <a:fillRef idx="1">
+            <a:schemeClr val="accent1"/>
+          </a:fillRef>
+          <a:effectRef idx="0">
+            <a:schemeClr val="accent1"/>
+          </a:effectRef>
+          <a:fontRef idx="minor">
+            <a:schemeClr val="lt1"/>
+          </a:fontRef>
+        </p:style>
+        <p:txBody>
+          <a:bodyPr rtlCol="0" anchor="ctr"/>
+          <a:lstStyle/>
+          <a:p>
+            <a:pPr algn="ctr"/>
+            <a:endParaRPr kumimoji="1" lang="ko-Kore-KR" altLang="en-US" sz="1400" dirty="0">
+              <a:solidFill>
+                <a:schemeClr val="tx1"/>
+              </a:solidFill>
+            </a:endParaRPr>
+          </a:p>
+        </p:txBody>
+      </p:sp>
+      <p:sp>
+        <p:nvSpPr>
+          <p:cNvPr id="3" name="직사각형 2">
+            <a:extLst>
+              <a:ext uri="{FF2B5EF4-FFF2-40B4-BE49-F238E27FC236}">
+                <a16:creationId xmlns:a16="http://schemas.microsoft.com/office/drawing/2014/main" id="{DAC124F4-2C81-C799-3196-D6516A8E5A15}"/>
+              </a:ext>
+            </a:extLst>
+          </p:cNvPr>
+          <p:cNvSpPr/>
+          <p:nvPr/>
+        </p:nvSpPr>
+        <p:spPr>
+          <a:xfrm>
+            <a:off x="6737188" y="2066925"/>
+            <a:ext cx="322524" cy="369332"/>
+          </a:xfrm>
+          <a:prstGeom prst="rect">
+            <a:avLst/>
+          </a:prstGeom>
+        </p:spPr>
+        <p:txBody>
+          <a:bodyPr wrap="none">
+            <a:spAutoFit/>
+          </a:bodyPr>
+          <a:lstStyle/>
+          <a:p>
+            <a:r>
+              <a:rPr lang="en" altLang="ko-Kore-KR" dirty="0">
+                <a:solidFill>
+                  <a:srgbClr val="001080"/>
+                </a:solidFill>
+                <a:latin typeface="DM Mono" panose="020B0509040201040103" pitchFamily="49" charset="0"/>
+              </a:rPr>
+              <a:t>x</a:t>
+            </a:r>
+            <a:endParaRPr lang="ko-Kore-KR" altLang="en-US" dirty="0"/>
+          </a:p>
+        </p:txBody>
+      </p:sp>
+      <p:sp>
+        <p:nvSpPr>
+          <p:cNvPr id="16" name="직사각형 15">
+            <a:extLst>
+              <a:ext uri="{FF2B5EF4-FFF2-40B4-BE49-F238E27FC236}">
+                <a16:creationId xmlns:a16="http://schemas.microsoft.com/office/drawing/2014/main" id="{E7DA8C0C-2317-192D-DED7-6459733D1BC5}"/>
+              </a:ext>
+            </a:extLst>
+          </p:cNvPr>
+          <p:cNvSpPr/>
+          <p:nvPr/>
+        </p:nvSpPr>
+        <p:spPr>
+          <a:xfrm>
+            <a:off x="8342088" y="2066925"/>
+            <a:ext cx="322524" cy="369332"/>
+          </a:xfrm>
+          <a:prstGeom prst="rect">
+            <a:avLst/>
+          </a:prstGeom>
+        </p:spPr>
+        <p:txBody>
+          <a:bodyPr wrap="none">
+            <a:spAutoFit/>
+          </a:bodyPr>
+          <a:lstStyle/>
+          <a:p>
+            <a:r>
+              <a:rPr lang="en" altLang="ko-Kore-KR" dirty="0">
+                <a:solidFill>
+                  <a:srgbClr val="001080"/>
+                </a:solidFill>
+                <a:latin typeface="DM Mono" panose="020B0509040201040103" pitchFamily="49" charset="0"/>
+              </a:rPr>
+              <a:t>y</a:t>
+            </a:r>
+            <a:endParaRPr lang="ko-Kore-KR" altLang="en-US" dirty="0"/>
+          </a:p>
+        </p:txBody>
+      </p:sp>
+      <p:sp>
+        <p:nvSpPr>
+          <p:cNvPr id="17" name="직사각형 16">
+            <a:extLst>
+              <a:ext uri="{FF2B5EF4-FFF2-40B4-BE49-F238E27FC236}">
+                <a16:creationId xmlns:a16="http://schemas.microsoft.com/office/drawing/2014/main" id="{F1AFB85F-9ACF-5955-DFEA-633F70936082}"/>
+              </a:ext>
+            </a:extLst>
+          </p:cNvPr>
+          <p:cNvSpPr/>
+          <p:nvPr/>
+        </p:nvSpPr>
+        <p:spPr>
+          <a:xfrm>
+            <a:off x="6096000" y="3377134"/>
+            <a:ext cx="401225" cy="518917"/>
+          </a:xfrm>
+          <a:prstGeom prst="rect">
+            <a:avLst/>
+          </a:prstGeom>
+          <a:solidFill>
+            <a:schemeClr val="accent2"/>
+          </a:solidFill>
+        </p:spPr>
+        <p:style>
+          <a:lnRef idx="2">
+            <a:schemeClr val="accent1">
+              <a:shade val="50000"/>
+            </a:schemeClr>
+          </a:lnRef>
+          <a:fillRef idx="1">
+            <a:schemeClr val="accent1"/>
+          </a:fillRef>
+          <a:effectRef idx="0">
+            <a:schemeClr val="accent1"/>
+          </a:effectRef>
+          <a:fontRef idx="minor">
+            <a:schemeClr val="lt1"/>
+          </a:fontRef>
+        </p:style>
+        <p:txBody>
+          <a:bodyPr rtlCol="0" anchor="ctr"/>
+          <a:lstStyle/>
+          <a:p>
+            <a:pPr algn="ctr"/>
+            <a:endParaRPr kumimoji="1" lang="ko-Kore-KR" altLang="en-US" sz="1400" dirty="0">
+              <a:solidFill>
+                <a:schemeClr val="tx1"/>
+              </a:solidFill>
+            </a:endParaRPr>
+          </a:p>
+        </p:txBody>
+      </p:sp>
+      <p:sp>
+        <p:nvSpPr>
+          <p:cNvPr id="18" name="직사각형 17">
+            <a:extLst>
+              <a:ext uri="{FF2B5EF4-FFF2-40B4-BE49-F238E27FC236}">
+                <a16:creationId xmlns:a16="http://schemas.microsoft.com/office/drawing/2014/main" id="{1A62B096-DE95-31F5-AF85-04CDAF5F953D}"/>
+              </a:ext>
+            </a:extLst>
+          </p:cNvPr>
+          <p:cNvSpPr/>
+          <p:nvPr/>
+        </p:nvSpPr>
+        <p:spPr>
+          <a:xfrm>
+            <a:off x="6497225" y="3377133"/>
+            <a:ext cx="401225" cy="518917"/>
+          </a:xfrm>
+          <a:prstGeom prst="rect">
+            <a:avLst/>
+          </a:prstGeom>
+          <a:solidFill>
+            <a:schemeClr val="accent2"/>
+          </a:solidFill>
+        </p:spPr>
+        <p:style>
+          <a:lnRef idx="2">
+            <a:schemeClr val="accent1">
+              <a:shade val="50000"/>
+            </a:schemeClr>
+          </a:lnRef>
+          <a:fillRef idx="1">
+            <a:schemeClr val="accent1"/>
+          </a:fillRef>
+          <a:effectRef idx="0">
+            <a:schemeClr val="accent1"/>
+          </a:effectRef>
+          <a:fontRef idx="minor">
+            <a:schemeClr val="lt1"/>
+          </a:fontRef>
+        </p:style>
+        <p:txBody>
+          <a:bodyPr rtlCol="0" anchor="ctr"/>
+          <a:lstStyle/>
+          <a:p>
+            <a:pPr algn="ctr"/>
+            <a:endParaRPr kumimoji="1" lang="ko-Kore-KR" altLang="en-US" sz="1400" dirty="0">
+              <a:solidFill>
+                <a:schemeClr val="tx1"/>
+              </a:solidFill>
+            </a:endParaRPr>
+          </a:p>
+        </p:txBody>
+      </p:sp>
+      <p:sp>
+        <p:nvSpPr>
+          <p:cNvPr id="19" name="직사각형 18">
+            <a:extLst>
+              <a:ext uri="{FF2B5EF4-FFF2-40B4-BE49-F238E27FC236}">
+                <a16:creationId xmlns:a16="http://schemas.microsoft.com/office/drawing/2014/main" id="{EADDFFFE-A7AF-8DDD-A3D1-ECF61E2C2748}"/>
+              </a:ext>
+            </a:extLst>
+          </p:cNvPr>
+          <p:cNvSpPr/>
+          <p:nvPr/>
+        </p:nvSpPr>
+        <p:spPr>
+          <a:xfrm>
+            <a:off x="6898450" y="3377132"/>
+            <a:ext cx="401225" cy="518917"/>
+          </a:xfrm>
+          <a:prstGeom prst="rect">
+            <a:avLst/>
+          </a:prstGeom>
+          <a:solidFill>
+            <a:schemeClr val="accent2"/>
+          </a:solidFill>
+        </p:spPr>
+        <p:style>
+          <a:lnRef idx="2">
+            <a:schemeClr val="accent1">
+              <a:shade val="50000"/>
+            </a:schemeClr>
+          </a:lnRef>
+          <a:fillRef idx="1">
+            <a:schemeClr val="accent1"/>
+          </a:fillRef>
+          <a:effectRef idx="0">
+            <a:schemeClr val="accent1"/>
+          </a:effectRef>
+          <a:fontRef idx="minor">
+            <a:schemeClr val="lt1"/>
+          </a:fontRef>
+        </p:style>
+        <p:txBody>
+          <a:bodyPr rtlCol="0" anchor="ctr"/>
+          <a:lstStyle/>
+          <a:p>
+            <a:pPr algn="ctr"/>
+            <a:endParaRPr kumimoji="1" lang="ko-Kore-KR" altLang="en-US" sz="1400" dirty="0">
+              <a:solidFill>
+                <a:schemeClr val="tx1"/>
+              </a:solidFill>
+            </a:endParaRPr>
+          </a:p>
+        </p:txBody>
+      </p:sp>
+      <p:sp>
+        <p:nvSpPr>
+          <p:cNvPr id="20" name="직사각형 19">
+            <a:extLst>
+              <a:ext uri="{FF2B5EF4-FFF2-40B4-BE49-F238E27FC236}">
+                <a16:creationId xmlns:a16="http://schemas.microsoft.com/office/drawing/2014/main" id="{995A150E-8D89-DE75-BDFF-531E6421456E}"/>
+              </a:ext>
+            </a:extLst>
+          </p:cNvPr>
+          <p:cNvSpPr/>
+          <p:nvPr/>
+        </p:nvSpPr>
+        <p:spPr>
+          <a:xfrm>
+            <a:off x="7299675" y="3377131"/>
+            <a:ext cx="401225" cy="518917"/>
+          </a:xfrm>
+          <a:prstGeom prst="rect">
+            <a:avLst/>
+          </a:prstGeom>
+          <a:solidFill>
+            <a:schemeClr val="accent2"/>
+          </a:solidFill>
+        </p:spPr>
+        <p:style>
+          <a:lnRef idx="2">
+            <a:schemeClr val="accent1">
+              <a:shade val="50000"/>
+            </a:schemeClr>
+          </a:lnRef>
+          <a:fillRef idx="1">
+            <a:schemeClr val="accent1"/>
+          </a:fillRef>
+          <a:effectRef idx="0">
+            <a:schemeClr val="accent1"/>
+          </a:effectRef>
+          <a:fontRef idx="minor">
+            <a:schemeClr val="lt1"/>
+          </a:fontRef>
+        </p:style>
+        <p:txBody>
+          <a:bodyPr rtlCol="0" anchor="ctr"/>
+          <a:lstStyle/>
+          <a:p>
+            <a:pPr algn="ctr"/>
+            <a:endParaRPr kumimoji="1" lang="ko-Kore-KR" altLang="en-US" sz="1400" dirty="0">
+              <a:solidFill>
+                <a:schemeClr val="tx1"/>
+              </a:solidFill>
+            </a:endParaRPr>
+          </a:p>
+        </p:txBody>
+      </p:sp>
+      <p:sp>
+        <p:nvSpPr>
+          <p:cNvPr id="21" name="직사각형 20">
+            <a:extLst>
+              <a:ext uri="{FF2B5EF4-FFF2-40B4-BE49-F238E27FC236}">
+                <a16:creationId xmlns:a16="http://schemas.microsoft.com/office/drawing/2014/main" id="{8277BB3B-AA91-9340-87C0-8C3F04611DF8}"/>
+              </a:ext>
+            </a:extLst>
+          </p:cNvPr>
+          <p:cNvSpPr/>
+          <p:nvPr/>
+        </p:nvSpPr>
+        <p:spPr>
+          <a:xfrm>
+            <a:off x="7700900" y="3377130"/>
+            <a:ext cx="401225" cy="518917"/>
+          </a:xfrm>
+          <a:prstGeom prst="rect">
+            <a:avLst/>
+          </a:prstGeom>
+          <a:solidFill>
+            <a:srgbClr val="00B0F0"/>
+          </a:solidFill>
+        </p:spPr>
+        <p:style>
+          <a:lnRef idx="2">
+            <a:schemeClr val="accent1">
+              <a:shade val="50000"/>
+            </a:schemeClr>
+          </a:lnRef>
+          <a:fillRef idx="1">
+            <a:schemeClr val="accent1"/>
+          </a:fillRef>
+          <a:effectRef idx="0">
+            <a:schemeClr val="accent1"/>
+          </a:effectRef>
+          <a:fontRef idx="minor">
+            <a:schemeClr val="lt1"/>
+          </a:fontRef>
+        </p:style>
+        <p:txBody>
+          <a:bodyPr rtlCol="0" anchor="ctr"/>
+          <a:lstStyle/>
+          <a:p>
+            <a:pPr algn="ctr"/>
+            <a:endParaRPr kumimoji="1" lang="ko-Kore-KR" altLang="en-US" sz="1400" dirty="0">
+              <a:solidFill>
+                <a:schemeClr val="tx1"/>
+              </a:solidFill>
+            </a:endParaRPr>
+          </a:p>
+        </p:txBody>
+      </p:sp>
+      <p:sp>
+        <p:nvSpPr>
+          <p:cNvPr id="22" name="직사각형 21">
+            <a:extLst>
+              <a:ext uri="{FF2B5EF4-FFF2-40B4-BE49-F238E27FC236}">
+                <a16:creationId xmlns:a16="http://schemas.microsoft.com/office/drawing/2014/main" id="{A70258AF-00C2-1C4D-637E-D35BD155307C}"/>
+              </a:ext>
+            </a:extLst>
+          </p:cNvPr>
+          <p:cNvSpPr/>
+          <p:nvPr/>
+        </p:nvSpPr>
+        <p:spPr>
+          <a:xfrm>
+            <a:off x="1177450" y="4577279"/>
+            <a:ext cx="401225" cy="518917"/>
+          </a:xfrm>
+          <a:prstGeom prst="rect">
+            <a:avLst/>
+          </a:prstGeom>
+          <a:solidFill>
+            <a:srgbClr val="FFFF00"/>
+          </a:solidFill>
+        </p:spPr>
+        <p:style>
+          <a:lnRef idx="2">
+            <a:schemeClr val="accent1">
+              <a:shade val="50000"/>
+            </a:schemeClr>
+          </a:lnRef>
+          <a:fillRef idx="1">
+            <a:schemeClr val="accent1"/>
+          </a:fillRef>
+          <a:effectRef idx="0">
+            <a:schemeClr val="accent1"/>
+          </a:effectRef>
+          <a:fontRef idx="minor">
+            <a:schemeClr val="lt1"/>
+          </a:fontRef>
+        </p:style>
+        <p:txBody>
+          <a:bodyPr rtlCol="0" anchor="ctr"/>
+          <a:lstStyle/>
+          <a:p>
+            <a:pPr algn="ctr"/>
+            <a:endParaRPr kumimoji="1" lang="ko-Kore-KR" altLang="en-US" sz="1400" dirty="0">
+              <a:solidFill>
+                <a:schemeClr val="tx1"/>
+              </a:solidFill>
+            </a:endParaRPr>
+          </a:p>
+        </p:txBody>
+      </p:sp>
+      <p:sp>
+        <p:nvSpPr>
+          <p:cNvPr id="23" name="직사각형 22">
+            <a:extLst>
+              <a:ext uri="{FF2B5EF4-FFF2-40B4-BE49-F238E27FC236}">
+                <a16:creationId xmlns:a16="http://schemas.microsoft.com/office/drawing/2014/main" id="{D2FFB0E0-6A62-1788-DFE3-2D3EE79645C8}"/>
+              </a:ext>
+            </a:extLst>
+          </p:cNvPr>
+          <p:cNvSpPr/>
+          <p:nvPr/>
+        </p:nvSpPr>
+        <p:spPr>
+          <a:xfrm>
+            <a:off x="8503350" y="3377128"/>
+            <a:ext cx="401225" cy="518917"/>
+          </a:xfrm>
+          <a:prstGeom prst="rect">
+            <a:avLst/>
+          </a:prstGeom>
+          <a:solidFill>
+            <a:schemeClr val="bg1">
+              <a:lumMod val="85000"/>
+            </a:schemeClr>
+          </a:solidFill>
+        </p:spPr>
+        <p:style>
+          <a:lnRef idx="2">
+            <a:schemeClr val="accent1">
+              <a:shade val="50000"/>
+            </a:schemeClr>
+          </a:lnRef>
+          <a:fillRef idx="1">
+            <a:schemeClr val="accent1"/>
+          </a:fillRef>
+          <a:effectRef idx="0">
+            <a:schemeClr val="accent1"/>
+          </a:effectRef>
+          <a:fontRef idx="minor">
+            <a:schemeClr val="lt1"/>
+          </a:fontRef>
+        </p:style>
+        <p:txBody>
+          <a:bodyPr rtlCol="0" anchor="ctr"/>
+          <a:lstStyle/>
+          <a:p>
+            <a:pPr algn="ctr"/>
+            <a:endParaRPr kumimoji="1" lang="ko-Kore-KR" altLang="en-US" sz="1400" dirty="0">
+              <a:solidFill>
+                <a:schemeClr val="tx1"/>
+              </a:solidFill>
+            </a:endParaRPr>
+          </a:p>
+        </p:txBody>
+      </p:sp>
+      <p:sp>
+        <p:nvSpPr>
+          <p:cNvPr id="24" name="직사각형 23">
+            <a:extLst>
+              <a:ext uri="{FF2B5EF4-FFF2-40B4-BE49-F238E27FC236}">
+                <a16:creationId xmlns:a16="http://schemas.microsoft.com/office/drawing/2014/main" id="{BFBD53CB-ECCD-BFB4-0483-20A577E04A2C}"/>
+              </a:ext>
+            </a:extLst>
+          </p:cNvPr>
+          <p:cNvSpPr/>
+          <p:nvPr/>
+        </p:nvSpPr>
+        <p:spPr>
+          <a:xfrm>
+            <a:off x="8904575" y="3377127"/>
+            <a:ext cx="401225" cy="518917"/>
+          </a:xfrm>
+          <a:prstGeom prst="rect">
+            <a:avLst/>
+          </a:prstGeom>
+          <a:solidFill>
+            <a:schemeClr val="bg1">
+              <a:lumMod val="85000"/>
+            </a:schemeClr>
+          </a:solidFill>
+        </p:spPr>
+        <p:style>
+          <a:lnRef idx="2">
+            <a:schemeClr val="accent1">
+              <a:shade val="50000"/>
+            </a:schemeClr>
+          </a:lnRef>
+          <a:fillRef idx="1">
+            <a:schemeClr val="accent1"/>
+          </a:fillRef>
+          <a:effectRef idx="0">
+            <a:schemeClr val="accent1"/>
+          </a:effectRef>
+          <a:fontRef idx="minor">
+            <a:schemeClr val="lt1"/>
+          </a:fontRef>
+        </p:style>
+        <p:txBody>
+          <a:bodyPr rtlCol="0" anchor="ctr"/>
+          <a:lstStyle/>
+          <a:p>
+            <a:pPr algn="ctr"/>
+            <a:endParaRPr kumimoji="1" lang="ko-Kore-KR" altLang="en-US" sz="1400" dirty="0">
+              <a:solidFill>
+                <a:schemeClr val="tx1"/>
+              </a:solidFill>
+            </a:endParaRPr>
+          </a:p>
+        </p:txBody>
+      </p:sp>
+      <p:sp>
+        <p:nvSpPr>
+          <p:cNvPr id="25" name="직사각형 24">
+            <a:extLst>
+              <a:ext uri="{FF2B5EF4-FFF2-40B4-BE49-F238E27FC236}">
+                <a16:creationId xmlns:a16="http://schemas.microsoft.com/office/drawing/2014/main" id="{7752517A-F207-B76E-BFDE-BFB478D0118A}"/>
+              </a:ext>
+            </a:extLst>
+          </p:cNvPr>
+          <p:cNvSpPr/>
+          <p:nvPr/>
+        </p:nvSpPr>
+        <p:spPr>
+          <a:xfrm>
+            <a:off x="6737188" y="3941711"/>
+            <a:ext cx="322524" cy="369332"/>
+          </a:xfrm>
+          <a:prstGeom prst="rect">
+            <a:avLst/>
+          </a:prstGeom>
+        </p:spPr>
+        <p:txBody>
+          <a:bodyPr wrap="none">
+            <a:spAutoFit/>
+          </a:bodyPr>
+          <a:lstStyle/>
+          <a:p>
+            <a:r>
+              <a:rPr lang="en" altLang="ko-Kore-KR" dirty="0">
+                <a:solidFill>
+                  <a:srgbClr val="001080"/>
+                </a:solidFill>
+                <a:latin typeface="DM Mono" panose="020B0509040201040103" pitchFamily="49" charset="0"/>
+              </a:rPr>
+              <a:t>a</a:t>
+            </a:r>
+            <a:endParaRPr lang="ko-Kore-KR" altLang="en-US" dirty="0"/>
+          </a:p>
+        </p:txBody>
+      </p:sp>
+      <p:sp>
+        <p:nvSpPr>
+          <p:cNvPr id="26" name="직사각형 25">
+            <a:extLst>
+              <a:ext uri="{FF2B5EF4-FFF2-40B4-BE49-F238E27FC236}">
+                <a16:creationId xmlns:a16="http://schemas.microsoft.com/office/drawing/2014/main" id="{179E92D4-347A-B167-85EF-4E671CA55AE4}"/>
+              </a:ext>
+            </a:extLst>
+          </p:cNvPr>
+          <p:cNvSpPr/>
+          <p:nvPr/>
+        </p:nvSpPr>
+        <p:spPr>
+          <a:xfrm>
+            <a:off x="8342088" y="3941711"/>
+            <a:ext cx="322524" cy="369332"/>
+          </a:xfrm>
+          <a:prstGeom prst="rect">
+            <a:avLst/>
+          </a:prstGeom>
+        </p:spPr>
+        <p:txBody>
+          <a:bodyPr wrap="none">
+            <a:spAutoFit/>
+          </a:bodyPr>
+          <a:lstStyle/>
+          <a:p>
+            <a:r>
+              <a:rPr lang="en" altLang="ko-Kore-KR" dirty="0">
+                <a:solidFill>
+                  <a:srgbClr val="001080"/>
+                </a:solidFill>
+                <a:latin typeface="DM Mono" panose="020B0509040201040103" pitchFamily="49" charset="0"/>
+              </a:rPr>
+              <a:t>b</a:t>
+            </a:r>
+            <a:endParaRPr lang="ko-Kore-KR" altLang="en-US" dirty="0"/>
+          </a:p>
+        </p:txBody>
+      </p:sp>
+      <p:sp>
+        <p:nvSpPr>
+          <p:cNvPr id="27" name="직사각형 26">
+            <a:extLst>
+              <a:ext uri="{FF2B5EF4-FFF2-40B4-BE49-F238E27FC236}">
+                <a16:creationId xmlns:a16="http://schemas.microsoft.com/office/drawing/2014/main" id="{10EE6D2E-0063-F090-6DFA-EABF412EA21A}"/>
+              </a:ext>
+            </a:extLst>
+          </p:cNvPr>
+          <p:cNvSpPr/>
+          <p:nvPr/>
+        </p:nvSpPr>
+        <p:spPr>
+          <a:xfrm>
+            <a:off x="1578675" y="4577279"/>
+            <a:ext cx="401225" cy="518917"/>
+          </a:xfrm>
+          <a:prstGeom prst="rect">
+            <a:avLst/>
+          </a:prstGeom>
+          <a:solidFill>
+            <a:schemeClr val="bg1">
+              <a:lumMod val="85000"/>
+            </a:schemeClr>
+          </a:solidFill>
+        </p:spPr>
+        <p:style>
+          <a:lnRef idx="2">
+            <a:schemeClr val="accent1">
+              <a:shade val="50000"/>
+            </a:schemeClr>
+          </a:lnRef>
+          <a:fillRef idx="1">
+            <a:schemeClr val="accent1"/>
+          </a:fillRef>
+          <a:effectRef idx="0">
+            <a:schemeClr val="accent1"/>
+          </a:effectRef>
+          <a:fontRef idx="minor">
+            <a:schemeClr val="lt1"/>
+          </a:fontRef>
+        </p:style>
+        <p:txBody>
+          <a:bodyPr rtlCol="0" anchor="ctr"/>
+          <a:lstStyle/>
+          <a:p>
+            <a:pPr algn="ctr"/>
+            <a:endParaRPr kumimoji="1" lang="ko-Kore-KR" altLang="en-US" sz="1400" dirty="0">
+              <a:solidFill>
+                <a:schemeClr val="tx1"/>
+              </a:solidFill>
+            </a:endParaRPr>
+          </a:p>
+        </p:txBody>
+      </p:sp>
+      <p:sp>
+        <p:nvSpPr>
+          <p:cNvPr id="28" name="직사각형 27">
+            <a:extLst>
+              <a:ext uri="{FF2B5EF4-FFF2-40B4-BE49-F238E27FC236}">
+                <a16:creationId xmlns:a16="http://schemas.microsoft.com/office/drawing/2014/main" id="{EC6EAFF2-7AEF-9A83-9F0B-612D82344EC3}"/>
+              </a:ext>
+            </a:extLst>
+          </p:cNvPr>
+          <p:cNvSpPr/>
+          <p:nvPr/>
+        </p:nvSpPr>
+        <p:spPr>
+          <a:xfrm>
+            <a:off x="1979900" y="4577279"/>
+            <a:ext cx="401225" cy="518917"/>
+          </a:xfrm>
+          <a:prstGeom prst="rect">
+            <a:avLst/>
+          </a:prstGeom>
+          <a:solidFill>
+            <a:schemeClr val="bg1">
+              <a:lumMod val="85000"/>
+            </a:schemeClr>
+          </a:solidFill>
+        </p:spPr>
+        <p:style>
+          <a:lnRef idx="2">
+            <a:schemeClr val="accent1">
+              <a:shade val="50000"/>
+            </a:schemeClr>
+          </a:lnRef>
+          <a:fillRef idx="1">
+            <a:schemeClr val="accent1"/>
+          </a:fillRef>
+          <a:effectRef idx="0">
+            <a:schemeClr val="accent1"/>
+          </a:effectRef>
+          <a:fontRef idx="minor">
+            <a:schemeClr val="lt1"/>
+          </a:fontRef>
+        </p:style>
+        <p:txBody>
+          <a:bodyPr rtlCol="0" anchor="ctr"/>
+          <a:lstStyle/>
+          <a:p>
+            <a:pPr algn="ctr"/>
+            <a:endParaRPr kumimoji="1" lang="ko-Kore-KR" altLang="en-US" sz="1400" dirty="0">
+              <a:solidFill>
+                <a:schemeClr val="tx1"/>
+              </a:solidFill>
+            </a:endParaRPr>
+          </a:p>
+        </p:txBody>
+      </p:sp>
+      <p:sp>
+        <p:nvSpPr>
+          <p:cNvPr id="29" name="직사각형 28">
+            <a:extLst>
+              <a:ext uri="{FF2B5EF4-FFF2-40B4-BE49-F238E27FC236}">
+                <a16:creationId xmlns:a16="http://schemas.microsoft.com/office/drawing/2014/main" id="{40B0F5EB-099E-5E93-08A7-0D71F4DF346D}"/>
+              </a:ext>
+            </a:extLst>
+          </p:cNvPr>
+          <p:cNvSpPr/>
+          <p:nvPr/>
+        </p:nvSpPr>
+        <p:spPr>
+          <a:xfrm>
+            <a:off x="2381125" y="4577279"/>
+            <a:ext cx="401225" cy="518917"/>
+          </a:xfrm>
+          <a:prstGeom prst="rect">
+            <a:avLst/>
+          </a:prstGeom>
+          <a:solidFill>
+            <a:schemeClr val="bg1">
+              <a:lumMod val="85000"/>
+            </a:schemeClr>
+          </a:solidFill>
+        </p:spPr>
+        <p:style>
+          <a:lnRef idx="2">
+            <a:schemeClr val="accent1">
+              <a:shade val="50000"/>
+            </a:schemeClr>
+          </a:lnRef>
+          <a:fillRef idx="1">
+            <a:schemeClr val="accent1"/>
+          </a:fillRef>
+          <a:effectRef idx="0">
+            <a:schemeClr val="accent1"/>
+          </a:effectRef>
+          <a:fontRef idx="minor">
+            <a:schemeClr val="lt1"/>
+          </a:fontRef>
+        </p:style>
+        <p:txBody>
+          <a:bodyPr rtlCol="0" anchor="ctr"/>
+          <a:lstStyle/>
+          <a:p>
+            <a:pPr algn="ctr"/>
+            <a:endParaRPr kumimoji="1" lang="ko-Kore-KR" altLang="en-US" sz="1400" dirty="0">
+              <a:solidFill>
+                <a:schemeClr val="tx1"/>
+              </a:solidFill>
+            </a:endParaRPr>
+          </a:p>
+        </p:txBody>
+      </p:sp>
+      <p:sp>
+        <p:nvSpPr>
+          <p:cNvPr id="30" name="직사각형 29">
+            <a:extLst>
+              <a:ext uri="{FF2B5EF4-FFF2-40B4-BE49-F238E27FC236}">
+                <a16:creationId xmlns:a16="http://schemas.microsoft.com/office/drawing/2014/main" id="{42FAB1CA-4E94-1C20-96FB-F2DC22DE05E9}"/>
+              </a:ext>
+            </a:extLst>
+          </p:cNvPr>
+          <p:cNvSpPr/>
+          <p:nvPr/>
+        </p:nvSpPr>
+        <p:spPr>
+          <a:xfrm>
+            <a:off x="2782350" y="4577279"/>
+            <a:ext cx="401225" cy="518917"/>
+          </a:xfrm>
+          <a:prstGeom prst="rect">
+            <a:avLst/>
+          </a:prstGeom>
+          <a:solidFill>
+            <a:srgbClr val="92D050"/>
+          </a:solidFill>
+        </p:spPr>
+        <p:style>
+          <a:lnRef idx="2">
+            <a:schemeClr val="accent1">
+              <a:shade val="50000"/>
+            </a:schemeClr>
+          </a:lnRef>
+          <a:fillRef idx="1">
+            <a:schemeClr val="accent1"/>
+          </a:fillRef>
+          <a:effectRef idx="0">
+            <a:schemeClr val="accent1"/>
+          </a:effectRef>
+          <a:fontRef idx="minor">
+            <a:schemeClr val="lt1"/>
+          </a:fontRef>
+        </p:style>
+        <p:txBody>
+          <a:bodyPr rtlCol="0" anchor="ctr"/>
+          <a:lstStyle/>
+          <a:p>
+            <a:pPr algn="ctr"/>
+            <a:endParaRPr kumimoji="1" lang="ko-Kore-KR" altLang="en-US" sz="1400" dirty="0">
+              <a:solidFill>
+                <a:schemeClr val="tx1"/>
+              </a:solidFill>
+            </a:endParaRPr>
+          </a:p>
+        </p:txBody>
+      </p:sp>
+      <p:sp>
+        <p:nvSpPr>
+          <p:cNvPr id="31" name="직사각형 30">
+            <a:extLst>
+              <a:ext uri="{FF2B5EF4-FFF2-40B4-BE49-F238E27FC236}">
+                <a16:creationId xmlns:a16="http://schemas.microsoft.com/office/drawing/2014/main" id="{433AFF2F-ED14-833D-205F-1423B34A9491}"/>
+              </a:ext>
+            </a:extLst>
+          </p:cNvPr>
+          <p:cNvSpPr/>
+          <p:nvPr/>
+        </p:nvSpPr>
+        <p:spPr>
+          <a:xfrm>
+            <a:off x="3183575" y="4577279"/>
+            <a:ext cx="401225" cy="518917"/>
+          </a:xfrm>
+          <a:prstGeom prst="rect">
+            <a:avLst/>
+          </a:prstGeom>
+          <a:solidFill>
+            <a:srgbClr val="92D050"/>
+          </a:solidFill>
+        </p:spPr>
+        <p:style>
+          <a:lnRef idx="2">
+            <a:schemeClr val="accent1">
+              <a:shade val="50000"/>
+            </a:schemeClr>
+          </a:lnRef>
+          <a:fillRef idx="1">
+            <a:schemeClr val="accent1"/>
+          </a:fillRef>
+          <a:effectRef idx="0">
+            <a:schemeClr val="accent1"/>
+          </a:effectRef>
+          <a:fontRef idx="minor">
+            <a:schemeClr val="lt1"/>
+          </a:fontRef>
+        </p:style>
+        <p:txBody>
+          <a:bodyPr rtlCol="0" anchor="ctr"/>
+          <a:lstStyle/>
+          <a:p>
+            <a:pPr algn="ctr"/>
+            <a:endParaRPr kumimoji="1" lang="ko-Kore-KR" altLang="en-US" sz="1400" dirty="0">
+              <a:solidFill>
+                <a:schemeClr val="tx1"/>
+              </a:solidFill>
+            </a:endParaRPr>
+          </a:p>
+        </p:txBody>
+      </p:sp>
+      <p:sp>
+        <p:nvSpPr>
+          <p:cNvPr id="32" name="직사각형 31">
+            <a:extLst>
+              <a:ext uri="{FF2B5EF4-FFF2-40B4-BE49-F238E27FC236}">
+                <a16:creationId xmlns:a16="http://schemas.microsoft.com/office/drawing/2014/main" id="{98B5FA73-6661-F803-72D6-0B825236B908}"/>
+              </a:ext>
+            </a:extLst>
+          </p:cNvPr>
+          <p:cNvSpPr/>
+          <p:nvPr/>
+        </p:nvSpPr>
+        <p:spPr>
+          <a:xfrm>
+            <a:off x="3584800" y="4577279"/>
+            <a:ext cx="401225" cy="518917"/>
+          </a:xfrm>
+          <a:prstGeom prst="rect">
+            <a:avLst/>
+          </a:prstGeom>
+          <a:solidFill>
+            <a:srgbClr val="92D050"/>
+          </a:solidFill>
+        </p:spPr>
+        <p:style>
+          <a:lnRef idx="2">
+            <a:schemeClr val="accent1">
+              <a:shade val="50000"/>
+            </a:schemeClr>
+          </a:lnRef>
+          <a:fillRef idx="1">
+            <a:schemeClr val="accent1"/>
+          </a:fillRef>
+          <a:effectRef idx="0">
+            <a:schemeClr val="accent1"/>
+          </a:effectRef>
+          <a:fontRef idx="minor">
+            <a:schemeClr val="lt1"/>
+          </a:fontRef>
+        </p:style>
+        <p:txBody>
+          <a:bodyPr rtlCol="0" anchor="ctr"/>
+          <a:lstStyle/>
+          <a:p>
+            <a:pPr algn="ctr"/>
+            <a:endParaRPr kumimoji="1" lang="ko-Kore-KR" altLang="en-US" sz="1400" dirty="0">
+              <a:solidFill>
+                <a:schemeClr val="tx1"/>
+              </a:solidFill>
+            </a:endParaRPr>
+          </a:p>
+        </p:txBody>
+      </p:sp>
+      <p:sp>
+        <p:nvSpPr>
+          <p:cNvPr id="33" name="직사각형 32">
+            <a:extLst>
+              <a:ext uri="{FF2B5EF4-FFF2-40B4-BE49-F238E27FC236}">
+                <a16:creationId xmlns:a16="http://schemas.microsoft.com/office/drawing/2014/main" id="{17649693-037B-AEFC-7AB1-3C927C06B67D}"/>
+              </a:ext>
+            </a:extLst>
+          </p:cNvPr>
+          <p:cNvSpPr/>
+          <p:nvPr/>
+        </p:nvSpPr>
+        <p:spPr>
+          <a:xfrm>
+            <a:off x="3986025" y="4577279"/>
+            <a:ext cx="401225" cy="518917"/>
+          </a:xfrm>
+          <a:prstGeom prst="rect">
+            <a:avLst/>
+          </a:prstGeom>
+          <a:solidFill>
+            <a:srgbClr val="92D050"/>
+          </a:solidFill>
+        </p:spPr>
+        <p:style>
+          <a:lnRef idx="2">
+            <a:schemeClr val="accent1">
+              <a:shade val="50000"/>
+            </a:schemeClr>
+          </a:lnRef>
+          <a:fillRef idx="1">
+            <a:schemeClr val="accent1"/>
+          </a:fillRef>
+          <a:effectRef idx="0">
+            <a:schemeClr val="accent1"/>
+          </a:effectRef>
+          <a:fontRef idx="minor">
+            <a:schemeClr val="lt1"/>
+          </a:fontRef>
+        </p:style>
+        <p:txBody>
+          <a:bodyPr rtlCol="0" anchor="ctr"/>
+          <a:lstStyle/>
+          <a:p>
+            <a:pPr algn="ctr"/>
+            <a:endParaRPr kumimoji="1" lang="ko-Kore-KR" altLang="en-US" sz="1400" dirty="0">
+              <a:solidFill>
+                <a:schemeClr val="tx1"/>
+              </a:solidFill>
+            </a:endParaRPr>
+          </a:p>
+        </p:txBody>
+      </p:sp>
+      <p:sp>
+        <p:nvSpPr>
+          <p:cNvPr id="34" name="직사각형 33">
+            <a:extLst>
+              <a:ext uri="{FF2B5EF4-FFF2-40B4-BE49-F238E27FC236}">
+                <a16:creationId xmlns:a16="http://schemas.microsoft.com/office/drawing/2014/main" id="{ECC52672-9540-A905-7542-4B6D4F3B4BFD}"/>
+              </a:ext>
+            </a:extLst>
+          </p:cNvPr>
+          <p:cNvSpPr/>
+          <p:nvPr/>
+        </p:nvSpPr>
+        <p:spPr>
+          <a:xfrm>
+            <a:off x="4387250" y="4577279"/>
+            <a:ext cx="401225" cy="518917"/>
+          </a:xfrm>
+          <a:prstGeom prst="rect">
+            <a:avLst/>
+          </a:prstGeom>
+          <a:solidFill>
+            <a:schemeClr val="tx2">
+              <a:lumMod val="40000"/>
+              <a:lumOff val="60000"/>
+            </a:schemeClr>
+          </a:solidFill>
+        </p:spPr>
+        <p:style>
+          <a:lnRef idx="2">
+            <a:schemeClr val="accent1">
+              <a:shade val="50000"/>
+            </a:schemeClr>
+          </a:lnRef>
+          <a:fillRef idx="1">
+            <a:schemeClr val="accent1"/>
+          </a:fillRef>
+          <a:effectRef idx="0">
+            <a:schemeClr val="accent1"/>
+          </a:effectRef>
+          <a:fontRef idx="minor">
+            <a:schemeClr val="lt1"/>
+          </a:fontRef>
+        </p:style>
+        <p:txBody>
+          <a:bodyPr rtlCol="0" anchor="ctr"/>
+          <a:lstStyle/>
+          <a:p>
+            <a:pPr algn="ctr"/>
+            <a:endParaRPr kumimoji="1" lang="ko-Kore-KR" altLang="en-US" sz="1400" dirty="0">
+              <a:solidFill>
+                <a:schemeClr val="tx1"/>
+              </a:solidFill>
+            </a:endParaRPr>
+          </a:p>
+        </p:txBody>
+      </p:sp>
+      <p:sp>
+        <p:nvSpPr>
+          <p:cNvPr id="35" name="직사각형 34">
+            <a:extLst>
+              <a:ext uri="{FF2B5EF4-FFF2-40B4-BE49-F238E27FC236}">
+                <a16:creationId xmlns:a16="http://schemas.microsoft.com/office/drawing/2014/main" id="{EF5992B2-F6E4-76BE-4FFB-19A264FF0706}"/>
+              </a:ext>
+            </a:extLst>
+          </p:cNvPr>
+          <p:cNvSpPr/>
+          <p:nvPr/>
+        </p:nvSpPr>
+        <p:spPr>
+          <a:xfrm>
+            <a:off x="4788475" y="4577279"/>
+            <a:ext cx="401225" cy="518917"/>
+          </a:xfrm>
+          <a:prstGeom prst="rect">
+            <a:avLst/>
+          </a:prstGeom>
+          <a:solidFill>
+            <a:schemeClr val="bg1">
+              <a:lumMod val="85000"/>
+            </a:schemeClr>
+          </a:solidFill>
+        </p:spPr>
+        <p:style>
+          <a:lnRef idx="2">
+            <a:schemeClr val="accent1">
+              <a:shade val="50000"/>
+            </a:schemeClr>
+          </a:lnRef>
+          <a:fillRef idx="1">
+            <a:schemeClr val="accent1"/>
+          </a:fillRef>
+          <a:effectRef idx="0">
+            <a:schemeClr val="accent1"/>
+          </a:effectRef>
+          <a:fontRef idx="minor">
+            <a:schemeClr val="lt1"/>
+          </a:fontRef>
+        </p:style>
+        <p:txBody>
+          <a:bodyPr rtlCol="0" anchor="ctr"/>
+          <a:lstStyle/>
+          <a:p>
+            <a:pPr algn="ctr"/>
+            <a:endParaRPr kumimoji="1" lang="ko-Kore-KR" altLang="en-US" sz="1400" dirty="0">
+              <a:solidFill>
+                <a:schemeClr val="tx1"/>
+              </a:solidFill>
+            </a:endParaRPr>
+          </a:p>
+        </p:txBody>
+      </p:sp>
+      <p:sp>
+        <p:nvSpPr>
+          <p:cNvPr id="36" name="직사각형 35">
+            <a:extLst>
+              <a:ext uri="{FF2B5EF4-FFF2-40B4-BE49-F238E27FC236}">
+                <a16:creationId xmlns:a16="http://schemas.microsoft.com/office/drawing/2014/main" id="{1BA58457-A87F-9096-343A-8C5360B3AADE}"/>
+              </a:ext>
+            </a:extLst>
+          </p:cNvPr>
+          <p:cNvSpPr/>
+          <p:nvPr/>
+        </p:nvSpPr>
+        <p:spPr>
+          <a:xfrm>
+            <a:off x="5189700" y="4577279"/>
+            <a:ext cx="401225" cy="518917"/>
+          </a:xfrm>
+          <a:prstGeom prst="rect">
+            <a:avLst/>
+          </a:prstGeom>
+          <a:solidFill>
+            <a:schemeClr val="bg1">
+              <a:lumMod val="85000"/>
+            </a:schemeClr>
+          </a:solidFill>
+        </p:spPr>
+        <p:style>
+          <a:lnRef idx="2">
+            <a:schemeClr val="accent1">
+              <a:shade val="50000"/>
+            </a:schemeClr>
+          </a:lnRef>
+          <a:fillRef idx="1">
+            <a:schemeClr val="accent1"/>
+          </a:fillRef>
+          <a:effectRef idx="0">
+            <a:schemeClr val="accent1"/>
+          </a:effectRef>
+          <a:fontRef idx="minor">
+            <a:schemeClr val="lt1"/>
+          </a:fontRef>
+        </p:style>
+        <p:txBody>
+          <a:bodyPr rtlCol="0" anchor="ctr"/>
+          <a:lstStyle/>
+          <a:p>
+            <a:pPr algn="ctr"/>
+            <a:endParaRPr kumimoji="1" lang="ko-Kore-KR" altLang="en-US" sz="1400" dirty="0">
+              <a:solidFill>
+                <a:schemeClr val="tx1"/>
+              </a:solidFill>
+            </a:endParaRPr>
+          </a:p>
+        </p:txBody>
+      </p:sp>
+      <p:sp>
+        <p:nvSpPr>
+          <p:cNvPr id="37" name="직사각형 36">
+            <a:extLst>
+              <a:ext uri="{FF2B5EF4-FFF2-40B4-BE49-F238E27FC236}">
+                <a16:creationId xmlns:a16="http://schemas.microsoft.com/office/drawing/2014/main" id="{78DDC6C1-0235-49A5-EE28-C3B4C2DFCD33}"/>
+              </a:ext>
+            </a:extLst>
+          </p:cNvPr>
+          <p:cNvSpPr/>
+          <p:nvPr/>
+        </p:nvSpPr>
+        <p:spPr>
+          <a:xfrm>
+            <a:off x="5590925" y="4577279"/>
+            <a:ext cx="401225" cy="518917"/>
+          </a:xfrm>
+          <a:prstGeom prst="rect">
+            <a:avLst/>
+          </a:prstGeom>
+          <a:solidFill>
+            <a:schemeClr val="bg1">
+              <a:lumMod val="85000"/>
+            </a:schemeClr>
+          </a:solidFill>
+        </p:spPr>
+        <p:style>
+          <a:lnRef idx="2">
+            <a:schemeClr val="accent1">
+              <a:shade val="50000"/>
+            </a:schemeClr>
+          </a:lnRef>
+          <a:fillRef idx="1">
+            <a:schemeClr val="accent1"/>
+          </a:fillRef>
+          <a:effectRef idx="0">
+            <a:schemeClr val="accent1"/>
+          </a:effectRef>
+          <a:fontRef idx="minor">
+            <a:schemeClr val="lt1"/>
+          </a:fontRef>
+        </p:style>
+        <p:txBody>
+          <a:bodyPr rtlCol="0" anchor="ctr"/>
+          <a:lstStyle/>
+          <a:p>
+            <a:pPr algn="ctr"/>
+            <a:endParaRPr kumimoji="1" lang="ko-Kore-KR" altLang="en-US" sz="1400" dirty="0">
+              <a:solidFill>
+                <a:schemeClr val="tx1"/>
+              </a:solidFill>
+            </a:endParaRPr>
+          </a:p>
+        </p:txBody>
+      </p:sp>
+      <p:sp>
+        <p:nvSpPr>
+          <p:cNvPr id="38" name="직사각형 37">
+            <a:extLst>
+              <a:ext uri="{FF2B5EF4-FFF2-40B4-BE49-F238E27FC236}">
+                <a16:creationId xmlns:a16="http://schemas.microsoft.com/office/drawing/2014/main" id="{494E9ACB-4472-4B9B-A585-D01E9B69F7FF}"/>
+              </a:ext>
+            </a:extLst>
+          </p:cNvPr>
+          <p:cNvSpPr/>
+          <p:nvPr/>
+        </p:nvSpPr>
+        <p:spPr>
+          <a:xfrm>
+            <a:off x="5992150" y="4577279"/>
+            <a:ext cx="401225" cy="518917"/>
+          </a:xfrm>
+          <a:prstGeom prst="rect">
+            <a:avLst/>
+          </a:prstGeom>
+          <a:solidFill>
+            <a:schemeClr val="bg1">
+              <a:lumMod val="85000"/>
+            </a:schemeClr>
+          </a:solidFill>
+        </p:spPr>
+        <p:style>
+          <a:lnRef idx="2">
+            <a:schemeClr val="accent1">
+              <a:shade val="50000"/>
+            </a:schemeClr>
+          </a:lnRef>
+          <a:fillRef idx="1">
+            <a:schemeClr val="accent1"/>
+          </a:fillRef>
+          <a:effectRef idx="0">
+            <a:schemeClr val="accent1"/>
+          </a:effectRef>
+          <a:fontRef idx="minor">
+            <a:schemeClr val="lt1"/>
+          </a:fontRef>
+        </p:style>
+        <p:txBody>
+          <a:bodyPr rtlCol="0" anchor="ctr"/>
+          <a:lstStyle/>
+          <a:p>
+            <a:pPr algn="ctr"/>
+            <a:endParaRPr kumimoji="1" lang="ko-Kore-KR" altLang="en-US" sz="1400" dirty="0">
+              <a:solidFill>
+                <a:schemeClr val="tx1"/>
+              </a:solidFill>
+            </a:endParaRPr>
+          </a:p>
+        </p:txBody>
+      </p:sp>
+      <p:sp>
+        <p:nvSpPr>
+          <p:cNvPr id="39" name="직사각형 38">
+            <a:extLst>
+              <a:ext uri="{FF2B5EF4-FFF2-40B4-BE49-F238E27FC236}">
+                <a16:creationId xmlns:a16="http://schemas.microsoft.com/office/drawing/2014/main" id="{41D45CE9-9ACF-7F33-A686-0708250FE07F}"/>
+              </a:ext>
+            </a:extLst>
+          </p:cNvPr>
+          <p:cNvSpPr/>
+          <p:nvPr/>
+        </p:nvSpPr>
+        <p:spPr>
+          <a:xfrm>
+            <a:off x="6393375" y="4577279"/>
+            <a:ext cx="401225" cy="518917"/>
+          </a:xfrm>
+          <a:prstGeom prst="rect">
+            <a:avLst/>
+          </a:prstGeom>
+          <a:solidFill>
+            <a:schemeClr val="bg1">
+              <a:lumMod val="85000"/>
+            </a:schemeClr>
+          </a:solidFill>
+        </p:spPr>
+        <p:style>
+          <a:lnRef idx="2">
+            <a:schemeClr val="accent1">
+              <a:shade val="50000"/>
+            </a:schemeClr>
+          </a:lnRef>
+          <a:fillRef idx="1">
+            <a:schemeClr val="accent1"/>
+          </a:fillRef>
+          <a:effectRef idx="0">
+            <a:schemeClr val="accent1"/>
+          </a:effectRef>
+          <a:fontRef idx="minor">
+            <a:schemeClr val="lt1"/>
+          </a:fontRef>
+        </p:style>
+        <p:txBody>
+          <a:bodyPr rtlCol="0" anchor="ctr"/>
+          <a:lstStyle/>
+          <a:p>
+            <a:pPr algn="ctr"/>
+            <a:endParaRPr kumimoji="1" lang="ko-Kore-KR" altLang="en-US" sz="1400" dirty="0">
+              <a:solidFill>
+                <a:schemeClr val="tx1"/>
+              </a:solidFill>
+            </a:endParaRPr>
+          </a:p>
+        </p:txBody>
+      </p:sp>
+      <p:sp>
+        <p:nvSpPr>
+          <p:cNvPr id="40" name="직사각형 39">
+            <a:extLst>
+              <a:ext uri="{FF2B5EF4-FFF2-40B4-BE49-F238E27FC236}">
+                <a16:creationId xmlns:a16="http://schemas.microsoft.com/office/drawing/2014/main" id="{CD730FBA-3DAD-8F0B-4983-B590B0A97095}"/>
+              </a:ext>
+            </a:extLst>
+          </p:cNvPr>
+          <p:cNvSpPr/>
+          <p:nvPr/>
+        </p:nvSpPr>
+        <p:spPr>
+          <a:xfrm>
+            <a:off x="6794600" y="4577279"/>
+            <a:ext cx="401225" cy="518917"/>
+          </a:xfrm>
+          <a:prstGeom prst="rect">
+            <a:avLst/>
+          </a:prstGeom>
+          <a:solidFill>
+            <a:schemeClr val="bg1">
+              <a:lumMod val="85000"/>
+            </a:schemeClr>
+          </a:solidFill>
+        </p:spPr>
+        <p:style>
+          <a:lnRef idx="2">
+            <a:schemeClr val="accent1">
+              <a:shade val="50000"/>
+            </a:schemeClr>
+          </a:lnRef>
+          <a:fillRef idx="1">
+            <a:schemeClr val="accent1"/>
+          </a:fillRef>
+          <a:effectRef idx="0">
+            <a:schemeClr val="accent1"/>
+          </a:effectRef>
+          <a:fontRef idx="minor">
+            <a:schemeClr val="lt1"/>
+          </a:fontRef>
+        </p:style>
+        <p:txBody>
+          <a:bodyPr rtlCol="0" anchor="ctr"/>
+          <a:lstStyle/>
+          <a:p>
+            <a:pPr algn="ctr"/>
+            <a:endParaRPr kumimoji="1" lang="ko-Kore-KR" altLang="en-US" sz="1400" dirty="0">
+              <a:solidFill>
+                <a:schemeClr val="tx1"/>
+              </a:solidFill>
+            </a:endParaRPr>
+          </a:p>
+        </p:txBody>
+      </p:sp>
+      <p:sp>
+        <p:nvSpPr>
+          <p:cNvPr id="41" name="직사각형 40">
+            <a:extLst>
+              <a:ext uri="{FF2B5EF4-FFF2-40B4-BE49-F238E27FC236}">
+                <a16:creationId xmlns:a16="http://schemas.microsoft.com/office/drawing/2014/main" id="{F9097077-1955-5E34-32D2-81ACF7719AB7}"/>
+              </a:ext>
+            </a:extLst>
+          </p:cNvPr>
+          <p:cNvSpPr/>
+          <p:nvPr/>
+        </p:nvSpPr>
+        <p:spPr>
+          <a:xfrm>
+            <a:off x="7195825" y="4577279"/>
+            <a:ext cx="401225" cy="518917"/>
+          </a:xfrm>
+          <a:prstGeom prst="rect">
+            <a:avLst/>
+          </a:prstGeom>
+          <a:solidFill>
+            <a:schemeClr val="bg1">
+              <a:lumMod val="85000"/>
+            </a:schemeClr>
+          </a:solidFill>
+        </p:spPr>
+        <p:style>
+          <a:lnRef idx="2">
+            <a:schemeClr val="accent1">
+              <a:shade val="50000"/>
+            </a:schemeClr>
+          </a:lnRef>
+          <a:fillRef idx="1">
+            <a:schemeClr val="accent1"/>
+          </a:fillRef>
+          <a:effectRef idx="0">
+            <a:schemeClr val="accent1"/>
+          </a:effectRef>
+          <a:fontRef idx="minor">
+            <a:schemeClr val="lt1"/>
+          </a:fontRef>
+        </p:style>
+        <p:txBody>
+          <a:bodyPr rtlCol="0" anchor="ctr"/>
+          <a:lstStyle/>
+          <a:p>
+            <a:pPr algn="ctr"/>
+            <a:endParaRPr kumimoji="1" lang="ko-Kore-KR" altLang="en-US" sz="1400" dirty="0">
+              <a:solidFill>
+                <a:schemeClr val="tx1"/>
+              </a:solidFill>
+            </a:endParaRPr>
+          </a:p>
+        </p:txBody>
+      </p:sp>
+      <p:sp>
+        <p:nvSpPr>
+          <p:cNvPr id="42" name="직사각형 41">
+            <a:extLst>
+              <a:ext uri="{FF2B5EF4-FFF2-40B4-BE49-F238E27FC236}">
+                <a16:creationId xmlns:a16="http://schemas.microsoft.com/office/drawing/2014/main" id="{90FB7F26-8201-E79E-D6FC-6E6A5FF5328E}"/>
+              </a:ext>
+            </a:extLst>
+          </p:cNvPr>
+          <p:cNvSpPr/>
+          <p:nvPr/>
+        </p:nvSpPr>
+        <p:spPr>
+          <a:xfrm>
+            <a:off x="7597050" y="4577279"/>
+            <a:ext cx="401225" cy="518917"/>
+          </a:xfrm>
+          <a:prstGeom prst="rect">
+            <a:avLst/>
+          </a:prstGeom>
+          <a:solidFill>
+            <a:srgbClr val="7030A0"/>
+          </a:solidFill>
+        </p:spPr>
+        <p:style>
+          <a:lnRef idx="2">
+            <a:schemeClr val="accent1">
+              <a:shade val="50000"/>
+            </a:schemeClr>
+          </a:lnRef>
+          <a:fillRef idx="1">
+            <a:schemeClr val="accent1"/>
+          </a:fillRef>
+          <a:effectRef idx="0">
+            <a:schemeClr val="accent1"/>
+          </a:effectRef>
+          <a:fontRef idx="minor">
+            <a:schemeClr val="lt1"/>
+          </a:fontRef>
+        </p:style>
+        <p:txBody>
+          <a:bodyPr rtlCol="0" anchor="ctr"/>
+          <a:lstStyle/>
+          <a:p>
+            <a:pPr algn="ctr"/>
+            <a:endParaRPr kumimoji="1" lang="ko-Kore-KR" altLang="en-US" sz="1400" dirty="0">
+              <a:solidFill>
+                <a:schemeClr val="tx1"/>
+              </a:solidFill>
+            </a:endParaRPr>
+          </a:p>
+        </p:txBody>
+      </p:sp>
+      <p:sp>
+        <p:nvSpPr>
+          <p:cNvPr id="43" name="직사각형 42">
+            <a:extLst>
+              <a:ext uri="{FF2B5EF4-FFF2-40B4-BE49-F238E27FC236}">
+                <a16:creationId xmlns:a16="http://schemas.microsoft.com/office/drawing/2014/main" id="{76CD2CF5-0D25-70A2-82C2-8BB7E1C27A7F}"/>
+              </a:ext>
+            </a:extLst>
+          </p:cNvPr>
+          <p:cNvSpPr/>
+          <p:nvPr/>
+        </p:nvSpPr>
+        <p:spPr>
+          <a:xfrm>
+            <a:off x="7998275" y="4577279"/>
+            <a:ext cx="401225" cy="518917"/>
+          </a:xfrm>
+          <a:prstGeom prst="rect">
+            <a:avLst/>
+          </a:prstGeom>
+          <a:solidFill>
+            <a:srgbClr val="7030A0"/>
+          </a:solidFill>
+        </p:spPr>
+        <p:style>
+          <a:lnRef idx="2">
+            <a:schemeClr val="accent1">
+              <a:shade val="50000"/>
+            </a:schemeClr>
+          </a:lnRef>
+          <a:fillRef idx="1">
+            <a:schemeClr val="accent1"/>
+          </a:fillRef>
+          <a:effectRef idx="0">
+            <a:schemeClr val="accent1"/>
+          </a:effectRef>
+          <a:fontRef idx="minor">
+            <a:schemeClr val="lt1"/>
+          </a:fontRef>
+        </p:style>
+        <p:txBody>
+          <a:bodyPr rtlCol="0" anchor="ctr"/>
+          <a:lstStyle/>
+          <a:p>
+            <a:pPr algn="ctr"/>
+            <a:endParaRPr kumimoji="1" lang="ko-Kore-KR" altLang="en-US" sz="1400" dirty="0">
+              <a:solidFill>
+                <a:schemeClr val="tx1"/>
+              </a:solidFill>
+            </a:endParaRPr>
+          </a:p>
+        </p:txBody>
+      </p:sp>
+      <p:sp>
+        <p:nvSpPr>
+          <p:cNvPr id="44" name="직사각형 43">
+            <a:extLst>
+              <a:ext uri="{FF2B5EF4-FFF2-40B4-BE49-F238E27FC236}">
+                <a16:creationId xmlns:a16="http://schemas.microsoft.com/office/drawing/2014/main" id="{605E82D6-B22D-81EE-6E08-D8F7A3E026A1}"/>
+              </a:ext>
+            </a:extLst>
+          </p:cNvPr>
+          <p:cNvSpPr/>
+          <p:nvPr/>
+        </p:nvSpPr>
+        <p:spPr>
+          <a:xfrm>
+            <a:off x="8399500" y="4577279"/>
+            <a:ext cx="401225" cy="518917"/>
+          </a:xfrm>
+          <a:prstGeom prst="rect">
+            <a:avLst/>
+          </a:prstGeom>
+          <a:solidFill>
+            <a:srgbClr val="7030A0"/>
+          </a:solidFill>
+        </p:spPr>
+        <p:style>
+          <a:lnRef idx="2">
+            <a:schemeClr val="accent1">
+              <a:shade val="50000"/>
+            </a:schemeClr>
+          </a:lnRef>
+          <a:fillRef idx="1">
+            <a:schemeClr val="accent1"/>
+          </a:fillRef>
+          <a:effectRef idx="0">
+            <a:schemeClr val="accent1"/>
+          </a:effectRef>
+          <a:fontRef idx="minor">
+            <a:schemeClr val="lt1"/>
+          </a:fontRef>
+        </p:style>
+        <p:txBody>
+          <a:bodyPr rtlCol="0" anchor="ctr"/>
+          <a:lstStyle/>
+          <a:p>
+            <a:pPr algn="ctr"/>
+            <a:endParaRPr kumimoji="1" lang="ko-Kore-KR" altLang="en-US" sz="1400" dirty="0">
+              <a:solidFill>
+                <a:schemeClr val="tx1"/>
+              </a:solidFill>
+            </a:endParaRPr>
+          </a:p>
+        </p:txBody>
+      </p:sp>
+      <p:sp>
+        <p:nvSpPr>
+          <p:cNvPr id="45" name="직사각형 44">
+            <a:extLst>
+              <a:ext uri="{FF2B5EF4-FFF2-40B4-BE49-F238E27FC236}">
+                <a16:creationId xmlns:a16="http://schemas.microsoft.com/office/drawing/2014/main" id="{BCCD3553-24FC-3F54-662C-1FE3E0C7CED7}"/>
+              </a:ext>
+            </a:extLst>
+          </p:cNvPr>
+          <p:cNvSpPr/>
+          <p:nvPr/>
+        </p:nvSpPr>
+        <p:spPr>
+          <a:xfrm>
+            <a:off x="8800725" y="4577279"/>
+            <a:ext cx="401225" cy="518917"/>
+          </a:xfrm>
+          <a:prstGeom prst="rect">
+            <a:avLst/>
+          </a:prstGeom>
+          <a:solidFill>
+            <a:srgbClr val="7030A0"/>
+          </a:solidFill>
+        </p:spPr>
+        <p:style>
+          <a:lnRef idx="2">
+            <a:schemeClr val="accent1">
+              <a:shade val="50000"/>
+            </a:schemeClr>
+          </a:lnRef>
+          <a:fillRef idx="1">
+            <a:schemeClr val="accent1"/>
+          </a:fillRef>
+          <a:effectRef idx="0">
+            <a:schemeClr val="accent1"/>
+          </a:effectRef>
+          <a:fontRef idx="minor">
+            <a:schemeClr val="lt1"/>
+          </a:fontRef>
+        </p:style>
+        <p:txBody>
+          <a:bodyPr rtlCol="0" anchor="ctr"/>
+          <a:lstStyle/>
+          <a:p>
+            <a:pPr algn="ctr"/>
+            <a:endParaRPr kumimoji="1" lang="ko-Kore-KR" altLang="en-US" sz="1400" dirty="0">
+              <a:solidFill>
+                <a:schemeClr val="tx1"/>
+              </a:solidFill>
+            </a:endParaRPr>
+          </a:p>
+        </p:txBody>
+      </p:sp>
+      <p:sp>
+        <p:nvSpPr>
+          <p:cNvPr id="46" name="직사각형 45">
+            <a:extLst>
+              <a:ext uri="{FF2B5EF4-FFF2-40B4-BE49-F238E27FC236}">
+                <a16:creationId xmlns:a16="http://schemas.microsoft.com/office/drawing/2014/main" id="{9FCBDABD-C85B-C3AE-28DE-117908F9F352}"/>
+              </a:ext>
+            </a:extLst>
+          </p:cNvPr>
+          <p:cNvSpPr/>
+          <p:nvPr/>
+        </p:nvSpPr>
+        <p:spPr>
+          <a:xfrm>
+            <a:off x="9201950" y="4577279"/>
+            <a:ext cx="401225" cy="518917"/>
+          </a:xfrm>
+          <a:prstGeom prst="rect">
+            <a:avLst/>
+          </a:prstGeom>
+          <a:solidFill>
+            <a:srgbClr val="7030A0"/>
+          </a:solidFill>
+        </p:spPr>
+        <p:style>
+          <a:lnRef idx="2">
+            <a:schemeClr val="accent1">
+              <a:shade val="50000"/>
+            </a:schemeClr>
+          </a:lnRef>
+          <a:fillRef idx="1">
+            <a:schemeClr val="accent1"/>
+          </a:fillRef>
+          <a:effectRef idx="0">
+            <a:schemeClr val="accent1"/>
+          </a:effectRef>
+          <a:fontRef idx="minor">
+            <a:schemeClr val="lt1"/>
+          </a:fontRef>
+        </p:style>
+        <p:txBody>
+          <a:bodyPr rtlCol="0" anchor="ctr"/>
+          <a:lstStyle/>
+          <a:p>
+            <a:pPr algn="ctr"/>
+            <a:endParaRPr kumimoji="1" lang="ko-Kore-KR" altLang="en-US" sz="1400" dirty="0">
+              <a:solidFill>
+                <a:schemeClr val="tx1"/>
+              </a:solidFill>
+            </a:endParaRPr>
+          </a:p>
+        </p:txBody>
+      </p:sp>
+      <p:sp>
+        <p:nvSpPr>
+          <p:cNvPr id="47" name="직사각형 46">
+            <a:extLst>
+              <a:ext uri="{FF2B5EF4-FFF2-40B4-BE49-F238E27FC236}">
+                <a16:creationId xmlns:a16="http://schemas.microsoft.com/office/drawing/2014/main" id="{12D2B2B6-B252-A7FC-BE28-05E9564D6530}"/>
+              </a:ext>
+            </a:extLst>
+          </p:cNvPr>
+          <p:cNvSpPr/>
+          <p:nvPr/>
+        </p:nvSpPr>
+        <p:spPr>
+          <a:xfrm>
+            <a:off x="8096250" y="3377126"/>
+            <a:ext cx="401225" cy="518917"/>
+          </a:xfrm>
+          <a:prstGeom prst="rect">
+            <a:avLst/>
+          </a:prstGeom>
+          <a:solidFill>
+            <a:schemeClr val="bg1">
+              <a:lumMod val="85000"/>
+            </a:schemeClr>
+          </a:solidFill>
+        </p:spPr>
+        <p:style>
+          <a:lnRef idx="2">
+            <a:schemeClr val="accent1">
+              <a:shade val="50000"/>
+            </a:schemeClr>
+          </a:lnRef>
+          <a:fillRef idx="1">
+            <a:schemeClr val="accent1"/>
+          </a:fillRef>
+          <a:effectRef idx="0">
+            <a:schemeClr val="accent1"/>
+          </a:effectRef>
+          <a:fontRef idx="minor">
+            <a:schemeClr val="lt1"/>
+          </a:fontRef>
+        </p:style>
+        <p:txBody>
+          <a:bodyPr rtlCol="0" anchor="ctr"/>
+          <a:lstStyle/>
+          <a:p>
+            <a:pPr algn="ctr"/>
+            <a:endParaRPr kumimoji="1" lang="ko-Kore-KR" altLang="en-US" sz="1400" dirty="0">
+              <a:solidFill>
+                <a:schemeClr val="tx1"/>
+              </a:solidFill>
+            </a:endParaRPr>
+          </a:p>
+        </p:txBody>
+      </p:sp>
+      <p:sp>
+        <p:nvSpPr>
+          <p:cNvPr id="48" name="직사각형 47">
+            <a:extLst>
+              <a:ext uri="{FF2B5EF4-FFF2-40B4-BE49-F238E27FC236}">
+                <a16:creationId xmlns:a16="http://schemas.microsoft.com/office/drawing/2014/main" id="{975689A7-10EE-CF42-726F-DFD2BE7EB4A5}"/>
+              </a:ext>
+            </a:extLst>
+          </p:cNvPr>
+          <p:cNvSpPr/>
+          <p:nvPr/>
+        </p:nvSpPr>
+        <p:spPr>
+          <a:xfrm>
+            <a:off x="1042388" y="5132474"/>
+            <a:ext cx="322524" cy="369332"/>
+          </a:xfrm>
+          <a:prstGeom prst="rect">
+            <a:avLst/>
+          </a:prstGeom>
+        </p:spPr>
+        <p:txBody>
+          <a:bodyPr wrap="none">
+            <a:spAutoFit/>
+          </a:bodyPr>
+          <a:lstStyle/>
+          <a:p>
+            <a:r>
+              <a:rPr lang="en" altLang="ko-Kore-KR" dirty="0">
+                <a:solidFill>
+                  <a:srgbClr val="001080"/>
+                </a:solidFill>
+                <a:latin typeface="DM Mono" panose="020B0509040201040103" pitchFamily="49" charset="0"/>
+              </a:rPr>
+              <a:t>0</a:t>
+            </a:r>
+            <a:endParaRPr lang="ko-Kore-KR" altLang="en-US" dirty="0"/>
+          </a:p>
+        </p:txBody>
+      </p:sp>
+      <p:sp>
+        <p:nvSpPr>
+          <p:cNvPr id="49" name="직사각형 48">
+            <a:extLst>
+              <a:ext uri="{FF2B5EF4-FFF2-40B4-BE49-F238E27FC236}">
+                <a16:creationId xmlns:a16="http://schemas.microsoft.com/office/drawing/2014/main" id="{0F26550A-0C26-6DEF-8AD5-ADE8648AC9C3}"/>
+              </a:ext>
+            </a:extLst>
+          </p:cNvPr>
+          <p:cNvSpPr/>
+          <p:nvPr/>
+        </p:nvSpPr>
+        <p:spPr>
+          <a:xfrm>
+            <a:off x="2621088" y="5132474"/>
+            <a:ext cx="322524" cy="369332"/>
+          </a:xfrm>
+          <a:prstGeom prst="rect">
+            <a:avLst/>
+          </a:prstGeom>
+        </p:spPr>
+        <p:txBody>
+          <a:bodyPr wrap="none">
+            <a:spAutoFit/>
+          </a:bodyPr>
+          <a:lstStyle/>
+          <a:p>
+            <a:r>
+              <a:rPr lang="en" altLang="ko-Kore-KR" dirty="0">
+                <a:solidFill>
+                  <a:srgbClr val="001080"/>
+                </a:solidFill>
+                <a:latin typeface="DM Mono" panose="020B0509040201040103" pitchFamily="49" charset="0"/>
+              </a:rPr>
+              <a:t>4</a:t>
+            </a:r>
+            <a:endParaRPr lang="ko-Kore-KR" altLang="en-US" dirty="0"/>
+          </a:p>
+        </p:txBody>
+      </p:sp>
+      <p:sp>
+        <p:nvSpPr>
+          <p:cNvPr id="50" name="직사각형 49">
+            <a:extLst>
+              <a:ext uri="{FF2B5EF4-FFF2-40B4-BE49-F238E27FC236}">
+                <a16:creationId xmlns:a16="http://schemas.microsoft.com/office/drawing/2014/main" id="{644C7D04-9955-5EB5-4BC2-D69C8B171858}"/>
+              </a:ext>
+            </a:extLst>
+          </p:cNvPr>
+          <p:cNvSpPr/>
+          <p:nvPr/>
+        </p:nvSpPr>
+        <p:spPr>
+          <a:xfrm>
+            <a:off x="4219350" y="5132474"/>
+            <a:ext cx="322524" cy="369332"/>
+          </a:xfrm>
+          <a:prstGeom prst="rect">
+            <a:avLst/>
+          </a:prstGeom>
+        </p:spPr>
+        <p:txBody>
+          <a:bodyPr wrap="none">
+            <a:spAutoFit/>
+          </a:bodyPr>
+          <a:lstStyle/>
+          <a:p>
+            <a:r>
+              <a:rPr lang="en" altLang="ko-Kore-KR" dirty="0">
+                <a:solidFill>
+                  <a:srgbClr val="001080"/>
+                </a:solidFill>
+                <a:latin typeface="DM Mono" panose="020B0509040201040103" pitchFamily="49" charset="0"/>
+              </a:rPr>
+              <a:t>8</a:t>
+            </a:r>
+            <a:endParaRPr lang="ko-Kore-KR" altLang="en-US" dirty="0"/>
+          </a:p>
+        </p:txBody>
+      </p:sp>
+      <p:sp>
+        <p:nvSpPr>
+          <p:cNvPr id="51" name="직사각형 50">
+            <a:extLst>
+              <a:ext uri="{FF2B5EF4-FFF2-40B4-BE49-F238E27FC236}">
+                <a16:creationId xmlns:a16="http://schemas.microsoft.com/office/drawing/2014/main" id="{3FA9C5FC-50EB-4C4C-1471-722F3FBC53B1}"/>
+              </a:ext>
+            </a:extLst>
+          </p:cNvPr>
+          <p:cNvSpPr/>
+          <p:nvPr/>
+        </p:nvSpPr>
+        <p:spPr>
+          <a:xfrm>
+            <a:off x="5819425" y="5132474"/>
+            <a:ext cx="460382" cy="369332"/>
+          </a:xfrm>
+          <a:prstGeom prst="rect">
+            <a:avLst/>
+          </a:prstGeom>
+        </p:spPr>
+        <p:txBody>
+          <a:bodyPr wrap="none">
+            <a:spAutoFit/>
+          </a:bodyPr>
+          <a:lstStyle/>
+          <a:p>
+            <a:r>
+              <a:rPr lang="en" altLang="ko-Kore-KR" dirty="0">
+                <a:solidFill>
+                  <a:srgbClr val="001080"/>
+                </a:solidFill>
+                <a:latin typeface="DM Mono" panose="020B0509040201040103" pitchFamily="49" charset="0"/>
+              </a:rPr>
+              <a:t>12</a:t>
+            </a:r>
+            <a:endParaRPr lang="ko-Kore-KR" altLang="en-US" dirty="0"/>
+          </a:p>
+        </p:txBody>
+      </p:sp>
+      <p:sp>
+        <p:nvSpPr>
+          <p:cNvPr id="52" name="직사각형 51">
+            <a:extLst>
+              <a:ext uri="{FF2B5EF4-FFF2-40B4-BE49-F238E27FC236}">
+                <a16:creationId xmlns:a16="http://schemas.microsoft.com/office/drawing/2014/main" id="{2A053506-E85F-55D9-C440-422E281AEB78}"/>
+              </a:ext>
+            </a:extLst>
+          </p:cNvPr>
+          <p:cNvSpPr/>
+          <p:nvPr/>
+        </p:nvSpPr>
+        <p:spPr>
+          <a:xfrm>
+            <a:off x="7396437" y="5132474"/>
+            <a:ext cx="460382" cy="369332"/>
+          </a:xfrm>
+          <a:prstGeom prst="rect">
+            <a:avLst/>
+          </a:prstGeom>
+        </p:spPr>
+        <p:txBody>
+          <a:bodyPr wrap="none">
+            <a:spAutoFit/>
+          </a:bodyPr>
+          <a:lstStyle/>
+          <a:p>
+            <a:r>
+              <a:rPr lang="en" altLang="ko-Kore-KR" dirty="0">
+                <a:solidFill>
+                  <a:srgbClr val="001080"/>
+                </a:solidFill>
+                <a:latin typeface="DM Mono" panose="020B0509040201040103" pitchFamily="49" charset="0"/>
+              </a:rPr>
+              <a:t>16</a:t>
+            </a:r>
+            <a:endParaRPr lang="ko-Kore-KR" altLang="en-US" dirty="0"/>
+          </a:p>
+        </p:txBody>
+      </p:sp>
+      <p:sp>
+        <p:nvSpPr>
+          <p:cNvPr id="53" name="직사각형 52">
+            <a:extLst>
+              <a:ext uri="{FF2B5EF4-FFF2-40B4-BE49-F238E27FC236}">
+                <a16:creationId xmlns:a16="http://schemas.microsoft.com/office/drawing/2014/main" id="{C330E68E-210D-C492-219F-0BD1FEFCFA52}"/>
+              </a:ext>
+            </a:extLst>
+          </p:cNvPr>
+          <p:cNvSpPr/>
+          <p:nvPr/>
+        </p:nvSpPr>
+        <p:spPr>
+          <a:xfrm>
+            <a:off x="9610262" y="4577278"/>
+            <a:ext cx="401225" cy="518917"/>
+          </a:xfrm>
+          <a:prstGeom prst="rect">
+            <a:avLst/>
+          </a:prstGeom>
+          <a:solidFill>
+            <a:srgbClr val="7030A0"/>
+          </a:solidFill>
+        </p:spPr>
+        <p:style>
+          <a:lnRef idx="2">
+            <a:schemeClr val="accent1">
+              <a:shade val="50000"/>
+            </a:schemeClr>
+          </a:lnRef>
+          <a:fillRef idx="1">
+            <a:schemeClr val="accent1"/>
+          </a:fillRef>
+          <a:effectRef idx="0">
+            <a:schemeClr val="accent1"/>
+          </a:effectRef>
+          <a:fontRef idx="minor">
+            <a:schemeClr val="lt1"/>
+          </a:fontRef>
+        </p:style>
+        <p:txBody>
+          <a:bodyPr rtlCol="0" anchor="ctr"/>
+          <a:lstStyle/>
+          <a:p>
+            <a:pPr algn="ctr"/>
+            <a:endParaRPr kumimoji="1" lang="ko-Kore-KR" altLang="en-US" sz="1400" dirty="0">
+              <a:solidFill>
+                <a:schemeClr val="tx1"/>
+              </a:solidFill>
+            </a:endParaRPr>
+          </a:p>
+        </p:txBody>
+      </p:sp>
+      <p:sp>
+        <p:nvSpPr>
+          <p:cNvPr id="54" name="직사각형 53">
+            <a:extLst>
+              <a:ext uri="{FF2B5EF4-FFF2-40B4-BE49-F238E27FC236}">
+                <a16:creationId xmlns:a16="http://schemas.microsoft.com/office/drawing/2014/main" id="{FB7FD399-45CE-6125-43B7-27697F07CF34}"/>
+              </a:ext>
+            </a:extLst>
+          </p:cNvPr>
+          <p:cNvSpPr/>
+          <p:nvPr/>
+        </p:nvSpPr>
+        <p:spPr>
+          <a:xfrm>
+            <a:off x="10018574" y="4577277"/>
+            <a:ext cx="401225" cy="518917"/>
+          </a:xfrm>
+          <a:prstGeom prst="rect">
+            <a:avLst/>
+          </a:prstGeom>
+          <a:solidFill>
+            <a:srgbClr val="7030A0"/>
+          </a:solidFill>
+        </p:spPr>
+        <p:style>
+          <a:lnRef idx="2">
+            <a:schemeClr val="accent1">
+              <a:shade val="50000"/>
+            </a:schemeClr>
+          </a:lnRef>
+          <a:fillRef idx="1">
+            <a:schemeClr val="accent1"/>
+          </a:fillRef>
+          <a:effectRef idx="0">
+            <a:schemeClr val="accent1"/>
+          </a:effectRef>
+          <a:fontRef idx="minor">
+            <a:schemeClr val="lt1"/>
+          </a:fontRef>
+        </p:style>
+        <p:txBody>
+          <a:bodyPr rtlCol="0" anchor="ctr"/>
+          <a:lstStyle/>
+          <a:p>
+            <a:pPr algn="ctr"/>
+            <a:endParaRPr kumimoji="1" lang="ko-Kore-KR" altLang="en-US" sz="1400" dirty="0">
+              <a:solidFill>
+                <a:schemeClr val="tx1"/>
+              </a:solidFill>
+            </a:endParaRPr>
+          </a:p>
+        </p:txBody>
+      </p:sp>
+      <p:sp>
+        <p:nvSpPr>
+          <p:cNvPr id="55" name="직사각형 54">
+            <a:extLst>
+              <a:ext uri="{FF2B5EF4-FFF2-40B4-BE49-F238E27FC236}">
+                <a16:creationId xmlns:a16="http://schemas.microsoft.com/office/drawing/2014/main" id="{22D7627F-EE5F-8E90-3CB3-66D14614A742}"/>
+              </a:ext>
+            </a:extLst>
+          </p:cNvPr>
+          <p:cNvSpPr/>
+          <p:nvPr/>
+        </p:nvSpPr>
+        <p:spPr>
+          <a:xfrm>
+            <a:off x="10426886" y="4577276"/>
+            <a:ext cx="401225" cy="518917"/>
+          </a:xfrm>
+          <a:prstGeom prst="rect">
+            <a:avLst/>
+          </a:prstGeom>
+          <a:solidFill>
+            <a:srgbClr val="7030A0"/>
+          </a:solidFill>
+        </p:spPr>
+        <p:style>
+          <a:lnRef idx="2">
+            <a:schemeClr val="accent1">
+              <a:shade val="50000"/>
+            </a:schemeClr>
+          </a:lnRef>
+          <a:fillRef idx="1">
+            <a:schemeClr val="accent1"/>
+          </a:fillRef>
+          <a:effectRef idx="0">
+            <a:schemeClr val="accent1"/>
+          </a:effectRef>
+          <a:fontRef idx="minor">
+            <a:schemeClr val="lt1"/>
+          </a:fontRef>
+        </p:style>
+        <p:txBody>
+          <a:bodyPr rtlCol="0" anchor="ctr"/>
+          <a:lstStyle/>
+          <a:p>
+            <a:pPr algn="ctr"/>
+            <a:endParaRPr kumimoji="1" lang="ko-Kore-KR" altLang="en-US" sz="1400" dirty="0">
+              <a:solidFill>
+                <a:schemeClr val="tx1"/>
+              </a:solidFill>
+            </a:endParaRPr>
+          </a:p>
+        </p:txBody>
+      </p:sp>
+    </p:spTree>
+    <p:extLst>
+      <p:ext uri="{BB962C8B-B14F-4D97-AF65-F5344CB8AC3E}">
+        <p14:creationId xmlns:p14="http://schemas.microsoft.com/office/powerpoint/2010/main" val="1440800635"/>
       </p:ext>
     </p:extLst>
   </p:cSld>

--- a/220510.pptx
+++ b/220510.pptx
@@ -29,6 +29,7 @@
     <p:sldId id="277" r:id="rId23"/>
     <p:sldId id="278" r:id="rId24"/>
     <p:sldId id="279" r:id="rId25"/>
+    <p:sldId id="280" r:id="rId26"/>
   </p:sldIdLst>
   <p:sldSz cx="12192000" cy="6858000"/>
   <p:notesSz cx="6858000" cy="9144000"/>
@@ -26848,6 +26849,1259 @@
     <p:extLst>
       <p:ext uri="{BB962C8B-B14F-4D97-AF65-F5344CB8AC3E}">
         <p14:creationId xmlns:p14="http://schemas.microsoft.com/office/powerpoint/2010/main" val="1440800635"/>
+      </p:ext>
+    </p:extLst>
+  </p:cSld>
+  <p:clrMapOvr>
+    <a:masterClrMapping/>
+  </p:clrMapOvr>
+</p:sld>
+</file>
+
+<file path=ppt/slides/slide25.xml><?xml version="1.0" encoding="utf-8"?>
+<p:sld xmlns:a="http://schemas.openxmlformats.org/drawingml/2006/main" xmlns:r="http://schemas.openxmlformats.org/officeDocument/2006/relationships" xmlns:p="http://schemas.openxmlformats.org/presentationml/2006/main">
+  <p:cSld>
+    <p:spTree>
+      <p:nvGrpSpPr>
+        <p:cNvPr id="1" name=""/>
+        <p:cNvGrpSpPr/>
+        <p:nvPr/>
+      </p:nvGrpSpPr>
+      <p:grpSpPr>
+        <a:xfrm>
+          <a:off x="0" y="0"/>
+          <a:ext cx="0" cy="0"/>
+          <a:chOff x="0" y="0"/>
+          <a:chExt cx="0" cy="0"/>
+        </a:xfrm>
+      </p:grpSpPr>
+      <p:sp>
+        <p:nvSpPr>
+          <p:cNvPr id="4" name="직사각형 3">
+            <a:extLst>
+              <a:ext uri="{FF2B5EF4-FFF2-40B4-BE49-F238E27FC236}">
+                <a16:creationId xmlns:a16="http://schemas.microsoft.com/office/drawing/2014/main" id="{2783C786-A6E3-D4D7-71E1-AD9CF08888AC}"/>
+              </a:ext>
+            </a:extLst>
+          </p:cNvPr>
+          <p:cNvSpPr/>
+          <p:nvPr/>
+        </p:nvSpPr>
+        <p:spPr>
+          <a:xfrm>
+            <a:off x="-104775" y="204818"/>
+            <a:ext cx="7029450" cy="1477328"/>
+          </a:xfrm>
+          <a:prstGeom prst="rect">
+            <a:avLst/>
+          </a:prstGeom>
+        </p:spPr>
+        <p:txBody>
+          <a:bodyPr wrap="square">
+            <a:spAutoFit/>
+          </a:bodyPr>
+          <a:lstStyle/>
+          <a:p>
+            <a:r>
+              <a:rPr lang="en" altLang="ko-Kore-KR" dirty="0">
+                <a:solidFill>
+                  <a:srgbClr val="0000FF"/>
+                </a:solidFill>
+                <a:latin typeface="DM Mono" panose="020B0509040201040103" pitchFamily="49" charset="0"/>
+              </a:rPr>
+              <a:t>  const</a:t>
+            </a:r>
+            <a:r>
+              <a:rPr lang="en" altLang="ko-Kore-KR" dirty="0">
+                <a:solidFill>
+                  <a:srgbClr val="000000"/>
+                </a:solidFill>
+                <a:latin typeface="DM Mono" panose="020B0509040201040103" pitchFamily="49" charset="0"/>
+              </a:rPr>
+              <a:t> </a:t>
+            </a:r>
+            <a:r>
+              <a:rPr lang="en" altLang="ko-Kore-KR" dirty="0">
+                <a:solidFill>
+                  <a:srgbClr val="0000FF"/>
+                </a:solidFill>
+                <a:latin typeface="DM Mono" panose="020B0509040201040103" pitchFamily="49" charset="0"/>
+              </a:rPr>
+              <a:t>char</a:t>
+            </a:r>
+            <a:r>
+              <a:rPr lang="en" altLang="ko-Kore-KR" dirty="0">
+                <a:solidFill>
+                  <a:srgbClr val="000000"/>
+                </a:solidFill>
+                <a:latin typeface="DM Mono" panose="020B0509040201040103" pitchFamily="49" charset="0"/>
+              </a:rPr>
+              <a:t>* </a:t>
+            </a:r>
+            <a:r>
+              <a:rPr lang="en" altLang="ko-Kore-KR" dirty="0">
+                <a:solidFill>
+                  <a:srgbClr val="001080"/>
+                </a:solidFill>
+                <a:latin typeface="DM Mono" panose="020B0509040201040103" pitchFamily="49" charset="0"/>
+              </a:rPr>
+              <a:t>s1</a:t>
+            </a:r>
+            <a:r>
+              <a:rPr lang="en" altLang="ko-Kore-KR" dirty="0">
+                <a:solidFill>
+                  <a:srgbClr val="000000"/>
+                </a:solidFill>
+                <a:latin typeface="DM Mono" panose="020B0509040201040103" pitchFamily="49" charset="0"/>
+              </a:rPr>
+              <a:t> = </a:t>
+            </a:r>
+            <a:r>
+              <a:rPr lang="en" altLang="ko-Kore-KR" dirty="0">
+                <a:solidFill>
+                  <a:srgbClr val="A31515"/>
+                </a:solidFill>
+                <a:latin typeface="DM Mono" panose="020B0509040201040103" pitchFamily="49" charset="0"/>
+              </a:rPr>
+              <a:t>"hello"</a:t>
+            </a:r>
+            <a:r>
+              <a:rPr lang="en" altLang="ko-Kore-KR" dirty="0">
+                <a:solidFill>
+                  <a:srgbClr val="000000"/>
+                </a:solidFill>
+                <a:latin typeface="DM Mono" panose="020B0509040201040103" pitchFamily="49" charset="0"/>
+              </a:rPr>
+              <a:t>;</a:t>
+            </a:r>
+          </a:p>
+          <a:p>
+            <a:r>
+              <a:rPr lang="en" altLang="ko-Kore-KR" dirty="0">
+                <a:solidFill>
+                  <a:srgbClr val="0000FF"/>
+                </a:solidFill>
+                <a:latin typeface="DM Mono" panose="020B0509040201040103" pitchFamily="49" charset="0"/>
+              </a:rPr>
+              <a:t>  const</a:t>
+            </a:r>
+            <a:r>
+              <a:rPr lang="en" altLang="ko-Kore-KR" dirty="0">
+                <a:solidFill>
+                  <a:srgbClr val="000000"/>
+                </a:solidFill>
+                <a:latin typeface="DM Mono" panose="020B0509040201040103" pitchFamily="49" charset="0"/>
+              </a:rPr>
+              <a:t> </a:t>
+            </a:r>
+            <a:r>
+              <a:rPr lang="en" altLang="ko-Kore-KR" dirty="0">
+                <a:solidFill>
+                  <a:srgbClr val="0000FF"/>
+                </a:solidFill>
+                <a:latin typeface="DM Mono" panose="020B0509040201040103" pitchFamily="49" charset="0"/>
+              </a:rPr>
+              <a:t>char</a:t>
+            </a:r>
+            <a:r>
+              <a:rPr lang="en" altLang="ko-Kore-KR" dirty="0">
+                <a:solidFill>
+                  <a:srgbClr val="000000"/>
+                </a:solidFill>
+                <a:latin typeface="DM Mono" panose="020B0509040201040103" pitchFamily="49" charset="0"/>
+              </a:rPr>
+              <a:t>* </a:t>
+            </a:r>
+            <a:r>
+              <a:rPr lang="en" altLang="ko-Kore-KR" dirty="0">
+                <a:solidFill>
+                  <a:srgbClr val="001080"/>
+                </a:solidFill>
+                <a:latin typeface="DM Mono" panose="020B0509040201040103" pitchFamily="49" charset="0"/>
+              </a:rPr>
+              <a:t>s2</a:t>
+            </a:r>
+            <a:r>
+              <a:rPr lang="en" altLang="ko-Kore-KR" dirty="0">
+                <a:solidFill>
+                  <a:srgbClr val="000000"/>
+                </a:solidFill>
+                <a:latin typeface="DM Mono" panose="020B0509040201040103" pitchFamily="49" charset="0"/>
+              </a:rPr>
+              <a:t> = </a:t>
+            </a:r>
+            <a:r>
+              <a:rPr lang="en" altLang="ko-Kore-KR" dirty="0">
+                <a:solidFill>
+                  <a:srgbClr val="A31515"/>
+                </a:solidFill>
+                <a:latin typeface="DM Mono" panose="020B0509040201040103" pitchFamily="49" charset="0"/>
+              </a:rPr>
+              <a:t>" world"</a:t>
+            </a:r>
+            <a:r>
+              <a:rPr lang="en" altLang="ko-Kore-KR" dirty="0">
+                <a:solidFill>
+                  <a:srgbClr val="000000"/>
+                </a:solidFill>
+                <a:latin typeface="DM Mono" panose="020B0509040201040103" pitchFamily="49" charset="0"/>
+              </a:rPr>
+              <a:t>;</a:t>
+            </a:r>
+          </a:p>
+          <a:p>
+            <a:r>
+              <a:rPr lang="en" altLang="ko-Kore-KR" dirty="0">
+                <a:solidFill>
+                  <a:srgbClr val="000000"/>
+                </a:solidFill>
+                <a:latin typeface="DM Mono" panose="020B0509040201040103" pitchFamily="49" charset="0"/>
+              </a:rPr>
+              <a:t>  </a:t>
+            </a:r>
+            <a:r>
+              <a:rPr lang="en" altLang="ko-Kore-KR" dirty="0">
+                <a:solidFill>
+                  <a:srgbClr val="0000FF"/>
+                </a:solidFill>
+                <a:latin typeface="DM Mono" panose="020B0509040201040103" pitchFamily="49" charset="0"/>
+              </a:rPr>
+              <a:t>char</a:t>
+            </a:r>
+            <a:r>
+              <a:rPr lang="en" altLang="ko-Kore-KR" dirty="0">
+                <a:solidFill>
+                  <a:srgbClr val="000000"/>
+                </a:solidFill>
+                <a:latin typeface="DM Mono" panose="020B0509040201040103" pitchFamily="49" charset="0"/>
+              </a:rPr>
+              <a:t>* </a:t>
+            </a:r>
+            <a:r>
+              <a:rPr lang="en" altLang="ko-Kore-KR" dirty="0">
+                <a:solidFill>
+                  <a:srgbClr val="001080"/>
+                </a:solidFill>
+                <a:latin typeface="DM Mono" panose="020B0509040201040103" pitchFamily="49" charset="0"/>
+              </a:rPr>
+              <a:t>s</a:t>
+            </a:r>
+            <a:r>
+              <a:rPr lang="en" altLang="ko-Kore-KR" dirty="0">
+                <a:solidFill>
+                  <a:srgbClr val="000000"/>
+                </a:solidFill>
+                <a:latin typeface="DM Mono" panose="020B0509040201040103" pitchFamily="49" charset="0"/>
+              </a:rPr>
+              <a:t> = </a:t>
+            </a:r>
+            <a:r>
+              <a:rPr lang="en" altLang="ko-Kore-KR" dirty="0">
+                <a:solidFill>
+                  <a:srgbClr val="795E26"/>
+                </a:solidFill>
+                <a:latin typeface="DM Mono" panose="020B0509040201040103" pitchFamily="49" charset="0"/>
+              </a:rPr>
+              <a:t>malloc</a:t>
+            </a:r>
+            <a:r>
+              <a:rPr lang="en" altLang="ko-Kore-KR" dirty="0">
+                <a:solidFill>
+                  <a:srgbClr val="000000"/>
+                </a:solidFill>
+                <a:latin typeface="DM Mono" panose="020B0509040201040103" pitchFamily="49" charset="0"/>
+              </a:rPr>
+              <a:t>(</a:t>
+            </a:r>
+            <a:r>
+              <a:rPr lang="en" altLang="ko-Kore-KR" dirty="0" err="1">
+                <a:solidFill>
+                  <a:srgbClr val="795E26"/>
+                </a:solidFill>
+                <a:latin typeface="DM Mono" panose="020B0509040201040103" pitchFamily="49" charset="0"/>
+              </a:rPr>
+              <a:t>strlen</a:t>
+            </a:r>
+            <a:r>
+              <a:rPr lang="en" altLang="ko-Kore-KR" dirty="0">
+                <a:solidFill>
+                  <a:srgbClr val="000000"/>
+                </a:solidFill>
+                <a:latin typeface="DM Mono" panose="020B0509040201040103" pitchFamily="49" charset="0"/>
+              </a:rPr>
+              <a:t>(</a:t>
+            </a:r>
+            <a:r>
+              <a:rPr lang="en" altLang="ko-Kore-KR" dirty="0">
+                <a:solidFill>
+                  <a:srgbClr val="001080"/>
+                </a:solidFill>
+                <a:latin typeface="DM Mono" panose="020B0509040201040103" pitchFamily="49" charset="0"/>
+              </a:rPr>
+              <a:t>s1</a:t>
+            </a:r>
+            <a:r>
+              <a:rPr lang="en" altLang="ko-Kore-KR" dirty="0">
+                <a:solidFill>
+                  <a:srgbClr val="000000"/>
+                </a:solidFill>
+                <a:latin typeface="DM Mono" panose="020B0509040201040103" pitchFamily="49" charset="0"/>
+              </a:rPr>
+              <a:t>) + </a:t>
+            </a:r>
+            <a:r>
+              <a:rPr lang="en" altLang="ko-Kore-KR" dirty="0" err="1">
+                <a:solidFill>
+                  <a:srgbClr val="795E26"/>
+                </a:solidFill>
+                <a:latin typeface="DM Mono" panose="020B0509040201040103" pitchFamily="49" charset="0"/>
+              </a:rPr>
+              <a:t>strlen</a:t>
+            </a:r>
+            <a:r>
+              <a:rPr lang="en" altLang="ko-Kore-KR" dirty="0">
+                <a:solidFill>
+                  <a:srgbClr val="000000"/>
+                </a:solidFill>
+                <a:latin typeface="DM Mono" panose="020B0509040201040103" pitchFamily="49" charset="0"/>
+              </a:rPr>
+              <a:t>(</a:t>
+            </a:r>
+            <a:r>
+              <a:rPr lang="en" altLang="ko-Kore-KR" dirty="0">
+                <a:solidFill>
+                  <a:srgbClr val="001080"/>
+                </a:solidFill>
+                <a:latin typeface="DM Mono" panose="020B0509040201040103" pitchFamily="49" charset="0"/>
+              </a:rPr>
+              <a:t>s2</a:t>
+            </a:r>
+            <a:r>
+              <a:rPr lang="en" altLang="ko-Kore-KR" dirty="0">
+                <a:solidFill>
+                  <a:srgbClr val="000000"/>
+                </a:solidFill>
+                <a:latin typeface="DM Mono" panose="020B0509040201040103" pitchFamily="49" charset="0"/>
+              </a:rPr>
+              <a:t>) + </a:t>
+            </a:r>
+            <a:r>
+              <a:rPr lang="en" altLang="ko-Kore-KR" dirty="0">
+                <a:solidFill>
+                  <a:srgbClr val="098658"/>
+                </a:solidFill>
+                <a:latin typeface="DM Mono" panose="020B0509040201040103" pitchFamily="49" charset="0"/>
+              </a:rPr>
+              <a:t>1</a:t>
+            </a:r>
+            <a:r>
+              <a:rPr lang="en" altLang="ko-Kore-KR" dirty="0">
+                <a:solidFill>
+                  <a:srgbClr val="000000"/>
+                </a:solidFill>
+                <a:latin typeface="DM Mono" panose="020B0509040201040103" pitchFamily="49" charset="0"/>
+              </a:rPr>
+              <a:t>);</a:t>
+            </a:r>
+          </a:p>
+          <a:p>
+            <a:r>
+              <a:rPr lang="en" altLang="ko-Kore-KR" dirty="0">
+                <a:solidFill>
+                  <a:srgbClr val="0000FF"/>
+                </a:solidFill>
+                <a:latin typeface="DM Mono" panose="020B0509040201040103" pitchFamily="49" charset="0"/>
+              </a:rPr>
+              <a:t>  </a:t>
+            </a:r>
+            <a:r>
+              <a:rPr lang="en" altLang="ko-Kore-KR" dirty="0" err="1">
+                <a:solidFill>
+                  <a:srgbClr val="0000FF"/>
+                </a:solidFill>
+                <a:latin typeface="DM Mono" panose="020B0509040201040103" pitchFamily="49" charset="0"/>
+              </a:rPr>
+              <a:t>strcpy</a:t>
+            </a:r>
+            <a:r>
+              <a:rPr lang="en" altLang="ko-Kore-KR" dirty="0">
+                <a:solidFill>
+                  <a:srgbClr val="000000"/>
+                </a:solidFill>
+                <a:latin typeface="DM Mono" panose="020B0509040201040103" pitchFamily="49" charset="0"/>
+              </a:rPr>
+              <a:t>(</a:t>
+            </a:r>
+            <a:r>
+              <a:rPr lang="en" altLang="ko-Kore-KR" dirty="0">
+                <a:solidFill>
+                  <a:srgbClr val="001080"/>
+                </a:solidFill>
+                <a:latin typeface="DM Mono" panose="020B0509040201040103" pitchFamily="49" charset="0"/>
+              </a:rPr>
+              <a:t>s</a:t>
+            </a:r>
+            <a:r>
+              <a:rPr lang="en" altLang="ko-Kore-KR" dirty="0">
+                <a:solidFill>
+                  <a:srgbClr val="000000"/>
+                </a:solidFill>
+                <a:latin typeface="DM Mono" panose="020B0509040201040103" pitchFamily="49" charset="0"/>
+              </a:rPr>
+              <a:t>, </a:t>
+            </a:r>
+            <a:r>
+              <a:rPr lang="en" altLang="ko-Kore-KR" dirty="0">
+                <a:solidFill>
+                  <a:srgbClr val="001080"/>
+                </a:solidFill>
+                <a:latin typeface="DM Mono" panose="020B0509040201040103" pitchFamily="49" charset="0"/>
+              </a:rPr>
+              <a:t>s1</a:t>
+            </a:r>
+            <a:r>
+              <a:rPr lang="en" altLang="ko-Kore-KR" dirty="0">
+                <a:solidFill>
+                  <a:srgbClr val="000000"/>
+                </a:solidFill>
+                <a:latin typeface="DM Mono" panose="020B0509040201040103" pitchFamily="49" charset="0"/>
+              </a:rPr>
+              <a:t>); </a:t>
+            </a:r>
+            <a:r>
+              <a:rPr lang="en" altLang="ko-Kore-KR" dirty="0">
+                <a:solidFill>
+                  <a:srgbClr val="008000"/>
+                </a:solidFill>
+                <a:latin typeface="DM Mono" panose="020B0509040201040103" pitchFamily="49" charset="0"/>
+              </a:rPr>
+              <a:t>// "hello"</a:t>
+            </a:r>
+            <a:endParaRPr lang="en" altLang="ko-Kore-KR" dirty="0">
+              <a:solidFill>
+                <a:srgbClr val="000000"/>
+              </a:solidFill>
+              <a:latin typeface="DM Mono" panose="020B0509040201040103" pitchFamily="49" charset="0"/>
+            </a:endParaRPr>
+          </a:p>
+          <a:p>
+            <a:r>
+              <a:rPr lang="en" altLang="ko-Kore-KR" dirty="0">
+                <a:solidFill>
+                  <a:srgbClr val="0000FF"/>
+                </a:solidFill>
+                <a:latin typeface="DM Mono" panose="020B0509040201040103" pitchFamily="49" charset="0"/>
+              </a:rPr>
+              <a:t>  </a:t>
+            </a:r>
+            <a:r>
+              <a:rPr lang="en" altLang="ko-Kore-KR" dirty="0" err="1">
+                <a:solidFill>
+                  <a:srgbClr val="0000FF"/>
+                </a:solidFill>
+                <a:latin typeface="DM Mono" panose="020B0509040201040103" pitchFamily="49" charset="0"/>
+              </a:rPr>
+              <a:t>strcat</a:t>
+            </a:r>
+            <a:r>
+              <a:rPr lang="en" altLang="ko-Kore-KR" dirty="0">
+                <a:solidFill>
+                  <a:srgbClr val="000000"/>
+                </a:solidFill>
+                <a:latin typeface="DM Mono" panose="020B0509040201040103" pitchFamily="49" charset="0"/>
+              </a:rPr>
+              <a:t>(</a:t>
+            </a:r>
+            <a:r>
+              <a:rPr lang="en" altLang="ko-Kore-KR" dirty="0">
+                <a:solidFill>
+                  <a:srgbClr val="001080"/>
+                </a:solidFill>
+                <a:latin typeface="DM Mono" panose="020B0509040201040103" pitchFamily="49" charset="0"/>
+              </a:rPr>
+              <a:t>s</a:t>
+            </a:r>
+            <a:r>
+              <a:rPr lang="en" altLang="ko-Kore-KR" dirty="0">
+                <a:solidFill>
+                  <a:srgbClr val="000000"/>
+                </a:solidFill>
+                <a:latin typeface="DM Mono" panose="020B0509040201040103" pitchFamily="49" charset="0"/>
+              </a:rPr>
+              <a:t>, </a:t>
+            </a:r>
+            <a:r>
+              <a:rPr lang="en" altLang="ko-Kore-KR" dirty="0">
+                <a:solidFill>
+                  <a:srgbClr val="001080"/>
+                </a:solidFill>
+                <a:latin typeface="DM Mono" panose="020B0509040201040103" pitchFamily="49" charset="0"/>
+              </a:rPr>
+              <a:t>s2</a:t>
+            </a:r>
+            <a:r>
+              <a:rPr lang="en" altLang="ko-Kore-KR" dirty="0">
+                <a:solidFill>
+                  <a:srgbClr val="000000"/>
+                </a:solidFill>
+                <a:latin typeface="DM Mono" panose="020B0509040201040103" pitchFamily="49" charset="0"/>
+              </a:rPr>
+              <a:t>); </a:t>
+            </a:r>
+            <a:r>
+              <a:rPr lang="en" altLang="ko-Kore-KR" dirty="0">
+                <a:solidFill>
+                  <a:srgbClr val="008000"/>
+                </a:solidFill>
+                <a:latin typeface="DM Mono" panose="020B0509040201040103" pitchFamily="49" charset="0"/>
+              </a:rPr>
+              <a:t>// "hello world"</a:t>
+            </a:r>
+            <a:endParaRPr lang="en" altLang="ko-Kore-KR" dirty="0">
+              <a:solidFill>
+                <a:srgbClr val="000000"/>
+              </a:solidFill>
+              <a:latin typeface="DM Mono" panose="020B0509040201040103" pitchFamily="49" charset="0"/>
+            </a:endParaRPr>
+          </a:p>
+        </p:txBody>
+      </p:sp>
+      <p:sp>
+        <p:nvSpPr>
+          <p:cNvPr id="56" name="직사각형 55">
+            <a:extLst>
+              <a:ext uri="{FF2B5EF4-FFF2-40B4-BE49-F238E27FC236}">
+                <a16:creationId xmlns:a16="http://schemas.microsoft.com/office/drawing/2014/main" id="{FF9E2F85-7677-DD05-BB3E-DD0DD020534F}"/>
+              </a:ext>
+            </a:extLst>
+          </p:cNvPr>
+          <p:cNvSpPr/>
+          <p:nvPr/>
+        </p:nvSpPr>
+        <p:spPr>
+          <a:xfrm>
+            <a:off x="2953720" y="2566567"/>
+            <a:ext cx="401225" cy="518917"/>
+          </a:xfrm>
+          <a:prstGeom prst="rect">
+            <a:avLst/>
+          </a:prstGeom>
+          <a:solidFill>
+            <a:srgbClr val="FFFF00"/>
+          </a:solidFill>
+        </p:spPr>
+        <p:style>
+          <a:lnRef idx="2">
+            <a:schemeClr val="accent1">
+              <a:shade val="50000"/>
+            </a:schemeClr>
+          </a:lnRef>
+          <a:fillRef idx="1">
+            <a:schemeClr val="accent1"/>
+          </a:fillRef>
+          <a:effectRef idx="0">
+            <a:schemeClr val="accent1"/>
+          </a:effectRef>
+          <a:fontRef idx="minor">
+            <a:schemeClr val="lt1"/>
+          </a:fontRef>
+        </p:style>
+        <p:txBody>
+          <a:bodyPr rtlCol="0" anchor="ctr"/>
+          <a:lstStyle/>
+          <a:p>
+            <a:pPr algn="ctr"/>
+            <a:r>
+              <a:rPr kumimoji="1" lang="en-US" altLang="ko-Kore-KR" sz="1400" dirty="0">
+                <a:solidFill>
+                  <a:schemeClr val="tx1"/>
+                </a:solidFill>
+              </a:rPr>
+              <a:t>h</a:t>
+            </a:r>
+            <a:endParaRPr kumimoji="1" lang="ko-Kore-KR" altLang="en-US" sz="1400" dirty="0">
+              <a:solidFill>
+                <a:schemeClr val="tx1"/>
+              </a:solidFill>
+            </a:endParaRPr>
+          </a:p>
+        </p:txBody>
+      </p:sp>
+      <p:sp>
+        <p:nvSpPr>
+          <p:cNvPr id="57" name="직사각형 56">
+            <a:extLst>
+              <a:ext uri="{FF2B5EF4-FFF2-40B4-BE49-F238E27FC236}">
+                <a16:creationId xmlns:a16="http://schemas.microsoft.com/office/drawing/2014/main" id="{F149CA64-80DD-1E91-5DEE-65F8773072C1}"/>
+              </a:ext>
+            </a:extLst>
+          </p:cNvPr>
+          <p:cNvSpPr/>
+          <p:nvPr/>
+        </p:nvSpPr>
+        <p:spPr>
+          <a:xfrm>
+            <a:off x="3354945" y="2566566"/>
+            <a:ext cx="401225" cy="518917"/>
+          </a:xfrm>
+          <a:prstGeom prst="rect">
+            <a:avLst/>
+          </a:prstGeom>
+          <a:solidFill>
+            <a:srgbClr val="FFFF00"/>
+          </a:solidFill>
+        </p:spPr>
+        <p:style>
+          <a:lnRef idx="2">
+            <a:schemeClr val="accent1">
+              <a:shade val="50000"/>
+            </a:schemeClr>
+          </a:lnRef>
+          <a:fillRef idx="1">
+            <a:schemeClr val="accent1"/>
+          </a:fillRef>
+          <a:effectRef idx="0">
+            <a:schemeClr val="accent1"/>
+          </a:effectRef>
+          <a:fontRef idx="minor">
+            <a:schemeClr val="lt1"/>
+          </a:fontRef>
+        </p:style>
+        <p:txBody>
+          <a:bodyPr rtlCol="0" anchor="ctr"/>
+          <a:lstStyle/>
+          <a:p>
+            <a:pPr algn="ctr"/>
+            <a:r>
+              <a:rPr kumimoji="1" lang="en-US" altLang="ko-Kore-KR" sz="1400" dirty="0">
+                <a:solidFill>
+                  <a:schemeClr val="tx1"/>
+                </a:solidFill>
+              </a:rPr>
+              <a:t>e</a:t>
+            </a:r>
+            <a:endParaRPr kumimoji="1" lang="ko-Kore-KR" altLang="en-US" sz="1400" dirty="0">
+              <a:solidFill>
+                <a:schemeClr val="tx1"/>
+              </a:solidFill>
+            </a:endParaRPr>
+          </a:p>
+        </p:txBody>
+      </p:sp>
+      <p:sp>
+        <p:nvSpPr>
+          <p:cNvPr id="58" name="직사각형 57">
+            <a:extLst>
+              <a:ext uri="{FF2B5EF4-FFF2-40B4-BE49-F238E27FC236}">
+                <a16:creationId xmlns:a16="http://schemas.microsoft.com/office/drawing/2014/main" id="{11588F5A-A711-5F5E-51F5-2B1C98C8C293}"/>
+              </a:ext>
+            </a:extLst>
+          </p:cNvPr>
+          <p:cNvSpPr/>
+          <p:nvPr/>
+        </p:nvSpPr>
+        <p:spPr>
+          <a:xfrm>
+            <a:off x="3756170" y="2566566"/>
+            <a:ext cx="401225" cy="518917"/>
+          </a:xfrm>
+          <a:prstGeom prst="rect">
+            <a:avLst/>
+          </a:prstGeom>
+          <a:solidFill>
+            <a:srgbClr val="FFFF00"/>
+          </a:solidFill>
+        </p:spPr>
+        <p:style>
+          <a:lnRef idx="2">
+            <a:schemeClr val="accent1">
+              <a:shade val="50000"/>
+            </a:schemeClr>
+          </a:lnRef>
+          <a:fillRef idx="1">
+            <a:schemeClr val="accent1"/>
+          </a:fillRef>
+          <a:effectRef idx="0">
+            <a:schemeClr val="accent1"/>
+          </a:effectRef>
+          <a:fontRef idx="minor">
+            <a:schemeClr val="lt1"/>
+          </a:fontRef>
+        </p:style>
+        <p:txBody>
+          <a:bodyPr rtlCol="0" anchor="ctr"/>
+          <a:lstStyle/>
+          <a:p>
+            <a:pPr algn="ctr"/>
+            <a:r>
+              <a:rPr kumimoji="1" lang="en-US" altLang="ko-Kore-KR" sz="1400" dirty="0">
+                <a:solidFill>
+                  <a:schemeClr val="tx1"/>
+                </a:solidFill>
+              </a:rPr>
+              <a:t>l</a:t>
+            </a:r>
+            <a:endParaRPr kumimoji="1" lang="ko-Kore-KR" altLang="en-US" sz="1400" dirty="0">
+              <a:solidFill>
+                <a:schemeClr val="tx1"/>
+              </a:solidFill>
+            </a:endParaRPr>
+          </a:p>
+        </p:txBody>
+      </p:sp>
+      <p:sp>
+        <p:nvSpPr>
+          <p:cNvPr id="59" name="직사각형 58">
+            <a:extLst>
+              <a:ext uri="{FF2B5EF4-FFF2-40B4-BE49-F238E27FC236}">
+                <a16:creationId xmlns:a16="http://schemas.microsoft.com/office/drawing/2014/main" id="{C3D22F9F-913A-CAFB-9D48-18D4AFE11D74}"/>
+              </a:ext>
+            </a:extLst>
+          </p:cNvPr>
+          <p:cNvSpPr/>
+          <p:nvPr/>
+        </p:nvSpPr>
+        <p:spPr>
+          <a:xfrm>
+            <a:off x="4157395" y="2566566"/>
+            <a:ext cx="401225" cy="518917"/>
+          </a:xfrm>
+          <a:prstGeom prst="rect">
+            <a:avLst/>
+          </a:prstGeom>
+          <a:solidFill>
+            <a:srgbClr val="FFFF00"/>
+          </a:solidFill>
+        </p:spPr>
+        <p:style>
+          <a:lnRef idx="2">
+            <a:schemeClr val="accent1">
+              <a:shade val="50000"/>
+            </a:schemeClr>
+          </a:lnRef>
+          <a:fillRef idx="1">
+            <a:schemeClr val="accent1"/>
+          </a:fillRef>
+          <a:effectRef idx="0">
+            <a:schemeClr val="accent1"/>
+          </a:effectRef>
+          <a:fontRef idx="minor">
+            <a:schemeClr val="lt1"/>
+          </a:fontRef>
+        </p:style>
+        <p:txBody>
+          <a:bodyPr rtlCol="0" anchor="ctr"/>
+          <a:lstStyle/>
+          <a:p>
+            <a:pPr algn="ctr"/>
+            <a:r>
+              <a:rPr kumimoji="1" lang="en-US" altLang="ko-Kore-KR" sz="1400" dirty="0">
+                <a:solidFill>
+                  <a:schemeClr val="tx1"/>
+                </a:solidFill>
+              </a:rPr>
+              <a:t>l</a:t>
+            </a:r>
+            <a:endParaRPr kumimoji="1" lang="ko-Kore-KR" altLang="en-US" sz="1400" dirty="0">
+              <a:solidFill>
+                <a:schemeClr val="tx1"/>
+              </a:solidFill>
+            </a:endParaRPr>
+          </a:p>
+        </p:txBody>
+      </p:sp>
+      <p:sp>
+        <p:nvSpPr>
+          <p:cNvPr id="60" name="직사각형 59">
+            <a:extLst>
+              <a:ext uri="{FF2B5EF4-FFF2-40B4-BE49-F238E27FC236}">
+                <a16:creationId xmlns:a16="http://schemas.microsoft.com/office/drawing/2014/main" id="{D3E6B758-529F-5F8D-A241-843EE7FE22E7}"/>
+              </a:ext>
+            </a:extLst>
+          </p:cNvPr>
+          <p:cNvSpPr/>
+          <p:nvPr/>
+        </p:nvSpPr>
+        <p:spPr>
+          <a:xfrm>
+            <a:off x="4558620" y="2566566"/>
+            <a:ext cx="401225" cy="518917"/>
+          </a:xfrm>
+          <a:prstGeom prst="rect">
+            <a:avLst/>
+          </a:prstGeom>
+          <a:solidFill>
+            <a:srgbClr val="FFFF00"/>
+          </a:solidFill>
+        </p:spPr>
+        <p:style>
+          <a:lnRef idx="2">
+            <a:schemeClr val="accent1">
+              <a:shade val="50000"/>
+            </a:schemeClr>
+          </a:lnRef>
+          <a:fillRef idx="1">
+            <a:schemeClr val="accent1"/>
+          </a:fillRef>
+          <a:effectRef idx="0">
+            <a:schemeClr val="accent1"/>
+          </a:effectRef>
+          <a:fontRef idx="minor">
+            <a:schemeClr val="lt1"/>
+          </a:fontRef>
+        </p:style>
+        <p:txBody>
+          <a:bodyPr rtlCol="0" anchor="ctr"/>
+          <a:lstStyle/>
+          <a:p>
+            <a:pPr algn="ctr"/>
+            <a:r>
+              <a:rPr kumimoji="1" lang="en-US" altLang="ko-Kore-KR" sz="1400" dirty="0">
+                <a:solidFill>
+                  <a:schemeClr val="tx1"/>
+                </a:solidFill>
+              </a:rPr>
+              <a:t>o</a:t>
+            </a:r>
+            <a:endParaRPr kumimoji="1" lang="ko-Kore-KR" altLang="en-US" sz="1400" dirty="0">
+              <a:solidFill>
+                <a:schemeClr val="tx1"/>
+              </a:solidFill>
+            </a:endParaRPr>
+          </a:p>
+        </p:txBody>
+      </p:sp>
+      <p:sp>
+        <p:nvSpPr>
+          <p:cNvPr id="61" name="직사각형 60">
+            <a:extLst>
+              <a:ext uri="{FF2B5EF4-FFF2-40B4-BE49-F238E27FC236}">
+                <a16:creationId xmlns:a16="http://schemas.microsoft.com/office/drawing/2014/main" id="{7460F426-096F-DDE3-EB3E-3A4A7E01B044}"/>
+              </a:ext>
+            </a:extLst>
+          </p:cNvPr>
+          <p:cNvSpPr/>
+          <p:nvPr/>
+        </p:nvSpPr>
+        <p:spPr>
+          <a:xfrm>
+            <a:off x="4959844" y="2566563"/>
+            <a:ext cx="401225" cy="518917"/>
+          </a:xfrm>
+          <a:prstGeom prst="rect">
+            <a:avLst/>
+          </a:prstGeom>
+          <a:solidFill>
+            <a:srgbClr val="FFFF00"/>
+          </a:solidFill>
+        </p:spPr>
+        <p:style>
+          <a:lnRef idx="2">
+            <a:schemeClr val="accent1">
+              <a:shade val="50000"/>
+            </a:schemeClr>
+          </a:lnRef>
+          <a:fillRef idx="1">
+            <a:schemeClr val="accent1"/>
+          </a:fillRef>
+          <a:effectRef idx="0">
+            <a:schemeClr val="accent1"/>
+          </a:effectRef>
+          <a:fontRef idx="minor">
+            <a:schemeClr val="lt1"/>
+          </a:fontRef>
+        </p:style>
+        <p:txBody>
+          <a:bodyPr rtlCol="0" anchor="ctr"/>
+          <a:lstStyle/>
+          <a:p>
+            <a:pPr algn="ctr"/>
+            <a:r>
+              <a:rPr kumimoji="1" lang="en-US" altLang="ko-Kore-KR" sz="1400" dirty="0">
+                <a:solidFill>
+                  <a:srgbClr val="FF0000"/>
+                </a:solidFill>
+              </a:rPr>
+              <a:t>’ ‘</a:t>
+            </a:r>
+            <a:endParaRPr kumimoji="1" lang="ko-Kore-KR" altLang="en-US" sz="1400" dirty="0">
+              <a:solidFill>
+                <a:srgbClr val="FF0000"/>
+              </a:solidFill>
+            </a:endParaRPr>
+          </a:p>
+        </p:txBody>
+      </p:sp>
+      <p:sp>
+        <p:nvSpPr>
+          <p:cNvPr id="62" name="직사각형 61">
+            <a:extLst>
+              <a:ext uri="{FF2B5EF4-FFF2-40B4-BE49-F238E27FC236}">
+                <a16:creationId xmlns:a16="http://schemas.microsoft.com/office/drawing/2014/main" id="{92D23C52-0082-E44D-5EF4-FA9219C9178C}"/>
+              </a:ext>
+            </a:extLst>
+          </p:cNvPr>
+          <p:cNvSpPr/>
+          <p:nvPr/>
+        </p:nvSpPr>
+        <p:spPr>
+          <a:xfrm>
+            <a:off x="5361070" y="2566566"/>
+            <a:ext cx="401225" cy="518917"/>
+          </a:xfrm>
+          <a:prstGeom prst="rect">
+            <a:avLst/>
+          </a:prstGeom>
+          <a:solidFill>
+            <a:srgbClr val="FFFF00"/>
+          </a:solidFill>
+        </p:spPr>
+        <p:style>
+          <a:lnRef idx="2">
+            <a:schemeClr val="accent1">
+              <a:shade val="50000"/>
+            </a:schemeClr>
+          </a:lnRef>
+          <a:fillRef idx="1">
+            <a:schemeClr val="accent1"/>
+          </a:fillRef>
+          <a:effectRef idx="0">
+            <a:schemeClr val="accent1"/>
+          </a:effectRef>
+          <a:fontRef idx="minor">
+            <a:schemeClr val="lt1"/>
+          </a:fontRef>
+        </p:style>
+        <p:txBody>
+          <a:bodyPr rtlCol="0" anchor="ctr"/>
+          <a:lstStyle/>
+          <a:p>
+            <a:pPr algn="ctr"/>
+            <a:r>
+              <a:rPr kumimoji="1" lang="en-US" altLang="ko-Kore-KR" sz="1400" dirty="0">
+                <a:solidFill>
+                  <a:schemeClr val="tx1"/>
+                </a:solidFill>
+              </a:rPr>
+              <a:t>w</a:t>
+            </a:r>
+            <a:endParaRPr kumimoji="1" lang="ko-Kore-KR" altLang="en-US" sz="1400" dirty="0">
+              <a:solidFill>
+                <a:schemeClr val="tx1"/>
+              </a:solidFill>
+            </a:endParaRPr>
+          </a:p>
+        </p:txBody>
+      </p:sp>
+      <p:sp>
+        <p:nvSpPr>
+          <p:cNvPr id="63" name="직사각형 62">
+            <a:extLst>
+              <a:ext uri="{FF2B5EF4-FFF2-40B4-BE49-F238E27FC236}">
+                <a16:creationId xmlns:a16="http://schemas.microsoft.com/office/drawing/2014/main" id="{036FA74A-2070-DD77-8565-57D7706E76A8}"/>
+              </a:ext>
+            </a:extLst>
+          </p:cNvPr>
+          <p:cNvSpPr/>
+          <p:nvPr/>
+        </p:nvSpPr>
+        <p:spPr>
+          <a:xfrm>
+            <a:off x="5762295" y="2566566"/>
+            <a:ext cx="401225" cy="518917"/>
+          </a:xfrm>
+          <a:prstGeom prst="rect">
+            <a:avLst/>
+          </a:prstGeom>
+          <a:solidFill>
+            <a:srgbClr val="FFFF00"/>
+          </a:solidFill>
+        </p:spPr>
+        <p:style>
+          <a:lnRef idx="2">
+            <a:schemeClr val="accent1">
+              <a:shade val="50000"/>
+            </a:schemeClr>
+          </a:lnRef>
+          <a:fillRef idx="1">
+            <a:schemeClr val="accent1"/>
+          </a:fillRef>
+          <a:effectRef idx="0">
+            <a:schemeClr val="accent1"/>
+          </a:effectRef>
+          <a:fontRef idx="minor">
+            <a:schemeClr val="lt1"/>
+          </a:fontRef>
+        </p:style>
+        <p:txBody>
+          <a:bodyPr rtlCol="0" anchor="ctr"/>
+          <a:lstStyle/>
+          <a:p>
+            <a:pPr algn="ctr"/>
+            <a:r>
+              <a:rPr kumimoji="1" lang="en-US" altLang="ko-Kore-KR" sz="1400" dirty="0">
+                <a:solidFill>
+                  <a:schemeClr val="tx1"/>
+                </a:solidFill>
+              </a:rPr>
+              <a:t>o</a:t>
+            </a:r>
+            <a:endParaRPr kumimoji="1" lang="ko-Kore-KR" altLang="en-US" sz="1400" dirty="0">
+              <a:solidFill>
+                <a:schemeClr val="tx1"/>
+              </a:solidFill>
+            </a:endParaRPr>
+          </a:p>
+        </p:txBody>
+      </p:sp>
+      <p:sp>
+        <p:nvSpPr>
+          <p:cNvPr id="64" name="직사각형 63">
+            <a:extLst>
+              <a:ext uri="{FF2B5EF4-FFF2-40B4-BE49-F238E27FC236}">
+                <a16:creationId xmlns:a16="http://schemas.microsoft.com/office/drawing/2014/main" id="{A15078A1-691C-244C-2846-7792BB39BC41}"/>
+              </a:ext>
+            </a:extLst>
+          </p:cNvPr>
+          <p:cNvSpPr/>
+          <p:nvPr/>
+        </p:nvSpPr>
+        <p:spPr>
+          <a:xfrm>
+            <a:off x="6163520" y="2566566"/>
+            <a:ext cx="401225" cy="518917"/>
+          </a:xfrm>
+          <a:prstGeom prst="rect">
+            <a:avLst/>
+          </a:prstGeom>
+          <a:solidFill>
+            <a:srgbClr val="FFFF00"/>
+          </a:solidFill>
+        </p:spPr>
+        <p:style>
+          <a:lnRef idx="2">
+            <a:schemeClr val="accent1">
+              <a:shade val="50000"/>
+            </a:schemeClr>
+          </a:lnRef>
+          <a:fillRef idx="1">
+            <a:schemeClr val="accent1"/>
+          </a:fillRef>
+          <a:effectRef idx="0">
+            <a:schemeClr val="accent1"/>
+          </a:effectRef>
+          <a:fontRef idx="minor">
+            <a:schemeClr val="lt1"/>
+          </a:fontRef>
+        </p:style>
+        <p:txBody>
+          <a:bodyPr rtlCol="0" anchor="ctr"/>
+          <a:lstStyle/>
+          <a:p>
+            <a:pPr algn="ctr"/>
+            <a:r>
+              <a:rPr kumimoji="1" lang="en-US" altLang="ko-Kore-KR" sz="1400" dirty="0">
+                <a:solidFill>
+                  <a:schemeClr val="tx1"/>
+                </a:solidFill>
+              </a:rPr>
+              <a:t>r</a:t>
+            </a:r>
+            <a:endParaRPr kumimoji="1" lang="ko-Kore-KR" altLang="en-US" sz="1400" dirty="0">
+              <a:solidFill>
+                <a:schemeClr val="tx1"/>
+              </a:solidFill>
+            </a:endParaRPr>
+          </a:p>
+        </p:txBody>
+      </p:sp>
+      <p:sp>
+        <p:nvSpPr>
+          <p:cNvPr id="65" name="직사각형 64">
+            <a:extLst>
+              <a:ext uri="{FF2B5EF4-FFF2-40B4-BE49-F238E27FC236}">
+                <a16:creationId xmlns:a16="http://schemas.microsoft.com/office/drawing/2014/main" id="{33A25314-AF9D-D986-1D7C-9077BDC55D7D}"/>
+              </a:ext>
+            </a:extLst>
+          </p:cNvPr>
+          <p:cNvSpPr/>
+          <p:nvPr/>
+        </p:nvSpPr>
+        <p:spPr>
+          <a:xfrm>
+            <a:off x="6564745" y="2566566"/>
+            <a:ext cx="401225" cy="518917"/>
+          </a:xfrm>
+          <a:prstGeom prst="rect">
+            <a:avLst/>
+          </a:prstGeom>
+          <a:solidFill>
+            <a:srgbClr val="FFFF00"/>
+          </a:solidFill>
+        </p:spPr>
+        <p:style>
+          <a:lnRef idx="2">
+            <a:schemeClr val="accent1">
+              <a:shade val="50000"/>
+            </a:schemeClr>
+          </a:lnRef>
+          <a:fillRef idx="1">
+            <a:schemeClr val="accent1"/>
+          </a:fillRef>
+          <a:effectRef idx="0">
+            <a:schemeClr val="accent1"/>
+          </a:effectRef>
+          <a:fontRef idx="minor">
+            <a:schemeClr val="lt1"/>
+          </a:fontRef>
+        </p:style>
+        <p:txBody>
+          <a:bodyPr rtlCol="0" anchor="ctr"/>
+          <a:lstStyle/>
+          <a:p>
+            <a:pPr algn="ctr"/>
+            <a:r>
+              <a:rPr kumimoji="1" lang="en-US" altLang="ko-Kore-KR" sz="1400" dirty="0">
+                <a:solidFill>
+                  <a:schemeClr val="tx1"/>
+                </a:solidFill>
+              </a:rPr>
+              <a:t>l</a:t>
+            </a:r>
+            <a:endParaRPr kumimoji="1" lang="ko-Kore-KR" altLang="en-US" sz="1400" dirty="0">
+              <a:solidFill>
+                <a:schemeClr val="tx1"/>
+              </a:solidFill>
+            </a:endParaRPr>
+          </a:p>
+        </p:txBody>
+      </p:sp>
+      <p:sp>
+        <p:nvSpPr>
+          <p:cNvPr id="66" name="직사각형 65">
+            <a:extLst>
+              <a:ext uri="{FF2B5EF4-FFF2-40B4-BE49-F238E27FC236}">
+                <a16:creationId xmlns:a16="http://schemas.microsoft.com/office/drawing/2014/main" id="{EE70C925-F27D-2907-30E9-686847DFF06B}"/>
+              </a:ext>
+            </a:extLst>
+          </p:cNvPr>
+          <p:cNvSpPr/>
+          <p:nvPr/>
+        </p:nvSpPr>
+        <p:spPr>
+          <a:xfrm>
+            <a:off x="6965970" y="2566565"/>
+            <a:ext cx="401225" cy="518917"/>
+          </a:xfrm>
+          <a:prstGeom prst="rect">
+            <a:avLst/>
+          </a:prstGeom>
+          <a:solidFill>
+            <a:srgbClr val="FFFF00"/>
+          </a:solidFill>
+        </p:spPr>
+        <p:style>
+          <a:lnRef idx="2">
+            <a:schemeClr val="accent1">
+              <a:shade val="50000"/>
+            </a:schemeClr>
+          </a:lnRef>
+          <a:fillRef idx="1">
+            <a:schemeClr val="accent1"/>
+          </a:fillRef>
+          <a:effectRef idx="0">
+            <a:schemeClr val="accent1"/>
+          </a:effectRef>
+          <a:fontRef idx="minor">
+            <a:schemeClr val="lt1"/>
+          </a:fontRef>
+        </p:style>
+        <p:txBody>
+          <a:bodyPr rtlCol="0" anchor="ctr"/>
+          <a:lstStyle/>
+          <a:p>
+            <a:pPr algn="ctr"/>
+            <a:r>
+              <a:rPr kumimoji="1" lang="en-US" altLang="ko-Kore-KR" sz="1400" dirty="0">
+                <a:solidFill>
+                  <a:schemeClr val="tx1"/>
+                </a:solidFill>
+              </a:rPr>
+              <a:t>d</a:t>
+            </a:r>
+            <a:endParaRPr kumimoji="1" lang="ko-Kore-KR" altLang="en-US" sz="1400" dirty="0">
+              <a:solidFill>
+                <a:schemeClr val="tx1"/>
+              </a:solidFill>
+            </a:endParaRPr>
+          </a:p>
+        </p:txBody>
+      </p:sp>
+      <p:sp>
+        <p:nvSpPr>
+          <p:cNvPr id="67" name="직사각형 66">
+            <a:extLst>
+              <a:ext uri="{FF2B5EF4-FFF2-40B4-BE49-F238E27FC236}">
+                <a16:creationId xmlns:a16="http://schemas.microsoft.com/office/drawing/2014/main" id="{E875AF87-786D-559C-728C-0F0086A36B70}"/>
+              </a:ext>
+            </a:extLst>
+          </p:cNvPr>
+          <p:cNvSpPr/>
+          <p:nvPr/>
+        </p:nvSpPr>
+        <p:spPr>
+          <a:xfrm>
+            <a:off x="7367195" y="2566564"/>
+            <a:ext cx="401225" cy="518917"/>
+          </a:xfrm>
+          <a:prstGeom prst="rect">
+            <a:avLst/>
+          </a:prstGeom>
+          <a:solidFill>
+            <a:srgbClr val="FFFF00"/>
+          </a:solidFill>
+        </p:spPr>
+        <p:style>
+          <a:lnRef idx="2">
+            <a:schemeClr val="accent1">
+              <a:shade val="50000"/>
+            </a:schemeClr>
+          </a:lnRef>
+          <a:fillRef idx="1">
+            <a:schemeClr val="accent1"/>
+          </a:fillRef>
+          <a:effectRef idx="0">
+            <a:schemeClr val="accent1"/>
+          </a:effectRef>
+          <a:fontRef idx="minor">
+            <a:schemeClr val="lt1"/>
+          </a:fontRef>
+        </p:style>
+        <p:txBody>
+          <a:bodyPr rtlCol="0" anchor="ctr"/>
+          <a:lstStyle/>
+          <a:p>
+            <a:pPr algn="ctr"/>
+            <a:r>
+              <a:rPr kumimoji="1" lang="en-US" altLang="ko-Kore-KR" sz="1400" dirty="0">
+                <a:solidFill>
+                  <a:schemeClr val="tx1"/>
+                </a:solidFill>
+              </a:rPr>
+              <a:t>\0</a:t>
+            </a:r>
+            <a:endParaRPr kumimoji="1" lang="ko-Kore-KR" altLang="en-US" sz="1400" dirty="0">
+              <a:solidFill>
+                <a:schemeClr val="tx1"/>
+              </a:solidFill>
+            </a:endParaRPr>
+          </a:p>
+        </p:txBody>
+      </p:sp>
+    </p:spTree>
+    <p:extLst>
+      <p:ext uri="{BB962C8B-B14F-4D97-AF65-F5344CB8AC3E}">
+        <p14:creationId xmlns:p14="http://schemas.microsoft.com/office/powerpoint/2010/main" val="1329658118"/>
       </p:ext>
     </p:extLst>
   </p:cSld>

--- a/220510.pptx
+++ b/220510.pptx
@@ -30,6 +30,8 @@
     <p:sldId id="278" r:id="rId24"/>
     <p:sldId id="279" r:id="rId25"/>
     <p:sldId id="280" r:id="rId26"/>
+    <p:sldId id="281" r:id="rId27"/>
+    <p:sldId id="282" r:id="rId28"/>
   </p:sldIdLst>
   <p:sldSz cx="12192000" cy="6858000"/>
   <p:notesSz cx="6858000" cy="9144000"/>
@@ -28102,6 +28104,3621 @@
     <p:extLst>
       <p:ext uri="{BB962C8B-B14F-4D97-AF65-F5344CB8AC3E}">
         <p14:creationId xmlns:p14="http://schemas.microsoft.com/office/powerpoint/2010/main" val="1329658118"/>
+      </p:ext>
+    </p:extLst>
+  </p:cSld>
+  <p:clrMapOvr>
+    <a:masterClrMapping/>
+  </p:clrMapOvr>
+</p:sld>
+</file>
+
+<file path=ppt/slides/slide26.xml><?xml version="1.0" encoding="utf-8"?>
+<p:sld xmlns:a="http://schemas.openxmlformats.org/drawingml/2006/main" xmlns:r="http://schemas.openxmlformats.org/officeDocument/2006/relationships" xmlns:p="http://schemas.openxmlformats.org/presentationml/2006/main">
+  <p:cSld>
+    <p:spTree>
+      <p:nvGrpSpPr>
+        <p:cNvPr id="1" name=""/>
+        <p:cNvGrpSpPr/>
+        <p:nvPr/>
+      </p:nvGrpSpPr>
+      <p:grpSpPr>
+        <a:xfrm>
+          <a:off x="0" y="0"/>
+          <a:ext cx="0" cy="0"/>
+          <a:chOff x="0" y="0"/>
+          <a:chExt cx="0" cy="0"/>
+        </a:xfrm>
+      </p:grpSpPr>
+      <p:sp>
+        <p:nvSpPr>
+          <p:cNvPr id="4" name="직사각형 3">
+            <a:extLst>
+              <a:ext uri="{FF2B5EF4-FFF2-40B4-BE49-F238E27FC236}">
+                <a16:creationId xmlns:a16="http://schemas.microsoft.com/office/drawing/2014/main" id="{2783C786-A6E3-D4D7-71E1-AD9CF08888AC}"/>
+              </a:ext>
+            </a:extLst>
+          </p:cNvPr>
+          <p:cNvSpPr/>
+          <p:nvPr/>
+        </p:nvSpPr>
+        <p:spPr>
+          <a:xfrm>
+            <a:off x="276225" y="109568"/>
+            <a:ext cx="6210300" cy="4524315"/>
+          </a:xfrm>
+          <a:prstGeom prst="rect">
+            <a:avLst/>
+          </a:prstGeom>
+        </p:spPr>
+        <p:txBody>
+          <a:bodyPr wrap="square">
+            <a:spAutoFit/>
+          </a:bodyPr>
+          <a:lstStyle/>
+          <a:p>
+            <a:r>
+              <a:rPr lang="en" altLang="ko-Kore-KR" dirty="0">
+                <a:solidFill>
+                  <a:srgbClr val="267F99"/>
+                </a:solidFill>
+                <a:latin typeface="DM Mono" panose="020B0509040201040103" pitchFamily="49" charset="0"/>
+              </a:rPr>
+              <a:t>FILE</a:t>
+            </a:r>
+            <a:r>
+              <a:rPr lang="en" altLang="ko-Kore-KR" dirty="0">
+                <a:solidFill>
+                  <a:srgbClr val="000000"/>
+                </a:solidFill>
+                <a:latin typeface="DM Mono" panose="020B0509040201040103" pitchFamily="49" charset="0"/>
+              </a:rPr>
+              <a:t>* </a:t>
+            </a:r>
+            <a:r>
+              <a:rPr lang="en" altLang="ko-Kore-KR" dirty="0" err="1">
+                <a:solidFill>
+                  <a:srgbClr val="001080"/>
+                </a:solidFill>
+                <a:latin typeface="DM Mono" panose="020B0509040201040103" pitchFamily="49" charset="0"/>
+              </a:rPr>
+              <a:t>fp</a:t>
+            </a:r>
+            <a:r>
+              <a:rPr lang="en" altLang="ko-Kore-KR" dirty="0">
+                <a:solidFill>
+                  <a:srgbClr val="000000"/>
+                </a:solidFill>
+                <a:latin typeface="DM Mono" panose="020B0509040201040103" pitchFamily="49" charset="0"/>
+              </a:rPr>
+              <a:t> = </a:t>
+            </a:r>
+            <a:r>
+              <a:rPr lang="en" altLang="ko-Kore-KR" dirty="0" err="1">
+                <a:solidFill>
+                  <a:srgbClr val="795E26"/>
+                </a:solidFill>
+                <a:latin typeface="DM Mono" panose="020B0509040201040103" pitchFamily="49" charset="0"/>
+              </a:rPr>
+              <a:t>fopen</a:t>
+            </a:r>
+            <a:r>
+              <a:rPr lang="en" altLang="ko-Kore-KR" dirty="0">
+                <a:solidFill>
+                  <a:srgbClr val="000000"/>
+                </a:solidFill>
+                <a:latin typeface="DM Mono" panose="020B0509040201040103" pitchFamily="49" charset="0"/>
+              </a:rPr>
+              <a:t>(</a:t>
+            </a:r>
+            <a:r>
+              <a:rPr lang="en" altLang="ko-Kore-KR" dirty="0">
+                <a:solidFill>
+                  <a:srgbClr val="A31515"/>
+                </a:solidFill>
+                <a:latin typeface="DM Mono" panose="020B0509040201040103" pitchFamily="49" charset="0"/>
+              </a:rPr>
+              <a:t>"</a:t>
+            </a:r>
+            <a:r>
+              <a:rPr lang="en" altLang="ko-Kore-KR" dirty="0" err="1">
+                <a:solidFill>
+                  <a:srgbClr val="A31515"/>
+                </a:solidFill>
+                <a:latin typeface="DM Mono" panose="020B0509040201040103" pitchFamily="49" charset="0"/>
+              </a:rPr>
+              <a:t>test.txt</a:t>
+            </a:r>
+            <a:r>
+              <a:rPr lang="en" altLang="ko-Kore-KR" dirty="0">
+                <a:solidFill>
+                  <a:srgbClr val="A31515"/>
+                </a:solidFill>
+                <a:latin typeface="DM Mono" panose="020B0509040201040103" pitchFamily="49" charset="0"/>
+              </a:rPr>
+              <a:t>"</a:t>
+            </a:r>
+            <a:r>
+              <a:rPr lang="en" altLang="ko-Kore-KR" dirty="0">
+                <a:solidFill>
+                  <a:srgbClr val="000000"/>
+                </a:solidFill>
+                <a:latin typeface="DM Mono" panose="020B0509040201040103" pitchFamily="49" charset="0"/>
+              </a:rPr>
+              <a:t>, </a:t>
+            </a:r>
+            <a:r>
+              <a:rPr lang="en" altLang="ko-Kore-KR" dirty="0">
+                <a:solidFill>
+                  <a:srgbClr val="A31515"/>
+                </a:solidFill>
+                <a:latin typeface="DM Mono" panose="020B0509040201040103" pitchFamily="49" charset="0"/>
+              </a:rPr>
+              <a:t>"w+"</a:t>
+            </a:r>
+            <a:r>
+              <a:rPr lang="en" altLang="ko-Kore-KR" dirty="0">
+                <a:solidFill>
+                  <a:srgbClr val="000000"/>
+                </a:solidFill>
+                <a:latin typeface="DM Mono" panose="020B0509040201040103" pitchFamily="49" charset="0"/>
+              </a:rPr>
+              <a:t>); </a:t>
+            </a:r>
+            <a:r>
+              <a:rPr lang="en" altLang="ko-Kore-KR" dirty="0">
+                <a:solidFill>
+                  <a:srgbClr val="008000"/>
+                </a:solidFill>
+                <a:latin typeface="DM Mono" panose="020B0509040201040103" pitchFamily="49" charset="0"/>
+              </a:rPr>
+              <a:t>// write + read</a:t>
+            </a:r>
+            <a:endParaRPr lang="en" altLang="ko-Kore-KR" dirty="0">
+              <a:solidFill>
+                <a:srgbClr val="000000"/>
+              </a:solidFill>
+              <a:latin typeface="DM Mono" panose="020B0509040201040103" pitchFamily="49" charset="0"/>
+            </a:endParaRPr>
+          </a:p>
+          <a:p>
+            <a:r>
+              <a:rPr lang="en" altLang="ko-Kore-KR" dirty="0">
+                <a:solidFill>
+                  <a:srgbClr val="AF00DB"/>
+                </a:solidFill>
+                <a:latin typeface="DM Mono" panose="020B0509040201040103" pitchFamily="49" charset="0"/>
+              </a:rPr>
+              <a:t>if</a:t>
+            </a:r>
+            <a:r>
+              <a:rPr lang="en" altLang="ko-Kore-KR" dirty="0">
+                <a:solidFill>
+                  <a:srgbClr val="000000"/>
+                </a:solidFill>
+                <a:latin typeface="DM Mono" panose="020B0509040201040103" pitchFamily="49" charset="0"/>
+              </a:rPr>
+              <a:t> (</a:t>
+            </a:r>
+            <a:r>
+              <a:rPr lang="en" altLang="ko-Kore-KR" dirty="0" err="1">
+                <a:solidFill>
+                  <a:srgbClr val="001080"/>
+                </a:solidFill>
+                <a:latin typeface="DM Mono" panose="020B0509040201040103" pitchFamily="49" charset="0"/>
+              </a:rPr>
+              <a:t>fp</a:t>
+            </a:r>
+            <a:r>
+              <a:rPr lang="en" altLang="ko-Kore-KR" dirty="0">
+                <a:solidFill>
+                  <a:srgbClr val="000000"/>
+                </a:solidFill>
+                <a:latin typeface="DM Mono" panose="020B0509040201040103" pitchFamily="49" charset="0"/>
+              </a:rPr>
+              <a:t> == </a:t>
+            </a:r>
+            <a:r>
+              <a:rPr lang="en" altLang="ko-Kore-KR" dirty="0">
+                <a:solidFill>
+                  <a:srgbClr val="0000FF"/>
+                </a:solidFill>
+                <a:latin typeface="DM Mono" panose="020B0509040201040103" pitchFamily="49" charset="0"/>
+              </a:rPr>
+              <a:t>NULL</a:t>
+            </a:r>
+            <a:r>
+              <a:rPr lang="en" altLang="ko-Kore-KR" dirty="0">
+                <a:solidFill>
+                  <a:srgbClr val="000000"/>
+                </a:solidFill>
+                <a:latin typeface="DM Mono" panose="020B0509040201040103" pitchFamily="49" charset="0"/>
+              </a:rPr>
+              <a:t>) {</a:t>
+            </a:r>
+          </a:p>
+          <a:p>
+            <a:r>
+              <a:rPr lang="en" altLang="ko-Kore-KR" dirty="0" err="1">
+                <a:solidFill>
+                  <a:srgbClr val="795E26"/>
+                </a:solidFill>
+                <a:latin typeface="DM Mono" panose="020B0509040201040103" pitchFamily="49" charset="0"/>
+              </a:rPr>
+              <a:t>fprintf</a:t>
+            </a:r>
+            <a:r>
+              <a:rPr lang="en" altLang="ko-Kore-KR" dirty="0">
+                <a:solidFill>
+                  <a:srgbClr val="000000"/>
+                </a:solidFill>
+                <a:latin typeface="DM Mono" panose="020B0509040201040103" pitchFamily="49" charset="0"/>
+              </a:rPr>
+              <a:t>(</a:t>
+            </a:r>
+            <a:r>
+              <a:rPr lang="en" altLang="ko-Kore-KR" dirty="0">
+                <a:solidFill>
+                  <a:srgbClr val="0000FF"/>
+                </a:solidFill>
+                <a:latin typeface="DM Mono" panose="020B0509040201040103" pitchFamily="49" charset="0"/>
+              </a:rPr>
+              <a:t>stderr</a:t>
+            </a:r>
+            <a:r>
+              <a:rPr lang="en" altLang="ko-Kore-KR" dirty="0">
+                <a:solidFill>
+                  <a:srgbClr val="000000"/>
+                </a:solidFill>
+                <a:latin typeface="DM Mono" panose="020B0509040201040103" pitchFamily="49" charset="0"/>
+              </a:rPr>
+              <a:t>, </a:t>
+            </a:r>
+            <a:r>
+              <a:rPr lang="en" altLang="ko-Kore-KR" dirty="0">
+                <a:solidFill>
+                  <a:srgbClr val="A31515"/>
+                </a:solidFill>
+                <a:latin typeface="DM Mono" panose="020B0509040201040103" pitchFamily="49" charset="0"/>
+              </a:rPr>
+              <a:t>"file open error!</a:t>
+            </a:r>
+            <a:r>
+              <a:rPr lang="en" altLang="ko-Kore-KR" dirty="0">
+                <a:solidFill>
+                  <a:srgbClr val="EE0000"/>
+                </a:solidFill>
+                <a:latin typeface="DM Mono" panose="020B0509040201040103" pitchFamily="49" charset="0"/>
+              </a:rPr>
+              <a:t>\n</a:t>
+            </a:r>
+            <a:r>
+              <a:rPr lang="en" altLang="ko-Kore-KR" dirty="0">
+                <a:solidFill>
+                  <a:srgbClr val="A31515"/>
+                </a:solidFill>
+                <a:latin typeface="DM Mono" panose="020B0509040201040103" pitchFamily="49" charset="0"/>
+              </a:rPr>
+              <a:t>"</a:t>
+            </a:r>
+            <a:r>
+              <a:rPr lang="en" altLang="ko-Kore-KR" dirty="0">
+                <a:solidFill>
+                  <a:srgbClr val="000000"/>
+                </a:solidFill>
+                <a:latin typeface="DM Mono" panose="020B0509040201040103" pitchFamily="49" charset="0"/>
+              </a:rPr>
+              <a:t>);</a:t>
+            </a:r>
+          </a:p>
+          <a:p>
+            <a:r>
+              <a:rPr lang="en" altLang="ko-Kore-KR" dirty="0">
+                <a:solidFill>
+                  <a:srgbClr val="AF00DB"/>
+                </a:solidFill>
+                <a:latin typeface="DM Mono" panose="020B0509040201040103" pitchFamily="49" charset="0"/>
+              </a:rPr>
+              <a:t>return</a:t>
+            </a:r>
+            <a:r>
+              <a:rPr lang="en" altLang="ko-Kore-KR" dirty="0">
+                <a:solidFill>
+                  <a:srgbClr val="000000"/>
+                </a:solidFill>
+                <a:latin typeface="DM Mono" panose="020B0509040201040103" pitchFamily="49" charset="0"/>
+              </a:rPr>
+              <a:t> </a:t>
+            </a:r>
+            <a:r>
+              <a:rPr lang="en" altLang="ko-Kore-KR" dirty="0">
+                <a:solidFill>
+                  <a:srgbClr val="098658"/>
+                </a:solidFill>
+                <a:latin typeface="DM Mono" panose="020B0509040201040103" pitchFamily="49" charset="0"/>
+              </a:rPr>
+              <a:t>1</a:t>
+            </a:r>
+            <a:r>
+              <a:rPr lang="en" altLang="ko-Kore-KR" dirty="0">
+                <a:solidFill>
+                  <a:srgbClr val="000000"/>
+                </a:solidFill>
+                <a:latin typeface="DM Mono" panose="020B0509040201040103" pitchFamily="49" charset="0"/>
+              </a:rPr>
+              <a:t>;</a:t>
+            </a:r>
+          </a:p>
+          <a:p>
+            <a:r>
+              <a:rPr lang="en" altLang="ko-Kore-KR" dirty="0">
+                <a:solidFill>
+                  <a:srgbClr val="000000"/>
+                </a:solidFill>
+                <a:latin typeface="DM Mono" panose="020B0509040201040103" pitchFamily="49" charset="0"/>
+              </a:rPr>
+              <a:t>}</a:t>
+            </a:r>
+          </a:p>
+          <a:p>
+            <a:br>
+              <a:rPr lang="en" altLang="ko-Kore-KR" dirty="0">
+                <a:solidFill>
+                  <a:srgbClr val="FF0000"/>
+                </a:solidFill>
+                <a:latin typeface="DM Mono" panose="020B0509040201040103" pitchFamily="49" charset="0"/>
+              </a:rPr>
+            </a:br>
+            <a:r>
+              <a:rPr lang="en" altLang="ko-Kore-KR" b="1" dirty="0" err="1">
+                <a:solidFill>
+                  <a:srgbClr val="FF0000"/>
+                </a:solidFill>
+                <a:latin typeface="DM Mono" panose="020B0509040201040103" pitchFamily="49" charset="0"/>
+              </a:rPr>
+              <a:t>fprintf</a:t>
+            </a:r>
+            <a:r>
+              <a:rPr lang="en" altLang="ko-Kore-KR" b="1" dirty="0">
+                <a:solidFill>
+                  <a:srgbClr val="FF0000"/>
+                </a:solidFill>
+                <a:latin typeface="DM Mono" panose="020B0509040201040103" pitchFamily="49" charset="0"/>
+              </a:rPr>
+              <a:t>(</a:t>
+            </a:r>
+            <a:r>
+              <a:rPr lang="en" altLang="ko-Kore-KR" b="1" dirty="0" err="1">
+                <a:solidFill>
+                  <a:srgbClr val="FF0000"/>
+                </a:solidFill>
+                <a:latin typeface="DM Mono" panose="020B0509040201040103" pitchFamily="49" charset="0"/>
+              </a:rPr>
+              <a:t>fp</a:t>
+            </a:r>
+            <a:r>
+              <a:rPr lang="en" altLang="ko-Kore-KR" b="1" dirty="0">
+                <a:solidFill>
+                  <a:srgbClr val="FF0000"/>
+                </a:solidFill>
+                <a:latin typeface="DM Mono" panose="020B0509040201040103" pitchFamily="49" charset="0"/>
+              </a:rPr>
+              <a:t>, "hello\n");</a:t>
+            </a:r>
+          </a:p>
+          <a:p>
+            <a:r>
+              <a:rPr lang="en" altLang="ko-Kore-KR" dirty="0" err="1">
+                <a:solidFill>
+                  <a:srgbClr val="795E26"/>
+                </a:solidFill>
+                <a:latin typeface="DM Mono" panose="020B0509040201040103" pitchFamily="49" charset="0"/>
+              </a:rPr>
+              <a:t>fseek</a:t>
+            </a:r>
+            <a:r>
+              <a:rPr lang="en" altLang="ko-Kore-KR" dirty="0">
+                <a:solidFill>
+                  <a:srgbClr val="000000"/>
+                </a:solidFill>
+                <a:latin typeface="DM Mono" panose="020B0509040201040103" pitchFamily="49" charset="0"/>
+              </a:rPr>
+              <a:t>(</a:t>
+            </a:r>
+            <a:r>
+              <a:rPr lang="en" altLang="ko-Kore-KR" dirty="0" err="1">
+                <a:solidFill>
+                  <a:srgbClr val="001080"/>
+                </a:solidFill>
+                <a:latin typeface="DM Mono" panose="020B0509040201040103" pitchFamily="49" charset="0"/>
+              </a:rPr>
+              <a:t>fp</a:t>
+            </a:r>
+            <a:r>
+              <a:rPr lang="en" altLang="ko-Kore-KR" dirty="0">
+                <a:solidFill>
+                  <a:srgbClr val="000000"/>
+                </a:solidFill>
+                <a:latin typeface="DM Mono" panose="020B0509040201040103" pitchFamily="49" charset="0"/>
+              </a:rPr>
+              <a:t>, </a:t>
+            </a:r>
+            <a:r>
+              <a:rPr lang="en" altLang="ko-Kore-KR" dirty="0">
+                <a:solidFill>
+                  <a:srgbClr val="098658"/>
+                </a:solidFill>
+                <a:latin typeface="DM Mono" panose="020B0509040201040103" pitchFamily="49" charset="0"/>
+              </a:rPr>
+              <a:t>0</a:t>
+            </a:r>
+            <a:r>
+              <a:rPr lang="en" altLang="ko-Kore-KR" dirty="0">
+                <a:solidFill>
+                  <a:srgbClr val="000000"/>
+                </a:solidFill>
+                <a:latin typeface="DM Mono" panose="020B0509040201040103" pitchFamily="49" charset="0"/>
+              </a:rPr>
+              <a:t>, </a:t>
+            </a:r>
+            <a:r>
+              <a:rPr lang="en" altLang="ko-Kore-KR" dirty="0">
+                <a:solidFill>
+                  <a:srgbClr val="0000FF"/>
+                </a:solidFill>
+                <a:latin typeface="DM Mono" panose="020B0509040201040103" pitchFamily="49" charset="0"/>
+              </a:rPr>
+              <a:t>SEEK_SET</a:t>
+            </a:r>
+            <a:r>
+              <a:rPr lang="en" altLang="ko-Kore-KR" dirty="0">
+                <a:solidFill>
+                  <a:srgbClr val="000000"/>
+                </a:solidFill>
+                <a:latin typeface="DM Mono" panose="020B0509040201040103" pitchFamily="49" charset="0"/>
+              </a:rPr>
+              <a:t>);</a:t>
+            </a:r>
+          </a:p>
+          <a:p>
+            <a:endParaRPr lang="en" altLang="ko-Kore-KR" b="1" dirty="0">
+              <a:solidFill>
+                <a:srgbClr val="000000"/>
+              </a:solidFill>
+              <a:latin typeface="DM Mono" panose="020B0509040201040103" pitchFamily="49" charset="0"/>
+            </a:endParaRPr>
+          </a:p>
+          <a:p>
+            <a:br>
+              <a:rPr lang="en" altLang="ko-Kore-KR" dirty="0">
+                <a:solidFill>
+                  <a:srgbClr val="000000"/>
+                </a:solidFill>
+                <a:latin typeface="DM Mono" panose="020B0509040201040103" pitchFamily="49" charset="0"/>
+              </a:rPr>
+            </a:br>
+            <a:r>
+              <a:rPr lang="en" altLang="ko-Kore-KR" dirty="0">
+                <a:solidFill>
+                  <a:srgbClr val="0000FF"/>
+                </a:solidFill>
+                <a:latin typeface="DM Mono" panose="020B0509040201040103" pitchFamily="49" charset="0"/>
+              </a:rPr>
+              <a:t>char</a:t>
+            </a:r>
+            <a:r>
+              <a:rPr lang="en" altLang="ko-Kore-KR" dirty="0">
+                <a:solidFill>
+                  <a:srgbClr val="000000"/>
+                </a:solidFill>
+                <a:latin typeface="DM Mono" panose="020B0509040201040103" pitchFamily="49" charset="0"/>
+              </a:rPr>
+              <a:t> </a:t>
+            </a:r>
+            <a:r>
+              <a:rPr lang="en" altLang="ko-Kore-KR" dirty="0" err="1">
+                <a:solidFill>
+                  <a:srgbClr val="001080"/>
+                </a:solidFill>
+                <a:latin typeface="DM Mono" panose="020B0509040201040103" pitchFamily="49" charset="0"/>
+              </a:rPr>
+              <a:t>buf</a:t>
+            </a:r>
+            <a:r>
+              <a:rPr lang="en" altLang="ko-Kore-KR" dirty="0">
+                <a:solidFill>
+                  <a:srgbClr val="000000"/>
+                </a:solidFill>
+                <a:latin typeface="DM Mono" panose="020B0509040201040103" pitchFamily="49" charset="0"/>
+              </a:rPr>
+              <a:t>[</a:t>
+            </a:r>
+            <a:r>
+              <a:rPr lang="en" altLang="ko-Kore-KR" dirty="0">
+                <a:solidFill>
+                  <a:srgbClr val="098658"/>
+                </a:solidFill>
+                <a:latin typeface="DM Mono" panose="020B0509040201040103" pitchFamily="49" charset="0"/>
+              </a:rPr>
+              <a:t>32</a:t>
+            </a:r>
+            <a:r>
+              <a:rPr lang="en" altLang="ko-Kore-KR" dirty="0">
+                <a:solidFill>
+                  <a:srgbClr val="000000"/>
+                </a:solidFill>
+                <a:latin typeface="DM Mono" panose="020B0509040201040103" pitchFamily="49" charset="0"/>
+              </a:rPr>
+              <a:t>];</a:t>
+            </a:r>
+          </a:p>
+          <a:p>
+            <a:r>
+              <a:rPr lang="en" altLang="ko-Kore-KR" dirty="0" err="1">
+                <a:solidFill>
+                  <a:srgbClr val="795E26"/>
+                </a:solidFill>
+                <a:latin typeface="DM Mono" panose="020B0509040201040103" pitchFamily="49" charset="0"/>
+              </a:rPr>
+              <a:t>fscanf</a:t>
+            </a:r>
+            <a:r>
+              <a:rPr lang="en" altLang="ko-Kore-KR" dirty="0">
+                <a:solidFill>
+                  <a:srgbClr val="000000"/>
+                </a:solidFill>
+                <a:latin typeface="DM Mono" panose="020B0509040201040103" pitchFamily="49" charset="0"/>
+              </a:rPr>
+              <a:t>(</a:t>
+            </a:r>
+            <a:r>
+              <a:rPr lang="en" altLang="ko-Kore-KR" dirty="0" err="1">
+                <a:solidFill>
+                  <a:srgbClr val="001080"/>
+                </a:solidFill>
+                <a:latin typeface="DM Mono" panose="020B0509040201040103" pitchFamily="49" charset="0"/>
+              </a:rPr>
+              <a:t>fp</a:t>
+            </a:r>
+            <a:r>
+              <a:rPr lang="en" altLang="ko-Kore-KR" dirty="0">
+                <a:solidFill>
+                  <a:srgbClr val="000000"/>
+                </a:solidFill>
+                <a:latin typeface="DM Mono" panose="020B0509040201040103" pitchFamily="49" charset="0"/>
+              </a:rPr>
+              <a:t>, </a:t>
+            </a:r>
+            <a:r>
+              <a:rPr lang="en" altLang="ko-Kore-KR" dirty="0">
+                <a:solidFill>
+                  <a:srgbClr val="A31515"/>
+                </a:solidFill>
+                <a:latin typeface="DM Mono" panose="020B0509040201040103" pitchFamily="49" charset="0"/>
+              </a:rPr>
+              <a:t>"</a:t>
+            </a:r>
+            <a:r>
+              <a:rPr lang="en" altLang="ko-Kore-KR" dirty="0">
+                <a:solidFill>
+                  <a:srgbClr val="001080"/>
+                </a:solidFill>
+                <a:latin typeface="DM Mono" panose="020B0509040201040103" pitchFamily="49" charset="0"/>
+              </a:rPr>
+              <a:t>%s</a:t>
+            </a:r>
+            <a:r>
+              <a:rPr lang="en" altLang="ko-Kore-KR" dirty="0">
+                <a:solidFill>
+                  <a:srgbClr val="A31515"/>
+                </a:solidFill>
+                <a:latin typeface="DM Mono" panose="020B0509040201040103" pitchFamily="49" charset="0"/>
+              </a:rPr>
+              <a:t>"</a:t>
+            </a:r>
+            <a:r>
+              <a:rPr lang="en" altLang="ko-Kore-KR" dirty="0">
+                <a:solidFill>
+                  <a:srgbClr val="000000"/>
+                </a:solidFill>
+                <a:latin typeface="DM Mono" panose="020B0509040201040103" pitchFamily="49" charset="0"/>
+              </a:rPr>
+              <a:t>, </a:t>
+            </a:r>
+            <a:r>
+              <a:rPr lang="en" altLang="ko-Kore-KR" dirty="0" err="1">
+                <a:solidFill>
+                  <a:srgbClr val="001080"/>
+                </a:solidFill>
+                <a:latin typeface="DM Mono" panose="020B0509040201040103" pitchFamily="49" charset="0"/>
+              </a:rPr>
+              <a:t>buf</a:t>
+            </a:r>
+            <a:r>
+              <a:rPr lang="en" altLang="ko-Kore-KR" dirty="0">
+                <a:solidFill>
+                  <a:srgbClr val="000000"/>
+                </a:solidFill>
+                <a:latin typeface="DM Mono" panose="020B0509040201040103" pitchFamily="49" charset="0"/>
+              </a:rPr>
+              <a:t>);</a:t>
+            </a:r>
+          </a:p>
+          <a:p>
+            <a:r>
+              <a:rPr lang="en" altLang="ko-Kore-KR" dirty="0" err="1">
+                <a:solidFill>
+                  <a:srgbClr val="795E26"/>
+                </a:solidFill>
+                <a:latin typeface="DM Mono" panose="020B0509040201040103" pitchFamily="49" charset="0"/>
+              </a:rPr>
+              <a:t>printf</a:t>
+            </a:r>
+            <a:r>
+              <a:rPr lang="en" altLang="ko-Kore-KR" dirty="0">
+                <a:solidFill>
+                  <a:srgbClr val="000000"/>
+                </a:solidFill>
+                <a:latin typeface="DM Mono" panose="020B0509040201040103" pitchFamily="49" charset="0"/>
+              </a:rPr>
+              <a:t>(</a:t>
+            </a:r>
+            <a:r>
+              <a:rPr lang="en" altLang="ko-Kore-KR" dirty="0">
+                <a:solidFill>
+                  <a:srgbClr val="A31515"/>
+                </a:solidFill>
+                <a:latin typeface="DM Mono" panose="020B0509040201040103" pitchFamily="49" charset="0"/>
+              </a:rPr>
+              <a:t>"</a:t>
+            </a:r>
+            <a:r>
+              <a:rPr lang="en" altLang="ko-Kore-KR" dirty="0" err="1">
+                <a:solidFill>
+                  <a:srgbClr val="A31515"/>
+                </a:solidFill>
+                <a:latin typeface="DM Mono" panose="020B0509040201040103" pitchFamily="49" charset="0"/>
+              </a:rPr>
+              <a:t>buf</a:t>
+            </a:r>
+            <a:r>
+              <a:rPr lang="en" altLang="ko-Kore-KR" dirty="0">
+                <a:solidFill>
+                  <a:srgbClr val="A31515"/>
+                </a:solidFill>
+                <a:latin typeface="DM Mono" panose="020B0509040201040103" pitchFamily="49" charset="0"/>
+              </a:rPr>
+              <a:t>: </a:t>
+            </a:r>
+            <a:r>
+              <a:rPr lang="en" altLang="ko-Kore-KR" dirty="0">
+                <a:solidFill>
+                  <a:srgbClr val="001080"/>
+                </a:solidFill>
+                <a:latin typeface="DM Mono" panose="020B0509040201040103" pitchFamily="49" charset="0"/>
+              </a:rPr>
+              <a:t>%s</a:t>
+            </a:r>
+            <a:r>
+              <a:rPr lang="en" altLang="ko-Kore-KR" dirty="0">
+                <a:solidFill>
+                  <a:srgbClr val="EE0000"/>
+                </a:solidFill>
+                <a:latin typeface="DM Mono" panose="020B0509040201040103" pitchFamily="49" charset="0"/>
+              </a:rPr>
+              <a:t>\n</a:t>
+            </a:r>
+            <a:r>
+              <a:rPr lang="en" altLang="ko-Kore-KR" dirty="0">
+                <a:solidFill>
+                  <a:srgbClr val="A31515"/>
+                </a:solidFill>
+                <a:latin typeface="DM Mono" panose="020B0509040201040103" pitchFamily="49" charset="0"/>
+              </a:rPr>
+              <a:t>"</a:t>
+            </a:r>
+            <a:r>
+              <a:rPr lang="en" altLang="ko-Kore-KR" dirty="0">
+                <a:solidFill>
+                  <a:srgbClr val="000000"/>
+                </a:solidFill>
+                <a:latin typeface="DM Mono" panose="020B0509040201040103" pitchFamily="49" charset="0"/>
+              </a:rPr>
+              <a:t>, </a:t>
+            </a:r>
+            <a:r>
+              <a:rPr lang="en" altLang="ko-Kore-KR" dirty="0" err="1">
+                <a:solidFill>
+                  <a:srgbClr val="001080"/>
+                </a:solidFill>
+                <a:latin typeface="DM Mono" panose="020B0509040201040103" pitchFamily="49" charset="0"/>
+              </a:rPr>
+              <a:t>buf</a:t>
+            </a:r>
+            <a:r>
+              <a:rPr lang="en" altLang="ko-Kore-KR" dirty="0">
+                <a:solidFill>
+                  <a:srgbClr val="000000"/>
+                </a:solidFill>
+                <a:latin typeface="DM Mono" panose="020B0509040201040103" pitchFamily="49" charset="0"/>
+              </a:rPr>
+              <a:t>);</a:t>
+            </a:r>
+          </a:p>
+          <a:p>
+            <a:br>
+              <a:rPr lang="en" altLang="ko-Kore-KR" dirty="0">
+                <a:solidFill>
+                  <a:srgbClr val="000000"/>
+                </a:solidFill>
+                <a:latin typeface="DM Mono" panose="020B0509040201040103" pitchFamily="49" charset="0"/>
+              </a:rPr>
+            </a:br>
+            <a:r>
+              <a:rPr lang="en" altLang="ko-Kore-KR" dirty="0" err="1">
+                <a:solidFill>
+                  <a:srgbClr val="795E26"/>
+                </a:solidFill>
+                <a:latin typeface="DM Mono" panose="020B0509040201040103" pitchFamily="49" charset="0"/>
+              </a:rPr>
+              <a:t>fclose</a:t>
+            </a:r>
+            <a:r>
+              <a:rPr lang="en" altLang="ko-Kore-KR" dirty="0">
+                <a:solidFill>
+                  <a:srgbClr val="000000"/>
+                </a:solidFill>
+                <a:latin typeface="DM Mono" panose="020B0509040201040103" pitchFamily="49" charset="0"/>
+              </a:rPr>
+              <a:t>(</a:t>
+            </a:r>
+            <a:r>
+              <a:rPr lang="en" altLang="ko-Kore-KR" dirty="0" err="1">
+                <a:solidFill>
+                  <a:srgbClr val="001080"/>
+                </a:solidFill>
+                <a:latin typeface="DM Mono" panose="020B0509040201040103" pitchFamily="49" charset="0"/>
+              </a:rPr>
+              <a:t>fp</a:t>
+            </a:r>
+            <a:r>
+              <a:rPr lang="en" altLang="ko-Kore-KR" dirty="0">
+                <a:solidFill>
+                  <a:srgbClr val="000000"/>
+                </a:solidFill>
+                <a:latin typeface="DM Mono" panose="020B0509040201040103" pitchFamily="49" charset="0"/>
+              </a:rPr>
+              <a:t>);</a:t>
+            </a:r>
+          </a:p>
+        </p:txBody>
+      </p:sp>
+      <p:sp>
+        <p:nvSpPr>
+          <p:cNvPr id="57" name="직사각형 56">
+            <a:extLst>
+              <a:ext uri="{FF2B5EF4-FFF2-40B4-BE49-F238E27FC236}">
+                <a16:creationId xmlns:a16="http://schemas.microsoft.com/office/drawing/2014/main" id="{F149CA64-80DD-1E91-5DEE-65F8773072C1}"/>
+              </a:ext>
+            </a:extLst>
+          </p:cNvPr>
+          <p:cNvSpPr/>
+          <p:nvPr/>
+        </p:nvSpPr>
+        <p:spPr>
+          <a:xfrm>
+            <a:off x="2411970" y="4938291"/>
+            <a:ext cx="401225" cy="518917"/>
+          </a:xfrm>
+          <a:prstGeom prst="rect">
+            <a:avLst/>
+          </a:prstGeom>
+          <a:solidFill>
+            <a:srgbClr val="FFFF00"/>
+          </a:solidFill>
+        </p:spPr>
+        <p:style>
+          <a:lnRef idx="2">
+            <a:schemeClr val="accent1">
+              <a:shade val="50000"/>
+            </a:schemeClr>
+          </a:lnRef>
+          <a:fillRef idx="1">
+            <a:schemeClr val="accent1"/>
+          </a:fillRef>
+          <a:effectRef idx="0">
+            <a:schemeClr val="accent1"/>
+          </a:effectRef>
+          <a:fontRef idx="minor">
+            <a:schemeClr val="lt1"/>
+          </a:fontRef>
+        </p:style>
+        <p:txBody>
+          <a:bodyPr rtlCol="0" anchor="ctr"/>
+          <a:lstStyle/>
+          <a:p>
+            <a:pPr algn="ctr"/>
+            <a:r>
+              <a:rPr kumimoji="1" lang="en-US" altLang="ko-Kore-KR" sz="1400" dirty="0">
+                <a:solidFill>
+                  <a:schemeClr val="tx1"/>
+                </a:solidFill>
+              </a:rPr>
+              <a:t>h</a:t>
+            </a:r>
+            <a:endParaRPr kumimoji="1" lang="ko-Kore-KR" altLang="en-US" sz="1400" dirty="0">
+              <a:solidFill>
+                <a:schemeClr val="tx1"/>
+              </a:solidFill>
+            </a:endParaRPr>
+          </a:p>
+        </p:txBody>
+      </p:sp>
+      <p:sp>
+        <p:nvSpPr>
+          <p:cNvPr id="15" name="직사각형 14">
+            <a:extLst>
+              <a:ext uri="{FF2B5EF4-FFF2-40B4-BE49-F238E27FC236}">
+                <a16:creationId xmlns:a16="http://schemas.microsoft.com/office/drawing/2014/main" id="{C9DB4550-1D60-D748-7770-AF53534A2FDA}"/>
+              </a:ext>
+            </a:extLst>
+          </p:cNvPr>
+          <p:cNvSpPr/>
+          <p:nvPr/>
+        </p:nvSpPr>
+        <p:spPr>
+          <a:xfrm>
+            <a:off x="2813195" y="4938291"/>
+            <a:ext cx="401225" cy="518917"/>
+          </a:xfrm>
+          <a:prstGeom prst="rect">
+            <a:avLst/>
+          </a:prstGeom>
+          <a:solidFill>
+            <a:srgbClr val="FFFF00"/>
+          </a:solidFill>
+        </p:spPr>
+        <p:style>
+          <a:lnRef idx="2">
+            <a:schemeClr val="accent1">
+              <a:shade val="50000"/>
+            </a:schemeClr>
+          </a:lnRef>
+          <a:fillRef idx="1">
+            <a:schemeClr val="accent1"/>
+          </a:fillRef>
+          <a:effectRef idx="0">
+            <a:schemeClr val="accent1"/>
+          </a:effectRef>
+          <a:fontRef idx="minor">
+            <a:schemeClr val="lt1"/>
+          </a:fontRef>
+        </p:style>
+        <p:txBody>
+          <a:bodyPr rtlCol="0" anchor="ctr"/>
+          <a:lstStyle/>
+          <a:p>
+            <a:pPr algn="ctr"/>
+            <a:r>
+              <a:rPr kumimoji="1" lang="en-US" altLang="ko-Kore-KR" sz="1400" dirty="0">
+                <a:solidFill>
+                  <a:schemeClr val="tx1"/>
+                </a:solidFill>
+              </a:rPr>
+              <a:t>e</a:t>
+            </a:r>
+            <a:endParaRPr kumimoji="1" lang="ko-Kore-KR" altLang="en-US" sz="1400" dirty="0">
+              <a:solidFill>
+                <a:schemeClr val="tx1"/>
+              </a:solidFill>
+            </a:endParaRPr>
+          </a:p>
+        </p:txBody>
+      </p:sp>
+      <p:sp>
+        <p:nvSpPr>
+          <p:cNvPr id="16" name="직사각형 15">
+            <a:extLst>
+              <a:ext uri="{FF2B5EF4-FFF2-40B4-BE49-F238E27FC236}">
+                <a16:creationId xmlns:a16="http://schemas.microsoft.com/office/drawing/2014/main" id="{810E6B0C-8852-1D3D-3246-94F126E68417}"/>
+              </a:ext>
+            </a:extLst>
+          </p:cNvPr>
+          <p:cNvSpPr/>
+          <p:nvPr/>
+        </p:nvSpPr>
+        <p:spPr>
+          <a:xfrm>
+            <a:off x="3214420" y="4938291"/>
+            <a:ext cx="401225" cy="518917"/>
+          </a:xfrm>
+          <a:prstGeom prst="rect">
+            <a:avLst/>
+          </a:prstGeom>
+          <a:solidFill>
+            <a:srgbClr val="FFFF00"/>
+          </a:solidFill>
+        </p:spPr>
+        <p:style>
+          <a:lnRef idx="2">
+            <a:schemeClr val="accent1">
+              <a:shade val="50000"/>
+            </a:schemeClr>
+          </a:lnRef>
+          <a:fillRef idx="1">
+            <a:schemeClr val="accent1"/>
+          </a:fillRef>
+          <a:effectRef idx="0">
+            <a:schemeClr val="accent1"/>
+          </a:effectRef>
+          <a:fontRef idx="minor">
+            <a:schemeClr val="lt1"/>
+          </a:fontRef>
+        </p:style>
+        <p:txBody>
+          <a:bodyPr rtlCol="0" anchor="ctr"/>
+          <a:lstStyle/>
+          <a:p>
+            <a:pPr algn="ctr"/>
+            <a:r>
+              <a:rPr kumimoji="1" lang="en-US" altLang="ko-Kore-KR" sz="1400" dirty="0">
+                <a:solidFill>
+                  <a:schemeClr val="tx1"/>
+                </a:solidFill>
+              </a:rPr>
+              <a:t>l</a:t>
+            </a:r>
+            <a:endParaRPr kumimoji="1" lang="ko-Kore-KR" altLang="en-US" sz="1400" dirty="0">
+              <a:solidFill>
+                <a:schemeClr val="tx1"/>
+              </a:solidFill>
+            </a:endParaRPr>
+          </a:p>
+        </p:txBody>
+      </p:sp>
+      <p:sp>
+        <p:nvSpPr>
+          <p:cNvPr id="17" name="직사각형 16">
+            <a:extLst>
+              <a:ext uri="{FF2B5EF4-FFF2-40B4-BE49-F238E27FC236}">
+                <a16:creationId xmlns:a16="http://schemas.microsoft.com/office/drawing/2014/main" id="{532DB0AE-943B-CC0E-A5AE-27C7A2739237}"/>
+              </a:ext>
+            </a:extLst>
+          </p:cNvPr>
+          <p:cNvSpPr/>
+          <p:nvPr/>
+        </p:nvSpPr>
+        <p:spPr>
+          <a:xfrm>
+            <a:off x="3615645" y="4938291"/>
+            <a:ext cx="401225" cy="518917"/>
+          </a:xfrm>
+          <a:prstGeom prst="rect">
+            <a:avLst/>
+          </a:prstGeom>
+          <a:solidFill>
+            <a:srgbClr val="FFFF00"/>
+          </a:solidFill>
+        </p:spPr>
+        <p:style>
+          <a:lnRef idx="2">
+            <a:schemeClr val="accent1">
+              <a:shade val="50000"/>
+            </a:schemeClr>
+          </a:lnRef>
+          <a:fillRef idx="1">
+            <a:schemeClr val="accent1"/>
+          </a:fillRef>
+          <a:effectRef idx="0">
+            <a:schemeClr val="accent1"/>
+          </a:effectRef>
+          <a:fontRef idx="minor">
+            <a:schemeClr val="lt1"/>
+          </a:fontRef>
+        </p:style>
+        <p:txBody>
+          <a:bodyPr rtlCol="0" anchor="ctr"/>
+          <a:lstStyle/>
+          <a:p>
+            <a:pPr algn="ctr"/>
+            <a:r>
+              <a:rPr kumimoji="1" lang="en-US" altLang="ko-Kore-KR" sz="1400" dirty="0">
+                <a:solidFill>
+                  <a:schemeClr val="tx1"/>
+                </a:solidFill>
+              </a:rPr>
+              <a:t>l</a:t>
+            </a:r>
+            <a:endParaRPr kumimoji="1" lang="ko-Kore-KR" altLang="en-US" sz="1400" dirty="0">
+              <a:solidFill>
+                <a:schemeClr val="tx1"/>
+              </a:solidFill>
+            </a:endParaRPr>
+          </a:p>
+        </p:txBody>
+      </p:sp>
+      <p:sp>
+        <p:nvSpPr>
+          <p:cNvPr id="18" name="직사각형 17">
+            <a:extLst>
+              <a:ext uri="{FF2B5EF4-FFF2-40B4-BE49-F238E27FC236}">
+                <a16:creationId xmlns:a16="http://schemas.microsoft.com/office/drawing/2014/main" id="{688189EB-F061-C45C-3509-0DEB399A5057}"/>
+              </a:ext>
+            </a:extLst>
+          </p:cNvPr>
+          <p:cNvSpPr/>
+          <p:nvPr/>
+        </p:nvSpPr>
+        <p:spPr>
+          <a:xfrm>
+            <a:off x="4016870" y="4938291"/>
+            <a:ext cx="401225" cy="518917"/>
+          </a:xfrm>
+          <a:prstGeom prst="rect">
+            <a:avLst/>
+          </a:prstGeom>
+          <a:solidFill>
+            <a:srgbClr val="FFFF00"/>
+          </a:solidFill>
+        </p:spPr>
+        <p:style>
+          <a:lnRef idx="2">
+            <a:schemeClr val="accent1">
+              <a:shade val="50000"/>
+            </a:schemeClr>
+          </a:lnRef>
+          <a:fillRef idx="1">
+            <a:schemeClr val="accent1"/>
+          </a:fillRef>
+          <a:effectRef idx="0">
+            <a:schemeClr val="accent1"/>
+          </a:effectRef>
+          <a:fontRef idx="minor">
+            <a:schemeClr val="lt1"/>
+          </a:fontRef>
+        </p:style>
+        <p:txBody>
+          <a:bodyPr rtlCol="0" anchor="ctr"/>
+          <a:lstStyle/>
+          <a:p>
+            <a:pPr algn="ctr"/>
+            <a:r>
+              <a:rPr kumimoji="1" lang="en-US" altLang="ko-Kore-KR" sz="1400" dirty="0">
+                <a:solidFill>
+                  <a:schemeClr val="tx1"/>
+                </a:solidFill>
+              </a:rPr>
+              <a:t>o</a:t>
+            </a:r>
+            <a:endParaRPr kumimoji="1" lang="ko-Kore-KR" altLang="en-US" sz="1400" dirty="0">
+              <a:solidFill>
+                <a:schemeClr val="tx1"/>
+              </a:solidFill>
+            </a:endParaRPr>
+          </a:p>
+        </p:txBody>
+      </p:sp>
+      <p:sp>
+        <p:nvSpPr>
+          <p:cNvPr id="19" name="직사각형 18">
+            <a:extLst>
+              <a:ext uri="{FF2B5EF4-FFF2-40B4-BE49-F238E27FC236}">
+                <a16:creationId xmlns:a16="http://schemas.microsoft.com/office/drawing/2014/main" id="{97C4F89D-12AD-EFA1-5AC8-A8069A1D9F9A}"/>
+              </a:ext>
+            </a:extLst>
+          </p:cNvPr>
+          <p:cNvSpPr/>
+          <p:nvPr/>
+        </p:nvSpPr>
+        <p:spPr>
+          <a:xfrm>
+            <a:off x="4418095" y="4938291"/>
+            <a:ext cx="401225" cy="518917"/>
+          </a:xfrm>
+          <a:prstGeom prst="rect">
+            <a:avLst/>
+          </a:prstGeom>
+          <a:solidFill>
+            <a:srgbClr val="FFFF00"/>
+          </a:solidFill>
+        </p:spPr>
+        <p:style>
+          <a:lnRef idx="2">
+            <a:schemeClr val="accent1">
+              <a:shade val="50000"/>
+            </a:schemeClr>
+          </a:lnRef>
+          <a:fillRef idx="1">
+            <a:schemeClr val="accent1"/>
+          </a:fillRef>
+          <a:effectRef idx="0">
+            <a:schemeClr val="accent1"/>
+          </a:effectRef>
+          <a:fontRef idx="minor">
+            <a:schemeClr val="lt1"/>
+          </a:fontRef>
+        </p:style>
+        <p:txBody>
+          <a:bodyPr rtlCol="0" anchor="ctr"/>
+          <a:lstStyle/>
+          <a:p>
+            <a:pPr algn="ctr"/>
+            <a:r>
+              <a:rPr kumimoji="1" lang="en-US" altLang="ko-Kore-KR" sz="1400" dirty="0">
+                <a:solidFill>
+                  <a:schemeClr val="tx1"/>
+                </a:solidFill>
+              </a:rPr>
+              <a:t>\n</a:t>
+            </a:r>
+            <a:endParaRPr kumimoji="1" lang="ko-Kore-KR" altLang="en-US" sz="1400" dirty="0">
+              <a:solidFill>
+                <a:schemeClr val="tx1"/>
+              </a:solidFill>
+            </a:endParaRPr>
+          </a:p>
+        </p:txBody>
+      </p:sp>
+      <p:sp>
+        <p:nvSpPr>
+          <p:cNvPr id="20" name="직사각형 19">
+            <a:extLst>
+              <a:ext uri="{FF2B5EF4-FFF2-40B4-BE49-F238E27FC236}">
+                <a16:creationId xmlns:a16="http://schemas.microsoft.com/office/drawing/2014/main" id="{FC293960-58D2-6C9A-0D0D-E240D2397DA1}"/>
+              </a:ext>
+            </a:extLst>
+          </p:cNvPr>
+          <p:cNvSpPr/>
+          <p:nvPr/>
+        </p:nvSpPr>
+        <p:spPr>
+          <a:xfrm>
+            <a:off x="4819320" y="4938291"/>
+            <a:ext cx="401225" cy="518917"/>
+          </a:xfrm>
+          <a:prstGeom prst="rect">
+            <a:avLst/>
+          </a:prstGeom>
+          <a:solidFill>
+            <a:srgbClr val="FFFF00"/>
+          </a:solidFill>
+        </p:spPr>
+        <p:style>
+          <a:lnRef idx="2">
+            <a:schemeClr val="accent1">
+              <a:shade val="50000"/>
+            </a:schemeClr>
+          </a:lnRef>
+          <a:fillRef idx="1">
+            <a:schemeClr val="accent1"/>
+          </a:fillRef>
+          <a:effectRef idx="0">
+            <a:schemeClr val="accent1"/>
+          </a:effectRef>
+          <a:fontRef idx="minor">
+            <a:schemeClr val="lt1"/>
+          </a:fontRef>
+        </p:style>
+        <p:txBody>
+          <a:bodyPr rtlCol="0" anchor="ctr"/>
+          <a:lstStyle/>
+          <a:p>
+            <a:pPr algn="ctr"/>
+            <a:endParaRPr kumimoji="1" lang="ko-Kore-KR" altLang="en-US" sz="1400" dirty="0">
+              <a:solidFill>
+                <a:schemeClr val="tx1"/>
+              </a:solidFill>
+            </a:endParaRPr>
+          </a:p>
+        </p:txBody>
+      </p:sp>
+      <p:sp>
+        <p:nvSpPr>
+          <p:cNvPr id="21" name="직사각형 20">
+            <a:extLst>
+              <a:ext uri="{FF2B5EF4-FFF2-40B4-BE49-F238E27FC236}">
+                <a16:creationId xmlns:a16="http://schemas.microsoft.com/office/drawing/2014/main" id="{A517E5CE-FA45-D672-84EC-24EE16970374}"/>
+              </a:ext>
+            </a:extLst>
+          </p:cNvPr>
+          <p:cNvSpPr/>
+          <p:nvPr/>
+        </p:nvSpPr>
+        <p:spPr>
+          <a:xfrm>
+            <a:off x="5220545" y="4938291"/>
+            <a:ext cx="401225" cy="518917"/>
+          </a:xfrm>
+          <a:prstGeom prst="rect">
+            <a:avLst/>
+          </a:prstGeom>
+          <a:solidFill>
+            <a:srgbClr val="FFFF00"/>
+          </a:solidFill>
+        </p:spPr>
+        <p:style>
+          <a:lnRef idx="2">
+            <a:schemeClr val="accent1">
+              <a:shade val="50000"/>
+            </a:schemeClr>
+          </a:lnRef>
+          <a:fillRef idx="1">
+            <a:schemeClr val="accent1"/>
+          </a:fillRef>
+          <a:effectRef idx="0">
+            <a:schemeClr val="accent1"/>
+          </a:effectRef>
+          <a:fontRef idx="minor">
+            <a:schemeClr val="lt1"/>
+          </a:fontRef>
+        </p:style>
+        <p:txBody>
+          <a:bodyPr rtlCol="0" anchor="ctr"/>
+          <a:lstStyle/>
+          <a:p>
+            <a:pPr algn="ctr"/>
+            <a:endParaRPr kumimoji="1" lang="ko-Kore-KR" altLang="en-US" sz="1400" dirty="0">
+              <a:solidFill>
+                <a:schemeClr val="tx1"/>
+              </a:solidFill>
+            </a:endParaRPr>
+          </a:p>
+        </p:txBody>
+      </p:sp>
+      <p:sp>
+        <p:nvSpPr>
+          <p:cNvPr id="22" name="직사각형 21">
+            <a:extLst>
+              <a:ext uri="{FF2B5EF4-FFF2-40B4-BE49-F238E27FC236}">
+                <a16:creationId xmlns:a16="http://schemas.microsoft.com/office/drawing/2014/main" id="{EA419065-CE16-4CCE-5730-B766DA8E85DA}"/>
+              </a:ext>
+            </a:extLst>
+          </p:cNvPr>
+          <p:cNvSpPr/>
+          <p:nvPr/>
+        </p:nvSpPr>
+        <p:spPr>
+          <a:xfrm>
+            <a:off x="5621770" y="4938291"/>
+            <a:ext cx="401225" cy="518917"/>
+          </a:xfrm>
+          <a:prstGeom prst="rect">
+            <a:avLst/>
+          </a:prstGeom>
+          <a:solidFill>
+            <a:srgbClr val="FFFF00"/>
+          </a:solidFill>
+        </p:spPr>
+        <p:style>
+          <a:lnRef idx="2">
+            <a:schemeClr val="accent1">
+              <a:shade val="50000"/>
+            </a:schemeClr>
+          </a:lnRef>
+          <a:fillRef idx="1">
+            <a:schemeClr val="accent1"/>
+          </a:fillRef>
+          <a:effectRef idx="0">
+            <a:schemeClr val="accent1"/>
+          </a:effectRef>
+          <a:fontRef idx="minor">
+            <a:schemeClr val="lt1"/>
+          </a:fontRef>
+        </p:style>
+        <p:txBody>
+          <a:bodyPr rtlCol="0" anchor="ctr"/>
+          <a:lstStyle/>
+          <a:p>
+            <a:pPr algn="ctr"/>
+            <a:endParaRPr kumimoji="1" lang="ko-Kore-KR" altLang="en-US" sz="1400" dirty="0">
+              <a:solidFill>
+                <a:schemeClr val="tx1"/>
+              </a:solidFill>
+            </a:endParaRPr>
+          </a:p>
+        </p:txBody>
+      </p:sp>
+      <p:sp>
+        <p:nvSpPr>
+          <p:cNvPr id="23" name="직사각형 22">
+            <a:extLst>
+              <a:ext uri="{FF2B5EF4-FFF2-40B4-BE49-F238E27FC236}">
+                <a16:creationId xmlns:a16="http://schemas.microsoft.com/office/drawing/2014/main" id="{8F8AFEB1-CC00-67F7-990E-1F22E1046A13}"/>
+              </a:ext>
+            </a:extLst>
+          </p:cNvPr>
+          <p:cNvSpPr/>
+          <p:nvPr/>
+        </p:nvSpPr>
+        <p:spPr>
+          <a:xfrm>
+            <a:off x="6022995" y="4938291"/>
+            <a:ext cx="401225" cy="518917"/>
+          </a:xfrm>
+          <a:prstGeom prst="rect">
+            <a:avLst/>
+          </a:prstGeom>
+          <a:solidFill>
+            <a:srgbClr val="FFFF00"/>
+          </a:solidFill>
+        </p:spPr>
+        <p:style>
+          <a:lnRef idx="2">
+            <a:schemeClr val="accent1">
+              <a:shade val="50000"/>
+            </a:schemeClr>
+          </a:lnRef>
+          <a:fillRef idx="1">
+            <a:schemeClr val="accent1"/>
+          </a:fillRef>
+          <a:effectRef idx="0">
+            <a:schemeClr val="accent1"/>
+          </a:effectRef>
+          <a:fontRef idx="minor">
+            <a:schemeClr val="lt1"/>
+          </a:fontRef>
+        </p:style>
+        <p:txBody>
+          <a:bodyPr rtlCol="0" anchor="ctr"/>
+          <a:lstStyle/>
+          <a:p>
+            <a:pPr algn="ctr"/>
+            <a:endParaRPr kumimoji="1" lang="ko-Kore-KR" altLang="en-US" sz="1400" dirty="0">
+              <a:solidFill>
+                <a:schemeClr val="tx1"/>
+              </a:solidFill>
+            </a:endParaRPr>
+          </a:p>
+        </p:txBody>
+      </p:sp>
+      <p:sp>
+        <p:nvSpPr>
+          <p:cNvPr id="24" name="직사각형 23">
+            <a:extLst>
+              <a:ext uri="{FF2B5EF4-FFF2-40B4-BE49-F238E27FC236}">
+                <a16:creationId xmlns:a16="http://schemas.microsoft.com/office/drawing/2014/main" id="{95C3263B-8E5A-2C88-746A-9830F1479EB6}"/>
+              </a:ext>
+            </a:extLst>
+          </p:cNvPr>
+          <p:cNvSpPr/>
+          <p:nvPr/>
+        </p:nvSpPr>
+        <p:spPr>
+          <a:xfrm>
+            <a:off x="6424220" y="4938291"/>
+            <a:ext cx="401225" cy="518917"/>
+          </a:xfrm>
+          <a:prstGeom prst="rect">
+            <a:avLst/>
+          </a:prstGeom>
+          <a:solidFill>
+            <a:srgbClr val="FFFF00"/>
+          </a:solidFill>
+        </p:spPr>
+        <p:style>
+          <a:lnRef idx="2">
+            <a:schemeClr val="accent1">
+              <a:shade val="50000"/>
+            </a:schemeClr>
+          </a:lnRef>
+          <a:fillRef idx="1">
+            <a:schemeClr val="accent1"/>
+          </a:fillRef>
+          <a:effectRef idx="0">
+            <a:schemeClr val="accent1"/>
+          </a:effectRef>
+          <a:fontRef idx="minor">
+            <a:schemeClr val="lt1"/>
+          </a:fontRef>
+        </p:style>
+        <p:txBody>
+          <a:bodyPr rtlCol="0" anchor="ctr"/>
+          <a:lstStyle/>
+          <a:p>
+            <a:pPr algn="ctr"/>
+            <a:endParaRPr kumimoji="1" lang="ko-Kore-KR" altLang="en-US" sz="1400" dirty="0">
+              <a:solidFill>
+                <a:schemeClr val="tx1"/>
+              </a:solidFill>
+            </a:endParaRPr>
+          </a:p>
+        </p:txBody>
+      </p:sp>
+      <p:sp>
+        <p:nvSpPr>
+          <p:cNvPr id="25" name="직사각형 24">
+            <a:extLst>
+              <a:ext uri="{FF2B5EF4-FFF2-40B4-BE49-F238E27FC236}">
+                <a16:creationId xmlns:a16="http://schemas.microsoft.com/office/drawing/2014/main" id="{69E73834-A069-78AA-0DA4-DEFF834E524D}"/>
+              </a:ext>
+            </a:extLst>
+          </p:cNvPr>
+          <p:cNvSpPr/>
+          <p:nvPr/>
+        </p:nvSpPr>
+        <p:spPr>
+          <a:xfrm>
+            <a:off x="6825445" y="4938291"/>
+            <a:ext cx="401225" cy="518917"/>
+          </a:xfrm>
+          <a:prstGeom prst="rect">
+            <a:avLst/>
+          </a:prstGeom>
+          <a:solidFill>
+            <a:srgbClr val="FFFF00"/>
+          </a:solidFill>
+        </p:spPr>
+        <p:style>
+          <a:lnRef idx="2">
+            <a:schemeClr val="accent1">
+              <a:shade val="50000"/>
+            </a:schemeClr>
+          </a:lnRef>
+          <a:fillRef idx="1">
+            <a:schemeClr val="accent1"/>
+          </a:fillRef>
+          <a:effectRef idx="0">
+            <a:schemeClr val="accent1"/>
+          </a:effectRef>
+          <a:fontRef idx="minor">
+            <a:schemeClr val="lt1"/>
+          </a:fontRef>
+        </p:style>
+        <p:txBody>
+          <a:bodyPr rtlCol="0" anchor="ctr"/>
+          <a:lstStyle/>
+          <a:p>
+            <a:pPr algn="ctr"/>
+            <a:endParaRPr kumimoji="1" lang="ko-Kore-KR" altLang="en-US" sz="1400" dirty="0">
+              <a:solidFill>
+                <a:schemeClr val="tx1"/>
+              </a:solidFill>
+            </a:endParaRPr>
+          </a:p>
+        </p:txBody>
+      </p:sp>
+      <p:sp>
+        <p:nvSpPr>
+          <p:cNvPr id="26" name="직사각형 25">
+            <a:extLst>
+              <a:ext uri="{FF2B5EF4-FFF2-40B4-BE49-F238E27FC236}">
+                <a16:creationId xmlns:a16="http://schemas.microsoft.com/office/drawing/2014/main" id="{D064F1B1-BC40-2209-8F38-7B05A32B6C5E}"/>
+              </a:ext>
+            </a:extLst>
+          </p:cNvPr>
+          <p:cNvSpPr/>
+          <p:nvPr/>
+        </p:nvSpPr>
+        <p:spPr>
+          <a:xfrm>
+            <a:off x="7226670" y="4938291"/>
+            <a:ext cx="401225" cy="518917"/>
+          </a:xfrm>
+          <a:prstGeom prst="rect">
+            <a:avLst/>
+          </a:prstGeom>
+          <a:solidFill>
+            <a:srgbClr val="FFFF00"/>
+          </a:solidFill>
+        </p:spPr>
+        <p:style>
+          <a:lnRef idx="2">
+            <a:schemeClr val="accent1">
+              <a:shade val="50000"/>
+            </a:schemeClr>
+          </a:lnRef>
+          <a:fillRef idx="1">
+            <a:schemeClr val="accent1"/>
+          </a:fillRef>
+          <a:effectRef idx="0">
+            <a:schemeClr val="accent1"/>
+          </a:effectRef>
+          <a:fontRef idx="minor">
+            <a:schemeClr val="lt1"/>
+          </a:fontRef>
+        </p:style>
+        <p:txBody>
+          <a:bodyPr rtlCol="0" anchor="ctr"/>
+          <a:lstStyle/>
+          <a:p>
+            <a:pPr algn="ctr"/>
+            <a:endParaRPr kumimoji="1" lang="ko-Kore-KR" altLang="en-US" sz="1400" dirty="0">
+              <a:solidFill>
+                <a:schemeClr val="tx1"/>
+              </a:solidFill>
+            </a:endParaRPr>
+          </a:p>
+        </p:txBody>
+      </p:sp>
+      <p:sp>
+        <p:nvSpPr>
+          <p:cNvPr id="27" name="직사각형 26">
+            <a:extLst>
+              <a:ext uri="{FF2B5EF4-FFF2-40B4-BE49-F238E27FC236}">
+                <a16:creationId xmlns:a16="http://schemas.microsoft.com/office/drawing/2014/main" id="{D57ACCFC-C62E-ACE7-8E87-1AE67C89D005}"/>
+              </a:ext>
+            </a:extLst>
+          </p:cNvPr>
+          <p:cNvSpPr/>
+          <p:nvPr/>
+        </p:nvSpPr>
+        <p:spPr>
+          <a:xfrm>
+            <a:off x="7627895" y="4938291"/>
+            <a:ext cx="401225" cy="518917"/>
+          </a:xfrm>
+          <a:prstGeom prst="rect">
+            <a:avLst/>
+          </a:prstGeom>
+          <a:solidFill>
+            <a:srgbClr val="FFFF00"/>
+          </a:solidFill>
+        </p:spPr>
+        <p:style>
+          <a:lnRef idx="2">
+            <a:schemeClr val="accent1">
+              <a:shade val="50000"/>
+            </a:schemeClr>
+          </a:lnRef>
+          <a:fillRef idx="1">
+            <a:schemeClr val="accent1"/>
+          </a:fillRef>
+          <a:effectRef idx="0">
+            <a:schemeClr val="accent1"/>
+          </a:effectRef>
+          <a:fontRef idx="minor">
+            <a:schemeClr val="lt1"/>
+          </a:fontRef>
+        </p:style>
+        <p:txBody>
+          <a:bodyPr rtlCol="0" anchor="ctr"/>
+          <a:lstStyle/>
+          <a:p>
+            <a:pPr algn="ctr"/>
+            <a:endParaRPr kumimoji="1" lang="ko-Kore-KR" altLang="en-US" sz="1400" dirty="0">
+              <a:solidFill>
+                <a:schemeClr val="tx1"/>
+              </a:solidFill>
+            </a:endParaRPr>
+          </a:p>
+        </p:txBody>
+      </p:sp>
+      <p:sp>
+        <p:nvSpPr>
+          <p:cNvPr id="28" name="직사각형 27">
+            <a:extLst>
+              <a:ext uri="{FF2B5EF4-FFF2-40B4-BE49-F238E27FC236}">
+                <a16:creationId xmlns:a16="http://schemas.microsoft.com/office/drawing/2014/main" id="{E7D73FA2-2ABF-7D50-65C0-6B91DB45A66F}"/>
+              </a:ext>
+            </a:extLst>
+          </p:cNvPr>
+          <p:cNvSpPr/>
+          <p:nvPr/>
+        </p:nvSpPr>
+        <p:spPr>
+          <a:xfrm>
+            <a:off x="8029120" y="4938291"/>
+            <a:ext cx="401225" cy="518917"/>
+          </a:xfrm>
+          <a:prstGeom prst="rect">
+            <a:avLst/>
+          </a:prstGeom>
+          <a:solidFill>
+            <a:srgbClr val="FFFF00"/>
+          </a:solidFill>
+        </p:spPr>
+        <p:style>
+          <a:lnRef idx="2">
+            <a:schemeClr val="accent1">
+              <a:shade val="50000"/>
+            </a:schemeClr>
+          </a:lnRef>
+          <a:fillRef idx="1">
+            <a:schemeClr val="accent1"/>
+          </a:fillRef>
+          <a:effectRef idx="0">
+            <a:schemeClr val="accent1"/>
+          </a:effectRef>
+          <a:fontRef idx="minor">
+            <a:schemeClr val="lt1"/>
+          </a:fontRef>
+        </p:style>
+        <p:txBody>
+          <a:bodyPr rtlCol="0" anchor="ctr"/>
+          <a:lstStyle/>
+          <a:p>
+            <a:pPr algn="ctr"/>
+            <a:endParaRPr kumimoji="1" lang="ko-Kore-KR" altLang="en-US" sz="1400" dirty="0">
+              <a:solidFill>
+                <a:schemeClr val="tx1"/>
+              </a:solidFill>
+            </a:endParaRPr>
+          </a:p>
+        </p:txBody>
+      </p:sp>
+      <p:sp>
+        <p:nvSpPr>
+          <p:cNvPr id="29" name="직사각형 28">
+            <a:extLst>
+              <a:ext uri="{FF2B5EF4-FFF2-40B4-BE49-F238E27FC236}">
+                <a16:creationId xmlns:a16="http://schemas.microsoft.com/office/drawing/2014/main" id="{528FC59F-2DE9-DCE0-3414-416C705A9799}"/>
+              </a:ext>
+            </a:extLst>
+          </p:cNvPr>
+          <p:cNvSpPr/>
+          <p:nvPr/>
+        </p:nvSpPr>
+        <p:spPr>
+          <a:xfrm>
+            <a:off x="8430345" y="4938291"/>
+            <a:ext cx="401225" cy="518917"/>
+          </a:xfrm>
+          <a:prstGeom prst="rect">
+            <a:avLst/>
+          </a:prstGeom>
+          <a:solidFill>
+            <a:srgbClr val="FFFF00"/>
+          </a:solidFill>
+        </p:spPr>
+        <p:style>
+          <a:lnRef idx="2">
+            <a:schemeClr val="accent1">
+              <a:shade val="50000"/>
+            </a:schemeClr>
+          </a:lnRef>
+          <a:fillRef idx="1">
+            <a:schemeClr val="accent1"/>
+          </a:fillRef>
+          <a:effectRef idx="0">
+            <a:schemeClr val="accent1"/>
+          </a:effectRef>
+          <a:fontRef idx="minor">
+            <a:schemeClr val="lt1"/>
+          </a:fontRef>
+        </p:style>
+        <p:txBody>
+          <a:bodyPr rtlCol="0" anchor="ctr"/>
+          <a:lstStyle/>
+          <a:p>
+            <a:pPr algn="ctr"/>
+            <a:endParaRPr kumimoji="1" lang="ko-Kore-KR" altLang="en-US" sz="1400" dirty="0">
+              <a:solidFill>
+                <a:schemeClr val="tx1"/>
+              </a:solidFill>
+            </a:endParaRPr>
+          </a:p>
+        </p:txBody>
+      </p:sp>
+      <p:sp>
+        <p:nvSpPr>
+          <p:cNvPr id="30" name="직사각형 29">
+            <a:extLst>
+              <a:ext uri="{FF2B5EF4-FFF2-40B4-BE49-F238E27FC236}">
+                <a16:creationId xmlns:a16="http://schemas.microsoft.com/office/drawing/2014/main" id="{ECDD53E5-324A-9878-3706-6EA5F49E0B05}"/>
+              </a:ext>
+            </a:extLst>
+          </p:cNvPr>
+          <p:cNvSpPr/>
+          <p:nvPr/>
+        </p:nvSpPr>
+        <p:spPr>
+          <a:xfrm>
+            <a:off x="8517370" y="1575810"/>
+            <a:ext cx="401225" cy="518917"/>
+          </a:xfrm>
+          <a:prstGeom prst="rect">
+            <a:avLst/>
+          </a:prstGeom>
+          <a:solidFill>
+            <a:srgbClr val="FFFF00"/>
+          </a:solidFill>
+        </p:spPr>
+        <p:style>
+          <a:lnRef idx="2">
+            <a:schemeClr val="accent1">
+              <a:shade val="50000"/>
+            </a:schemeClr>
+          </a:lnRef>
+          <a:fillRef idx="1">
+            <a:schemeClr val="accent1"/>
+          </a:fillRef>
+          <a:effectRef idx="0">
+            <a:schemeClr val="accent1"/>
+          </a:effectRef>
+          <a:fontRef idx="minor">
+            <a:schemeClr val="lt1"/>
+          </a:fontRef>
+        </p:style>
+        <p:txBody>
+          <a:bodyPr rtlCol="0" anchor="ctr"/>
+          <a:lstStyle/>
+          <a:p>
+            <a:pPr algn="ctr"/>
+            <a:r>
+              <a:rPr kumimoji="1" lang="en-US" altLang="ko-Kore-KR" sz="1400" dirty="0">
+                <a:solidFill>
+                  <a:schemeClr val="tx1"/>
+                </a:solidFill>
+              </a:rPr>
+              <a:t>6</a:t>
+            </a:r>
+            <a:endParaRPr kumimoji="1" lang="ko-Kore-KR" altLang="en-US" sz="1400" dirty="0">
+              <a:solidFill>
+                <a:schemeClr val="tx1"/>
+              </a:solidFill>
+            </a:endParaRPr>
+          </a:p>
+        </p:txBody>
+      </p:sp>
+      <p:sp>
+        <p:nvSpPr>
+          <p:cNvPr id="2" name="직사각형 1">
+            <a:extLst>
+              <a:ext uri="{FF2B5EF4-FFF2-40B4-BE49-F238E27FC236}">
+                <a16:creationId xmlns:a16="http://schemas.microsoft.com/office/drawing/2014/main" id="{F9C56EB4-DC72-AD14-56D7-91E3ED61CE11}"/>
+              </a:ext>
+            </a:extLst>
+          </p:cNvPr>
+          <p:cNvSpPr/>
+          <p:nvPr/>
+        </p:nvSpPr>
+        <p:spPr>
+          <a:xfrm>
+            <a:off x="7769350" y="1575810"/>
+            <a:ext cx="736099" cy="369332"/>
+          </a:xfrm>
+          <a:prstGeom prst="rect">
+            <a:avLst/>
+          </a:prstGeom>
+        </p:spPr>
+        <p:txBody>
+          <a:bodyPr wrap="none">
+            <a:spAutoFit/>
+          </a:bodyPr>
+          <a:lstStyle/>
+          <a:p>
+            <a:r>
+              <a:rPr lang="en" altLang="ko-Kore-KR" dirty="0" err="1">
+                <a:solidFill>
+                  <a:srgbClr val="001080"/>
+                </a:solidFill>
+                <a:latin typeface="DM Mono" panose="020B0509040201040103" pitchFamily="49" charset="0"/>
+              </a:rPr>
+              <a:t>fpos</a:t>
+            </a:r>
+            <a:endParaRPr lang="ko-Kore-KR" altLang="en-US" dirty="0"/>
+          </a:p>
+        </p:txBody>
+      </p:sp>
+      <p:cxnSp>
+        <p:nvCxnSpPr>
+          <p:cNvPr id="5" name="구부러진 연결선[U] 4">
+            <a:extLst>
+              <a:ext uri="{FF2B5EF4-FFF2-40B4-BE49-F238E27FC236}">
+                <a16:creationId xmlns:a16="http://schemas.microsoft.com/office/drawing/2014/main" id="{BE845E46-3BF6-CFEF-4D52-1A1252A8F28A}"/>
+              </a:ext>
+            </a:extLst>
+          </p:cNvPr>
+          <p:cNvCxnSpPr>
+            <a:cxnSpLocks/>
+            <a:stCxn id="30" idx="2"/>
+            <a:endCxn id="20" idx="0"/>
+          </p:cNvCxnSpPr>
+          <p:nvPr/>
+        </p:nvCxnSpPr>
+        <p:spPr>
+          <a:xfrm rot="5400000">
+            <a:off x="5447176" y="1667484"/>
+            <a:ext cx="2843564" cy="3698050"/>
+          </a:xfrm>
+          <a:prstGeom prst="curvedConnector3">
+            <a:avLst/>
+          </a:prstGeom>
+          <a:ln>
+            <a:tailEnd type="triangle"/>
+          </a:ln>
+        </p:spPr>
+        <p:style>
+          <a:lnRef idx="1">
+            <a:schemeClr val="accent1"/>
+          </a:lnRef>
+          <a:fillRef idx="0">
+            <a:schemeClr val="accent1"/>
+          </a:fillRef>
+          <a:effectRef idx="0">
+            <a:schemeClr val="accent1"/>
+          </a:effectRef>
+          <a:fontRef idx="minor">
+            <a:schemeClr val="tx1"/>
+          </a:fontRef>
+        </p:style>
+      </p:cxnSp>
+    </p:spTree>
+    <p:extLst>
+      <p:ext uri="{BB962C8B-B14F-4D97-AF65-F5344CB8AC3E}">
+        <p14:creationId xmlns:p14="http://schemas.microsoft.com/office/powerpoint/2010/main" val="303766986"/>
+      </p:ext>
+    </p:extLst>
+  </p:cSld>
+  <p:clrMapOvr>
+    <a:masterClrMapping/>
+  </p:clrMapOvr>
+</p:sld>
+</file>
+
+<file path=ppt/slides/slide27.xml><?xml version="1.0" encoding="utf-8"?>
+<p:sld xmlns:a="http://schemas.openxmlformats.org/drawingml/2006/main" xmlns:r="http://schemas.openxmlformats.org/officeDocument/2006/relationships" xmlns:p="http://schemas.openxmlformats.org/presentationml/2006/main">
+  <p:cSld>
+    <p:spTree>
+      <p:nvGrpSpPr>
+        <p:cNvPr id="1" name=""/>
+        <p:cNvGrpSpPr/>
+        <p:nvPr/>
+      </p:nvGrpSpPr>
+      <p:grpSpPr>
+        <a:xfrm>
+          <a:off x="0" y="0"/>
+          <a:ext cx="0" cy="0"/>
+          <a:chOff x="0" y="0"/>
+          <a:chExt cx="0" cy="0"/>
+        </a:xfrm>
+      </p:grpSpPr>
+      <p:sp>
+        <p:nvSpPr>
+          <p:cNvPr id="4" name="직사각형 3">
+            <a:extLst>
+              <a:ext uri="{FF2B5EF4-FFF2-40B4-BE49-F238E27FC236}">
+                <a16:creationId xmlns:a16="http://schemas.microsoft.com/office/drawing/2014/main" id="{2783C786-A6E3-D4D7-71E1-AD9CF08888AC}"/>
+              </a:ext>
+            </a:extLst>
+          </p:cNvPr>
+          <p:cNvSpPr/>
+          <p:nvPr/>
+        </p:nvSpPr>
+        <p:spPr>
+          <a:xfrm>
+            <a:off x="276225" y="109568"/>
+            <a:ext cx="6210300" cy="4524315"/>
+          </a:xfrm>
+          <a:prstGeom prst="rect">
+            <a:avLst/>
+          </a:prstGeom>
+        </p:spPr>
+        <p:txBody>
+          <a:bodyPr wrap="square">
+            <a:spAutoFit/>
+          </a:bodyPr>
+          <a:lstStyle/>
+          <a:p>
+            <a:r>
+              <a:rPr lang="en" altLang="ko-Kore-KR" dirty="0">
+                <a:solidFill>
+                  <a:srgbClr val="267F99"/>
+                </a:solidFill>
+                <a:latin typeface="DM Mono" panose="020B0509040201040103" pitchFamily="49" charset="0"/>
+              </a:rPr>
+              <a:t>FILE</a:t>
+            </a:r>
+            <a:r>
+              <a:rPr lang="en" altLang="ko-Kore-KR" dirty="0">
+                <a:solidFill>
+                  <a:srgbClr val="000000"/>
+                </a:solidFill>
+                <a:latin typeface="DM Mono" panose="020B0509040201040103" pitchFamily="49" charset="0"/>
+              </a:rPr>
+              <a:t>* </a:t>
+            </a:r>
+            <a:r>
+              <a:rPr lang="en" altLang="ko-Kore-KR" dirty="0" err="1">
+                <a:solidFill>
+                  <a:srgbClr val="001080"/>
+                </a:solidFill>
+                <a:latin typeface="DM Mono" panose="020B0509040201040103" pitchFamily="49" charset="0"/>
+              </a:rPr>
+              <a:t>fp</a:t>
+            </a:r>
+            <a:r>
+              <a:rPr lang="en" altLang="ko-Kore-KR" dirty="0">
+                <a:solidFill>
+                  <a:srgbClr val="000000"/>
+                </a:solidFill>
+                <a:latin typeface="DM Mono" panose="020B0509040201040103" pitchFamily="49" charset="0"/>
+              </a:rPr>
+              <a:t> = </a:t>
+            </a:r>
+            <a:r>
+              <a:rPr lang="en" altLang="ko-Kore-KR" dirty="0" err="1">
+                <a:solidFill>
+                  <a:srgbClr val="795E26"/>
+                </a:solidFill>
+                <a:latin typeface="DM Mono" panose="020B0509040201040103" pitchFamily="49" charset="0"/>
+              </a:rPr>
+              <a:t>fopen</a:t>
+            </a:r>
+            <a:r>
+              <a:rPr lang="en" altLang="ko-Kore-KR" dirty="0">
+                <a:solidFill>
+                  <a:srgbClr val="000000"/>
+                </a:solidFill>
+                <a:latin typeface="DM Mono" panose="020B0509040201040103" pitchFamily="49" charset="0"/>
+              </a:rPr>
+              <a:t>(</a:t>
+            </a:r>
+            <a:r>
+              <a:rPr lang="en" altLang="ko-Kore-KR" dirty="0">
+                <a:solidFill>
+                  <a:srgbClr val="A31515"/>
+                </a:solidFill>
+                <a:latin typeface="DM Mono" panose="020B0509040201040103" pitchFamily="49" charset="0"/>
+              </a:rPr>
+              <a:t>"</a:t>
+            </a:r>
+            <a:r>
+              <a:rPr lang="en" altLang="ko-Kore-KR" dirty="0" err="1">
+                <a:solidFill>
+                  <a:srgbClr val="A31515"/>
+                </a:solidFill>
+                <a:latin typeface="DM Mono" panose="020B0509040201040103" pitchFamily="49" charset="0"/>
+              </a:rPr>
+              <a:t>test.txt</a:t>
+            </a:r>
+            <a:r>
+              <a:rPr lang="en" altLang="ko-Kore-KR" dirty="0">
+                <a:solidFill>
+                  <a:srgbClr val="A31515"/>
+                </a:solidFill>
+                <a:latin typeface="DM Mono" panose="020B0509040201040103" pitchFamily="49" charset="0"/>
+              </a:rPr>
+              <a:t>"</a:t>
+            </a:r>
+            <a:r>
+              <a:rPr lang="en" altLang="ko-Kore-KR" dirty="0">
+                <a:solidFill>
+                  <a:srgbClr val="000000"/>
+                </a:solidFill>
+                <a:latin typeface="DM Mono" panose="020B0509040201040103" pitchFamily="49" charset="0"/>
+              </a:rPr>
+              <a:t>, </a:t>
+            </a:r>
+            <a:r>
+              <a:rPr lang="en" altLang="ko-Kore-KR" dirty="0">
+                <a:solidFill>
+                  <a:srgbClr val="A31515"/>
+                </a:solidFill>
+                <a:latin typeface="DM Mono" panose="020B0509040201040103" pitchFamily="49" charset="0"/>
+              </a:rPr>
+              <a:t>"w+"</a:t>
+            </a:r>
+            <a:r>
+              <a:rPr lang="en" altLang="ko-Kore-KR" dirty="0">
+                <a:solidFill>
+                  <a:srgbClr val="000000"/>
+                </a:solidFill>
+                <a:latin typeface="DM Mono" panose="020B0509040201040103" pitchFamily="49" charset="0"/>
+              </a:rPr>
+              <a:t>); </a:t>
+            </a:r>
+            <a:r>
+              <a:rPr lang="en" altLang="ko-Kore-KR" dirty="0">
+                <a:solidFill>
+                  <a:srgbClr val="008000"/>
+                </a:solidFill>
+                <a:latin typeface="DM Mono" panose="020B0509040201040103" pitchFamily="49" charset="0"/>
+              </a:rPr>
+              <a:t>// write + read</a:t>
+            </a:r>
+            <a:endParaRPr lang="en" altLang="ko-Kore-KR" dirty="0">
+              <a:solidFill>
+                <a:srgbClr val="000000"/>
+              </a:solidFill>
+              <a:latin typeface="DM Mono" panose="020B0509040201040103" pitchFamily="49" charset="0"/>
+            </a:endParaRPr>
+          </a:p>
+          <a:p>
+            <a:r>
+              <a:rPr lang="en" altLang="ko-Kore-KR" dirty="0">
+                <a:solidFill>
+                  <a:srgbClr val="AF00DB"/>
+                </a:solidFill>
+                <a:latin typeface="DM Mono" panose="020B0509040201040103" pitchFamily="49" charset="0"/>
+              </a:rPr>
+              <a:t>if</a:t>
+            </a:r>
+            <a:r>
+              <a:rPr lang="en" altLang="ko-Kore-KR" dirty="0">
+                <a:solidFill>
+                  <a:srgbClr val="000000"/>
+                </a:solidFill>
+                <a:latin typeface="DM Mono" panose="020B0509040201040103" pitchFamily="49" charset="0"/>
+              </a:rPr>
+              <a:t> (</a:t>
+            </a:r>
+            <a:r>
+              <a:rPr lang="en" altLang="ko-Kore-KR" dirty="0" err="1">
+                <a:solidFill>
+                  <a:srgbClr val="001080"/>
+                </a:solidFill>
+                <a:latin typeface="DM Mono" panose="020B0509040201040103" pitchFamily="49" charset="0"/>
+              </a:rPr>
+              <a:t>fp</a:t>
+            </a:r>
+            <a:r>
+              <a:rPr lang="en" altLang="ko-Kore-KR" dirty="0">
+                <a:solidFill>
+                  <a:srgbClr val="000000"/>
+                </a:solidFill>
+                <a:latin typeface="DM Mono" panose="020B0509040201040103" pitchFamily="49" charset="0"/>
+              </a:rPr>
+              <a:t> == </a:t>
+            </a:r>
+            <a:r>
+              <a:rPr lang="en" altLang="ko-Kore-KR" dirty="0">
+                <a:solidFill>
+                  <a:srgbClr val="0000FF"/>
+                </a:solidFill>
+                <a:latin typeface="DM Mono" panose="020B0509040201040103" pitchFamily="49" charset="0"/>
+              </a:rPr>
+              <a:t>NULL</a:t>
+            </a:r>
+            <a:r>
+              <a:rPr lang="en" altLang="ko-Kore-KR" dirty="0">
+                <a:solidFill>
+                  <a:srgbClr val="000000"/>
+                </a:solidFill>
+                <a:latin typeface="DM Mono" panose="020B0509040201040103" pitchFamily="49" charset="0"/>
+              </a:rPr>
+              <a:t>) {</a:t>
+            </a:r>
+          </a:p>
+          <a:p>
+            <a:r>
+              <a:rPr lang="en" altLang="ko-Kore-KR" dirty="0" err="1">
+                <a:solidFill>
+                  <a:srgbClr val="795E26"/>
+                </a:solidFill>
+                <a:latin typeface="DM Mono" panose="020B0509040201040103" pitchFamily="49" charset="0"/>
+              </a:rPr>
+              <a:t>fprintf</a:t>
+            </a:r>
+            <a:r>
+              <a:rPr lang="en" altLang="ko-Kore-KR" dirty="0">
+                <a:solidFill>
+                  <a:srgbClr val="000000"/>
+                </a:solidFill>
+                <a:latin typeface="DM Mono" panose="020B0509040201040103" pitchFamily="49" charset="0"/>
+              </a:rPr>
+              <a:t>(</a:t>
+            </a:r>
+            <a:r>
+              <a:rPr lang="en" altLang="ko-Kore-KR" dirty="0">
+                <a:solidFill>
+                  <a:srgbClr val="0000FF"/>
+                </a:solidFill>
+                <a:latin typeface="DM Mono" panose="020B0509040201040103" pitchFamily="49" charset="0"/>
+              </a:rPr>
+              <a:t>stderr</a:t>
+            </a:r>
+            <a:r>
+              <a:rPr lang="en" altLang="ko-Kore-KR" dirty="0">
+                <a:solidFill>
+                  <a:srgbClr val="000000"/>
+                </a:solidFill>
+                <a:latin typeface="DM Mono" panose="020B0509040201040103" pitchFamily="49" charset="0"/>
+              </a:rPr>
+              <a:t>, </a:t>
+            </a:r>
+            <a:r>
+              <a:rPr lang="en" altLang="ko-Kore-KR" dirty="0">
+                <a:solidFill>
+                  <a:srgbClr val="A31515"/>
+                </a:solidFill>
+                <a:latin typeface="DM Mono" panose="020B0509040201040103" pitchFamily="49" charset="0"/>
+              </a:rPr>
+              <a:t>"file open error!</a:t>
+            </a:r>
+            <a:r>
+              <a:rPr lang="en" altLang="ko-Kore-KR" dirty="0">
+                <a:solidFill>
+                  <a:srgbClr val="EE0000"/>
+                </a:solidFill>
+                <a:latin typeface="DM Mono" panose="020B0509040201040103" pitchFamily="49" charset="0"/>
+              </a:rPr>
+              <a:t>\n</a:t>
+            </a:r>
+            <a:r>
+              <a:rPr lang="en" altLang="ko-Kore-KR" dirty="0">
+                <a:solidFill>
+                  <a:srgbClr val="A31515"/>
+                </a:solidFill>
+                <a:latin typeface="DM Mono" panose="020B0509040201040103" pitchFamily="49" charset="0"/>
+              </a:rPr>
+              <a:t>"</a:t>
+            </a:r>
+            <a:r>
+              <a:rPr lang="en" altLang="ko-Kore-KR" dirty="0">
+                <a:solidFill>
+                  <a:srgbClr val="000000"/>
+                </a:solidFill>
+                <a:latin typeface="DM Mono" panose="020B0509040201040103" pitchFamily="49" charset="0"/>
+              </a:rPr>
+              <a:t>);</a:t>
+            </a:r>
+          </a:p>
+          <a:p>
+            <a:r>
+              <a:rPr lang="en" altLang="ko-Kore-KR" dirty="0">
+                <a:solidFill>
+                  <a:srgbClr val="AF00DB"/>
+                </a:solidFill>
+                <a:latin typeface="DM Mono" panose="020B0509040201040103" pitchFamily="49" charset="0"/>
+              </a:rPr>
+              <a:t>return</a:t>
+            </a:r>
+            <a:r>
+              <a:rPr lang="en" altLang="ko-Kore-KR" dirty="0">
+                <a:solidFill>
+                  <a:srgbClr val="000000"/>
+                </a:solidFill>
+                <a:latin typeface="DM Mono" panose="020B0509040201040103" pitchFamily="49" charset="0"/>
+              </a:rPr>
+              <a:t> </a:t>
+            </a:r>
+            <a:r>
+              <a:rPr lang="en" altLang="ko-Kore-KR" dirty="0">
+                <a:solidFill>
+                  <a:srgbClr val="098658"/>
+                </a:solidFill>
+                <a:latin typeface="DM Mono" panose="020B0509040201040103" pitchFamily="49" charset="0"/>
+              </a:rPr>
+              <a:t>1</a:t>
+            </a:r>
+            <a:r>
+              <a:rPr lang="en" altLang="ko-Kore-KR" dirty="0">
+                <a:solidFill>
+                  <a:srgbClr val="000000"/>
+                </a:solidFill>
+                <a:latin typeface="DM Mono" panose="020B0509040201040103" pitchFamily="49" charset="0"/>
+              </a:rPr>
+              <a:t>;</a:t>
+            </a:r>
+          </a:p>
+          <a:p>
+            <a:r>
+              <a:rPr lang="en" altLang="ko-Kore-KR" dirty="0">
+                <a:solidFill>
+                  <a:srgbClr val="000000"/>
+                </a:solidFill>
+                <a:latin typeface="DM Mono" panose="020B0509040201040103" pitchFamily="49" charset="0"/>
+              </a:rPr>
+              <a:t>}</a:t>
+            </a:r>
+          </a:p>
+          <a:p>
+            <a:br>
+              <a:rPr lang="en" altLang="ko-Kore-KR" dirty="0">
+                <a:latin typeface="DM Mono" panose="020B0509040201040103" pitchFamily="49" charset="0"/>
+              </a:rPr>
+            </a:br>
+            <a:r>
+              <a:rPr lang="en" altLang="ko-Kore-KR" dirty="0" err="1">
+                <a:latin typeface="DM Mono" panose="020B0509040201040103" pitchFamily="49" charset="0"/>
+              </a:rPr>
+              <a:t>fprintf</a:t>
+            </a:r>
+            <a:r>
+              <a:rPr lang="en" altLang="ko-Kore-KR" dirty="0">
+                <a:latin typeface="DM Mono" panose="020B0509040201040103" pitchFamily="49" charset="0"/>
+              </a:rPr>
+              <a:t>(</a:t>
+            </a:r>
+            <a:r>
+              <a:rPr lang="en" altLang="ko-Kore-KR" dirty="0" err="1">
+                <a:latin typeface="DM Mono" panose="020B0509040201040103" pitchFamily="49" charset="0"/>
+              </a:rPr>
+              <a:t>fp</a:t>
+            </a:r>
+            <a:r>
+              <a:rPr lang="en" altLang="ko-Kore-KR" dirty="0">
+                <a:latin typeface="DM Mono" panose="020B0509040201040103" pitchFamily="49" charset="0"/>
+              </a:rPr>
+              <a:t>, "hello\n");</a:t>
+            </a:r>
+          </a:p>
+          <a:p>
+            <a:r>
+              <a:rPr lang="en" altLang="ko-Kore-KR" dirty="0" err="1">
+                <a:solidFill>
+                  <a:srgbClr val="FF0000"/>
+                </a:solidFill>
+                <a:latin typeface="DM Mono" panose="020B0509040201040103" pitchFamily="49" charset="0"/>
+              </a:rPr>
+              <a:t>fseek</a:t>
+            </a:r>
+            <a:r>
+              <a:rPr lang="en" altLang="ko-Kore-KR" dirty="0">
+                <a:solidFill>
+                  <a:srgbClr val="FF0000"/>
+                </a:solidFill>
+                <a:latin typeface="DM Mono" panose="020B0509040201040103" pitchFamily="49" charset="0"/>
+              </a:rPr>
+              <a:t>(</a:t>
+            </a:r>
+            <a:r>
+              <a:rPr lang="en" altLang="ko-Kore-KR" dirty="0" err="1">
+                <a:solidFill>
+                  <a:srgbClr val="FF0000"/>
+                </a:solidFill>
+                <a:latin typeface="DM Mono" panose="020B0509040201040103" pitchFamily="49" charset="0"/>
+              </a:rPr>
+              <a:t>fp</a:t>
+            </a:r>
+            <a:r>
+              <a:rPr lang="en" altLang="ko-Kore-KR" dirty="0">
+                <a:solidFill>
+                  <a:srgbClr val="FF0000"/>
+                </a:solidFill>
+                <a:latin typeface="DM Mono" panose="020B0509040201040103" pitchFamily="49" charset="0"/>
+              </a:rPr>
+              <a:t>, 0, SEEK_SET);</a:t>
+            </a:r>
+          </a:p>
+          <a:p>
+            <a:endParaRPr lang="en" altLang="ko-Kore-KR" b="1" dirty="0">
+              <a:solidFill>
+                <a:srgbClr val="000000"/>
+              </a:solidFill>
+              <a:latin typeface="DM Mono" panose="020B0509040201040103" pitchFamily="49" charset="0"/>
+            </a:endParaRPr>
+          </a:p>
+          <a:p>
+            <a:br>
+              <a:rPr lang="en" altLang="ko-Kore-KR" dirty="0">
+                <a:solidFill>
+                  <a:srgbClr val="000000"/>
+                </a:solidFill>
+                <a:latin typeface="DM Mono" panose="020B0509040201040103" pitchFamily="49" charset="0"/>
+              </a:rPr>
+            </a:br>
+            <a:r>
+              <a:rPr lang="en" altLang="ko-Kore-KR" dirty="0">
+                <a:solidFill>
+                  <a:srgbClr val="0000FF"/>
+                </a:solidFill>
+                <a:latin typeface="DM Mono" panose="020B0509040201040103" pitchFamily="49" charset="0"/>
+              </a:rPr>
+              <a:t>char</a:t>
+            </a:r>
+            <a:r>
+              <a:rPr lang="en" altLang="ko-Kore-KR" dirty="0">
+                <a:solidFill>
+                  <a:srgbClr val="000000"/>
+                </a:solidFill>
+                <a:latin typeface="DM Mono" panose="020B0509040201040103" pitchFamily="49" charset="0"/>
+              </a:rPr>
+              <a:t> </a:t>
+            </a:r>
+            <a:r>
+              <a:rPr lang="en" altLang="ko-Kore-KR" dirty="0" err="1">
+                <a:solidFill>
+                  <a:srgbClr val="001080"/>
+                </a:solidFill>
+                <a:latin typeface="DM Mono" panose="020B0509040201040103" pitchFamily="49" charset="0"/>
+              </a:rPr>
+              <a:t>buf</a:t>
+            </a:r>
+            <a:r>
+              <a:rPr lang="en" altLang="ko-Kore-KR" dirty="0">
+                <a:solidFill>
+                  <a:srgbClr val="000000"/>
+                </a:solidFill>
+                <a:latin typeface="DM Mono" panose="020B0509040201040103" pitchFamily="49" charset="0"/>
+              </a:rPr>
+              <a:t>[</a:t>
+            </a:r>
+            <a:r>
+              <a:rPr lang="en" altLang="ko-Kore-KR" dirty="0">
+                <a:solidFill>
+                  <a:srgbClr val="098658"/>
+                </a:solidFill>
+                <a:latin typeface="DM Mono" panose="020B0509040201040103" pitchFamily="49" charset="0"/>
+              </a:rPr>
+              <a:t>32</a:t>
+            </a:r>
+            <a:r>
+              <a:rPr lang="en" altLang="ko-Kore-KR" dirty="0">
+                <a:solidFill>
+                  <a:srgbClr val="000000"/>
+                </a:solidFill>
+                <a:latin typeface="DM Mono" panose="020B0509040201040103" pitchFamily="49" charset="0"/>
+              </a:rPr>
+              <a:t>];</a:t>
+            </a:r>
+          </a:p>
+          <a:p>
+            <a:r>
+              <a:rPr lang="en" altLang="ko-Kore-KR" dirty="0" err="1">
+                <a:solidFill>
+                  <a:srgbClr val="795E26"/>
+                </a:solidFill>
+                <a:latin typeface="DM Mono" panose="020B0509040201040103" pitchFamily="49" charset="0"/>
+              </a:rPr>
+              <a:t>fscanf</a:t>
+            </a:r>
+            <a:r>
+              <a:rPr lang="en" altLang="ko-Kore-KR" dirty="0">
+                <a:solidFill>
+                  <a:srgbClr val="000000"/>
+                </a:solidFill>
+                <a:latin typeface="DM Mono" panose="020B0509040201040103" pitchFamily="49" charset="0"/>
+              </a:rPr>
+              <a:t>(</a:t>
+            </a:r>
+            <a:r>
+              <a:rPr lang="en" altLang="ko-Kore-KR" dirty="0" err="1">
+                <a:solidFill>
+                  <a:srgbClr val="001080"/>
+                </a:solidFill>
+                <a:latin typeface="DM Mono" panose="020B0509040201040103" pitchFamily="49" charset="0"/>
+              </a:rPr>
+              <a:t>fp</a:t>
+            </a:r>
+            <a:r>
+              <a:rPr lang="en" altLang="ko-Kore-KR" dirty="0">
+                <a:solidFill>
+                  <a:srgbClr val="000000"/>
+                </a:solidFill>
+                <a:latin typeface="DM Mono" panose="020B0509040201040103" pitchFamily="49" charset="0"/>
+              </a:rPr>
+              <a:t>, </a:t>
+            </a:r>
+            <a:r>
+              <a:rPr lang="en" altLang="ko-Kore-KR" dirty="0">
+                <a:solidFill>
+                  <a:srgbClr val="A31515"/>
+                </a:solidFill>
+                <a:latin typeface="DM Mono" panose="020B0509040201040103" pitchFamily="49" charset="0"/>
+              </a:rPr>
+              <a:t>"</a:t>
+            </a:r>
+            <a:r>
+              <a:rPr lang="en" altLang="ko-Kore-KR" dirty="0">
+                <a:solidFill>
+                  <a:srgbClr val="001080"/>
+                </a:solidFill>
+                <a:latin typeface="DM Mono" panose="020B0509040201040103" pitchFamily="49" charset="0"/>
+              </a:rPr>
+              <a:t>%s</a:t>
+            </a:r>
+            <a:r>
+              <a:rPr lang="en" altLang="ko-Kore-KR" dirty="0">
+                <a:solidFill>
+                  <a:srgbClr val="A31515"/>
+                </a:solidFill>
+                <a:latin typeface="DM Mono" panose="020B0509040201040103" pitchFamily="49" charset="0"/>
+              </a:rPr>
+              <a:t>"</a:t>
+            </a:r>
+            <a:r>
+              <a:rPr lang="en" altLang="ko-Kore-KR" dirty="0">
+                <a:solidFill>
+                  <a:srgbClr val="000000"/>
+                </a:solidFill>
+                <a:latin typeface="DM Mono" panose="020B0509040201040103" pitchFamily="49" charset="0"/>
+              </a:rPr>
+              <a:t>, </a:t>
+            </a:r>
+            <a:r>
+              <a:rPr lang="en" altLang="ko-Kore-KR" dirty="0" err="1">
+                <a:solidFill>
+                  <a:srgbClr val="001080"/>
+                </a:solidFill>
+                <a:latin typeface="DM Mono" panose="020B0509040201040103" pitchFamily="49" charset="0"/>
+              </a:rPr>
+              <a:t>buf</a:t>
+            </a:r>
+            <a:r>
+              <a:rPr lang="en" altLang="ko-Kore-KR" dirty="0">
+                <a:solidFill>
+                  <a:srgbClr val="000000"/>
+                </a:solidFill>
+                <a:latin typeface="DM Mono" panose="020B0509040201040103" pitchFamily="49" charset="0"/>
+              </a:rPr>
+              <a:t>);</a:t>
+            </a:r>
+          </a:p>
+          <a:p>
+            <a:r>
+              <a:rPr lang="en" altLang="ko-Kore-KR" dirty="0" err="1">
+                <a:solidFill>
+                  <a:srgbClr val="795E26"/>
+                </a:solidFill>
+                <a:latin typeface="DM Mono" panose="020B0509040201040103" pitchFamily="49" charset="0"/>
+              </a:rPr>
+              <a:t>printf</a:t>
+            </a:r>
+            <a:r>
+              <a:rPr lang="en" altLang="ko-Kore-KR" dirty="0">
+                <a:solidFill>
+                  <a:srgbClr val="000000"/>
+                </a:solidFill>
+                <a:latin typeface="DM Mono" panose="020B0509040201040103" pitchFamily="49" charset="0"/>
+              </a:rPr>
+              <a:t>(</a:t>
+            </a:r>
+            <a:r>
+              <a:rPr lang="en" altLang="ko-Kore-KR" dirty="0">
+                <a:solidFill>
+                  <a:srgbClr val="A31515"/>
+                </a:solidFill>
+                <a:latin typeface="DM Mono" panose="020B0509040201040103" pitchFamily="49" charset="0"/>
+              </a:rPr>
+              <a:t>"</a:t>
+            </a:r>
+            <a:r>
+              <a:rPr lang="en" altLang="ko-Kore-KR" dirty="0" err="1">
+                <a:solidFill>
+                  <a:srgbClr val="A31515"/>
+                </a:solidFill>
+                <a:latin typeface="DM Mono" panose="020B0509040201040103" pitchFamily="49" charset="0"/>
+              </a:rPr>
+              <a:t>buf</a:t>
+            </a:r>
+            <a:r>
+              <a:rPr lang="en" altLang="ko-Kore-KR" dirty="0">
+                <a:solidFill>
+                  <a:srgbClr val="A31515"/>
+                </a:solidFill>
+                <a:latin typeface="DM Mono" panose="020B0509040201040103" pitchFamily="49" charset="0"/>
+              </a:rPr>
+              <a:t>: </a:t>
+            </a:r>
+            <a:r>
+              <a:rPr lang="en" altLang="ko-Kore-KR" dirty="0">
+                <a:solidFill>
+                  <a:srgbClr val="001080"/>
+                </a:solidFill>
+                <a:latin typeface="DM Mono" panose="020B0509040201040103" pitchFamily="49" charset="0"/>
+              </a:rPr>
+              <a:t>%s</a:t>
+            </a:r>
+            <a:r>
+              <a:rPr lang="en" altLang="ko-Kore-KR" dirty="0">
+                <a:solidFill>
+                  <a:srgbClr val="EE0000"/>
+                </a:solidFill>
+                <a:latin typeface="DM Mono" panose="020B0509040201040103" pitchFamily="49" charset="0"/>
+              </a:rPr>
+              <a:t>\n</a:t>
+            </a:r>
+            <a:r>
+              <a:rPr lang="en" altLang="ko-Kore-KR" dirty="0">
+                <a:solidFill>
+                  <a:srgbClr val="A31515"/>
+                </a:solidFill>
+                <a:latin typeface="DM Mono" panose="020B0509040201040103" pitchFamily="49" charset="0"/>
+              </a:rPr>
+              <a:t>"</a:t>
+            </a:r>
+            <a:r>
+              <a:rPr lang="en" altLang="ko-Kore-KR" dirty="0">
+                <a:solidFill>
+                  <a:srgbClr val="000000"/>
+                </a:solidFill>
+                <a:latin typeface="DM Mono" panose="020B0509040201040103" pitchFamily="49" charset="0"/>
+              </a:rPr>
+              <a:t>, </a:t>
+            </a:r>
+            <a:r>
+              <a:rPr lang="en" altLang="ko-Kore-KR" dirty="0" err="1">
+                <a:solidFill>
+                  <a:srgbClr val="001080"/>
+                </a:solidFill>
+                <a:latin typeface="DM Mono" panose="020B0509040201040103" pitchFamily="49" charset="0"/>
+              </a:rPr>
+              <a:t>buf</a:t>
+            </a:r>
+            <a:r>
+              <a:rPr lang="en" altLang="ko-Kore-KR" dirty="0">
+                <a:solidFill>
+                  <a:srgbClr val="000000"/>
+                </a:solidFill>
+                <a:latin typeface="DM Mono" panose="020B0509040201040103" pitchFamily="49" charset="0"/>
+              </a:rPr>
+              <a:t>);</a:t>
+            </a:r>
+          </a:p>
+          <a:p>
+            <a:br>
+              <a:rPr lang="en" altLang="ko-Kore-KR" dirty="0">
+                <a:solidFill>
+                  <a:srgbClr val="000000"/>
+                </a:solidFill>
+                <a:latin typeface="DM Mono" panose="020B0509040201040103" pitchFamily="49" charset="0"/>
+              </a:rPr>
+            </a:br>
+            <a:r>
+              <a:rPr lang="en" altLang="ko-Kore-KR" dirty="0" err="1">
+                <a:solidFill>
+                  <a:srgbClr val="795E26"/>
+                </a:solidFill>
+                <a:latin typeface="DM Mono" panose="020B0509040201040103" pitchFamily="49" charset="0"/>
+              </a:rPr>
+              <a:t>fclose</a:t>
+            </a:r>
+            <a:r>
+              <a:rPr lang="en" altLang="ko-Kore-KR" dirty="0">
+                <a:solidFill>
+                  <a:srgbClr val="000000"/>
+                </a:solidFill>
+                <a:latin typeface="DM Mono" panose="020B0509040201040103" pitchFamily="49" charset="0"/>
+              </a:rPr>
+              <a:t>(</a:t>
+            </a:r>
+            <a:r>
+              <a:rPr lang="en" altLang="ko-Kore-KR" dirty="0" err="1">
+                <a:solidFill>
+                  <a:srgbClr val="001080"/>
+                </a:solidFill>
+                <a:latin typeface="DM Mono" panose="020B0509040201040103" pitchFamily="49" charset="0"/>
+              </a:rPr>
+              <a:t>fp</a:t>
+            </a:r>
+            <a:r>
+              <a:rPr lang="en" altLang="ko-Kore-KR" dirty="0">
+                <a:solidFill>
+                  <a:srgbClr val="000000"/>
+                </a:solidFill>
+                <a:latin typeface="DM Mono" panose="020B0509040201040103" pitchFamily="49" charset="0"/>
+              </a:rPr>
+              <a:t>);</a:t>
+            </a:r>
+          </a:p>
+        </p:txBody>
+      </p:sp>
+      <p:sp>
+        <p:nvSpPr>
+          <p:cNvPr id="57" name="직사각형 56">
+            <a:extLst>
+              <a:ext uri="{FF2B5EF4-FFF2-40B4-BE49-F238E27FC236}">
+                <a16:creationId xmlns:a16="http://schemas.microsoft.com/office/drawing/2014/main" id="{F149CA64-80DD-1E91-5DEE-65F8773072C1}"/>
+              </a:ext>
+            </a:extLst>
+          </p:cNvPr>
+          <p:cNvSpPr/>
+          <p:nvPr/>
+        </p:nvSpPr>
+        <p:spPr>
+          <a:xfrm>
+            <a:off x="2411970" y="4938291"/>
+            <a:ext cx="401225" cy="518917"/>
+          </a:xfrm>
+          <a:prstGeom prst="rect">
+            <a:avLst/>
+          </a:prstGeom>
+          <a:solidFill>
+            <a:srgbClr val="FFFF00"/>
+          </a:solidFill>
+        </p:spPr>
+        <p:style>
+          <a:lnRef idx="2">
+            <a:schemeClr val="accent1">
+              <a:shade val="50000"/>
+            </a:schemeClr>
+          </a:lnRef>
+          <a:fillRef idx="1">
+            <a:schemeClr val="accent1"/>
+          </a:fillRef>
+          <a:effectRef idx="0">
+            <a:schemeClr val="accent1"/>
+          </a:effectRef>
+          <a:fontRef idx="minor">
+            <a:schemeClr val="lt1"/>
+          </a:fontRef>
+        </p:style>
+        <p:txBody>
+          <a:bodyPr rtlCol="0" anchor="ctr"/>
+          <a:lstStyle/>
+          <a:p>
+            <a:pPr algn="ctr"/>
+            <a:r>
+              <a:rPr kumimoji="1" lang="en-US" altLang="ko-Kore-KR" sz="1400" dirty="0">
+                <a:solidFill>
+                  <a:schemeClr val="tx1"/>
+                </a:solidFill>
+              </a:rPr>
+              <a:t>h</a:t>
+            </a:r>
+            <a:endParaRPr kumimoji="1" lang="ko-Kore-KR" altLang="en-US" sz="1400" dirty="0">
+              <a:solidFill>
+                <a:schemeClr val="tx1"/>
+              </a:solidFill>
+            </a:endParaRPr>
+          </a:p>
+        </p:txBody>
+      </p:sp>
+      <p:sp>
+        <p:nvSpPr>
+          <p:cNvPr id="15" name="직사각형 14">
+            <a:extLst>
+              <a:ext uri="{FF2B5EF4-FFF2-40B4-BE49-F238E27FC236}">
+                <a16:creationId xmlns:a16="http://schemas.microsoft.com/office/drawing/2014/main" id="{C9DB4550-1D60-D748-7770-AF53534A2FDA}"/>
+              </a:ext>
+            </a:extLst>
+          </p:cNvPr>
+          <p:cNvSpPr/>
+          <p:nvPr/>
+        </p:nvSpPr>
+        <p:spPr>
+          <a:xfrm>
+            <a:off x="2813195" y="4938291"/>
+            <a:ext cx="401225" cy="518917"/>
+          </a:xfrm>
+          <a:prstGeom prst="rect">
+            <a:avLst/>
+          </a:prstGeom>
+          <a:solidFill>
+            <a:srgbClr val="FFFF00"/>
+          </a:solidFill>
+        </p:spPr>
+        <p:style>
+          <a:lnRef idx="2">
+            <a:schemeClr val="accent1">
+              <a:shade val="50000"/>
+            </a:schemeClr>
+          </a:lnRef>
+          <a:fillRef idx="1">
+            <a:schemeClr val="accent1"/>
+          </a:fillRef>
+          <a:effectRef idx="0">
+            <a:schemeClr val="accent1"/>
+          </a:effectRef>
+          <a:fontRef idx="minor">
+            <a:schemeClr val="lt1"/>
+          </a:fontRef>
+        </p:style>
+        <p:txBody>
+          <a:bodyPr rtlCol="0" anchor="ctr"/>
+          <a:lstStyle/>
+          <a:p>
+            <a:pPr algn="ctr"/>
+            <a:r>
+              <a:rPr kumimoji="1" lang="en-US" altLang="ko-Kore-KR" sz="1400" dirty="0">
+                <a:solidFill>
+                  <a:schemeClr val="tx1"/>
+                </a:solidFill>
+              </a:rPr>
+              <a:t>e</a:t>
+            </a:r>
+            <a:endParaRPr kumimoji="1" lang="ko-Kore-KR" altLang="en-US" sz="1400" dirty="0">
+              <a:solidFill>
+                <a:schemeClr val="tx1"/>
+              </a:solidFill>
+            </a:endParaRPr>
+          </a:p>
+        </p:txBody>
+      </p:sp>
+      <p:sp>
+        <p:nvSpPr>
+          <p:cNvPr id="16" name="직사각형 15">
+            <a:extLst>
+              <a:ext uri="{FF2B5EF4-FFF2-40B4-BE49-F238E27FC236}">
+                <a16:creationId xmlns:a16="http://schemas.microsoft.com/office/drawing/2014/main" id="{810E6B0C-8852-1D3D-3246-94F126E68417}"/>
+              </a:ext>
+            </a:extLst>
+          </p:cNvPr>
+          <p:cNvSpPr/>
+          <p:nvPr/>
+        </p:nvSpPr>
+        <p:spPr>
+          <a:xfrm>
+            <a:off x="3214420" y="4938291"/>
+            <a:ext cx="401225" cy="518917"/>
+          </a:xfrm>
+          <a:prstGeom prst="rect">
+            <a:avLst/>
+          </a:prstGeom>
+          <a:solidFill>
+            <a:srgbClr val="FFFF00"/>
+          </a:solidFill>
+        </p:spPr>
+        <p:style>
+          <a:lnRef idx="2">
+            <a:schemeClr val="accent1">
+              <a:shade val="50000"/>
+            </a:schemeClr>
+          </a:lnRef>
+          <a:fillRef idx="1">
+            <a:schemeClr val="accent1"/>
+          </a:fillRef>
+          <a:effectRef idx="0">
+            <a:schemeClr val="accent1"/>
+          </a:effectRef>
+          <a:fontRef idx="minor">
+            <a:schemeClr val="lt1"/>
+          </a:fontRef>
+        </p:style>
+        <p:txBody>
+          <a:bodyPr rtlCol="0" anchor="ctr"/>
+          <a:lstStyle/>
+          <a:p>
+            <a:pPr algn="ctr"/>
+            <a:r>
+              <a:rPr kumimoji="1" lang="en-US" altLang="ko-Kore-KR" sz="1400" dirty="0">
+                <a:solidFill>
+                  <a:schemeClr val="tx1"/>
+                </a:solidFill>
+              </a:rPr>
+              <a:t>l</a:t>
+            </a:r>
+            <a:endParaRPr kumimoji="1" lang="ko-Kore-KR" altLang="en-US" sz="1400" dirty="0">
+              <a:solidFill>
+                <a:schemeClr val="tx1"/>
+              </a:solidFill>
+            </a:endParaRPr>
+          </a:p>
+        </p:txBody>
+      </p:sp>
+      <p:sp>
+        <p:nvSpPr>
+          <p:cNvPr id="17" name="직사각형 16">
+            <a:extLst>
+              <a:ext uri="{FF2B5EF4-FFF2-40B4-BE49-F238E27FC236}">
+                <a16:creationId xmlns:a16="http://schemas.microsoft.com/office/drawing/2014/main" id="{532DB0AE-943B-CC0E-A5AE-27C7A2739237}"/>
+              </a:ext>
+            </a:extLst>
+          </p:cNvPr>
+          <p:cNvSpPr/>
+          <p:nvPr/>
+        </p:nvSpPr>
+        <p:spPr>
+          <a:xfrm>
+            <a:off x="3615645" y="4938291"/>
+            <a:ext cx="401225" cy="518917"/>
+          </a:xfrm>
+          <a:prstGeom prst="rect">
+            <a:avLst/>
+          </a:prstGeom>
+          <a:solidFill>
+            <a:srgbClr val="FFFF00"/>
+          </a:solidFill>
+        </p:spPr>
+        <p:style>
+          <a:lnRef idx="2">
+            <a:schemeClr val="accent1">
+              <a:shade val="50000"/>
+            </a:schemeClr>
+          </a:lnRef>
+          <a:fillRef idx="1">
+            <a:schemeClr val="accent1"/>
+          </a:fillRef>
+          <a:effectRef idx="0">
+            <a:schemeClr val="accent1"/>
+          </a:effectRef>
+          <a:fontRef idx="minor">
+            <a:schemeClr val="lt1"/>
+          </a:fontRef>
+        </p:style>
+        <p:txBody>
+          <a:bodyPr rtlCol="0" anchor="ctr"/>
+          <a:lstStyle/>
+          <a:p>
+            <a:pPr algn="ctr"/>
+            <a:r>
+              <a:rPr kumimoji="1" lang="en-US" altLang="ko-Kore-KR" sz="1400" dirty="0">
+                <a:solidFill>
+                  <a:schemeClr val="tx1"/>
+                </a:solidFill>
+              </a:rPr>
+              <a:t>l</a:t>
+            </a:r>
+            <a:endParaRPr kumimoji="1" lang="ko-Kore-KR" altLang="en-US" sz="1400" dirty="0">
+              <a:solidFill>
+                <a:schemeClr val="tx1"/>
+              </a:solidFill>
+            </a:endParaRPr>
+          </a:p>
+        </p:txBody>
+      </p:sp>
+      <p:sp>
+        <p:nvSpPr>
+          <p:cNvPr id="18" name="직사각형 17">
+            <a:extLst>
+              <a:ext uri="{FF2B5EF4-FFF2-40B4-BE49-F238E27FC236}">
+                <a16:creationId xmlns:a16="http://schemas.microsoft.com/office/drawing/2014/main" id="{688189EB-F061-C45C-3509-0DEB399A5057}"/>
+              </a:ext>
+            </a:extLst>
+          </p:cNvPr>
+          <p:cNvSpPr/>
+          <p:nvPr/>
+        </p:nvSpPr>
+        <p:spPr>
+          <a:xfrm>
+            <a:off x="4016870" y="4938291"/>
+            <a:ext cx="401225" cy="518917"/>
+          </a:xfrm>
+          <a:prstGeom prst="rect">
+            <a:avLst/>
+          </a:prstGeom>
+          <a:solidFill>
+            <a:srgbClr val="FFFF00"/>
+          </a:solidFill>
+        </p:spPr>
+        <p:style>
+          <a:lnRef idx="2">
+            <a:schemeClr val="accent1">
+              <a:shade val="50000"/>
+            </a:schemeClr>
+          </a:lnRef>
+          <a:fillRef idx="1">
+            <a:schemeClr val="accent1"/>
+          </a:fillRef>
+          <a:effectRef idx="0">
+            <a:schemeClr val="accent1"/>
+          </a:effectRef>
+          <a:fontRef idx="minor">
+            <a:schemeClr val="lt1"/>
+          </a:fontRef>
+        </p:style>
+        <p:txBody>
+          <a:bodyPr rtlCol="0" anchor="ctr"/>
+          <a:lstStyle/>
+          <a:p>
+            <a:pPr algn="ctr"/>
+            <a:r>
+              <a:rPr kumimoji="1" lang="en-US" altLang="ko-Kore-KR" sz="1400" dirty="0">
+                <a:solidFill>
+                  <a:schemeClr val="tx1"/>
+                </a:solidFill>
+              </a:rPr>
+              <a:t>o</a:t>
+            </a:r>
+            <a:endParaRPr kumimoji="1" lang="ko-Kore-KR" altLang="en-US" sz="1400" dirty="0">
+              <a:solidFill>
+                <a:schemeClr val="tx1"/>
+              </a:solidFill>
+            </a:endParaRPr>
+          </a:p>
+        </p:txBody>
+      </p:sp>
+      <p:sp>
+        <p:nvSpPr>
+          <p:cNvPr id="19" name="직사각형 18">
+            <a:extLst>
+              <a:ext uri="{FF2B5EF4-FFF2-40B4-BE49-F238E27FC236}">
+                <a16:creationId xmlns:a16="http://schemas.microsoft.com/office/drawing/2014/main" id="{97C4F89D-12AD-EFA1-5AC8-A8069A1D9F9A}"/>
+              </a:ext>
+            </a:extLst>
+          </p:cNvPr>
+          <p:cNvSpPr/>
+          <p:nvPr/>
+        </p:nvSpPr>
+        <p:spPr>
+          <a:xfrm>
+            <a:off x="4418095" y="4938291"/>
+            <a:ext cx="401225" cy="518917"/>
+          </a:xfrm>
+          <a:prstGeom prst="rect">
+            <a:avLst/>
+          </a:prstGeom>
+          <a:solidFill>
+            <a:srgbClr val="FFFF00"/>
+          </a:solidFill>
+        </p:spPr>
+        <p:style>
+          <a:lnRef idx="2">
+            <a:schemeClr val="accent1">
+              <a:shade val="50000"/>
+            </a:schemeClr>
+          </a:lnRef>
+          <a:fillRef idx="1">
+            <a:schemeClr val="accent1"/>
+          </a:fillRef>
+          <a:effectRef idx="0">
+            <a:schemeClr val="accent1"/>
+          </a:effectRef>
+          <a:fontRef idx="minor">
+            <a:schemeClr val="lt1"/>
+          </a:fontRef>
+        </p:style>
+        <p:txBody>
+          <a:bodyPr rtlCol="0" anchor="ctr"/>
+          <a:lstStyle/>
+          <a:p>
+            <a:pPr algn="ctr"/>
+            <a:r>
+              <a:rPr kumimoji="1" lang="en-US" altLang="ko-Kore-KR" sz="1400" dirty="0">
+                <a:solidFill>
+                  <a:schemeClr val="tx1"/>
+                </a:solidFill>
+              </a:rPr>
+              <a:t>\n</a:t>
+            </a:r>
+            <a:endParaRPr kumimoji="1" lang="ko-Kore-KR" altLang="en-US" sz="1400" dirty="0">
+              <a:solidFill>
+                <a:schemeClr val="tx1"/>
+              </a:solidFill>
+            </a:endParaRPr>
+          </a:p>
+        </p:txBody>
+      </p:sp>
+      <p:sp>
+        <p:nvSpPr>
+          <p:cNvPr id="20" name="직사각형 19">
+            <a:extLst>
+              <a:ext uri="{FF2B5EF4-FFF2-40B4-BE49-F238E27FC236}">
+                <a16:creationId xmlns:a16="http://schemas.microsoft.com/office/drawing/2014/main" id="{FC293960-58D2-6C9A-0D0D-E240D2397DA1}"/>
+              </a:ext>
+            </a:extLst>
+          </p:cNvPr>
+          <p:cNvSpPr/>
+          <p:nvPr/>
+        </p:nvSpPr>
+        <p:spPr>
+          <a:xfrm>
+            <a:off x="4819320" y="4938291"/>
+            <a:ext cx="401225" cy="518917"/>
+          </a:xfrm>
+          <a:prstGeom prst="rect">
+            <a:avLst/>
+          </a:prstGeom>
+          <a:solidFill>
+            <a:srgbClr val="FFFF00"/>
+          </a:solidFill>
+        </p:spPr>
+        <p:style>
+          <a:lnRef idx="2">
+            <a:schemeClr val="accent1">
+              <a:shade val="50000"/>
+            </a:schemeClr>
+          </a:lnRef>
+          <a:fillRef idx="1">
+            <a:schemeClr val="accent1"/>
+          </a:fillRef>
+          <a:effectRef idx="0">
+            <a:schemeClr val="accent1"/>
+          </a:effectRef>
+          <a:fontRef idx="minor">
+            <a:schemeClr val="lt1"/>
+          </a:fontRef>
+        </p:style>
+        <p:txBody>
+          <a:bodyPr rtlCol="0" anchor="ctr"/>
+          <a:lstStyle/>
+          <a:p>
+            <a:pPr algn="ctr"/>
+            <a:endParaRPr kumimoji="1" lang="ko-Kore-KR" altLang="en-US" sz="1400" dirty="0">
+              <a:solidFill>
+                <a:schemeClr val="tx1"/>
+              </a:solidFill>
+            </a:endParaRPr>
+          </a:p>
+        </p:txBody>
+      </p:sp>
+      <p:sp>
+        <p:nvSpPr>
+          <p:cNvPr id="21" name="직사각형 20">
+            <a:extLst>
+              <a:ext uri="{FF2B5EF4-FFF2-40B4-BE49-F238E27FC236}">
+                <a16:creationId xmlns:a16="http://schemas.microsoft.com/office/drawing/2014/main" id="{A517E5CE-FA45-D672-84EC-24EE16970374}"/>
+              </a:ext>
+            </a:extLst>
+          </p:cNvPr>
+          <p:cNvSpPr/>
+          <p:nvPr/>
+        </p:nvSpPr>
+        <p:spPr>
+          <a:xfrm>
+            <a:off x="5220545" y="4938291"/>
+            <a:ext cx="401225" cy="518917"/>
+          </a:xfrm>
+          <a:prstGeom prst="rect">
+            <a:avLst/>
+          </a:prstGeom>
+          <a:solidFill>
+            <a:srgbClr val="FFFF00"/>
+          </a:solidFill>
+        </p:spPr>
+        <p:style>
+          <a:lnRef idx="2">
+            <a:schemeClr val="accent1">
+              <a:shade val="50000"/>
+            </a:schemeClr>
+          </a:lnRef>
+          <a:fillRef idx="1">
+            <a:schemeClr val="accent1"/>
+          </a:fillRef>
+          <a:effectRef idx="0">
+            <a:schemeClr val="accent1"/>
+          </a:effectRef>
+          <a:fontRef idx="minor">
+            <a:schemeClr val="lt1"/>
+          </a:fontRef>
+        </p:style>
+        <p:txBody>
+          <a:bodyPr rtlCol="0" anchor="ctr"/>
+          <a:lstStyle/>
+          <a:p>
+            <a:pPr algn="ctr"/>
+            <a:endParaRPr kumimoji="1" lang="ko-Kore-KR" altLang="en-US" sz="1400" dirty="0">
+              <a:solidFill>
+                <a:schemeClr val="tx1"/>
+              </a:solidFill>
+            </a:endParaRPr>
+          </a:p>
+        </p:txBody>
+      </p:sp>
+      <p:sp>
+        <p:nvSpPr>
+          <p:cNvPr id="22" name="직사각형 21">
+            <a:extLst>
+              <a:ext uri="{FF2B5EF4-FFF2-40B4-BE49-F238E27FC236}">
+                <a16:creationId xmlns:a16="http://schemas.microsoft.com/office/drawing/2014/main" id="{EA419065-CE16-4CCE-5730-B766DA8E85DA}"/>
+              </a:ext>
+            </a:extLst>
+          </p:cNvPr>
+          <p:cNvSpPr/>
+          <p:nvPr/>
+        </p:nvSpPr>
+        <p:spPr>
+          <a:xfrm>
+            <a:off x="5621770" y="4938291"/>
+            <a:ext cx="401225" cy="518917"/>
+          </a:xfrm>
+          <a:prstGeom prst="rect">
+            <a:avLst/>
+          </a:prstGeom>
+          <a:solidFill>
+            <a:srgbClr val="FFFF00"/>
+          </a:solidFill>
+        </p:spPr>
+        <p:style>
+          <a:lnRef idx="2">
+            <a:schemeClr val="accent1">
+              <a:shade val="50000"/>
+            </a:schemeClr>
+          </a:lnRef>
+          <a:fillRef idx="1">
+            <a:schemeClr val="accent1"/>
+          </a:fillRef>
+          <a:effectRef idx="0">
+            <a:schemeClr val="accent1"/>
+          </a:effectRef>
+          <a:fontRef idx="minor">
+            <a:schemeClr val="lt1"/>
+          </a:fontRef>
+        </p:style>
+        <p:txBody>
+          <a:bodyPr rtlCol="0" anchor="ctr"/>
+          <a:lstStyle/>
+          <a:p>
+            <a:pPr algn="ctr"/>
+            <a:endParaRPr kumimoji="1" lang="ko-Kore-KR" altLang="en-US" sz="1400" dirty="0">
+              <a:solidFill>
+                <a:schemeClr val="tx1"/>
+              </a:solidFill>
+            </a:endParaRPr>
+          </a:p>
+        </p:txBody>
+      </p:sp>
+      <p:sp>
+        <p:nvSpPr>
+          <p:cNvPr id="23" name="직사각형 22">
+            <a:extLst>
+              <a:ext uri="{FF2B5EF4-FFF2-40B4-BE49-F238E27FC236}">
+                <a16:creationId xmlns:a16="http://schemas.microsoft.com/office/drawing/2014/main" id="{8F8AFEB1-CC00-67F7-990E-1F22E1046A13}"/>
+              </a:ext>
+            </a:extLst>
+          </p:cNvPr>
+          <p:cNvSpPr/>
+          <p:nvPr/>
+        </p:nvSpPr>
+        <p:spPr>
+          <a:xfrm>
+            <a:off x="6022995" y="4938291"/>
+            <a:ext cx="401225" cy="518917"/>
+          </a:xfrm>
+          <a:prstGeom prst="rect">
+            <a:avLst/>
+          </a:prstGeom>
+          <a:solidFill>
+            <a:srgbClr val="FFFF00"/>
+          </a:solidFill>
+        </p:spPr>
+        <p:style>
+          <a:lnRef idx="2">
+            <a:schemeClr val="accent1">
+              <a:shade val="50000"/>
+            </a:schemeClr>
+          </a:lnRef>
+          <a:fillRef idx="1">
+            <a:schemeClr val="accent1"/>
+          </a:fillRef>
+          <a:effectRef idx="0">
+            <a:schemeClr val="accent1"/>
+          </a:effectRef>
+          <a:fontRef idx="minor">
+            <a:schemeClr val="lt1"/>
+          </a:fontRef>
+        </p:style>
+        <p:txBody>
+          <a:bodyPr rtlCol="0" anchor="ctr"/>
+          <a:lstStyle/>
+          <a:p>
+            <a:pPr algn="ctr"/>
+            <a:endParaRPr kumimoji="1" lang="ko-Kore-KR" altLang="en-US" sz="1400" dirty="0">
+              <a:solidFill>
+                <a:schemeClr val="tx1"/>
+              </a:solidFill>
+            </a:endParaRPr>
+          </a:p>
+        </p:txBody>
+      </p:sp>
+      <p:sp>
+        <p:nvSpPr>
+          <p:cNvPr id="24" name="직사각형 23">
+            <a:extLst>
+              <a:ext uri="{FF2B5EF4-FFF2-40B4-BE49-F238E27FC236}">
+                <a16:creationId xmlns:a16="http://schemas.microsoft.com/office/drawing/2014/main" id="{95C3263B-8E5A-2C88-746A-9830F1479EB6}"/>
+              </a:ext>
+            </a:extLst>
+          </p:cNvPr>
+          <p:cNvSpPr/>
+          <p:nvPr/>
+        </p:nvSpPr>
+        <p:spPr>
+          <a:xfrm>
+            <a:off x="6424220" y="4938291"/>
+            <a:ext cx="401225" cy="518917"/>
+          </a:xfrm>
+          <a:prstGeom prst="rect">
+            <a:avLst/>
+          </a:prstGeom>
+          <a:solidFill>
+            <a:srgbClr val="FFFF00"/>
+          </a:solidFill>
+        </p:spPr>
+        <p:style>
+          <a:lnRef idx="2">
+            <a:schemeClr val="accent1">
+              <a:shade val="50000"/>
+            </a:schemeClr>
+          </a:lnRef>
+          <a:fillRef idx="1">
+            <a:schemeClr val="accent1"/>
+          </a:fillRef>
+          <a:effectRef idx="0">
+            <a:schemeClr val="accent1"/>
+          </a:effectRef>
+          <a:fontRef idx="minor">
+            <a:schemeClr val="lt1"/>
+          </a:fontRef>
+        </p:style>
+        <p:txBody>
+          <a:bodyPr rtlCol="0" anchor="ctr"/>
+          <a:lstStyle/>
+          <a:p>
+            <a:pPr algn="ctr"/>
+            <a:endParaRPr kumimoji="1" lang="ko-Kore-KR" altLang="en-US" sz="1400" dirty="0">
+              <a:solidFill>
+                <a:schemeClr val="tx1"/>
+              </a:solidFill>
+            </a:endParaRPr>
+          </a:p>
+        </p:txBody>
+      </p:sp>
+      <p:sp>
+        <p:nvSpPr>
+          <p:cNvPr id="25" name="직사각형 24">
+            <a:extLst>
+              <a:ext uri="{FF2B5EF4-FFF2-40B4-BE49-F238E27FC236}">
+                <a16:creationId xmlns:a16="http://schemas.microsoft.com/office/drawing/2014/main" id="{69E73834-A069-78AA-0DA4-DEFF834E524D}"/>
+              </a:ext>
+            </a:extLst>
+          </p:cNvPr>
+          <p:cNvSpPr/>
+          <p:nvPr/>
+        </p:nvSpPr>
+        <p:spPr>
+          <a:xfrm>
+            <a:off x="6825445" y="4938291"/>
+            <a:ext cx="401225" cy="518917"/>
+          </a:xfrm>
+          <a:prstGeom prst="rect">
+            <a:avLst/>
+          </a:prstGeom>
+          <a:solidFill>
+            <a:srgbClr val="FFFF00"/>
+          </a:solidFill>
+        </p:spPr>
+        <p:style>
+          <a:lnRef idx="2">
+            <a:schemeClr val="accent1">
+              <a:shade val="50000"/>
+            </a:schemeClr>
+          </a:lnRef>
+          <a:fillRef idx="1">
+            <a:schemeClr val="accent1"/>
+          </a:fillRef>
+          <a:effectRef idx="0">
+            <a:schemeClr val="accent1"/>
+          </a:effectRef>
+          <a:fontRef idx="minor">
+            <a:schemeClr val="lt1"/>
+          </a:fontRef>
+        </p:style>
+        <p:txBody>
+          <a:bodyPr rtlCol="0" anchor="ctr"/>
+          <a:lstStyle/>
+          <a:p>
+            <a:pPr algn="ctr"/>
+            <a:endParaRPr kumimoji="1" lang="ko-Kore-KR" altLang="en-US" sz="1400" dirty="0">
+              <a:solidFill>
+                <a:schemeClr val="tx1"/>
+              </a:solidFill>
+            </a:endParaRPr>
+          </a:p>
+        </p:txBody>
+      </p:sp>
+      <p:sp>
+        <p:nvSpPr>
+          <p:cNvPr id="26" name="직사각형 25">
+            <a:extLst>
+              <a:ext uri="{FF2B5EF4-FFF2-40B4-BE49-F238E27FC236}">
+                <a16:creationId xmlns:a16="http://schemas.microsoft.com/office/drawing/2014/main" id="{D064F1B1-BC40-2209-8F38-7B05A32B6C5E}"/>
+              </a:ext>
+            </a:extLst>
+          </p:cNvPr>
+          <p:cNvSpPr/>
+          <p:nvPr/>
+        </p:nvSpPr>
+        <p:spPr>
+          <a:xfrm>
+            <a:off x="7226670" y="4938291"/>
+            <a:ext cx="401225" cy="518917"/>
+          </a:xfrm>
+          <a:prstGeom prst="rect">
+            <a:avLst/>
+          </a:prstGeom>
+          <a:solidFill>
+            <a:srgbClr val="FFFF00"/>
+          </a:solidFill>
+        </p:spPr>
+        <p:style>
+          <a:lnRef idx="2">
+            <a:schemeClr val="accent1">
+              <a:shade val="50000"/>
+            </a:schemeClr>
+          </a:lnRef>
+          <a:fillRef idx="1">
+            <a:schemeClr val="accent1"/>
+          </a:fillRef>
+          <a:effectRef idx="0">
+            <a:schemeClr val="accent1"/>
+          </a:effectRef>
+          <a:fontRef idx="minor">
+            <a:schemeClr val="lt1"/>
+          </a:fontRef>
+        </p:style>
+        <p:txBody>
+          <a:bodyPr rtlCol="0" anchor="ctr"/>
+          <a:lstStyle/>
+          <a:p>
+            <a:pPr algn="ctr"/>
+            <a:endParaRPr kumimoji="1" lang="ko-Kore-KR" altLang="en-US" sz="1400" dirty="0">
+              <a:solidFill>
+                <a:schemeClr val="tx1"/>
+              </a:solidFill>
+            </a:endParaRPr>
+          </a:p>
+        </p:txBody>
+      </p:sp>
+      <p:sp>
+        <p:nvSpPr>
+          <p:cNvPr id="27" name="직사각형 26">
+            <a:extLst>
+              <a:ext uri="{FF2B5EF4-FFF2-40B4-BE49-F238E27FC236}">
+                <a16:creationId xmlns:a16="http://schemas.microsoft.com/office/drawing/2014/main" id="{D57ACCFC-C62E-ACE7-8E87-1AE67C89D005}"/>
+              </a:ext>
+            </a:extLst>
+          </p:cNvPr>
+          <p:cNvSpPr/>
+          <p:nvPr/>
+        </p:nvSpPr>
+        <p:spPr>
+          <a:xfrm>
+            <a:off x="7627895" y="4938291"/>
+            <a:ext cx="401225" cy="518917"/>
+          </a:xfrm>
+          <a:prstGeom prst="rect">
+            <a:avLst/>
+          </a:prstGeom>
+          <a:solidFill>
+            <a:srgbClr val="FFFF00"/>
+          </a:solidFill>
+        </p:spPr>
+        <p:style>
+          <a:lnRef idx="2">
+            <a:schemeClr val="accent1">
+              <a:shade val="50000"/>
+            </a:schemeClr>
+          </a:lnRef>
+          <a:fillRef idx="1">
+            <a:schemeClr val="accent1"/>
+          </a:fillRef>
+          <a:effectRef idx="0">
+            <a:schemeClr val="accent1"/>
+          </a:effectRef>
+          <a:fontRef idx="minor">
+            <a:schemeClr val="lt1"/>
+          </a:fontRef>
+        </p:style>
+        <p:txBody>
+          <a:bodyPr rtlCol="0" anchor="ctr"/>
+          <a:lstStyle/>
+          <a:p>
+            <a:pPr algn="ctr"/>
+            <a:endParaRPr kumimoji="1" lang="ko-Kore-KR" altLang="en-US" sz="1400" dirty="0">
+              <a:solidFill>
+                <a:schemeClr val="tx1"/>
+              </a:solidFill>
+            </a:endParaRPr>
+          </a:p>
+        </p:txBody>
+      </p:sp>
+      <p:sp>
+        <p:nvSpPr>
+          <p:cNvPr id="28" name="직사각형 27">
+            <a:extLst>
+              <a:ext uri="{FF2B5EF4-FFF2-40B4-BE49-F238E27FC236}">
+                <a16:creationId xmlns:a16="http://schemas.microsoft.com/office/drawing/2014/main" id="{E7D73FA2-2ABF-7D50-65C0-6B91DB45A66F}"/>
+              </a:ext>
+            </a:extLst>
+          </p:cNvPr>
+          <p:cNvSpPr/>
+          <p:nvPr/>
+        </p:nvSpPr>
+        <p:spPr>
+          <a:xfrm>
+            <a:off x="8029120" y="4938291"/>
+            <a:ext cx="401225" cy="518917"/>
+          </a:xfrm>
+          <a:prstGeom prst="rect">
+            <a:avLst/>
+          </a:prstGeom>
+          <a:solidFill>
+            <a:srgbClr val="FFFF00"/>
+          </a:solidFill>
+        </p:spPr>
+        <p:style>
+          <a:lnRef idx="2">
+            <a:schemeClr val="accent1">
+              <a:shade val="50000"/>
+            </a:schemeClr>
+          </a:lnRef>
+          <a:fillRef idx="1">
+            <a:schemeClr val="accent1"/>
+          </a:fillRef>
+          <a:effectRef idx="0">
+            <a:schemeClr val="accent1"/>
+          </a:effectRef>
+          <a:fontRef idx="minor">
+            <a:schemeClr val="lt1"/>
+          </a:fontRef>
+        </p:style>
+        <p:txBody>
+          <a:bodyPr rtlCol="0" anchor="ctr"/>
+          <a:lstStyle/>
+          <a:p>
+            <a:pPr algn="ctr"/>
+            <a:endParaRPr kumimoji="1" lang="ko-Kore-KR" altLang="en-US" sz="1400" dirty="0">
+              <a:solidFill>
+                <a:schemeClr val="tx1"/>
+              </a:solidFill>
+            </a:endParaRPr>
+          </a:p>
+        </p:txBody>
+      </p:sp>
+      <p:sp>
+        <p:nvSpPr>
+          <p:cNvPr id="29" name="직사각형 28">
+            <a:extLst>
+              <a:ext uri="{FF2B5EF4-FFF2-40B4-BE49-F238E27FC236}">
+                <a16:creationId xmlns:a16="http://schemas.microsoft.com/office/drawing/2014/main" id="{528FC59F-2DE9-DCE0-3414-416C705A9799}"/>
+              </a:ext>
+            </a:extLst>
+          </p:cNvPr>
+          <p:cNvSpPr/>
+          <p:nvPr/>
+        </p:nvSpPr>
+        <p:spPr>
+          <a:xfrm>
+            <a:off x="8430345" y="4938291"/>
+            <a:ext cx="401225" cy="518917"/>
+          </a:xfrm>
+          <a:prstGeom prst="rect">
+            <a:avLst/>
+          </a:prstGeom>
+          <a:solidFill>
+            <a:srgbClr val="FFFF00"/>
+          </a:solidFill>
+        </p:spPr>
+        <p:style>
+          <a:lnRef idx="2">
+            <a:schemeClr val="accent1">
+              <a:shade val="50000"/>
+            </a:schemeClr>
+          </a:lnRef>
+          <a:fillRef idx="1">
+            <a:schemeClr val="accent1"/>
+          </a:fillRef>
+          <a:effectRef idx="0">
+            <a:schemeClr val="accent1"/>
+          </a:effectRef>
+          <a:fontRef idx="minor">
+            <a:schemeClr val="lt1"/>
+          </a:fontRef>
+        </p:style>
+        <p:txBody>
+          <a:bodyPr rtlCol="0" anchor="ctr"/>
+          <a:lstStyle/>
+          <a:p>
+            <a:pPr algn="ctr"/>
+            <a:endParaRPr kumimoji="1" lang="ko-Kore-KR" altLang="en-US" sz="1400" dirty="0">
+              <a:solidFill>
+                <a:schemeClr val="tx1"/>
+              </a:solidFill>
+            </a:endParaRPr>
+          </a:p>
+        </p:txBody>
+      </p:sp>
+      <p:sp>
+        <p:nvSpPr>
+          <p:cNvPr id="30" name="직사각형 29">
+            <a:extLst>
+              <a:ext uri="{FF2B5EF4-FFF2-40B4-BE49-F238E27FC236}">
+                <a16:creationId xmlns:a16="http://schemas.microsoft.com/office/drawing/2014/main" id="{ECDD53E5-324A-9878-3706-6EA5F49E0B05}"/>
+              </a:ext>
+            </a:extLst>
+          </p:cNvPr>
+          <p:cNvSpPr/>
+          <p:nvPr/>
+        </p:nvSpPr>
+        <p:spPr>
+          <a:xfrm>
+            <a:off x="8517370" y="1575810"/>
+            <a:ext cx="401225" cy="518917"/>
+          </a:xfrm>
+          <a:prstGeom prst="rect">
+            <a:avLst/>
+          </a:prstGeom>
+          <a:solidFill>
+            <a:srgbClr val="FFFF00"/>
+          </a:solidFill>
+        </p:spPr>
+        <p:style>
+          <a:lnRef idx="2">
+            <a:schemeClr val="accent1">
+              <a:shade val="50000"/>
+            </a:schemeClr>
+          </a:lnRef>
+          <a:fillRef idx="1">
+            <a:schemeClr val="accent1"/>
+          </a:fillRef>
+          <a:effectRef idx="0">
+            <a:schemeClr val="accent1"/>
+          </a:effectRef>
+          <a:fontRef idx="minor">
+            <a:schemeClr val="lt1"/>
+          </a:fontRef>
+        </p:style>
+        <p:txBody>
+          <a:bodyPr rtlCol="0" anchor="ctr"/>
+          <a:lstStyle/>
+          <a:p>
+            <a:pPr algn="ctr"/>
+            <a:r>
+              <a:rPr kumimoji="1" lang="en-US" altLang="ko-Kore-KR" sz="1400" dirty="0">
+                <a:solidFill>
+                  <a:schemeClr val="tx1"/>
+                </a:solidFill>
+              </a:rPr>
+              <a:t>0</a:t>
+            </a:r>
+            <a:endParaRPr kumimoji="1" lang="ko-Kore-KR" altLang="en-US" sz="1400" dirty="0">
+              <a:solidFill>
+                <a:schemeClr val="tx1"/>
+              </a:solidFill>
+            </a:endParaRPr>
+          </a:p>
+        </p:txBody>
+      </p:sp>
+      <p:sp>
+        <p:nvSpPr>
+          <p:cNvPr id="2" name="직사각형 1">
+            <a:extLst>
+              <a:ext uri="{FF2B5EF4-FFF2-40B4-BE49-F238E27FC236}">
+                <a16:creationId xmlns:a16="http://schemas.microsoft.com/office/drawing/2014/main" id="{F9C56EB4-DC72-AD14-56D7-91E3ED61CE11}"/>
+              </a:ext>
+            </a:extLst>
+          </p:cNvPr>
+          <p:cNvSpPr/>
+          <p:nvPr/>
+        </p:nvSpPr>
+        <p:spPr>
+          <a:xfrm>
+            <a:off x="7769350" y="1575810"/>
+            <a:ext cx="736099" cy="369332"/>
+          </a:xfrm>
+          <a:prstGeom prst="rect">
+            <a:avLst/>
+          </a:prstGeom>
+        </p:spPr>
+        <p:txBody>
+          <a:bodyPr wrap="none">
+            <a:spAutoFit/>
+          </a:bodyPr>
+          <a:lstStyle/>
+          <a:p>
+            <a:r>
+              <a:rPr lang="en" altLang="ko-Kore-KR" dirty="0" err="1">
+                <a:solidFill>
+                  <a:srgbClr val="001080"/>
+                </a:solidFill>
+                <a:latin typeface="DM Mono" panose="020B0509040201040103" pitchFamily="49" charset="0"/>
+              </a:rPr>
+              <a:t>fpos</a:t>
+            </a:r>
+            <a:endParaRPr lang="ko-Kore-KR" altLang="en-US" dirty="0"/>
+          </a:p>
+        </p:txBody>
+      </p:sp>
+      <p:cxnSp>
+        <p:nvCxnSpPr>
+          <p:cNvPr id="5" name="구부러진 연결선[U] 4">
+            <a:extLst>
+              <a:ext uri="{FF2B5EF4-FFF2-40B4-BE49-F238E27FC236}">
+                <a16:creationId xmlns:a16="http://schemas.microsoft.com/office/drawing/2014/main" id="{BE845E46-3BF6-CFEF-4D52-1A1252A8F28A}"/>
+              </a:ext>
+            </a:extLst>
+          </p:cNvPr>
+          <p:cNvCxnSpPr>
+            <a:cxnSpLocks/>
+            <a:stCxn id="30" idx="2"/>
+            <a:endCxn id="57" idx="0"/>
+          </p:cNvCxnSpPr>
+          <p:nvPr/>
+        </p:nvCxnSpPr>
+        <p:spPr>
+          <a:xfrm rot="5400000">
+            <a:off x="4243501" y="463809"/>
+            <a:ext cx="2843564" cy="6105400"/>
+          </a:xfrm>
+          <a:prstGeom prst="curvedConnector3">
+            <a:avLst/>
+          </a:prstGeom>
+          <a:ln>
+            <a:tailEnd type="triangle"/>
+          </a:ln>
+        </p:spPr>
+        <p:style>
+          <a:lnRef idx="1">
+            <a:schemeClr val="accent1"/>
+          </a:lnRef>
+          <a:fillRef idx="0">
+            <a:schemeClr val="accent1"/>
+          </a:fillRef>
+          <a:effectRef idx="0">
+            <a:schemeClr val="accent1"/>
+          </a:effectRef>
+          <a:fontRef idx="minor">
+            <a:schemeClr val="tx1"/>
+          </a:fontRef>
+        </p:style>
+      </p:cxnSp>
+    </p:spTree>
+    <p:extLst>
+      <p:ext uri="{BB962C8B-B14F-4D97-AF65-F5344CB8AC3E}">
+        <p14:creationId xmlns:p14="http://schemas.microsoft.com/office/powerpoint/2010/main" val="2175793090"/>
       </p:ext>
     </p:extLst>
   </p:cSld>
